--- a/Training_Images.pptx
+++ b/Training_Images.pptx
@@ -8,6 +8,7 @@
     <p:sldId id="256" r:id="rId2"/>
     <p:sldId id="257" r:id="rId3"/>
     <p:sldId id="258" r:id="rId4"/>
+    <p:sldId id="259" r:id="rId5"/>
   </p:sldIdLst>
   <p:sldSz cx="12192000" cy="6858000"/>
   <p:notesSz cx="6858000" cy="9144000"/>
@@ -106,6 +107,11 @@
       </a:defRPr>
     </a:lvl9pPr>
   </p:defaultTextStyle>
+  <p:extLst>
+    <p:ext uri="{EFAFB233-063F-42B5-8137-9DF3F51BA10A}">
+      <p15:sldGuideLst xmlns:p15="http://schemas.microsoft.com/office/powerpoint/2012/main"/>
+    </p:ext>
+  </p:extLst>
 </p:presentation>
 </file>
 
@@ -256,7 +262,7 @@
           <a:p>
             <a:fld id="{F4B84776-BAA1-48A5-B83E-3E40081DB21F}" type="datetimeFigureOut">
               <a:rPr lang="en-US" smtClean="0"/>
-              <a:t>9/22/2022</a:t>
+              <a:t>9/23/2022</a:t>
             </a:fld>
             <a:endParaRPr lang="en-US"/>
           </a:p>
@@ -454,7 +460,7 @@
           <a:p>
             <a:fld id="{F4B84776-BAA1-48A5-B83E-3E40081DB21F}" type="datetimeFigureOut">
               <a:rPr lang="en-US" smtClean="0"/>
-              <a:t>9/22/2022</a:t>
+              <a:t>9/23/2022</a:t>
             </a:fld>
             <a:endParaRPr lang="en-US"/>
           </a:p>
@@ -662,7 +668,7 @@
           <a:p>
             <a:fld id="{F4B84776-BAA1-48A5-B83E-3E40081DB21F}" type="datetimeFigureOut">
               <a:rPr lang="en-US" smtClean="0"/>
-              <a:t>9/22/2022</a:t>
+              <a:t>9/23/2022</a:t>
             </a:fld>
             <a:endParaRPr lang="en-US"/>
           </a:p>
@@ -860,7 +866,7 @@
           <a:p>
             <a:fld id="{F4B84776-BAA1-48A5-B83E-3E40081DB21F}" type="datetimeFigureOut">
               <a:rPr lang="en-US" smtClean="0"/>
-              <a:t>9/22/2022</a:t>
+              <a:t>9/23/2022</a:t>
             </a:fld>
             <a:endParaRPr lang="en-US"/>
           </a:p>
@@ -1135,7 +1141,7 @@
           <a:p>
             <a:fld id="{F4B84776-BAA1-48A5-B83E-3E40081DB21F}" type="datetimeFigureOut">
               <a:rPr lang="en-US" smtClean="0"/>
-              <a:t>9/22/2022</a:t>
+              <a:t>9/23/2022</a:t>
             </a:fld>
             <a:endParaRPr lang="en-US"/>
           </a:p>
@@ -1400,7 +1406,7 @@
           <a:p>
             <a:fld id="{F4B84776-BAA1-48A5-B83E-3E40081DB21F}" type="datetimeFigureOut">
               <a:rPr lang="en-US" smtClean="0"/>
-              <a:t>9/22/2022</a:t>
+              <a:t>9/23/2022</a:t>
             </a:fld>
             <a:endParaRPr lang="en-US"/>
           </a:p>
@@ -1812,7 +1818,7 @@
           <a:p>
             <a:fld id="{F4B84776-BAA1-48A5-B83E-3E40081DB21F}" type="datetimeFigureOut">
               <a:rPr lang="en-US" smtClean="0"/>
-              <a:t>9/22/2022</a:t>
+              <a:t>9/23/2022</a:t>
             </a:fld>
             <a:endParaRPr lang="en-US"/>
           </a:p>
@@ -1953,7 +1959,7 @@
           <a:p>
             <a:fld id="{F4B84776-BAA1-48A5-B83E-3E40081DB21F}" type="datetimeFigureOut">
               <a:rPr lang="en-US" smtClean="0"/>
-              <a:t>9/22/2022</a:t>
+              <a:t>9/23/2022</a:t>
             </a:fld>
             <a:endParaRPr lang="en-US"/>
           </a:p>
@@ -2066,7 +2072,7 @@
           <a:p>
             <a:fld id="{F4B84776-BAA1-48A5-B83E-3E40081DB21F}" type="datetimeFigureOut">
               <a:rPr lang="en-US" smtClean="0"/>
-              <a:t>9/22/2022</a:t>
+              <a:t>9/23/2022</a:t>
             </a:fld>
             <a:endParaRPr lang="en-US"/>
           </a:p>
@@ -2377,7 +2383,7 @@
           <a:p>
             <a:fld id="{F4B84776-BAA1-48A5-B83E-3E40081DB21F}" type="datetimeFigureOut">
               <a:rPr lang="en-US" smtClean="0"/>
-              <a:t>9/22/2022</a:t>
+              <a:t>9/23/2022</a:t>
             </a:fld>
             <a:endParaRPr lang="en-US"/>
           </a:p>
@@ -2665,7 +2671,7 @@
           <a:p>
             <a:fld id="{F4B84776-BAA1-48A5-B83E-3E40081DB21F}" type="datetimeFigureOut">
               <a:rPr lang="en-US" smtClean="0"/>
-              <a:t>9/22/2022</a:t>
+              <a:t>9/23/2022</a:t>
             </a:fld>
             <a:endParaRPr lang="en-US"/>
           </a:p>
@@ -2906,7 +2912,7 @@
           <a:p>
             <a:fld id="{F4B84776-BAA1-48A5-B83E-3E40081DB21F}" type="datetimeFigureOut">
               <a:rPr lang="en-US" smtClean="0"/>
-              <a:t>9/22/2022</a:t>
+              <a:t>9/23/2022</a:t>
             </a:fld>
             <a:endParaRPr lang="en-US"/>
           </a:p>
@@ -5753,11 +5759,7 @@
           <a:p>
             <a:r>
               <a:rPr lang="en-IN" dirty="0"/>
-              <a:t>Search for Type Casted data type, and then Read data from the Heap and assign to </a:t>
-            </a:r>
-            <a:r>
-              <a:rPr lang="en-IN"/>
-              <a:t>Left-Hand-Side identifier</a:t>
+              <a:t>Search for Type Casted data type, and then Read data from the Heap and assign to Left-Hand-Side identifier</a:t>
             </a:r>
             <a:endParaRPr lang="en-US" dirty="0"/>
           </a:p>
@@ -5785,6 +5787,51 @@
           <a:prstGeom prst="bentConnector3">
             <a:avLst>
               <a:gd name="adj1" fmla="val 106266"/>
+            </a:avLst>
+          </a:prstGeom>
+          <a:ln>
+            <a:tailEnd type="triangle"/>
+          </a:ln>
+        </p:spPr>
+        <p:style>
+          <a:lnRef idx="1">
+            <a:schemeClr val="accent1"/>
+          </a:lnRef>
+          <a:fillRef idx="0">
+            <a:schemeClr val="accent1"/>
+          </a:fillRef>
+          <a:effectRef idx="0">
+            <a:schemeClr val="accent1"/>
+          </a:effectRef>
+          <a:fontRef idx="minor">
+            <a:schemeClr val="tx1"/>
+          </a:fontRef>
+        </p:style>
+      </p:cxnSp>
+      <p:cxnSp>
+        <p:nvCxnSpPr>
+          <p:cNvPr id="16" name="Connector: Elbow 15">
+            <a:extLst>
+              <a:ext uri="{FF2B5EF4-FFF2-40B4-BE49-F238E27FC236}">
+                <a16:creationId xmlns:a16="http://schemas.microsoft.com/office/drawing/2014/main" id="{D1CDD4BD-8495-3B65-205C-232B68B8598C}"/>
+              </a:ext>
+            </a:extLst>
+          </p:cNvPr>
+          <p:cNvCxnSpPr>
+            <a:stCxn id="10" idx="2"/>
+            <a:endCxn id="12" idx="1"/>
+          </p:cNvCxnSpPr>
+          <p:nvPr/>
+        </p:nvCxnSpPr>
+        <p:spPr>
+          <a:xfrm rot="5400000">
+            <a:off x="1189181" y="2808384"/>
+            <a:ext cx="1843738" cy="3867541"/>
+          </a:xfrm>
+          <a:prstGeom prst="bentConnector4">
+            <a:avLst>
+              <a:gd name="adj1" fmla="val 22456"/>
+              <a:gd name="adj2" fmla="val 105911"/>
             </a:avLst>
           </a:prstGeom>
           <a:ln>
@@ -5810,6 +5857,233 @@
     <p:extLst>
       <p:ext uri="{BB962C8B-B14F-4D97-AF65-F5344CB8AC3E}">
         <p14:creationId xmlns:p14="http://schemas.microsoft.com/office/powerpoint/2010/main" val="602380315"/>
+      </p:ext>
+    </p:extLst>
+  </p:cSld>
+  <p:clrMapOvr>
+    <a:masterClrMapping/>
+  </p:clrMapOvr>
+</p:sld>
+</file>
+
+<file path=ppt/slides/slide4.xml><?xml version="1.0" encoding="utf-8"?>
+<p:sld xmlns:a="http://schemas.openxmlformats.org/drawingml/2006/main" xmlns:r="http://schemas.openxmlformats.org/officeDocument/2006/relationships" xmlns:p="http://schemas.openxmlformats.org/presentationml/2006/main">
+  <p:cSld>
+    <p:spTree>
+      <p:nvGrpSpPr>
+        <p:cNvPr id="1" name=""/>
+        <p:cNvGrpSpPr/>
+        <p:nvPr/>
+      </p:nvGrpSpPr>
+      <p:grpSpPr>
+        <a:xfrm>
+          <a:off x="0" y="0"/>
+          <a:ext cx="0" cy="0"/>
+          <a:chOff x="0" y="0"/>
+          <a:chExt cx="0" cy="0"/>
+        </a:xfrm>
+      </p:grpSpPr>
+      <p:sp>
+        <p:nvSpPr>
+          <p:cNvPr id="2" name="Rectangle 1">
+            <a:extLst>
+              <a:ext uri="{FF2B5EF4-FFF2-40B4-BE49-F238E27FC236}">
+                <a16:creationId xmlns:a16="http://schemas.microsoft.com/office/drawing/2014/main" id="{9CDDC25A-25F9-E4A7-F0E0-A17A1C08AB93}"/>
+              </a:ext>
+            </a:extLst>
+          </p:cNvPr>
+          <p:cNvSpPr/>
+          <p:nvPr/>
+        </p:nvSpPr>
+        <p:spPr>
+          <a:xfrm>
+            <a:off x="4226767" y="457199"/>
+            <a:ext cx="2537927" cy="1427584"/>
+          </a:xfrm>
+          <a:prstGeom prst="rect">
+            <a:avLst/>
+          </a:prstGeom>
+        </p:spPr>
+        <p:style>
+          <a:lnRef idx="2">
+            <a:schemeClr val="accent1">
+              <a:shade val="50000"/>
+            </a:schemeClr>
+          </a:lnRef>
+          <a:fillRef idx="1">
+            <a:schemeClr val="accent1"/>
+          </a:fillRef>
+          <a:effectRef idx="0">
+            <a:schemeClr val="accent1"/>
+          </a:effectRef>
+          <a:fontRef idx="minor">
+            <a:schemeClr val="lt1"/>
+          </a:fontRef>
+        </p:style>
+        <p:txBody>
+          <a:bodyPr rtlCol="0" anchor="ctr"/>
+          <a:lstStyle/>
+          <a:p>
+            <a:pPr algn="ctr"/>
+            <a:r>
+              <a:rPr lang="en-IN" b="1" dirty="0"/>
+              <a:t>Base Class</a:t>
+            </a:r>
+            <a:endParaRPr lang="en-US" b="1" dirty="0"/>
+          </a:p>
+        </p:txBody>
+      </p:sp>
+      <p:sp>
+        <p:nvSpPr>
+          <p:cNvPr id="3" name="Rectangle 2">
+            <a:extLst>
+              <a:ext uri="{FF2B5EF4-FFF2-40B4-BE49-F238E27FC236}">
+                <a16:creationId xmlns:a16="http://schemas.microsoft.com/office/drawing/2014/main" id="{B382C868-42C1-730F-2A62-72C6665FBCAA}"/>
+              </a:ext>
+            </a:extLst>
+          </p:cNvPr>
+          <p:cNvSpPr/>
+          <p:nvPr/>
+        </p:nvSpPr>
+        <p:spPr>
+          <a:xfrm>
+            <a:off x="4226767" y="3735354"/>
+            <a:ext cx="2537927" cy="1427584"/>
+          </a:xfrm>
+          <a:prstGeom prst="rect">
+            <a:avLst/>
+          </a:prstGeom>
+        </p:spPr>
+        <p:style>
+          <a:lnRef idx="2">
+            <a:schemeClr val="accent1">
+              <a:shade val="50000"/>
+            </a:schemeClr>
+          </a:lnRef>
+          <a:fillRef idx="1">
+            <a:schemeClr val="accent1"/>
+          </a:fillRef>
+          <a:effectRef idx="0">
+            <a:schemeClr val="accent1"/>
+          </a:effectRef>
+          <a:fontRef idx="minor">
+            <a:schemeClr val="lt1"/>
+          </a:fontRef>
+        </p:style>
+        <p:txBody>
+          <a:bodyPr rtlCol="0" anchor="ctr"/>
+          <a:lstStyle/>
+          <a:p>
+            <a:pPr algn="ctr"/>
+            <a:r>
+              <a:rPr lang="en-IN" b="1" dirty="0"/>
+              <a:t>Derive  Class</a:t>
+            </a:r>
+            <a:endParaRPr lang="en-US" b="1" dirty="0"/>
+          </a:p>
+        </p:txBody>
+      </p:sp>
+      <p:sp>
+        <p:nvSpPr>
+          <p:cNvPr id="4" name="Arrow: Up 3">
+            <a:extLst>
+              <a:ext uri="{FF2B5EF4-FFF2-40B4-BE49-F238E27FC236}">
+                <a16:creationId xmlns:a16="http://schemas.microsoft.com/office/drawing/2014/main" id="{86BC94BB-E089-6FBA-32BC-4235BEAA3C34}"/>
+              </a:ext>
+            </a:extLst>
+          </p:cNvPr>
+          <p:cNvSpPr/>
+          <p:nvPr/>
+        </p:nvSpPr>
+        <p:spPr>
+          <a:xfrm>
+            <a:off x="5299788" y="1884783"/>
+            <a:ext cx="494522" cy="1856793"/>
+          </a:xfrm>
+          <a:prstGeom prst="upArrow">
+            <a:avLst/>
+          </a:prstGeom>
+        </p:spPr>
+        <p:style>
+          <a:lnRef idx="2">
+            <a:schemeClr val="accent1">
+              <a:shade val="50000"/>
+            </a:schemeClr>
+          </a:lnRef>
+          <a:fillRef idx="1">
+            <a:schemeClr val="accent1"/>
+          </a:fillRef>
+          <a:effectRef idx="0">
+            <a:schemeClr val="accent1"/>
+          </a:effectRef>
+          <a:fontRef idx="minor">
+            <a:schemeClr val="lt1"/>
+          </a:fontRef>
+        </p:style>
+        <p:txBody>
+          <a:bodyPr rtlCol="0" anchor="ctr"/>
+          <a:lstStyle/>
+          <a:p>
+            <a:pPr algn="ctr"/>
+            <a:endParaRPr lang="en-US"/>
+          </a:p>
+        </p:txBody>
+      </p:sp>
+      <p:sp>
+        <p:nvSpPr>
+          <p:cNvPr id="5" name="TextBox 4">
+            <a:extLst>
+              <a:ext uri="{FF2B5EF4-FFF2-40B4-BE49-F238E27FC236}">
+                <a16:creationId xmlns:a16="http://schemas.microsoft.com/office/drawing/2014/main" id="{B2B2FDF8-E4FE-2AD4-6F29-CE9DEDA9F5DE}"/>
+              </a:ext>
+            </a:extLst>
+          </p:cNvPr>
+          <p:cNvSpPr txBox="1"/>
+          <p:nvPr/>
+        </p:nvSpPr>
+        <p:spPr>
+          <a:xfrm>
+            <a:off x="7996335" y="1222310"/>
+            <a:ext cx="3433665" cy="3477875"/>
+          </a:xfrm>
+          <a:prstGeom prst="rect">
+            <a:avLst/>
+          </a:prstGeom>
+          <a:noFill/>
+        </p:spPr>
+        <p:txBody>
+          <a:bodyPr wrap="square" rtlCol="0">
+            <a:spAutoFit/>
+          </a:bodyPr>
+          <a:lstStyle/>
+          <a:p>
+            <a:r>
+              <a:rPr lang="en-IN" sz="4400" dirty="0"/>
+              <a:t>Simple</a:t>
+            </a:r>
+          </a:p>
+          <a:p>
+            <a:r>
+              <a:rPr lang="en-IN" sz="4400" dirty="0"/>
+              <a:t>Inheritance</a:t>
+            </a:r>
+          </a:p>
+          <a:p>
+            <a:endParaRPr lang="en-IN" sz="4400" dirty="0"/>
+          </a:p>
+          <a:p>
+            <a:r>
+              <a:rPr lang="en-IN" sz="4400" dirty="0"/>
+              <a:t>One-Base-One-Derive</a:t>
+            </a:r>
+            <a:endParaRPr lang="en-US" sz="4400" dirty="0"/>
+          </a:p>
+        </p:txBody>
+      </p:sp>
+    </p:spTree>
+    <p:extLst>
+      <p:ext uri="{BB962C8B-B14F-4D97-AF65-F5344CB8AC3E}">
+        <p14:creationId xmlns:p14="http://schemas.microsoft.com/office/powerpoint/2010/main" val="2301098649"/>
       </p:ext>
     </p:extLst>
   </p:cSld>

--- a/Training_Images.pptx
+++ b/Training_Images.pptx
@@ -9,6 +9,7 @@
     <p:sldId id="257" r:id="rId3"/>
     <p:sldId id="258" r:id="rId4"/>
     <p:sldId id="259" r:id="rId5"/>
+    <p:sldId id="260" r:id="rId6"/>
   </p:sldIdLst>
   <p:sldSz cx="12192000" cy="6858000"/>
   <p:notesSz cx="6858000" cy="9144000"/>
@@ -6093,6 +6094,803 @@
 </p:sld>
 </file>
 
+<file path=ppt/slides/slide5.xml><?xml version="1.0" encoding="utf-8"?>
+<p:sld xmlns:a="http://schemas.openxmlformats.org/drawingml/2006/main" xmlns:r="http://schemas.openxmlformats.org/officeDocument/2006/relationships" xmlns:p="http://schemas.openxmlformats.org/presentationml/2006/main">
+  <p:cSld>
+    <p:spTree>
+      <p:nvGrpSpPr>
+        <p:cNvPr id="1" name=""/>
+        <p:cNvGrpSpPr/>
+        <p:nvPr/>
+      </p:nvGrpSpPr>
+      <p:grpSpPr>
+        <a:xfrm>
+          <a:off x="0" y="0"/>
+          <a:ext cx="0" cy="0"/>
+          <a:chOff x="0" y="0"/>
+          <a:chExt cx="0" cy="0"/>
+        </a:xfrm>
+      </p:grpSpPr>
+      <p:sp>
+        <p:nvSpPr>
+          <p:cNvPr id="2" name="Oval 1">
+            <a:extLst>
+              <a:ext uri="{FF2B5EF4-FFF2-40B4-BE49-F238E27FC236}">
+                <a16:creationId xmlns:a16="http://schemas.microsoft.com/office/drawing/2014/main" id="{8F6517C6-DFDA-CDEE-1920-CD6A28347535}"/>
+              </a:ext>
+            </a:extLst>
+          </p:cNvPr>
+          <p:cNvSpPr/>
+          <p:nvPr/>
+        </p:nvSpPr>
+        <p:spPr>
+          <a:xfrm>
+            <a:off x="2761860" y="4282750"/>
+            <a:ext cx="2416629" cy="1950099"/>
+          </a:xfrm>
+          <a:prstGeom prst="ellipse">
+            <a:avLst/>
+          </a:prstGeom>
+        </p:spPr>
+        <p:style>
+          <a:lnRef idx="2">
+            <a:schemeClr val="accent1">
+              <a:shade val="50000"/>
+            </a:schemeClr>
+          </a:lnRef>
+          <a:fillRef idx="1">
+            <a:schemeClr val="accent1"/>
+          </a:fillRef>
+          <a:effectRef idx="0">
+            <a:schemeClr val="accent1"/>
+          </a:effectRef>
+          <a:fontRef idx="minor">
+            <a:schemeClr val="lt1"/>
+          </a:fontRef>
+        </p:style>
+        <p:txBody>
+          <a:bodyPr rtlCol="0" anchor="ctr"/>
+          <a:lstStyle/>
+          <a:p>
+            <a:pPr algn="ctr"/>
+            <a:r>
+              <a:rPr lang="en-IN" dirty="0"/>
+              <a:t>Hospital</a:t>
+            </a:r>
+          </a:p>
+          <a:p>
+            <a:pPr algn="ctr"/>
+            <a:r>
+              <a:rPr lang="en-IN" dirty="0"/>
+              <a:t>Management</a:t>
+            </a:r>
+          </a:p>
+          <a:p>
+            <a:pPr algn="ctr"/>
+            <a:r>
+              <a:rPr lang="en-IN" dirty="0"/>
+              <a:t>System</a:t>
+            </a:r>
+            <a:endParaRPr lang="en-US" dirty="0"/>
+          </a:p>
+        </p:txBody>
+      </p:sp>
+      <p:sp>
+        <p:nvSpPr>
+          <p:cNvPr id="3" name="Oval 2">
+            <a:extLst>
+              <a:ext uri="{FF2B5EF4-FFF2-40B4-BE49-F238E27FC236}">
+                <a16:creationId xmlns:a16="http://schemas.microsoft.com/office/drawing/2014/main" id="{D30D5156-CD31-15D2-C8B5-7E8BD75DF0E2}"/>
+              </a:ext>
+            </a:extLst>
+          </p:cNvPr>
+          <p:cNvSpPr/>
+          <p:nvPr/>
+        </p:nvSpPr>
+        <p:spPr>
+          <a:xfrm>
+            <a:off x="494522" y="1791478"/>
+            <a:ext cx="1632857" cy="1427584"/>
+          </a:xfrm>
+          <a:prstGeom prst="ellipse">
+            <a:avLst/>
+          </a:prstGeom>
+        </p:spPr>
+        <p:style>
+          <a:lnRef idx="2">
+            <a:schemeClr val="accent1">
+              <a:shade val="50000"/>
+            </a:schemeClr>
+          </a:lnRef>
+          <a:fillRef idx="1">
+            <a:schemeClr val="accent1"/>
+          </a:fillRef>
+          <a:effectRef idx="0">
+            <a:schemeClr val="accent1"/>
+          </a:effectRef>
+          <a:fontRef idx="minor">
+            <a:schemeClr val="lt1"/>
+          </a:fontRef>
+        </p:style>
+        <p:txBody>
+          <a:bodyPr rtlCol="0" anchor="ctr"/>
+          <a:lstStyle/>
+          <a:p>
+            <a:pPr algn="ctr"/>
+            <a:r>
+              <a:rPr lang="en-IN" dirty="0"/>
+              <a:t>Staff</a:t>
+            </a:r>
+            <a:endParaRPr lang="en-US" dirty="0"/>
+          </a:p>
+        </p:txBody>
+      </p:sp>
+      <p:cxnSp>
+        <p:nvCxnSpPr>
+          <p:cNvPr id="5" name="Connector: Elbow 4">
+            <a:extLst>
+              <a:ext uri="{FF2B5EF4-FFF2-40B4-BE49-F238E27FC236}">
+                <a16:creationId xmlns:a16="http://schemas.microsoft.com/office/drawing/2014/main" id="{A9F8F107-766C-77C3-ED38-340399E110BB}"/>
+              </a:ext>
+            </a:extLst>
+          </p:cNvPr>
+          <p:cNvCxnSpPr>
+            <a:stCxn id="3" idx="6"/>
+            <a:endCxn id="2" idx="2"/>
+          </p:cNvCxnSpPr>
+          <p:nvPr/>
+        </p:nvCxnSpPr>
+        <p:spPr>
+          <a:xfrm>
+            <a:off x="2127379" y="2505270"/>
+            <a:ext cx="634481" cy="2752530"/>
+          </a:xfrm>
+          <a:prstGeom prst="bentConnector3">
+            <a:avLst/>
+          </a:prstGeom>
+          <a:ln>
+            <a:tailEnd type="triangle"/>
+          </a:ln>
+        </p:spPr>
+        <p:style>
+          <a:lnRef idx="1">
+            <a:schemeClr val="accent1"/>
+          </a:lnRef>
+          <a:fillRef idx="0">
+            <a:schemeClr val="accent1"/>
+          </a:fillRef>
+          <a:effectRef idx="0">
+            <a:schemeClr val="accent1"/>
+          </a:effectRef>
+          <a:fontRef idx="minor">
+            <a:schemeClr val="tx1"/>
+          </a:fontRef>
+        </p:style>
+      </p:cxnSp>
+      <p:sp>
+        <p:nvSpPr>
+          <p:cNvPr id="7" name="Oval 6">
+            <a:extLst>
+              <a:ext uri="{FF2B5EF4-FFF2-40B4-BE49-F238E27FC236}">
+                <a16:creationId xmlns:a16="http://schemas.microsoft.com/office/drawing/2014/main" id="{87A30EB3-74B5-706E-8E34-0B95248755F8}"/>
+              </a:ext>
+            </a:extLst>
+          </p:cNvPr>
+          <p:cNvSpPr/>
+          <p:nvPr/>
+        </p:nvSpPr>
+        <p:spPr>
+          <a:xfrm>
+            <a:off x="130629" y="177282"/>
+            <a:ext cx="1268963" cy="1035698"/>
+          </a:xfrm>
+          <a:prstGeom prst="ellipse">
+            <a:avLst/>
+          </a:prstGeom>
+        </p:spPr>
+        <p:style>
+          <a:lnRef idx="2">
+            <a:schemeClr val="accent1">
+              <a:shade val="50000"/>
+            </a:schemeClr>
+          </a:lnRef>
+          <a:fillRef idx="1">
+            <a:schemeClr val="accent1"/>
+          </a:fillRef>
+          <a:effectRef idx="0">
+            <a:schemeClr val="accent1"/>
+          </a:effectRef>
+          <a:fontRef idx="minor">
+            <a:schemeClr val="lt1"/>
+          </a:fontRef>
+        </p:style>
+        <p:txBody>
+          <a:bodyPr rtlCol="0" anchor="ctr"/>
+          <a:lstStyle/>
+          <a:p>
+            <a:pPr algn="ctr"/>
+            <a:r>
+              <a:rPr lang="en-IN" dirty="0"/>
+              <a:t>Doctor</a:t>
+            </a:r>
+            <a:endParaRPr lang="en-US" dirty="0"/>
+          </a:p>
+        </p:txBody>
+      </p:sp>
+      <p:sp>
+        <p:nvSpPr>
+          <p:cNvPr id="9" name="Oval 8">
+            <a:extLst>
+              <a:ext uri="{FF2B5EF4-FFF2-40B4-BE49-F238E27FC236}">
+                <a16:creationId xmlns:a16="http://schemas.microsoft.com/office/drawing/2014/main" id="{7E5026C3-A41D-05C6-1B18-FCB899F0B458}"/>
+              </a:ext>
+            </a:extLst>
+          </p:cNvPr>
+          <p:cNvSpPr/>
+          <p:nvPr/>
+        </p:nvSpPr>
+        <p:spPr>
+          <a:xfrm>
+            <a:off x="2127379" y="177282"/>
+            <a:ext cx="1268963" cy="1035698"/>
+          </a:xfrm>
+          <a:prstGeom prst="ellipse">
+            <a:avLst/>
+          </a:prstGeom>
+        </p:spPr>
+        <p:style>
+          <a:lnRef idx="2">
+            <a:schemeClr val="accent1">
+              <a:shade val="50000"/>
+            </a:schemeClr>
+          </a:lnRef>
+          <a:fillRef idx="1">
+            <a:schemeClr val="accent1"/>
+          </a:fillRef>
+          <a:effectRef idx="0">
+            <a:schemeClr val="accent1"/>
+          </a:effectRef>
+          <a:fontRef idx="minor">
+            <a:schemeClr val="lt1"/>
+          </a:fontRef>
+        </p:style>
+        <p:txBody>
+          <a:bodyPr rtlCol="0" anchor="ctr"/>
+          <a:lstStyle/>
+          <a:p>
+            <a:pPr algn="ctr"/>
+            <a:r>
+              <a:rPr lang="en-IN" dirty="0"/>
+              <a:t>Nurse</a:t>
+            </a:r>
+            <a:endParaRPr lang="en-US" dirty="0"/>
+          </a:p>
+        </p:txBody>
+      </p:sp>
+      <p:cxnSp>
+        <p:nvCxnSpPr>
+          <p:cNvPr id="11" name="Connector: Elbow 10">
+            <a:extLst>
+              <a:ext uri="{FF2B5EF4-FFF2-40B4-BE49-F238E27FC236}">
+                <a16:creationId xmlns:a16="http://schemas.microsoft.com/office/drawing/2014/main" id="{179914D6-5CF8-F013-9907-3B4FF873ADA7}"/>
+              </a:ext>
+            </a:extLst>
+          </p:cNvPr>
+          <p:cNvCxnSpPr>
+            <a:stCxn id="3" idx="2"/>
+            <a:endCxn id="7" idx="4"/>
+          </p:cNvCxnSpPr>
+          <p:nvPr/>
+        </p:nvCxnSpPr>
+        <p:spPr>
+          <a:xfrm rot="10800000" flipH="1">
+            <a:off x="494521" y="1212980"/>
+            <a:ext cx="270589" cy="1292290"/>
+          </a:xfrm>
+          <a:prstGeom prst="bentConnector4">
+            <a:avLst>
+              <a:gd name="adj1" fmla="val -84482"/>
+              <a:gd name="adj2" fmla="val 77617"/>
+            </a:avLst>
+          </a:prstGeom>
+          <a:ln>
+            <a:tailEnd type="triangle"/>
+          </a:ln>
+        </p:spPr>
+        <p:style>
+          <a:lnRef idx="1">
+            <a:schemeClr val="accent1"/>
+          </a:lnRef>
+          <a:fillRef idx="0">
+            <a:schemeClr val="accent1"/>
+          </a:fillRef>
+          <a:effectRef idx="0">
+            <a:schemeClr val="accent1"/>
+          </a:effectRef>
+          <a:fontRef idx="minor">
+            <a:schemeClr val="tx1"/>
+          </a:fontRef>
+        </p:style>
+      </p:cxnSp>
+      <p:cxnSp>
+        <p:nvCxnSpPr>
+          <p:cNvPr id="13" name="Connector: Elbow 12">
+            <a:extLst>
+              <a:ext uri="{FF2B5EF4-FFF2-40B4-BE49-F238E27FC236}">
+                <a16:creationId xmlns:a16="http://schemas.microsoft.com/office/drawing/2014/main" id="{84F4D351-FA0A-8060-5D23-A3ED9B5B10B9}"/>
+              </a:ext>
+            </a:extLst>
+          </p:cNvPr>
+          <p:cNvCxnSpPr>
+            <a:stCxn id="3" idx="6"/>
+          </p:cNvCxnSpPr>
+          <p:nvPr/>
+        </p:nvCxnSpPr>
+        <p:spPr>
+          <a:xfrm flipV="1">
+            <a:off x="2127379" y="1212980"/>
+            <a:ext cx="727787" cy="1292290"/>
+          </a:xfrm>
+          <a:prstGeom prst="bentConnector2">
+            <a:avLst/>
+          </a:prstGeom>
+          <a:ln>
+            <a:tailEnd type="triangle"/>
+          </a:ln>
+        </p:spPr>
+        <p:style>
+          <a:lnRef idx="1">
+            <a:schemeClr val="accent1"/>
+          </a:lnRef>
+          <a:fillRef idx="0">
+            <a:schemeClr val="accent1"/>
+          </a:fillRef>
+          <a:effectRef idx="0">
+            <a:schemeClr val="accent1"/>
+          </a:effectRef>
+          <a:fontRef idx="minor">
+            <a:schemeClr val="tx1"/>
+          </a:fontRef>
+        </p:style>
+      </p:cxnSp>
+      <p:sp>
+        <p:nvSpPr>
+          <p:cNvPr id="14" name="Oval 13">
+            <a:extLst>
+              <a:ext uri="{FF2B5EF4-FFF2-40B4-BE49-F238E27FC236}">
+                <a16:creationId xmlns:a16="http://schemas.microsoft.com/office/drawing/2014/main" id="{CA438752-FF69-14AE-46E5-198DBB47BCD9}"/>
+              </a:ext>
+            </a:extLst>
+          </p:cNvPr>
+          <p:cNvSpPr/>
+          <p:nvPr/>
+        </p:nvSpPr>
+        <p:spPr>
+          <a:xfrm>
+            <a:off x="9280850" y="124407"/>
+            <a:ext cx="1268963" cy="1035698"/>
+          </a:xfrm>
+          <a:prstGeom prst="ellipse">
+            <a:avLst/>
+          </a:prstGeom>
+        </p:spPr>
+        <p:style>
+          <a:lnRef idx="2">
+            <a:schemeClr val="accent1">
+              <a:shade val="50000"/>
+            </a:schemeClr>
+          </a:lnRef>
+          <a:fillRef idx="1">
+            <a:schemeClr val="accent1"/>
+          </a:fillRef>
+          <a:effectRef idx="0">
+            <a:schemeClr val="accent1"/>
+          </a:effectRef>
+          <a:fontRef idx="minor">
+            <a:schemeClr val="lt1"/>
+          </a:fontRef>
+        </p:style>
+        <p:txBody>
+          <a:bodyPr rtlCol="0" anchor="ctr"/>
+          <a:lstStyle/>
+          <a:p>
+            <a:pPr algn="ctr"/>
+            <a:r>
+              <a:rPr lang="en-IN" dirty="0"/>
+              <a:t>Doctor</a:t>
+            </a:r>
+            <a:endParaRPr lang="en-US" dirty="0"/>
+          </a:p>
+        </p:txBody>
+      </p:sp>
+      <p:sp>
+        <p:nvSpPr>
+          <p:cNvPr id="15" name="Oval 14">
+            <a:extLst>
+              <a:ext uri="{FF2B5EF4-FFF2-40B4-BE49-F238E27FC236}">
+                <a16:creationId xmlns:a16="http://schemas.microsoft.com/office/drawing/2014/main" id="{991FD56E-47E4-082A-45F5-5215A9B342F3}"/>
+              </a:ext>
+            </a:extLst>
+          </p:cNvPr>
+          <p:cNvSpPr/>
+          <p:nvPr/>
+        </p:nvSpPr>
+        <p:spPr>
+          <a:xfrm>
+            <a:off x="7623109" y="1604865"/>
+            <a:ext cx="1866123" cy="1292289"/>
+          </a:xfrm>
+          <a:prstGeom prst="ellipse">
+            <a:avLst/>
+          </a:prstGeom>
+        </p:spPr>
+        <p:style>
+          <a:lnRef idx="2">
+            <a:schemeClr val="accent1">
+              <a:shade val="50000"/>
+            </a:schemeClr>
+          </a:lnRef>
+          <a:fillRef idx="1">
+            <a:schemeClr val="accent1"/>
+          </a:fillRef>
+          <a:effectRef idx="0">
+            <a:schemeClr val="accent1"/>
+          </a:effectRef>
+          <a:fontRef idx="minor">
+            <a:schemeClr val="lt1"/>
+          </a:fontRef>
+        </p:style>
+        <p:txBody>
+          <a:bodyPr rtlCol="0" anchor="ctr"/>
+          <a:lstStyle/>
+          <a:p>
+            <a:pPr algn="ctr"/>
+            <a:r>
+              <a:rPr lang="en-IN" dirty="0"/>
+              <a:t>General</a:t>
+            </a:r>
+          </a:p>
+          <a:p>
+            <a:pPr algn="ctr"/>
+            <a:r>
+              <a:rPr lang="en-IN" dirty="0"/>
+              <a:t>Physician</a:t>
+            </a:r>
+            <a:endParaRPr lang="en-US" dirty="0"/>
+          </a:p>
+        </p:txBody>
+      </p:sp>
+      <p:sp>
+        <p:nvSpPr>
+          <p:cNvPr id="16" name="Oval 15">
+            <a:extLst>
+              <a:ext uri="{FF2B5EF4-FFF2-40B4-BE49-F238E27FC236}">
+                <a16:creationId xmlns:a16="http://schemas.microsoft.com/office/drawing/2014/main" id="{2A26BE3F-AEF7-10B9-AAB9-7D3BAE9F040F}"/>
+              </a:ext>
+            </a:extLst>
+          </p:cNvPr>
+          <p:cNvSpPr/>
+          <p:nvPr/>
+        </p:nvSpPr>
+        <p:spPr>
+          <a:xfrm>
+            <a:off x="10198358" y="1604866"/>
+            <a:ext cx="1866123" cy="1292289"/>
+          </a:xfrm>
+          <a:prstGeom prst="ellipse">
+            <a:avLst/>
+          </a:prstGeom>
+        </p:spPr>
+        <p:style>
+          <a:lnRef idx="2">
+            <a:schemeClr val="accent1">
+              <a:shade val="50000"/>
+            </a:schemeClr>
+          </a:lnRef>
+          <a:fillRef idx="1">
+            <a:schemeClr val="accent1"/>
+          </a:fillRef>
+          <a:effectRef idx="0">
+            <a:schemeClr val="accent1"/>
+          </a:effectRef>
+          <a:fontRef idx="minor">
+            <a:schemeClr val="lt1"/>
+          </a:fontRef>
+        </p:style>
+        <p:txBody>
+          <a:bodyPr rtlCol="0" anchor="ctr"/>
+          <a:lstStyle/>
+          <a:p>
+            <a:pPr algn="ctr"/>
+            <a:r>
+              <a:rPr lang="en-IN" dirty="0"/>
+              <a:t>Cancer Specialist</a:t>
+            </a:r>
+            <a:endParaRPr lang="en-US" dirty="0"/>
+          </a:p>
+        </p:txBody>
+      </p:sp>
+      <p:sp>
+        <p:nvSpPr>
+          <p:cNvPr id="17" name="Oval 16">
+            <a:extLst>
+              <a:ext uri="{FF2B5EF4-FFF2-40B4-BE49-F238E27FC236}">
+                <a16:creationId xmlns:a16="http://schemas.microsoft.com/office/drawing/2014/main" id="{6EC2E8D9-056D-AAE0-E6BE-5CD519EDD6AB}"/>
+              </a:ext>
+            </a:extLst>
+          </p:cNvPr>
+          <p:cNvSpPr/>
+          <p:nvPr/>
+        </p:nvSpPr>
+        <p:spPr>
+          <a:xfrm>
+            <a:off x="7623109" y="3463991"/>
+            <a:ext cx="1866123" cy="1292289"/>
+          </a:xfrm>
+          <a:prstGeom prst="ellipse">
+            <a:avLst/>
+          </a:prstGeom>
+        </p:spPr>
+        <p:style>
+          <a:lnRef idx="2">
+            <a:schemeClr val="accent1">
+              <a:shade val="50000"/>
+            </a:schemeClr>
+          </a:lnRef>
+          <a:fillRef idx="1">
+            <a:schemeClr val="accent1"/>
+          </a:fillRef>
+          <a:effectRef idx="0">
+            <a:schemeClr val="accent1"/>
+          </a:effectRef>
+          <a:fontRef idx="minor">
+            <a:schemeClr val="lt1"/>
+          </a:fontRef>
+        </p:style>
+        <p:txBody>
+          <a:bodyPr rtlCol="0" anchor="ctr"/>
+          <a:lstStyle/>
+          <a:p>
+            <a:pPr algn="ctr"/>
+            <a:r>
+              <a:rPr lang="en-IN" dirty="0"/>
+              <a:t>Heart Specialist</a:t>
+            </a:r>
+            <a:endParaRPr lang="en-US" dirty="0"/>
+          </a:p>
+        </p:txBody>
+      </p:sp>
+      <p:sp>
+        <p:nvSpPr>
+          <p:cNvPr id="19" name="Oval 18">
+            <a:extLst>
+              <a:ext uri="{FF2B5EF4-FFF2-40B4-BE49-F238E27FC236}">
+                <a16:creationId xmlns:a16="http://schemas.microsoft.com/office/drawing/2014/main" id="{20F9C20F-5719-FA2A-0D85-B2E03EF35BCE}"/>
+              </a:ext>
+            </a:extLst>
+          </p:cNvPr>
+          <p:cNvSpPr/>
+          <p:nvPr/>
+        </p:nvSpPr>
+        <p:spPr>
+          <a:xfrm>
+            <a:off x="10195248" y="3463991"/>
+            <a:ext cx="1996752" cy="1292289"/>
+          </a:xfrm>
+          <a:prstGeom prst="ellipse">
+            <a:avLst/>
+          </a:prstGeom>
+        </p:spPr>
+        <p:style>
+          <a:lnRef idx="2">
+            <a:schemeClr val="accent1">
+              <a:shade val="50000"/>
+            </a:schemeClr>
+          </a:lnRef>
+          <a:fillRef idx="1">
+            <a:schemeClr val="accent1"/>
+          </a:fillRef>
+          <a:effectRef idx="0">
+            <a:schemeClr val="accent1"/>
+          </a:effectRef>
+          <a:fontRef idx="minor">
+            <a:schemeClr val="lt1"/>
+          </a:fontRef>
+        </p:style>
+        <p:txBody>
+          <a:bodyPr rtlCol="0" anchor="ctr"/>
+          <a:lstStyle/>
+          <a:p>
+            <a:pPr algn="ctr"/>
+            <a:r>
+              <a:rPr lang="en-IN" dirty="0"/>
+              <a:t>Orthopaedic</a:t>
+            </a:r>
+            <a:endParaRPr lang="en-US" dirty="0"/>
+          </a:p>
+        </p:txBody>
+      </p:sp>
+      <p:cxnSp>
+        <p:nvCxnSpPr>
+          <p:cNvPr id="21" name="Connector: Elbow 20">
+            <a:extLst>
+              <a:ext uri="{FF2B5EF4-FFF2-40B4-BE49-F238E27FC236}">
+                <a16:creationId xmlns:a16="http://schemas.microsoft.com/office/drawing/2014/main" id="{3F320C08-B003-3B31-E2FB-70F06B1164B7}"/>
+              </a:ext>
+            </a:extLst>
+          </p:cNvPr>
+          <p:cNvCxnSpPr>
+            <a:stCxn id="15" idx="0"/>
+            <a:endCxn id="14" idx="4"/>
+          </p:cNvCxnSpPr>
+          <p:nvPr/>
+        </p:nvCxnSpPr>
+        <p:spPr>
+          <a:xfrm rot="5400000" flipH="1" flipV="1">
+            <a:off x="9013371" y="702905"/>
+            <a:ext cx="444760" cy="1359161"/>
+          </a:xfrm>
+          <a:prstGeom prst="bentConnector3">
+            <a:avLst/>
+          </a:prstGeom>
+          <a:ln>
+            <a:tailEnd type="triangle"/>
+          </a:ln>
+        </p:spPr>
+        <p:style>
+          <a:lnRef idx="1">
+            <a:schemeClr val="accent1"/>
+          </a:lnRef>
+          <a:fillRef idx="0">
+            <a:schemeClr val="accent1"/>
+          </a:fillRef>
+          <a:effectRef idx="0">
+            <a:schemeClr val="accent1"/>
+          </a:effectRef>
+          <a:fontRef idx="minor">
+            <a:schemeClr val="tx1"/>
+          </a:fontRef>
+        </p:style>
+      </p:cxnSp>
+      <p:cxnSp>
+        <p:nvCxnSpPr>
+          <p:cNvPr id="23" name="Connector: Elbow 22">
+            <a:extLst>
+              <a:ext uri="{FF2B5EF4-FFF2-40B4-BE49-F238E27FC236}">
+                <a16:creationId xmlns:a16="http://schemas.microsoft.com/office/drawing/2014/main" id="{D658E596-C4BB-467D-089F-B6E43DED5F2A}"/>
+              </a:ext>
+            </a:extLst>
+          </p:cNvPr>
+          <p:cNvCxnSpPr>
+            <a:stCxn id="16" idx="0"/>
+            <a:endCxn id="14" idx="4"/>
+          </p:cNvCxnSpPr>
+          <p:nvPr/>
+        </p:nvCxnSpPr>
+        <p:spPr>
+          <a:xfrm rot="16200000" flipV="1">
+            <a:off x="10300996" y="774442"/>
+            <a:ext cx="444761" cy="1216088"/>
+          </a:xfrm>
+          <a:prstGeom prst="bentConnector3">
+            <a:avLst/>
+          </a:prstGeom>
+          <a:ln>
+            <a:tailEnd type="triangle"/>
+          </a:ln>
+        </p:spPr>
+        <p:style>
+          <a:lnRef idx="1">
+            <a:schemeClr val="accent1"/>
+          </a:lnRef>
+          <a:fillRef idx="0">
+            <a:schemeClr val="accent1"/>
+          </a:fillRef>
+          <a:effectRef idx="0">
+            <a:schemeClr val="accent1"/>
+          </a:effectRef>
+          <a:fontRef idx="minor">
+            <a:schemeClr val="tx1"/>
+          </a:fontRef>
+        </p:style>
+      </p:cxnSp>
+      <p:cxnSp>
+        <p:nvCxnSpPr>
+          <p:cNvPr id="25" name="Connector: Elbow 24">
+            <a:extLst>
+              <a:ext uri="{FF2B5EF4-FFF2-40B4-BE49-F238E27FC236}">
+                <a16:creationId xmlns:a16="http://schemas.microsoft.com/office/drawing/2014/main" id="{545D571E-8EC5-DFD3-78F7-7DB4CF31767C}"/>
+              </a:ext>
+            </a:extLst>
+          </p:cNvPr>
+          <p:cNvCxnSpPr>
+            <a:stCxn id="17" idx="6"/>
+            <a:endCxn id="14" idx="4"/>
+          </p:cNvCxnSpPr>
+          <p:nvPr/>
+        </p:nvCxnSpPr>
+        <p:spPr>
+          <a:xfrm flipV="1">
+            <a:off x="9489232" y="1160105"/>
+            <a:ext cx="426100" cy="2950031"/>
+          </a:xfrm>
+          <a:prstGeom prst="bentConnector2">
+            <a:avLst/>
+          </a:prstGeom>
+          <a:ln>
+            <a:tailEnd type="triangle"/>
+          </a:ln>
+        </p:spPr>
+        <p:style>
+          <a:lnRef idx="1">
+            <a:schemeClr val="accent1"/>
+          </a:lnRef>
+          <a:fillRef idx="0">
+            <a:schemeClr val="accent1"/>
+          </a:fillRef>
+          <a:effectRef idx="0">
+            <a:schemeClr val="accent1"/>
+          </a:effectRef>
+          <a:fontRef idx="minor">
+            <a:schemeClr val="tx1"/>
+          </a:fontRef>
+        </p:style>
+      </p:cxnSp>
+      <p:cxnSp>
+        <p:nvCxnSpPr>
+          <p:cNvPr id="30" name="Connector: Elbow 29">
+            <a:extLst>
+              <a:ext uri="{FF2B5EF4-FFF2-40B4-BE49-F238E27FC236}">
+                <a16:creationId xmlns:a16="http://schemas.microsoft.com/office/drawing/2014/main" id="{A140C23D-2D1C-5BE5-B991-BB4EAD915FCB}"/>
+              </a:ext>
+            </a:extLst>
+          </p:cNvPr>
+          <p:cNvCxnSpPr>
+            <a:cxnSpLocks/>
+            <a:stCxn id="19" idx="2"/>
+          </p:cNvCxnSpPr>
+          <p:nvPr/>
+        </p:nvCxnSpPr>
+        <p:spPr>
+          <a:xfrm rot="10800000">
+            <a:off x="9912222" y="1247980"/>
+            <a:ext cx="283026" cy="2862157"/>
+          </a:xfrm>
+          <a:prstGeom prst="bentConnector2">
+            <a:avLst/>
+          </a:prstGeom>
+          <a:ln>
+            <a:tailEnd type="triangle"/>
+          </a:ln>
+        </p:spPr>
+        <p:style>
+          <a:lnRef idx="1">
+            <a:schemeClr val="accent1"/>
+          </a:lnRef>
+          <a:fillRef idx="0">
+            <a:schemeClr val="accent1"/>
+          </a:fillRef>
+          <a:effectRef idx="0">
+            <a:schemeClr val="accent1"/>
+          </a:effectRef>
+          <a:fontRef idx="minor">
+            <a:schemeClr val="tx1"/>
+          </a:fontRef>
+        </p:style>
+      </p:cxnSp>
+    </p:spTree>
+    <p:extLst>
+      <p:ext uri="{BB962C8B-B14F-4D97-AF65-F5344CB8AC3E}">
+        <p14:creationId xmlns:p14="http://schemas.microsoft.com/office/powerpoint/2010/main" val="2378734348"/>
+      </p:ext>
+    </p:extLst>
+  </p:cSld>
+  <p:clrMapOvr>
+    <a:masterClrMapping/>
+  </p:clrMapOvr>
+</p:sld>
+</file>
+
 <file path=ppt/theme/theme1.xml><?xml version="1.0" encoding="utf-8"?>
 <a:theme xmlns:a="http://schemas.openxmlformats.org/drawingml/2006/main" name="Office Theme">
   <a:themeElements>

--- a/Training_Images.pptx
+++ b/Training_Images.pptx
@@ -10,6 +10,11 @@
     <p:sldId id="258" r:id="rId4"/>
     <p:sldId id="259" r:id="rId5"/>
     <p:sldId id="260" r:id="rId6"/>
+    <p:sldId id="261" r:id="rId7"/>
+    <p:sldId id="262" r:id="rId8"/>
+    <p:sldId id="263" r:id="rId9"/>
+    <p:sldId id="264" r:id="rId10"/>
+    <p:sldId id="265" r:id="rId11"/>
   </p:sldIdLst>
   <p:sldSz cx="12192000" cy="6858000"/>
   <p:notesSz cx="6858000" cy="9144000"/>
@@ -263,7 +268,7 @@
           <a:p>
             <a:fld id="{F4B84776-BAA1-48A5-B83E-3E40081DB21F}" type="datetimeFigureOut">
               <a:rPr lang="en-US" smtClean="0"/>
-              <a:t>9/23/2022</a:t>
+              <a:t>9/24/2022</a:t>
             </a:fld>
             <a:endParaRPr lang="en-US"/>
           </a:p>
@@ -461,7 +466,7 @@
           <a:p>
             <a:fld id="{F4B84776-BAA1-48A5-B83E-3E40081DB21F}" type="datetimeFigureOut">
               <a:rPr lang="en-US" smtClean="0"/>
-              <a:t>9/23/2022</a:t>
+              <a:t>9/24/2022</a:t>
             </a:fld>
             <a:endParaRPr lang="en-US"/>
           </a:p>
@@ -669,7 +674,7 @@
           <a:p>
             <a:fld id="{F4B84776-BAA1-48A5-B83E-3E40081DB21F}" type="datetimeFigureOut">
               <a:rPr lang="en-US" smtClean="0"/>
-              <a:t>9/23/2022</a:t>
+              <a:t>9/24/2022</a:t>
             </a:fld>
             <a:endParaRPr lang="en-US"/>
           </a:p>
@@ -867,7 +872,7 @@
           <a:p>
             <a:fld id="{F4B84776-BAA1-48A5-B83E-3E40081DB21F}" type="datetimeFigureOut">
               <a:rPr lang="en-US" smtClean="0"/>
-              <a:t>9/23/2022</a:t>
+              <a:t>9/24/2022</a:t>
             </a:fld>
             <a:endParaRPr lang="en-US"/>
           </a:p>
@@ -1142,7 +1147,7 @@
           <a:p>
             <a:fld id="{F4B84776-BAA1-48A5-B83E-3E40081DB21F}" type="datetimeFigureOut">
               <a:rPr lang="en-US" smtClean="0"/>
-              <a:t>9/23/2022</a:t>
+              <a:t>9/24/2022</a:t>
             </a:fld>
             <a:endParaRPr lang="en-US"/>
           </a:p>
@@ -1407,7 +1412,7 @@
           <a:p>
             <a:fld id="{F4B84776-BAA1-48A5-B83E-3E40081DB21F}" type="datetimeFigureOut">
               <a:rPr lang="en-US" smtClean="0"/>
-              <a:t>9/23/2022</a:t>
+              <a:t>9/24/2022</a:t>
             </a:fld>
             <a:endParaRPr lang="en-US"/>
           </a:p>
@@ -1819,7 +1824,7 @@
           <a:p>
             <a:fld id="{F4B84776-BAA1-48A5-B83E-3E40081DB21F}" type="datetimeFigureOut">
               <a:rPr lang="en-US" smtClean="0"/>
-              <a:t>9/23/2022</a:t>
+              <a:t>9/24/2022</a:t>
             </a:fld>
             <a:endParaRPr lang="en-US"/>
           </a:p>
@@ -1960,7 +1965,7 @@
           <a:p>
             <a:fld id="{F4B84776-BAA1-48A5-B83E-3E40081DB21F}" type="datetimeFigureOut">
               <a:rPr lang="en-US" smtClean="0"/>
-              <a:t>9/23/2022</a:t>
+              <a:t>9/24/2022</a:t>
             </a:fld>
             <a:endParaRPr lang="en-US"/>
           </a:p>
@@ -2073,7 +2078,7 @@
           <a:p>
             <a:fld id="{F4B84776-BAA1-48A5-B83E-3E40081DB21F}" type="datetimeFigureOut">
               <a:rPr lang="en-US" smtClean="0"/>
-              <a:t>9/23/2022</a:t>
+              <a:t>9/24/2022</a:t>
             </a:fld>
             <a:endParaRPr lang="en-US"/>
           </a:p>
@@ -2384,7 +2389,7 @@
           <a:p>
             <a:fld id="{F4B84776-BAA1-48A5-B83E-3E40081DB21F}" type="datetimeFigureOut">
               <a:rPr lang="en-US" smtClean="0"/>
-              <a:t>9/23/2022</a:t>
+              <a:t>9/24/2022</a:t>
             </a:fld>
             <a:endParaRPr lang="en-US"/>
           </a:p>
@@ -2672,7 +2677,7 @@
           <a:p>
             <a:fld id="{F4B84776-BAA1-48A5-B83E-3E40081DB21F}" type="datetimeFigureOut">
               <a:rPr lang="en-US" smtClean="0"/>
-              <a:t>9/23/2022</a:t>
+              <a:t>9/24/2022</a:t>
             </a:fld>
             <a:endParaRPr lang="en-US"/>
           </a:p>
@@ -2913,7 +2918,7 @@
           <a:p>
             <a:fld id="{F4B84776-BAA1-48A5-B83E-3E40081DB21F}" type="datetimeFigureOut">
               <a:rPr lang="en-US" smtClean="0"/>
-              <a:t>9/23/2022</a:t>
+              <a:t>9/24/2022</a:t>
             </a:fld>
             <a:endParaRPr lang="en-US"/>
           </a:p>
@@ -4109,6 +4114,1593 @@
 </p:sld>
 </file>
 
+<file path=ppt/slides/slide10.xml><?xml version="1.0" encoding="utf-8"?>
+<p:sld xmlns:a="http://schemas.openxmlformats.org/drawingml/2006/main" xmlns:r="http://schemas.openxmlformats.org/officeDocument/2006/relationships" xmlns:p="http://schemas.openxmlformats.org/presentationml/2006/main">
+  <p:cSld>
+    <p:spTree>
+      <p:nvGrpSpPr>
+        <p:cNvPr id="1" name=""/>
+        <p:cNvGrpSpPr/>
+        <p:nvPr/>
+      </p:nvGrpSpPr>
+      <p:grpSpPr>
+        <a:xfrm>
+          <a:off x="0" y="0"/>
+          <a:ext cx="0" cy="0"/>
+          <a:chOff x="0" y="0"/>
+          <a:chExt cx="0" cy="0"/>
+        </a:xfrm>
+      </p:grpSpPr>
+      <p:graphicFrame>
+        <p:nvGraphicFramePr>
+          <p:cNvPr id="2" name="Table 2">
+            <a:extLst>
+              <a:ext uri="{FF2B5EF4-FFF2-40B4-BE49-F238E27FC236}">
+                <a16:creationId xmlns:a16="http://schemas.microsoft.com/office/drawing/2014/main" id="{CF9685B1-0A25-8C2F-03DA-C3EAFAE8EDCD}"/>
+              </a:ext>
+            </a:extLst>
+          </p:cNvPr>
+          <p:cNvGraphicFramePr>
+            <a:graphicFrameLocks noGrp="1"/>
+          </p:cNvGraphicFramePr>
+          <p:nvPr>
+            <p:extLst>
+              <p:ext uri="{D42A27DB-BD31-4B8C-83A1-F6EECF244321}">
+                <p14:modId xmlns:p14="http://schemas.microsoft.com/office/powerpoint/2010/main" val="3700214133"/>
+              </p:ext>
+            </p:extLst>
+          </p:nvPr>
+        </p:nvGraphicFramePr>
+        <p:xfrm>
+          <a:off x="249855" y="887617"/>
+          <a:ext cx="2959880" cy="1483360"/>
+        </p:xfrm>
+        <a:graphic>
+          <a:graphicData uri="http://schemas.openxmlformats.org/drawingml/2006/table">
+            <a:tbl>
+              <a:tblPr firstRow="1" bandRow="1">
+                <a:tableStyleId>{5C22544A-7EE6-4342-B048-85BDC9FD1C3A}</a:tableStyleId>
+              </a:tblPr>
+              <a:tblGrid>
+                <a:gridCol w="422840">
+                  <a:extLst>
+                    <a:ext uri="{9D8B030D-6E8A-4147-A177-3AD203B41FA5}">
+                      <a16:colId xmlns:a16="http://schemas.microsoft.com/office/drawing/2014/main" val="841444077"/>
+                    </a:ext>
+                  </a:extLst>
+                </a:gridCol>
+                <a:gridCol w="422840">
+                  <a:extLst>
+                    <a:ext uri="{9D8B030D-6E8A-4147-A177-3AD203B41FA5}">
+                      <a16:colId xmlns:a16="http://schemas.microsoft.com/office/drawing/2014/main" val="1335127486"/>
+                    </a:ext>
+                  </a:extLst>
+                </a:gridCol>
+                <a:gridCol w="422840">
+                  <a:extLst>
+                    <a:ext uri="{9D8B030D-6E8A-4147-A177-3AD203B41FA5}">
+                      <a16:colId xmlns:a16="http://schemas.microsoft.com/office/drawing/2014/main" val="2477479778"/>
+                    </a:ext>
+                  </a:extLst>
+                </a:gridCol>
+                <a:gridCol w="422840">
+                  <a:extLst>
+                    <a:ext uri="{9D8B030D-6E8A-4147-A177-3AD203B41FA5}">
+                      <a16:colId xmlns:a16="http://schemas.microsoft.com/office/drawing/2014/main" val="2590166655"/>
+                    </a:ext>
+                  </a:extLst>
+                </a:gridCol>
+                <a:gridCol w="422840">
+                  <a:extLst>
+                    <a:ext uri="{9D8B030D-6E8A-4147-A177-3AD203B41FA5}">
+                      <a16:colId xmlns:a16="http://schemas.microsoft.com/office/drawing/2014/main" val="1074875714"/>
+                    </a:ext>
+                  </a:extLst>
+                </a:gridCol>
+                <a:gridCol w="422840">
+                  <a:extLst>
+                    <a:ext uri="{9D8B030D-6E8A-4147-A177-3AD203B41FA5}">
+                      <a16:colId xmlns:a16="http://schemas.microsoft.com/office/drawing/2014/main" val="3405770776"/>
+                    </a:ext>
+                  </a:extLst>
+                </a:gridCol>
+                <a:gridCol w="422840">
+                  <a:extLst>
+                    <a:ext uri="{9D8B030D-6E8A-4147-A177-3AD203B41FA5}">
+                      <a16:colId xmlns:a16="http://schemas.microsoft.com/office/drawing/2014/main" val="2212200401"/>
+                    </a:ext>
+                  </a:extLst>
+                </a:gridCol>
+              </a:tblGrid>
+              <a:tr h="370840">
+                <a:tc>
+                  <a:txBody>
+                    <a:bodyPr/>
+                    <a:lstStyle/>
+                    <a:p>
+                      <a:endParaRPr lang="en-US"/>
+                    </a:p>
+                  </a:txBody>
+                  <a:tcPr/>
+                </a:tc>
+                <a:tc>
+                  <a:txBody>
+                    <a:bodyPr/>
+                    <a:lstStyle/>
+                    <a:p>
+                      <a:endParaRPr lang="en-US"/>
+                    </a:p>
+                  </a:txBody>
+                  <a:tcPr/>
+                </a:tc>
+                <a:tc>
+                  <a:txBody>
+                    <a:bodyPr/>
+                    <a:lstStyle/>
+                    <a:p>
+                      <a:endParaRPr lang="en-US"/>
+                    </a:p>
+                  </a:txBody>
+                  <a:tcPr/>
+                </a:tc>
+                <a:tc>
+                  <a:txBody>
+                    <a:bodyPr/>
+                    <a:lstStyle/>
+                    <a:p>
+                      <a:endParaRPr lang="en-US"/>
+                    </a:p>
+                  </a:txBody>
+                  <a:tcPr/>
+                </a:tc>
+                <a:tc>
+                  <a:txBody>
+                    <a:bodyPr/>
+                    <a:lstStyle/>
+                    <a:p>
+                      <a:endParaRPr lang="en-US"/>
+                    </a:p>
+                  </a:txBody>
+                  <a:tcPr/>
+                </a:tc>
+                <a:tc>
+                  <a:txBody>
+                    <a:bodyPr/>
+                    <a:lstStyle/>
+                    <a:p>
+                      <a:endParaRPr lang="en-US"/>
+                    </a:p>
+                  </a:txBody>
+                  <a:tcPr/>
+                </a:tc>
+                <a:tc>
+                  <a:txBody>
+                    <a:bodyPr/>
+                    <a:lstStyle/>
+                    <a:p>
+                      <a:endParaRPr lang="en-US"/>
+                    </a:p>
+                  </a:txBody>
+                  <a:tcPr/>
+                </a:tc>
+                <a:extLst>
+                  <a:ext uri="{0D108BD9-81ED-4DB2-BD59-A6C34878D82A}">
+                    <a16:rowId xmlns:a16="http://schemas.microsoft.com/office/drawing/2014/main" val="3509866057"/>
+                  </a:ext>
+                </a:extLst>
+              </a:tr>
+              <a:tr h="370840">
+                <a:tc>
+                  <a:txBody>
+                    <a:bodyPr/>
+                    <a:lstStyle/>
+                    <a:p>
+                      <a:endParaRPr lang="en-US"/>
+                    </a:p>
+                  </a:txBody>
+                  <a:tcPr/>
+                </a:tc>
+                <a:tc>
+                  <a:txBody>
+                    <a:bodyPr/>
+                    <a:lstStyle/>
+                    <a:p>
+                      <a:endParaRPr lang="en-US"/>
+                    </a:p>
+                  </a:txBody>
+                  <a:tcPr/>
+                </a:tc>
+                <a:tc>
+                  <a:txBody>
+                    <a:bodyPr/>
+                    <a:lstStyle/>
+                    <a:p>
+                      <a:endParaRPr lang="en-US"/>
+                    </a:p>
+                  </a:txBody>
+                  <a:tcPr/>
+                </a:tc>
+                <a:tc>
+                  <a:txBody>
+                    <a:bodyPr/>
+                    <a:lstStyle/>
+                    <a:p>
+                      <a:endParaRPr lang="en-US"/>
+                    </a:p>
+                  </a:txBody>
+                  <a:tcPr/>
+                </a:tc>
+                <a:tc>
+                  <a:txBody>
+                    <a:bodyPr/>
+                    <a:lstStyle/>
+                    <a:p>
+                      <a:endParaRPr lang="en-US"/>
+                    </a:p>
+                  </a:txBody>
+                  <a:tcPr/>
+                </a:tc>
+                <a:tc>
+                  <a:txBody>
+                    <a:bodyPr/>
+                    <a:lstStyle/>
+                    <a:p>
+                      <a:endParaRPr lang="en-US"/>
+                    </a:p>
+                  </a:txBody>
+                  <a:tcPr/>
+                </a:tc>
+                <a:tc>
+                  <a:txBody>
+                    <a:bodyPr/>
+                    <a:lstStyle/>
+                    <a:p>
+                      <a:endParaRPr lang="en-US"/>
+                    </a:p>
+                  </a:txBody>
+                  <a:tcPr/>
+                </a:tc>
+                <a:extLst>
+                  <a:ext uri="{0D108BD9-81ED-4DB2-BD59-A6C34878D82A}">
+                    <a16:rowId xmlns:a16="http://schemas.microsoft.com/office/drawing/2014/main" val="1027859491"/>
+                  </a:ext>
+                </a:extLst>
+              </a:tr>
+              <a:tr h="370840">
+                <a:tc>
+                  <a:txBody>
+                    <a:bodyPr/>
+                    <a:lstStyle/>
+                    <a:p>
+                      <a:endParaRPr lang="en-US"/>
+                    </a:p>
+                  </a:txBody>
+                  <a:tcPr/>
+                </a:tc>
+                <a:tc>
+                  <a:txBody>
+                    <a:bodyPr/>
+                    <a:lstStyle/>
+                    <a:p>
+                      <a:endParaRPr lang="en-US"/>
+                    </a:p>
+                  </a:txBody>
+                  <a:tcPr/>
+                </a:tc>
+                <a:tc>
+                  <a:txBody>
+                    <a:bodyPr/>
+                    <a:lstStyle/>
+                    <a:p>
+                      <a:endParaRPr lang="en-US"/>
+                    </a:p>
+                  </a:txBody>
+                  <a:tcPr/>
+                </a:tc>
+                <a:tc>
+                  <a:txBody>
+                    <a:bodyPr/>
+                    <a:lstStyle/>
+                    <a:p>
+                      <a:endParaRPr lang="en-US"/>
+                    </a:p>
+                  </a:txBody>
+                  <a:tcPr/>
+                </a:tc>
+                <a:tc>
+                  <a:txBody>
+                    <a:bodyPr/>
+                    <a:lstStyle/>
+                    <a:p>
+                      <a:endParaRPr lang="en-US"/>
+                    </a:p>
+                  </a:txBody>
+                  <a:tcPr/>
+                </a:tc>
+                <a:tc>
+                  <a:txBody>
+                    <a:bodyPr/>
+                    <a:lstStyle/>
+                    <a:p>
+                      <a:endParaRPr lang="en-US"/>
+                    </a:p>
+                  </a:txBody>
+                  <a:tcPr/>
+                </a:tc>
+                <a:tc>
+                  <a:txBody>
+                    <a:bodyPr/>
+                    <a:lstStyle/>
+                    <a:p>
+                      <a:endParaRPr lang="en-US" dirty="0"/>
+                    </a:p>
+                  </a:txBody>
+                  <a:tcPr/>
+                </a:tc>
+                <a:extLst>
+                  <a:ext uri="{0D108BD9-81ED-4DB2-BD59-A6C34878D82A}">
+                    <a16:rowId xmlns:a16="http://schemas.microsoft.com/office/drawing/2014/main" val="3955268717"/>
+                  </a:ext>
+                </a:extLst>
+              </a:tr>
+              <a:tr h="370840">
+                <a:tc>
+                  <a:txBody>
+                    <a:bodyPr/>
+                    <a:lstStyle/>
+                    <a:p>
+                      <a:endParaRPr lang="en-US"/>
+                    </a:p>
+                  </a:txBody>
+                  <a:tcPr/>
+                </a:tc>
+                <a:tc>
+                  <a:txBody>
+                    <a:bodyPr/>
+                    <a:lstStyle/>
+                    <a:p>
+                      <a:endParaRPr lang="en-US"/>
+                    </a:p>
+                  </a:txBody>
+                  <a:tcPr/>
+                </a:tc>
+                <a:tc>
+                  <a:txBody>
+                    <a:bodyPr/>
+                    <a:lstStyle/>
+                    <a:p>
+                      <a:endParaRPr lang="en-US"/>
+                    </a:p>
+                  </a:txBody>
+                  <a:tcPr/>
+                </a:tc>
+                <a:tc>
+                  <a:txBody>
+                    <a:bodyPr/>
+                    <a:lstStyle/>
+                    <a:p>
+                      <a:endParaRPr lang="en-US"/>
+                    </a:p>
+                  </a:txBody>
+                  <a:tcPr/>
+                </a:tc>
+                <a:tc>
+                  <a:txBody>
+                    <a:bodyPr/>
+                    <a:lstStyle/>
+                    <a:p>
+                      <a:endParaRPr lang="en-US"/>
+                    </a:p>
+                  </a:txBody>
+                  <a:tcPr/>
+                </a:tc>
+                <a:tc>
+                  <a:txBody>
+                    <a:bodyPr/>
+                    <a:lstStyle/>
+                    <a:p>
+                      <a:endParaRPr lang="en-US"/>
+                    </a:p>
+                  </a:txBody>
+                  <a:tcPr/>
+                </a:tc>
+                <a:tc>
+                  <a:txBody>
+                    <a:bodyPr/>
+                    <a:lstStyle/>
+                    <a:p>
+                      <a:endParaRPr lang="en-US" dirty="0"/>
+                    </a:p>
+                  </a:txBody>
+                  <a:tcPr/>
+                </a:tc>
+                <a:extLst>
+                  <a:ext uri="{0D108BD9-81ED-4DB2-BD59-A6C34878D82A}">
+                    <a16:rowId xmlns:a16="http://schemas.microsoft.com/office/drawing/2014/main" val="3364268122"/>
+                  </a:ext>
+                </a:extLst>
+              </a:tr>
+            </a:tbl>
+          </a:graphicData>
+        </a:graphic>
+      </p:graphicFrame>
+      <p:sp>
+        <p:nvSpPr>
+          <p:cNvPr id="3" name="TextBox 2">
+            <a:extLst>
+              <a:ext uri="{FF2B5EF4-FFF2-40B4-BE49-F238E27FC236}">
+                <a16:creationId xmlns:a16="http://schemas.microsoft.com/office/drawing/2014/main" id="{39A52CA4-3833-E18F-B759-8E448D515B33}"/>
+              </a:ext>
+            </a:extLst>
+          </p:cNvPr>
+          <p:cNvSpPr txBox="1"/>
+          <p:nvPr/>
+        </p:nvSpPr>
+        <p:spPr>
+          <a:xfrm>
+            <a:off x="251927" y="279918"/>
+            <a:ext cx="2901820" cy="369332"/>
+          </a:xfrm>
+          <a:prstGeom prst="rect">
+            <a:avLst/>
+          </a:prstGeom>
+          <a:noFill/>
+        </p:spPr>
+        <p:txBody>
+          <a:bodyPr wrap="square" rtlCol="0">
+            <a:spAutoFit/>
+          </a:bodyPr>
+          <a:lstStyle/>
+          <a:p>
+            <a:pPr algn="ctr"/>
+            <a:r>
+              <a:rPr lang="en-US" dirty="0"/>
+              <a:t>Input collection</a:t>
+            </a:r>
+          </a:p>
+        </p:txBody>
+      </p:sp>
+      <p:sp>
+        <p:nvSpPr>
+          <p:cNvPr id="4" name="Arrow: Left 3">
+            <a:extLst>
+              <a:ext uri="{FF2B5EF4-FFF2-40B4-BE49-F238E27FC236}">
+                <a16:creationId xmlns:a16="http://schemas.microsoft.com/office/drawing/2014/main" id="{F2515864-6DC5-AF68-CC59-A4B98A51045E}"/>
+              </a:ext>
+            </a:extLst>
+          </p:cNvPr>
+          <p:cNvSpPr/>
+          <p:nvPr/>
+        </p:nvSpPr>
+        <p:spPr>
+          <a:xfrm>
+            <a:off x="3517641" y="1259633"/>
+            <a:ext cx="1884783" cy="802432"/>
+          </a:xfrm>
+          <a:prstGeom prst="leftArrow">
+            <a:avLst/>
+          </a:prstGeom>
+        </p:spPr>
+        <p:style>
+          <a:lnRef idx="2">
+            <a:schemeClr val="accent1">
+              <a:shade val="50000"/>
+            </a:schemeClr>
+          </a:lnRef>
+          <a:fillRef idx="1">
+            <a:schemeClr val="accent1"/>
+          </a:fillRef>
+          <a:effectRef idx="0">
+            <a:schemeClr val="accent1"/>
+          </a:effectRef>
+          <a:fontRef idx="minor">
+            <a:schemeClr val="lt1"/>
+          </a:fontRef>
+        </p:style>
+        <p:txBody>
+          <a:bodyPr rtlCol="0" anchor="ctr"/>
+          <a:lstStyle/>
+          <a:p>
+            <a:pPr algn="ctr"/>
+            <a:r>
+              <a:rPr lang="en-US" dirty="0"/>
+              <a:t>LINQ</a:t>
+            </a:r>
+          </a:p>
+        </p:txBody>
+      </p:sp>
+      <p:cxnSp>
+        <p:nvCxnSpPr>
+          <p:cNvPr id="8" name="Connector: Elbow 7">
+            <a:extLst>
+              <a:ext uri="{FF2B5EF4-FFF2-40B4-BE49-F238E27FC236}">
+                <a16:creationId xmlns:a16="http://schemas.microsoft.com/office/drawing/2014/main" id="{D328445E-6D25-6FA9-9C16-43FBCAA133D5}"/>
+              </a:ext>
+            </a:extLst>
+          </p:cNvPr>
+          <p:cNvCxnSpPr/>
+          <p:nvPr/>
+        </p:nvCxnSpPr>
+        <p:spPr>
+          <a:xfrm rot="16200000" flipH="1">
+            <a:off x="3107598" y="1670682"/>
+            <a:ext cx="1547879" cy="1343604"/>
+          </a:xfrm>
+          <a:prstGeom prst="bentConnector3">
+            <a:avLst/>
+          </a:prstGeom>
+          <a:ln>
+            <a:tailEnd type="triangle"/>
+          </a:ln>
+        </p:spPr>
+        <p:style>
+          <a:lnRef idx="1">
+            <a:schemeClr val="accent1"/>
+          </a:lnRef>
+          <a:fillRef idx="0">
+            <a:schemeClr val="accent1"/>
+          </a:fillRef>
+          <a:effectRef idx="0">
+            <a:schemeClr val="accent1"/>
+          </a:effectRef>
+          <a:fontRef idx="minor">
+            <a:schemeClr val="tx1"/>
+          </a:fontRef>
+        </p:style>
+      </p:cxnSp>
+      <p:sp>
+        <p:nvSpPr>
+          <p:cNvPr id="9" name="Rectangle 8">
+            <a:extLst>
+              <a:ext uri="{FF2B5EF4-FFF2-40B4-BE49-F238E27FC236}">
+                <a16:creationId xmlns:a16="http://schemas.microsoft.com/office/drawing/2014/main" id="{0F4DFC3E-4AFC-C0BE-350F-0AC4C9037910}"/>
+              </a:ext>
+            </a:extLst>
+          </p:cNvPr>
+          <p:cNvSpPr/>
+          <p:nvPr/>
+        </p:nvSpPr>
+        <p:spPr>
+          <a:xfrm>
+            <a:off x="3153747" y="3098763"/>
+            <a:ext cx="2957804" cy="885614"/>
+          </a:xfrm>
+          <a:prstGeom prst="rect">
+            <a:avLst/>
+          </a:prstGeom>
+        </p:spPr>
+        <p:style>
+          <a:lnRef idx="2">
+            <a:schemeClr val="accent6"/>
+          </a:lnRef>
+          <a:fillRef idx="1">
+            <a:schemeClr val="lt1"/>
+          </a:fillRef>
+          <a:effectRef idx="0">
+            <a:schemeClr val="accent6"/>
+          </a:effectRef>
+          <a:fontRef idx="minor">
+            <a:schemeClr val="dk1"/>
+          </a:fontRef>
+        </p:style>
+        <p:txBody>
+          <a:bodyPr rtlCol="0" anchor="ctr"/>
+          <a:lstStyle/>
+          <a:p>
+            <a:pPr algn="ctr"/>
+            <a:r>
+              <a:rPr lang="en-US" dirty="0" err="1"/>
+              <a:t>ExpressionTree</a:t>
+            </a:r>
+            <a:endParaRPr lang="en-US" dirty="0"/>
+          </a:p>
+          <a:p>
+            <a:pPr algn="ctr"/>
+            <a:r>
+              <a:rPr lang="en-US" dirty="0"/>
+              <a:t>Range Operator is a Single Record in Collection</a:t>
+            </a:r>
+          </a:p>
+        </p:txBody>
+      </p:sp>
+      <p:sp>
+        <p:nvSpPr>
+          <p:cNvPr id="10" name="TextBox 9">
+            <a:extLst>
+              <a:ext uri="{FF2B5EF4-FFF2-40B4-BE49-F238E27FC236}">
+                <a16:creationId xmlns:a16="http://schemas.microsoft.com/office/drawing/2014/main" id="{233B7DFA-9CAC-45C8-FFAE-67B0AADFEF7D}"/>
+              </a:ext>
+            </a:extLst>
+          </p:cNvPr>
+          <p:cNvSpPr txBox="1"/>
+          <p:nvPr/>
+        </p:nvSpPr>
+        <p:spPr>
+          <a:xfrm>
+            <a:off x="6587412" y="2491273"/>
+            <a:ext cx="4572000" cy="646331"/>
+          </a:xfrm>
+          <a:prstGeom prst="rect">
+            <a:avLst/>
+          </a:prstGeom>
+          <a:noFill/>
+        </p:spPr>
+        <p:txBody>
+          <a:bodyPr wrap="square" rtlCol="0">
+            <a:spAutoFit/>
+          </a:bodyPr>
+          <a:lstStyle/>
+          <a:p>
+            <a:r>
+              <a:rPr lang="en-US" dirty="0"/>
+              <a:t>Read Collection, Range Operator, Where condition, Order By, Groups and finally select</a:t>
+            </a:r>
+          </a:p>
+        </p:txBody>
+      </p:sp>
+      <p:cxnSp>
+        <p:nvCxnSpPr>
+          <p:cNvPr id="12" name="Connector: Elbow 11">
+            <a:extLst>
+              <a:ext uri="{FF2B5EF4-FFF2-40B4-BE49-F238E27FC236}">
+                <a16:creationId xmlns:a16="http://schemas.microsoft.com/office/drawing/2014/main" id="{D5A0E591-D0C3-F11D-D737-8CA6CC7B2C2C}"/>
+              </a:ext>
+            </a:extLst>
+          </p:cNvPr>
+          <p:cNvCxnSpPr>
+            <a:stCxn id="10" idx="2"/>
+            <a:endCxn id="9" idx="3"/>
+          </p:cNvCxnSpPr>
+          <p:nvPr/>
+        </p:nvCxnSpPr>
+        <p:spPr>
+          <a:xfrm rot="5400000">
+            <a:off x="7290499" y="1958657"/>
+            <a:ext cx="403966" cy="2761861"/>
+          </a:xfrm>
+          <a:prstGeom prst="bentConnector2">
+            <a:avLst/>
+          </a:prstGeom>
+          <a:ln>
+            <a:tailEnd type="triangle"/>
+          </a:ln>
+        </p:spPr>
+        <p:style>
+          <a:lnRef idx="1">
+            <a:schemeClr val="accent1"/>
+          </a:lnRef>
+          <a:fillRef idx="0">
+            <a:schemeClr val="accent1"/>
+          </a:fillRef>
+          <a:effectRef idx="0">
+            <a:schemeClr val="accent1"/>
+          </a:effectRef>
+          <a:fontRef idx="minor">
+            <a:schemeClr val="tx1"/>
+          </a:fontRef>
+        </p:style>
+      </p:cxnSp>
+      <p:cxnSp>
+        <p:nvCxnSpPr>
+          <p:cNvPr id="14" name="Straight Arrow Connector 13">
+            <a:extLst>
+              <a:ext uri="{FF2B5EF4-FFF2-40B4-BE49-F238E27FC236}">
+                <a16:creationId xmlns:a16="http://schemas.microsoft.com/office/drawing/2014/main" id="{06617460-2330-1ABE-5381-344319004FBA}"/>
+              </a:ext>
+            </a:extLst>
+          </p:cNvPr>
+          <p:cNvCxnSpPr>
+            <a:stCxn id="9" idx="2"/>
+          </p:cNvCxnSpPr>
+          <p:nvPr/>
+        </p:nvCxnSpPr>
+        <p:spPr>
+          <a:xfrm flipH="1">
+            <a:off x="4627984" y="3984377"/>
+            <a:ext cx="4665" cy="502647"/>
+          </a:xfrm>
+          <a:prstGeom prst="straightConnector1">
+            <a:avLst/>
+          </a:prstGeom>
+          <a:ln>
+            <a:tailEnd type="triangle"/>
+          </a:ln>
+        </p:spPr>
+        <p:style>
+          <a:lnRef idx="1">
+            <a:schemeClr val="accent1"/>
+          </a:lnRef>
+          <a:fillRef idx="0">
+            <a:schemeClr val="accent1"/>
+          </a:fillRef>
+          <a:effectRef idx="0">
+            <a:schemeClr val="accent1"/>
+          </a:effectRef>
+          <a:fontRef idx="minor">
+            <a:schemeClr val="tx1"/>
+          </a:fontRef>
+        </p:style>
+      </p:cxnSp>
+      <p:sp>
+        <p:nvSpPr>
+          <p:cNvPr id="15" name="Rectangle 14">
+            <a:extLst>
+              <a:ext uri="{FF2B5EF4-FFF2-40B4-BE49-F238E27FC236}">
+                <a16:creationId xmlns:a16="http://schemas.microsoft.com/office/drawing/2014/main" id="{5CDD0DFD-20EA-76FC-690D-D41B2FEFA48D}"/>
+              </a:ext>
+            </a:extLst>
+          </p:cNvPr>
+          <p:cNvSpPr/>
+          <p:nvPr/>
+        </p:nvSpPr>
+        <p:spPr>
+          <a:xfrm>
+            <a:off x="3004457" y="4515928"/>
+            <a:ext cx="3247053" cy="708125"/>
+          </a:xfrm>
+          <a:prstGeom prst="rect">
+            <a:avLst/>
+          </a:prstGeom>
+        </p:spPr>
+        <p:style>
+          <a:lnRef idx="2">
+            <a:schemeClr val="accent6"/>
+          </a:lnRef>
+          <a:fillRef idx="1">
+            <a:schemeClr val="lt1"/>
+          </a:fillRef>
+          <a:effectRef idx="0">
+            <a:schemeClr val="accent6"/>
+          </a:effectRef>
+          <a:fontRef idx="minor">
+            <a:schemeClr val="dk1"/>
+          </a:fontRef>
+        </p:style>
+        <p:txBody>
+          <a:bodyPr rtlCol="0" anchor="ctr"/>
+          <a:lstStyle/>
+          <a:p>
+            <a:pPr algn="ctr"/>
+            <a:r>
+              <a:rPr lang="en-US" b="1" dirty="0"/>
+              <a:t>Resultant of Where Condition</a:t>
+            </a:r>
+          </a:p>
+        </p:txBody>
+      </p:sp>
+      <p:sp>
+        <p:nvSpPr>
+          <p:cNvPr id="16" name="Rectangle 15">
+            <a:extLst>
+              <a:ext uri="{FF2B5EF4-FFF2-40B4-BE49-F238E27FC236}">
+                <a16:creationId xmlns:a16="http://schemas.microsoft.com/office/drawing/2014/main" id="{D7F59D0B-C3C0-132D-9597-4EB776CEFF89}"/>
+              </a:ext>
+            </a:extLst>
+          </p:cNvPr>
+          <p:cNvSpPr/>
+          <p:nvPr/>
+        </p:nvSpPr>
+        <p:spPr>
+          <a:xfrm>
+            <a:off x="7249885" y="4515928"/>
+            <a:ext cx="3247053" cy="708125"/>
+          </a:xfrm>
+          <a:prstGeom prst="rect">
+            <a:avLst/>
+          </a:prstGeom>
+        </p:spPr>
+        <p:style>
+          <a:lnRef idx="2">
+            <a:schemeClr val="accent6"/>
+          </a:lnRef>
+          <a:fillRef idx="1">
+            <a:schemeClr val="lt1"/>
+          </a:fillRef>
+          <a:effectRef idx="0">
+            <a:schemeClr val="accent6"/>
+          </a:effectRef>
+          <a:fontRef idx="minor">
+            <a:schemeClr val="dk1"/>
+          </a:fontRef>
+        </p:style>
+        <p:txBody>
+          <a:bodyPr rtlCol="0" anchor="ctr"/>
+          <a:lstStyle/>
+          <a:p>
+            <a:pPr algn="ctr"/>
+            <a:r>
+              <a:rPr lang="en-US" b="1" dirty="0"/>
+              <a:t>Order By</a:t>
+            </a:r>
+          </a:p>
+        </p:txBody>
+      </p:sp>
+      <p:cxnSp>
+        <p:nvCxnSpPr>
+          <p:cNvPr id="18" name="Straight Arrow Connector 17">
+            <a:extLst>
+              <a:ext uri="{FF2B5EF4-FFF2-40B4-BE49-F238E27FC236}">
+                <a16:creationId xmlns:a16="http://schemas.microsoft.com/office/drawing/2014/main" id="{5F98D016-15F1-4D44-5D48-14F70869FEF2}"/>
+              </a:ext>
+            </a:extLst>
+          </p:cNvPr>
+          <p:cNvCxnSpPr>
+            <a:stCxn id="15" idx="3"/>
+            <a:endCxn id="16" idx="1"/>
+          </p:cNvCxnSpPr>
+          <p:nvPr/>
+        </p:nvCxnSpPr>
+        <p:spPr>
+          <a:xfrm>
+            <a:off x="6251510" y="4869991"/>
+            <a:ext cx="998375" cy="0"/>
+          </a:xfrm>
+          <a:prstGeom prst="straightConnector1">
+            <a:avLst/>
+          </a:prstGeom>
+          <a:ln>
+            <a:tailEnd type="triangle"/>
+          </a:ln>
+        </p:spPr>
+        <p:style>
+          <a:lnRef idx="1">
+            <a:schemeClr val="accent1"/>
+          </a:lnRef>
+          <a:fillRef idx="0">
+            <a:schemeClr val="accent1"/>
+          </a:fillRef>
+          <a:effectRef idx="0">
+            <a:schemeClr val="accent1"/>
+          </a:effectRef>
+          <a:fontRef idx="minor">
+            <a:schemeClr val="tx1"/>
+          </a:fontRef>
+        </p:style>
+      </p:cxnSp>
+      <p:sp>
+        <p:nvSpPr>
+          <p:cNvPr id="19" name="Rectangle 18">
+            <a:extLst>
+              <a:ext uri="{FF2B5EF4-FFF2-40B4-BE49-F238E27FC236}">
+                <a16:creationId xmlns:a16="http://schemas.microsoft.com/office/drawing/2014/main" id="{8AD4C3DA-87DD-55D8-2B9D-257B1F6D250B}"/>
+              </a:ext>
+            </a:extLst>
+          </p:cNvPr>
+          <p:cNvSpPr/>
+          <p:nvPr/>
+        </p:nvSpPr>
+        <p:spPr>
+          <a:xfrm>
+            <a:off x="2929813" y="5686522"/>
+            <a:ext cx="3247053" cy="708125"/>
+          </a:xfrm>
+          <a:prstGeom prst="rect">
+            <a:avLst/>
+          </a:prstGeom>
+        </p:spPr>
+        <p:style>
+          <a:lnRef idx="2">
+            <a:schemeClr val="accent6"/>
+          </a:lnRef>
+          <a:fillRef idx="1">
+            <a:schemeClr val="lt1"/>
+          </a:fillRef>
+          <a:effectRef idx="0">
+            <a:schemeClr val="accent6"/>
+          </a:effectRef>
+          <a:fontRef idx="minor">
+            <a:schemeClr val="dk1"/>
+          </a:fontRef>
+        </p:style>
+        <p:txBody>
+          <a:bodyPr rtlCol="0" anchor="ctr"/>
+          <a:lstStyle/>
+          <a:p>
+            <a:pPr algn="ctr"/>
+            <a:r>
+              <a:rPr lang="en-US" b="1" dirty="0"/>
+              <a:t>Group By</a:t>
+            </a:r>
+          </a:p>
+        </p:txBody>
+      </p:sp>
+      <p:cxnSp>
+        <p:nvCxnSpPr>
+          <p:cNvPr id="21" name="Connector: Elbow 20">
+            <a:extLst>
+              <a:ext uri="{FF2B5EF4-FFF2-40B4-BE49-F238E27FC236}">
+                <a16:creationId xmlns:a16="http://schemas.microsoft.com/office/drawing/2014/main" id="{A8A15739-81DB-2B9C-F1B5-D62CBFA7E804}"/>
+              </a:ext>
+            </a:extLst>
+          </p:cNvPr>
+          <p:cNvCxnSpPr>
+            <a:stCxn id="16" idx="2"/>
+            <a:endCxn id="19" idx="0"/>
+          </p:cNvCxnSpPr>
+          <p:nvPr/>
+        </p:nvCxnSpPr>
+        <p:spPr>
+          <a:xfrm rot="5400000">
+            <a:off x="6482142" y="3295251"/>
+            <a:ext cx="462469" cy="4320072"/>
+          </a:xfrm>
+          <a:prstGeom prst="bentConnector3">
+            <a:avLst/>
+          </a:prstGeom>
+          <a:ln>
+            <a:tailEnd type="triangle"/>
+          </a:ln>
+        </p:spPr>
+        <p:style>
+          <a:lnRef idx="1">
+            <a:schemeClr val="accent1"/>
+          </a:lnRef>
+          <a:fillRef idx="0">
+            <a:schemeClr val="accent1"/>
+          </a:fillRef>
+          <a:effectRef idx="0">
+            <a:schemeClr val="accent1"/>
+          </a:effectRef>
+          <a:fontRef idx="minor">
+            <a:schemeClr val="tx1"/>
+          </a:fontRef>
+        </p:style>
+      </p:cxnSp>
+      <p:sp>
+        <p:nvSpPr>
+          <p:cNvPr id="22" name="Rectangle 21">
+            <a:extLst>
+              <a:ext uri="{FF2B5EF4-FFF2-40B4-BE49-F238E27FC236}">
+                <a16:creationId xmlns:a16="http://schemas.microsoft.com/office/drawing/2014/main" id="{E2B184F8-ED39-7DC7-B8B4-F0061B8642A1}"/>
+              </a:ext>
+            </a:extLst>
+          </p:cNvPr>
+          <p:cNvSpPr/>
+          <p:nvPr/>
+        </p:nvSpPr>
+        <p:spPr>
+          <a:xfrm>
+            <a:off x="7221894" y="5844347"/>
+            <a:ext cx="3247053" cy="708125"/>
+          </a:xfrm>
+          <a:prstGeom prst="rect">
+            <a:avLst/>
+          </a:prstGeom>
+        </p:spPr>
+        <p:style>
+          <a:lnRef idx="2">
+            <a:schemeClr val="accent6"/>
+          </a:lnRef>
+          <a:fillRef idx="1">
+            <a:schemeClr val="lt1"/>
+          </a:fillRef>
+          <a:effectRef idx="0">
+            <a:schemeClr val="accent6"/>
+          </a:effectRef>
+          <a:fontRef idx="minor">
+            <a:schemeClr val="dk1"/>
+          </a:fontRef>
+        </p:style>
+        <p:txBody>
+          <a:bodyPr rtlCol="0" anchor="ctr"/>
+          <a:lstStyle/>
+          <a:p>
+            <a:pPr algn="ctr"/>
+            <a:r>
+              <a:rPr lang="en-US" b="1" dirty="0"/>
+              <a:t>Select</a:t>
+            </a:r>
+          </a:p>
+        </p:txBody>
+      </p:sp>
+      <p:cxnSp>
+        <p:nvCxnSpPr>
+          <p:cNvPr id="24" name="Straight Arrow Connector 23">
+            <a:extLst>
+              <a:ext uri="{FF2B5EF4-FFF2-40B4-BE49-F238E27FC236}">
+                <a16:creationId xmlns:a16="http://schemas.microsoft.com/office/drawing/2014/main" id="{194A7375-4A41-594D-88AF-FF9412B24F52}"/>
+              </a:ext>
+            </a:extLst>
+          </p:cNvPr>
+          <p:cNvCxnSpPr>
+            <a:stCxn id="19" idx="3"/>
+            <a:endCxn id="22" idx="1"/>
+          </p:cNvCxnSpPr>
+          <p:nvPr/>
+        </p:nvCxnSpPr>
+        <p:spPr>
+          <a:xfrm>
+            <a:off x="6176866" y="6040585"/>
+            <a:ext cx="1045028" cy="157825"/>
+          </a:xfrm>
+          <a:prstGeom prst="straightConnector1">
+            <a:avLst/>
+          </a:prstGeom>
+          <a:ln>
+            <a:tailEnd type="triangle"/>
+          </a:ln>
+        </p:spPr>
+        <p:style>
+          <a:lnRef idx="1">
+            <a:schemeClr val="accent1"/>
+          </a:lnRef>
+          <a:fillRef idx="0">
+            <a:schemeClr val="accent1"/>
+          </a:fillRef>
+          <a:effectRef idx="0">
+            <a:schemeClr val="accent1"/>
+          </a:effectRef>
+          <a:fontRef idx="minor">
+            <a:schemeClr val="tx1"/>
+          </a:fontRef>
+        </p:style>
+      </p:cxnSp>
+      <p:sp>
+        <p:nvSpPr>
+          <p:cNvPr id="25" name="Left Brace 24">
+            <a:extLst>
+              <a:ext uri="{FF2B5EF4-FFF2-40B4-BE49-F238E27FC236}">
+                <a16:creationId xmlns:a16="http://schemas.microsoft.com/office/drawing/2014/main" id="{1B30173C-86E7-D93C-C2F6-D47050A73CDF}"/>
+              </a:ext>
+            </a:extLst>
+          </p:cNvPr>
+          <p:cNvSpPr/>
+          <p:nvPr/>
+        </p:nvSpPr>
+        <p:spPr>
+          <a:xfrm>
+            <a:off x="2304663" y="4448707"/>
+            <a:ext cx="303244" cy="2103765"/>
+          </a:xfrm>
+          <a:prstGeom prst="leftBrace">
+            <a:avLst/>
+          </a:prstGeom>
+          <a:ln w="76200"/>
+        </p:spPr>
+        <p:style>
+          <a:lnRef idx="1">
+            <a:schemeClr val="accent1"/>
+          </a:lnRef>
+          <a:fillRef idx="0">
+            <a:schemeClr val="accent1"/>
+          </a:fillRef>
+          <a:effectRef idx="0">
+            <a:schemeClr val="accent1"/>
+          </a:effectRef>
+          <a:fontRef idx="minor">
+            <a:schemeClr val="tx1"/>
+          </a:fontRef>
+        </p:style>
+        <p:txBody>
+          <a:bodyPr rtlCol="0" anchor="ctr"/>
+          <a:lstStyle/>
+          <a:p>
+            <a:pPr algn="ctr"/>
+            <a:endParaRPr lang="en-US"/>
+          </a:p>
+        </p:txBody>
+      </p:sp>
+      <p:sp>
+        <p:nvSpPr>
+          <p:cNvPr id="26" name="TextBox 25">
+            <a:extLst>
+              <a:ext uri="{FF2B5EF4-FFF2-40B4-BE49-F238E27FC236}">
+                <a16:creationId xmlns:a16="http://schemas.microsoft.com/office/drawing/2014/main" id="{84AC0A59-1A41-9FF1-41AD-516E463F97BC}"/>
+              </a:ext>
+            </a:extLst>
+          </p:cNvPr>
+          <p:cNvSpPr txBox="1"/>
+          <p:nvPr/>
+        </p:nvSpPr>
+        <p:spPr>
+          <a:xfrm>
+            <a:off x="249855" y="5069112"/>
+            <a:ext cx="1840202" cy="646331"/>
+          </a:xfrm>
+          <a:prstGeom prst="rect">
+            <a:avLst/>
+          </a:prstGeom>
+          <a:noFill/>
+        </p:spPr>
+        <p:txBody>
+          <a:bodyPr wrap="square" rtlCol="0">
+            <a:spAutoFit/>
+          </a:bodyPr>
+          <a:lstStyle/>
+          <a:p>
+            <a:r>
+              <a:rPr lang="en-US" dirty="0"/>
+              <a:t>Deferred Execution</a:t>
+            </a:r>
+          </a:p>
+        </p:txBody>
+      </p:sp>
+      <p:graphicFrame>
+        <p:nvGraphicFramePr>
+          <p:cNvPr id="27" name="Table 2">
+            <a:extLst>
+              <a:ext uri="{FF2B5EF4-FFF2-40B4-BE49-F238E27FC236}">
+                <a16:creationId xmlns:a16="http://schemas.microsoft.com/office/drawing/2014/main" id="{E0F0BF76-D7CD-775F-6F83-FDA8E6920965}"/>
+              </a:ext>
+            </a:extLst>
+          </p:cNvPr>
+          <p:cNvGraphicFramePr>
+            <a:graphicFrameLocks noGrp="1"/>
+          </p:cNvGraphicFramePr>
+          <p:nvPr>
+            <p:extLst>
+              <p:ext uri="{D42A27DB-BD31-4B8C-83A1-F6EECF244321}">
+                <p14:modId xmlns:p14="http://schemas.microsoft.com/office/powerpoint/2010/main" val="2257401250"/>
+              </p:ext>
+            </p:extLst>
+          </p:nvPr>
+        </p:nvGraphicFramePr>
+        <p:xfrm>
+          <a:off x="7120295" y="564363"/>
+          <a:ext cx="2959880" cy="1483360"/>
+        </p:xfrm>
+        <a:graphic>
+          <a:graphicData uri="http://schemas.openxmlformats.org/drawingml/2006/table">
+            <a:tbl>
+              <a:tblPr firstRow="1" bandRow="1">
+                <a:tableStyleId>{5C22544A-7EE6-4342-B048-85BDC9FD1C3A}</a:tableStyleId>
+              </a:tblPr>
+              <a:tblGrid>
+                <a:gridCol w="422840">
+                  <a:extLst>
+                    <a:ext uri="{9D8B030D-6E8A-4147-A177-3AD203B41FA5}">
+                      <a16:colId xmlns:a16="http://schemas.microsoft.com/office/drawing/2014/main" val="841444077"/>
+                    </a:ext>
+                  </a:extLst>
+                </a:gridCol>
+                <a:gridCol w="422840">
+                  <a:extLst>
+                    <a:ext uri="{9D8B030D-6E8A-4147-A177-3AD203B41FA5}">
+                      <a16:colId xmlns:a16="http://schemas.microsoft.com/office/drawing/2014/main" val="1335127486"/>
+                    </a:ext>
+                  </a:extLst>
+                </a:gridCol>
+                <a:gridCol w="422840">
+                  <a:extLst>
+                    <a:ext uri="{9D8B030D-6E8A-4147-A177-3AD203B41FA5}">
+                      <a16:colId xmlns:a16="http://schemas.microsoft.com/office/drawing/2014/main" val="2477479778"/>
+                    </a:ext>
+                  </a:extLst>
+                </a:gridCol>
+                <a:gridCol w="422840">
+                  <a:extLst>
+                    <a:ext uri="{9D8B030D-6E8A-4147-A177-3AD203B41FA5}">
+                      <a16:colId xmlns:a16="http://schemas.microsoft.com/office/drawing/2014/main" val="2590166655"/>
+                    </a:ext>
+                  </a:extLst>
+                </a:gridCol>
+                <a:gridCol w="422840">
+                  <a:extLst>
+                    <a:ext uri="{9D8B030D-6E8A-4147-A177-3AD203B41FA5}">
+                      <a16:colId xmlns:a16="http://schemas.microsoft.com/office/drawing/2014/main" val="1074875714"/>
+                    </a:ext>
+                  </a:extLst>
+                </a:gridCol>
+                <a:gridCol w="422840">
+                  <a:extLst>
+                    <a:ext uri="{9D8B030D-6E8A-4147-A177-3AD203B41FA5}">
+                      <a16:colId xmlns:a16="http://schemas.microsoft.com/office/drawing/2014/main" val="3405770776"/>
+                    </a:ext>
+                  </a:extLst>
+                </a:gridCol>
+                <a:gridCol w="422840">
+                  <a:extLst>
+                    <a:ext uri="{9D8B030D-6E8A-4147-A177-3AD203B41FA5}">
+                      <a16:colId xmlns:a16="http://schemas.microsoft.com/office/drawing/2014/main" val="2212200401"/>
+                    </a:ext>
+                  </a:extLst>
+                </a:gridCol>
+              </a:tblGrid>
+              <a:tr h="370840">
+                <a:tc>
+                  <a:txBody>
+                    <a:bodyPr/>
+                    <a:lstStyle/>
+                    <a:p>
+                      <a:endParaRPr lang="en-US"/>
+                    </a:p>
+                  </a:txBody>
+                  <a:tcPr/>
+                </a:tc>
+                <a:tc>
+                  <a:txBody>
+                    <a:bodyPr/>
+                    <a:lstStyle/>
+                    <a:p>
+                      <a:endParaRPr lang="en-US"/>
+                    </a:p>
+                  </a:txBody>
+                  <a:tcPr/>
+                </a:tc>
+                <a:tc>
+                  <a:txBody>
+                    <a:bodyPr/>
+                    <a:lstStyle/>
+                    <a:p>
+                      <a:endParaRPr lang="en-US"/>
+                    </a:p>
+                  </a:txBody>
+                  <a:tcPr/>
+                </a:tc>
+                <a:tc>
+                  <a:txBody>
+                    <a:bodyPr/>
+                    <a:lstStyle/>
+                    <a:p>
+                      <a:endParaRPr lang="en-US"/>
+                    </a:p>
+                  </a:txBody>
+                  <a:tcPr/>
+                </a:tc>
+                <a:tc>
+                  <a:txBody>
+                    <a:bodyPr/>
+                    <a:lstStyle/>
+                    <a:p>
+                      <a:endParaRPr lang="en-US"/>
+                    </a:p>
+                  </a:txBody>
+                  <a:tcPr/>
+                </a:tc>
+                <a:tc>
+                  <a:txBody>
+                    <a:bodyPr/>
+                    <a:lstStyle/>
+                    <a:p>
+                      <a:endParaRPr lang="en-US"/>
+                    </a:p>
+                  </a:txBody>
+                  <a:tcPr/>
+                </a:tc>
+                <a:tc>
+                  <a:txBody>
+                    <a:bodyPr/>
+                    <a:lstStyle/>
+                    <a:p>
+                      <a:endParaRPr lang="en-US"/>
+                    </a:p>
+                  </a:txBody>
+                  <a:tcPr/>
+                </a:tc>
+                <a:extLst>
+                  <a:ext uri="{0D108BD9-81ED-4DB2-BD59-A6C34878D82A}">
+                    <a16:rowId xmlns:a16="http://schemas.microsoft.com/office/drawing/2014/main" val="3509866057"/>
+                  </a:ext>
+                </a:extLst>
+              </a:tr>
+              <a:tr h="370840">
+                <a:tc>
+                  <a:txBody>
+                    <a:bodyPr/>
+                    <a:lstStyle/>
+                    <a:p>
+                      <a:endParaRPr lang="en-US"/>
+                    </a:p>
+                  </a:txBody>
+                  <a:tcPr/>
+                </a:tc>
+                <a:tc>
+                  <a:txBody>
+                    <a:bodyPr/>
+                    <a:lstStyle/>
+                    <a:p>
+                      <a:endParaRPr lang="en-US"/>
+                    </a:p>
+                  </a:txBody>
+                  <a:tcPr/>
+                </a:tc>
+                <a:tc>
+                  <a:txBody>
+                    <a:bodyPr/>
+                    <a:lstStyle/>
+                    <a:p>
+                      <a:endParaRPr lang="en-US"/>
+                    </a:p>
+                  </a:txBody>
+                  <a:tcPr/>
+                </a:tc>
+                <a:tc>
+                  <a:txBody>
+                    <a:bodyPr/>
+                    <a:lstStyle/>
+                    <a:p>
+                      <a:endParaRPr lang="en-US"/>
+                    </a:p>
+                  </a:txBody>
+                  <a:tcPr/>
+                </a:tc>
+                <a:tc>
+                  <a:txBody>
+                    <a:bodyPr/>
+                    <a:lstStyle/>
+                    <a:p>
+                      <a:endParaRPr lang="en-US"/>
+                    </a:p>
+                  </a:txBody>
+                  <a:tcPr/>
+                </a:tc>
+                <a:tc>
+                  <a:txBody>
+                    <a:bodyPr/>
+                    <a:lstStyle/>
+                    <a:p>
+                      <a:endParaRPr lang="en-US"/>
+                    </a:p>
+                  </a:txBody>
+                  <a:tcPr/>
+                </a:tc>
+                <a:tc>
+                  <a:txBody>
+                    <a:bodyPr/>
+                    <a:lstStyle/>
+                    <a:p>
+                      <a:endParaRPr lang="en-US"/>
+                    </a:p>
+                  </a:txBody>
+                  <a:tcPr/>
+                </a:tc>
+                <a:extLst>
+                  <a:ext uri="{0D108BD9-81ED-4DB2-BD59-A6C34878D82A}">
+                    <a16:rowId xmlns:a16="http://schemas.microsoft.com/office/drawing/2014/main" val="1027859491"/>
+                  </a:ext>
+                </a:extLst>
+              </a:tr>
+              <a:tr h="370840">
+                <a:tc>
+                  <a:txBody>
+                    <a:bodyPr/>
+                    <a:lstStyle/>
+                    <a:p>
+                      <a:endParaRPr lang="en-US"/>
+                    </a:p>
+                  </a:txBody>
+                  <a:tcPr/>
+                </a:tc>
+                <a:tc>
+                  <a:txBody>
+                    <a:bodyPr/>
+                    <a:lstStyle/>
+                    <a:p>
+                      <a:endParaRPr lang="en-US"/>
+                    </a:p>
+                  </a:txBody>
+                  <a:tcPr/>
+                </a:tc>
+                <a:tc>
+                  <a:txBody>
+                    <a:bodyPr/>
+                    <a:lstStyle/>
+                    <a:p>
+                      <a:endParaRPr lang="en-US"/>
+                    </a:p>
+                  </a:txBody>
+                  <a:tcPr/>
+                </a:tc>
+                <a:tc>
+                  <a:txBody>
+                    <a:bodyPr/>
+                    <a:lstStyle/>
+                    <a:p>
+                      <a:endParaRPr lang="en-US"/>
+                    </a:p>
+                  </a:txBody>
+                  <a:tcPr/>
+                </a:tc>
+                <a:tc>
+                  <a:txBody>
+                    <a:bodyPr/>
+                    <a:lstStyle/>
+                    <a:p>
+                      <a:endParaRPr lang="en-US"/>
+                    </a:p>
+                  </a:txBody>
+                  <a:tcPr/>
+                </a:tc>
+                <a:tc>
+                  <a:txBody>
+                    <a:bodyPr/>
+                    <a:lstStyle/>
+                    <a:p>
+                      <a:endParaRPr lang="en-US"/>
+                    </a:p>
+                  </a:txBody>
+                  <a:tcPr/>
+                </a:tc>
+                <a:tc>
+                  <a:txBody>
+                    <a:bodyPr/>
+                    <a:lstStyle/>
+                    <a:p>
+                      <a:endParaRPr lang="en-US" dirty="0"/>
+                    </a:p>
+                  </a:txBody>
+                  <a:tcPr/>
+                </a:tc>
+                <a:extLst>
+                  <a:ext uri="{0D108BD9-81ED-4DB2-BD59-A6C34878D82A}">
+                    <a16:rowId xmlns:a16="http://schemas.microsoft.com/office/drawing/2014/main" val="3955268717"/>
+                  </a:ext>
+                </a:extLst>
+              </a:tr>
+              <a:tr h="370840">
+                <a:tc>
+                  <a:txBody>
+                    <a:bodyPr/>
+                    <a:lstStyle/>
+                    <a:p>
+                      <a:endParaRPr lang="en-US"/>
+                    </a:p>
+                  </a:txBody>
+                  <a:tcPr/>
+                </a:tc>
+                <a:tc>
+                  <a:txBody>
+                    <a:bodyPr/>
+                    <a:lstStyle/>
+                    <a:p>
+                      <a:endParaRPr lang="en-US"/>
+                    </a:p>
+                  </a:txBody>
+                  <a:tcPr/>
+                </a:tc>
+                <a:tc>
+                  <a:txBody>
+                    <a:bodyPr/>
+                    <a:lstStyle/>
+                    <a:p>
+                      <a:endParaRPr lang="en-US"/>
+                    </a:p>
+                  </a:txBody>
+                  <a:tcPr/>
+                </a:tc>
+                <a:tc>
+                  <a:txBody>
+                    <a:bodyPr/>
+                    <a:lstStyle/>
+                    <a:p>
+                      <a:endParaRPr lang="en-US"/>
+                    </a:p>
+                  </a:txBody>
+                  <a:tcPr/>
+                </a:tc>
+                <a:tc>
+                  <a:txBody>
+                    <a:bodyPr/>
+                    <a:lstStyle/>
+                    <a:p>
+                      <a:endParaRPr lang="en-US"/>
+                    </a:p>
+                  </a:txBody>
+                  <a:tcPr/>
+                </a:tc>
+                <a:tc>
+                  <a:txBody>
+                    <a:bodyPr/>
+                    <a:lstStyle/>
+                    <a:p>
+                      <a:endParaRPr lang="en-US"/>
+                    </a:p>
+                  </a:txBody>
+                  <a:tcPr/>
+                </a:tc>
+                <a:tc>
+                  <a:txBody>
+                    <a:bodyPr/>
+                    <a:lstStyle/>
+                    <a:p>
+                      <a:endParaRPr lang="en-US" dirty="0"/>
+                    </a:p>
+                  </a:txBody>
+                  <a:tcPr/>
+                </a:tc>
+                <a:extLst>
+                  <a:ext uri="{0D108BD9-81ED-4DB2-BD59-A6C34878D82A}">
+                    <a16:rowId xmlns:a16="http://schemas.microsoft.com/office/drawing/2014/main" val="3364268122"/>
+                  </a:ext>
+                </a:extLst>
+              </a:tr>
+            </a:tbl>
+          </a:graphicData>
+        </a:graphic>
+      </p:graphicFrame>
+      <p:sp>
+        <p:nvSpPr>
+          <p:cNvPr id="28" name="TextBox 27">
+            <a:extLst>
+              <a:ext uri="{FF2B5EF4-FFF2-40B4-BE49-F238E27FC236}">
+                <a16:creationId xmlns:a16="http://schemas.microsoft.com/office/drawing/2014/main" id="{626BFA03-7B9B-124E-6994-216AB1FD0886}"/>
+              </a:ext>
+            </a:extLst>
+          </p:cNvPr>
+          <p:cNvSpPr txBox="1"/>
+          <p:nvPr/>
+        </p:nvSpPr>
+        <p:spPr>
+          <a:xfrm>
+            <a:off x="6879772" y="69550"/>
+            <a:ext cx="2901820" cy="369332"/>
+          </a:xfrm>
+          <a:prstGeom prst="rect">
+            <a:avLst/>
+          </a:prstGeom>
+          <a:noFill/>
+        </p:spPr>
+        <p:txBody>
+          <a:bodyPr wrap="square" rtlCol="0">
+            <a:spAutoFit/>
+          </a:bodyPr>
+          <a:lstStyle/>
+          <a:p>
+            <a:pPr algn="ctr"/>
+            <a:r>
+              <a:rPr lang="en-US" dirty="0"/>
+              <a:t>Output collection</a:t>
+            </a:r>
+          </a:p>
+        </p:txBody>
+      </p:sp>
+      <p:cxnSp>
+        <p:nvCxnSpPr>
+          <p:cNvPr id="30" name="Connector: Elbow 29">
+            <a:extLst>
+              <a:ext uri="{FF2B5EF4-FFF2-40B4-BE49-F238E27FC236}">
+                <a16:creationId xmlns:a16="http://schemas.microsoft.com/office/drawing/2014/main" id="{D071BB5B-96A0-9998-DD9A-D92BD4EB93C5}"/>
+              </a:ext>
+            </a:extLst>
+          </p:cNvPr>
+          <p:cNvCxnSpPr>
+            <a:stCxn id="22" idx="3"/>
+            <a:endCxn id="27" idx="3"/>
+          </p:cNvCxnSpPr>
+          <p:nvPr/>
+        </p:nvCxnSpPr>
+        <p:spPr>
+          <a:xfrm flipH="1" flipV="1">
+            <a:off x="10080175" y="1306043"/>
+            <a:ext cx="388772" cy="4892367"/>
+          </a:xfrm>
+          <a:prstGeom prst="bentConnector3">
+            <a:avLst>
+              <a:gd name="adj1" fmla="val -58801"/>
+            </a:avLst>
+          </a:prstGeom>
+          <a:ln>
+            <a:tailEnd type="triangle"/>
+          </a:ln>
+        </p:spPr>
+        <p:style>
+          <a:lnRef idx="1">
+            <a:schemeClr val="accent1"/>
+          </a:lnRef>
+          <a:fillRef idx="0">
+            <a:schemeClr val="accent1"/>
+          </a:fillRef>
+          <a:effectRef idx="0">
+            <a:schemeClr val="accent1"/>
+          </a:effectRef>
+          <a:fontRef idx="minor">
+            <a:schemeClr val="tx1"/>
+          </a:fontRef>
+        </p:style>
+      </p:cxnSp>
+    </p:spTree>
+    <p:extLst>
+      <p:ext uri="{BB962C8B-B14F-4D97-AF65-F5344CB8AC3E}">
+        <p14:creationId xmlns:p14="http://schemas.microsoft.com/office/powerpoint/2010/main" val="2429636683"/>
+      </p:ext>
+    </p:extLst>
+  </p:cSld>
+  <p:clrMapOvr>
+    <a:masterClrMapping/>
+  </p:clrMapOvr>
+</p:sld>
+</file>
+
 <file path=ppt/slides/slide2.xml><?xml version="1.0" encoding="utf-8"?>
 <p:sld xmlns:a="http://schemas.openxmlformats.org/drawingml/2006/main" xmlns:r="http://schemas.openxmlformats.org/officeDocument/2006/relationships" xmlns:p="http://schemas.openxmlformats.org/presentationml/2006/main">
   <p:cSld>
@@ -6882,6 +8474,3502 @@
     <p:extLst>
       <p:ext uri="{BB962C8B-B14F-4D97-AF65-F5344CB8AC3E}">
         <p14:creationId xmlns:p14="http://schemas.microsoft.com/office/powerpoint/2010/main" val="2378734348"/>
+      </p:ext>
+    </p:extLst>
+  </p:cSld>
+  <p:clrMapOvr>
+    <a:masterClrMapping/>
+  </p:clrMapOvr>
+</p:sld>
+</file>
+
+<file path=ppt/slides/slide6.xml><?xml version="1.0" encoding="utf-8"?>
+<p:sld xmlns:a="http://schemas.openxmlformats.org/drawingml/2006/main" xmlns:r="http://schemas.openxmlformats.org/officeDocument/2006/relationships" xmlns:p="http://schemas.openxmlformats.org/presentationml/2006/main">
+  <p:cSld>
+    <p:spTree>
+      <p:nvGrpSpPr>
+        <p:cNvPr id="1" name=""/>
+        <p:cNvGrpSpPr/>
+        <p:nvPr/>
+      </p:nvGrpSpPr>
+      <p:grpSpPr>
+        <a:xfrm>
+          <a:off x="0" y="0"/>
+          <a:ext cx="0" cy="0"/>
+          <a:chOff x="0" y="0"/>
+          <a:chExt cx="0" cy="0"/>
+        </a:xfrm>
+      </p:grpSpPr>
+      <p:sp>
+        <p:nvSpPr>
+          <p:cNvPr id="2" name="Rectangle 1">
+            <a:extLst>
+              <a:ext uri="{FF2B5EF4-FFF2-40B4-BE49-F238E27FC236}">
+                <a16:creationId xmlns:a16="http://schemas.microsoft.com/office/drawing/2014/main" id="{81DE2995-2E2F-178A-48A6-9E0ECBF6B5E4}"/>
+              </a:ext>
+            </a:extLst>
+          </p:cNvPr>
+          <p:cNvSpPr/>
+          <p:nvPr/>
+        </p:nvSpPr>
+        <p:spPr>
+          <a:xfrm>
+            <a:off x="1704392" y="289249"/>
+            <a:ext cx="9249748" cy="5374433"/>
+          </a:xfrm>
+          <a:prstGeom prst="rect">
+            <a:avLst/>
+          </a:prstGeom>
+        </p:spPr>
+        <p:style>
+          <a:lnRef idx="3">
+            <a:schemeClr val="lt1"/>
+          </a:lnRef>
+          <a:fillRef idx="1">
+            <a:schemeClr val="accent3"/>
+          </a:fillRef>
+          <a:effectRef idx="1">
+            <a:schemeClr val="accent3"/>
+          </a:effectRef>
+          <a:fontRef idx="minor">
+            <a:schemeClr val="lt1"/>
+          </a:fontRef>
+        </p:style>
+        <p:txBody>
+          <a:bodyPr rtlCol="0" anchor="ctr"/>
+          <a:lstStyle/>
+          <a:p>
+            <a:pPr algn="ctr"/>
+            <a:endParaRPr lang="en-US"/>
+          </a:p>
+        </p:txBody>
+      </p:sp>
+      <p:sp>
+        <p:nvSpPr>
+          <p:cNvPr id="3" name="TextBox 2">
+            <a:extLst>
+              <a:ext uri="{FF2B5EF4-FFF2-40B4-BE49-F238E27FC236}">
+                <a16:creationId xmlns:a16="http://schemas.microsoft.com/office/drawing/2014/main" id="{273C0E85-E188-8839-CE08-5C86DD79BE36}"/>
+              </a:ext>
+            </a:extLst>
+          </p:cNvPr>
+          <p:cNvSpPr txBox="1"/>
+          <p:nvPr/>
+        </p:nvSpPr>
+        <p:spPr>
+          <a:xfrm>
+            <a:off x="2911151" y="-37806"/>
+            <a:ext cx="7361853" cy="369332"/>
+          </a:xfrm>
+          <a:prstGeom prst="rect">
+            <a:avLst/>
+          </a:prstGeom>
+          <a:noFill/>
+        </p:spPr>
+        <p:txBody>
+          <a:bodyPr wrap="square" rtlCol="0">
+            <a:spAutoFit/>
+          </a:bodyPr>
+          <a:lstStyle/>
+          <a:p>
+            <a:pPr algn="ctr"/>
+            <a:r>
+              <a:rPr lang="en-US" b="1" dirty="0"/>
+              <a:t>Server-Side App</a:t>
+            </a:r>
+          </a:p>
+        </p:txBody>
+      </p:sp>
+      <p:sp>
+        <p:nvSpPr>
+          <p:cNvPr id="4" name="Rectangle 3">
+            <a:extLst>
+              <a:ext uri="{FF2B5EF4-FFF2-40B4-BE49-F238E27FC236}">
+                <a16:creationId xmlns:a16="http://schemas.microsoft.com/office/drawing/2014/main" id="{DD1F2253-5A48-C365-5E59-A403D7407AE7}"/>
+              </a:ext>
+            </a:extLst>
+          </p:cNvPr>
+          <p:cNvSpPr/>
+          <p:nvPr/>
+        </p:nvSpPr>
+        <p:spPr>
+          <a:xfrm>
+            <a:off x="8770776" y="1194318"/>
+            <a:ext cx="1716832" cy="4264090"/>
+          </a:xfrm>
+          <a:prstGeom prst="rect">
+            <a:avLst/>
+          </a:prstGeom>
+        </p:spPr>
+        <p:style>
+          <a:lnRef idx="2">
+            <a:schemeClr val="accent1">
+              <a:shade val="50000"/>
+            </a:schemeClr>
+          </a:lnRef>
+          <a:fillRef idx="1">
+            <a:schemeClr val="accent1"/>
+          </a:fillRef>
+          <a:effectRef idx="0">
+            <a:schemeClr val="accent1"/>
+          </a:effectRef>
+          <a:fontRef idx="minor">
+            <a:schemeClr val="lt1"/>
+          </a:fontRef>
+        </p:style>
+        <p:txBody>
+          <a:bodyPr rtlCol="0" anchor="ctr"/>
+          <a:lstStyle/>
+          <a:p>
+            <a:pPr algn="ctr"/>
+            <a:r>
+              <a:rPr lang="en-US" b="1" dirty="0"/>
+              <a:t>Data </a:t>
+            </a:r>
+          </a:p>
+          <a:p>
+            <a:pPr algn="ctr"/>
+            <a:r>
+              <a:rPr lang="en-US" b="1" dirty="0"/>
+              <a:t>Access</a:t>
+            </a:r>
+          </a:p>
+          <a:p>
+            <a:pPr algn="ctr"/>
+            <a:r>
+              <a:rPr lang="en-US" b="1" dirty="0"/>
+              <a:t>Layer</a:t>
+            </a:r>
+          </a:p>
+        </p:txBody>
+      </p:sp>
+      <p:sp>
+        <p:nvSpPr>
+          <p:cNvPr id="5" name="Rectangle 4">
+            <a:extLst>
+              <a:ext uri="{FF2B5EF4-FFF2-40B4-BE49-F238E27FC236}">
+                <a16:creationId xmlns:a16="http://schemas.microsoft.com/office/drawing/2014/main" id="{83C99E6B-B4C5-99C8-2D8D-AB6C5D60CC25}"/>
+              </a:ext>
+            </a:extLst>
+          </p:cNvPr>
+          <p:cNvSpPr/>
+          <p:nvPr/>
+        </p:nvSpPr>
+        <p:spPr>
+          <a:xfrm>
+            <a:off x="6366588" y="1194318"/>
+            <a:ext cx="1716832" cy="4264090"/>
+          </a:xfrm>
+          <a:prstGeom prst="rect">
+            <a:avLst/>
+          </a:prstGeom>
+        </p:spPr>
+        <p:style>
+          <a:lnRef idx="1">
+            <a:schemeClr val="accent6"/>
+          </a:lnRef>
+          <a:fillRef idx="2">
+            <a:schemeClr val="accent6"/>
+          </a:fillRef>
+          <a:effectRef idx="1">
+            <a:schemeClr val="accent6"/>
+          </a:effectRef>
+          <a:fontRef idx="minor">
+            <a:schemeClr val="dk1"/>
+          </a:fontRef>
+        </p:style>
+        <p:txBody>
+          <a:bodyPr rtlCol="0" anchor="ctr"/>
+          <a:lstStyle/>
+          <a:p>
+            <a:pPr algn="ctr"/>
+            <a:r>
+              <a:rPr lang="en-US" b="1" dirty="0"/>
+              <a:t>Business Workflows</a:t>
+            </a:r>
+          </a:p>
+        </p:txBody>
+      </p:sp>
+      <p:sp>
+        <p:nvSpPr>
+          <p:cNvPr id="6" name="Rectangle 5">
+            <a:extLst>
+              <a:ext uri="{FF2B5EF4-FFF2-40B4-BE49-F238E27FC236}">
+                <a16:creationId xmlns:a16="http://schemas.microsoft.com/office/drawing/2014/main" id="{86DE1A5B-2412-BCB3-5359-028C4138D665}"/>
+              </a:ext>
+            </a:extLst>
+          </p:cNvPr>
+          <p:cNvSpPr/>
+          <p:nvPr/>
+        </p:nvSpPr>
+        <p:spPr>
+          <a:xfrm>
+            <a:off x="3962400" y="1194318"/>
+            <a:ext cx="1716832" cy="4264090"/>
+          </a:xfrm>
+          <a:prstGeom prst="rect">
+            <a:avLst/>
+          </a:prstGeom>
+        </p:spPr>
+        <p:style>
+          <a:lnRef idx="1">
+            <a:schemeClr val="accent4"/>
+          </a:lnRef>
+          <a:fillRef idx="2">
+            <a:schemeClr val="accent4"/>
+          </a:fillRef>
+          <a:effectRef idx="1">
+            <a:schemeClr val="accent4"/>
+          </a:effectRef>
+          <a:fontRef idx="minor">
+            <a:schemeClr val="dk1"/>
+          </a:fontRef>
+        </p:style>
+        <p:txBody>
+          <a:bodyPr rtlCol="0" anchor="ctr"/>
+          <a:lstStyle/>
+          <a:p>
+            <a:pPr algn="ctr"/>
+            <a:r>
+              <a:rPr lang="en-US" b="1" dirty="0"/>
+              <a:t>Controllers for Handling Requests</a:t>
+            </a:r>
+          </a:p>
+        </p:txBody>
+      </p:sp>
+      <p:sp>
+        <p:nvSpPr>
+          <p:cNvPr id="7" name="Rectangle 6">
+            <a:extLst>
+              <a:ext uri="{FF2B5EF4-FFF2-40B4-BE49-F238E27FC236}">
+                <a16:creationId xmlns:a16="http://schemas.microsoft.com/office/drawing/2014/main" id="{9DBE9C88-97A3-D233-7069-E9DB95926432}"/>
+              </a:ext>
+            </a:extLst>
+          </p:cNvPr>
+          <p:cNvSpPr/>
+          <p:nvPr/>
+        </p:nvSpPr>
+        <p:spPr>
+          <a:xfrm>
+            <a:off x="1901890" y="1155049"/>
+            <a:ext cx="1716832" cy="1657739"/>
+          </a:xfrm>
+          <a:prstGeom prst="rect">
+            <a:avLst/>
+          </a:prstGeom>
+        </p:spPr>
+        <p:style>
+          <a:lnRef idx="2">
+            <a:schemeClr val="accent1">
+              <a:shade val="50000"/>
+            </a:schemeClr>
+          </a:lnRef>
+          <a:fillRef idx="1">
+            <a:schemeClr val="accent1"/>
+          </a:fillRef>
+          <a:effectRef idx="0">
+            <a:schemeClr val="accent1"/>
+          </a:effectRef>
+          <a:fontRef idx="minor">
+            <a:schemeClr val="lt1"/>
+          </a:fontRef>
+        </p:style>
+        <p:txBody>
+          <a:bodyPr rtlCol="0" anchor="ctr"/>
+          <a:lstStyle/>
+          <a:p>
+            <a:pPr algn="ctr"/>
+            <a:r>
+              <a:rPr lang="en-US" b="1" dirty="0"/>
+              <a:t>Presentation</a:t>
+            </a:r>
+          </a:p>
+          <a:p>
+            <a:pPr algn="ctr"/>
+            <a:r>
+              <a:rPr lang="en-US" b="1" dirty="0"/>
+              <a:t>Layer</a:t>
+            </a:r>
+          </a:p>
+        </p:txBody>
+      </p:sp>
+      <p:sp>
+        <p:nvSpPr>
+          <p:cNvPr id="8" name="Rectangle 7">
+            <a:extLst>
+              <a:ext uri="{FF2B5EF4-FFF2-40B4-BE49-F238E27FC236}">
+                <a16:creationId xmlns:a16="http://schemas.microsoft.com/office/drawing/2014/main" id="{F8E5F2F5-ACE5-8722-3055-13E96B4458BB}"/>
+              </a:ext>
+            </a:extLst>
+          </p:cNvPr>
+          <p:cNvSpPr/>
+          <p:nvPr/>
+        </p:nvSpPr>
+        <p:spPr>
+          <a:xfrm>
+            <a:off x="1901890" y="3429000"/>
+            <a:ext cx="1716832" cy="1657739"/>
+          </a:xfrm>
+          <a:prstGeom prst="rect">
+            <a:avLst/>
+          </a:prstGeom>
+        </p:spPr>
+        <p:style>
+          <a:lnRef idx="2">
+            <a:schemeClr val="accent1">
+              <a:shade val="50000"/>
+            </a:schemeClr>
+          </a:lnRef>
+          <a:fillRef idx="1">
+            <a:schemeClr val="accent1"/>
+          </a:fillRef>
+          <a:effectRef idx="0">
+            <a:schemeClr val="accent1"/>
+          </a:effectRef>
+          <a:fontRef idx="minor">
+            <a:schemeClr val="lt1"/>
+          </a:fontRef>
+        </p:style>
+        <p:txBody>
+          <a:bodyPr rtlCol="0" anchor="ctr"/>
+          <a:lstStyle/>
+          <a:p>
+            <a:pPr algn="ctr"/>
+            <a:r>
+              <a:rPr lang="en-US" b="1" dirty="0"/>
+              <a:t>API Layer</a:t>
+            </a:r>
+          </a:p>
+        </p:txBody>
+      </p:sp>
+      <p:sp>
+        <p:nvSpPr>
+          <p:cNvPr id="9" name="Arrow: Left-Right 8">
+            <a:extLst>
+              <a:ext uri="{FF2B5EF4-FFF2-40B4-BE49-F238E27FC236}">
+                <a16:creationId xmlns:a16="http://schemas.microsoft.com/office/drawing/2014/main" id="{38C50108-AF6E-1D76-599F-E5E6C0C6A019}"/>
+              </a:ext>
+            </a:extLst>
+          </p:cNvPr>
+          <p:cNvSpPr/>
+          <p:nvPr/>
+        </p:nvSpPr>
+        <p:spPr>
+          <a:xfrm>
+            <a:off x="3421225" y="1856792"/>
+            <a:ext cx="852195" cy="369332"/>
+          </a:xfrm>
+          <a:prstGeom prst="leftRightArrow">
+            <a:avLst/>
+          </a:prstGeom>
+          <a:solidFill>
+            <a:srgbClr val="FF0000"/>
+          </a:solidFill>
+        </p:spPr>
+        <p:style>
+          <a:lnRef idx="2">
+            <a:schemeClr val="accent1">
+              <a:shade val="50000"/>
+            </a:schemeClr>
+          </a:lnRef>
+          <a:fillRef idx="1">
+            <a:schemeClr val="accent1"/>
+          </a:fillRef>
+          <a:effectRef idx="0">
+            <a:schemeClr val="accent1"/>
+          </a:effectRef>
+          <a:fontRef idx="minor">
+            <a:schemeClr val="lt1"/>
+          </a:fontRef>
+        </p:style>
+        <p:txBody>
+          <a:bodyPr rtlCol="0" anchor="ctr"/>
+          <a:lstStyle/>
+          <a:p>
+            <a:pPr algn="ctr"/>
+            <a:endParaRPr lang="en-US"/>
+          </a:p>
+        </p:txBody>
+      </p:sp>
+      <p:sp>
+        <p:nvSpPr>
+          <p:cNvPr id="10" name="Arrow: Left-Right 9">
+            <a:extLst>
+              <a:ext uri="{FF2B5EF4-FFF2-40B4-BE49-F238E27FC236}">
+                <a16:creationId xmlns:a16="http://schemas.microsoft.com/office/drawing/2014/main" id="{DF2401DE-4CCE-95F8-0496-532D1619186B}"/>
+              </a:ext>
+            </a:extLst>
+          </p:cNvPr>
+          <p:cNvSpPr/>
+          <p:nvPr/>
+        </p:nvSpPr>
+        <p:spPr>
+          <a:xfrm>
+            <a:off x="3364464" y="4110145"/>
+            <a:ext cx="852195" cy="369332"/>
+          </a:xfrm>
+          <a:prstGeom prst="leftRightArrow">
+            <a:avLst/>
+          </a:prstGeom>
+          <a:solidFill>
+            <a:srgbClr val="FF0000"/>
+          </a:solidFill>
+        </p:spPr>
+        <p:style>
+          <a:lnRef idx="2">
+            <a:schemeClr val="accent1">
+              <a:shade val="50000"/>
+            </a:schemeClr>
+          </a:lnRef>
+          <a:fillRef idx="1">
+            <a:schemeClr val="accent1"/>
+          </a:fillRef>
+          <a:effectRef idx="0">
+            <a:schemeClr val="accent1"/>
+          </a:effectRef>
+          <a:fontRef idx="minor">
+            <a:schemeClr val="lt1"/>
+          </a:fontRef>
+        </p:style>
+        <p:txBody>
+          <a:bodyPr rtlCol="0" anchor="ctr"/>
+          <a:lstStyle/>
+          <a:p>
+            <a:pPr algn="ctr"/>
+            <a:endParaRPr lang="en-US"/>
+          </a:p>
+        </p:txBody>
+      </p:sp>
+      <p:sp>
+        <p:nvSpPr>
+          <p:cNvPr id="11" name="Arrow: Left-Right 10">
+            <a:extLst>
+              <a:ext uri="{FF2B5EF4-FFF2-40B4-BE49-F238E27FC236}">
+                <a16:creationId xmlns:a16="http://schemas.microsoft.com/office/drawing/2014/main" id="{1CC71D6B-71BA-7453-5BE3-00BCAC56EB9E}"/>
+              </a:ext>
+            </a:extLst>
+          </p:cNvPr>
+          <p:cNvSpPr/>
+          <p:nvPr/>
+        </p:nvSpPr>
+        <p:spPr>
+          <a:xfrm>
+            <a:off x="5622472" y="1960983"/>
+            <a:ext cx="852195" cy="369332"/>
+          </a:xfrm>
+          <a:prstGeom prst="leftRightArrow">
+            <a:avLst/>
+          </a:prstGeom>
+          <a:solidFill>
+            <a:srgbClr val="FF0000"/>
+          </a:solidFill>
+        </p:spPr>
+        <p:style>
+          <a:lnRef idx="2">
+            <a:schemeClr val="accent1">
+              <a:shade val="50000"/>
+            </a:schemeClr>
+          </a:lnRef>
+          <a:fillRef idx="1">
+            <a:schemeClr val="accent1"/>
+          </a:fillRef>
+          <a:effectRef idx="0">
+            <a:schemeClr val="accent1"/>
+          </a:effectRef>
+          <a:fontRef idx="minor">
+            <a:schemeClr val="lt1"/>
+          </a:fontRef>
+        </p:style>
+        <p:txBody>
+          <a:bodyPr rtlCol="0" anchor="ctr"/>
+          <a:lstStyle/>
+          <a:p>
+            <a:pPr algn="ctr"/>
+            <a:endParaRPr lang="en-US"/>
+          </a:p>
+        </p:txBody>
+      </p:sp>
+      <p:sp>
+        <p:nvSpPr>
+          <p:cNvPr id="12" name="Arrow: Left-Right 11">
+            <a:extLst>
+              <a:ext uri="{FF2B5EF4-FFF2-40B4-BE49-F238E27FC236}">
+                <a16:creationId xmlns:a16="http://schemas.microsoft.com/office/drawing/2014/main" id="{37D31D7B-CD41-D524-FF10-CBCC760C5E68}"/>
+              </a:ext>
+            </a:extLst>
+          </p:cNvPr>
+          <p:cNvSpPr/>
+          <p:nvPr/>
+        </p:nvSpPr>
+        <p:spPr>
+          <a:xfrm>
+            <a:off x="5565711" y="4214336"/>
+            <a:ext cx="852195" cy="369332"/>
+          </a:xfrm>
+          <a:prstGeom prst="leftRightArrow">
+            <a:avLst/>
+          </a:prstGeom>
+          <a:solidFill>
+            <a:srgbClr val="FF0000"/>
+          </a:solidFill>
+        </p:spPr>
+        <p:style>
+          <a:lnRef idx="2">
+            <a:schemeClr val="accent1">
+              <a:shade val="50000"/>
+            </a:schemeClr>
+          </a:lnRef>
+          <a:fillRef idx="1">
+            <a:schemeClr val="accent1"/>
+          </a:fillRef>
+          <a:effectRef idx="0">
+            <a:schemeClr val="accent1"/>
+          </a:effectRef>
+          <a:fontRef idx="minor">
+            <a:schemeClr val="lt1"/>
+          </a:fontRef>
+        </p:style>
+        <p:txBody>
+          <a:bodyPr rtlCol="0" anchor="ctr"/>
+          <a:lstStyle/>
+          <a:p>
+            <a:pPr algn="ctr"/>
+            <a:endParaRPr lang="en-US"/>
+          </a:p>
+        </p:txBody>
+      </p:sp>
+      <p:sp>
+        <p:nvSpPr>
+          <p:cNvPr id="13" name="Arrow: Left-Right 12">
+            <a:extLst>
+              <a:ext uri="{FF2B5EF4-FFF2-40B4-BE49-F238E27FC236}">
+                <a16:creationId xmlns:a16="http://schemas.microsoft.com/office/drawing/2014/main" id="{B816CD1D-BC19-02E8-96FB-C508BC5E76C1}"/>
+              </a:ext>
+            </a:extLst>
+          </p:cNvPr>
+          <p:cNvSpPr/>
+          <p:nvPr/>
+        </p:nvSpPr>
+        <p:spPr>
+          <a:xfrm>
+            <a:off x="7975342" y="1960983"/>
+            <a:ext cx="852195" cy="369332"/>
+          </a:xfrm>
+          <a:prstGeom prst="leftRightArrow">
+            <a:avLst/>
+          </a:prstGeom>
+          <a:solidFill>
+            <a:srgbClr val="FF0000"/>
+          </a:solidFill>
+        </p:spPr>
+        <p:style>
+          <a:lnRef idx="2">
+            <a:schemeClr val="accent1">
+              <a:shade val="50000"/>
+            </a:schemeClr>
+          </a:lnRef>
+          <a:fillRef idx="1">
+            <a:schemeClr val="accent1"/>
+          </a:fillRef>
+          <a:effectRef idx="0">
+            <a:schemeClr val="accent1"/>
+          </a:effectRef>
+          <a:fontRef idx="minor">
+            <a:schemeClr val="lt1"/>
+          </a:fontRef>
+        </p:style>
+        <p:txBody>
+          <a:bodyPr rtlCol="0" anchor="ctr"/>
+          <a:lstStyle/>
+          <a:p>
+            <a:pPr algn="ctr"/>
+            <a:endParaRPr lang="en-US"/>
+          </a:p>
+        </p:txBody>
+      </p:sp>
+      <p:sp>
+        <p:nvSpPr>
+          <p:cNvPr id="14" name="Arrow: Left-Right 13">
+            <a:extLst>
+              <a:ext uri="{FF2B5EF4-FFF2-40B4-BE49-F238E27FC236}">
+                <a16:creationId xmlns:a16="http://schemas.microsoft.com/office/drawing/2014/main" id="{3FE0DC8B-5007-6DD1-8321-0089D23F8197}"/>
+              </a:ext>
+            </a:extLst>
+          </p:cNvPr>
+          <p:cNvSpPr/>
+          <p:nvPr/>
+        </p:nvSpPr>
+        <p:spPr>
+          <a:xfrm>
+            <a:off x="7918581" y="4214336"/>
+            <a:ext cx="852195" cy="369332"/>
+          </a:xfrm>
+          <a:prstGeom prst="leftRightArrow">
+            <a:avLst/>
+          </a:prstGeom>
+          <a:solidFill>
+            <a:srgbClr val="FF0000"/>
+          </a:solidFill>
+        </p:spPr>
+        <p:style>
+          <a:lnRef idx="2">
+            <a:schemeClr val="accent1">
+              <a:shade val="50000"/>
+            </a:schemeClr>
+          </a:lnRef>
+          <a:fillRef idx="1">
+            <a:schemeClr val="accent1"/>
+          </a:fillRef>
+          <a:effectRef idx="0">
+            <a:schemeClr val="accent1"/>
+          </a:effectRef>
+          <a:fontRef idx="minor">
+            <a:schemeClr val="lt1"/>
+          </a:fontRef>
+        </p:style>
+        <p:txBody>
+          <a:bodyPr rtlCol="0" anchor="ctr"/>
+          <a:lstStyle/>
+          <a:p>
+            <a:pPr algn="ctr"/>
+            <a:endParaRPr lang="en-US"/>
+          </a:p>
+        </p:txBody>
+      </p:sp>
+      <p:sp>
+        <p:nvSpPr>
+          <p:cNvPr id="15" name="TextBox 14">
+            <a:extLst>
+              <a:ext uri="{FF2B5EF4-FFF2-40B4-BE49-F238E27FC236}">
+                <a16:creationId xmlns:a16="http://schemas.microsoft.com/office/drawing/2014/main" id="{06AA1DF3-B198-2792-D716-0786C1C3285A}"/>
+              </a:ext>
+            </a:extLst>
+          </p:cNvPr>
+          <p:cNvSpPr txBox="1"/>
+          <p:nvPr/>
+        </p:nvSpPr>
+        <p:spPr>
+          <a:xfrm>
+            <a:off x="180392" y="5694805"/>
+            <a:ext cx="11831216" cy="1077218"/>
+          </a:xfrm>
+          <a:prstGeom prst="rect">
+            <a:avLst/>
+          </a:prstGeom>
+          <a:noFill/>
+        </p:spPr>
+        <p:txBody>
+          <a:bodyPr wrap="square" rtlCol="0">
+            <a:spAutoFit/>
+          </a:bodyPr>
+          <a:lstStyle/>
+          <a:p>
+            <a:pPr marL="342900" indent="-342900">
+              <a:buAutoNum type="arabicPeriod"/>
+            </a:pPr>
+            <a:r>
+              <a:rPr lang="en-US" sz="1600" dirty="0"/>
+              <a:t>What classes or logical blocks will be scoped limited to the declaring layer withing the namespace or within the declaring class only?</a:t>
+            </a:r>
+          </a:p>
+          <a:p>
+            <a:pPr marL="800100" lvl="1" indent="-342900">
+              <a:buAutoNum type="arabicPeriod"/>
+            </a:pPr>
+            <a:r>
+              <a:rPr lang="en-US" sz="1600" dirty="0"/>
+              <a:t>Private: Only in declaring layer, </a:t>
+            </a:r>
+            <a:r>
+              <a:rPr lang="en-US" sz="1600" b="1" dirty="0"/>
+              <a:t>Internal: </a:t>
+            </a:r>
+            <a:r>
+              <a:rPr lang="en-US" sz="1600" dirty="0"/>
+              <a:t>Only classes in declaring namespace</a:t>
+            </a:r>
+            <a:endParaRPr lang="en-US" sz="1600" b="1" dirty="0"/>
+          </a:p>
+          <a:p>
+            <a:r>
+              <a:rPr lang="en-US" sz="1600" dirty="0"/>
+              <a:t>2. What classes will be exposed everywhere?, </a:t>
+            </a:r>
+            <a:r>
+              <a:rPr lang="en-US" sz="1600" b="1" dirty="0"/>
+              <a:t>Public</a:t>
+            </a:r>
+          </a:p>
+          <a:p>
+            <a:r>
+              <a:rPr lang="en-US" sz="1600" dirty="0"/>
+              <a:t>3. What classes will be exposed out of the declaring layer by only in specific consumer classes? </a:t>
+            </a:r>
+            <a:r>
+              <a:rPr lang="en-US" sz="1600" b="1" dirty="0"/>
+              <a:t>Protected internal</a:t>
+            </a:r>
+          </a:p>
+        </p:txBody>
+      </p:sp>
+      <p:sp>
+        <p:nvSpPr>
+          <p:cNvPr id="16" name="Rectangle 15">
+            <a:extLst>
+              <a:ext uri="{FF2B5EF4-FFF2-40B4-BE49-F238E27FC236}">
+                <a16:creationId xmlns:a16="http://schemas.microsoft.com/office/drawing/2014/main" id="{5F04C3AC-626B-50BB-6497-0F6FC1A7D5BA}"/>
+              </a:ext>
+            </a:extLst>
+          </p:cNvPr>
+          <p:cNvSpPr/>
+          <p:nvPr/>
+        </p:nvSpPr>
+        <p:spPr>
+          <a:xfrm>
+            <a:off x="1913553" y="534686"/>
+            <a:ext cx="8688355" cy="413051"/>
+          </a:xfrm>
+          <a:prstGeom prst="rect">
+            <a:avLst/>
+          </a:prstGeom>
+          <a:solidFill>
+            <a:srgbClr val="002060"/>
+          </a:solidFill>
+        </p:spPr>
+        <p:style>
+          <a:lnRef idx="2">
+            <a:schemeClr val="accent1">
+              <a:shade val="50000"/>
+            </a:schemeClr>
+          </a:lnRef>
+          <a:fillRef idx="1">
+            <a:schemeClr val="accent1"/>
+          </a:fillRef>
+          <a:effectRef idx="0">
+            <a:schemeClr val="accent1"/>
+          </a:effectRef>
+          <a:fontRef idx="minor">
+            <a:schemeClr val="lt1"/>
+          </a:fontRef>
+        </p:style>
+        <p:txBody>
+          <a:bodyPr rtlCol="0" anchor="ctr"/>
+          <a:lstStyle/>
+          <a:p>
+            <a:pPr algn="ctr"/>
+            <a:r>
+              <a:rPr lang="en-US" b="1" dirty="0"/>
+              <a:t>Entity Classes AKA Data Transfer Objects (DTO) AKA Plain Old CLR Objects (POCO)</a:t>
+            </a:r>
+          </a:p>
+        </p:txBody>
+      </p:sp>
+      <p:sp>
+        <p:nvSpPr>
+          <p:cNvPr id="17" name="Arrow: Down 16">
+            <a:extLst>
+              <a:ext uri="{FF2B5EF4-FFF2-40B4-BE49-F238E27FC236}">
+                <a16:creationId xmlns:a16="http://schemas.microsoft.com/office/drawing/2014/main" id="{A7E1C4E5-F25D-2C05-3424-1A8DBD61181F}"/>
+              </a:ext>
+            </a:extLst>
+          </p:cNvPr>
+          <p:cNvSpPr/>
+          <p:nvPr/>
+        </p:nvSpPr>
+        <p:spPr>
+          <a:xfrm>
+            <a:off x="2765748" y="877861"/>
+            <a:ext cx="304023" cy="447086"/>
+          </a:xfrm>
+          <a:prstGeom prst="downArrow">
+            <a:avLst/>
+          </a:prstGeom>
+          <a:solidFill>
+            <a:srgbClr val="FF0000"/>
+          </a:solidFill>
+        </p:spPr>
+        <p:style>
+          <a:lnRef idx="2">
+            <a:schemeClr val="accent1">
+              <a:shade val="50000"/>
+            </a:schemeClr>
+          </a:lnRef>
+          <a:fillRef idx="1">
+            <a:schemeClr val="accent1"/>
+          </a:fillRef>
+          <a:effectRef idx="0">
+            <a:schemeClr val="accent1"/>
+          </a:effectRef>
+          <a:fontRef idx="minor">
+            <a:schemeClr val="lt1"/>
+          </a:fontRef>
+        </p:style>
+        <p:txBody>
+          <a:bodyPr rtlCol="0" anchor="ctr"/>
+          <a:lstStyle/>
+          <a:p>
+            <a:pPr algn="ctr"/>
+            <a:endParaRPr lang="en-US"/>
+          </a:p>
+        </p:txBody>
+      </p:sp>
+      <p:sp>
+        <p:nvSpPr>
+          <p:cNvPr id="18" name="Arrow: Down 17">
+            <a:extLst>
+              <a:ext uri="{FF2B5EF4-FFF2-40B4-BE49-F238E27FC236}">
+                <a16:creationId xmlns:a16="http://schemas.microsoft.com/office/drawing/2014/main" id="{8B72B0B6-0063-EA39-85FD-3F00778B70D5}"/>
+              </a:ext>
+            </a:extLst>
+          </p:cNvPr>
+          <p:cNvSpPr/>
+          <p:nvPr/>
+        </p:nvSpPr>
+        <p:spPr>
+          <a:xfrm>
+            <a:off x="4688631" y="827706"/>
+            <a:ext cx="304023" cy="447086"/>
+          </a:xfrm>
+          <a:prstGeom prst="downArrow">
+            <a:avLst/>
+          </a:prstGeom>
+          <a:solidFill>
+            <a:srgbClr val="FF0000"/>
+          </a:solidFill>
+        </p:spPr>
+        <p:style>
+          <a:lnRef idx="2">
+            <a:schemeClr val="accent1">
+              <a:shade val="50000"/>
+            </a:schemeClr>
+          </a:lnRef>
+          <a:fillRef idx="1">
+            <a:schemeClr val="accent1"/>
+          </a:fillRef>
+          <a:effectRef idx="0">
+            <a:schemeClr val="accent1"/>
+          </a:effectRef>
+          <a:fontRef idx="minor">
+            <a:schemeClr val="lt1"/>
+          </a:fontRef>
+        </p:style>
+        <p:txBody>
+          <a:bodyPr rtlCol="0" anchor="ctr"/>
+          <a:lstStyle/>
+          <a:p>
+            <a:pPr algn="ctr"/>
+            <a:endParaRPr lang="en-US"/>
+          </a:p>
+        </p:txBody>
+      </p:sp>
+      <p:sp>
+        <p:nvSpPr>
+          <p:cNvPr id="19" name="Arrow: Down 18">
+            <a:extLst>
+              <a:ext uri="{FF2B5EF4-FFF2-40B4-BE49-F238E27FC236}">
+                <a16:creationId xmlns:a16="http://schemas.microsoft.com/office/drawing/2014/main" id="{C3ABD85C-73F3-5132-A82A-630592C39054}"/>
+              </a:ext>
+            </a:extLst>
+          </p:cNvPr>
+          <p:cNvSpPr/>
+          <p:nvPr/>
+        </p:nvSpPr>
+        <p:spPr>
+          <a:xfrm>
+            <a:off x="7047336" y="890423"/>
+            <a:ext cx="304023" cy="447086"/>
+          </a:xfrm>
+          <a:prstGeom prst="downArrow">
+            <a:avLst/>
+          </a:prstGeom>
+          <a:solidFill>
+            <a:srgbClr val="FF0000"/>
+          </a:solidFill>
+        </p:spPr>
+        <p:style>
+          <a:lnRef idx="2">
+            <a:schemeClr val="accent1">
+              <a:shade val="50000"/>
+            </a:schemeClr>
+          </a:lnRef>
+          <a:fillRef idx="1">
+            <a:schemeClr val="accent1"/>
+          </a:fillRef>
+          <a:effectRef idx="0">
+            <a:schemeClr val="accent1"/>
+          </a:effectRef>
+          <a:fontRef idx="minor">
+            <a:schemeClr val="lt1"/>
+          </a:fontRef>
+        </p:style>
+        <p:txBody>
+          <a:bodyPr rtlCol="0" anchor="ctr"/>
+          <a:lstStyle/>
+          <a:p>
+            <a:pPr algn="ctr"/>
+            <a:endParaRPr lang="en-US"/>
+          </a:p>
+        </p:txBody>
+      </p:sp>
+      <p:sp>
+        <p:nvSpPr>
+          <p:cNvPr id="20" name="Arrow: Down 19">
+            <a:extLst>
+              <a:ext uri="{FF2B5EF4-FFF2-40B4-BE49-F238E27FC236}">
+                <a16:creationId xmlns:a16="http://schemas.microsoft.com/office/drawing/2014/main" id="{580C9C6B-4E91-4287-B2C2-AC322FC48437}"/>
+              </a:ext>
+            </a:extLst>
+          </p:cNvPr>
+          <p:cNvSpPr/>
+          <p:nvPr/>
+        </p:nvSpPr>
+        <p:spPr>
+          <a:xfrm>
+            <a:off x="9426252" y="890423"/>
+            <a:ext cx="304023" cy="447086"/>
+          </a:xfrm>
+          <a:prstGeom prst="downArrow">
+            <a:avLst/>
+          </a:prstGeom>
+          <a:solidFill>
+            <a:srgbClr val="FF0000"/>
+          </a:solidFill>
+        </p:spPr>
+        <p:style>
+          <a:lnRef idx="2">
+            <a:schemeClr val="accent1">
+              <a:shade val="50000"/>
+            </a:schemeClr>
+          </a:lnRef>
+          <a:fillRef idx="1">
+            <a:schemeClr val="accent1"/>
+          </a:fillRef>
+          <a:effectRef idx="0">
+            <a:schemeClr val="accent1"/>
+          </a:effectRef>
+          <a:fontRef idx="minor">
+            <a:schemeClr val="lt1"/>
+          </a:fontRef>
+        </p:style>
+        <p:txBody>
+          <a:bodyPr rtlCol="0" anchor="ctr"/>
+          <a:lstStyle/>
+          <a:p>
+            <a:pPr algn="ctr"/>
+            <a:endParaRPr lang="en-US"/>
+          </a:p>
+        </p:txBody>
+      </p:sp>
+    </p:spTree>
+    <p:extLst>
+      <p:ext uri="{BB962C8B-B14F-4D97-AF65-F5344CB8AC3E}">
+        <p14:creationId xmlns:p14="http://schemas.microsoft.com/office/powerpoint/2010/main" val="2278584216"/>
+      </p:ext>
+    </p:extLst>
+  </p:cSld>
+  <p:clrMapOvr>
+    <a:masterClrMapping/>
+  </p:clrMapOvr>
+</p:sld>
+</file>
+
+<file path=ppt/slides/slide7.xml><?xml version="1.0" encoding="utf-8"?>
+<p:sld xmlns:a="http://schemas.openxmlformats.org/drawingml/2006/main" xmlns:r="http://schemas.openxmlformats.org/officeDocument/2006/relationships" xmlns:p="http://schemas.openxmlformats.org/presentationml/2006/main">
+  <p:cSld>
+    <p:spTree>
+      <p:nvGrpSpPr>
+        <p:cNvPr id="1" name=""/>
+        <p:cNvGrpSpPr/>
+        <p:nvPr/>
+      </p:nvGrpSpPr>
+      <p:grpSpPr>
+        <a:xfrm>
+          <a:off x="0" y="0"/>
+          <a:ext cx="0" cy="0"/>
+          <a:chOff x="0" y="0"/>
+          <a:chExt cx="0" cy="0"/>
+        </a:xfrm>
+      </p:grpSpPr>
+      <p:sp>
+        <p:nvSpPr>
+          <p:cNvPr id="2" name="Rectangle 1">
+            <a:extLst>
+              <a:ext uri="{FF2B5EF4-FFF2-40B4-BE49-F238E27FC236}">
+                <a16:creationId xmlns:a16="http://schemas.microsoft.com/office/drawing/2014/main" id="{91A75913-9BC2-6DEB-7742-46DA79AAC94E}"/>
+              </a:ext>
+            </a:extLst>
+          </p:cNvPr>
+          <p:cNvSpPr/>
+          <p:nvPr/>
+        </p:nvSpPr>
+        <p:spPr>
+          <a:xfrm>
+            <a:off x="7436498" y="877078"/>
+            <a:ext cx="3135086" cy="1268963"/>
+          </a:xfrm>
+          <a:prstGeom prst="rect">
+            <a:avLst/>
+          </a:prstGeom>
+        </p:spPr>
+        <p:style>
+          <a:lnRef idx="2">
+            <a:schemeClr val="accent6"/>
+          </a:lnRef>
+          <a:fillRef idx="1">
+            <a:schemeClr val="lt1"/>
+          </a:fillRef>
+          <a:effectRef idx="0">
+            <a:schemeClr val="accent6"/>
+          </a:effectRef>
+          <a:fontRef idx="minor">
+            <a:schemeClr val="dk1"/>
+          </a:fontRef>
+        </p:style>
+        <p:txBody>
+          <a:bodyPr rtlCol="0" anchor="ctr"/>
+          <a:lstStyle/>
+          <a:p>
+            <a:pPr algn="ctr"/>
+            <a:endParaRPr lang="en-US" dirty="0"/>
+          </a:p>
+        </p:txBody>
+      </p:sp>
+      <p:sp>
+        <p:nvSpPr>
+          <p:cNvPr id="4" name="Rectangle 3">
+            <a:extLst>
+              <a:ext uri="{FF2B5EF4-FFF2-40B4-BE49-F238E27FC236}">
+                <a16:creationId xmlns:a16="http://schemas.microsoft.com/office/drawing/2014/main" id="{6D4F2137-0D0F-19B2-5CFE-2D6325AA8990}"/>
+              </a:ext>
+            </a:extLst>
+          </p:cNvPr>
+          <p:cNvSpPr/>
+          <p:nvPr/>
+        </p:nvSpPr>
+        <p:spPr>
+          <a:xfrm>
+            <a:off x="7455160" y="1362269"/>
+            <a:ext cx="3107094" cy="186613"/>
+          </a:xfrm>
+          <a:prstGeom prst="rect">
+            <a:avLst/>
+          </a:prstGeom>
+        </p:spPr>
+        <p:style>
+          <a:lnRef idx="2">
+            <a:schemeClr val="accent1">
+              <a:shade val="50000"/>
+            </a:schemeClr>
+          </a:lnRef>
+          <a:fillRef idx="1">
+            <a:schemeClr val="accent1"/>
+          </a:fillRef>
+          <a:effectRef idx="0">
+            <a:schemeClr val="accent1"/>
+          </a:effectRef>
+          <a:fontRef idx="minor">
+            <a:schemeClr val="lt1"/>
+          </a:fontRef>
+        </p:style>
+        <p:txBody>
+          <a:bodyPr rtlCol="0" anchor="ctr"/>
+          <a:lstStyle/>
+          <a:p>
+            <a:pPr algn="ctr"/>
+            <a:endParaRPr lang="en-US"/>
+          </a:p>
+        </p:txBody>
+      </p:sp>
+      <p:sp>
+        <p:nvSpPr>
+          <p:cNvPr id="5" name="TextBox 4">
+            <a:extLst>
+              <a:ext uri="{FF2B5EF4-FFF2-40B4-BE49-F238E27FC236}">
+                <a16:creationId xmlns:a16="http://schemas.microsoft.com/office/drawing/2014/main" id="{A46ADE43-B4B9-D7A0-8244-06B696E9CBB0}"/>
+              </a:ext>
+            </a:extLst>
+          </p:cNvPr>
+          <p:cNvSpPr txBox="1"/>
+          <p:nvPr/>
+        </p:nvSpPr>
+        <p:spPr>
+          <a:xfrm>
+            <a:off x="7595118" y="961053"/>
+            <a:ext cx="2817845" cy="369332"/>
+          </a:xfrm>
+          <a:prstGeom prst="rect">
+            <a:avLst/>
+          </a:prstGeom>
+          <a:noFill/>
+        </p:spPr>
+        <p:txBody>
+          <a:bodyPr wrap="square" rtlCol="0">
+            <a:spAutoFit/>
+          </a:bodyPr>
+          <a:lstStyle/>
+          <a:p>
+            <a:pPr algn="ctr"/>
+            <a:r>
+              <a:rPr lang="en-US" b="1" dirty="0" err="1"/>
+              <a:t>DoctorLogic</a:t>
+            </a:r>
+            <a:endParaRPr lang="en-US" b="1" dirty="0"/>
+          </a:p>
+        </p:txBody>
+      </p:sp>
+      <p:sp>
+        <p:nvSpPr>
+          <p:cNvPr id="6" name="TextBox 5">
+            <a:extLst>
+              <a:ext uri="{FF2B5EF4-FFF2-40B4-BE49-F238E27FC236}">
+                <a16:creationId xmlns:a16="http://schemas.microsoft.com/office/drawing/2014/main" id="{27132E88-4CE4-BCE7-F41E-4AFF8D6E6883}"/>
+              </a:ext>
+            </a:extLst>
+          </p:cNvPr>
+          <p:cNvSpPr txBox="1"/>
+          <p:nvPr/>
+        </p:nvSpPr>
+        <p:spPr>
+          <a:xfrm>
+            <a:off x="7455160" y="1614196"/>
+            <a:ext cx="3107094" cy="369332"/>
+          </a:xfrm>
+          <a:prstGeom prst="rect">
+            <a:avLst/>
+          </a:prstGeom>
+          <a:noFill/>
+        </p:spPr>
+        <p:txBody>
+          <a:bodyPr wrap="square" rtlCol="0">
+            <a:spAutoFit/>
+          </a:bodyPr>
+          <a:lstStyle/>
+          <a:p>
+            <a:r>
+              <a:rPr lang="en-US" dirty="0"/>
+              <a:t>+ </a:t>
+            </a:r>
+            <a:r>
+              <a:rPr lang="en-US" dirty="0" err="1"/>
+              <a:t>GetIncome</a:t>
+            </a:r>
+            <a:r>
+              <a:rPr lang="en-US" dirty="0"/>
+              <a:t>(staff)</a:t>
+            </a:r>
+          </a:p>
+        </p:txBody>
+      </p:sp>
+      <p:sp>
+        <p:nvSpPr>
+          <p:cNvPr id="7" name="Rectangle 6">
+            <a:extLst>
+              <a:ext uri="{FF2B5EF4-FFF2-40B4-BE49-F238E27FC236}">
+                <a16:creationId xmlns:a16="http://schemas.microsoft.com/office/drawing/2014/main" id="{40B32750-B4A7-64D6-6AFA-71BF033F39B7}"/>
+              </a:ext>
+            </a:extLst>
+          </p:cNvPr>
+          <p:cNvSpPr/>
+          <p:nvPr/>
+        </p:nvSpPr>
+        <p:spPr>
+          <a:xfrm>
+            <a:off x="7448940" y="2673993"/>
+            <a:ext cx="3135086" cy="1268963"/>
+          </a:xfrm>
+          <a:prstGeom prst="rect">
+            <a:avLst/>
+          </a:prstGeom>
+        </p:spPr>
+        <p:style>
+          <a:lnRef idx="2">
+            <a:schemeClr val="accent6"/>
+          </a:lnRef>
+          <a:fillRef idx="1">
+            <a:schemeClr val="lt1"/>
+          </a:fillRef>
+          <a:effectRef idx="0">
+            <a:schemeClr val="accent6"/>
+          </a:effectRef>
+          <a:fontRef idx="minor">
+            <a:schemeClr val="dk1"/>
+          </a:fontRef>
+        </p:style>
+        <p:txBody>
+          <a:bodyPr rtlCol="0" anchor="ctr"/>
+          <a:lstStyle/>
+          <a:p>
+            <a:pPr algn="ctr"/>
+            <a:endParaRPr lang="en-US" dirty="0"/>
+          </a:p>
+        </p:txBody>
+      </p:sp>
+      <p:sp>
+        <p:nvSpPr>
+          <p:cNvPr id="8" name="Rectangle 7">
+            <a:extLst>
+              <a:ext uri="{FF2B5EF4-FFF2-40B4-BE49-F238E27FC236}">
+                <a16:creationId xmlns:a16="http://schemas.microsoft.com/office/drawing/2014/main" id="{61B487D2-C1D2-F893-CDFC-F810AF8571A8}"/>
+              </a:ext>
+            </a:extLst>
+          </p:cNvPr>
+          <p:cNvSpPr/>
+          <p:nvPr/>
+        </p:nvSpPr>
+        <p:spPr>
+          <a:xfrm>
+            <a:off x="7467602" y="3159184"/>
+            <a:ext cx="3107094" cy="186613"/>
+          </a:xfrm>
+          <a:prstGeom prst="rect">
+            <a:avLst/>
+          </a:prstGeom>
+        </p:spPr>
+        <p:style>
+          <a:lnRef idx="2">
+            <a:schemeClr val="accent1">
+              <a:shade val="50000"/>
+            </a:schemeClr>
+          </a:lnRef>
+          <a:fillRef idx="1">
+            <a:schemeClr val="accent1"/>
+          </a:fillRef>
+          <a:effectRef idx="0">
+            <a:schemeClr val="accent1"/>
+          </a:effectRef>
+          <a:fontRef idx="minor">
+            <a:schemeClr val="lt1"/>
+          </a:fontRef>
+        </p:style>
+        <p:txBody>
+          <a:bodyPr rtlCol="0" anchor="ctr"/>
+          <a:lstStyle/>
+          <a:p>
+            <a:pPr algn="ctr"/>
+            <a:endParaRPr lang="en-US"/>
+          </a:p>
+        </p:txBody>
+      </p:sp>
+      <p:sp>
+        <p:nvSpPr>
+          <p:cNvPr id="9" name="TextBox 8">
+            <a:extLst>
+              <a:ext uri="{FF2B5EF4-FFF2-40B4-BE49-F238E27FC236}">
+                <a16:creationId xmlns:a16="http://schemas.microsoft.com/office/drawing/2014/main" id="{77279891-4ED9-FB9A-8C74-CBCDFB5D452A}"/>
+              </a:ext>
+            </a:extLst>
+          </p:cNvPr>
+          <p:cNvSpPr txBox="1"/>
+          <p:nvPr/>
+        </p:nvSpPr>
+        <p:spPr>
+          <a:xfrm>
+            <a:off x="7607560" y="2757968"/>
+            <a:ext cx="2817845" cy="369332"/>
+          </a:xfrm>
+          <a:prstGeom prst="rect">
+            <a:avLst/>
+          </a:prstGeom>
+          <a:noFill/>
+        </p:spPr>
+        <p:txBody>
+          <a:bodyPr wrap="square" rtlCol="0">
+            <a:spAutoFit/>
+          </a:bodyPr>
+          <a:lstStyle/>
+          <a:p>
+            <a:pPr algn="ctr"/>
+            <a:r>
+              <a:rPr lang="en-US" b="1" dirty="0" err="1"/>
+              <a:t>NurseLogic</a:t>
+            </a:r>
+            <a:endParaRPr lang="en-US" b="1" dirty="0"/>
+          </a:p>
+        </p:txBody>
+      </p:sp>
+      <p:sp>
+        <p:nvSpPr>
+          <p:cNvPr id="10" name="TextBox 9">
+            <a:extLst>
+              <a:ext uri="{FF2B5EF4-FFF2-40B4-BE49-F238E27FC236}">
+                <a16:creationId xmlns:a16="http://schemas.microsoft.com/office/drawing/2014/main" id="{EB2AAB68-E4FF-6C71-A737-084B429E4865}"/>
+              </a:ext>
+            </a:extLst>
+          </p:cNvPr>
+          <p:cNvSpPr txBox="1"/>
+          <p:nvPr/>
+        </p:nvSpPr>
+        <p:spPr>
+          <a:xfrm>
+            <a:off x="7467602" y="3411111"/>
+            <a:ext cx="3107094" cy="369332"/>
+          </a:xfrm>
+          <a:prstGeom prst="rect">
+            <a:avLst/>
+          </a:prstGeom>
+          <a:noFill/>
+        </p:spPr>
+        <p:txBody>
+          <a:bodyPr wrap="square" rtlCol="0">
+            <a:spAutoFit/>
+          </a:bodyPr>
+          <a:lstStyle/>
+          <a:p>
+            <a:r>
+              <a:rPr lang="en-US" dirty="0"/>
+              <a:t>+ </a:t>
+            </a:r>
+            <a:r>
+              <a:rPr lang="en-US" dirty="0" err="1"/>
+              <a:t>GetIncome</a:t>
+            </a:r>
+            <a:r>
+              <a:rPr lang="en-US" dirty="0"/>
+              <a:t>(staff)</a:t>
+            </a:r>
+          </a:p>
+        </p:txBody>
+      </p:sp>
+      <p:sp>
+        <p:nvSpPr>
+          <p:cNvPr id="11" name="Rectangle 10">
+            <a:extLst>
+              <a:ext uri="{FF2B5EF4-FFF2-40B4-BE49-F238E27FC236}">
+                <a16:creationId xmlns:a16="http://schemas.microsoft.com/office/drawing/2014/main" id="{CECD31D9-18A5-9F4E-1829-D9C812064A40}"/>
+              </a:ext>
+            </a:extLst>
+          </p:cNvPr>
+          <p:cNvSpPr/>
+          <p:nvPr/>
+        </p:nvSpPr>
+        <p:spPr>
+          <a:xfrm>
+            <a:off x="7427168" y="4386933"/>
+            <a:ext cx="3135086" cy="1268963"/>
+          </a:xfrm>
+          <a:prstGeom prst="rect">
+            <a:avLst/>
+          </a:prstGeom>
+        </p:spPr>
+        <p:style>
+          <a:lnRef idx="2">
+            <a:schemeClr val="accent6"/>
+          </a:lnRef>
+          <a:fillRef idx="1">
+            <a:schemeClr val="lt1"/>
+          </a:fillRef>
+          <a:effectRef idx="0">
+            <a:schemeClr val="accent6"/>
+          </a:effectRef>
+          <a:fontRef idx="minor">
+            <a:schemeClr val="dk1"/>
+          </a:fontRef>
+        </p:style>
+        <p:txBody>
+          <a:bodyPr rtlCol="0" anchor="ctr"/>
+          <a:lstStyle/>
+          <a:p>
+            <a:pPr algn="ctr"/>
+            <a:endParaRPr lang="en-US" dirty="0"/>
+          </a:p>
+        </p:txBody>
+      </p:sp>
+      <p:sp>
+        <p:nvSpPr>
+          <p:cNvPr id="12" name="Rectangle 11">
+            <a:extLst>
+              <a:ext uri="{FF2B5EF4-FFF2-40B4-BE49-F238E27FC236}">
+                <a16:creationId xmlns:a16="http://schemas.microsoft.com/office/drawing/2014/main" id="{3EBD3E54-8C07-580C-2539-814100A0800E}"/>
+              </a:ext>
+            </a:extLst>
+          </p:cNvPr>
+          <p:cNvSpPr/>
+          <p:nvPr/>
+        </p:nvSpPr>
+        <p:spPr>
+          <a:xfrm>
+            <a:off x="7445830" y="4872124"/>
+            <a:ext cx="3107094" cy="186613"/>
+          </a:xfrm>
+          <a:prstGeom prst="rect">
+            <a:avLst/>
+          </a:prstGeom>
+        </p:spPr>
+        <p:style>
+          <a:lnRef idx="2">
+            <a:schemeClr val="accent1">
+              <a:shade val="50000"/>
+            </a:schemeClr>
+          </a:lnRef>
+          <a:fillRef idx="1">
+            <a:schemeClr val="accent1"/>
+          </a:fillRef>
+          <a:effectRef idx="0">
+            <a:schemeClr val="accent1"/>
+          </a:effectRef>
+          <a:fontRef idx="minor">
+            <a:schemeClr val="lt1"/>
+          </a:fontRef>
+        </p:style>
+        <p:txBody>
+          <a:bodyPr rtlCol="0" anchor="ctr"/>
+          <a:lstStyle/>
+          <a:p>
+            <a:pPr algn="ctr"/>
+            <a:endParaRPr lang="en-US"/>
+          </a:p>
+        </p:txBody>
+      </p:sp>
+      <p:sp>
+        <p:nvSpPr>
+          <p:cNvPr id="13" name="TextBox 12">
+            <a:extLst>
+              <a:ext uri="{FF2B5EF4-FFF2-40B4-BE49-F238E27FC236}">
+                <a16:creationId xmlns:a16="http://schemas.microsoft.com/office/drawing/2014/main" id="{32884564-112C-116B-8BCE-4BD154DA3DCA}"/>
+              </a:ext>
+            </a:extLst>
+          </p:cNvPr>
+          <p:cNvSpPr txBox="1"/>
+          <p:nvPr/>
+        </p:nvSpPr>
+        <p:spPr>
+          <a:xfrm>
+            <a:off x="7585788" y="4470908"/>
+            <a:ext cx="2817845" cy="369332"/>
+          </a:xfrm>
+          <a:prstGeom prst="rect">
+            <a:avLst/>
+          </a:prstGeom>
+          <a:noFill/>
+        </p:spPr>
+        <p:txBody>
+          <a:bodyPr wrap="square" rtlCol="0">
+            <a:spAutoFit/>
+          </a:bodyPr>
+          <a:lstStyle/>
+          <a:p>
+            <a:pPr algn="ctr"/>
+            <a:r>
+              <a:rPr lang="en-US" b="1" dirty="0" err="1"/>
+              <a:t>WardboyLogic</a:t>
+            </a:r>
+            <a:endParaRPr lang="en-US" b="1" dirty="0"/>
+          </a:p>
+        </p:txBody>
+      </p:sp>
+      <p:sp>
+        <p:nvSpPr>
+          <p:cNvPr id="14" name="TextBox 13">
+            <a:extLst>
+              <a:ext uri="{FF2B5EF4-FFF2-40B4-BE49-F238E27FC236}">
+                <a16:creationId xmlns:a16="http://schemas.microsoft.com/office/drawing/2014/main" id="{49E12BA4-68C6-9004-DFE9-0B0C2886E0D3}"/>
+              </a:ext>
+            </a:extLst>
+          </p:cNvPr>
+          <p:cNvSpPr txBox="1"/>
+          <p:nvPr/>
+        </p:nvSpPr>
+        <p:spPr>
+          <a:xfrm>
+            <a:off x="7445830" y="5124051"/>
+            <a:ext cx="3107094" cy="369332"/>
+          </a:xfrm>
+          <a:prstGeom prst="rect">
+            <a:avLst/>
+          </a:prstGeom>
+          <a:noFill/>
+        </p:spPr>
+        <p:txBody>
+          <a:bodyPr wrap="square" rtlCol="0">
+            <a:spAutoFit/>
+          </a:bodyPr>
+          <a:lstStyle/>
+          <a:p>
+            <a:r>
+              <a:rPr lang="en-US" dirty="0"/>
+              <a:t>+ </a:t>
+            </a:r>
+            <a:r>
+              <a:rPr lang="en-US" dirty="0" err="1"/>
+              <a:t>GetIncome</a:t>
+            </a:r>
+            <a:r>
+              <a:rPr lang="en-US" dirty="0"/>
+              <a:t>(staff)</a:t>
+            </a:r>
+          </a:p>
+        </p:txBody>
+      </p:sp>
+      <p:sp>
+        <p:nvSpPr>
+          <p:cNvPr id="16" name="Rectangle 15">
+            <a:extLst>
+              <a:ext uri="{FF2B5EF4-FFF2-40B4-BE49-F238E27FC236}">
+                <a16:creationId xmlns:a16="http://schemas.microsoft.com/office/drawing/2014/main" id="{11BBCCF6-EFC5-FA9E-70F5-B0F48AFFD276}"/>
+              </a:ext>
+            </a:extLst>
+          </p:cNvPr>
+          <p:cNvSpPr/>
+          <p:nvPr/>
+        </p:nvSpPr>
+        <p:spPr>
+          <a:xfrm>
+            <a:off x="3707363" y="89413"/>
+            <a:ext cx="3135086" cy="1268963"/>
+          </a:xfrm>
+          <a:prstGeom prst="rect">
+            <a:avLst/>
+          </a:prstGeom>
+        </p:spPr>
+        <p:style>
+          <a:lnRef idx="2">
+            <a:schemeClr val="accent6"/>
+          </a:lnRef>
+          <a:fillRef idx="1">
+            <a:schemeClr val="lt1"/>
+          </a:fillRef>
+          <a:effectRef idx="0">
+            <a:schemeClr val="accent6"/>
+          </a:effectRef>
+          <a:fontRef idx="minor">
+            <a:schemeClr val="dk1"/>
+          </a:fontRef>
+        </p:style>
+        <p:txBody>
+          <a:bodyPr rtlCol="0" anchor="ctr"/>
+          <a:lstStyle/>
+          <a:p>
+            <a:pPr algn="ctr"/>
+            <a:endParaRPr lang="en-US" dirty="0"/>
+          </a:p>
+        </p:txBody>
+      </p:sp>
+      <p:sp>
+        <p:nvSpPr>
+          <p:cNvPr id="17" name="Rectangle 16">
+            <a:extLst>
+              <a:ext uri="{FF2B5EF4-FFF2-40B4-BE49-F238E27FC236}">
+                <a16:creationId xmlns:a16="http://schemas.microsoft.com/office/drawing/2014/main" id="{5662D49A-F677-837E-3257-0F69F0B3BF1F}"/>
+              </a:ext>
+            </a:extLst>
+          </p:cNvPr>
+          <p:cNvSpPr/>
+          <p:nvPr/>
+        </p:nvSpPr>
+        <p:spPr>
+          <a:xfrm>
+            <a:off x="3726025" y="574604"/>
+            <a:ext cx="3107094" cy="186613"/>
+          </a:xfrm>
+          <a:prstGeom prst="rect">
+            <a:avLst/>
+          </a:prstGeom>
+        </p:spPr>
+        <p:style>
+          <a:lnRef idx="2">
+            <a:schemeClr val="accent1">
+              <a:shade val="50000"/>
+            </a:schemeClr>
+          </a:lnRef>
+          <a:fillRef idx="1">
+            <a:schemeClr val="accent1"/>
+          </a:fillRef>
+          <a:effectRef idx="0">
+            <a:schemeClr val="accent1"/>
+          </a:effectRef>
+          <a:fontRef idx="minor">
+            <a:schemeClr val="lt1"/>
+          </a:fontRef>
+        </p:style>
+        <p:txBody>
+          <a:bodyPr rtlCol="0" anchor="ctr"/>
+          <a:lstStyle/>
+          <a:p>
+            <a:pPr algn="ctr"/>
+            <a:endParaRPr lang="en-US"/>
+          </a:p>
+        </p:txBody>
+      </p:sp>
+      <p:sp>
+        <p:nvSpPr>
+          <p:cNvPr id="18" name="TextBox 17">
+            <a:extLst>
+              <a:ext uri="{FF2B5EF4-FFF2-40B4-BE49-F238E27FC236}">
+                <a16:creationId xmlns:a16="http://schemas.microsoft.com/office/drawing/2014/main" id="{57CA1389-52A7-1EF8-DB23-5C7C77FB4985}"/>
+              </a:ext>
+            </a:extLst>
+          </p:cNvPr>
+          <p:cNvSpPr txBox="1"/>
+          <p:nvPr/>
+        </p:nvSpPr>
+        <p:spPr>
+          <a:xfrm>
+            <a:off x="3865983" y="173388"/>
+            <a:ext cx="2817845" cy="369332"/>
+          </a:xfrm>
+          <a:prstGeom prst="rect">
+            <a:avLst/>
+          </a:prstGeom>
+          <a:noFill/>
+        </p:spPr>
+        <p:txBody>
+          <a:bodyPr wrap="square" rtlCol="0">
+            <a:spAutoFit/>
+          </a:bodyPr>
+          <a:lstStyle/>
+          <a:p>
+            <a:pPr algn="ctr"/>
+            <a:r>
+              <a:rPr lang="en-US" b="1" dirty="0" err="1"/>
+              <a:t>StaffLogic</a:t>
+            </a:r>
+            <a:endParaRPr lang="en-US" b="1" dirty="0"/>
+          </a:p>
+        </p:txBody>
+      </p:sp>
+      <p:sp>
+        <p:nvSpPr>
+          <p:cNvPr id="19" name="TextBox 18">
+            <a:extLst>
+              <a:ext uri="{FF2B5EF4-FFF2-40B4-BE49-F238E27FC236}">
+                <a16:creationId xmlns:a16="http://schemas.microsoft.com/office/drawing/2014/main" id="{679184A6-6410-B932-C3E6-2F06D21DD233}"/>
+              </a:ext>
+            </a:extLst>
+          </p:cNvPr>
+          <p:cNvSpPr txBox="1"/>
+          <p:nvPr/>
+        </p:nvSpPr>
+        <p:spPr>
+          <a:xfrm>
+            <a:off x="3726025" y="826531"/>
+            <a:ext cx="3107094" cy="369332"/>
+          </a:xfrm>
+          <a:prstGeom prst="rect">
+            <a:avLst/>
+          </a:prstGeom>
+          <a:noFill/>
+        </p:spPr>
+        <p:txBody>
+          <a:bodyPr wrap="square" rtlCol="0">
+            <a:spAutoFit/>
+          </a:bodyPr>
+          <a:lstStyle/>
+          <a:p>
+            <a:r>
+              <a:rPr lang="en-US" dirty="0"/>
+              <a:t>+ </a:t>
+            </a:r>
+            <a:r>
+              <a:rPr lang="en-US" dirty="0" err="1"/>
+              <a:t>GetIncome</a:t>
+            </a:r>
+            <a:r>
+              <a:rPr lang="en-US" dirty="0"/>
+              <a:t>(staff)</a:t>
+            </a:r>
+          </a:p>
+        </p:txBody>
+      </p:sp>
+      <p:cxnSp>
+        <p:nvCxnSpPr>
+          <p:cNvPr id="21" name="Connector: Elbow 20">
+            <a:extLst>
+              <a:ext uri="{FF2B5EF4-FFF2-40B4-BE49-F238E27FC236}">
+                <a16:creationId xmlns:a16="http://schemas.microsoft.com/office/drawing/2014/main" id="{262C84FE-52DB-7E59-25A0-ACC83B22BCBC}"/>
+              </a:ext>
+            </a:extLst>
+          </p:cNvPr>
+          <p:cNvCxnSpPr>
+            <a:stCxn id="2" idx="1"/>
+            <a:endCxn id="17" idx="3"/>
+          </p:cNvCxnSpPr>
+          <p:nvPr/>
+        </p:nvCxnSpPr>
+        <p:spPr>
+          <a:xfrm rot="10800000">
+            <a:off x="6833120" y="667912"/>
+            <a:ext cx="603379" cy="843649"/>
+          </a:xfrm>
+          <a:prstGeom prst="bentConnector3">
+            <a:avLst/>
+          </a:prstGeom>
+          <a:ln>
+            <a:tailEnd type="triangle"/>
+          </a:ln>
+        </p:spPr>
+        <p:style>
+          <a:lnRef idx="1">
+            <a:schemeClr val="accent1"/>
+          </a:lnRef>
+          <a:fillRef idx="0">
+            <a:schemeClr val="accent1"/>
+          </a:fillRef>
+          <a:effectRef idx="0">
+            <a:schemeClr val="accent1"/>
+          </a:effectRef>
+          <a:fontRef idx="minor">
+            <a:schemeClr val="tx1"/>
+          </a:fontRef>
+        </p:style>
+      </p:cxnSp>
+      <p:cxnSp>
+        <p:nvCxnSpPr>
+          <p:cNvPr id="23" name="Connector: Elbow 22">
+            <a:extLst>
+              <a:ext uri="{FF2B5EF4-FFF2-40B4-BE49-F238E27FC236}">
+                <a16:creationId xmlns:a16="http://schemas.microsoft.com/office/drawing/2014/main" id="{BD135A0A-076A-092D-3088-F468D97AEB68}"/>
+              </a:ext>
+            </a:extLst>
+          </p:cNvPr>
+          <p:cNvCxnSpPr>
+            <a:stCxn id="8" idx="1"/>
+            <a:endCxn id="17" idx="3"/>
+          </p:cNvCxnSpPr>
+          <p:nvPr/>
+        </p:nvCxnSpPr>
+        <p:spPr>
+          <a:xfrm rot="10800000">
+            <a:off x="6833120" y="667911"/>
+            <a:ext cx="634483" cy="2584580"/>
+          </a:xfrm>
+          <a:prstGeom prst="bentConnector3">
+            <a:avLst/>
+          </a:prstGeom>
+          <a:ln>
+            <a:tailEnd type="triangle"/>
+          </a:ln>
+        </p:spPr>
+        <p:style>
+          <a:lnRef idx="1">
+            <a:schemeClr val="accent1"/>
+          </a:lnRef>
+          <a:fillRef idx="0">
+            <a:schemeClr val="accent1"/>
+          </a:fillRef>
+          <a:effectRef idx="0">
+            <a:schemeClr val="accent1"/>
+          </a:effectRef>
+          <a:fontRef idx="minor">
+            <a:schemeClr val="tx1"/>
+          </a:fontRef>
+        </p:style>
+      </p:cxnSp>
+      <p:cxnSp>
+        <p:nvCxnSpPr>
+          <p:cNvPr id="25" name="Connector: Elbow 24">
+            <a:extLst>
+              <a:ext uri="{FF2B5EF4-FFF2-40B4-BE49-F238E27FC236}">
+                <a16:creationId xmlns:a16="http://schemas.microsoft.com/office/drawing/2014/main" id="{B819A211-3779-85B2-E8E0-37A6E01FF6E1}"/>
+              </a:ext>
+            </a:extLst>
+          </p:cNvPr>
+          <p:cNvCxnSpPr>
+            <a:stCxn id="12" idx="1"/>
+            <a:endCxn id="16" idx="3"/>
+          </p:cNvCxnSpPr>
+          <p:nvPr/>
+        </p:nvCxnSpPr>
+        <p:spPr>
+          <a:xfrm rot="10800000">
+            <a:off x="6833120" y="667911"/>
+            <a:ext cx="612711" cy="4297520"/>
+          </a:xfrm>
+          <a:prstGeom prst="bentConnector3">
+            <a:avLst/>
+          </a:prstGeom>
+          <a:ln>
+            <a:tailEnd type="triangle"/>
+          </a:ln>
+        </p:spPr>
+        <p:style>
+          <a:lnRef idx="1">
+            <a:schemeClr val="accent1"/>
+          </a:lnRef>
+          <a:fillRef idx="0">
+            <a:schemeClr val="accent1"/>
+          </a:fillRef>
+          <a:effectRef idx="0">
+            <a:schemeClr val="accent1"/>
+          </a:effectRef>
+          <a:fontRef idx="minor">
+            <a:schemeClr val="tx1"/>
+          </a:fontRef>
+        </p:style>
+      </p:cxnSp>
+      <p:sp>
+        <p:nvSpPr>
+          <p:cNvPr id="26" name="Rectangle 25">
+            <a:extLst>
+              <a:ext uri="{FF2B5EF4-FFF2-40B4-BE49-F238E27FC236}">
+                <a16:creationId xmlns:a16="http://schemas.microsoft.com/office/drawing/2014/main" id="{4D105F76-C481-BC28-66C6-8E93B2A56BF2}"/>
+              </a:ext>
+            </a:extLst>
+          </p:cNvPr>
+          <p:cNvSpPr/>
+          <p:nvPr/>
+        </p:nvSpPr>
+        <p:spPr>
+          <a:xfrm>
+            <a:off x="541176" y="2142148"/>
+            <a:ext cx="3620277" cy="1638295"/>
+          </a:xfrm>
+          <a:prstGeom prst="rect">
+            <a:avLst/>
+          </a:prstGeom>
+        </p:spPr>
+        <p:style>
+          <a:lnRef idx="2">
+            <a:schemeClr val="accent4"/>
+          </a:lnRef>
+          <a:fillRef idx="1">
+            <a:schemeClr val="lt1"/>
+          </a:fillRef>
+          <a:effectRef idx="0">
+            <a:schemeClr val="accent4"/>
+          </a:effectRef>
+          <a:fontRef idx="minor">
+            <a:schemeClr val="dk1"/>
+          </a:fontRef>
+        </p:style>
+        <p:txBody>
+          <a:bodyPr rtlCol="0" anchor="ctr"/>
+          <a:lstStyle/>
+          <a:p>
+            <a:pPr algn="ctr"/>
+            <a:endParaRPr lang="en-US" dirty="0"/>
+          </a:p>
+        </p:txBody>
+      </p:sp>
+      <p:sp>
+        <p:nvSpPr>
+          <p:cNvPr id="27" name="Rectangle 26">
+            <a:extLst>
+              <a:ext uri="{FF2B5EF4-FFF2-40B4-BE49-F238E27FC236}">
+                <a16:creationId xmlns:a16="http://schemas.microsoft.com/office/drawing/2014/main" id="{108B714D-6FE4-D163-4882-D33D411920E4}"/>
+              </a:ext>
+            </a:extLst>
+          </p:cNvPr>
+          <p:cNvSpPr/>
+          <p:nvPr/>
+        </p:nvSpPr>
+        <p:spPr>
+          <a:xfrm>
+            <a:off x="559837" y="2793811"/>
+            <a:ext cx="3601616" cy="108009"/>
+          </a:xfrm>
+          <a:prstGeom prst="rect">
+            <a:avLst/>
+          </a:prstGeom>
+        </p:spPr>
+        <p:style>
+          <a:lnRef idx="2">
+            <a:schemeClr val="accent1">
+              <a:shade val="50000"/>
+            </a:schemeClr>
+          </a:lnRef>
+          <a:fillRef idx="1">
+            <a:schemeClr val="accent1"/>
+          </a:fillRef>
+          <a:effectRef idx="0">
+            <a:schemeClr val="accent1"/>
+          </a:effectRef>
+          <a:fontRef idx="minor">
+            <a:schemeClr val="lt1"/>
+          </a:fontRef>
+        </p:style>
+        <p:txBody>
+          <a:bodyPr rtlCol="0" anchor="ctr"/>
+          <a:lstStyle/>
+          <a:p>
+            <a:pPr algn="ctr"/>
+            <a:endParaRPr lang="en-US"/>
+          </a:p>
+        </p:txBody>
+      </p:sp>
+      <p:sp>
+        <p:nvSpPr>
+          <p:cNvPr id="28" name="TextBox 27">
+            <a:extLst>
+              <a:ext uri="{FF2B5EF4-FFF2-40B4-BE49-F238E27FC236}">
+                <a16:creationId xmlns:a16="http://schemas.microsoft.com/office/drawing/2014/main" id="{4833B804-F6E2-AF5F-0BF2-DE1FE89602F5}"/>
+              </a:ext>
+            </a:extLst>
+          </p:cNvPr>
+          <p:cNvSpPr txBox="1"/>
+          <p:nvPr/>
+        </p:nvSpPr>
+        <p:spPr>
+          <a:xfrm>
+            <a:off x="1091681" y="2267339"/>
+            <a:ext cx="2453951" cy="369332"/>
+          </a:xfrm>
+          <a:prstGeom prst="rect">
+            <a:avLst/>
+          </a:prstGeom>
+          <a:noFill/>
+        </p:spPr>
+        <p:txBody>
+          <a:bodyPr wrap="square" rtlCol="0">
+            <a:spAutoFit/>
+          </a:bodyPr>
+          <a:lstStyle/>
+          <a:p>
+            <a:pPr algn="ctr"/>
+            <a:r>
+              <a:rPr lang="en-US" dirty="0"/>
+              <a:t>Accounts</a:t>
+            </a:r>
+          </a:p>
+        </p:txBody>
+      </p:sp>
+      <p:sp>
+        <p:nvSpPr>
+          <p:cNvPr id="29" name="TextBox 28">
+            <a:extLst>
+              <a:ext uri="{FF2B5EF4-FFF2-40B4-BE49-F238E27FC236}">
+                <a16:creationId xmlns:a16="http://schemas.microsoft.com/office/drawing/2014/main" id="{5F0E6365-6D0A-47BD-02D3-A4777965F47B}"/>
+              </a:ext>
+            </a:extLst>
+          </p:cNvPr>
+          <p:cNvSpPr txBox="1"/>
+          <p:nvPr/>
+        </p:nvSpPr>
+        <p:spPr>
+          <a:xfrm>
+            <a:off x="541175" y="2901820"/>
+            <a:ext cx="3545633" cy="646331"/>
+          </a:xfrm>
+          <a:prstGeom prst="rect">
+            <a:avLst/>
+          </a:prstGeom>
+          <a:noFill/>
+        </p:spPr>
+        <p:txBody>
+          <a:bodyPr wrap="square" rtlCol="0">
+            <a:spAutoFit/>
+          </a:bodyPr>
+          <a:lstStyle/>
+          <a:p>
+            <a:r>
+              <a:rPr lang="en-US" dirty="0"/>
+              <a:t>+ </a:t>
+            </a:r>
+            <a:r>
+              <a:rPr lang="en-US" dirty="0" err="1"/>
+              <a:t>GetTDS</a:t>
+            </a:r>
+            <a:r>
+              <a:rPr lang="en-US" dirty="0"/>
+              <a:t>(</a:t>
+            </a:r>
+            <a:r>
+              <a:rPr lang="en-US" dirty="0" err="1"/>
+              <a:t>StaffLogic</a:t>
+            </a:r>
+            <a:r>
+              <a:rPr lang="en-US" dirty="0"/>
+              <a:t> logic)</a:t>
+            </a:r>
+          </a:p>
+          <a:p>
+            <a:r>
+              <a:rPr lang="en-US" dirty="0"/>
+              <a:t>+ </a:t>
+            </a:r>
+            <a:r>
+              <a:rPr lang="en-US" dirty="0" err="1"/>
+              <a:t>GetNetIncome</a:t>
+            </a:r>
+            <a:r>
+              <a:rPr lang="en-US" dirty="0"/>
+              <a:t>(</a:t>
+            </a:r>
+            <a:r>
+              <a:rPr lang="en-US" dirty="0" err="1"/>
+              <a:t>StaffLogic</a:t>
+            </a:r>
+            <a:r>
+              <a:rPr lang="en-US" dirty="0"/>
+              <a:t> logic)</a:t>
+            </a:r>
+          </a:p>
+        </p:txBody>
+      </p:sp>
+      <p:cxnSp>
+        <p:nvCxnSpPr>
+          <p:cNvPr id="33" name="Connector: Elbow 32">
+            <a:extLst>
+              <a:ext uri="{FF2B5EF4-FFF2-40B4-BE49-F238E27FC236}">
+                <a16:creationId xmlns:a16="http://schemas.microsoft.com/office/drawing/2014/main" id="{F6E08ACC-CC9C-4436-E873-DF2FE55D5564}"/>
+              </a:ext>
+            </a:extLst>
+          </p:cNvPr>
+          <p:cNvCxnSpPr>
+            <a:stCxn id="17" idx="1"/>
+            <a:endCxn id="26" idx="0"/>
+          </p:cNvCxnSpPr>
+          <p:nvPr/>
+        </p:nvCxnSpPr>
+        <p:spPr>
+          <a:xfrm rot="10800000" flipV="1">
+            <a:off x="2351315" y="667910"/>
+            <a:ext cx="1374710" cy="1474237"/>
+          </a:xfrm>
+          <a:prstGeom prst="bentConnector2">
+            <a:avLst/>
+          </a:prstGeom>
+          <a:ln>
+            <a:tailEnd type="triangle"/>
+          </a:ln>
+        </p:spPr>
+        <p:style>
+          <a:lnRef idx="1">
+            <a:schemeClr val="accent1"/>
+          </a:lnRef>
+          <a:fillRef idx="0">
+            <a:schemeClr val="accent1"/>
+          </a:fillRef>
+          <a:effectRef idx="0">
+            <a:schemeClr val="accent1"/>
+          </a:effectRef>
+          <a:fontRef idx="minor">
+            <a:schemeClr val="tx1"/>
+          </a:fontRef>
+        </p:style>
+      </p:cxnSp>
+      <p:sp>
+        <p:nvSpPr>
+          <p:cNvPr id="34" name="TextBox 33">
+            <a:extLst>
+              <a:ext uri="{FF2B5EF4-FFF2-40B4-BE49-F238E27FC236}">
+                <a16:creationId xmlns:a16="http://schemas.microsoft.com/office/drawing/2014/main" id="{CB053EB1-7C22-17D6-A8BD-AB2131B4EA77}"/>
+              </a:ext>
+            </a:extLst>
+          </p:cNvPr>
+          <p:cNvSpPr txBox="1"/>
+          <p:nvPr/>
+        </p:nvSpPr>
+        <p:spPr>
+          <a:xfrm>
+            <a:off x="1091681" y="1358376"/>
+            <a:ext cx="2323323" cy="369332"/>
+          </a:xfrm>
+          <a:prstGeom prst="rect">
+            <a:avLst/>
+          </a:prstGeom>
+          <a:noFill/>
+        </p:spPr>
+        <p:txBody>
+          <a:bodyPr wrap="square" rtlCol="0">
+            <a:spAutoFit/>
+          </a:bodyPr>
+          <a:lstStyle/>
+          <a:p>
+            <a:r>
+              <a:rPr lang="en-US" dirty="0"/>
+              <a:t>Uses </a:t>
+            </a:r>
+            <a:r>
+              <a:rPr lang="en-US" dirty="0" err="1"/>
+              <a:t>StaffLogic</a:t>
+            </a:r>
+            <a:r>
+              <a:rPr lang="en-US" dirty="0"/>
+              <a:t> Class</a:t>
+            </a:r>
+          </a:p>
+        </p:txBody>
+      </p:sp>
+      <p:sp>
+        <p:nvSpPr>
+          <p:cNvPr id="35" name="TextBox 34">
+            <a:extLst>
+              <a:ext uri="{FF2B5EF4-FFF2-40B4-BE49-F238E27FC236}">
+                <a16:creationId xmlns:a16="http://schemas.microsoft.com/office/drawing/2014/main" id="{DBA73B14-F671-6FEC-A03A-BEF7C9229D1A}"/>
+              </a:ext>
+            </a:extLst>
+          </p:cNvPr>
+          <p:cNvSpPr txBox="1"/>
+          <p:nvPr/>
+        </p:nvSpPr>
+        <p:spPr>
+          <a:xfrm>
+            <a:off x="7436498" y="266695"/>
+            <a:ext cx="3704252" cy="369332"/>
+          </a:xfrm>
+          <a:prstGeom prst="rect">
+            <a:avLst/>
+          </a:prstGeom>
+          <a:noFill/>
+        </p:spPr>
+        <p:txBody>
+          <a:bodyPr wrap="square" rtlCol="0">
+            <a:spAutoFit/>
+          </a:bodyPr>
+          <a:lstStyle/>
+          <a:p>
+            <a:r>
+              <a:rPr lang="en-US" dirty="0"/>
+              <a:t>The </a:t>
+            </a:r>
+            <a:r>
+              <a:rPr lang="en-US" b="1" dirty="0"/>
+              <a:t>‘Is-</a:t>
+            </a:r>
+            <a:r>
+              <a:rPr lang="en-US" b="1" dirty="0" err="1"/>
+              <a:t>a’</a:t>
+            </a:r>
+            <a:r>
+              <a:rPr lang="en-US" b="1" dirty="0"/>
+              <a:t> </a:t>
+            </a:r>
+            <a:r>
+              <a:rPr lang="en-US" dirty="0"/>
+              <a:t>Relationship</a:t>
+            </a:r>
+          </a:p>
+        </p:txBody>
+      </p:sp>
+      <p:sp>
+        <p:nvSpPr>
+          <p:cNvPr id="36" name="Rectangle 35">
+            <a:extLst>
+              <a:ext uri="{FF2B5EF4-FFF2-40B4-BE49-F238E27FC236}">
+                <a16:creationId xmlns:a16="http://schemas.microsoft.com/office/drawing/2014/main" id="{68A163C9-BF74-2354-C2EE-66053F74C49E}"/>
+              </a:ext>
+            </a:extLst>
+          </p:cNvPr>
+          <p:cNvSpPr/>
+          <p:nvPr/>
+        </p:nvSpPr>
+        <p:spPr>
+          <a:xfrm>
+            <a:off x="690465" y="5325430"/>
+            <a:ext cx="3601616" cy="940848"/>
+          </a:xfrm>
+          <a:prstGeom prst="rect">
+            <a:avLst/>
+          </a:prstGeom>
+          <a:solidFill>
+            <a:schemeClr val="accent2">
+              <a:lumMod val="40000"/>
+              <a:lumOff val="60000"/>
+            </a:schemeClr>
+          </a:solidFill>
+        </p:spPr>
+        <p:style>
+          <a:lnRef idx="2">
+            <a:schemeClr val="accent1">
+              <a:shade val="50000"/>
+            </a:schemeClr>
+          </a:lnRef>
+          <a:fillRef idx="1">
+            <a:schemeClr val="accent1"/>
+          </a:fillRef>
+          <a:effectRef idx="0">
+            <a:schemeClr val="accent1"/>
+          </a:effectRef>
+          <a:fontRef idx="minor">
+            <a:schemeClr val="lt1"/>
+          </a:fontRef>
+        </p:style>
+        <p:txBody>
+          <a:bodyPr rtlCol="0" anchor="ctr"/>
+          <a:lstStyle/>
+          <a:p>
+            <a:pPr algn="ctr"/>
+            <a:r>
+              <a:rPr lang="en-US" b="1" dirty="0"/>
+              <a:t>The Client App</a:t>
+            </a:r>
+          </a:p>
+        </p:txBody>
+      </p:sp>
+      <p:sp>
+        <p:nvSpPr>
+          <p:cNvPr id="37" name="Arrow: Up 36">
+            <a:extLst>
+              <a:ext uri="{FF2B5EF4-FFF2-40B4-BE49-F238E27FC236}">
+                <a16:creationId xmlns:a16="http://schemas.microsoft.com/office/drawing/2014/main" id="{1B499DD8-8B2A-28C9-441A-6257E0C8B762}"/>
+              </a:ext>
+            </a:extLst>
+          </p:cNvPr>
+          <p:cNvSpPr/>
+          <p:nvPr/>
+        </p:nvSpPr>
+        <p:spPr>
+          <a:xfrm>
+            <a:off x="1987420" y="3780443"/>
+            <a:ext cx="612712" cy="1500684"/>
+          </a:xfrm>
+          <a:prstGeom prst="upArrow">
+            <a:avLst/>
+          </a:prstGeom>
+        </p:spPr>
+        <p:style>
+          <a:lnRef idx="2">
+            <a:schemeClr val="accent6"/>
+          </a:lnRef>
+          <a:fillRef idx="1">
+            <a:schemeClr val="lt1"/>
+          </a:fillRef>
+          <a:effectRef idx="0">
+            <a:schemeClr val="accent6"/>
+          </a:effectRef>
+          <a:fontRef idx="minor">
+            <a:schemeClr val="dk1"/>
+          </a:fontRef>
+        </p:style>
+        <p:txBody>
+          <a:bodyPr rtlCol="0" anchor="ctr"/>
+          <a:lstStyle/>
+          <a:p>
+            <a:pPr algn="ctr"/>
+            <a:endParaRPr lang="en-US"/>
+          </a:p>
+        </p:txBody>
+      </p:sp>
+      <p:sp>
+        <p:nvSpPr>
+          <p:cNvPr id="38" name="TextBox 37">
+            <a:extLst>
+              <a:ext uri="{FF2B5EF4-FFF2-40B4-BE49-F238E27FC236}">
+                <a16:creationId xmlns:a16="http://schemas.microsoft.com/office/drawing/2014/main" id="{02E31BF7-0204-684D-261C-CB0B39BB96C1}"/>
+              </a:ext>
+            </a:extLst>
+          </p:cNvPr>
+          <p:cNvSpPr txBox="1"/>
+          <p:nvPr/>
+        </p:nvSpPr>
+        <p:spPr>
+          <a:xfrm>
+            <a:off x="559837" y="4307823"/>
+            <a:ext cx="3620277" cy="1200329"/>
+          </a:xfrm>
+          <a:prstGeom prst="rect">
+            <a:avLst/>
+          </a:prstGeom>
+          <a:noFill/>
+        </p:spPr>
+        <p:txBody>
+          <a:bodyPr wrap="square" rtlCol="0">
+            <a:spAutoFit/>
+          </a:bodyPr>
+          <a:lstStyle/>
+          <a:p>
+            <a:pPr algn="ctr"/>
+            <a:r>
+              <a:rPr lang="en-US" b="1" dirty="0"/>
+              <a:t>Access Accounts Class To Calculate TDS and </a:t>
+            </a:r>
+            <a:r>
+              <a:rPr lang="en-US" b="1" dirty="0" err="1"/>
+              <a:t>NetIncome</a:t>
+            </a:r>
+            <a:endParaRPr lang="en-US" b="1" dirty="0"/>
+          </a:p>
+          <a:p>
+            <a:pPr algn="ctr"/>
+            <a:r>
+              <a:rPr lang="en-US" b="1" dirty="0"/>
+              <a:t>By Passing The </a:t>
+            </a:r>
+            <a:r>
+              <a:rPr lang="en-US" b="1" dirty="0" err="1"/>
+              <a:t>typeof</a:t>
+            </a:r>
+            <a:r>
+              <a:rPr lang="en-US" b="1" dirty="0"/>
+              <a:t> </a:t>
+            </a:r>
+            <a:r>
+              <a:rPr lang="en-US" b="1" dirty="0" err="1"/>
+              <a:t>StaffLogic</a:t>
+            </a:r>
+            <a:r>
+              <a:rPr lang="en-US" b="1" dirty="0"/>
+              <a:t> Instance</a:t>
+            </a:r>
+          </a:p>
+        </p:txBody>
+      </p:sp>
+      <p:sp>
+        <p:nvSpPr>
+          <p:cNvPr id="39" name="TextBox 38">
+            <a:extLst>
+              <a:ext uri="{FF2B5EF4-FFF2-40B4-BE49-F238E27FC236}">
+                <a16:creationId xmlns:a16="http://schemas.microsoft.com/office/drawing/2014/main" id="{AAF01D76-28F0-58BC-5E25-1D704B405B2C}"/>
+              </a:ext>
+            </a:extLst>
+          </p:cNvPr>
+          <p:cNvSpPr txBox="1"/>
+          <p:nvPr/>
+        </p:nvSpPr>
+        <p:spPr>
+          <a:xfrm>
+            <a:off x="5057189" y="2524649"/>
+            <a:ext cx="1617309" cy="646331"/>
+          </a:xfrm>
+          <a:prstGeom prst="rect">
+            <a:avLst/>
+          </a:prstGeom>
+          <a:noFill/>
+        </p:spPr>
+        <p:txBody>
+          <a:bodyPr wrap="square" rtlCol="0">
+            <a:spAutoFit/>
+          </a:bodyPr>
+          <a:lstStyle/>
+          <a:p>
+            <a:r>
+              <a:rPr lang="en-US" dirty="0"/>
+              <a:t>Dynamic</a:t>
+            </a:r>
+          </a:p>
+          <a:p>
+            <a:r>
+              <a:rPr lang="en-US" dirty="0"/>
+              <a:t>Polymorphism</a:t>
+            </a:r>
+          </a:p>
+        </p:txBody>
+      </p:sp>
+      <p:cxnSp>
+        <p:nvCxnSpPr>
+          <p:cNvPr id="42" name="Connector: Elbow 41">
+            <a:extLst>
+              <a:ext uri="{FF2B5EF4-FFF2-40B4-BE49-F238E27FC236}">
+                <a16:creationId xmlns:a16="http://schemas.microsoft.com/office/drawing/2014/main" id="{991D2C8B-2BC7-04DD-3CC5-BBC79F8C1DFE}"/>
+              </a:ext>
+            </a:extLst>
+          </p:cNvPr>
+          <p:cNvCxnSpPr>
+            <a:stCxn id="39" idx="1"/>
+            <a:endCxn id="29" idx="3"/>
+          </p:cNvCxnSpPr>
+          <p:nvPr/>
+        </p:nvCxnSpPr>
+        <p:spPr>
+          <a:xfrm rot="10800000" flipV="1">
+            <a:off x="4086809" y="2847814"/>
+            <a:ext cx="970381" cy="377171"/>
+          </a:xfrm>
+          <a:prstGeom prst="bentConnector3">
+            <a:avLst/>
+          </a:prstGeom>
+          <a:ln>
+            <a:tailEnd type="triangle"/>
+          </a:ln>
+        </p:spPr>
+        <p:style>
+          <a:lnRef idx="1">
+            <a:schemeClr val="accent1"/>
+          </a:lnRef>
+          <a:fillRef idx="0">
+            <a:schemeClr val="accent1"/>
+          </a:fillRef>
+          <a:effectRef idx="0">
+            <a:schemeClr val="accent1"/>
+          </a:effectRef>
+          <a:fontRef idx="minor">
+            <a:schemeClr val="tx1"/>
+          </a:fontRef>
+        </p:style>
+      </p:cxnSp>
+    </p:spTree>
+    <p:extLst>
+      <p:ext uri="{BB962C8B-B14F-4D97-AF65-F5344CB8AC3E}">
+        <p14:creationId xmlns:p14="http://schemas.microsoft.com/office/powerpoint/2010/main" val="4055702467"/>
+      </p:ext>
+    </p:extLst>
+  </p:cSld>
+  <p:clrMapOvr>
+    <a:masterClrMapping/>
+  </p:clrMapOvr>
+</p:sld>
+</file>
+
+<file path=ppt/slides/slide8.xml><?xml version="1.0" encoding="utf-8"?>
+<p:sld xmlns:a="http://schemas.openxmlformats.org/drawingml/2006/main" xmlns:r="http://schemas.openxmlformats.org/officeDocument/2006/relationships" xmlns:p="http://schemas.openxmlformats.org/presentationml/2006/main">
+  <p:cSld>
+    <p:spTree>
+      <p:nvGrpSpPr>
+        <p:cNvPr id="1" name=""/>
+        <p:cNvGrpSpPr/>
+        <p:nvPr/>
+      </p:nvGrpSpPr>
+      <p:grpSpPr>
+        <a:xfrm>
+          <a:off x="0" y="0"/>
+          <a:ext cx="0" cy="0"/>
+          <a:chOff x="0" y="0"/>
+          <a:chExt cx="0" cy="0"/>
+        </a:xfrm>
+      </p:grpSpPr>
+      <p:sp>
+        <p:nvSpPr>
+          <p:cNvPr id="2" name="Rectangle 1">
+            <a:extLst>
+              <a:ext uri="{FF2B5EF4-FFF2-40B4-BE49-F238E27FC236}">
+                <a16:creationId xmlns:a16="http://schemas.microsoft.com/office/drawing/2014/main" id="{718B601F-EDB5-73E1-A5EC-9111F96AD1C7}"/>
+              </a:ext>
+            </a:extLst>
+          </p:cNvPr>
+          <p:cNvSpPr/>
+          <p:nvPr/>
+        </p:nvSpPr>
+        <p:spPr>
+          <a:xfrm>
+            <a:off x="8117633" y="951722"/>
+            <a:ext cx="1838130" cy="5141168"/>
+          </a:xfrm>
+          <a:prstGeom prst="rect">
+            <a:avLst/>
+          </a:prstGeom>
+        </p:spPr>
+        <p:style>
+          <a:lnRef idx="2">
+            <a:schemeClr val="accent1">
+              <a:shade val="50000"/>
+            </a:schemeClr>
+          </a:lnRef>
+          <a:fillRef idx="1">
+            <a:schemeClr val="accent1"/>
+          </a:fillRef>
+          <a:effectRef idx="0">
+            <a:schemeClr val="accent1"/>
+          </a:effectRef>
+          <a:fontRef idx="minor">
+            <a:schemeClr val="lt1"/>
+          </a:fontRef>
+        </p:style>
+        <p:txBody>
+          <a:bodyPr rtlCol="0" anchor="ctr"/>
+          <a:lstStyle/>
+          <a:p>
+            <a:pPr algn="ctr"/>
+            <a:r>
+              <a:rPr lang="en-US" b="1" dirty="0"/>
+              <a:t>Static</a:t>
+            </a:r>
+          </a:p>
+          <a:p>
+            <a:pPr algn="ctr"/>
+            <a:r>
+              <a:rPr lang="en-US" b="1" dirty="0"/>
+              <a:t>Declaration</a:t>
+            </a:r>
+          </a:p>
+        </p:txBody>
+      </p:sp>
+      <p:sp>
+        <p:nvSpPr>
+          <p:cNvPr id="3" name="Arrow: Right 2">
+            <a:extLst>
+              <a:ext uri="{FF2B5EF4-FFF2-40B4-BE49-F238E27FC236}">
+                <a16:creationId xmlns:a16="http://schemas.microsoft.com/office/drawing/2014/main" id="{8C181FEB-DF32-1F04-38FB-6E456139F1F8}"/>
+              </a:ext>
+            </a:extLst>
+          </p:cNvPr>
+          <p:cNvSpPr/>
+          <p:nvPr/>
+        </p:nvSpPr>
+        <p:spPr>
+          <a:xfrm>
+            <a:off x="1682621" y="1115009"/>
+            <a:ext cx="6447453" cy="1017036"/>
+          </a:xfrm>
+          <a:prstGeom prst="rightArrow">
+            <a:avLst/>
+          </a:prstGeom>
+        </p:spPr>
+        <p:style>
+          <a:lnRef idx="2">
+            <a:schemeClr val="accent1">
+              <a:shade val="50000"/>
+            </a:schemeClr>
+          </a:lnRef>
+          <a:fillRef idx="1">
+            <a:schemeClr val="accent1"/>
+          </a:fillRef>
+          <a:effectRef idx="0">
+            <a:schemeClr val="accent1"/>
+          </a:effectRef>
+          <a:fontRef idx="minor">
+            <a:schemeClr val="lt1"/>
+          </a:fontRef>
+        </p:style>
+        <p:txBody>
+          <a:bodyPr rtlCol="0" anchor="ctr"/>
+          <a:lstStyle/>
+          <a:p>
+            <a:pPr algn="ctr"/>
+            <a:r>
+              <a:rPr lang="en-US" dirty="0"/>
+              <a:t>Caller 1</a:t>
+            </a:r>
+          </a:p>
+        </p:txBody>
+      </p:sp>
+      <p:sp>
+        <p:nvSpPr>
+          <p:cNvPr id="4" name="Arrow: Right 3">
+            <a:extLst>
+              <a:ext uri="{FF2B5EF4-FFF2-40B4-BE49-F238E27FC236}">
+                <a16:creationId xmlns:a16="http://schemas.microsoft.com/office/drawing/2014/main" id="{8905E43D-BB05-ABBE-3A53-2E2CD7DE852F}"/>
+              </a:ext>
+            </a:extLst>
+          </p:cNvPr>
+          <p:cNvSpPr/>
+          <p:nvPr/>
+        </p:nvSpPr>
+        <p:spPr>
+          <a:xfrm>
+            <a:off x="1676401" y="2052736"/>
+            <a:ext cx="6447453" cy="1017036"/>
+          </a:xfrm>
+          <a:prstGeom prst="rightArrow">
+            <a:avLst/>
+          </a:prstGeom>
+        </p:spPr>
+        <p:style>
+          <a:lnRef idx="2">
+            <a:schemeClr val="accent1">
+              <a:shade val="50000"/>
+            </a:schemeClr>
+          </a:lnRef>
+          <a:fillRef idx="1">
+            <a:schemeClr val="accent1"/>
+          </a:fillRef>
+          <a:effectRef idx="0">
+            <a:schemeClr val="accent1"/>
+          </a:effectRef>
+          <a:fontRef idx="minor">
+            <a:schemeClr val="lt1"/>
+          </a:fontRef>
+        </p:style>
+        <p:txBody>
+          <a:bodyPr rtlCol="0" anchor="ctr"/>
+          <a:lstStyle/>
+          <a:p>
+            <a:pPr algn="ctr"/>
+            <a:r>
+              <a:rPr lang="en-US" dirty="0"/>
+              <a:t>Caller 1</a:t>
+            </a:r>
+          </a:p>
+        </p:txBody>
+      </p:sp>
+      <p:sp>
+        <p:nvSpPr>
+          <p:cNvPr id="5" name="Arrow: Right 4">
+            <a:extLst>
+              <a:ext uri="{FF2B5EF4-FFF2-40B4-BE49-F238E27FC236}">
+                <a16:creationId xmlns:a16="http://schemas.microsoft.com/office/drawing/2014/main" id="{0923DD4C-EFA5-609F-8E16-36CFE76B6408}"/>
+              </a:ext>
+            </a:extLst>
+          </p:cNvPr>
+          <p:cNvSpPr/>
+          <p:nvPr/>
+        </p:nvSpPr>
+        <p:spPr>
+          <a:xfrm>
+            <a:off x="1676400" y="3072883"/>
+            <a:ext cx="6447453" cy="1017036"/>
+          </a:xfrm>
+          <a:prstGeom prst="rightArrow">
+            <a:avLst/>
+          </a:prstGeom>
+        </p:spPr>
+        <p:style>
+          <a:lnRef idx="2">
+            <a:schemeClr val="accent1">
+              <a:shade val="50000"/>
+            </a:schemeClr>
+          </a:lnRef>
+          <a:fillRef idx="1">
+            <a:schemeClr val="accent1"/>
+          </a:fillRef>
+          <a:effectRef idx="0">
+            <a:schemeClr val="accent1"/>
+          </a:effectRef>
+          <a:fontRef idx="minor">
+            <a:schemeClr val="lt1"/>
+          </a:fontRef>
+        </p:style>
+        <p:txBody>
+          <a:bodyPr rtlCol="0" anchor="ctr"/>
+          <a:lstStyle/>
+          <a:p>
+            <a:pPr algn="ctr"/>
+            <a:r>
+              <a:rPr lang="en-US" dirty="0"/>
+              <a:t>Caller 1</a:t>
+            </a:r>
+          </a:p>
+        </p:txBody>
+      </p:sp>
+      <p:sp>
+        <p:nvSpPr>
+          <p:cNvPr id="6" name="Arrow: Right 5">
+            <a:extLst>
+              <a:ext uri="{FF2B5EF4-FFF2-40B4-BE49-F238E27FC236}">
+                <a16:creationId xmlns:a16="http://schemas.microsoft.com/office/drawing/2014/main" id="{24E4E510-13CA-7C32-491D-31DAD11AED76}"/>
+              </a:ext>
+            </a:extLst>
+          </p:cNvPr>
+          <p:cNvSpPr/>
+          <p:nvPr/>
+        </p:nvSpPr>
+        <p:spPr>
+          <a:xfrm>
+            <a:off x="1670180" y="4055707"/>
+            <a:ext cx="6447453" cy="1017036"/>
+          </a:xfrm>
+          <a:prstGeom prst="rightArrow">
+            <a:avLst/>
+          </a:prstGeom>
+        </p:spPr>
+        <p:style>
+          <a:lnRef idx="2">
+            <a:schemeClr val="accent1">
+              <a:shade val="50000"/>
+            </a:schemeClr>
+          </a:lnRef>
+          <a:fillRef idx="1">
+            <a:schemeClr val="accent1"/>
+          </a:fillRef>
+          <a:effectRef idx="0">
+            <a:schemeClr val="accent1"/>
+          </a:effectRef>
+          <a:fontRef idx="minor">
+            <a:schemeClr val="lt1"/>
+          </a:fontRef>
+        </p:style>
+        <p:txBody>
+          <a:bodyPr rtlCol="0" anchor="ctr"/>
+          <a:lstStyle/>
+          <a:p>
+            <a:pPr algn="ctr"/>
+            <a:r>
+              <a:rPr lang="en-US" dirty="0"/>
+              <a:t>Caller 1</a:t>
+            </a:r>
+          </a:p>
+        </p:txBody>
+      </p:sp>
+      <p:sp>
+        <p:nvSpPr>
+          <p:cNvPr id="7" name="Arrow: Right 6">
+            <a:extLst>
+              <a:ext uri="{FF2B5EF4-FFF2-40B4-BE49-F238E27FC236}">
+                <a16:creationId xmlns:a16="http://schemas.microsoft.com/office/drawing/2014/main" id="{49FF3847-CF66-F5CF-77AF-477FEF6D7213}"/>
+              </a:ext>
+            </a:extLst>
+          </p:cNvPr>
+          <p:cNvSpPr/>
+          <p:nvPr/>
+        </p:nvSpPr>
+        <p:spPr>
+          <a:xfrm>
+            <a:off x="1670179" y="5075854"/>
+            <a:ext cx="6447453" cy="1017036"/>
+          </a:xfrm>
+          <a:prstGeom prst="rightArrow">
+            <a:avLst/>
+          </a:prstGeom>
+        </p:spPr>
+        <p:style>
+          <a:lnRef idx="2">
+            <a:schemeClr val="accent1">
+              <a:shade val="50000"/>
+            </a:schemeClr>
+          </a:lnRef>
+          <a:fillRef idx="1">
+            <a:schemeClr val="accent1"/>
+          </a:fillRef>
+          <a:effectRef idx="0">
+            <a:schemeClr val="accent1"/>
+          </a:effectRef>
+          <a:fontRef idx="minor">
+            <a:schemeClr val="lt1"/>
+          </a:fontRef>
+        </p:style>
+        <p:txBody>
+          <a:bodyPr rtlCol="0" anchor="ctr"/>
+          <a:lstStyle/>
+          <a:p>
+            <a:pPr algn="ctr"/>
+            <a:r>
+              <a:rPr lang="en-US" dirty="0"/>
+              <a:t>Caller 1</a:t>
+            </a:r>
+          </a:p>
+        </p:txBody>
+      </p:sp>
+    </p:spTree>
+    <p:extLst>
+      <p:ext uri="{BB962C8B-B14F-4D97-AF65-F5344CB8AC3E}">
+        <p14:creationId xmlns:p14="http://schemas.microsoft.com/office/powerpoint/2010/main" val="1452565161"/>
+      </p:ext>
+    </p:extLst>
+  </p:cSld>
+  <p:clrMapOvr>
+    <a:masterClrMapping/>
+  </p:clrMapOvr>
+</p:sld>
+</file>
+
+<file path=ppt/slides/slide9.xml><?xml version="1.0" encoding="utf-8"?>
+<p:sld xmlns:a="http://schemas.openxmlformats.org/drawingml/2006/main" xmlns:r="http://schemas.openxmlformats.org/officeDocument/2006/relationships" xmlns:p="http://schemas.openxmlformats.org/presentationml/2006/main">
+  <p:cSld>
+    <p:spTree>
+      <p:nvGrpSpPr>
+        <p:cNvPr id="1" name=""/>
+        <p:cNvGrpSpPr/>
+        <p:nvPr/>
+      </p:nvGrpSpPr>
+      <p:grpSpPr>
+        <a:xfrm>
+          <a:off x="0" y="0"/>
+          <a:ext cx="0" cy="0"/>
+          <a:chOff x="0" y="0"/>
+          <a:chExt cx="0" cy="0"/>
+        </a:xfrm>
+      </p:grpSpPr>
+      <p:sp>
+        <p:nvSpPr>
+          <p:cNvPr id="2" name="Cube 1">
+            <a:extLst>
+              <a:ext uri="{FF2B5EF4-FFF2-40B4-BE49-F238E27FC236}">
+                <a16:creationId xmlns:a16="http://schemas.microsoft.com/office/drawing/2014/main" id="{4D51D390-CE44-52B7-224E-02F1F4FF0D6F}"/>
+              </a:ext>
+            </a:extLst>
+          </p:cNvPr>
+          <p:cNvSpPr/>
+          <p:nvPr/>
+        </p:nvSpPr>
+        <p:spPr>
+          <a:xfrm>
+            <a:off x="6568751" y="1175657"/>
+            <a:ext cx="3470988" cy="3610947"/>
+          </a:xfrm>
+          <a:prstGeom prst="cube">
+            <a:avLst>
+              <a:gd name="adj" fmla="val 12903"/>
+            </a:avLst>
+          </a:prstGeom>
+        </p:spPr>
+        <p:style>
+          <a:lnRef idx="1">
+            <a:schemeClr val="accent4"/>
+          </a:lnRef>
+          <a:fillRef idx="3">
+            <a:schemeClr val="accent4"/>
+          </a:fillRef>
+          <a:effectRef idx="2">
+            <a:schemeClr val="accent4"/>
+          </a:effectRef>
+          <a:fontRef idx="minor">
+            <a:schemeClr val="lt1"/>
+          </a:fontRef>
+        </p:style>
+        <p:txBody>
+          <a:bodyPr rtlCol="0" anchor="ctr"/>
+          <a:lstStyle/>
+          <a:p>
+            <a:pPr algn="ctr"/>
+            <a:endParaRPr lang="en-US"/>
+          </a:p>
+        </p:txBody>
+      </p:sp>
+      <p:sp>
+        <p:nvSpPr>
+          <p:cNvPr id="3" name="TextBox 2">
+            <a:extLst>
+              <a:ext uri="{FF2B5EF4-FFF2-40B4-BE49-F238E27FC236}">
+                <a16:creationId xmlns:a16="http://schemas.microsoft.com/office/drawing/2014/main" id="{3824F901-8328-6B4A-1B15-F94E27D9B77C}"/>
+              </a:ext>
+            </a:extLst>
+          </p:cNvPr>
+          <p:cNvSpPr txBox="1"/>
+          <p:nvPr/>
+        </p:nvSpPr>
+        <p:spPr>
+          <a:xfrm>
+            <a:off x="6764694" y="298580"/>
+            <a:ext cx="3331028" cy="369332"/>
+          </a:xfrm>
+          <a:prstGeom prst="rect">
+            <a:avLst/>
+          </a:prstGeom>
+          <a:noFill/>
+        </p:spPr>
+        <p:txBody>
+          <a:bodyPr wrap="square" rtlCol="0">
+            <a:spAutoFit/>
+          </a:bodyPr>
+          <a:lstStyle/>
+          <a:p>
+            <a:pPr algn="ctr"/>
+            <a:r>
+              <a:rPr lang="en-US" b="1" dirty="0"/>
+              <a:t>CPU </a:t>
+            </a:r>
+            <a:r>
+              <a:rPr lang="en-US" b="1" dirty="0" err="1"/>
+              <a:t>Cabinate</a:t>
+            </a:r>
+            <a:endParaRPr lang="en-US" b="1" dirty="0"/>
+          </a:p>
+        </p:txBody>
+      </p:sp>
+      <p:sp>
+        <p:nvSpPr>
+          <p:cNvPr id="5" name="Flowchart: Magnetic Disk 4">
+            <a:extLst>
+              <a:ext uri="{FF2B5EF4-FFF2-40B4-BE49-F238E27FC236}">
+                <a16:creationId xmlns:a16="http://schemas.microsoft.com/office/drawing/2014/main" id="{595767C6-2B5F-0869-AC63-6944C2413CC9}"/>
+              </a:ext>
+            </a:extLst>
+          </p:cNvPr>
+          <p:cNvSpPr/>
+          <p:nvPr/>
+        </p:nvSpPr>
+        <p:spPr>
+          <a:xfrm rot="5400000">
+            <a:off x="5373266" y="2898321"/>
+            <a:ext cx="1931437" cy="851419"/>
+          </a:xfrm>
+          <a:prstGeom prst="flowChartMagneticDisk">
+            <a:avLst/>
+          </a:prstGeom>
+        </p:spPr>
+        <p:style>
+          <a:lnRef idx="2">
+            <a:schemeClr val="accent1">
+              <a:shade val="50000"/>
+            </a:schemeClr>
+          </a:lnRef>
+          <a:fillRef idx="1">
+            <a:schemeClr val="accent1"/>
+          </a:fillRef>
+          <a:effectRef idx="0">
+            <a:schemeClr val="accent1"/>
+          </a:effectRef>
+          <a:fontRef idx="minor">
+            <a:schemeClr val="lt1"/>
+          </a:fontRef>
+        </p:style>
+        <p:txBody>
+          <a:bodyPr rtlCol="0" anchor="ctr"/>
+          <a:lstStyle/>
+          <a:p>
+            <a:pPr algn="ctr"/>
+            <a:endParaRPr lang="en-US" dirty="0"/>
+          </a:p>
+        </p:txBody>
+      </p:sp>
+      <p:sp>
+        <p:nvSpPr>
+          <p:cNvPr id="6" name="TextBox 5">
+            <a:extLst>
+              <a:ext uri="{FF2B5EF4-FFF2-40B4-BE49-F238E27FC236}">
+                <a16:creationId xmlns:a16="http://schemas.microsoft.com/office/drawing/2014/main" id="{57A015E7-9075-0435-8BAF-2A3B440476EE}"/>
+              </a:ext>
+            </a:extLst>
+          </p:cNvPr>
+          <p:cNvSpPr txBox="1"/>
+          <p:nvPr/>
+        </p:nvSpPr>
+        <p:spPr>
+          <a:xfrm>
+            <a:off x="6466115" y="3068998"/>
+            <a:ext cx="1390261" cy="369332"/>
+          </a:xfrm>
+          <a:prstGeom prst="rect">
+            <a:avLst/>
+          </a:prstGeom>
+          <a:noFill/>
+        </p:spPr>
+        <p:txBody>
+          <a:bodyPr wrap="square" rtlCol="0">
+            <a:spAutoFit/>
+          </a:bodyPr>
+          <a:lstStyle/>
+          <a:p>
+            <a:pPr algn="ctr"/>
+            <a:r>
+              <a:rPr lang="en-US" b="1" dirty="0"/>
+              <a:t>USB Socket</a:t>
+            </a:r>
+          </a:p>
+        </p:txBody>
+      </p:sp>
+      <p:sp>
+        <p:nvSpPr>
+          <p:cNvPr id="7" name="Rectangle: Rounded Corners 6">
+            <a:extLst>
+              <a:ext uri="{FF2B5EF4-FFF2-40B4-BE49-F238E27FC236}">
+                <a16:creationId xmlns:a16="http://schemas.microsoft.com/office/drawing/2014/main" id="{8A15CDD1-AF50-2814-9AC2-AC9F2EDD2401}"/>
+              </a:ext>
+            </a:extLst>
+          </p:cNvPr>
+          <p:cNvSpPr/>
+          <p:nvPr/>
+        </p:nvSpPr>
+        <p:spPr>
+          <a:xfrm>
+            <a:off x="690465" y="765110"/>
+            <a:ext cx="1427584" cy="867747"/>
+          </a:xfrm>
+          <a:prstGeom prst="roundRect">
+            <a:avLst/>
+          </a:prstGeom>
+        </p:spPr>
+        <p:style>
+          <a:lnRef idx="2">
+            <a:schemeClr val="accent1">
+              <a:shade val="50000"/>
+            </a:schemeClr>
+          </a:lnRef>
+          <a:fillRef idx="1">
+            <a:schemeClr val="accent1"/>
+          </a:fillRef>
+          <a:effectRef idx="0">
+            <a:schemeClr val="accent1"/>
+          </a:effectRef>
+          <a:fontRef idx="minor">
+            <a:schemeClr val="lt1"/>
+          </a:fontRef>
+        </p:style>
+        <p:txBody>
+          <a:bodyPr rtlCol="0" anchor="ctr"/>
+          <a:lstStyle/>
+          <a:p>
+            <a:pPr algn="ctr"/>
+            <a:r>
+              <a:rPr lang="en-US" dirty="0"/>
+              <a:t>USB Hard Disk</a:t>
+            </a:r>
+          </a:p>
+        </p:txBody>
+      </p:sp>
+      <p:sp>
+        <p:nvSpPr>
+          <p:cNvPr id="8" name="Rectangle: Rounded Corners 7">
+            <a:extLst>
+              <a:ext uri="{FF2B5EF4-FFF2-40B4-BE49-F238E27FC236}">
+                <a16:creationId xmlns:a16="http://schemas.microsoft.com/office/drawing/2014/main" id="{0811524D-3B28-2079-799E-C8A665F18DC3}"/>
+              </a:ext>
+            </a:extLst>
+          </p:cNvPr>
+          <p:cNvSpPr/>
+          <p:nvPr/>
+        </p:nvSpPr>
+        <p:spPr>
+          <a:xfrm>
+            <a:off x="696684" y="2126212"/>
+            <a:ext cx="1427584" cy="867747"/>
+          </a:xfrm>
+          <a:prstGeom prst="roundRect">
+            <a:avLst/>
+          </a:prstGeom>
+        </p:spPr>
+        <p:style>
+          <a:lnRef idx="2">
+            <a:schemeClr val="accent1">
+              <a:shade val="50000"/>
+            </a:schemeClr>
+          </a:lnRef>
+          <a:fillRef idx="1">
+            <a:schemeClr val="accent1"/>
+          </a:fillRef>
+          <a:effectRef idx="0">
+            <a:schemeClr val="accent1"/>
+          </a:effectRef>
+          <a:fontRef idx="minor">
+            <a:schemeClr val="lt1"/>
+          </a:fontRef>
+        </p:style>
+        <p:txBody>
+          <a:bodyPr rtlCol="0" anchor="ctr"/>
+          <a:lstStyle/>
+          <a:p>
+            <a:pPr algn="ctr"/>
+            <a:r>
+              <a:rPr lang="en-US" dirty="0"/>
+              <a:t>USB Pen Drive</a:t>
+            </a:r>
+          </a:p>
+        </p:txBody>
+      </p:sp>
+      <p:sp>
+        <p:nvSpPr>
+          <p:cNvPr id="9" name="Rectangle: Rounded Corners 8">
+            <a:extLst>
+              <a:ext uri="{FF2B5EF4-FFF2-40B4-BE49-F238E27FC236}">
+                <a16:creationId xmlns:a16="http://schemas.microsoft.com/office/drawing/2014/main" id="{80E4DF3E-FFEF-E04D-A12F-6E73FB553BBD}"/>
+              </a:ext>
+            </a:extLst>
+          </p:cNvPr>
+          <p:cNvSpPr/>
+          <p:nvPr/>
+        </p:nvSpPr>
+        <p:spPr>
+          <a:xfrm>
+            <a:off x="690465" y="3324030"/>
+            <a:ext cx="1427584" cy="867747"/>
+          </a:xfrm>
+          <a:prstGeom prst="roundRect">
+            <a:avLst/>
+          </a:prstGeom>
+        </p:spPr>
+        <p:style>
+          <a:lnRef idx="2">
+            <a:schemeClr val="accent1">
+              <a:shade val="50000"/>
+            </a:schemeClr>
+          </a:lnRef>
+          <a:fillRef idx="1">
+            <a:schemeClr val="accent1"/>
+          </a:fillRef>
+          <a:effectRef idx="0">
+            <a:schemeClr val="accent1"/>
+          </a:effectRef>
+          <a:fontRef idx="minor">
+            <a:schemeClr val="lt1"/>
+          </a:fontRef>
+        </p:style>
+        <p:txBody>
+          <a:bodyPr rtlCol="0" anchor="ctr"/>
+          <a:lstStyle/>
+          <a:p>
+            <a:pPr algn="ctr"/>
+            <a:r>
+              <a:rPr lang="en-US" dirty="0"/>
+              <a:t>USB Network Connection</a:t>
+            </a:r>
+          </a:p>
+        </p:txBody>
+      </p:sp>
+      <p:sp>
+        <p:nvSpPr>
+          <p:cNvPr id="10" name="Rectangle: Rounded Corners 9">
+            <a:extLst>
+              <a:ext uri="{FF2B5EF4-FFF2-40B4-BE49-F238E27FC236}">
+                <a16:creationId xmlns:a16="http://schemas.microsoft.com/office/drawing/2014/main" id="{CA75ADFD-5D18-B685-002A-9BBE7D7BA223}"/>
+              </a:ext>
+            </a:extLst>
+          </p:cNvPr>
+          <p:cNvSpPr/>
+          <p:nvPr/>
+        </p:nvSpPr>
+        <p:spPr>
+          <a:xfrm>
+            <a:off x="690465" y="4491523"/>
+            <a:ext cx="1427584" cy="867747"/>
+          </a:xfrm>
+          <a:prstGeom prst="roundRect">
+            <a:avLst/>
+          </a:prstGeom>
+        </p:spPr>
+        <p:style>
+          <a:lnRef idx="2">
+            <a:schemeClr val="accent1">
+              <a:shade val="50000"/>
+            </a:schemeClr>
+          </a:lnRef>
+          <a:fillRef idx="1">
+            <a:schemeClr val="accent1"/>
+          </a:fillRef>
+          <a:effectRef idx="0">
+            <a:schemeClr val="accent1"/>
+          </a:effectRef>
+          <a:fontRef idx="minor">
+            <a:schemeClr val="lt1"/>
+          </a:fontRef>
+        </p:style>
+        <p:txBody>
+          <a:bodyPr rtlCol="0" anchor="ctr"/>
+          <a:lstStyle/>
+          <a:p>
+            <a:pPr algn="ctr"/>
+            <a:r>
+              <a:rPr lang="en-US" dirty="0"/>
+              <a:t>USB Mouse</a:t>
+            </a:r>
+          </a:p>
+        </p:txBody>
+      </p:sp>
+      <p:sp>
+        <p:nvSpPr>
+          <p:cNvPr id="11" name="Rectangle: Rounded Corners 10">
+            <a:extLst>
+              <a:ext uri="{FF2B5EF4-FFF2-40B4-BE49-F238E27FC236}">
+                <a16:creationId xmlns:a16="http://schemas.microsoft.com/office/drawing/2014/main" id="{6CA6C476-3127-3439-A60A-2B213CEFC034}"/>
+              </a:ext>
+            </a:extLst>
+          </p:cNvPr>
+          <p:cNvSpPr/>
+          <p:nvPr/>
+        </p:nvSpPr>
+        <p:spPr>
+          <a:xfrm>
+            <a:off x="690465" y="5654350"/>
+            <a:ext cx="1427584" cy="867747"/>
+          </a:xfrm>
+          <a:prstGeom prst="roundRect">
+            <a:avLst/>
+          </a:prstGeom>
+        </p:spPr>
+        <p:style>
+          <a:lnRef idx="2">
+            <a:schemeClr val="accent1">
+              <a:shade val="50000"/>
+            </a:schemeClr>
+          </a:lnRef>
+          <a:fillRef idx="1">
+            <a:schemeClr val="accent1"/>
+          </a:fillRef>
+          <a:effectRef idx="0">
+            <a:schemeClr val="accent1"/>
+          </a:effectRef>
+          <a:fontRef idx="minor">
+            <a:schemeClr val="lt1"/>
+          </a:fontRef>
+        </p:style>
+        <p:txBody>
+          <a:bodyPr rtlCol="0" anchor="ctr"/>
+          <a:lstStyle/>
+          <a:p>
+            <a:pPr algn="ctr"/>
+            <a:r>
+              <a:rPr lang="en-US" dirty="0"/>
+              <a:t>USB Headphones</a:t>
+            </a:r>
+          </a:p>
+        </p:txBody>
+      </p:sp>
+      <p:sp>
+        <p:nvSpPr>
+          <p:cNvPr id="12" name="TextBox 11">
+            <a:extLst>
+              <a:ext uri="{FF2B5EF4-FFF2-40B4-BE49-F238E27FC236}">
+                <a16:creationId xmlns:a16="http://schemas.microsoft.com/office/drawing/2014/main" id="{653FC129-0B46-9DD9-F52D-D82EA6AA3503}"/>
+              </a:ext>
+            </a:extLst>
+          </p:cNvPr>
+          <p:cNvSpPr txBox="1"/>
+          <p:nvPr/>
+        </p:nvSpPr>
+        <p:spPr>
+          <a:xfrm>
+            <a:off x="4198775" y="5216978"/>
+            <a:ext cx="7884368" cy="1477328"/>
+          </a:xfrm>
+          <a:prstGeom prst="rect">
+            <a:avLst/>
+          </a:prstGeom>
+          <a:noFill/>
+        </p:spPr>
+        <p:txBody>
+          <a:bodyPr wrap="square" rtlCol="0">
+            <a:spAutoFit/>
+          </a:bodyPr>
+          <a:lstStyle/>
+          <a:p>
+            <a:r>
+              <a:rPr lang="en-US" b="1" dirty="0"/>
+              <a:t>All the USB Devices MUS have USB  </a:t>
+            </a:r>
+            <a:r>
+              <a:rPr lang="en-US" b="1" dirty="0" err="1"/>
+              <a:t>PlugNPlay</a:t>
+            </a:r>
+            <a:r>
+              <a:rPr lang="en-US" b="1" dirty="0"/>
+              <a:t> Connector, The USB Socker is an interface that will accept connection from various Device to machine.</a:t>
+            </a:r>
+          </a:p>
+          <a:p>
+            <a:r>
+              <a:rPr lang="en-US" b="1" dirty="0"/>
+              <a:t>If Hard-Disk and Pen Drive, then Large Data Read/Write, If USB Network Connector (</a:t>
+            </a:r>
+            <a:r>
+              <a:rPr lang="en-US" b="1" dirty="0" err="1"/>
+              <a:t>WiFi</a:t>
+            </a:r>
+            <a:r>
+              <a:rPr lang="en-US" b="1" dirty="0"/>
+              <a:t>) then Internet or Network Connection, USB Mouse then pointers, </a:t>
+            </a:r>
+            <a:r>
+              <a:rPr lang="en-US" b="1" dirty="0" err="1"/>
+              <a:t>HeadPhones</a:t>
+            </a:r>
+            <a:r>
+              <a:rPr lang="en-US" b="1" dirty="0"/>
+              <a:t> the Audio Speak/Hear </a:t>
+            </a:r>
+          </a:p>
+        </p:txBody>
+      </p:sp>
+      <p:cxnSp>
+        <p:nvCxnSpPr>
+          <p:cNvPr id="14" name="Connector: Elbow 13">
+            <a:extLst>
+              <a:ext uri="{FF2B5EF4-FFF2-40B4-BE49-F238E27FC236}">
+                <a16:creationId xmlns:a16="http://schemas.microsoft.com/office/drawing/2014/main" id="{BE15564B-92B5-C223-AF66-7F9517A12419}"/>
+              </a:ext>
+            </a:extLst>
+          </p:cNvPr>
+          <p:cNvCxnSpPr>
+            <a:stCxn id="7" idx="3"/>
+            <a:endCxn id="5" idx="3"/>
+          </p:cNvCxnSpPr>
+          <p:nvPr/>
+        </p:nvCxnSpPr>
+        <p:spPr>
+          <a:xfrm>
+            <a:off x="2118049" y="1198984"/>
+            <a:ext cx="3795226" cy="2125047"/>
+          </a:xfrm>
+          <a:prstGeom prst="bentConnector3">
+            <a:avLst/>
+          </a:prstGeom>
+          <a:ln>
+            <a:tailEnd type="triangle"/>
+          </a:ln>
+        </p:spPr>
+        <p:style>
+          <a:lnRef idx="1">
+            <a:schemeClr val="accent1"/>
+          </a:lnRef>
+          <a:fillRef idx="0">
+            <a:schemeClr val="accent1"/>
+          </a:fillRef>
+          <a:effectRef idx="0">
+            <a:schemeClr val="accent1"/>
+          </a:effectRef>
+          <a:fontRef idx="minor">
+            <a:schemeClr val="tx1"/>
+          </a:fontRef>
+        </p:style>
+      </p:cxnSp>
+      <p:cxnSp>
+        <p:nvCxnSpPr>
+          <p:cNvPr id="16" name="Connector: Elbow 15">
+            <a:extLst>
+              <a:ext uri="{FF2B5EF4-FFF2-40B4-BE49-F238E27FC236}">
+                <a16:creationId xmlns:a16="http://schemas.microsoft.com/office/drawing/2014/main" id="{B990E0BB-BD27-052D-F18C-8F02E858A1D2}"/>
+              </a:ext>
+            </a:extLst>
+          </p:cNvPr>
+          <p:cNvCxnSpPr>
+            <a:stCxn id="8" idx="3"/>
+            <a:endCxn id="5" idx="3"/>
+          </p:cNvCxnSpPr>
+          <p:nvPr/>
+        </p:nvCxnSpPr>
+        <p:spPr>
+          <a:xfrm>
+            <a:off x="2124268" y="2560086"/>
+            <a:ext cx="3789007" cy="763945"/>
+          </a:xfrm>
+          <a:prstGeom prst="bentConnector3">
+            <a:avLst/>
+          </a:prstGeom>
+          <a:ln>
+            <a:tailEnd type="triangle"/>
+          </a:ln>
+        </p:spPr>
+        <p:style>
+          <a:lnRef idx="1">
+            <a:schemeClr val="accent1"/>
+          </a:lnRef>
+          <a:fillRef idx="0">
+            <a:schemeClr val="accent1"/>
+          </a:fillRef>
+          <a:effectRef idx="0">
+            <a:schemeClr val="accent1"/>
+          </a:effectRef>
+          <a:fontRef idx="minor">
+            <a:schemeClr val="tx1"/>
+          </a:fontRef>
+        </p:style>
+      </p:cxnSp>
+      <p:cxnSp>
+        <p:nvCxnSpPr>
+          <p:cNvPr id="18" name="Connector: Elbow 17">
+            <a:extLst>
+              <a:ext uri="{FF2B5EF4-FFF2-40B4-BE49-F238E27FC236}">
+                <a16:creationId xmlns:a16="http://schemas.microsoft.com/office/drawing/2014/main" id="{8AD15DBE-E701-1AEC-F89A-440BBA944E41}"/>
+              </a:ext>
+            </a:extLst>
+          </p:cNvPr>
+          <p:cNvCxnSpPr>
+            <a:stCxn id="9" idx="3"/>
+            <a:endCxn id="5" idx="3"/>
+          </p:cNvCxnSpPr>
+          <p:nvPr/>
+        </p:nvCxnSpPr>
+        <p:spPr>
+          <a:xfrm flipV="1">
+            <a:off x="2118049" y="3324031"/>
+            <a:ext cx="3795226" cy="433873"/>
+          </a:xfrm>
+          <a:prstGeom prst="bentConnector3">
+            <a:avLst/>
+          </a:prstGeom>
+          <a:ln>
+            <a:tailEnd type="triangle"/>
+          </a:ln>
+        </p:spPr>
+        <p:style>
+          <a:lnRef idx="1">
+            <a:schemeClr val="accent1"/>
+          </a:lnRef>
+          <a:fillRef idx="0">
+            <a:schemeClr val="accent1"/>
+          </a:fillRef>
+          <a:effectRef idx="0">
+            <a:schemeClr val="accent1"/>
+          </a:effectRef>
+          <a:fontRef idx="minor">
+            <a:schemeClr val="tx1"/>
+          </a:fontRef>
+        </p:style>
+      </p:cxnSp>
+      <p:cxnSp>
+        <p:nvCxnSpPr>
+          <p:cNvPr id="20" name="Connector: Elbow 19">
+            <a:extLst>
+              <a:ext uri="{FF2B5EF4-FFF2-40B4-BE49-F238E27FC236}">
+                <a16:creationId xmlns:a16="http://schemas.microsoft.com/office/drawing/2014/main" id="{23946B43-6EB4-56D6-E072-7B9E8F88A36B}"/>
+              </a:ext>
+            </a:extLst>
+          </p:cNvPr>
+          <p:cNvCxnSpPr>
+            <a:stCxn id="10" idx="3"/>
+            <a:endCxn id="5" idx="3"/>
+          </p:cNvCxnSpPr>
+          <p:nvPr/>
+        </p:nvCxnSpPr>
+        <p:spPr>
+          <a:xfrm flipV="1">
+            <a:off x="2118049" y="3324031"/>
+            <a:ext cx="3795226" cy="1601366"/>
+          </a:xfrm>
+          <a:prstGeom prst="bentConnector3">
+            <a:avLst/>
+          </a:prstGeom>
+          <a:ln>
+            <a:tailEnd type="triangle"/>
+          </a:ln>
+        </p:spPr>
+        <p:style>
+          <a:lnRef idx="1">
+            <a:schemeClr val="accent1"/>
+          </a:lnRef>
+          <a:fillRef idx="0">
+            <a:schemeClr val="accent1"/>
+          </a:fillRef>
+          <a:effectRef idx="0">
+            <a:schemeClr val="accent1"/>
+          </a:effectRef>
+          <a:fontRef idx="minor">
+            <a:schemeClr val="tx1"/>
+          </a:fontRef>
+        </p:style>
+      </p:cxnSp>
+      <p:cxnSp>
+        <p:nvCxnSpPr>
+          <p:cNvPr id="22" name="Connector: Elbow 21">
+            <a:extLst>
+              <a:ext uri="{FF2B5EF4-FFF2-40B4-BE49-F238E27FC236}">
+                <a16:creationId xmlns:a16="http://schemas.microsoft.com/office/drawing/2014/main" id="{3A9F3F96-30F9-6985-3E07-4E29D323F3F1}"/>
+              </a:ext>
+            </a:extLst>
+          </p:cNvPr>
+          <p:cNvCxnSpPr>
+            <a:stCxn id="11" idx="3"/>
+            <a:endCxn id="5" idx="3"/>
+          </p:cNvCxnSpPr>
+          <p:nvPr/>
+        </p:nvCxnSpPr>
+        <p:spPr>
+          <a:xfrm flipV="1">
+            <a:off x="2118049" y="3324031"/>
+            <a:ext cx="3795226" cy="2764193"/>
+          </a:xfrm>
+          <a:prstGeom prst="bentConnector3">
+            <a:avLst/>
+          </a:prstGeom>
+          <a:ln>
+            <a:tailEnd type="triangle"/>
+          </a:ln>
+        </p:spPr>
+        <p:style>
+          <a:lnRef idx="1">
+            <a:schemeClr val="accent1"/>
+          </a:lnRef>
+          <a:fillRef idx="0">
+            <a:schemeClr val="accent1"/>
+          </a:fillRef>
+          <a:effectRef idx="0">
+            <a:schemeClr val="accent1"/>
+          </a:effectRef>
+          <a:fontRef idx="minor">
+            <a:schemeClr val="tx1"/>
+          </a:fontRef>
+        </p:style>
+      </p:cxnSp>
+      <p:sp>
+        <p:nvSpPr>
+          <p:cNvPr id="23" name="TextBox 22">
+            <a:extLst>
+              <a:ext uri="{FF2B5EF4-FFF2-40B4-BE49-F238E27FC236}">
+                <a16:creationId xmlns:a16="http://schemas.microsoft.com/office/drawing/2014/main" id="{EC27B5B5-2504-CAB5-97DE-EBCF05F0F1C7}"/>
+              </a:ext>
+            </a:extLst>
+          </p:cNvPr>
+          <p:cNvSpPr txBox="1"/>
+          <p:nvPr/>
+        </p:nvSpPr>
+        <p:spPr>
+          <a:xfrm>
+            <a:off x="4329404" y="1901505"/>
+            <a:ext cx="2239347" cy="369332"/>
+          </a:xfrm>
+          <a:prstGeom prst="rect">
+            <a:avLst/>
+          </a:prstGeom>
+          <a:noFill/>
+        </p:spPr>
+        <p:txBody>
+          <a:bodyPr wrap="square" rtlCol="0">
+            <a:spAutoFit/>
+          </a:bodyPr>
+          <a:lstStyle/>
+          <a:p>
+            <a:r>
+              <a:rPr lang="en-US" dirty="0" err="1"/>
+              <a:t>AcceptConnection</a:t>
+            </a:r>
+            <a:r>
+              <a:rPr lang="en-US" dirty="0"/>
+              <a:t>()</a:t>
+            </a:r>
+          </a:p>
+        </p:txBody>
+      </p:sp>
+    </p:spTree>
+    <p:extLst>
+      <p:ext uri="{BB962C8B-B14F-4D97-AF65-F5344CB8AC3E}">
+        <p14:creationId xmlns:p14="http://schemas.microsoft.com/office/powerpoint/2010/main" val="3462436724"/>
       </p:ext>
     </p:extLst>
   </p:cSld>

--- a/Training_Images.pptx
+++ b/Training_Images.pptx
@@ -5439,7 +5439,7 @@
                     <a:bodyPr/>
                     <a:lstStyle/>
                     <a:p>
-                      <a:endParaRPr lang="en-US"/>
+                      <a:endParaRPr lang="en-US" dirty="0"/>
                     </a:p>
                   </a:txBody>
                   <a:tcPr/>
@@ -5668,6 +5668,574 @@
             <a:avLst>
               <a:gd name="adj1" fmla="val -58801"/>
             </a:avLst>
+          </a:prstGeom>
+          <a:ln>
+            <a:tailEnd type="triangle"/>
+          </a:ln>
+        </p:spPr>
+        <p:style>
+          <a:lnRef idx="1">
+            <a:schemeClr val="accent1"/>
+          </a:lnRef>
+          <a:fillRef idx="0">
+            <a:schemeClr val="accent1"/>
+          </a:fillRef>
+          <a:effectRef idx="0">
+            <a:schemeClr val="accent1"/>
+          </a:effectRef>
+          <a:fontRef idx="minor">
+            <a:schemeClr val="tx1"/>
+          </a:fontRef>
+        </p:style>
+      </p:cxnSp>
+      <p:graphicFrame>
+        <p:nvGraphicFramePr>
+          <p:cNvPr id="31" name="Table 31">
+            <a:extLst>
+              <a:ext uri="{FF2B5EF4-FFF2-40B4-BE49-F238E27FC236}">
+                <a16:creationId xmlns:a16="http://schemas.microsoft.com/office/drawing/2014/main" id="{A6DD50A0-3198-5EEF-6F74-D9C78201C8DD}"/>
+              </a:ext>
+            </a:extLst>
+          </p:cNvPr>
+          <p:cNvGraphicFramePr>
+            <a:graphicFrameLocks noGrp="1"/>
+          </p:cNvGraphicFramePr>
+          <p:nvPr>
+            <p:extLst>
+              <p:ext uri="{D42A27DB-BD31-4B8C-83A1-F6EECF244321}">
+                <p14:modId xmlns:p14="http://schemas.microsoft.com/office/powerpoint/2010/main" val="4186609077"/>
+              </p:ext>
+            </p:extLst>
+          </p:nvPr>
+        </p:nvGraphicFramePr>
+        <p:xfrm>
+          <a:off x="145793" y="3938384"/>
+          <a:ext cx="1650740" cy="1097280"/>
+        </p:xfrm>
+        <a:graphic>
+          <a:graphicData uri="http://schemas.openxmlformats.org/drawingml/2006/table">
+            <a:tbl>
+              <a:tblPr firstRow="1" bandRow="1">
+                <a:tableStyleId>{5C22544A-7EE6-4342-B048-85BDC9FD1C3A}</a:tableStyleId>
+              </a:tblPr>
+              <a:tblGrid>
+                <a:gridCol w="330148">
+                  <a:extLst>
+                    <a:ext uri="{9D8B030D-6E8A-4147-A177-3AD203B41FA5}">
+                      <a16:colId xmlns:a16="http://schemas.microsoft.com/office/drawing/2014/main" val="4143298878"/>
+                    </a:ext>
+                  </a:extLst>
+                </a:gridCol>
+                <a:gridCol w="330148">
+                  <a:extLst>
+                    <a:ext uri="{9D8B030D-6E8A-4147-A177-3AD203B41FA5}">
+                      <a16:colId xmlns:a16="http://schemas.microsoft.com/office/drawing/2014/main" val="494456705"/>
+                    </a:ext>
+                  </a:extLst>
+                </a:gridCol>
+                <a:gridCol w="330148">
+                  <a:extLst>
+                    <a:ext uri="{9D8B030D-6E8A-4147-A177-3AD203B41FA5}">
+                      <a16:colId xmlns:a16="http://schemas.microsoft.com/office/drawing/2014/main" val="1223086750"/>
+                    </a:ext>
+                  </a:extLst>
+                </a:gridCol>
+                <a:gridCol w="330148">
+                  <a:extLst>
+                    <a:ext uri="{9D8B030D-6E8A-4147-A177-3AD203B41FA5}">
+                      <a16:colId xmlns:a16="http://schemas.microsoft.com/office/drawing/2014/main" val="3892078761"/>
+                    </a:ext>
+                  </a:extLst>
+                </a:gridCol>
+                <a:gridCol w="330148">
+                  <a:extLst>
+                    <a:ext uri="{9D8B030D-6E8A-4147-A177-3AD203B41FA5}">
+                      <a16:colId xmlns:a16="http://schemas.microsoft.com/office/drawing/2014/main" val="3608969749"/>
+                    </a:ext>
+                  </a:extLst>
+                </a:gridCol>
+              </a:tblGrid>
+              <a:tr h="261995">
+                <a:tc>
+                  <a:txBody>
+                    <a:bodyPr/>
+                    <a:lstStyle/>
+                    <a:p>
+                      <a:endParaRPr lang="en-US"/>
+                    </a:p>
+                  </a:txBody>
+                  <a:tcPr/>
+                </a:tc>
+                <a:tc>
+                  <a:txBody>
+                    <a:bodyPr/>
+                    <a:lstStyle/>
+                    <a:p>
+                      <a:endParaRPr lang="en-US"/>
+                    </a:p>
+                  </a:txBody>
+                  <a:tcPr/>
+                </a:tc>
+                <a:tc>
+                  <a:txBody>
+                    <a:bodyPr/>
+                    <a:lstStyle/>
+                    <a:p>
+                      <a:endParaRPr lang="en-US"/>
+                    </a:p>
+                  </a:txBody>
+                  <a:tcPr/>
+                </a:tc>
+                <a:tc>
+                  <a:txBody>
+                    <a:bodyPr/>
+                    <a:lstStyle/>
+                    <a:p>
+                      <a:endParaRPr lang="en-US"/>
+                    </a:p>
+                  </a:txBody>
+                  <a:tcPr/>
+                </a:tc>
+                <a:tc>
+                  <a:txBody>
+                    <a:bodyPr/>
+                    <a:lstStyle/>
+                    <a:p>
+                      <a:endParaRPr lang="en-US"/>
+                    </a:p>
+                  </a:txBody>
+                  <a:tcPr/>
+                </a:tc>
+                <a:extLst>
+                  <a:ext uri="{0D108BD9-81ED-4DB2-BD59-A6C34878D82A}">
+                    <a16:rowId xmlns:a16="http://schemas.microsoft.com/office/drawing/2014/main" val="2148707605"/>
+                  </a:ext>
+                </a:extLst>
+              </a:tr>
+              <a:tr h="261995">
+                <a:tc>
+                  <a:txBody>
+                    <a:bodyPr/>
+                    <a:lstStyle/>
+                    <a:p>
+                      <a:endParaRPr lang="en-US"/>
+                    </a:p>
+                  </a:txBody>
+                  <a:tcPr/>
+                </a:tc>
+                <a:tc>
+                  <a:txBody>
+                    <a:bodyPr/>
+                    <a:lstStyle/>
+                    <a:p>
+                      <a:endParaRPr lang="en-US"/>
+                    </a:p>
+                  </a:txBody>
+                  <a:tcPr/>
+                </a:tc>
+                <a:tc>
+                  <a:txBody>
+                    <a:bodyPr/>
+                    <a:lstStyle/>
+                    <a:p>
+                      <a:endParaRPr lang="en-US" dirty="0"/>
+                    </a:p>
+                  </a:txBody>
+                  <a:tcPr/>
+                </a:tc>
+                <a:tc>
+                  <a:txBody>
+                    <a:bodyPr/>
+                    <a:lstStyle/>
+                    <a:p>
+                      <a:endParaRPr lang="en-US"/>
+                    </a:p>
+                  </a:txBody>
+                  <a:tcPr/>
+                </a:tc>
+                <a:tc>
+                  <a:txBody>
+                    <a:bodyPr/>
+                    <a:lstStyle/>
+                    <a:p>
+                      <a:endParaRPr lang="en-US"/>
+                    </a:p>
+                  </a:txBody>
+                  <a:tcPr/>
+                </a:tc>
+                <a:extLst>
+                  <a:ext uri="{0D108BD9-81ED-4DB2-BD59-A6C34878D82A}">
+                    <a16:rowId xmlns:a16="http://schemas.microsoft.com/office/drawing/2014/main" val="772263288"/>
+                  </a:ext>
+                </a:extLst>
+              </a:tr>
+              <a:tr h="261995">
+                <a:tc>
+                  <a:txBody>
+                    <a:bodyPr/>
+                    <a:lstStyle/>
+                    <a:p>
+                      <a:endParaRPr lang="en-US"/>
+                    </a:p>
+                  </a:txBody>
+                  <a:tcPr/>
+                </a:tc>
+                <a:tc>
+                  <a:txBody>
+                    <a:bodyPr/>
+                    <a:lstStyle/>
+                    <a:p>
+                      <a:endParaRPr lang="en-US"/>
+                    </a:p>
+                  </a:txBody>
+                  <a:tcPr/>
+                </a:tc>
+                <a:tc>
+                  <a:txBody>
+                    <a:bodyPr/>
+                    <a:lstStyle/>
+                    <a:p>
+                      <a:endParaRPr lang="en-US"/>
+                    </a:p>
+                  </a:txBody>
+                  <a:tcPr/>
+                </a:tc>
+                <a:tc>
+                  <a:txBody>
+                    <a:bodyPr/>
+                    <a:lstStyle/>
+                    <a:p>
+                      <a:endParaRPr lang="en-US"/>
+                    </a:p>
+                  </a:txBody>
+                  <a:tcPr/>
+                </a:tc>
+                <a:tc>
+                  <a:txBody>
+                    <a:bodyPr/>
+                    <a:lstStyle/>
+                    <a:p>
+                      <a:endParaRPr lang="en-US" dirty="0"/>
+                    </a:p>
+                  </a:txBody>
+                  <a:tcPr/>
+                </a:tc>
+                <a:extLst>
+                  <a:ext uri="{0D108BD9-81ED-4DB2-BD59-A6C34878D82A}">
+                    <a16:rowId xmlns:a16="http://schemas.microsoft.com/office/drawing/2014/main" val="1579427236"/>
+                  </a:ext>
+                </a:extLst>
+              </a:tr>
+            </a:tbl>
+          </a:graphicData>
+        </a:graphic>
+      </p:graphicFrame>
+      <p:graphicFrame>
+        <p:nvGraphicFramePr>
+          <p:cNvPr id="32" name="Table 31">
+            <a:extLst>
+              <a:ext uri="{FF2B5EF4-FFF2-40B4-BE49-F238E27FC236}">
+                <a16:creationId xmlns:a16="http://schemas.microsoft.com/office/drawing/2014/main" id="{3349E108-0555-1807-7D27-462F3EB848CB}"/>
+              </a:ext>
+            </a:extLst>
+          </p:cNvPr>
+          <p:cNvGraphicFramePr>
+            <a:graphicFrameLocks noGrp="1"/>
+          </p:cNvGraphicFramePr>
+          <p:nvPr>
+            <p:extLst>
+              <p:ext uri="{D42A27DB-BD31-4B8C-83A1-F6EECF244321}">
+                <p14:modId xmlns:p14="http://schemas.microsoft.com/office/powerpoint/2010/main" val="1231162784"/>
+              </p:ext>
+            </p:extLst>
+          </p:nvPr>
+        </p:nvGraphicFramePr>
+        <p:xfrm>
+          <a:off x="131409" y="5734206"/>
+          <a:ext cx="1650740" cy="1097280"/>
+        </p:xfrm>
+        <a:graphic>
+          <a:graphicData uri="http://schemas.openxmlformats.org/drawingml/2006/table">
+            <a:tbl>
+              <a:tblPr firstRow="1" bandRow="1">
+                <a:tableStyleId>{5C22544A-7EE6-4342-B048-85BDC9FD1C3A}</a:tableStyleId>
+              </a:tblPr>
+              <a:tblGrid>
+                <a:gridCol w="330148">
+                  <a:extLst>
+                    <a:ext uri="{9D8B030D-6E8A-4147-A177-3AD203B41FA5}">
+                      <a16:colId xmlns:a16="http://schemas.microsoft.com/office/drawing/2014/main" val="4143298878"/>
+                    </a:ext>
+                  </a:extLst>
+                </a:gridCol>
+                <a:gridCol w="330148">
+                  <a:extLst>
+                    <a:ext uri="{9D8B030D-6E8A-4147-A177-3AD203B41FA5}">
+                      <a16:colId xmlns:a16="http://schemas.microsoft.com/office/drawing/2014/main" val="494456705"/>
+                    </a:ext>
+                  </a:extLst>
+                </a:gridCol>
+                <a:gridCol w="330148">
+                  <a:extLst>
+                    <a:ext uri="{9D8B030D-6E8A-4147-A177-3AD203B41FA5}">
+                      <a16:colId xmlns:a16="http://schemas.microsoft.com/office/drawing/2014/main" val="1223086750"/>
+                    </a:ext>
+                  </a:extLst>
+                </a:gridCol>
+                <a:gridCol w="330148">
+                  <a:extLst>
+                    <a:ext uri="{9D8B030D-6E8A-4147-A177-3AD203B41FA5}">
+                      <a16:colId xmlns:a16="http://schemas.microsoft.com/office/drawing/2014/main" val="3892078761"/>
+                    </a:ext>
+                  </a:extLst>
+                </a:gridCol>
+                <a:gridCol w="330148">
+                  <a:extLst>
+                    <a:ext uri="{9D8B030D-6E8A-4147-A177-3AD203B41FA5}">
+                      <a16:colId xmlns:a16="http://schemas.microsoft.com/office/drawing/2014/main" val="3608969749"/>
+                    </a:ext>
+                  </a:extLst>
+                </a:gridCol>
+              </a:tblGrid>
+              <a:tr h="261995">
+                <a:tc>
+                  <a:txBody>
+                    <a:bodyPr/>
+                    <a:lstStyle/>
+                    <a:p>
+                      <a:endParaRPr lang="en-US"/>
+                    </a:p>
+                  </a:txBody>
+                  <a:tcPr/>
+                </a:tc>
+                <a:tc>
+                  <a:txBody>
+                    <a:bodyPr/>
+                    <a:lstStyle/>
+                    <a:p>
+                      <a:endParaRPr lang="en-US"/>
+                    </a:p>
+                  </a:txBody>
+                  <a:tcPr/>
+                </a:tc>
+                <a:tc>
+                  <a:txBody>
+                    <a:bodyPr/>
+                    <a:lstStyle/>
+                    <a:p>
+                      <a:endParaRPr lang="en-US" dirty="0"/>
+                    </a:p>
+                  </a:txBody>
+                  <a:tcPr/>
+                </a:tc>
+                <a:tc>
+                  <a:txBody>
+                    <a:bodyPr/>
+                    <a:lstStyle/>
+                    <a:p>
+                      <a:endParaRPr lang="en-US"/>
+                    </a:p>
+                  </a:txBody>
+                  <a:tcPr/>
+                </a:tc>
+                <a:tc>
+                  <a:txBody>
+                    <a:bodyPr/>
+                    <a:lstStyle/>
+                    <a:p>
+                      <a:endParaRPr lang="en-US"/>
+                    </a:p>
+                  </a:txBody>
+                  <a:tcPr/>
+                </a:tc>
+                <a:extLst>
+                  <a:ext uri="{0D108BD9-81ED-4DB2-BD59-A6C34878D82A}">
+                    <a16:rowId xmlns:a16="http://schemas.microsoft.com/office/drawing/2014/main" val="2148707605"/>
+                  </a:ext>
+                </a:extLst>
+              </a:tr>
+              <a:tr h="261995">
+                <a:tc>
+                  <a:txBody>
+                    <a:bodyPr/>
+                    <a:lstStyle/>
+                    <a:p>
+                      <a:endParaRPr lang="en-US"/>
+                    </a:p>
+                  </a:txBody>
+                  <a:tcPr/>
+                </a:tc>
+                <a:tc>
+                  <a:txBody>
+                    <a:bodyPr/>
+                    <a:lstStyle/>
+                    <a:p>
+                      <a:endParaRPr lang="en-US"/>
+                    </a:p>
+                  </a:txBody>
+                  <a:tcPr/>
+                </a:tc>
+                <a:tc>
+                  <a:txBody>
+                    <a:bodyPr/>
+                    <a:lstStyle/>
+                    <a:p>
+                      <a:endParaRPr lang="en-US"/>
+                    </a:p>
+                  </a:txBody>
+                  <a:tcPr/>
+                </a:tc>
+                <a:tc>
+                  <a:txBody>
+                    <a:bodyPr/>
+                    <a:lstStyle/>
+                    <a:p>
+                      <a:endParaRPr lang="en-US"/>
+                    </a:p>
+                  </a:txBody>
+                  <a:tcPr/>
+                </a:tc>
+                <a:tc>
+                  <a:txBody>
+                    <a:bodyPr/>
+                    <a:lstStyle/>
+                    <a:p>
+                      <a:endParaRPr lang="en-US"/>
+                    </a:p>
+                  </a:txBody>
+                  <a:tcPr/>
+                </a:tc>
+                <a:extLst>
+                  <a:ext uri="{0D108BD9-81ED-4DB2-BD59-A6C34878D82A}">
+                    <a16:rowId xmlns:a16="http://schemas.microsoft.com/office/drawing/2014/main" val="772263288"/>
+                  </a:ext>
+                </a:extLst>
+              </a:tr>
+              <a:tr h="261995">
+                <a:tc>
+                  <a:txBody>
+                    <a:bodyPr/>
+                    <a:lstStyle/>
+                    <a:p>
+                      <a:endParaRPr lang="en-US"/>
+                    </a:p>
+                  </a:txBody>
+                  <a:tcPr/>
+                </a:tc>
+                <a:tc>
+                  <a:txBody>
+                    <a:bodyPr/>
+                    <a:lstStyle/>
+                    <a:p>
+                      <a:endParaRPr lang="en-US"/>
+                    </a:p>
+                  </a:txBody>
+                  <a:tcPr/>
+                </a:tc>
+                <a:tc>
+                  <a:txBody>
+                    <a:bodyPr/>
+                    <a:lstStyle/>
+                    <a:p>
+                      <a:endParaRPr lang="en-US"/>
+                    </a:p>
+                  </a:txBody>
+                  <a:tcPr/>
+                </a:tc>
+                <a:tc>
+                  <a:txBody>
+                    <a:bodyPr/>
+                    <a:lstStyle/>
+                    <a:p>
+                      <a:endParaRPr lang="en-US"/>
+                    </a:p>
+                  </a:txBody>
+                  <a:tcPr/>
+                </a:tc>
+                <a:tc>
+                  <a:txBody>
+                    <a:bodyPr/>
+                    <a:lstStyle/>
+                    <a:p>
+                      <a:endParaRPr lang="en-US" dirty="0"/>
+                    </a:p>
+                  </a:txBody>
+                  <a:tcPr/>
+                </a:tc>
+                <a:extLst>
+                  <a:ext uri="{0D108BD9-81ED-4DB2-BD59-A6C34878D82A}">
+                    <a16:rowId xmlns:a16="http://schemas.microsoft.com/office/drawing/2014/main" val="1579427236"/>
+                  </a:ext>
+                </a:extLst>
+              </a:tr>
+            </a:tbl>
+          </a:graphicData>
+        </a:graphic>
+      </p:graphicFrame>
+      <p:cxnSp>
+        <p:nvCxnSpPr>
+          <p:cNvPr id="34" name="Connector: Elbow 33">
+            <a:extLst>
+              <a:ext uri="{FF2B5EF4-FFF2-40B4-BE49-F238E27FC236}">
+                <a16:creationId xmlns:a16="http://schemas.microsoft.com/office/drawing/2014/main" id="{1BEB9F2B-C261-B255-6CD6-C762944A81A3}"/>
+              </a:ext>
+            </a:extLst>
+          </p:cNvPr>
+          <p:cNvCxnSpPr>
+            <a:stCxn id="19" idx="1"/>
+            <a:endCxn id="31" idx="3"/>
+          </p:cNvCxnSpPr>
+          <p:nvPr/>
+        </p:nvCxnSpPr>
+        <p:spPr>
+          <a:xfrm rot="10800000">
+            <a:off x="1796533" y="4487025"/>
+            <a:ext cx="1133280" cy="1553561"/>
+          </a:xfrm>
+          <a:prstGeom prst="bentConnector3">
+            <a:avLst/>
+          </a:prstGeom>
+          <a:ln>
+            <a:tailEnd type="triangle"/>
+          </a:ln>
+        </p:spPr>
+        <p:style>
+          <a:lnRef idx="1">
+            <a:schemeClr val="accent1"/>
+          </a:lnRef>
+          <a:fillRef idx="0">
+            <a:schemeClr val="accent1"/>
+          </a:fillRef>
+          <a:effectRef idx="0">
+            <a:schemeClr val="accent1"/>
+          </a:effectRef>
+          <a:fontRef idx="minor">
+            <a:schemeClr val="tx1"/>
+          </a:fontRef>
+        </p:style>
+      </p:cxnSp>
+      <p:cxnSp>
+        <p:nvCxnSpPr>
+          <p:cNvPr id="36" name="Connector: Elbow 35">
+            <a:extLst>
+              <a:ext uri="{FF2B5EF4-FFF2-40B4-BE49-F238E27FC236}">
+                <a16:creationId xmlns:a16="http://schemas.microsoft.com/office/drawing/2014/main" id="{00C4D46D-5623-0AA5-91BC-4A69AC3C79E0}"/>
+              </a:ext>
+            </a:extLst>
+          </p:cNvPr>
+          <p:cNvCxnSpPr>
+            <a:stCxn id="19" idx="1"/>
+            <a:endCxn id="32" idx="3"/>
+          </p:cNvCxnSpPr>
+          <p:nvPr/>
+        </p:nvCxnSpPr>
+        <p:spPr>
+          <a:xfrm rot="10800000" flipV="1">
+            <a:off x="1782149" y="6040584"/>
+            <a:ext cx="1147664" cy="242261"/>
+          </a:xfrm>
+          <a:prstGeom prst="bentConnector3">
+            <a:avLst/>
           </a:prstGeom>
           <a:ln>
             <a:tailEnd type="triangle"/>

--- a/Training_Images.pptx
+++ b/Training_Images.pptx
@@ -15,6 +15,7 @@
     <p:sldId id="263" r:id="rId9"/>
     <p:sldId id="264" r:id="rId10"/>
     <p:sldId id="265" r:id="rId11"/>
+    <p:sldId id="266" r:id="rId12"/>
   </p:sldIdLst>
   <p:sldSz cx="12192000" cy="6858000"/>
   <p:notesSz cx="6858000" cy="9144000"/>
@@ -268,7 +269,7 @@
           <a:p>
             <a:fld id="{F4B84776-BAA1-48A5-B83E-3E40081DB21F}" type="datetimeFigureOut">
               <a:rPr lang="en-US" smtClean="0"/>
-              <a:t>9/24/2022</a:t>
+              <a:t>9/27/2022</a:t>
             </a:fld>
             <a:endParaRPr lang="en-US"/>
           </a:p>
@@ -466,7 +467,7 @@
           <a:p>
             <a:fld id="{F4B84776-BAA1-48A5-B83E-3E40081DB21F}" type="datetimeFigureOut">
               <a:rPr lang="en-US" smtClean="0"/>
-              <a:t>9/24/2022</a:t>
+              <a:t>9/27/2022</a:t>
             </a:fld>
             <a:endParaRPr lang="en-US"/>
           </a:p>
@@ -674,7 +675,7 @@
           <a:p>
             <a:fld id="{F4B84776-BAA1-48A5-B83E-3E40081DB21F}" type="datetimeFigureOut">
               <a:rPr lang="en-US" smtClean="0"/>
-              <a:t>9/24/2022</a:t>
+              <a:t>9/27/2022</a:t>
             </a:fld>
             <a:endParaRPr lang="en-US"/>
           </a:p>
@@ -872,7 +873,7 @@
           <a:p>
             <a:fld id="{F4B84776-BAA1-48A5-B83E-3E40081DB21F}" type="datetimeFigureOut">
               <a:rPr lang="en-US" smtClean="0"/>
-              <a:t>9/24/2022</a:t>
+              <a:t>9/27/2022</a:t>
             </a:fld>
             <a:endParaRPr lang="en-US"/>
           </a:p>
@@ -1147,7 +1148,7 @@
           <a:p>
             <a:fld id="{F4B84776-BAA1-48A5-B83E-3E40081DB21F}" type="datetimeFigureOut">
               <a:rPr lang="en-US" smtClean="0"/>
-              <a:t>9/24/2022</a:t>
+              <a:t>9/27/2022</a:t>
             </a:fld>
             <a:endParaRPr lang="en-US"/>
           </a:p>
@@ -1412,7 +1413,7 @@
           <a:p>
             <a:fld id="{F4B84776-BAA1-48A5-B83E-3E40081DB21F}" type="datetimeFigureOut">
               <a:rPr lang="en-US" smtClean="0"/>
-              <a:t>9/24/2022</a:t>
+              <a:t>9/27/2022</a:t>
             </a:fld>
             <a:endParaRPr lang="en-US"/>
           </a:p>
@@ -1824,7 +1825,7 @@
           <a:p>
             <a:fld id="{F4B84776-BAA1-48A5-B83E-3E40081DB21F}" type="datetimeFigureOut">
               <a:rPr lang="en-US" smtClean="0"/>
-              <a:t>9/24/2022</a:t>
+              <a:t>9/27/2022</a:t>
             </a:fld>
             <a:endParaRPr lang="en-US"/>
           </a:p>
@@ -1965,7 +1966,7 @@
           <a:p>
             <a:fld id="{F4B84776-BAA1-48A5-B83E-3E40081DB21F}" type="datetimeFigureOut">
               <a:rPr lang="en-US" smtClean="0"/>
-              <a:t>9/24/2022</a:t>
+              <a:t>9/27/2022</a:t>
             </a:fld>
             <a:endParaRPr lang="en-US"/>
           </a:p>
@@ -2078,7 +2079,7 @@
           <a:p>
             <a:fld id="{F4B84776-BAA1-48A5-B83E-3E40081DB21F}" type="datetimeFigureOut">
               <a:rPr lang="en-US" smtClean="0"/>
-              <a:t>9/24/2022</a:t>
+              <a:t>9/27/2022</a:t>
             </a:fld>
             <a:endParaRPr lang="en-US"/>
           </a:p>
@@ -2389,7 +2390,7 @@
           <a:p>
             <a:fld id="{F4B84776-BAA1-48A5-B83E-3E40081DB21F}" type="datetimeFigureOut">
               <a:rPr lang="en-US" smtClean="0"/>
-              <a:t>9/24/2022</a:t>
+              <a:t>9/27/2022</a:t>
             </a:fld>
             <a:endParaRPr lang="en-US"/>
           </a:p>
@@ -2677,7 +2678,7 @@
           <a:p>
             <a:fld id="{F4B84776-BAA1-48A5-B83E-3E40081DB21F}" type="datetimeFigureOut">
               <a:rPr lang="en-US" smtClean="0"/>
-              <a:t>9/24/2022</a:t>
+              <a:t>9/27/2022</a:t>
             </a:fld>
             <a:endParaRPr lang="en-US"/>
           </a:p>
@@ -2918,7 +2919,7 @@
           <a:p>
             <a:fld id="{F4B84776-BAA1-48A5-B83E-3E40081DB21F}" type="datetimeFigureOut">
               <a:rPr lang="en-US" smtClean="0"/>
-              <a:t>9/24/2022</a:t>
+              <a:t>9/27/2022</a:t>
             </a:fld>
             <a:endParaRPr lang="en-US"/>
           </a:p>
@@ -6269,6 +6270,1567 @@
 </p:sld>
 </file>
 
+<file path=ppt/slides/slide11.xml><?xml version="1.0" encoding="utf-8"?>
+<p:sld xmlns:a="http://schemas.openxmlformats.org/drawingml/2006/main" xmlns:r="http://schemas.openxmlformats.org/officeDocument/2006/relationships" xmlns:p="http://schemas.openxmlformats.org/presentationml/2006/main">
+  <p:cSld>
+    <p:spTree>
+      <p:nvGrpSpPr>
+        <p:cNvPr id="1" name=""/>
+        <p:cNvGrpSpPr/>
+        <p:nvPr/>
+      </p:nvGrpSpPr>
+      <p:grpSpPr>
+        <a:xfrm>
+          <a:off x="0" y="0"/>
+          <a:ext cx="0" cy="0"/>
+          <a:chOff x="0" y="0"/>
+          <a:chExt cx="0" cy="0"/>
+        </a:xfrm>
+      </p:grpSpPr>
+      <p:graphicFrame>
+        <p:nvGraphicFramePr>
+          <p:cNvPr id="2" name="Table 2">
+            <a:extLst>
+              <a:ext uri="{FF2B5EF4-FFF2-40B4-BE49-F238E27FC236}">
+                <a16:creationId xmlns:a16="http://schemas.microsoft.com/office/drawing/2014/main" id="{8423B56A-08A3-50DD-0EF8-1EA6285FF341}"/>
+              </a:ext>
+            </a:extLst>
+          </p:cNvPr>
+          <p:cNvGraphicFramePr>
+            <a:graphicFrameLocks noGrp="1"/>
+          </p:cNvGraphicFramePr>
+          <p:nvPr>
+            <p:extLst>
+              <p:ext uri="{D42A27DB-BD31-4B8C-83A1-F6EECF244321}">
+                <p14:modId xmlns:p14="http://schemas.microsoft.com/office/powerpoint/2010/main" val="1532566649"/>
+              </p:ext>
+            </p:extLst>
+          </p:nvPr>
+        </p:nvGraphicFramePr>
+        <p:xfrm>
+          <a:off x="2032000" y="719666"/>
+          <a:ext cx="8127999" cy="2595880"/>
+        </p:xfrm>
+        <a:graphic>
+          <a:graphicData uri="http://schemas.openxmlformats.org/drawingml/2006/table">
+            <a:tbl>
+              <a:tblPr firstRow="1" bandRow="1">
+                <a:tableStyleId>{5C22544A-7EE6-4342-B048-85BDC9FD1C3A}</a:tableStyleId>
+              </a:tblPr>
+              <a:tblGrid>
+                <a:gridCol w="903111">
+                  <a:extLst>
+                    <a:ext uri="{9D8B030D-6E8A-4147-A177-3AD203B41FA5}">
+                      <a16:colId xmlns:a16="http://schemas.microsoft.com/office/drawing/2014/main" val="2204771627"/>
+                    </a:ext>
+                  </a:extLst>
+                </a:gridCol>
+                <a:gridCol w="903111">
+                  <a:extLst>
+                    <a:ext uri="{9D8B030D-6E8A-4147-A177-3AD203B41FA5}">
+                      <a16:colId xmlns:a16="http://schemas.microsoft.com/office/drawing/2014/main" val="337402823"/>
+                    </a:ext>
+                  </a:extLst>
+                </a:gridCol>
+                <a:gridCol w="903111">
+                  <a:extLst>
+                    <a:ext uri="{9D8B030D-6E8A-4147-A177-3AD203B41FA5}">
+                      <a16:colId xmlns:a16="http://schemas.microsoft.com/office/drawing/2014/main" val="1023273065"/>
+                    </a:ext>
+                  </a:extLst>
+                </a:gridCol>
+                <a:gridCol w="903111">
+                  <a:extLst>
+                    <a:ext uri="{9D8B030D-6E8A-4147-A177-3AD203B41FA5}">
+                      <a16:colId xmlns:a16="http://schemas.microsoft.com/office/drawing/2014/main" val="2144216945"/>
+                    </a:ext>
+                  </a:extLst>
+                </a:gridCol>
+                <a:gridCol w="903111">
+                  <a:extLst>
+                    <a:ext uri="{9D8B030D-6E8A-4147-A177-3AD203B41FA5}">
+                      <a16:colId xmlns:a16="http://schemas.microsoft.com/office/drawing/2014/main" val="1296736234"/>
+                    </a:ext>
+                  </a:extLst>
+                </a:gridCol>
+                <a:gridCol w="903111">
+                  <a:extLst>
+                    <a:ext uri="{9D8B030D-6E8A-4147-A177-3AD203B41FA5}">
+                      <a16:colId xmlns:a16="http://schemas.microsoft.com/office/drawing/2014/main" val="603017265"/>
+                    </a:ext>
+                  </a:extLst>
+                </a:gridCol>
+                <a:gridCol w="903111">
+                  <a:extLst>
+                    <a:ext uri="{9D8B030D-6E8A-4147-A177-3AD203B41FA5}">
+                      <a16:colId xmlns:a16="http://schemas.microsoft.com/office/drawing/2014/main" val="3869792691"/>
+                    </a:ext>
+                  </a:extLst>
+                </a:gridCol>
+                <a:gridCol w="903111">
+                  <a:extLst>
+                    <a:ext uri="{9D8B030D-6E8A-4147-A177-3AD203B41FA5}">
+                      <a16:colId xmlns:a16="http://schemas.microsoft.com/office/drawing/2014/main" val="4181514910"/>
+                    </a:ext>
+                  </a:extLst>
+                </a:gridCol>
+                <a:gridCol w="903111">
+                  <a:extLst>
+                    <a:ext uri="{9D8B030D-6E8A-4147-A177-3AD203B41FA5}">
+                      <a16:colId xmlns:a16="http://schemas.microsoft.com/office/drawing/2014/main" val="1289574904"/>
+                    </a:ext>
+                  </a:extLst>
+                </a:gridCol>
+              </a:tblGrid>
+              <a:tr h="370840">
+                <a:tc>
+                  <a:txBody>
+                    <a:bodyPr/>
+                    <a:lstStyle/>
+                    <a:p>
+                      <a:r>
+                        <a:rPr lang="en-IN" dirty="0">
+                          <a:highlight>
+                            <a:srgbClr val="FFFF00"/>
+                          </a:highlight>
+                        </a:rPr>
+                        <a:t>Rec1</a:t>
+                      </a:r>
+                      <a:endParaRPr lang="en-US" dirty="0">
+                        <a:highlight>
+                          <a:srgbClr val="FFFF00"/>
+                        </a:highlight>
+                      </a:endParaRPr>
+                    </a:p>
+                  </a:txBody>
+                  <a:tcPr>
+                    <a:solidFill>
+                      <a:srgbClr val="FFFF00"/>
+                    </a:solidFill>
+                  </a:tcPr>
+                </a:tc>
+                <a:tc>
+                  <a:txBody>
+                    <a:bodyPr/>
+                    <a:lstStyle/>
+                    <a:p>
+                      <a:endParaRPr lang="en-US" dirty="0">
+                        <a:highlight>
+                          <a:srgbClr val="FFFF00"/>
+                        </a:highlight>
+                      </a:endParaRPr>
+                    </a:p>
+                  </a:txBody>
+                  <a:tcPr>
+                    <a:solidFill>
+                      <a:srgbClr val="FFFF00"/>
+                    </a:solidFill>
+                  </a:tcPr>
+                </a:tc>
+                <a:tc>
+                  <a:txBody>
+                    <a:bodyPr/>
+                    <a:lstStyle/>
+                    <a:p>
+                      <a:r>
+                        <a:rPr lang="en-IN" dirty="0">
+                          <a:highlight>
+                            <a:srgbClr val="FFFF00"/>
+                          </a:highlight>
+                        </a:rPr>
+                        <a:t>2S</a:t>
+                      </a:r>
+                      <a:endParaRPr lang="en-US" dirty="0">
+                        <a:highlight>
+                          <a:srgbClr val="FFFF00"/>
+                        </a:highlight>
+                      </a:endParaRPr>
+                    </a:p>
+                  </a:txBody>
+                  <a:tcPr>
+                    <a:solidFill>
+                      <a:srgbClr val="FFFF00"/>
+                    </a:solidFill>
+                  </a:tcPr>
+                </a:tc>
+                <a:tc>
+                  <a:txBody>
+                    <a:bodyPr/>
+                    <a:lstStyle/>
+                    <a:p>
+                      <a:endParaRPr lang="en-US" dirty="0">
+                        <a:highlight>
+                          <a:srgbClr val="FFFF00"/>
+                        </a:highlight>
+                      </a:endParaRPr>
+                    </a:p>
+                  </a:txBody>
+                  <a:tcPr>
+                    <a:solidFill>
+                      <a:srgbClr val="FFFF00"/>
+                    </a:solidFill>
+                  </a:tcPr>
+                </a:tc>
+                <a:tc>
+                  <a:txBody>
+                    <a:bodyPr/>
+                    <a:lstStyle/>
+                    <a:p>
+                      <a:endParaRPr lang="en-US" dirty="0">
+                        <a:highlight>
+                          <a:srgbClr val="FFFF00"/>
+                        </a:highlight>
+                      </a:endParaRPr>
+                    </a:p>
+                  </a:txBody>
+                  <a:tcPr>
+                    <a:solidFill>
+                      <a:srgbClr val="FFFF00"/>
+                    </a:solidFill>
+                  </a:tcPr>
+                </a:tc>
+                <a:tc>
+                  <a:txBody>
+                    <a:bodyPr/>
+                    <a:lstStyle/>
+                    <a:p>
+                      <a:endParaRPr lang="en-US" dirty="0">
+                        <a:highlight>
+                          <a:srgbClr val="FFFF00"/>
+                        </a:highlight>
+                      </a:endParaRPr>
+                    </a:p>
+                  </a:txBody>
+                  <a:tcPr>
+                    <a:solidFill>
+                      <a:srgbClr val="FFFF00"/>
+                    </a:solidFill>
+                  </a:tcPr>
+                </a:tc>
+                <a:tc>
+                  <a:txBody>
+                    <a:bodyPr/>
+                    <a:lstStyle/>
+                    <a:p>
+                      <a:endParaRPr lang="en-US" dirty="0">
+                        <a:highlight>
+                          <a:srgbClr val="FFFF00"/>
+                        </a:highlight>
+                      </a:endParaRPr>
+                    </a:p>
+                  </a:txBody>
+                  <a:tcPr>
+                    <a:solidFill>
+                      <a:srgbClr val="FFFF00"/>
+                    </a:solidFill>
+                  </a:tcPr>
+                </a:tc>
+                <a:tc>
+                  <a:txBody>
+                    <a:bodyPr/>
+                    <a:lstStyle/>
+                    <a:p>
+                      <a:endParaRPr lang="en-US" dirty="0">
+                        <a:highlight>
+                          <a:srgbClr val="FFFF00"/>
+                        </a:highlight>
+                      </a:endParaRPr>
+                    </a:p>
+                  </a:txBody>
+                  <a:tcPr>
+                    <a:solidFill>
+                      <a:srgbClr val="FFFF00"/>
+                    </a:solidFill>
+                  </a:tcPr>
+                </a:tc>
+                <a:tc>
+                  <a:txBody>
+                    <a:bodyPr/>
+                    <a:lstStyle/>
+                    <a:p>
+                      <a:endParaRPr lang="en-US" dirty="0">
+                        <a:highlight>
+                          <a:srgbClr val="FFFF00"/>
+                        </a:highlight>
+                      </a:endParaRPr>
+                    </a:p>
+                  </a:txBody>
+                  <a:tcPr>
+                    <a:solidFill>
+                      <a:srgbClr val="FFFF00"/>
+                    </a:solidFill>
+                  </a:tcPr>
+                </a:tc>
+                <a:extLst>
+                  <a:ext uri="{0D108BD9-81ED-4DB2-BD59-A6C34878D82A}">
+                    <a16:rowId xmlns:a16="http://schemas.microsoft.com/office/drawing/2014/main" val="2012997429"/>
+                  </a:ext>
+                </a:extLst>
+              </a:tr>
+              <a:tr h="370840">
+                <a:tc>
+                  <a:txBody>
+                    <a:bodyPr/>
+                    <a:lstStyle/>
+                    <a:p>
+                      <a:r>
+                        <a:rPr lang="en-IN" dirty="0"/>
+                        <a:t>Rec2</a:t>
+                      </a:r>
+                      <a:endParaRPr lang="en-US" dirty="0"/>
+                    </a:p>
+                  </a:txBody>
+                  <a:tcPr/>
+                </a:tc>
+                <a:tc>
+                  <a:txBody>
+                    <a:bodyPr/>
+                    <a:lstStyle/>
+                    <a:p>
+                      <a:endParaRPr lang="en-US"/>
+                    </a:p>
+                  </a:txBody>
+                  <a:tcPr/>
+                </a:tc>
+                <a:tc>
+                  <a:txBody>
+                    <a:bodyPr/>
+                    <a:lstStyle/>
+                    <a:p>
+                      <a:r>
+                        <a:rPr lang="en-IN" dirty="0"/>
+                        <a:t>3S</a:t>
+                      </a:r>
+                      <a:endParaRPr lang="en-US" dirty="0"/>
+                    </a:p>
+                  </a:txBody>
+                  <a:tcPr/>
+                </a:tc>
+                <a:tc>
+                  <a:txBody>
+                    <a:bodyPr/>
+                    <a:lstStyle/>
+                    <a:p>
+                      <a:endParaRPr lang="en-US"/>
+                    </a:p>
+                  </a:txBody>
+                  <a:tcPr/>
+                </a:tc>
+                <a:tc>
+                  <a:txBody>
+                    <a:bodyPr/>
+                    <a:lstStyle/>
+                    <a:p>
+                      <a:endParaRPr lang="en-US"/>
+                    </a:p>
+                  </a:txBody>
+                  <a:tcPr/>
+                </a:tc>
+                <a:tc>
+                  <a:txBody>
+                    <a:bodyPr/>
+                    <a:lstStyle/>
+                    <a:p>
+                      <a:endParaRPr lang="en-US"/>
+                    </a:p>
+                  </a:txBody>
+                  <a:tcPr/>
+                </a:tc>
+                <a:tc>
+                  <a:txBody>
+                    <a:bodyPr/>
+                    <a:lstStyle/>
+                    <a:p>
+                      <a:endParaRPr lang="en-US"/>
+                    </a:p>
+                  </a:txBody>
+                  <a:tcPr/>
+                </a:tc>
+                <a:tc>
+                  <a:txBody>
+                    <a:bodyPr/>
+                    <a:lstStyle/>
+                    <a:p>
+                      <a:endParaRPr lang="en-US"/>
+                    </a:p>
+                  </a:txBody>
+                  <a:tcPr/>
+                </a:tc>
+                <a:tc>
+                  <a:txBody>
+                    <a:bodyPr/>
+                    <a:lstStyle/>
+                    <a:p>
+                      <a:endParaRPr lang="en-US" dirty="0"/>
+                    </a:p>
+                  </a:txBody>
+                  <a:tcPr/>
+                </a:tc>
+                <a:extLst>
+                  <a:ext uri="{0D108BD9-81ED-4DB2-BD59-A6C34878D82A}">
+                    <a16:rowId xmlns:a16="http://schemas.microsoft.com/office/drawing/2014/main" val="3030469768"/>
+                  </a:ext>
+                </a:extLst>
+              </a:tr>
+              <a:tr h="370840">
+                <a:tc>
+                  <a:txBody>
+                    <a:bodyPr/>
+                    <a:lstStyle/>
+                    <a:p>
+                      <a:r>
+                        <a:rPr lang="en-IN" dirty="0"/>
+                        <a:t>Rec3</a:t>
+                      </a:r>
+                      <a:endParaRPr lang="en-US" dirty="0"/>
+                    </a:p>
+                  </a:txBody>
+                  <a:tcPr/>
+                </a:tc>
+                <a:tc>
+                  <a:txBody>
+                    <a:bodyPr/>
+                    <a:lstStyle/>
+                    <a:p>
+                      <a:endParaRPr lang="en-US" dirty="0"/>
+                    </a:p>
+                  </a:txBody>
+                  <a:tcPr/>
+                </a:tc>
+                <a:tc>
+                  <a:txBody>
+                    <a:bodyPr/>
+                    <a:lstStyle/>
+                    <a:p>
+                      <a:r>
+                        <a:rPr lang="en-IN" dirty="0"/>
+                        <a:t>5s</a:t>
+                      </a:r>
+                      <a:endParaRPr lang="en-US" dirty="0"/>
+                    </a:p>
+                  </a:txBody>
+                  <a:tcPr/>
+                </a:tc>
+                <a:tc>
+                  <a:txBody>
+                    <a:bodyPr/>
+                    <a:lstStyle/>
+                    <a:p>
+                      <a:endParaRPr lang="en-US"/>
+                    </a:p>
+                  </a:txBody>
+                  <a:tcPr/>
+                </a:tc>
+                <a:tc>
+                  <a:txBody>
+                    <a:bodyPr/>
+                    <a:lstStyle/>
+                    <a:p>
+                      <a:endParaRPr lang="en-US"/>
+                    </a:p>
+                  </a:txBody>
+                  <a:tcPr/>
+                </a:tc>
+                <a:tc>
+                  <a:txBody>
+                    <a:bodyPr/>
+                    <a:lstStyle/>
+                    <a:p>
+                      <a:endParaRPr lang="en-US"/>
+                    </a:p>
+                  </a:txBody>
+                  <a:tcPr/>
+                </a:tc>
+                <a:tc>
+                  <a:txBody>
+                    <a:bodyPr/>
+                    <a:lstStyle/>
+                    <a:p>
+                      <a:endParaRPr lang="en-US"/>
+                    </a:p>
+                  </a:txBody>
+                  <a:tcPr/>
+                </a:tc>
+                <a:tc>
+                  <a:txBody>
+                    <a:bodyPr/>
+                    <a:lstStyle/>
+                    <a:p>
+                      <a:endParaRPr lang="en-US"/>
+                    </a:p>
+                  </a:txBody>
+                  <a:tcPr/>
+                </a:tc>
+                <a:tc>
+                  <a:txBody>
+                    <a:bodyPr/>
+                    <a:lstStyle/>
+                    <a:p>
+                      <a:endParaRPr lang="en-US" dirty="0"/>
+                    </a:p>
+                  </a:txBody>
+                  <a:tcPr/>
+                </a:tc>
+                <a:extLst>
+                  <a:ext uri="{0D108BD9-81ED-4DB2-BD59-A6C34878D82A}">
+                    <a16:rowId xmlns:a16="http://schemas.microsoft.com/office/drawing/2014/main" val="3953388177"/>
+                  </a:ext>
+                </a:extLst>
+              </a:tr>
+              <a:tr h="370840">
+                <a:tc>
+                  <a:txBody>
+                    <a:bodyPr/>
+                    <a:lstStyle/>
+                    <a:p>
+                      <a:r>
+                        <a:rPr lang="en-IN" dirty="0"/>
+                        <a:t>Rec4</a:t>
+                      </a:r>
+                      <a:endParaRPr lang="en-US" dirty="0"/>
+                    </a:p>
+                  </a:txBody>
+                  <a:tcPr/>
+                </a:tc>
+                <a:tc>
+                  <a:txBody>
+                    <a:bodyPr/>
+                    <a:lstStyle/>
+                    <a:p>
+                      <a:endParaRPr lang="en-US" dirty="0"/>
+                    </a:p>
+                  </a:txBody>
+                  <a:tcPr/>
+                </a:tc>
+                <a:tc>
+                  <a:txBody>
+                    <a:bodyPr/>
+                    <a:lstStyle/>
+                    <a:p>
+                      <a:endParaRPr lang="en-US" dirty="0"/>
+                    </a:p>
+                  </a:txBody>
+                  <a:tcPr/>
+                </a:tc>
+                <a:tc>
+                  <a:txBody>
+                    <a:bodyPr/>
+                    <a:lstStyle/>
+                    <a:p>
+                      <a:endParaRPr lang="en-US" dirty="0"/>
+                    </a:p>
+                  </a:txBody>
+                  <a:tcPr/>
+                </a:tc>
+                <a:tc>
+                  <a:txBody>
+                    <a:bodyPr/>
+                    <a:lstStyle/>
+                    <a:p>
+                      <a:endParaRPr lang="en-US" dirty="0"/>
+                    </a:p>
+                  </a:txBody>
+                  <a:tcPr/>
+                </a:tc>
+                <a:tc>
+                  <a:txBody>
+                    <a:bodyPr/>
+                    <a:lstStyle/>
+                    <a:p>
+                      <a:endParaRPr lang="en-US" dirty="0"/>
+                    </a:p>
+                  </a:txBody>
+                  <a:tcPr/>
+                </a:tc>
+                <a:tc>
+                  <a:txBody>
+                    <a:bodyPr/>
+                    <a:lstStyle/>
+                    <a:p>
+                      <a:endParaRPr lang="en-US" dirty="0"/>
+                    </a:p>
+                  </a:txBody>
+                  <a:tcPr/>
+                </a:tc>
+                <a:tc>
+                  <a:txBody>
+                    <a:bodyPr/>
+                    <a:lstStyle/>
+                    <a:p>
+                      <a:endParaRPr lang="en-US" dirty="0"/>
+                    </a:p>
+                  </a:txBody>
+                  <a:tcPr/>
+                </a:tc>
+                <a:tc>
+                  <a:txBody>
+                    <a:bodyPr/>
+                    <a:lstStyle/>
+                    <a:p>
+                      <a:endParaRPr lang="en-US" dirty="0"/>
+                    </a:p>
+                  </a:txBody>
+                  <a:tcPr/>
+                </a:tc>
+                <a:extLst>
+                  <a:ext uri="{0D108BD9-81ED-4DB2-BD59-A6C34878D82A}">
+                    <a16:rowId xmlns:a16="http://schemas.microsoft.com/office/drawing/2014/main" val="1266247253"/>
+                  </a:ext>
+                </a:extLst>
+              </a:tr>
+              <a:tr h="370840">
+                <a:tc>
+                  <a:txBody>
+                    <a:bodyPr/>
+                    <a:lstStyle/>
+                    <a:p>
+                      <a:r>
+                        <a:rPr lang="en-IN" dirty="0"/>
+                        <a:t>Rec5</a:t>
+                      </a:r>
+                      <a:endParaRPr lang="en-US" dirty="0"/>
+                    </a:p>
+                  </a:txBody>
+                  <a:tcPr/>
+                </a:tc>
+                <a:tc>
+                  <a:txBody>
+                    <a:bodyPr/>
+                    <a:lstStyle/>
+                    <a:p>
+                      <a:endParaRPr lang="en-US" dirty="0"/>
+                    </a:p>
+                  </a:txBody>
+                  <a:tcPr/>
+                </a:tc>
+                <a:tc>
+                  <a:txBody>
+                    <a:bodyPr/>
+                    <a:lstStyle/>
+                    <a:p>
+                      <a:endParaRPr lang="en-US" dirty="0"/>
+                    </a:p>
+                  </a:txBody>
+                  <a:tcPr/>
+                </a:tc>
+                <a:tc>
+                  <a:txBody>
+                    <a:bodyPr/>
+                    <a:lstStyle/>
+                    <a:p>
+                      <a:endParaRPr lang="en-US" dirty="0"/>
+                    </a:p>
+                  </a:txBody>
+                  <a:tcPr/>
+                </a:tc>
+                <a:tc>
+                  <a:txBody>
+                    <a:bodyPr/>
+                    <a:lstStyle/>
+                    <a:p>
+                      <a:endParaRPr lang="en-US" dirty="0"/>
+                    </a:p>
+                  </a:txBody>
+                  <a:tcPr/>
+                </a:tc>
+                <a:tc>
+                  <a:txBody>
+                    <a:bodyPr/>
+                    <a:lstStyle/>
+                    <a:p>
+                      <a:endParaRPr lang="en-US" dirty="0"/>
+                    </a:p>
+                  </a:txBody>
+                  <a:tcPr/>
+                </a:tc>
+                <a:tc>
+                  <a:txBody>
+                    <a:bodyPr/>
+                    <a:lstStyle/>
+                    <a:p>
+                      <a:endParaRPr lang="en-US" dirty="0"/>
+                    </a:p>
+                  </a:txBody>
+                  <a:tcPr/>
+                </a:tc>
+                <a:tc>
+                  <a:txBody>
+                    <a:bodyPr/>
+                    <a:lstStyle/>
+                    <a:p>
+                      <a:endParaRPr lang="en-US" dirty="0"/>
+                    </a:p>
+                  </a:txBody>
+                  <a:tcPr/>
+                </a:tc>
+                <a:tc>
+                  <a:txBody>
+                    <a:bodyPr/>
+                    <a:lstStyle/>
+                    <a:p>
+                      <a:endParaRPr lang="en-US" dirty="0"/>
+                    </a:p>
+                  </a:txBody>
+                  <a:tcPr/>
+                </a:tc>
+                <a:extLst>
+                  <a:ext uri="{0D108BD9-81ED-4DB2-BD59-A6C34878D82A}">
+                    <a16:rowId xmlns:a16="http://schemas.microsoft.com/office/drawing/2014/main" val="2374187375"/>
+                  </a:ext>
+                </a:extLst>
+              </a:tr>
+              <a:tr h="370840">
+                <a:tc>
+                  <a:txBody>
+                    <a:bodyPr/>
+                    <a:lstStyle/>
+                    <a:p>
+                      <a:r>
+                        <a:rPr lang="en-IN" dirty="0"/>
+                        <a:t>….</a:t>
+                      </a:r>
+                      <a:endParaRPr lang="en-US" dirty="0"/>
+                    </a:p>
+                  </a:txBody>
+                  <a:tcPr/>
+                </a:tc>
+                <a:tc>
+                  <a:txBody>
+                    <a:bodyPr/>
+                    <a:lstStyle/>
+                    <a:p>
+                      <a:endParaRPr lang="en-US" dirty="0"/>
+                    </a:p>
+                  </a:txBody>
+                  <a:tcPr/>
+                </a:tc>
+                <a:tc>
+                  <a:txBody>
+                    <a:bodyPr/>
+                    <a:lstStyle/>
+                    <a:p>
+                      <a:endParaRPr lang="en-US" dirty="0"/>
+                    </a:p>
+                  </a:txBody>
+                  <a:tcPr/>
+                </a:tc>
+                <a:tc>
+                  <a:txBody>
+                    <a:bodyPr/>
+                    <a:lstStyle/>
+                    <a:p>
+                      <a:endParaRPr lang="en-US" dirty="0"/>
+                    </a:p>
+                  </a:txBody>
+                  <a:tcPr/>
+                </a:tc>
+                <a:tc>
+                  <a:txBody>
+                    <a:bodyPr/>
+                    <a:lstStyle/>
+                    <a:p>
+                      <a:endParaRPr lang="en-US" dirty="0"/>
+                    </a:p>
+                  </a:txBody>
+                  <a:tcPr/>
+                </a:tc>
+                <a:tc>
+                  <a:txBody>
+                    <a:bodyPr/>
+                    <a:lstStyle/>
+                    <a:p>
+                      <a:endParaRPr lang="en-US" dirty="0"/>
+                    </a:p>
+                  </a:txBody>
+                  <a:tcPr/>
+                </a:tc>
+                <a:tc>
+                  <a:txBody>
+                    <a:bodyPr/>
+                    <a:lstStyle/>
+                    <a:p>
+                      <a:endParaRPr lang="en-US" dirty="0"/>
+                    </a:p>
+                  </a:txBody>
+                  <a:tcPr/>
+                </a:tc>
+                <a:tc>
+                  <a:txBody>
+                    <a:bodyPr/>
+                    <a:lstStyle/>
+                    <a:p>
+                      <a:endParaRPr lang="en-US" dirty="0"/>
+                    </a:p>
+                  </a:txBody>
+                  <a:tcPr/>
+                </a:tc>
+                <a:tc>
+                  <a:txBody>
+                    <a:bodyPr/>
+                    <a:lstStyle/>
+                    <a:p>
+                      <a:endParaRPr lang="en-US" dirty="0"/>
+                    </a:p>
+                  </a:txBody>
+                  <a:tcPr/>
+                </a:tc>
+                <a:extLst>
+                  <a:ext uri="{0D108BD9-81ED-4DB2-BD59-A6C34878D82A}">
+                    <a16:rowId xmlns:a16="http://schemas.microsoft.com/office/drawing/2014/main" val="1046337329"/>
+                  </a:ext>
+                </a:extLst>
+              </a:tr>
+              <a:tr h="370840">
+                <a:tc>
+                  <a:txBody>
+                    <a:bodyPr/>
+                    <a:lstStyle/>
+                    <a:p>
+                      <a:r>
+                        <a:rPr lang="en-IN" dirty="0" err="1"/>
+                        <a:t>Recn</a:t>
+                      </a:r>
+                      <a:endParaRPr lang="en-US" dirty="0"/>
+                    </a:p>
+                  </a:txBody>
+                  <a:tcPr/>
+                </a:tc>
+                <a:tc>
+                  <a:txBody>
+                    <a:bodyPr/>
+                    <a:lstStyle/>
+                    <a:p>
+                      <a:endParaRPr lang="en-US" dirty="0"/>
+                    </a:p>
+                  </a:txBody>
+                  <a:tcPr/>
+                </a:tc>
+                <a:tc>
+                  <a:txBody>
+                    <a:bodyPr/>
+                    <a:lstStyle/>
+                    <a:p>
+                      <a:endParaRPr lang="en-US" dirty="0"/>
+                    </a:p>
+                  </a:txBody>
+                  <a:tcPr/>
+                </a:tc>
+                <a:tc>
+                  <a:txBody>
+                    <a:bodyPr/>
+                    <a:lstStyle/>
+                    <a:p>
+                      <a:endParaRPr lang="en-US" dirty="0"/>
+                    </a:p>
+                  </a:txBody>
+                  <a:tcPr/>
+                </a:tc>
+                <a:tc>
+                  <a:txBody>
+                    <a:bodyPr/>
+                    <a:lstStyle/>
+                    <a:p>
+                      <a:endParaRPr lang="en-US" dirty="0"/>
+                    </a:p>
+                  </a:txBody>
+                  <a:tcPr/>
+                </a:tc>
+                <a:tc>
+                  <a:txBody>
+                    <a:bodyPr/>
+                    <a:lstStyle/>
+                    <a:p>
+                      <a:endParaRPr lang="en-US" dirty="0"/>
+                    </a:p>
+                  </a:txBody>
+                  <a:tcPr/>
+                </a:tc>
+                <a:tc>
+                  <a:txBody>
+                    <a:bodyPr/>
+                    <a:lstStyle/>
+                    <a:p>
+                      <a:endParaRPr lang="en-US" dirty="0"/>
+                    </a:p>
+                  </a:txBody>
+                  <a:tcPr/>
+                </a:tc>
+                <a:tc>
+                  <a:txBody>
+                    <a:bodyPr/>
+                    <a:lstStyle/>
+                    <a:p>
+                      <a:endParaRPr lang="en-US" dirty="0"/>
+                    </a:p>
+                  </a:txBody>
+                  <a:tcPr/>
+                </a:tc>
+                <a:tc>
+                  <a:txBody>
+                    <a:bodyPr/>
+                    <a:lstStyle/>
+                    <a:p>
+                      <a:endParaRPr lang="en-US" dirty="0"/>
+                    </a:p>
+                  </a:txBody>
+                  <a:tcPr/>
+                </a:tc>
+                <a:extLst>
+                  <a:ext uri="{0D108BD9-81ED-4DB2-BD59-A6C34878D82A}">
+                    <a16:rowId xmlns:a16="http://schemas.microsoft.com/office/drawing/2014/main" val="236739603"/>
+                  </a:ext>
+                </a:extLst>
+              </a:tr>
+            </a:tbl>
+          </a:graphicData>
+        </a:graphic>
+      </p:graphicFrame>
+      <p:sp>
+        <p:nvSpPr>
+          <p:cNvPr id="3" name="Arrow: Right 2">
+            <a:extLst>
+              <a:ext uri="{FF2B5EF4-FFF2-40B4-BE49-F238E27FC236}">
+                <a16:creationId xmlns:a16="http://schemas.microsoft.com/office/drawing/2014/main" id="{C2E9E3E6-A1A9-4088-2F91-FABE049958C4}"/>
+              </a:ext>
+            </a:extLst>
+          </p:cNvPr>
+          <p:cNvSpPr/>
+          <p:nvPr/>
+        </p:nvSpPr>
+        <p:spPr>
+          <a:xfrm>
+            <a:off x="149290" y="410547"/>
+            <a:ext cx="1882710" cy="783771"/>
+          </a:xfrm>
+          <a:prstGeom prst="rightArrow">
+            <a:avLst/>
+          </a:prstGeom>
+        </p:spPr>
+        <p:style>
+          <a:lnRef idx="2">
+            <a:schemeClr val="accent1">
+              <a:shade val="50000"/>
+            </a:schemeClr>
+          </a:lnRef>
+          <a:fillRef idx="1">
+            <a:schemeClr val="accent1"/>
+          </a:fillRef>
+          <a:effectRef idx="0">
+            <a:schemeClr val="accent1"/>
+          </a:effectRef>
+          <a:fontRef idx="minor">
+            <a:schemeClr val="lt1"/>
+          </a:fontRef>
+        </p:style>
+        <p:txBody>
+          <a:bodyPr rtlCol="0" anchor="ctr"/>
+          <a:lstStyle/>
+          <a:p>
+            <a:pPr algn="ctr"/>
+            <a:r>
+              <a:rPr lang="en-IN" dirty="0" err="1"/>
+              <a:t>For..each</a:t>
+            </a:r>
+            <a:endParaRPr lang="en-US" dirty="0"/>
+          </a:p>
+        </p:txBody>
+      </p:sp>
+      <p:sp>
+        <p:nvSpPr>
+          <p:cNvPr id="4" name="Arrow: Curved Left 3">
+            <a:extLst>
+              <a:ext uri="{FF2B5EF4-FFF2-40B4-BE49-F238E27FC236}">
+                <a16:creationId xmlns:a16="http://schemas.microsoft.com/office/drawing/2014/main" id="{F5A610D3-50DB-37A3-6D8B-CB28D061B6D4}"/>
+              </a:ext>
+            </a:extLst>
+          </p:cNvPr>
+          <p:cNvSpPr/>
+          <p:nvPr/>
+        </p:nvSpPr>
+        <p:spPr>
+          <a:xfrm>
+            <a:off x="10159999" y="839755"/>
+            <a:ext cx="308948" cy="447869"/>
+          </a:xfrm>
+          <a:prstGeom prst="curvedLeftArrow">
+            <a:avLst/>
+          </a:prstGeom>
+        </p:spPr>
+        <p:style>
+          <a:lnRef idx="2">
+            <a:schemeClr val="accent1">
+              <a:shade val="50000"/>
+            </a:schemeClr>
+          </a:lnRef>
+          <a:fillRef idx="1">
+            <a:schemeClr val="accent1"/>
+          </a:fillRef>
+          <a:effectRef idx="0">
+            <a:schemeClr val="accent1"/>
+          </a:effectRef>
+          <a:fontRef idx="minor">
+            <a:schemeClr val="lt1"/>
+          </a:fontRef>
+        </p:style>
+        <p:txBody>
+          <a:bodyPr rtlCol="0" anchor="ctr"/>
+          <a:lstStyle/>
+          <a:p>
+            <a:pPr algn="ctr"/>
+            <a:endParaRPr lang="en-US">
+              <a:solidFill>
+                <a:schemeClr val="tx1"/>
+              </a:solidFill>
+            </a:endParaRPr>
+          </a:p>
+        </p:txBody>
+      </p:sp>
+      <p:sp>
+        <p:nvSpPr>
+          <p:cNvPr id="5" name="Arrow: Curved Left 4">
+            <a:extLst>
+              <a:ext uri="{FF2B5EF4-FFF2-40B4-BE49-F238E27FC236}">
+                <a16:creationId xmlns:a16="http://schemas.microsoft.com/office/drawing/2014/main" id="{3D6E3092-E2EB-70D2-62D6-1203B0DBDA52}"/>
+              </a:ext>
+            </a:extLst>
+          </p:cNvPr>
+          <p:cNvSpPr/>
+          <p:nvPr/>
+        </p:nvSpPr>
+        <p:spPr>
+          <a:xfrm>
+            <a:off x="10159999" y="1301274"/>
+            <a:ext cx="308948" cy="447869"/>
+          </a:xfrm>
+          <a:prstGeom prst="curvedLeftArrow">
+            <a:avLst/>
+          </a:prstGeom>
+        </p:spPr>
+        <p:style>
+          <a:lnRef idx="2">
+            <a:schemeClr val="accent1">
+              <a:shade val="50000"/>
+            </a:schemeClr>
+          </a:lnRef>
+          <a:fillRef idx="1">
+            <a:schemeClr val="accent1"/>
+          </a:fillRef>
+          <a:effectRef idx="0">
+            <a:schemeClr val="accent1"/>
+          </a:effectRef>
+          <a:fontRef idx="minor">
+            <a:schemeClr val="lt1"/>
+          </a:fontRef>
+        </p:style>
+        <p:txBody>
+          <a:bodyPr rtlCol="0" anchor="ctr"/>
+          <a:lstStyle/>
+          <a:p>
+            <a:pPr algn="ctr"/>
+            <a:endParaRPr lang="en-US">
+              <a:solidFill>
+                <a:schemeClr val="tx1"/>
+              </a:solidFill>
+            </a:endParaRPr>
+          </a:p>
+        </p:txBody>
+      </p:sp>
+      <p:sp>
+        <p:nvSpPr>
+          <p:cNvPr id="6" name="Arrow: Curved Left 5">
+            <a:extLst>
+              <a:ext uri="{FF2B5EF4-FFF2-40B4-BE49-F238E27FC236}">
+                <a16:creationId xmlns:a16="http://schemas.microsoft.com/office/drawing/2014/main" id="{A0175449-A626-C723-4CE4-14E0067FF88C}"/>
+              </a:ext>
+            </a:extLst>
+          </p:cNvPr>
+          <p:cNvSpPr/>
+          <p:nvPr/>
+        </p:nvSpPr>
+        <p:spPr>
+          <a:xfrm>
+            <a:off x="10159999" y="1749143"/>
+            <a:ext cx="308948" cy="447869"/>
+          </a:xfrm>
+          <a:prstGeom prst="curvedLeftArrow">
+            <a:avLst/>
+          </a:prstGeom>
+        </p:spPr>
+        <p:style>
+          <a:lnRef idx="2">
+            <a:schemeClr val="accent1">
+              <a:shade val="50000"/>
+            </a:schemeClr>
+          </a:lnRef>
+          <a:fillRef idx="1">
+            <a:schemeClr val="accent1"/>
+          </a:fillRef>
+          <a:effectRef idx="0">
+            <a:schemeClr val="accent1"/>
+          </a:effectRef>
+          <a:fontRef idx="minor">
+            <a:schemeClr val="lt1"/>
+          </a:fontRef>
+        </p:style>
+        <p:txBody>
+          <a:bodyPr rtlCol="0" anchor="ctr"/>
+          <a:lstStyle/>
+          <a:p>
+            <a:pPr algn="ctr"/>
+            <a:endParaRPr lang="en-US">
+              <a:solidFill>
+                <a:schemeClr val="tx1"/>
+              </a:solidFill>
+            </a:endParaRPr>
+          </a:p>
+        </p:txBody>
+      </p:sp>
+      <p:sp>
+        <p:nvSpPr>
+          <p:cNvPr id="7" name="Arrow: Curved Left 6">
+            <a:extLst>
+              <a:ext uri="{FF2B5EF4-FFF2-40B4-BE49-F238E27FC236}">
+                <a16:creationId xmlns:a16="http://schemas.microsoft.com/office/drawing/2014/main" id="{008E9182-EC19-5C3E-D491-7D327EFA684D}"/>
+              </a:ext>
+            </a:extLst>
+          </p:cNvPr>
+          <p:cNvSpPr/>
+          <p:nvPr/>
+        </p:nvSpPr>
+        <p:spPr>
+          <a:xfrm>
+            <a:off x="10159999" y="2197010"/>
+            <a:ext cx="308948" cy="447869"/>
+          </a:xfrm>
+          <a:prstGeom prst="curvedLeftArrow">
+            <a:avLst/>
+          </a:prstGeom>
+        </p:spPr>
+        <p:style>
+          <a:lnRef idx="2">
+            <a:schemeClr val="accent1">
+              <a:shade val="50000"/>
+            </a:schemeClr>
+          </a:lnRef>
+          <a:fillRef idx="1">
+            <a:schemeClr val="accent1"/>
+          </a:fillRef>
+          <a:effectRef idx="0">
+            <a:schemeClr val="accent1"/>
+          </a:effectRef>
+          <a:fontRef idx="minor">
+            <a:schemeClr val="lt1"/>
+          </a:fontRef>
+        </p:style>
+        <p:txBody>
+          <a:bodyPr rtlCol="0" anchor="ctr"/>
+          <a:lstStyle/>
+          <a:p>
+            <a:pPr algn="ctr"/>
+            <a:endParaRPr lang="en-US">
+              <a:solidFill>
+                <a:schemeClr val="tx1"/>
+              </a:solidFill>
+            </a:endParaRPr>
+          </a:p>
+        </p:txBody>
+      </p:sp>
+      <p:sp>
+        <p:nvSpPr>
+          <p:cNvPr id="8" name="Arrow: Curved Left 7">
+            <a:extLst>
+              <a:ext uri="{FF2B5EF4-FFF2-40B4-BE49-F238E27FC236}">
+                <a16:creationId xmlns:a16="http://schemas.microsoft.com/office/drawing/2014/main" id="{EA543776-8E9A-5014-F152-2EA07228961E}"/>
+              </a:ext>
+            </a:extLst>
+          </p:cNvPr>
+          <p:cNvSpPr/>
+          <p:nvPr/>
+        </p:nvSpPr>
+        <p:spPr>
+          <a:xfrm>
+            <a:off x="10159999" y="2756278"/>
+            <a:ext cx="308948" cy="447869"/>
+          </a:xfrm>
+          <a:prstGeom prst="curvedLeftArrow">
+            <a:avLst/>
+          </a:prstGeom>
+        </p:spPr>
+        <p:style>
+          <a:lnRef idx="2">
+            <a:schemeClr val="accent1">
+              <a:shade val="50000"/>
+            </a:schemeClr>
+          </a:lnRef>
+          <a:fillRef idx="1">
+            <a:schemeClr val="accent1"/>
+          </a:fillRef>
+          <a:effectRef idx="0">
+            <a:schemeClr val="accent1"/>
+          </a:effectRef>
+          <a:fontRef idx="minor">
+            <a:schemeClr val="lt1"/>
+          </a:fontRef>
+        </p:style>
+        <p:txBody>
+          <a:bodyPr rtlCol="0" anchor="ctr"/>
+          <a:lstStyle/>
+          <a:p>
+            <a:pPr algn="ctr"/>
+            <a:endParaRPr lang="en-US">
+              <a:solidFill>
+                <a:schemeClr val="tx1"/>
+              </a:solidFill>
+            </a:endParaRPr>
+          </a:p>
+        </p:txBody>
+      </p:sp>
+      <p:sp>
+        <p:nvSpPr>
+          <p:cNvPr id="9" name="Arrow: Down 8">
+            <a:extLst>
+              <a:ext uri="{FF2B5EF4-FFF2-40B4-BE49-F238E27FC236}">
+                <a16:creationId xmlns:a16="http://schemas.microsoft.com/office/drawing/2014/main" id="{898AAB80-DEF9-A49F-0608-40473C1B264C}"/>
+              </a:ext>
+            </a:extLst>
+          </p:cNvPr>
+          <p:cNvSpPr/>
+          <p:nvPr/>
+        </p:nvSpPr>
+        <p:spPr>
+          <a:xfrm>
+            <a:off x="783771" y="1129004"/>
+            <a:ext cx="718458" cy="2593910"/>
+          </a:xfrm>
+          <a:prstGeom prst="downArrow">
+            <a:avLst/>
+          </a:prstGeom>
+        </p:spPr>
+        <p:style>
+          <a:lnRef idx="2">
+            <a:schemeClr val="accent1">
+              <a:shade val="50000"/>
+            </a:schemeClr>
+          </a:lnRef>
+          <a:fillRef idx="1">
+            <a:schemeClr val="accent1"/>
+          </a:fillRef>
+          <a:effectRef idx="0">
+            <a:schemeClr val="accent1"/>
+          </a:effectRef>
+          <a:fontRef idx="minor">
+            <a:schemeClr val="lt1"/>
+          </a:fontRef>
+        </p:style>
+        <p:txBody>
+          <a:bodyPr rtlCol="0" anchor="ctr"/>
+          <a:lstStyle/>
+          <a:p>
+            <a:pPr algn="ctr"/>
+            <a:endParaRPr lang="en-US"/>
+          </a:p>
+        </p:txBody>
+      </p:sp>
+      <p:sp>
+        <p:nvSpPr>
+          <p:cNvPr id="10" name="TextBox 9">
+            <a:extLst>
+              <a:ext uri="{FF2B5EF4-FFF2-40B4-BE49-F238E27FC236}">
+                <a16:creationId xmlns:a16="http://schemas.microsoft.com/office/drawing/2014/main" id="{F4655802-CA1E-3758-D0B6-28B75B9C84ED}"/>
+              </a:ext>
+            </a:extLst>
+          </p:cNvPr>
+          <p:cNvSpPr txBox="1"/>
+          <p:nvPr/>
+        </p:nvSpPr>
+        <p:spPr>
+          <a:xfrm>
+            <a:off x="83976" y="3722914"/>
+            <a:ext cx="5728995" cy="369332"/>
+          </a:xfrm>
+          <a:prstGeom prst="rect">
+            <a:avLst/>
+          </a:prstGeom>
+          <a:noFill/>
+        </p:spPr>
+        <p:txBody>
+          <a:bodyPr wrap="square" rtlCol="0">
+            <a:spAutoFit/>
+          </a:bodyPr>
+          <a:lstStyle/>
+          <a:p>
+            <a:r>
+              <a:rPr lang="en-IN" dirty="0"/>
+              <a:t>Sequential Iteration</a:t>
+            </a:r>
+            <a:endParaRPr lang="en-US" dirty="0"/>
+          </a:p>
+        </p:txBody>
+      </p:sp>
+      <p:sp>
+        <p:nvSpPr>
+          <p:cNvPr id="11" name="Rectangle 10">
+            <a:extLst>
+              <a:ext uri="{FF2B5EF4-FFF2-40B4-BE49-F238E27FC236}">
+                <a16:creationId xmlns:a16="http://schemas.microsoft.com/office/drawing/2014/main" id="{D984162D-3C78-20EF-260F-4215FCBD12AB}"/>
+              </a:ext>
+            </a:extLst>
+          </p:cNvPr>
+          <p:cNvSpPr/>
+          <p:nvPr/>
+        </p:nvSpPr>
+        <p:spPr>
+          <a:xfrm>
+            <a:off x="7142582" y="3429000"/>
+            <a:ext cx="1782147" cy="2812829"/>
+          </a:xfrm>
+          <a:prstGeom prst="rect">
+            <a:avLst/>
+          </a:prstGeom>
+        </p:spPr>
+        <p:style>
+          <a:lnRef idx="2">
+            <a:schemeClr val="accent1">
+              <a:shade val="50000"/>
+            </a:schemeClr>
+          </a:lnRef>
+          <a:fillRef idx="1">
+            <a:schemeClr val="accent1"/>
+          </a:fillRef>
+          <a:effectRef idx="0">
+            <a:schemeClr val="accent1"/>
+          </a:effectRef>
+          <a:fontRef idx="minor">
+            <a:schemeClr val="lt1"/>
+          </a:fontRef>
+        </p:style>
+        <p:txBody>
+          <a:bodyPr rtlCol="0" anchor="ctr"/>
+          <a:lstStyle/>
+          <a:p>
+            <a:pPr algn="ctr"/>
+            <a:r>
+              <a:rPr lang="en-IN" dirty="0"/>
+              <a:t>IIS</a:t>
+            </a:r>
+          </a:p>
+          <a:p>
+            <a:pPr algn="ctr"/>
+            <a:r>
+              <a:rPr lang="en-IN" dirty="0"/>
+              <a:t>Web Server</a:t>
+            </a:r>
+            <a:endParaRPr lang="en-US" dirty="0"/>
+          </a:p>
+        </p:txBody>
+      </p:sp>
+      <p:sp>
+        <p:nvSpPr>
+          <p:cNvPr id="12" name="Arrow: Right 11">
+            <a:extLst>
+              <a:ext uri="{FF2B5EF4-FFF2-40B4-BE49-F238E27FC236}">
+                <a16:creationId xmlns:a16="http://schemas.microsoft.com/office/drawing/2014/main" id="{A3D4C38C-A28C-FE4D-4E16-05D0B44C57D3}"/>
+              </a:ext>
+            </a:extLst>
+          </p:cNvPr>
+          <p:cNvSpPr/>
+          <p:nvPr/>
+        </p:nvSpPr>
+        <p:spPr>
+          <a:xfrm>
+            <a:off x="3769567" y="3542455"/>
+            <a:ext cx="3415004" cy="786949"/>
+          </a:xfrm>
+          <a:prstGeom prst="rightArrow">
+            <a:avLst/>
+          </a:prstGeom>
+        </p:spPr>
+        <p:style>
+          <a:lnRef idx="2">
+            <a:schemeClr val="accent1">
+              <a:shade val="50000"/>
+            </a:schemeClr>
+          </a:lnRef>
+          <a:fillRef idx="1">
+            <a:schemeClr val="accent1"/>
+          </a:fillRef>
+          <a:effectRef idx="0">
+            <a:schemeClr val="accent1"/>
+          </a:effectRef>
+          <a:fontRef idx="minor">
+            <a:schemeClr val="lt1"/>
+          </a:fontRef>
+        </p:style>
+        <p:txBody>
+          <a:bodyPr rtlCol="0" anchor="ctr"/>
+          <a:lstStyle/>
+          <a:p>
+            <a:pPr algn="ctr"/>
+            <a:r>
+              <a:rPr lang="en-IN" dirty="0"/>
+              <a:t>Session 1</a:t>
+            </a:r>
+            <a:endParaRPr lang="en-US" dirty="0"/>
+          </a:p>
+        </p:txBody>
+      </p:sp>
+      <p:sp>
+        <p:nvSpPr>
+          <p:cNvPr id="13" name="Arrow: Right 12">
+            <a:extLst>
+              <a:ext uri="{FF2B5EF4-FFF2-40B4-BE49-F238E27FC236}">
+                <a16:creationId xmlns:a16="http://schemas.microsoft.com/office/drawing/2014/main" id="{631B80D6-02FA-4375-5746-14282FB521D3}"/>
+              </a:ext>
+            </a:extLst>
+          </p:cNvPr>
+          <p:cNvSpPr/>
+          <p:nvPr/>
+        </p:nvSpPr>
+        <p:spPr>
+          <a:xfrm>
+            <a:off x="3727578" y="4357463"/>
+            <a:ext cx="3415004" cy="786949"/>
+          </a:xfrm>
+          <a:prstGeom prst="rightArrow">
+            <a:avLst/>
+          </a:prstGeom>
+        </p:spPr>
+        <p:style>
+          <a:lnRef idx="2">
+            <a:schemeClr val="accent1">
+              <a:shade val="50000"/>
+            </a:schemeClr>
+          </a:lnRef>
+          <a:fillRef idx="1">
+            <a:schemeClr val="accent1"/>
+          </a:fillRef>
+          <a:effectRef idx="0">
+            <a:schemeClr val="accent1"/>
+          </a:effectRef>
+          <a:fontRef idx="minor">
+            <a:schemeClr val="lt1"/>
+          </a:fontRef>
+        </p:style>
+        <p:txBody>
+          <a:bodyPr rtlCol="0" anchor="ctr"/>
+          <a:lstStyle/>
+          <a:p>
+            <a:pPr algn="ctr"/>
+            <a:r>
+              <a:rPr lang="en-IN" dirty="0"/>
+              <a:t>Session 2</a:t>
+            </a:r>
+            <a:endParaRPr lang="en-US" dirty="0"/>
+          </a:p>
+        </p:txBody>
+      </p:sp>
+      <p:sp>
+        <p:nvSpPr>
+          <p:cNvPr id="14" name="Arrow: Right 13">
+            <a:extLst>
+              <a:ext uri="{FF2B5EF4-FFF2-40B4-BE49-F238E27FC236}">
+                <a16:creationId xmlns:a16="http://schemas.microsoft.com/office/drawing/2014/main" id="{91383DF1-1CC1-527C-59A5-A4F03B6FA8D2}"/>
+              </a:ext>
+            </a:extLst>
+          </p:cNvPr>
+          <p:cNvSpPr/>
+          <p:nvPr/>
+        </p:nvSpPr>
+        <p:spPr>
+          <a:xfrm>
+            <a:off x="3748573" y="5194014"/>
+            <a:ext cx="3415004" cy="786949"/>
+          </a:xfrm>
+          <a:prstGeom prst="rightArrow">
+            <a:avLst/>
+          </a:prstGeom>
+        </p:spPr>
+        <p:style>
+          <a:lnRef idx="2">
+            <a:schemeClr val="accent1">
+              <a:shade val="50000"/>
+            </a:schemeClr>
+          </a:lnRef>
+          <a:fillRef idx="1">
+            <a:schemeClr val="accent1"/>
+          </a:fillRef>
+          <a:effectRef idx="0">
+            <a:schemeClr val="accent1"/>
+          </a:effectRef>
+          <a:fontRef idx="minor">
+            <a:schemeClr val="lt1"/>
+          </a:fontRef>
+        </p:style>
+        <p:txBody>
+          <a:bodyPr rtlCol="0" anchor="ctr"/>
+          <a:lstStyle/>
+          <a:p>
+            <a:pPr algn="ctr"/>
+            <a:r>
+              <a:rPr lang="en-IN" dirty="0"/>
+              <a:t>Session n</a:t>
+            </a:r>
+            <a:endParaRPr lang="en-US" dirty="0"/>
+          </a:p>
+        </p:txBody>
+      </p:sp>
+      <p:sp>
+        <p:nvSpPr>
+          <p:cNvPr id="15" name="TextBox 14">
+            <a:extLst>
+              <a:ext uri="{FF2B5EF4-FFF2-40B4-BE49-F238E27FC236}">
+                <a16:creationId xmlns:a16="http://schemas.microsoft.com/office/drawing/2014/main" id="{883E71C1-90CC-64A9-7797-48916BA2799B}"/>
+              </a:ext>
+            </a:extLst>
+          </p:cNvPr>
+          <p:cNvSpPr txBox="1"/>
+          <p:nvPr/>
+        </p:nvSpPr>
+        <p:spPr>
+          <a:xfrm>
+            <a:off x="1772816" y="6138334"/>
+            <a:ext cx="4917233" cy="369332"/>
+          </a:xfrm>
+          <a:prstGeom prst="rect">
+            <a:avLst/>
+          </a:prstGeom>
+          <a:noFill/>
+        </p:spPr>
+        <p:txBody>
+          <a:bodyPr wrap="square" rtlCol="0">
+            <a:spAutoFit/>
+          </a:bodyPr>
+          <a:lstStyle/>
+          <a:p>
+            <a:r>
+              <a:rPr lang="en-IN" dirty="0"/>
+              <a:t>The </a:t>
+            </a:r>
+            <a:r>
+              <a:rPr lang="en-IN"/>
+              <a:t>Web Server process </a:t>
+            </a:r>
+            <a:r>
+              <a:rPr lang="en-IN" dirty="0"/>
+              <a:t>each request concurrently</a:t>
+            </a:r>
+            <a:endParaRPr lang="en-US" dirty="0"/>
+          </a:p>
+        </p:txBody>
+      </p:sp>
+    </p:spTree>
+    <p:extLst>
+      <p:ext uri="{BB962C8B-B14F-4D97-AF65-F5344CB8AC3E}">
+        <p14:creationId xmlns:p14="http://schemas.microsoft.com/office/powerpoint/2010/main" val="2790400937"/>
+      </p:ext>
+    </p:extLst>
+  </p:cSld>
+  <p:clrMapOvr>
+    <a:masterClrMapping/>
+  </p:clrMapOvr>
+</p:sld>
+</file>
+
 <file path=ppt/slides/slide2.xml><?xml version="1.0" encoding="utf-8"?>
 <p:sld xmlns:a="http://schemas.openxmlformats.org/drawingml/2006/main" xmlns:r="http://schemas.openxmlformats.org/officeDocument/2006/relationships" xmlns:p="http://schemas.openxmlformats.org/presentationml/2006/main">
   <p:cSld>

--- a/Training_Images.pptx
+++ b/Training_Images.pptx
@@ -7804,20 +7804,202 @@
           <a:p>
             <a:r>
               <a:rPr lang="en-IN" dirty="0"/>
-              <a:t>The </a:t>
-            </a:r>
-            <a:r>
-              <a:rPr lang="en-IN"/>
-              <a:t>Web Server process </a:t>
-            </a:r>
+              <a:t>The Web Server process each request concurrently</a:t>
+            </a:r>
+            <a:endParaRPr lang="en-US" dirty="0"/>
+          </a:p>
+        </p:txBody>
+      </p:sp>
+      <p:sp>
+        <p:nvSpPr>
+          <p:cNvPr id="16" name="Rectangle 15">
+            <a:extLst>
+              <a:ext uri="{FF2B5EF4-FFF2-40B4-BE49-F238E27FC236}">
+                <a16:creationId xmlns:a16="http://schemas.microsoft.com/office/drawing/2014/main" id="{3DAAFBA5-CD50-53F7-A78D-049C41668DC3}"/>
+              </a:ext>
+            </a:extLst>
+          </p:cNvPr>
+          <p:cNvSpPr/>
+          <p:nvPr/>
+        </p:nvSpPr>
+        <p:spPr>
+          <a:xfrm>
+            <a:off x="7142582" y="5290457"/>
+            <a:ext cx="1782147" cy="690506"/>
+          </a:xfrm>
+          <a:prstGeom prst="rect">
+            <a:avLst/>
+          </a:prstGeom>
+          <a:solidFill>
+            <a:srgbClr val="FFFF00"/>
+          </a:solidFill>
+        </p:spPr>
+        <p:style>
+          <a:lnRef idx="2">
+            <a:schemeClr val="accent1">
+              <a:shade val="50000"/>
+            </a:schemeClr>
+          </a:lnRef>
+          <a:fillRef idx="1">
+            <a:schemeClr val="accent1"/>
+          </a:fillRef>
+          <a:effectRef idx="0">
+            <a:schemeClr val="accent1"/>
+          </a:effectRef>
+          <a:fontRef idx="minor">
+            <a:schemeClr val="lt1"/>
+          </a:fontRef>
+        </p:style>
+        <p:txBody>
+          <a:bodyPr rtlCol="0" anchor="ctr"/>
+          <a:lstStyle/>
+          <a:p>
+            <a:pPr algn="ctr"/>
+            <a:r>
+              <a:rPr lang="en-IN" dirty="0">
+                <a:solidFill>
+                  <a:srgbClr val="FF0000"/>
+                </a:solidFill>
+              </a:rPr>
+              <a:t>Large Collection</a:t>
+            </a:r>
+            <a:endParaRPr lang="en-US" dirty="0">
+              <a:solidFill>
+                <a:srgbClr val="FF0000"/>
+              </a:solidFill>
+            </a:endParaRPr>
+          </a:p>
+        </p:txBody>
+      </p:sp>
+      <p:sp>
+        <p:nvSpPr>
+          <p:cNvPr id="17" name="TextBox 16">
+            <a:extLst>
+              <a:ext uri="{FF2B5EF4-FFF2-40B4-BE49-F238E27FC236}">
+                <a16:creationId xmlns:a16="http://schemas.microsoft.com/office/drawing/2014/main" id="{D6782782-A562-849E-14BA-99A53E196C5F}"/>
+              </a:ext>
+            </a:extLst>
+          </p:cNvPr>
+          <p:cNvSpPr txBox="1"/>
+          <p:nvPr/>
+        </p:nvSpPr>
+        <p:spPr>
+          <a:xfrm>
+            <a:off x="9311951" y="5144412"/>
+            <a:ext cx="2575249" cy="369332"/>
+          </a:xfrm>
+          <a:prstGeom prst="rect">
+            <a:avLst/>
+          </a:prstGeom>
+          <a:noFill/>
+        </p:spPr>
+        <p:txBody>
+          <a:bodyPr wrap="square" rtlCol="0">
+            <a:spAutoFit/>
+          </a:bodyPr>
+          <a:lstStyle/>
+          <a:p>
             <a:r>
               <a:rPr lang="en-IN" dirty="0"/>
-              <a:t>each request concurrently</a:t>
+              <a:t>10 Seconds Per request</a:t>
             </a:r>
             <a:endParaRPr lang="en-US" dirty="0"/>
           </a:p>
         </p:txBody>
       </p:sp>
+      <p:cxnSp>
+        <p:nvCxnSpPr>
+          <p:cNvPr id="19" name="Connector: Elbow 18">
+            <a:extLst>
+              <a:ext uri="{FF2B5EF4-FFF2-40B4-BE49-F238E27FC236}">
+                <a16:creationId xmlns:a16="http://schemas.microsoft.com/office/drawing/2014/main" id="{E3F7AE26-7398-7DF2-DB17-FBBFB0C230D1}"/>
+              </a:ext>
+            </a:extLst>
+          </p:cNvPr>
+          <p:cNvCxnSpPr>
+            <a:cxnSpLocks/>
+            <a:stCxn id="17" idx="1"/>
+            <a:endCxn id="16" idx="3"/>
+          </p:cNvCxnSpPr>
+          <p:nvPr/>
+        </p:nvCxnSpPr>
+        <p:spPr>
+          <a:xfrm rot="10800000" flipV="1">
+            <a:off x="8924729" y="5329078"/>
+            <a:ext cx="387222" cy="306632"/>
+          </a:xfrm>
+          <a:prstGeom prst="bentConnector3">
+            <a:avLst>
+              <a:gd name="adj1" fmla="val 50000"/>
+            </a:avLst>
+          </a:prstGeom>
+          <a:ln>
+            <a:tailEnd type="triangle"/>
+          </a:ln>
+        </p:spPr>
+        <p:style>
+          <a:lnRef idx="1">
+            <a:schemeClr val="accent1"/>
+          </a:lnRef>
+          <a:fillRef idx="0">
+            <a:schemeClr val="accent1"/>
+          </a:fillRef>
+          <a:effectRef idx="0">
+            <a:schemeClr val="accent1"/>
+          </a:effectRef>
+          <a:fontRef idx="minor">
+            <a:schemeClr val="tx1"/>
+          </a:fontRef>
+        </p:style>
+      </p:cxnSp>
+      <p:cxnSp>
+        <p:nvCxnSpPr>
+          <p:cNvPr id="22" name="Connector: Elbow 21">
+            <a:extLst>
+              <a:ext uri="{FF2B5EF4-FFF2-40B4-BE49-F238E27FC236}">
+                <a16:creationId xmlns:a16="http://schemas.microsoft.com/office/drawing/2014/main" id="{337ACB2A-2F92-2BCC-33E2-784B4AF1F197}"/>
+              </a:ext>
+            </a:extLst>
+          </p:cNvPr>
+          <p:cNvCxnSpPr>
+            <a:cxnSpLocks/>
+            <a:stCxn id="17" idx="0"/>
+            <a:endCxn id="9" idx="2"/>
+          </p:cNvCxnSpPr>
+          <p:nvPr/>
+        </p:nvCxnSpPr>
+        <p:spPr>
+          <a:xfrm rot="16200000" flipV="1">
+            <a:off x="5160539" y="-294625"/>
+            <a:ext cx="1421498" cy="9456576"/>
+          </a:xfrm>
+          <a:prstGeom prst="bentConnector3">
+            <a:avLst>
+              <a:gd name="adj1" fmla="val 50000"/>
+            </a:avLst>
+          </a:prstGeom>
+          <a:ln w="57150">
+            <a:solidFill>
+              <a:srgbClr val="FFFF00"/>
+            </a:solidFill>
+            <a:tailEnd type="triangle"/>
+          </a:ln>
+        </p:spPr>
+        <p:style>
+          <a:lnRef idx="1">
+            <a:schemeClr val="accent1"/>
+          </a:lnRef>
+          <a:fillRef idx="0">
+            <a:schemeClr val="accent1"/>
+          </a:fillRef>
+          <a:effectRef idx="0">
+            <a:schemeClr val="accent1"/>
+          </a:effectRef>
+          <a:fontRef idx="minor">
+            <a:schemeClr val="tx1"/>
+          </a:fontRef>
+        </p:style>
+      </p:cxnSp>
     </p:spTree>
     <p:extLst>
       <p:ext uri="{BB962C8B-B14F-4D97-AF65-F5344CB8AC3E}">

--- a/Training_Images.pptx
+++ b/Training_Images.pptx
@@ -16,6 +16,8 @@
     <p:sldId id="264" r:id="rId10"/>
     <p:sldId id="265" r:id="rId11"/>
     <p:sldId id="266" r:id="rId12"/>
+    <p:sldId id="267" r:id="rId13"/>
+    <p:sldId id="268" r:id="rId14"/>
   </p:sldIdLst>
   <p:sldSz cx="12192000" cy="6858000"/>
   <p:notesSz cx="6858000" cy="9144000"/>
@@ -269,7 +271,7 @@
           <a:p>
             <a:fld id="{F4B84776-BAA1-48A5-B83E-3E40081DB21F}" type="datetimeFigureOut">
               <a:rPr lang="en-US" smtClean="0"/>
-              <a:t>9/27/2022</a:t>
+              <a:t>9/28/2022</a:t>
             </a:fld>
             <a:endParaRPr lang="en-US"/>
           </a:p>
@@ -467,7 +469,7 @@
           <a:p>
             <a:fld id="{F4B84776-BAA1-48A5-B83E-3E40081DB21F}" type="datetimeFigureOut">
               <a:rPr lang="en-US" smtClean="0"/>
-              <a:t>9/27/2022</a:t>
+              <a:t>9/28/2022</a:t>
             </a:fld>
             <a:endParaRPr lang="en-US"/>
           </a:p>
@@ -675,7 +677,7 @@
           <a:p>
             <a:fld id="{F4B84776-BAA1-48A5-B83E-3E40081DB21F}" type="datetimeFigureOut">
               <a:rPr lang="en-US" smtClean="0"/>
-              <a:t>9/27/2022</a:t>
+              <a:t>9/28/2022</a:t>
             </a:fld>
             <a:endParaRPr lang="en-US"/>
           </a:p>
@@ -873,7 +875,7 @@
           <a:p>
             <a:fld id="{F4B84776-BAA1-48A5-B83E-3E40081DB21F}" type="datetimeFigureOut">
               <a:rPr lang="en-US" smtClean="0"/>
-              <a:t>9/27/2022</a:t>
+              <a:t>9/28/2022</a:t>
             </a:fld>
             <a:endParaRPr lang="en-US"/>
           </a:p>
@@ -1148,7 +1150,7 @@
           <a:p>
             <a:fld id="{F4B84776-BAA1-48A5-B83E-3E40081DB21F}" type="datetimeFigureOut">
               <a:rPr lang="en-US" smtClean="0"/>
-              <a:t>9/27/2022</a:t>
+              <a:t>9/28/2022</a:t>
             </a:fld>
             <a:endParaRPr lang="en-US"/>
           </a:p>
@@ -1413,7 +1415,7 @@
           <a:p>
             <a:fld id="{F4B84776-BAA1-48A5-B83E-3E40081DB21F}" type="datetimeFigureOut">
               <a:rPr lang="en-US" smtClean="0"/>
-              <a:t>9/27/2022</a:t>
+              <a:t>9/28/2022</a:t>
             </a:fld>
             <a:endParaRPr lang="en-US"/>
           </a:p>
@@ -1825,7 +1827,7 @@
           <a:p>
             <a:fld id="{F4B84776-BAA1-48A5-B83E-3E40081DB21F}" type="datetimeFigureOut">
               <a:rPr lang="en-US" smtClean="0"/>
-              <a:t>9/27/2022</a:t>
+              <a:t>9/28/2022</a:t>
             </a:fld>
             <a:endParaRPr lang="en-US"/>
           </a:p>
@@ -1966,7 +1968,7 @@
           <a:p>
             <a:fld id="{F4B84776-BAA1-48A5-B83E-3E40081DB21F}" type="datetimeFigureOut">
               <a:rPr lang="en-US" smtClean="0"/>
-              <a:t>9/27/2022</a:t>
+              <a:t>9/28/2022</a:t>
             </a:fld>
             <a:endParaRPr lang="en-US"/>
           </a:p>
@@ -2079,7 +2081,7 @@
           <a:p>
             <a:fld id="{F4B84776-BAA1-48A5-B83E-3E40081DB21F}" type="datetimeFigureOut">
               <a:rPr lang="en-US" smtClean="0"/>
-              <a:t>9/27/2022</a:t>
+              <a:t>9/28/2022</a:t>
             </a:fld>
             <a:endParaRPr lang="en-US"/>
           </a:p>
@@ -2390,7 +2392,7 @@
           <a:p>
             <a:fld id="{F4B84776-BAA1-48A5-B83E-3E40081DB21F}" type="datetimeFigureOut">
               <a:rPr lang="en-US" smtClean="0"/>
-              <a:t>9/27/2022</a:t>
+              <a:t>9/28/2022</a:t>
             </a:fld>
             <a:endParaRPr lang="en-US"/>
           </a:p>
@@ -2678,7 +2680,7 @@
           <a:p>
             <a:fld id="{F4B84776-BAA1-48A5-B83E-3E40081DB21F}" type="datetimeFigureOut">
               <a:rPr lang="en-US" smtClean="0"/>
-              <a:t>9/27/2022</a:t>
+              <a:t>9/28/2022</a:t>
             </a:fld>
             <a:endParaRPr lang="en-US"/>
           </a:p>
@@ -2919,7 +2921,7 @@
           <a:p>
             <a:fld id="{F4B84776-BAA1-48A5-B83E-3E40081DB21F}" type="datetimeFigureOut">
               <a:rPr lang="en-US" smtClean="0"/>
-              <a:t>9/27/2022</a:t>
+              <a:t>9/28/2022</a:t>
             </a:fld>
             <a:endParaRPr lang="en-US"/>
           </a:p>
@@ -8013,6 +8015,574 @@
 </p:sld>
 </file>
 
+<file path=ppt/slides/slide12.xml><?xml version="1.0" encoding="utf-8"?>
+<p:sld xmlns:a="http://schemas.openxmlformats.org/drawingml/2006/main" xmlns:r="http://schemas.openxmlformats.org/officeDocument/2006/relationships" xmlns:p="http://schemas.openxmlformats.org/presentationml/2006/main">
+  <p:cSld>
+    <p:spTree>
+      <p:nvGrpSpPr>
+        <p:cNvPr id="1" name=""/>
+        <p:cNvGrpSpPr/>
+        <p:nvPr/>
+      </p:nvGrpSpPr>
+      <p:grpSpPr>
+        <a:xfrm>
+          <a:off x="0" y="0"/>
+          <a:ext cx="0" cy="0"/>
+          <a:chOff x="0" y="0"/>
+          <a:chExt cx="0" cy="0"/>
+        </a:xfrm>
+      </p:grpSpPr>
+      <p:sp>
+        <p:nvSpPr>
+          <p:cNvPr id="2" name="TextBox 1">
+            <a:extLst>
+              <a:ext uri="{FF2B5EF4-FFF2-40B4-BE49-F238E27FC236}">
+                <a16:creationId xmlns:a16="http://schemas.microsoft.com/office/drawing/2014/main" id="{5A8FCE5A-ACB3-9E21-845C-970EAA5690CF}"/>
+              </a:ext>
+            </a:extLst>
+          </p:cNvPr>
+          <p:cNvSpPr txBox="1"/>
+          <p:nvPr/>
+        </p:nvSpPr>
+        <p:spPr>
+          <a:xfrm>
+            <a:off x="251927" y="223935"/>
+            <a:ext cx="11775232" cy="4247317"/>
+          </a:xfrm>
+          <a:prstGeom prst="rect">
+            <a:avLst/>
+          </a:prstGeom>
+          <a:noFill/>
+        </p:spPr>
+        <p:txBody>
+          <a:bodyPr wrap="square" rtlCol="0">
+            <a:spAutoFit/>
+          </a:bodyPr>
+          <a:lstStyle/>
+          <a:p>
+            <a:r>
+              <a:rPr lang="en-IN" dirty="0"/>
+              <a:t>1. Staff:</a:t>
+            </a:r>
+          </a:p>
+          <a:p>
+            <a:r>
+              <a:rPr lang="en-IN" dirty="0" err="1"/>
+              <a:t>StaffId</a:t>
+            </a:r>
+            <a:r>
+              <a:rPr lang="en-IN" dirty="0"/>
+              <a:t>, </a:t>
+            </a:r>
+            <a:r>
+              <a:rPr lang="en-IN" dirty="0" err="1"/>
+              <a:t>StaffName</a:t>
+            </a:r>
+            <a:r>
+              <a:rPr lang="en-IN" dirty="0"/>
+              <a:t>, </a:t>
+            </a:r>
+            <a:r>
+              <a:rPr lang="en-IN" dirty="0" err="1"/>
+              <a:t>StaffType</a:t>
+            </a:r>
+            <a:r>
+              <a:rPr lang="en-IN" dirty="0"/>
+              <a:t>, Address, Contact no, Email, Qualifications, Gender, </a:t>
+            </a:r>
+            <a:r>
+              <a:rPr lang="en-IN" dirty="0" err="1"/>
+              <a:t>DateOfBirth</a:t>
+            </a:r>
+            <a:r>
+              <a:rPr lang="en-IN" dirty="0"/>
+              <a:t>, specialization, Fees, </a:t>
+            </a:r>
+            <a:r>
+              <a:rPr lang="en-IN" dirty="0" err="1"/>
+              <a:t>Alloewanceas</a:t>
+            </a:r>
+            <a:r>
+              <a:rPr lang="en-IN" dirty="0"/>
+              <a:t>, </a:t>
+            </a:r>
+            <a:r>
+              <a:rPr lang="en-IN" dirty="0" err="1"/>
+              <a:t>NoOfPatients</a:t>
+            </a:r>
+            <a:r>
+              <a:rPr lang="en-IN" dirty="0"/>
+              <a:t>, </a:t>
+            </a:r>
+            <a:r>
+              <a:rPr lang="en-IN" dirty="0" err="1"/>
+              <a:t>BasicPay</a:t>
+            </a:r>
+            <a:r>
+              <a:rPr lang="en-IN" dirty="0"/>
+              <a:t>, TDS, GST, </a:t>
+            </a:r>
+            <a:r>
+              <a:rPr lang="en-IN" dirty="0" err="1"/>
+              <a:t>GrossIncome</a:t>
+            </a:r>
+            <a:r>
+              <a:rPr lang="en-IN" dirty="0"/>
+              <a:t>, </a:t>
+            </a:r>
+            <a:r>
+              <a:rPr lang="en-IN" dirty="0" err="1"/>
+              <a:t>NetIncome</a:t>
+            </a:r>
+            <a:r>
+              <a:rPr lang="en-IN" dirty="0"/>
+              <a:t>, </a:t>
+            </a:r>
+            <a:r>
+              <a:rPr lang="en-IN" dirty="0" err="1"/>
+              <a:t>ShareToHospital</a:t>
+            </a:r>
+            <a:endParaRPr lang="en-IN" dirty="0"/>
+          </a:p>
+          <a:p>
+            <a:endParaRPr lang="en-IN" dirty="0"/>
+          </a:p>
+          <a:p>
+            <a:r>
+              <a:rPr lang="en-IN" dirty="0"/>
+              <a:t>2. Ward:</a:t>
+            </a:r>
+          </a:p>
+          <a:p>
+            <a:r>
+              <a:rPr lang="en-IN" dirty="0" err="1"/>
+              <a:t>WardId</a:t>
+            </a:r>
+            <a:r>
+              <a:rPr lang="en-IN" dirty="0"/>
+              <a:t>, </a:t>
+            </a:r>
+            <a:r>
+              <a:rPr lang="en-IN" dirty="0" err="1"/>
+              <a:t>WardName</a:t>
+            </a:r>
+            <a:r>
+              <a:rPr lang="en-IN" dirty="0"/>
+              <a:t>, </a:t>
+            </a:r>
+            <a:r>
+              <a:rPr lang="en-IN" dirty="0" err="1"/>
+              <a:t>NoofRooms</a:t>
+            </a:r>
+            <a:r>
+              <a:rPr lang="en-IN" dirty="0"/>
+              <a:t>, </a:t>
+            </a:r>
+            <a:r>
+              <a:rPr lang="en-IN" dirty="0" err="1"/>
+              <a:t>RoomNo</a:t>
+            </a:r>
+            <a:r>
+              <a:rPr lang="en-IN" dirty="0"/>
+              <a:t>, </a:t>
+            </a:r>
+            <a:r>
+              <a:rPr lang="en-IN" dirty="0" err="1"/>
+              <a:t>RoomType</a:t>
+            </a:r>
+            <a:r>
+              <a:rPr lang="en-IN" dirty="0"/>
+              <a:t>, Capacity, </a:t>
+            </a:r>
+            <a:r>
+              <a:rPr lang="en-IN" dirty="0" err="1"/>
+              <a:t>Avaialble</a:t>
+            </a:r>
+            <a:r>
+              <a:rPr lang="en-IN" dirty="0"/>
+              <a:t>, </a:t>
+            </a:r>
+            <a:r>
+              <a:rPr lang="en-IN" dirty="0" err="1"/>
+              <a:t>NurseAllocated</a:t>
+            </a:r>
+            <a:r>
+              <a:rPr lang="en-IN" dirty="0"/>
+              <a:t>, </a:t>
+            </a:r>
+            <a:r>
+              <a:rPr lang="en-IN" dirty="0" err="1"/>
+              <a:t>DoctorAllocated</a:t>
+            </a:r>
+            <a:r>
+              <a:rPr lang="en-IN" dirty="0"/>
+              <a:t>, </a:t>
+            </a:r>
+            <a:r>
+              <a:rPr lang="en-IN" dirty="0" err="1"/>
+              <a:t>WardboyAllocated</a:t>
+            </a:r>
+            <a:endParaRPr lang="en-IN" dirty="0"/>
+          </a:p>
+          <a:p>
+            <a:endParaRPr lang="en-IN" dirty="0"/>
+          </a:p>
+          <a:p>
+            <a:r>
+              <a:rPr lang="en-IN" dirty="0"/>
+              <a:t>3. Patient:</a:t>
+            </a:r>
+          </a:p>
+          <a:p>
+            <a:r>
+              <a:rPr lang="en-IN" dirty="0" err="1"/>
+              <a:t>PatientId</a:t>
+            </a:r>
+            <a:r>
+              <a:rPr lang="en-IN" dirty="0"/>
+              <a:t>, </a:t>
+            </a:r>
+            <a:r>
+              <a:rPr lang="en-IN" dirty="0" err="1"/>
+              <a:t>PatientName</a:t>
+            </a:r>
+            <a:r>
+              <a:rPr lang="en-IN" dirty="0"/>
+              <a:t>, Address, City, </a:t>
+            </a:r>
+            <a:r>
+              <a:rPr lang="en-IN" dirty="0" err="1"/>
+              <a:t>Contactno,Email,Gender,DateOfBirth</a:t>
+            </a:r>
+            <a:r>
+              <a:rPr lang="en-IN" dirty="0"/>
+              <a:t>, Dieses, </a:t>
+            </a:r>
+            <a:r>
+              <a:rPr lang="en-IN" dirty="0" err="1"/>
+              <a:t>RoomNo</a:t>
+            </a:r>
+            <a:r>
+              <a:rPr lang="en-IN" dirty="0"/>
+              <a:t>, </a:t>
+            </a:r>
+            <a:r>
+              <a:rPr lang="en-IN" dirty="0" err="1"/>
+              <a:t>WardId</a:t>
+            </a:r>
+            <a:r>
+              <a:rPr lang="en-IN" dirty="0"/>
+              <a:t>, </a:t>
+            </a:r>
+            <a:r>
+              <a:rPr lang="en-IN" dirty="0" err="1"/>
+              <a:t>DoctorName</a:t>
+            </a:r>
+            <a:r>
+              <a:rPr lang="en-IN" dirty="0"/>
+              <a:t>, </a:t>
+            </a:r>
+            <a:r>
+              <a:rPr lang="en-IN" dirty="0" err="1"/>
+              <a:t>TypeOfMoideineProvides</a:t>
+            </a:r>
+            <a:r>
+              <a:rPr lang="en-IN" dirty="0"/>
+              <a:t>,</a:t>
+            </a:r>
+          </a:p>
+          <a:p>
+            <a:endParaRPr lang="en-IN" dirty="0"/>
+          </a:p>
+          <a:p>
+            <a:r>
+              <a:rPr lang="en-IN" dirty="0"/>
+              <a:t>4. </a:t>
+            </a:r>
+            <a:r>
+              <a:rPr lang="en-IN" dirty="0" err="1"/>
+              <a:t>Biil</a:t>
+            </a:r>
+            <a:endParaRPr lang="en-IN" dirty="0"/>
+          </a:p>
+          <a:p>
+            <a:r>
+              <a:rPr lang="en-IN" dirty="0" err="1"/>
+              <a:t>BillId</a:t>
+            </a:r>
+            <a:r>
+              <a:rPr lang="en-IN" dirty="0"/>
+              <a:t>, </a:t>
+            </a:r>
+            <a:r>
+              <a:rPr lang="en-IN" dirty="0" err="1"/>
+              <a:t>PatientName</a:t>
+            </a:r>
+            <a:r>
+              <a:rPr lang="en-IN" dirty="0"/>
+              <a:t>, </a:t>
+            </a:r>
+            <a:r>
+              <a:rPr lang="en-IN" dirty="0" err="1"/>
+              <a:t>RoomBill</a:t>
+            </a:r>
+            <a:r>
+              <a:rPr lang="en-IN" dirty="0"/>
+              <a:t>, </a:t>
+            </a:r>
+            <a:r>
+              <a:rPr lang="en-IN" dirty="0" err="1"/>
+              <a:t>DoctorBill</a:t>
+            </a:r>
+            <a:r>
+              <a:rPr lang="en-IN" dirty="0"/>
+              <a:t>, </a:t>
+            </a:r>
+            <a:r>
+              <a:rPr lang="en-IN" dirty="0" err="1"/>
+              <a:t>MedicineBill</a:t>
+            </a:r>
+            <a:r>
+              <a:rPr lang="en-IN" dirty="0"/>
+              <a:t>, </a:t>
+            </a:r>
+            <a:r>
+              <a:rPr lang="en-IN" dirty="0" err="1"/>
+              <a:t>TotalBill</a:t>
+            </a:r>
+            <a:r>
+              <a:rPr lang="en-IN" dirty="0"/>
+              <a:t>	 </a:t>
+            </a:r>
+          </a:p>
+          <a:p>
+            <a:endParaRPr lang="en-US" dirty="0"/>
+          </a:p>
+        </p:txBody>
+      </p:sp>
+    </p:spTree>
+    <p:extLst>
+      <p:ext uri="{BB962C8B-B14F-4D97-AF65-F5344CB8AC3E}">
+        <p14:creationId xmlns:p14="http://schemas.microsoft.com/office/powerpoint/2010/main" val="1882381151"/>
+      </p:ext>
+    </p:extLst>
+  </p:cSld>
+  <p:clrMapOvr>
+    <a:masterClrMapping/>
+  </p:clrMapOvr>
+</p:sld>
+</file>
+
+<file path=ppt/slides/slide13.xml><?xml version="1.0" encoding="utf-8"?>
+<p:sld xmlns:a="http://schemas.openxmlformats.org/drawingml/2006/main" xmlns:r="http://schemas.openxmlformats.org/officeDocument/2006/relationships" xmlns:p="http://schemas.openxmlformats.org/presentationml/2006/main">
+  <p:cSld>
+    <p:spTree>
+      <p:nvGrpSpPr>
+        <p:cNvPr id="1" name=""/>
+        <p:cNvGrpSpPr/>
+        <p:nvPr/>
+      </p:nvGrpSpPr>
+      <p:grpSpPr>
+        <a:xfrm>
+          <a:off x="0" y="0"/>
+          <a:ext cx="0" cy="0"/>
+          <a:chOff x="0" y="0"/>
+          <a:chExt cx="0" cy="0"/>
+        </a:xfrm>
+      </p:grpSpPr>
+      <p:sp>
+        <p:nvSpPr>
+          <p:cNvPr id="2" name="TextBox 1">
+            <a:extLst>
+              <a:ext uri="{FF2B5EF4-FFF2-40B4-BE49-F238E27FC236}">
+                <a16:creationId xmlns:a16="http://schemas.microsoft.com/office/drawing/2014/main" id="{985E1222-A973-2B72-3282-0DA920D4C055}"/>
+              </a:ext>
+            </a:extLst>
+          </p:cNvPr>
+          <p:cNvSpPr txBox="1"/>
+          <p:nvPr/>
+        </p:nvSpPr>
+        <p:spPr>
+          <a:xfrm>
+            <a:off x="214604" y="158620"/>
+            <a:ext cx="1884784" cy="369332"/>
+          </a:xfrm>
+          <a:prstGeom prst="rect">
+            <a:avLst/>
+          </a:prstGeom>
+          <a:noFill/>
+        </p:spPr>
+        <p:txBody>
+          <a:bodyPr wrap="square" rtlCol="0">
+            <a:spAutoFit/>
+          </a:bodyPr>
+          <a:lstStyle/>
+          <a:p>
+            <a:r>
+              <a:rPr lang="en-IN" dirty="0"/>
+              <a:t>Doctor</a:t>
+            </a:r>
+            <a:endParaRPr lang="en-US" dirty="0"/>
+          </a:p>
+        </p:txBody>
+      </p:sp>
+      <p:sp>
+        <p:nvSpPr>
+          <p:cNvPr id="3" name="TextBox 2">
+            <a:extLst>
+              <a:ext uri="{FF2B5EF4-FFF2-40B4-BE49-F238E27FC236}">
+                <a16:creationId xmlns:a16="http://schemas.microsoft.com/office/drawing/2014/main" id="{CD7C1454-F435-014E-5EF8-BCC907EEC40A}"/>
+              </a:ext>
+            </a:extLst>
+          </p:cNvPr>
+          <p:cNvSpPr txBox="1"/>
+          <p:nvPr/>
+        </p:nvSpPr>
+        <p:spPr>
+          <a:xfrm>
+            <a:off x="4491135" y="332791"/>
+            <a:ext cx="1884784" cy="369332"/>
+          </a:xfrm>
+          <a:prstGeom prst="rect">
+            <a:avLst/>
+          </a:prstGeom>
+          <a:noFill/>
+        </p:spPr>
+        <p:txBody>
+          <a:bodyPr wrap="square" rtlCol="0">
+            <a:spAutoFit/>
+          </a:bodyPr>
+          <a:lstStyle/>
+          <a:p>
+            <a:r>
+              <a:rPr lang="en-IN" dirty="0"/>
+              <a:t>Ward</a:t>
+            </a:r>
+            <a:endParaRPr lang="en-US" dirty="0"/>
+          </a:p>
+        </p:txBody>
+      </p:sp>
+      <p:sp>
+        <p:nvSpPr>
+          <p:cNvPr id="4" name="TextBox 3">
+            <a:extLst>
+              <a:ext uri="{FF2B5EF4-FFF2-40B4-BE49-F238E27FC236}">
+                <a16:creationId xmlns:a16="http://schemas.microsoft.com/office/drawing/2014/main" id="{53CA046E-248A-EB0B-06C3-1B1E5D166B51}"/>
+              </a:ext>
+            </a:extLst>
+          </p:cNvPr>
+          <p:cNvSpPr txBox="1"/>
+          <p:nvPr/>
+        </p:nvSpPr>
+        <p:spPr>
+          <a:xfrm>
+            <a:off x="2404188" y="332791"/>
+            <a:ext cx="1884784" cy="369332"/>
+          </a:xfrm>
+          <a:prstGeom prst="rect">
+            <a:avLst/>
+          </a:prstGeom>
+          <a:noFill/>
+        </p:spPr>
+        <p:txBody>
+          <a:bodyPr wrap="square" rtlCol="0">
+            <a:spAutoFit/>
+          </a:bodyPr>
+          <a:lstStyle/>
+          <a:p>
+            <a:r>
+              <a:rPr lang="en-IN" dirty="0"/>
+              <a:t>Patient</a:t>
+            </a:r>
+            <a:endParaRPr lang="en-US" dirty="0"/>
+          </a:p>
+        </p:txBody>
+      </p:sp>
+      <p:sp>
+        <p:nvSpPr>
+          <p:cNvPr id="5" name="TextBox 4">
+            <a:extLst>
+              <a:ext uri="{FF2B5EF4-FFF2-40B4-BE49-F238E27FC236}">
+                <a16:creationId xmlns:a16="http://schemas.microsoft.com/office/drawing/2014/main" id="{84221837-A48C-454D-5205-5B7C6CE4611E}"/>
+              </a:ext>
+            </a:extLst>
+          </p:cNvPr>
+          <p:cNvSpPr txBox="1"/>
+          <p:nvPr/>
+        </p:nvSpPr>
+        <p:spPr>
+          <a:xfrm>
+            <a:off x="5340221" y="805542"/>
+            <a:ext cx="1884784" cy="369332"/>
+          </a:xfrm>
+          <a:prstGeom prst="rect">
+            <a:avLst/>
+          </a:prstGeom>
+          <a:noFill/>
+        </p:spPr>
+        <p:txBody>
+          <a:bodyPr wrap="square" rtlCol="0">
+            <a:spAutoFit/>
+          </a:bodyPr>
+          <a:lstStyle/>
+          <a:p>
+            <a:r>
+              <a:rPr lang="en-IN" dirty="0"/>
+              <a:t>Room</a:t>
+            </a:r>
+            <a:endParaRPr lang="en-US" dirty="0"/>
+          </a:p>
+        </p:txBody>
+      </p:sp>
+      <p:sp>
+        <p:nvSpPr>
+          <p:cNvPr id="6" name="TextBox 5">
+            <a:extLst>
+              <a:ext uri="{FF2B5EF4-FFF2-40B4-BE49-F238E27FC236}">
+                <a16:creationId xmlns:a16="http://schemas.microsoft.com/office/drawing/2014/main" id="{9DEA569F-6342-99E7-0DC2-9FFE0A1D4495}"/>
+              </a:ext>
+            </a:extLst>
+          </p:cNvPr>
+          <p:cNvSpPr txBox="1"/>
+          <p:nvPr/>
+        </p:nvSpPr>
+        <p:spPr>
+          <a:xfrm>
+            <a:off x="7853265" y="158620"/>
+            <a:ext cx="1884784" cy="369332"/>
+          </a:xfrm>
+          <a:prstGeom prst="rect">
+            <a:avLst/>
+          </a:prstGeom>
+          <a:noFill/>
+        </p:spPr>
+        <p:txBody>
+          <a:bodyPr wrap="square" rtlCol="0">
+            <a:spAutoFit/>
+          </a:bodyPr>
+          <a:lstStyle/>
+          <a:p>
+            <a:r>
+              <a:rPr lang="en-IN" dirty="0" err="1"/>
+              <a:t>Wardboy</a:t>
+            </a:r>
+            <a:endParaRPr lang="en-US" dirty="0"/>
+          </a:p>
+        </p:txBody>
+      </p:sp>
+    </p:spTree>
+    <p:extLst>
+      <p:ext uri="{BB962C8B-B14F-4D97-AF65-F5344CB8AC3E}">
+        <p14:creationId xmlns:p14="http://schemas.microsoft.com/office/powerpoint/2010/main" val="103878725"/>
+      </p:ext>
+    </p:extLst>
+  </p:cSld>
+  <p:clrMapOvr>
+    <a:masterClrMapping/>
+  </p:clrMapOvr>
+</p:sld>
+</file>
+
 <file path=ppt/slides/slide2.xml><?xml version="1.0" encoding="utf-8"?>
 <p:sld xmlns:a="http://schemas.openxmlformats.org/drawingml/2006/main" xmlns:r="http://schemas.openxmlformats.org/officeDocument/2006/relationships" xmlns:p="http://schemas.openxmlformats.org/presentationml/2006/main">
   <p:cSld>

--- a/Training_Images.pptx
+++ b/Training_Images.pptx
@@ -18,6 +18,9 @@
     <p:sldId id="266" r:id="rId12"/>
     <p:sldId id="267" r:id="rId13"/>
     <p:sldId id="268" r:id="rId14"/>
+    <p:sldId id="269" r:id="rId15"/>
+    <p:sldId id="270" r:id="rId16"/>
+    <p:sldId id="271" r:id="rId17"/>
   </p:sldIdLst>
   <p:sldSz cx="12192000" cy="6858000"/>
   <p:notesSz cx="6858000" cy="9144000"/>
@@ -271,7 +274,7 @@
           <a:p>
             <a:fld id="{F4B84776-BAA1-48A5-B83E-3E40081DB21F}" type="datetimeFigureOut">
               <a:rPr lang="en-US" smtClean="0"/>
-              <a:t>9/28/2022</a:t>
+              <a:t>9/29/2022</a:t>
             </a:fld>
             <a:endParaRPr lang="en-US"/>
           </a:p>
@@ -469,7 +472,7 @@
           <a:p>
             <a:fld id="{F4B84776-BAA1-48A5-B83E-3E40081DB21F}" type="datetimeFigureOut">
               <a:rPr lang="en-US" smtClean="0"/>
-              <a:t>9/28/2022</a:t>
+              <a:t>9/29/2022</a:t>
             </a:fld>
             <a:endParaRPr lang="en-US"/>
           </a:p>
@@ -677,7 +680,7 @@
           <a:p>
             <a:fld id="{F4B84776-BAA1-48A5-B83E-3E40081DB21F}" type="datetimeFigureOut">
               <a:rPr lang="en-US" smtClean="0"/>
-              <a:t>9/28/2022</a:t>
+              <a:t>9/29/2022</a:t>
             </a:fld>
             <a:endParaRPr lang="en-US"/>
           </a:p>
@@ -875,7 +878,7 @@
           <a:p>
             <a:fld id="{F4B84776-BAA1-48A5-B83E-3E40081DB21F}" type="datetimeFigureOut">
               <a:rPr lang="en-US" smtClean="0"/>
-              <a:t>9/28/2022</a:t>
+              <a:t>9/29/2022</a:t>
             </a:fld>
             <a:endParaRPr lang="en-US"/>
           </a:p>
@@ -1150,7 +1153,7 @@
           <a:p>
             <a:fld id="{F4B84776-BAA1-48A5-B83E-3E40081DB21F}" type="datetimeFigureOut">
               <a:rPr lang="en-US" smtClean="0"/>
-              <a:t>9/28/2022</a:t>
+              <a:t>9/29/2022</a:t>
             </a:fld>
             <a:endParaRPr lang="en-US"/>
           </a:p>
@@ -1415,7 +1418,7 @@
           <a:p>
             <a:fld id="{F4B84776-BAA1-48A5-B83E-3E40081DB21F}" type="datetimeFigureOut">
               <a:rPr lang="en-US" smtClean="0"/>
-              <a:t>9/28/2022</a:t>
+              <a:t>9/29/2022</a:t>
             </a:fld>
             <a:endParaRPr lang="en-US"/>
           </a:p>
@@ -1827,7 +1830,7 @@
           <a:p>
             <a:fld id="{F4B84776-BAA1-48A5-B83E-3E40081DB21F}" type="datetimeFigureOut">
               <a:rPr lang="en-US" smtClean="0"/>
-              <a:t>9/28/2022</a:t>
+              <a:t>9/29/2022</a:t>
             </a:fld>
             <a:endParaRPr lang="en-US"/>
           </a:p>
@@ -1968,7 +1971,7 @@
           <a:p>
             <a:fld id="{F4B84776-BAA1-48A5-B83E-3E40081DB21F}" type="datetimeFigureOut">
               <a:rPr lang="en-US" smtClean="0"/>
-              <a:t>9/28/2022</a:t>
+              <a:t>9/29/2022</a:t>
             </a:fld>
             <a:endParaRPr lang="en-US"/>
           </a:p>
@@ -2081,7 +2084,7 @@
           <a:p>
             <a:fld id="{F4B84776-BAA1-48A5-B83E-3E40081DB21F}" type="datetimeFigureOut">
               <a:rPr lang="en-US" smtClean="0"/>
-              <a:t>9/28/2022</a:t>
+              <a:t>9/29/2022</a:t>
             </a:fld>
             <a:endParaRPr lang="en-US"/>
           </a:p>
@@ -2392,7 +2395,7 @@
           <a:p>
             <a:fld id="{F4B84776-BAA1-48A5-B83E-3E40081DB21F}" type="datetimeFigureOut">
               <a:rPr lang="en-US" smtClean="0"/>
-              <a:t>9/28/2022</a:t>
+              <a:t>9/29/2022</a:t>
             </a:fld>
             <a:endParaRPr lang="en-US"/>
           </a:p>
@@ -2680,7 +2683,7 @@
           <a:p>
             <a:fld id="{F4B84776-BAA1-48A5-B83E-3E40081DB21F}" type="datetimeFigureOut">
               <a:rPr lang="en-US" smtClean="0"/>
-              <a:t>9/28/2022</a:t>
+              <a:t>9/29/2022</a:t>
             </a:fld>
             <a:endParaRPr lang="en-US"/>
           </a:p>
@@ -2921,7 +2924,7 @@
           <a:p>
             <a:fld id="{F4B84776-BAA1-48A5-B83E-3E40081DB21F}" type="datetimeFigureOut">
               <a:rPr lang="en-US" smtClean="0"/>
-              <a:t>9/28/2022</a:t>
+              <a:t>9/29/2022</a:t>
             </a:fld>
             <a:endParaRPr lang="en-US"/>
           </a:p>
@@ -8583,6 +8586,2662 @@
 </p:sld>
 </file>
 
+<file path=ppt/slides/slide14.xml><?xml version="1.0" encoding="utf-8"?>
+<p:sld xmlns:a="http://schemas.openxmlformats.org/drawingml/2006/main" xmlns:r="http://schemas.openxmlformats.org/officeDocument/2006/relationships" xmlns:p="http://schemas.openxmlformats.org/presentationml/2006/main">
+  <p:cSld>
+    <p:spTree>
+      <p:nvGrpSpPr>
+        <p:cNvPr id="1" name=""/>
+        <p:cNvGrpSpPr/>
+        <p:nvPr/>
+      </p:nvGrpSpPr>
+      <p:grpSpPr>
+        <a:xfrm>
+          <a:off x="0" y="0"/>
+          <a:ext cx="0" cy="0"/>
+          <a:chOff x="0" y="0"/>
+          <a:chExt cx="0" cy="0"/>
+        </a:xfrm>
+      </p:grpSpPr>
+      <p:sp>
+        <p:nvSpPr>
+          <p:cNvPr id="2" name="Cylinder 1">
+            <a:extLst>
+              <a:ext uri="{FF2B5EF4-FFF2-40B4-BE49-F238E27FC236}">
+                <a16:creationId xmlns:a16="http://schemas.microsoft.com/office/drawing/2014/main" id="{F6270044-429E-140C-C1AD-887AB56B111A}"/>
+              </a:ext>
+            </a:extLst>
+          </p:cNvPr>
+          <p:cNvSpPr/>
+          <p:nvPr/>
+        </p:nvSpPr>
+        <p:spPr>
+          <a:xfrm>
+            <a:off x="9349273" y="2202024"/>
+            <a:ext cx="2351315" cy="2230017"/>
+          </a:xfrm>
+          <a:prstGeom prst="can">
+            <a:avLst/>
+          </a:prstGeom>
+        </p:spPr>
+        <p:style>
+          <a:lnRef idx="2">
+            <a:schemeClr val="accent1">
+              <a:shade val="50000"/>
+            </a:schemeClr>
+          </a:lnRef>
+          <a:fillRef idx="1">
+            <a:schemeClr val="accent1"/>
+          </a:fillRef>
+          <a:effectRef idx="0">
+            <a:schemeClr val="accent1"/>
+          </a:effectRef>
+          <a:fontRef idx="minor">
+            <a:schemeClr val="lt1"/>
+          </a:fontRef>
+        </p:style>
+        <p:txBody>
+          <a:bodyPr rtlCol="0" anchor="ctr"/>
+          <a:lstStyle/>
+          <a:p>
+            <a:pPr algn="ctr"/>
+            <a:r>
+              <a:rPr lang="en-IN" dirty="0"/>
+              <a:t>DB</a:t>
+            </a:r>
+            <a:endParaRPr lang="en-US" dirty="0"/>
+          </a:p>
+        </p:txBody>
+      </p:sp>
+      <p:sp>
+        <p:nvSpPr>
+          <p:cNvPr id="3" name="Rectangle 2">
+            <a:extLst>
+              <a:ext uri="{FF2B5EF4-FFF2-40B4-BE49-F238E27FC236}">
+                <a16:creationId xmlns:a16="http://schemas.microsoft.com/office/drawing/2014/main" id="{E6AC2E8B-5D2F-7D0A-AAB0-6BE04CF9A2BC}"/>
+              </a:ext>
+            </a:extLst>
+          </p:cNvPr>
+          <p:cNvSpPr/>
+          <p:nvPr/>
+        </p:nvSpPr>
+        <p:spPr>
+          <a:xfrm>
+            <a:off x="6167535" y="886408"/>
+            <a:ext cx="2621902" cy="4516017"/>
+          </a:xfrm>
+          <a:prstGeom prst="rect">
+            <a:avLst/>
+          </a:prstGeom>
+        </p:spPr>
+        <p:style>
+          <a:lnRef idx="2">
+            <a:schemeClr val="accent1">
+              <a:shade val="50000"/>
+            </a:schemeClr>
+          </a:lnRef>
+          <a:fillRef idx="1">
+            <a:schemeClr val="accent1"/>
+          </a:fillRef>
+          <a:effectRef idx="0">
+            <a:schemeClr val="accent1"/>
+          </a:effectRef>
+          <a:fontRef idx="minor">
+            <a:schemeClr val="lt1"/>
+          </a:fontRef>
+        </p:style>
+        <p:txBody>
+          <a:bodyPr rtlCol="0" anchor="ctr"/>
+          <a:lstStyle/>
+          <a:p>
+            <a:pPr algn="ctr"/>
+            <a:r>
+              <a:rPr lang="en-IN" b="1" dirty="0"/>
+              <a:t>Data Access Layer</a:t>
+            </a:r>
+            <a:endParaRPr lang="en-US" b="1" dirty="0"/>
+          </a:p>
+        </p:txBody>
+      </p:sp>
+      <p:sp>
+        <p:nvSpPr>
+          <p:cNvPr id="4" name="Rectangle 3">
+            <a:extLst>
+              <a:ext uri="{FF2B5EF4-FFF2-40B4-BE49-F238E27FC236}">
+                <a16:creationId xmlns:a16="http://schemas.microsoft.com/office/drawing/2014/main" id="{1F9233F7-D3EF-1444-EABD-0F7E4FE32C3E}"/>
+              </a:ext>
+            </a:extLst>
+          </p:cNvPr>
+          <p:cNvSpPr/>
+          <p:nvPr/>
+        </p:nvSpPr>
+        <p:spPr>
+          <a:xfrm>
+            <a:off x="2957804" y="886408"/>
+            <a:ext cx="2621902" cy="4516017"/>
+          </a:xfrm>
+          <a:prstGeom prst="rect">
+            <a:avLst/>
+          </a:prstGeom>
+        </p:spPr>
+        <p:style>
+          <a:lnRef idx="2">
+            <a:schemeClr val="accent1">
+              <a:shade val="50000"/>
+            </a:schemeClr>
+          </a:lnRef>
+          <a:fillRef idx="1">
+            <a:schemeClr val="accent1"/>
+          </a:fillRef>
+          <a:effectRef idx="0">
+            <a:schemeClr val="accent1"/>
+          </a:effectRef>
+          <a:fontRef idx="minor">
+            <a:schemeClr val="lt1"/>
+          </a:fontRef>
+        </p:style>
+        <p:txBody>
+          <a:bodyPr rtlCol="0" anchor="ctr"/>
+          <a:lstStyle/>
+          <a:p>
+            <a:pPr algn="ctr"/>
+            <a:r>
+              <a:rPr lang="en-IN" b="1" dirty="0"/>
+              <a:t>Biz Workflows</a:t>
+            </a:r>
+            <a:endParaRPr lang="en-US" b="1" dirty="0"/>
+          </a:p>
+        </p:txBody>
+      </p:sp>
+      <p:sp>
+        <p:nvSpPr>
+          <p:cNvPr id="5" name="Rectangle 4">
+            <a:extLst>
+              <a:ext uri="{FF2B5EF4-FFF2-40B4-BE49-F238E27FC236}">
+                <a16:creationId xmlns:a16="http://schemas.microsoft.com/office/drawing/2014/main" id="{92AA459C-59D2-F0B3-53BF-04FE1B4A4797}"/>
+              </a:ext>
+            </a:extLst>
+          </p:cNvPr>
+          <p:cNvSpPr/>
+          <p:nvPr/>
+        </p:nvSpPr>
+        <p:spPr>
+          <a:xfrm>
+            <a:off x="522514" y="2817845"/>
+            <a:ext cx="1287625" cy="970383"/>
+          </a:xfrm>
+          <a:prstGeom prst="rect">
+            <a:avLst/>
+          </a:prstGeom>
+        </p:spPr>
+        <p:style>
+          <a:lnRef idx="2">
+            <a:schemeClr val="accent1">
+              <a:shade val="50000"/>
+            </a:schemeClr>
+          </a:lnRef>
+          <a:fillRef idx="1">
+            <a:schemeClr val="accent1"/>
+          </a:fillRef>
+          <a:effectRef idx="0">
+            <a:schemeClr val="accent1"/>
+          </a:effectRef>
+          <a:fontRef idx="minor">
+            <a:schemeClr val="lt1"/>
+          </a:fontRef>
+        </p:style>
+        <p:txBody>
+          <a:bodyPr rtlCol="0" anchor="ctr"/>
+          <a:lstStyle/>
+          <a:p>
+            <a:pPr algn="ctr"/>
+            <a:r>
+              <a:rPr lang="en-IN" b="1" dirty="0"/>
+              <a:t>UI</a:t>
+            </a:r>
+            <a:endParaRPr lang="en-US" b="1" dirty="0"/>
+          </a:p>
+        </p:txBody>
+      </p:sp>
+      <p:sp>
+        <p:nvSpPr>
+          <p:cNvPr id="6" name="Arrow: Right 5">
+            <a:extLst>
+              <a:ext uri="{FF2B5EF4-FFF2-40B4-BE49-F238E27FC236}">
+                <a16:creationId xmlns:a16="http://schemas.microsoft.com/office/drawing/2014/main" id="{04671C68-BADB-2E02-CF81-744CD3F14631}"/>
+              </a:ext>
+            </a:extLst>
+          </p:cNvPr>
+          <p:cNvSpPr/>
+          <p:nvPr/>
+        </p:nvSpPr>
+        <p:spPr>
+          <a:xfrm>
+            <a:off x="1810139" y="2752528"/>
+            <a:ext cx="7539134" cy="345233"/>
+          </a:xfrm>
+          <a:prstGeom prst="rightArrow">
+            <a:avLst/>
+          </a:prstGeom>
+          <a:solidFill>
+            <a:schemeClr val="accent2"/>
+          </a:solidFill>
+        </p:spPr>
+        <p:style>
+          <a:lnRef idx="2">
+            <a:schemeClr val="accent1">
+              <a:shade val="50000"/>
+            </a:schemeClr>
+          </a:lnRef>
+          <a:fillRef idx="1">
+            <a:schemeClr val="accent1"/>
+          </a:fillRef>
+          <a:effectRef idx="0">
+            <a:schemeClr val="accent1"/>
+          </a:effectRef>
+          <a:fontRef idx="minor">
+            <a:schemeClr val="lt1"/>
+          </a:fontRef>
+        </p:style>
+        <p:txBody>
+          <a:bodyPr rtlCol="0" anchor="ctr"/>
+          <a:lstStyle/>
+          <a:p>
+            <a:pPr algn="ctr"/>
+            <a:endParaRPr lang="en-US"/>
+          </a:p>
+        </p:txBody>
+      </p:sp>
+      <p:sp>
+        <p:nvSpPr>
+          <p:cNvPr id="7" name="Arrow: Left 6">
+            <a:extLst>
+              <a:ext uri="{FF2B5EF4-FFF2-40B4-BE49-F238E27FC236}">
+                <a16:creationId xmlns:a16="http://schemas.microsoft.com/office/drawing/2014/main" id="{720E1ADE-42EA-B20B-EDDC-F2CDFD6327C1}"/>
+              </a:ext>
+            </a:extLst>
+          </p:cNvPr>
+          <p:cNvSpPr/>
+          <p:nvPr/>
+        </p:nvSpPr>
+        <p:spPr>
+          <a:xfrm>
+            <a:off x="1810139" y="3354352"/>
+            <a:ext cx="7539134" cy="359228"/>
+          </a:xfrm>
+          <a:prstGeom prst="leftArrow">
+            <a:avLst/>
+          </a:prstGeom>
+          <a:solidFill>
+            <a:schemeClr val="accent2"/>
+          </a:solidFill>
+        </p:spPr>
+        <p:style>
+          <a:lnRef idx="2">
+            <a:schemeClr val="accent1">
+              <a:shade val="50000"/>
+            </a:schemeClr>
+          </a:lnRef>
+          <a:fillRef idx="1">
+            <a:schemeClr val="accent1"/>
+          </a:fillRef>
+          <a:effectRef idx="0">
+            <a:schemeClr val="accent1"/>
+          </a:effectRef>
+          <a:fontRef idx="minor">
+            <a:schemeClr val="lt1"/>
+          </a:fontRef>
+        </p:style>
+        <p:txBody>
+          <a:bodyPr rtlCol="0" anchor="ctr"/>
+          <a:lstStyle/>
+          <a:p>
+            <a:pPr algn="ctr"/>
+            <a:endParaRPr lang="en-US"/>
+          </a:p>
+        </p:txBody>
+      </p:sp>
+    </p:spTree>
+    <p:extLst>
+      <p:ext uri="{BB962C8B-B14F-4D97-AF65-F5344CB8AC3E}">
+        <p14:creationId xmlns:p14="http://schemas.microsoft.com/office/powerpoint/2010/main" val="2598743801"/>
+      </p:ext>
+    </p:extLst>
+  </p:cSld>
+  <p:clrMapOvr>
+    <a:masterClrMapping/>
+  </p:clrMapOvr>
+</p:sld>
+</file>
+
+<file path=ppt/slides/slide15.xml><?xml version="1.0" encoding="utf-8"?>
+<p:sld xmlns:a="http://schemas.openxmlformats.org/drawingml/2006/main" xmlns:r="http://schemas.openxmlformats.org/officeDocument/2006/relationships" xmlns:p="http://schemas.openxmlformats.org/presentationml/2006/main">
+  <p:cSld>
+    <p:spTree>
+      <p:nvGrpSpPr>
+        <p:cNvPr id="1" name=""/>
+        <p:cNvGrpSpPr/>
+        <p:nvPr/>
+      </p:nvGrpSpPr>
+      <p:grpSpPr>
+        <a:xfrm>
+          <a:off x="0" y="0"/>
+          <a:ext cx="0" cy="0"/>
+          <a:chOff x="0" y="0"/>
+          <a:chExt cx="0" cy="0"/>
+        </a:xfrm>
+      </p:grpSpPr>
+      <p:sp>
+        <p:nvSpPr>
+          <p:cNvPr id="2" name="Cylinder 1">
+            <a:extLst>
+              <a:ext uri="{FF2B5EF4-FFF2-40B4-BE49-F238E27FC236}">
+                <a16:creationId xmlns:a16="http://schemas.microsoft.com/office/drawing/2014/main" id="{8CDB7065-5DCD-CF12-D296-87D437D0989A}"/>
+              </a:ext>
+            </a:extLst>
+          </p:cNvPr>
+          <p:cNvSpPr/>
+          <p:nvPr/>
+        </p:nvSpPr>
+        <p:spPr>
+          <a:xfrm>
+            <a:off x="8108302" y="279918"/>
+            <a:ext cx="3769567" cy="6167535"/>
+          </a:xfrm>
+          <a:prstGeom prst="can">
+            <a:avLst>
+              <a:gd name="adj" fmla="val 7673"/>
+            </a:avLst>
+          </a:prstGeom>
+          <a:solidFill>
+            <a:srgbClr val="002060"/>
+          </a:solidFill>
+        </p:spPr>
+        <p:style>
+          <a:lnRef idx="2">
+            <a:schemeClr val="accent1">
+              <a:shade val="50000"/>
+            </a:schemeClr>
+          </a:lnRef>
+          <a:fillRef idx="1">
+            <a:schemeClr val="accent1"/>
+          </a:fillRef>
+          <a:effectRef idx="0">
+            <a:schemeClr val="accent1"/>
+          </a:effectRef>
+          <a:fontRef idx="minor">
+            <a:schemeClr val="lt1"/>
+          </a:fontRef>
+        </p:style>
+        <p:txBody>
+          <a:bodyPr rtlCol="0" anchor="ctr"/>
+          <a:lstStyle/>
+          <a:p>
+            <a:pPr algn="ctr"/>
+            <a:endParaRPr lang="en-US"/>
+          </a:p>
+        </p:txBody>
+      </p:sp>
+      <p:sp>
+        <p:nvSpPr>
+          <p:cNvPr id="3" name="Rectangle: Rounded Corners 2">
+            <a:extLst>
+              <a:ext uri="{FF2B5EF4-FFF2-40B4-BE49-F238E27FC236}">
+                <a16:creationId xmlns:a16="http://schemas.microsoft.com/office/drawing/2014/main" id="{A1FB5822-630B-A20A-D476-E95E194CD77B}"/>
+              </a:ext>
+            </a:extLst>
+          </p:cNvPr>
+          <p:cNvSpPr/>
+          <p:nvPr/>
+        </p:nvSpPr>
+        <p:spPr>
+          <a:xfrm>
+            <a:off x="382555" y="419878"/>
+            <a:ext cx="1847461" cy="1240971"/>
+          </a:xfrm>
+          <a:prstGeom prst="roundRect">
+            <a:avLst/>
+          </a:prstGeom>
+        </p:spPr>
+        <p:style>
+          <a:lnRef idx="2">
+            <a:schemeClr val="accent1">
+              <a:shade val="50000"/>
+            </a:schemeClr>
+          </a:lnRef>
+          <a:fillRef idx="1">
+            <a:schemeClr val="accent1"/>
+          </a:fillRef>
+          <a:effectRef idx="0">
+            <a:schemeClr val="accent1"/>
+          </a:effectRef>
+          <a:fontRef idx="minor">
+            <a:schemeClr val="lt1"/>
+          </a:fontRef>
+        </p:style>
+        <p:txBody>
+          <a:bodyPr rtlCol="0" anchor="ctr"/>
+          <a:lstStyle/>
+          <a:p>
+            <a:pPr algn="ctr"/>
+            <a:r>
+              <a:rPr lang="en-IN" b="1" dirty="0"/>
+              <a:t>C1</a:t>
+            </a:r>
+            <a:endParaRPr lang="en-US" b="1" dirty="0"/>
+          </a:p>
+        </p:txBody>
+      </p:sp>
+      <p:cxnSp>
+        <p:nvCxnSpPr>
+          <p:cNvPr id="5" name="Connector: Elbow 4">
+            <a:extLst>
+              <a:ext uri="{FF2B5EF4-FFF2-40B4-BE49-F238E27FC236}">
+                <a16:creationId xmlns:a16="http://schemas.microsoft.com/office/drawing/2014/main" id="{301D9A2D-F470-607F-3A57-F47C66E2FECC}"/>
+              </a:ext>
+            </a:extLst>
+          </p:cNvPr>
+          <p:cNvCxnSpPr>
+            <a:cxnSpLocks/>
+            <a:stCxn id="3" idx="3"/>
+            <a:endCxn id="2" idx="2"/>
+          </p:cNvCxnSpPr>
+          <p:nvPr/>
+        </p:nvCxnSpPr>
+        <p:spPr>
+          <a:xfrm>
+            <a:off x="2230016" y="1040364"/>
+            <a:ext cx="5878286" cy="2323322"/>
+          </a:xfrm>
+          <a:prstGeom prst="bentConnector3">
+            <a:avLst/>
+          </a:prstGeom>
+          <a:ln>
+            <a:headEnd type="triangle"/>
+            <a:tailEnd type="triangle"/>
+          </a:ln>
+        </p:spPr>
+        <p:style>
+          <a:lnRef idx="1">
+            <a:schemeClr val="accent1"/>
+          </a:lnRef>
+          <a:fillRef idx="0">
+            <a:schemeClr val="accent1"/>
+          </a:fillRef>
+          <a:effectRef idx="0">
+            <a:schemeClr val="accent1"/>
+          </a:effectRef>
+          <a:fontRef idx="minor">
+            <a:schemeClr val="tx1"/>
+          </a:fontRef>
+        </p:style>
+      </p:cxnSp>
+      <p:sp>
+        <p:nvSpPr>
+          <p:cNvPr id="6" name="Rectangle: Rounded Corners 5">
+            <a:extLst>
+              <a:ext uri="{FF2B5EF4-FFF2-40B4-BE49-F238E27FC236}">
+                <a16:creationId xmlns:a16="http://schemas.microsoft.com/office/drawing/2014/main" id="{04AB93FC-03DE-89F6-8B44-8A062B25C8FA}"/>
+              </a:ext>
+            </a:extLst>
+          </p:cNvPr>
+          <p:cNvSpPr/>
+          <p:nvPr/>
+        </p:nvSpPr>
+        <p:spPr>
+          <a:xfrm>
+            <a:off x="382555" y="2188029"/>
+            <a:ext cx="1847461" cy="1240971"/>
+          </a:xfrm>
+          <a:prstGeom prst="roundRect">
+            <a:avLst/>
+          </a:prstGeom>
+        </p:spPr>
+        <p:style>
+          <a:lnRef idx="2">
+            <a:schemeClr val="accent1">
+              <a:shade val="50000"/>
+            </a:schemeClr>
+          </a:lnRef>
+          <a:fillRef idx="1">
+            <a:schemeClr val="accent1"/>
+          </a:fillRef>
+          <a:effectRef idx="0">
+            <a:schemeClr val="accent1"/>
+          </a:effectRef>
+          <a:fontRef idx="minor">
+            <a:schemeClr val="lt1"/>
+          </a:fontRef>
+        </p:style>
+        <p:txBody>
+          <a:bodyPr rtlCol="0" anchor="ctr"/>
+          <a:lstStyle/>
+          <a:p>
+            <a:pPr algn="ctr"/>
+            <a:r>
+              <a:rPr lang="en-IN" b="1" dirty="0"/>
+              <a:t>C2</a:t>
+            </a:r>
+            <a:endParaRPr lang="en-US" b="1" dirty="0"/>
+          </a:p>
+        </p:txBody>
+      </p:sp>
+      <p:sp>
+        <p:nvSpPr>
+          <p:cNvPr id="7" name="Rectangle: Rounded Corners 6">
+            <a:extLst>
+              <a:ext uri="{FF2B5EF4-FFF2-40B4-BE49-F238E27FC236}">
+                <a16:creationId xmlns:a16="http://schemas.microsoft.com/office/drawing/2014/main" id="{6397DCD4-7C13-4110-EA25-4D298405B02C}"/>
+              </a:ext>
+            </a:extLst>
+          </p:cNvPr>
+          <p:cNvSpPr/>
+          <p:nvPr/>
+        </p:nvSpPr>
+        <p:spPr>
+          <a:xfrm>
+            <a:off x="382555" y="3867539"/>
+            <a:ext cx="1847461" cy="1240971"/>
+          </a:xfrm>
+          <a:prstGeom prst="roundRect">
+            <a:avLst/>
+          </a:prstGeom>
+        </p:spPr>
+        <p:style>
+          <a:lnRef idx="2">
+            <a:schemeClr val="accent1">
+              <a:shade val="50000"/>
+            </a:schemeClr>
+          </a:lnRef>
+          <a:fillRef idx="1">
+            <a:schemeClr val="accent1"/>
+          </a:fillRef>
+          <a:effectRef idx="0">
+            <a:schemeClr val="accent1"/>
+          </a:effectRef>
+          <a:fontRef idx="minor">
+            <a:schemeClr val="lt1"/>
+          </a:fontRef>
+        </p:style>
+        <p:txBody>
+          <a:bodyPr rtlCol="0" anchor="ctr"/>
+          <a:lstStyle/>
+          <a:p>
+            <a:pPr algn="ctr"/>
+            <a:r>
+              <a:rPr lang="en-IN" b="1" dirty="0"/>
+              <a:t>C3</a:t>
+            </a:r>
+            <a:endParaRPr lang="en-US" b="1" dirty="0"/>
+          </a:p>
+        </p:txBody>
+      </p:sp>
+      <p:sp>
+        <p:nvSpPr>
+          <p:cNvPr id="8" name="Rectangle: Rounded Corners 7">
+            <a:extLst>
+              <a:ext uri="{FF2B5EF4-FFF2-40B4-BE49-F238E27FC236}">
+                <a16:creationId xmlns:a16="http://schemas.microsoft.com/office/drawing/2014/main" id="{88924560-C06F-911D-5F91-5C8BA329DA8F}"/>
+              </a:ext>
+            </a:extLst>
+          </p:cNvPr>
+          <p:cNvSpPr/>
+          <p:nvPr/>
+        </p:nvSpPr>
+        <p:spPr>
+          <a:xfrm>
+            <a:off x="382555" y="5435080"/>
+            <a:ext cx="1847461" cy="1240971"/>
+          </a:xfrm>
+          <a:prstGeom prst="roundRect">
+            <a:avLst/>
+          </a:prstGeom>
+        </p:spPr>
+        <p:style>
+          <a:lnRef idx="2">
+            <a:schemeClr val="accent1">
+              <a:shade val="50000"/>
+            </a:schemeClr>
+          </a:lnRef>
+          <a:fillRef idx="1">
+            <a:schemeClr val="accent1"/>
+          </a:fillRef>
+          <a:effectRef idx="0">
+            <a:schemeClr val="accent1"/>
+          </a:effectRef>
+          <a:fontRef idx="minor">
+            <a:schemeClr val="lt1"/>
+          </a:fontRef>
+        </p:style>
+        <p:txBody>
+          <a:bodyPr rtlCol="0" anchor="ctr"/>
+          <a:lstStyle/>
+          <a:p>
+            <a:pPr algn="ctr"/>
+            <a:r>
+              <a:rPr lang="en-IN" b="1" dirty="0"/>
+              <a:t>Cn</a:t>
+            </a:r>
+            <a:endParaRPr lang="en-US" b="1" dirty="0"/>
+          </a:p>
+        </p:txBody>
+      </p:sp>
+      <p:cxnSp>
+        <p:nvCxnSpPr>
+          <p:cNvPr id="10" name="Connector: Elbow 9">
+            <a:extLst>
+              <a:ext uri="{FF2B5EF4-FFF2-40B4-BE49-F238E27FC236}">
+                <a16:creationId xmlns:a16="http://schemas.microsoft.com/office/drawing/2014/main" id="{16F91B03-711E-5B9C-1A6C-718C9017A808}"/>
+              </a:ext>
+            </a:extLst>
+          </p:cNvPr>
+          <p:cNvCxnSpPr>
+            <a:cxnSpLocks/>
+            <a:stCxn id="6" idx="3"/>
+            <a:endCxn id="2" idx="2"/>
+          </p:cNvCxnSpPr>
+          <p:nvPr/>
+        </p:nvCxnSpPr>
+        <p:spPr>
+          <a:xfrm>
+            <a:off x="2230016" y="2808515"/>
+            <a:ext cx="5878286" cy="555171"/>
+          </a:xfrm>
+          <a:prstGeom prst="bentConnector3">
+            <a:avLst/>
+          </a:prstGeom>
+          <a:ln>
+            <a:headEnd type="triangle"/>
+            <a:tailEnd type="triangle"/>
+          </a:ln>
+        </p:spPr>
+        <p:style>
+          <a:lnRef idx="1">
+            <a:schemeClr val="accent1"/>
+          </a:lnRef>
+          <a:fillRef idx="0">
+            <a:schemeClr val="accent1"/>
+          </a:fillRef>
+          <a:effectRef idx="0">
+            <a:schemeClr val="accent1"/>
+          </a:effectRef>
+          <a:fontRef idx="minor">
+            <a:schemeClr val="tx1"/>
+          </a:fontRef>
+        </p:style>
+      </p:cxnSp>
+      <p:cxnSp>
+        <p:nvCxnSpPr>
+          <p:cNvPr id="12" name="Connector: Elbow 11">
+            <a:extLst>
+              <a:ext uri="{FF2B5EF4-FFF2-40B4-BE49-F238E27FC236}">
+                <a16:creationId xmlns:a16="http://schemas.microsoft.com/office/drawing/2014/main" id="{F9869051-DBF4-81FB-ECB7-8450CDC45BAE}"/>
+              </a:ext>
+            </a:extLst>
+          </p:cNvPr>
+          <p:cNvCxnSpPr>
+            <a:cxnSpLocks/>
+            <a:stCxn id="7" idx="3"/>
+            <a:endCxn id="2" idx="2"/>
+          </p:cNvCxnSpPr>
+          <p:nvPr/>
+        </p:nvCxnSpPr>
+        <p:spPr>
+          <a:xfrm flipV="1">
+            <a:off x="2230016" y="3363686"/>
+            <a:ext cx="5878286" cy="1124339"/>
+          </a:xfrm>
+          <a:prstGeom prst="bentConnector3">
+            <a:avLst/>
+          </a:prstGeom>
+          <a:ln>
+            <a:headEnd type="triangle"/>
+            <a:tailEnd type="triangle"/>
+          </a:ln>
+        </p:spPr>
+        <p:style>
+          <a:lnRef idx="1">
+            <a:schemeClr val="accent1"/>
+          </a:lnRef>
+          <a:fillRef idx="0">
+            <a:schemeClr val="accent1"/>
+          </a:fillRef>
+          <a:effectRef idx="0">
+            <a:schemeClr val="accent1"/>
+          </a:effectRef>
+          <a:fontRef idx="minor">
+            <a:schemeClr val="tx1"/>
+          </a:fontRef>
+        </p:style>
+      </p:cxnSp>
+      <p:cxnSp>
+        <p:nvCxnSpPr>
+          <p:cNvPr id="14" name="Connector: Elbow 13">
+            <a:extLst>
+              <a:ext uri="{FF2B5EF4-FFF2-40B4-BE49-F238E27FC236}">
+                <a16:creationId xmlns:a16="http://schemas.microsoft.com/office/drawing/2014/main" id="{88DA977B-0248-BE57-0164-BEF62C309F58}"/>
+              </a:ext>
+            </a:extLst>
+          </p:cNvPr>
+          <p:cNvCxnSpPr>
+            <a:cxnSpLocks/>
+            <a:stCxn id="8" idx="3"/>
+            <a:endCxn id="2" idx="2"/>
+          </p:cNvCxnSpPr>
+          <p:nvPr/>
+        </p:nvCxnSpPr>
+        <p:spPr>
+          <a:xfrm flipV="1">
+            <a:off x="2230016" y="3363686"/>
+            <a:ext cx="5878286" cy="2691880"/>
+          </a:xfrm>
+          <a:prstGeom prst="bentConnector3">
+            <a:avLst/>
+          </a:prstGeom>
+          <a:ln>
+            <a:headEnd type="triangle"/>
+            <a:tailEnd type="triangle"/>
+          </a:ln>
+        </p:spPr>
+        <p:style>
+          <a:lnRef idx="1">
+            <a:schemeClr val="accent1"/>
+          </a:lnRef>
+          <a:fillRef idx="0">
+            <a:schemeClr val="accent1"/>
+          </a:fillRef>
+          <a:effectRef idx="0">
+            <a:schemeClr val="accent1"/>
+          </a:effectRef>
+          <a:fontRef idx="minor">
+            <a:schemeClr val="tx1"/>
+          </a:fontRef>
+        </p:style>
+      </p:cxnSp>
+      <p:sp>
+        <p:nvSpPr>
+          <p:cNvPr id="27" name="Cylinder 26">
+            <a:extLst>
+              <a:ext uri="{FF2B5EF4-FFF2-40B4-BE49-F238E27FC236}">
+                <a16:creationId xmlns:a16="http://schemas.microsoft.com/office/drawing/2014/main" id="{9E8AC673-CE76-F05F-0261-7B3D6EAA7AF4}"/>
+              </a:ext>
+            </a:extLst>
+          </p:cNvPr>
+          <p:cNvSpPr/>
+          <p:nvPr/>
+        </p:nvSpPr>
+        <p:spPr>
+          <a:xfrm>
+            <a:off x="8378890" y="1040364"/>
+            <a:ext cx="914400" cy="4098469"/>
+          </a:xfrm>
+          <a:prstGeom prst="can">
+            <a:avLst>
+              <a:gd name="adj" fmla="val 11735"/>
+            </a:avLst>
+          </a:prstGeom>
+        </p:spPr>
+        <p:style>
+          <a:lnRef idx="2">
+            <a:schemeClr val="accent1">
+              <a:shade val="50000"/>
+            </a:schemeClr>
+          </a:lnRef>
+          <a:fillRef idx="1">
+            <a:schemeClr val="accent1"/>
+          </a:fillRef>
+          <a:effectRef idx="0">
+            <a:schemeClr val="accent1"/>
+          </a:effectRef>
+          <a:fontRef idx="minor">
+            <a:schemeClr val="lt1"/>
+          </a:fontRef>
+        </p:style>
+        <p:txBody>
+          <a:bodyPr rtlCol="0" anchor="ctr"/>
+          <a:lstStyle/>
+          <a:p>
+            <a:pPr algn="ctr"/>
+            <a:endParaRPr lang="en-US"/>
+          </a:p>
+        </p:txBody>
+      </p:sp>
+      <p:sp>
+        <p:nvSpPr>
+          <p:cNvPr id="28" name="TextBox 27">
+            <a:extLst>
+              <a:ext uri="{FF2B5EF4-FFF2-40B4-BE49-F238E27FC236}">
+                <a16:creationId xmlns:a16="http://schemas.microsoft.com/office/drawing/2014/main" id="{861A22F1-176C-5267-E164-9C6BBC814CD9}"/>
+              </a:ext>
+            </a:extLst>
+          </p:cNvPr>
+          <p:cNvSpPr txBox="1"/>
+          <p:nvPr/>
+        </p:nvSpPr>
+        <p:spPr>
+          <a:xfrm>
+            <a:off x="6096000" y="5435080"/>
+            <a:ext cx="1723053" cy="369332"/>
+          </a:xfrm>
+          <a:prstGeom prst="rect">
+            <a:avLst/>
+          </a:prstGeom>
+          <a:noFill/>
+        </p:spPr>
+        <p:txBody>
+          <a:bodyPr wrap="square" rtlCol="0">
+            <a:spAutoFit/>
+          </a:bodyPr>
+          <a:lstStyle/>
+          <a:p>
+            <a:r>
+              <a:rPr lang="en-IN" dirty="0"/>
+              <a:t>Schedular</a:t>
+            </a:r>
+            <a:endParaRPr lang="en-US" dirty="0"/>
+          </a:p>
+        </p:txBody>
+      </p:sp>
+      <p:cxnSp>
+        <p:nvCxnSpPr>
+          <p:cNvPr id="30" name="Connector: Elbow 29">
+            <a:extLst>
+              <a:ext uri="{FF2B5EF4-FFF2-40B4-BE49-F238E27FC236}">
+                <a16:creationId xmlns:a16="http://schemas.microsoft.com/office/drawing/2014/main" id="{A77C4C75-7BB3-C5EC-9ADE-F9FEB0AAEADE}"/>
+              </a:ext>
+            </a:extLst>
+          </p:cNvPr>
+          <p:cNvCxnSpPr>
+            <a:cxnSpLocks/>
+            <a:endCxn id="27" idx="3"/>
+          </p:cNvCxnSpPr>
+          <p:nvPr/>
+        </p:nvCxnSpPr>
+        <p:spPr>
+          <a:xfrm flipV="1">
+            <a:off x="7113037" y="5138833"/>
+            <a:ext cx="1723053" cy="480913"/>
+          </a:xfrm>
+          <a:prstGeom prst="bentConnector2">
+            <a:avLst/>
+          </a:prstGeom>
+          <a:ln w="57150">
+            <a:solidFill>
+              <a:srgbClr val="FFC000"/>
+            </a:solidFill>
+            <a:tailEnd type="triangle"/>
+          </a:ln>
+        </p:spPr>
+        <p:style>
+          <a:lnRef idx="1">
+            <a:schemeClr val="accent1"/>
+          </a:lnRef>
+          <a:fillRef idx="0">
+            <a:schemeClr val="accent1"/>
+          </a:fillRef>
+          <a:effectRef idx="0">
+            <a:schemeClr val="accent1"/>
+          </a:effectRef>
+          <a:fontRef idx="minor">
+            <a:schemeClr val="tx1"/>
+          </a:fontRef>
+        </p:style>
+      </p:cxnSp>
+      <p:sp>
+        <p:nvSpPr>
+          <p:cNvPr id="32" name="TextBox 31">
+            <a:extLst>
+              <a:ext uri="{FF2B5EF4-FFF2-40B4-BE49-F238E27FC236}">
+                <a16:creationId xmlns:a16="http://schemas.microsoft.com/office/drawing/2014/main" id="{FAE1572C-1EA7-7C09-66E3-D6F250E54843}"/>
+              </a:ext>
+            </a:extLst>
+          </p:cNvPr>
+          <p:cNvSpPr txBox="1"/>
+          <p:nvPr/>
+        </p:nvSpPr>
+        <p:spPr>
+          <a:xfrm>
+            <a:off x="2603241" y="419878"/>
+            <a:ext cx="998375" cy="369332"/>
+          </a:xfrm>
+          <a:prstGeom prst="rect">
+            <a:avLst/>
+          </a:prstGeom>
+          <a:noFill/>
+        </p:spPr>
+        <p:txBody>
+          <a:bodyPr wrap="square" rtlCol="0">
+            <a:spAutoFit/>
+          </a:bodyPr>
+          <a:lstStyle/>
+          <a:p>
+            <a:r>
+              <a:rPr lang="en-IN" dirty="0"/>
+              <a:t>Insert</a:t>
+            </a:r>
+            <a:endParaRPr lang="en-US" dirty="0"/>
+          </a:p>
+        </p:txBody>
+      </p:sp>
+      <p:sp>
+        <p:nvSpPr>
+          <p:cNvPr id="33" name="TextBox 32">
+            <a:extLst>
+              <a:ext uri="{FF2B5EF4-FFF2-40B4-BE49-F238E27FC236}">
+                <a16:creationId xmlns:a16="http://schemas.microsoft.com/office/drawing/2014/main" id="{1681CE8B-A877-B20D-C92F-96980F6E6A96}"/>
+              </a:ext>
+            </a:extLst>
+          </p:cNvPr>
+          <p:cNvSpPr txBox="1"/>
+          <p:nvPr/>
+        </p:nvSpPr>
+        <p:spPr>
+          <a:xfrm>
+            <a:off x="2726093" y="2372695"/>
+            <a:ext cx="998375" cy="369332"/>
+          </a:xfrm>
+          <a:prstGeom prst="rect">
+            <a:avLst/>
+          </a:prstGeom>
+          <a:noFill/>
+        </p:spPr>
+        <p:txBody>
+          <a:bodyPr wrap="square" rtlCol="0">
+            <a:spAutoFit/>
+          </a:bodyPr>
+          <a:lstStyle/>
+          <a:p>
+            <a:r>
+              <a:rPr lang="en-IN" dirty="0"/>
+              <a:t>Delete</a:t>
+            </a:r>
+            <a:endParaRPr lang="en-US" dirty="0"/>
+          </a:p>
+        </p:txBody>
+      </p:sp>
+      <p:sp>
+        <p:nvSpPr>
+          <p:cNvPr id="34" name="TextBox 33">
+            <a:extLst>
+              <a:ext uri="{FF2B5EF4-FFF2-40B4-BE49-F238E27FC236}">
+                <a16:creationId xmlns:a16="http://schemas.microsoft.com/office/drawing/2014/main" id="{0DD29774-F7DF-425F-8D85-A5DAA7A090EE}"/>
+              </a:ext>
+            </a:extLst>
+          </p:cNvPr>
+          <p:cNvSpPr txBox="1"/>
+          <p:nvPr/>
+        </p:nvSpPr>
+        <p:spPr>
+          <a:xfrm>
+            <a:off x="2688770" y="4088355"/>
+            <a:ext cx="998375" cy="369332"/>
+          </a:xfrm>
+          <a:prstGeom prst="rect">
+            <a:avLst/>
+          </a:prstGeom>
+          <a:noFill/>
+        </p:spPr>
+        <p:txBody>
+          <a:bodyPr wrap="square" rtlCol="0">
+            <a:spAutoFit/>
+          </a:bodyPr>
+          <a:lstStyle/>
+          <a:p>
+            <a:r>
+              <a:rPr lang="en-IN" dirty="0"/>
+              <a:t>Select</a:t>
+            </a:r>
+            <a:endParaRPr lang="en-US" dirty="0"/>
+          </a:p>
+        </p:txBody>
+      </p:sp>
+      <p:sp>
+        <p:nvSpPr>
+          <p:cNvPr id="35" name="TextBox 34">
+            <a:extLst>
+              <a:ext uri="{FF2B5EF4-FFF2-40B4-BE49-F238E27FC236}">
+                <a16:creationId xmlns:a16="http://schemas.microsoft.com/office/drawing/2014/main" id="{4C959732-194B-05F6-61F2-129318ACE0B0}"/>
+              </a:ext>
+            </a:extLst>
+          </p:cNvPr>
+          <p:cNvSpPr txBox="1"/>
+          <p:nvPr/>
+        </p:nvSpPr>
+        <p:spPr>
+          <a:xfrm>
+            <a:off x="2656114" y="5619746"/>
+            <a:ext cx="2046515" cy="369332"/>
+          </a:xfrm>
+          <a:prstGeom prst="rect">
+            <a:avLst/>
+          </a:prstGeom>
+          <a:noFill/>
+        </p:spPr>
+        <p:txBody>
+          <a:bodyPr wrap="square" rtlCol="0">
+            <a:spAutoFit/>
+          </a:bodyPr>
+          <a:lstStyle/>
+          <a:p>
+            <a:r>
+              <a:rPr lang="en-IN" dirty="0"/>
+              <a:t>Insert, Update</a:t>
+            </a:r>
+            <a:endParaRPr lang="en-US" dirty="0"/>
+          </a:p>
+        </p:txBody>
+      </p:sp>
+      <p:sp>
+        <p:nvSpPr>
+          <p:cNvPr id="36" name="Cylinder 35">
+            <a:extLst>
+              <a:ext uri="{FF2B5EF4-FFF2-40B4-BE49-F238E27FC236}">
+                <a16:creationId xmlns:a16="http://schemas.microsoft.com/office/drawing/2014/main" id="{8B627CF0-B58C-A47B-9D4B-D4EF88787D08}"/>
+              </a:ext>
+            </a:extLst>
+          </p:cNvPr>
+          <p:cNvSpPr/>
+          <p:nvPr/>
+        </p:nvSpPr>
+        <p:spPr>
+          <a:xfrm rot="16200000">
+            <a:off x="5468515" y="-1953210"/>
+            <a:ext cx="513961" cy="4476364"/>
+          </a:xfrm>
+          <a:prstGeom prst="can">
+            <a:avLst>
+              <a:gd name="adj" fmla="val 11716"/>
+            </a:avLst>
+          </a:prstGeom>
+        </p:spPr>
+        <p:style>
+          <a:lnRef idx="2">
+            <a:schemeClr val="accent1">
+              <a:shade val="50000"/>
+            </a:schemeClr>
+          </a:lnRef>
+          <a:fillRef idx="1">
+            <a:schemeClr val="accent1"/>
+          </a:fillRef>
+          <a:effectRef idx="0">
+            <a:schemeClr val="accent1"/>
+          </a:effectRef>
+          <a:fontRef idx="minor">
+            <a:schemeClr val="lt1"/>
+          </a:fontRef>
+        </p:style>
+        <p:txBody>
+          <a:bodyPr rtlCol="0" anchor="ctr"/>
+          <a:lstStyle/>
+          <a:p>
+            <a:pPr algn="ctr"/>
+            <a:endParaRPr lang="en-US"/>
+          </a:p>
+        </p:txBody>
+      </p:sp>
+      <p:sp>
+        <p:nvSpPr>
+          <p:cNvPr id="37" name="TextBox 36">
+            <a:extLst>
+              <a:ext uri="{FF2B5EF4-FFF2-40B4-BE49-F238E27FC236}">
+                <a16:creationId xmlns:a16="http://schemas.microsoft.com/office/drawing/2014/main" id="{A5B5C573-FD63-9C3E-30EE-F777B0B859FF}"/>
+              </a:ext>
+            </a:extLst>
+          </p:cNvPr>
+          <p:cNvSpPr txBox="1"/>
+          <p:nvPr/>
+        </p:nvSpPr>
+        <p:spPr>
+          <a:xfrm>
+            <a:off x="3825551" y="168724"/>
+            <a:ext cx="3769567" cy="369332"/>
+          </a:xfrm>
+          <a:prstGeom prst="rect">
+            <a:avLst/>
+          </a:prstGeom>
+          <a:noFill/>
+        </p:spPr>
+        <p:txBody>
+          <a:bodyPr wrap="square" rtlCol="0">
+            <a:spAutoFit/>
+          </a:bodyPr>
+          <a:lstStyle/>
+          <a:p>
+            <a:pPr algn="ctr"/>
+            <a:r>
+              <a:rPr lang="en-IN" b="1" dirty="0">
+                <a:highlight>
+                  <a:srgbClr val="FFFF00"/>
+                </a:highlight>
+              </a:rPr>
+              <a:t>Connection </a:t>
+            </a:r>
+            <a:endParaRPr lang="en-US" b="1" dirty="0">
+              <a:highlight>
+                <a:srgbClr val="FFFF00"/>
+              </a:highlight>
+            </a:endParaRPr>
+          </a:p>
+        </p:txBody>
+      </p:sp>
+      <p:sp>
+        <p:nvSpPr>
+          <p:cNvPr id="38" name="TextBox 37">
+            <a:extLst>
+              <a:ext uri="{FF2B5EF4-FFF2-40B4-BE49-F238E27FC236}">
+                <a16:creationId xmlns:a16="http://schemas.microsoft.com/office/drawing/2014/main" id="{61973FC6-05E1-7762-317E-DDB34DA8B3E3}"/>
+              </a:ext>
+            </a:extLst>
+          </p:cNvPr>
+          <p:cNvSpPr txBox="1"/>
+          <p:nvPr/>
+        </p:nvSpPr>
+        <p:spPr>
+          <a:xfrm>
+            <a:off x="8980714" y="5804412"/>
+            <a:ext cx="2327988" cy="369332"/>
+          </a:xfrm>
+          <a:prstGeom prst="rect">
+            <a:avLst/>
+          </a:prstGeom>
+          <a:noFill/>
+        </p:spPr>
+        <p:txBody>
+          <a:bodyPr wrap="square" rtlCol="0">
+            <a:spAutoFit/>
+          </a:bodyPr>
+          <a:lstStyle/>
+          <a:p>
+            <a:pPr algn="ctr"/>
+            <a:r>
+              <a:rPr lang="en-IN" dirty="0">
+                <a:highlight>
+                  <a:srgbClr val="FFFF00"/>
+                </a:highlight>
+              </a:rPr>
+              <a:t>ThreadPool</a:t>
+            </a:r>
+            <a:endParaRPr lang="en-US" dirty="0">
+              <a:highlight>
+                <a:srgbClr val="FFFF00"/>
+              </a:highlight>
+            </a:endParaRPr>
+          </a:p>
+        </p:txBody>
+      </p:sp>
+      <p:sp>
+        <p:nvSpPr>
+          <p:cNvPr id="39" name="Cylinder 38">
+            <a:extLst>
+              <a:ext uri="{FF2B5EF4-FFF2-40B4-BE49-F238E27FC236}">
+                <a16:creationId xmlns:a16="http://schemas.microsoft.com/office/drawing/2014/main" id="{93612D40-D976-8F32-0471-DD304C1F068B}"/>
+              </a:ext>
+            </a:extLst>
+          </p:cNvPr>
+          <p:cNvSpPr/>
+          <p:nvPr/>
+        </p:nvSpPr>
+        <p:spPr>
+          <a:xfrm>
+            <a:off x="8378890" y="1276447"/>
+            <a:ext cx="914400" cy="733426"/>
+          </a:xfrm>
+          <a:prstGeom prst="can">
+            <a:avLst>
+              <a:gd name="adj" fmla="val 18617"/>
+            </a:avLst>
+          </a:prstGeom>
+          <a:solidFill>
+            <a:srgbClr val="FFFF00"/>
+          </a:solidFill>
+        </p:spPr>
+        <p:style>
+          <a:lnRef idx="2">
+            <a:schemeClr val="accent1">
+              <a:shade val="50000"/>
+            </a:schemeClr>
+          </a:lnRef>
+          <a:fillRef idx="1">
+            <a:schemeClr val="accent1"/>
+          </a:fillRef>
+          <a:effectRef idx="0">
+            <a:schemeClr val="accent1"/>
+          </a:effectRef>
+          <a:fontRef idx="minor">
+            <a:schemeClr val="lt1"/>
+          </a:fontRef>
+        </p:style>
+        <p:txBody>
+          <a:bodyPr rtlCol="0" anchor="ctr"/>
+          <a:lstStyle/>
+          <a:p>
+            <a:pPr algn="ctr"/>
+            <a:r>
+              <a:rPr lang="en-IN" dirty="0">
+                <a:solidFill>
+                  <a:srgbClr val="FF0000"/>
+                </a:solidFill>
+              </a:rPr>
+              <a:t>Insert</a:t>
+            </a:r>
+            <a:endParaRPr lang="en-US" dirty="0">
+              <a:solidFill>
+                <a:srgbClr val="FF0000"/>
+              </a:solidFill>
+            </a:endParaRPr>
+          </a:p>
+        </p:txBody>
+      </p:sp>
+      <p:sp>
+        <p:nvSpPr>
+          <p:cNvPr id="40" name="Cylinder 39">
+            <a:extLst>
+              <a:ext uri="{FF2B5EF4-FFF2-40B4-BE49-F238E27FC236}">
+                <a16:creationId xmlns:a16="http://schemas.microsoft.com/office/drawing/2014/main" id="{1A001AAD-5126-8B58-25E2-D8300F85380F}"/>
+              </a:ext>
+            </a:extLst>
+          </p:cNvPr>
+          <p:cNvSpPr/>
+          <p:nvPr/>
+        </p:nvSpPr>
+        <p:spPr>
+          <a:xfrm>
+            <a:off x="8378890" y="2141425"/>
+            <a:ext cx="914400" cy="733426"/>
+          </a:xfrm>
+          <a:prstGeom prst="can">
+            <a:avLst>
+              <a:gd name="adj" fmla="val 18617"/>
+            </a:avLst>
+          </a:prstGeom>
+          <a:solidFill>
+            <a:srgbClr val="FFFF00"/>
+          </a:solidFill>
+        </p:spPr>
+        <p:style>
+          <a:lnRef idx="2">
+            <a:schemeClr val="accent1">
+              <a:shade val="50000"/>
+            </a:schemeClr>
+          </a:lnRef>
+          <a:fillRef idx="1">
+            <a:schemeClr val="accent1"/>
+          </a:fillRef>
+          <a:effectRef idx="0">
+            <a:schemeClr val="accent1"/>
+          </a:effectRef>
+          <a:fontRef idx="minor">
+            <a:schemeClr val="lt1"/>
+          </a:fontRef>
+        </p:style>
+        <p:txBody>
+          <a:bodyPr rtlCol="0" anchor="ctr"/>
+          <a:lstStyle/>
+          <a:p>
+            <a:pPr algn="ctr"/>
+            <a:r>
+              <a:rPr lang="en-IN" dirty="0">
+                <a:solidFill>
+                  <a:srgbClr val="FF0000"/>
+                </a:solidFill>
+              </a:rPr>
+              <a:t>Delete</a:t>
+            </a:r>
+            <a:endParaRPr lang="en-US" dirty="0">
+              <a:solidFill>
+                <a:srgbClr val="FF0000"/>
+              </a:solidFill>
+            </a:endParaRPr>
+          </a:p>
+        </p:txBody>
+      </p:sp>
+      <p:sp>
+        <p:nvSpPr>
+          <p:cNvPr id="41" name="Cylinder 40">
+            <a:extLst>
+              <a:ext uri="{FF2B5EF4-FFF2-40B4-BE49-F238E27FC236}">
+                <a16:creationId xmlns:a16="http://schemas.microsoft.com/office/drawing/2014/main" id="{51612675-6637-B7F2-F769-00DF0D0A24D8}"/>
+              </a:ext>
+            </a:extLst>
+          </p:cNvPr>
+          <p:cNvSpPr/>
+          <p:nvPr/>
+        </p:nvSpPr>
+        <p:spPr>
+          <a:xfrm>
+            <a:off x="8378890" y="3006403"/>
+            <a:ext cx="914400" cy="733426"/>
+          </a:xfrm>
+          <a:prstGeom prst="can">
+            <a:avLst>
+              <a:gd name="adj" fmla="val 18617"/>
+            </a:avLst>
+          </a:prstGeom>
+          <a:solidFill>
+            <a:srgbClr val="FFFF00"/>
+          </a:solidFill>
+        </p:spPr>
+        <p:style>
+          <a:lnRef idx="2">
+            <a:schemeClr val="accent1">
+              <a:shade val="50000"/>
+            </a:schemeClr>
+          </a:lnRef>
+          <a:fillRef idx="1">
+            <a:schemeClr val="accent1"/>
+          </a:fillRef>
+          <a:effectRef idx="0">
+            <a:schemeClr val="accent1"/>
+          </a:effectRef>
+          <a:fontRef idx="minor">
+            <a:schemeClr val="lt1"/>
+          </a:fontRef>
+        </p:style>
+        <p:txBody>
+          <a:bodyPr rtlCol="0" anchor="ctr"/>
+          <a:lstStyle/>
+          <a:p>
+            <a:pPr algn="ctr"/>
+            <a:r>
+              <a:rPr lang="en-IN" dirty="0">
+                <a:solidFill>
+                  <a:srgbClr val="FF0000"/>
+                </a:solidFill>
+              </a:rPr>
+              <a:t>Select</a:t>
+            </a:r>
+            <a:endParaRPr lang="en-US" dirty="0">
+              <a:solidFill>
+                <a:srgbClr val="FF0000"/>
+              </a:solidFill>
+            </a:endParaRPr>
+          </a:p>
+        </p:txBody>
+      </p:sp>
+      <p:sp>
+        <p:nvSpPr>
+          <p:cNvPr id="43" name="Cylinder 42">
+            <a:extLst>
+              <a:ext uri="{FF2B5EF4-FFF2-40B4-BE49-F238E27FC236}">
+                <a16:creationId xmlns:a16="http://schemas.microsoft.com/office/drawing/2014/main" id="{9DF6AC5C-FA38-8F76-2DBD-411EFD2B2605}"/>
+              </a:ext>
+            </a:extLst>
+          </p:cNvPr>
+          <p:cNvSpPr/>
+          <p:nvPr/>
+        </p:nvSpPr>
+        <p:spPr>
+          <a:xfrm>
+            <a:off x="8378890" y="3976200"/>
+            <a:ext cx="914400" cy="733426"/>
+          </a:xfrm>
+          <a:prstGeom prst="can">
+            <a:avLst>
+              <a:gd name="adj" fmla="val 18617"/>
+            </a:avLst>
+          </a:prstGeom>
+          <a:solidFill>
+            <a:srgbClr val="FFFF00"/>
+          </a:solidFill>
+        </p:spPr>
+        <p:style>
+          <a:lnRef idx="2">
+            <a:schemeClr val="accent1">
+              <a:shade val="50000"/>
+            </a:schemeClr>
+          </a:lnRef>
+          <a:fillRef idx="1">
+            <a:schemeClr val="accent1"/>
+          </a:fillRef>
+          <a:effectRef idx="0">
+            <a:schemeClr val="accent1"/>
+          </a:effectRef>
+          <a:fontRef idx="minor">
+            <a:schemeClr val="lt1"/>
+          </a:fontRef>
+        </p:style>
+        <p:txBody>
+          <a:bodyPr rtlCol="0" anchor="ctr"/>
+          <a:lstStyle/>
+          <a:p>
+            <a:pPr algn="ctr"/>
+            <a:r>
+              <a:rPr lang="en-IN" dirty="0">
+                <a:solidFill>
+                  <a:srgbClr val="FF0000"/>
+                </a:solidFill>
+              </a:rPr>
+              <a:t>Insert</a:t>
+            </a:r>
+          </a:p>
+          <a:p>
+            <a:pPr algn="ctr"/>
+            <a:r>
+              <a:rPr lang="en-IN" dirty="0">
+                <a:solidFill>
+                  <a:srgbClr val="FF0000"/>
+                </a:solidFill>
+              </a:rPr>
+              <a:t>Update</a:t>
+            </a:r>
+            <a:endParaRPr lang="en-US" dirty="0">
+              <a:solidFill>
+                <a:srgbClr val="FF0000"/>
+              </a:solidFill>
+            </a:endParaRPr>
+          </a:p>
+        </p:txBody>
+      </p:sp>
+      <p:sp>
+        <p:nvSpPr>
+          <p:cNvPr id="44" name="Star: 16 Points 43">
+            <a:extLst>
+              <a:ext uri="{FF2B5EF4-FFF2-40B4-BE49-F238E27FC236}">
+                <a16:creationId xmlns:a16="http://schemas.microsoft.com/office/drawing/2014/main" id="{303BA8E1-6F32-1BBA-8E9A-8FE8D2B9DB58}"/>
+              </a:ext>
+            </a:extLst>
+          </p:cNvPr>
+          <p:cNvSpPr/>
+          <p:nvPr/>
+        </p:nvSpPr>
+        <p:spPr>
+          <a:xfrm>
+            <a:off x="9501673" y="3240728"/>
+            <a:ext cx="2307772" cy="2194351"/>
+          </a:xfrm>
+          <a:prstGeom prst="star16">
+            <a:avLst/>
+          </a:prstGeom>
+        </p:spPr>
+        <p:style>
+          <a:lnRef idx="2">
+            <a:schemeClr val="accent1">
+              <a:shade val="50000"/>
+            </a:schemeClr>
+          </a:lnRef>
+          <a:fillRef idx="1">
+            <a:schemeClr val="accent1"/>
+          </a:fillRef>
+          <a:effectRef idx="0">
+            <a:schemeClr val="accent1"/>
+          </a:effectRef>
+          <a:fontRef idx="minor">
+            <a:schemeClr val="lt1"/>
+          </a:fontRef>
+        </p:style>
+        <p:txBody>
+          <a:bodyPr rtlCol="0" anchor="ctr"/>
+          <a:lstStyle/>
+          <a:p>
+            <a:pPr algn="ctr"/>
+            <a:r>
+              <a:rPr lang="en-IN" b="1" dirty="0"/>
+              <a:t>Query</a:t>
+            </a:r>
+          </a:p>
+          <a:p>
+            <a:pPr algn="ctr"/>
+            <a:r>
+              <a:rPr lang="en-IN" b="1" dirty="0"/>
+              <a:t>Processing</a:t>
+            </a:r>
+          </a:p>
+          <a:p>
+            <a:pPr algn="ctr"/>
+            <a:r>
+              <a:rPr lang="en-IN" b="1" dirty="0"/>
+              <a:t>Engine</a:t>
+            </a:r>
+          </a:p>
+          <a:p>
+            <a:pPr algn="ctr"/>
+            <a:r>
+              <a:rPr lang="en-IN" b="1" dirty="0"/>
+              <a:t>(QPE)</a:t>
+            </a:r>
+            <a:endParaRPr lang="en-US" b="1" dirty="0"/>
+          </a:p>
+        </p:txBody>
+      </p:sp>
+      <p:cxnSp>
+        <p:nvCxnSpPr>
+          <p:cNvPr id="46" name="Straight Arrow Connector 45">
+            <a:extLst>
+              <a:ext uri="{FF2B5EF4-FFF2-40B4-BE49-F238E27FC236}">
+                <a16:creationId xmlns:a16="http://schemas.microsoft.com/office/drawing/2014/main" id="{DFA75043-F2D7-4077-F2B9-BF66C99C42C3}"/>
+              </a:ext>
+            </a:extLst>
+          </p:cNvPr>
+          <p:cNvCxnSpPr>
+            <a:stCxn id="38" idx="0"/>
+            <a:endCxn id="27" idx="3"/>
+          </p:cNvCxnSpPr>
+          <p:nvPr/>
+        </p:nvCxnSpPr>
+        <p:spPr>
+          <a:xfrm flipH="1" flipV="1">
+            <a:off x="8836090" y="5138833"/>
+            <a:ext cx="1308618" cy="665579"/>
+          </a:xfrm>
+          <a:prstGeom prst="straightConnector1">
+            <a:avLst/>
+          </a:prstGeom>
+          <a:ln>
+            <a:tailEnd type="triangle"/>
+          </a:ln>
+        </p:spPr>
+        <p:style>
+          <a:lnRef idx="1">
+            <a:schemeClr val="accent1"/>
+          </a:lnRef>
+          <a:fillRef idx="0">
+            <a:schemeClr val="accent1"/>
+          </a:fillRef>
+          <a:effectRef idx="0">
+            <a:schemeClr val="accent1"/>
+          </a:effectRef>
+          <a:fontRef idx="minor">
+            <a:schemeClr val="tx1"/>
+          </a:fontRef>
+        </p:style>
+      </p:cxnSp>
+      <p:cxnSp>
+        <p:nvCxnSpPr>
+          <p:cNvPr id="48" name="Connector: Elbow 47">
+            <a:extLst>
+              <a:ext uri="{FF2B5EF4-FFF2-40B4-BE49-F238E27FC236}">
+                <a16:creationId xmlns:a16="http://schemas.microsoft.com/office/drawing/2014/main" id="{E8673206-3F73-EB53-A31A-A20A0DA0C37C}"/>
+              </a:ext>
+            </a:extLst>
+          </p:cNvPr>
+          <p:cNvCxnSpPr>
+            <a:stCxn id="39" idx="4"/>
+            <a:endCxn id="44" idx="14"/>
+          </p:cNvCxnSpPr>
+          <p:nvPr/>
+        </p:nvCxnSpPr>
+        <p:spPr>
+          <a:xfrm>
+            <a:off x="9293290" y="1643160"/>
+            <a:ext cx="1362269" cy="1597568"/>
+          </a:xfrm>
+          <a:prstGeom prst="bentConnector2">
+            <a:avLst/>
+          </a:prstGeom>
+          <a:ln>
+            <a:solidFill>
+              <a:srgbClr val="FFFF00"/>
+            </a:solidFill>
+            <a:tailEnd type="triangle"/>
+          </a:ln>
+        </p:spPr>
+        <p:style>
+          <a:lnRef idx="1">
+            <a:schemeClr val="accent1"/>
+          </a:lnRef>
+          <a:fillRef idx="0">
+            <a:schemeClr val="accent1"/>
+          </a:fillRef>
+          <a:effectRef idx="0">
+            <a:schemeClr val="accent1"/>
+          </a:effectRef>
+          <a:fontRef idx="minor">
+            <a:schemeClr val="tx1"/>
+          </a:fontRef>
+        </p:style>
+      </p:cxnSp>
+      <p:cxnSp>
+        <p:nvCxnSpPr>
+          <p:cNvPr id="50" name="Connector: Elbow 49">
+            <a:extLst>
+              <a:ext uri="{FF2B5EF4-FFF2-40B4-BE49-F238E27FC236}">
+                <a16:creationId xmlns:a16="http://schemas.microsoft.com/office/drawing/2014/main" id="{0760EE1E-F79C-9991-AC81-0B9ABBC924D1}"/>
+              </a:ext>
+            </a:extLst>
+          </p:cNvPr>
+          <p:cNvCxnSpPr>
+            <a:endCxn id="44" idx="14"/>
+          </p:cNvCxnSpPr>
+          <p:nvPr/>
+        </p:nvCxnSpPr>
+        <p:spPr>
+          <a:xfrm>
+            <a:off x="9293290" y="2507302"/>
+            <a:ext cx="1362269" cy="733426"/>
+          </a:xfrm>
+          <a:prstGeom prst="bentConnector2">
+            <a:avLst/>
+          </a:prstGeom>
+          <a:ln>
+            <a:solidFill>
+              <a:srgbClr val="FFFF00"/>
+            </a:solidFill>
+            <a:tailEnd type="triangle"/>
+          </a:ln>
+        </p:spPr>
+        <p:style>
+          <a:lnRef idx="1">
+            <a:schemeClr val="accent1"/>
+          </a:lnRef>
+          <a:fillRef idx="0">
+            <a:schemeClr val="accent1"/>
+          </a:fillRef>
+          <a:effectRef idx="0">
+            <a:schemeClr val="accent1"/>
+          </a:effectRef>
+          <a:fontRef idx="minor">
+            <a:schemeClr val="tx1"/>
+          </a:fontRef>
+        </p:style>
+      </p:cxnSp>
+      <p:cxnSp>
+        <p:nvCxnSpPr>
+          <p:cNvPr id="52" name="Connector: Elbow 51">
+            <a:extLst>
+              <a:ext uri="{FF2B5EF4-FFF2-40B4-BE49-F238E27FC236}">
+                <a16:creationId xmlns:a16="http://schemas.microsoft.com/office/drawing/2014/main" id="{F68F4C6B-AB85-64A2-2CAF-9EF264553BB9}"/>
+              </a:ext>
+            </a:extLst>
+          </p:cNvPr>
+          <p:cNvCxnSpPr>
+            <a:stCxn id="41" idx="4"/>
+            <a:endCxn id="44" idx="14"/>
+          </p:cNvCxnSpPr>
+          <p:nvPr/>
+        </p:nvCxnSpPr>
+        <p:spPr>
+          <a:xfrm flipV="1">
+            <a:off x="9293290" y="3240728"/>
+            <a:ext cx="1362269" cy="132388"/>
+          </a:xfrm>
+          <a:prstGeom prst="bentConnector4">
+            <a:avLst>
+              <a:gd name="adj1" fmla="val 7648"/>
+              <a:gd name="adj2" fmla="val 449673"/>
+            </a:avLst>
+          </a:prstGeom>
+          <a:ln>
+            <a:solidFill>
+              <a:srgbClr val="FFFF00"/>
+            </a:solidFill>
+            <a:tailEnd type="triangle"/>
+          </a:ln>
+        </p:spPr>
+        <p:style>
+          <a:lnRef idx="1">
+            <a:schemeClr val="accent1"/>
+          </a:lnRef>
+          <a:fillRef idx="0">
+            <a:schemeClr val="accent1"/>
+          </a:fillRef>
+          <a:effectRef idx="0">
+            <a:schemeClr val="accent1"/>
+          </a:effectRef>
+          <a:fontRef idx="minor">
+            <a:schemeClr val="tx1"/>
+          </a:fontRef>
+        </p:style>
+      </p:cxnSp>
+      <p:cxnSp>
+        <p:nvCxnSpPr>
+          <p:cNvPr id="54" name="Connector: Elbow 53">
+            <a:extLst>
+              <a:ext uri="{FF2B5EF4-FFF2-40B4-BE49-F238E27FC236}">
+                <a16:creationId xmlns:a16="http://schemas.microsoft.com/office/drawing/2014/main" id="{A077F314-E983-65AC-DDD2-6D604B2F26AE}"/>
+              </a:ext>
+            </a:extLst>
+          </p:cNvPr>
+          <p:cNvCxnSpPr>
+            <a:endCxn id="44" idx="14"/>
+          </p:cNvCxnSpPr>
+          <p:nvPr/>
+        </p:nvCxnSpPr>
+        <p:spPr>
+          <a:xfrm flipV="1">
+            <a:off x="9293290" y="3240728"/>
+            <a:ext cx="1362269" cy="1216959"/>
+          </a:xfrm>
+          <a:prstGeom prst="bentConnector4">
+            <a:avLst>
+              <a:gd name="adj1" fmla="val 7648"/>
+              <a:gd name="adj2" fmla="val 118785"/>
+            </a:avLst>
+          </a:prstGeom>
+          <a:ln>
+            <a:solidFill>
+              <a:srgbClr val="FFFF00"/>
+            </a:solidFill>
+            <a:tailEnd type="triangle"/>
+          </a:ln>
+        </p:spPr>
+        <p:style>
+          <a:lnRef idx="1">
+            <a:schemeClr val="accent1"/>
+          </a:lnRef>
+          <a:fillRef idx="0">
+            <a:schemeClr val="accent1"/>
+          </a:fillRef>
+          <a:effectRef idx="0">
+            <a:schemeClr val="accent1"/>
+          </a:effectRef>
+          <a:fontRef idx="minor">
+            <a:schemeClr val="tx1"/>
+          </a:fontRef>
+        </p:style>
+      </p:cxnSp>
+      <p:sp>
+        <p:nvSpPr>
+          <p:cNvPr id="59" name="TextBox 58">
+            <a:extLst>
+              <a:ext uri="{FF2B5EF4-FFF2-40B4-BE49-F238E27FC236}">
+                <a16:creationId xmlns:a16="http://schemas.microsoft.com/office/drawing/2014/main" id="{9CA220BE-6295-B307-4FF5-E9C635310AB1}"/>
+              </a:ext>
+            </a:extLst>
+          </p:cNvPr>
+          <p:cNvSpPr txBox="1"/>
+          <p:nvPr/>
+        </p:nvSpPr>
+        <p:spPr>
+          <a:xfrm>
+            <a:off x="5379876" y="2279546"/>
+            <a:ext cx="2583802" cy="3139321"/>
+          </a:xfrm>
+          <a:prstGeom prst="rect">
+            <a:avLst/>
+          </a:prstGeom>
+          <a:noFill/>
+        </p:spPr>
+        <p:txBody>
+          <a:bodyPr wrap="square" rtlCol="0">
+            <a:spAutoFit/>
+          </a:bodyPr>
+          <a:lstStyle/>
+          <a:p>
+            <a:r>
+              <a:rPr lang="en-IN" dirty="0"/>
+              <a:t>Concurrent Queries Result into The Collision while processing in QPE</a:t>
+            </a:r>
+          </a:p>
+          <a:p>
+            <a:endParaRPr lang="en-IN" dirty="0"/>
+          </a:p>
+          <a:p>
+            <a:r>
+              <a:rPr lang="en-IN" dirty="0"/>
+              <a:t>IMPACT</a:t>
+            </a:r>
+          </a:p>
+          <a:p>
+            <a:pPr marL="342900" indent="-342900">
+              <a:buAutoNum type="arabicPeriod"/>
+            </a:pPr>
+            <a:r>
+              <a:rPr lang="en-IN" dirty="0"/>
+              <a:t>Query is been denied to Process</a:t>
+            </a:r>
+          </a:p>
+          <a:p>
+            <a:pPr marL="342900" indent="-342900">
+              <a:buAutoNum type="arabicPeriod"/>
+            </a:pPr>
+            <a:r>
+              <a:rPr lang="en-IN" dirty="0"/>
+              <a:t>DML Operations are incomplete</a:t>
+            </a:r>
+          </a:p>
+          <a:p>
+            <a:pPr marL="342900" indent="-342900">
+              <a:buAutoNum type="arabicPeriod"/>
+            </a:pPr>
+            <a:r>
+              <a:rPr lang="en-IN" dirty="0"/>
+              <a:t>No Data send back to Client</a:t>
+            </a:r>
+            <a:endParaRPr lang="en-US" dirty="0"/>
+          </a:p>
+        </p:txBody>
+      </p:sp>
+    </p:spTree>
+    <p:extLst>
+      <p:ext uri="{BB962C8B-B14F-4D97-AF65-F5344CB8AC3E}">
+        <p14:creationId xmlns:p14="http://schemas.microsoft.com/office/powerpoint/2010/main" val="1718000066"/>
+      </p:ext>
+    </p:extLst>
+  </p:cSld>
+  <p:clrMapOvr>
+    <a:masterClrMapping/>
+  </p:clrMapOvr>
+</p:sld>
+</file>
+
+<file path=ppt/slides/slide16.xml><?xml version="1.0" encoding="utf-8"?>
+<p:sld xmlns:a="http://schemas.openxmlformats.org/drawingml/2006/main" xmlns:r="http://schemas.openxmlformats.org/officeDocument/2006/relationships" xmlns:p="http://schemas.openxmlformats.org/presentationml/2006/main">
+  <p:cSld>
+    <p:spTree>
+      <p:nvGrpSpPr>
+        <p:cNvPr id="1" name=""/>
+        <p:cNvGrpSpPr/>
+        <p:nvPr/>
+      </p:nvGrpSpPr>
+      <p:grpSpPr>
+        <a:xfrm>
+          <a:off x="0" y="0"/>
+          <a:ext cx="0" cy="0"/>
+          <a:chOff x="0" y="0"/>
+          <a:chExt cx="0" cy="0"/>
+        </a:xfrm>
+      </p:grpSpPr>
+      <p:sp>
+        <p:nvSpPr>
+          <p:cNvPr id="2" name="Cylinder 1">
+            <a:extLst>
+              <a:ext uri="{FF2B5EF4-FFF2-40B4-BE49-F238E27FC236}">
+                <a16:creationId xmlns:a16="http://schemas.microsoft.com/office/drawing/2014/main" id="{5657FFE6-B18F-A3DD-1C5E-085EB0869C77}"/>
+              </a:ext>
+            </a:extLst>
+          </p:cNvPr>
+          <p:cNvSpPr/>
+          <p:nvPr/>
+        </p:nvSpPr>
+        <p:spPr>
+          <a:xfrm>
+            <a:off x="7744408" y="1469571"/>
+            <a:ext cx="4068147" cy="3918857"/>
+          </a:xfrm>
+          <a:prstGeom prst="can">
+            <a:avLst>
+              <a:gd name="adj" fmla="val 8333"/>
+            </a:avLst>
+          </a:prstGeom>
+        </p:spPr>
+        <p:style>
+          <a:lnRef idx="2">
+            <a:schemeClr val="accent1">
+              <a:shade val="50000"/>
+            </a:schemeClr>
+          </a:lnRef>
+          <a:fillRef idx="1">
+            <a:schemeClr val="accent1"/>
+          </a:fillRef>
+          <a:effectRef idx="0">
+            <a:schemeClr val="accent1"/>
+          </a:effectRef>
+          <a:fontRef idx="minor">
+            <a:schemeClr val="lt1"/>
+          </a:fontRef>
+        </p:style>
+        <p:txBody>
+          <a:bodyPr rtlCol="0" anchor="ctr"/>
+          <a:lstStyle/>
+          <a:p>
+            <a:pPr algn="ctr"/>
+            <a:r>
+              <a:rPr lang="en-IN" dirty="0"/>
+              <a:t>RDBMS</a:t>
+            </a:r>
+            <a:endParaRPr lang="en-US" dirty="0"/>
+          </a:p>
+        </p:txBody>
+      </p:sp>
+      <p:sp>
+        <p:nvSpPr>
+          <p:cNvPr id="3" name="Rectangle 2">
+            <a:extLst>
+              <a:ext uri="{FF2B5EF4-FFF2-40B4-BE49-F238E27FC236}">
+                <a16:creationId xmlns:a16="http://schemas.microsoft.com/office/drawing/2014/main" id="{6AB4D742-05BC-8C87-F0DC-81C35AC9DDDB}"/>
+              </a:ext>
+            </a:extLst>
+          </p:cNvPr>
+          <p:cNvSpPr/>
+          <p:nvPr/>
+        </p:nvSpPr>
+        <p:spPr>
+          <a:xfrm>
+            <a:off x="164840" y="1800808"/>
+            <a:ext cx="3147527" cy="3013788"/>
+          </a:xfrm>
+          <a:prstGeom prst="rect">
+            <a:avLst/>
+          </a:prstGeom>
+        </p:spPr>
+        <p:style>
+          <a:lnRef idx="2">
+            <a:schemeClr val="accent1">
+              <a:shade val="50000"/>
+            </a:schemeClr>
+          </a:lnRef>
+          <a:fillRef idx="1">
+            <a:schemeClr val="accent1"/>
+          </a:fillRef>
+          <a:effectRef idx="0">
+            <a:schemeClr val="accent1"/>
+          </a:effectRef>
+          <a:fontRef idx="minor">
+            <a:schemeClr val="lt1"/>
+          </a:fontRef>
+        </p:style>
+        <p:txBody>
+          <a:bodyPr rtlCol="0" anchor="ctr"/>
+          <a:lstStyle/>
+          <a:p>
+            <a:pPr algn="ctr"/>
+            <a:r>
+              <a:rPr lang="en-IN" dirty="0"/>
+              <a:t>Client</a:t>
+            </a:r>
+            <a:endParaRPr lang="en-US" dirty="0"/>
+          </a:p>
+        </p:txBody>
+      </p:sp>
+      <p:sp>
+        <p:nvSpPr>
+          <p:cNvPr id="5" name="Frame 4">
+            <a:extLst>
+              <a:ext uri="{FF2B5EF4-FFF2-40B4-BE49-F238E27FC236}">
+                <a16:creationId xmlns:a16="http://schemas.microsoft.com/office/drawing/2014/main" id="{958150DC-672A-CA2B-0514-EC0749FA47B0}"/>
+              </a:ext>
+            </a:extLst>
+          </p:cNvPr>
+          <p:cNvSpPr/>
+          <p:nvPr/>
+        </p:nvSpPr>
+        <p:spPr>
+          <a:xfrm>
+            <a:off x="3676261" y="513184"/>
+            <a:ext cx="3974841" cy="5831632"/>
+          </a:xfrm>
+          <a:prstGeom prst="frame">
+            <a:avLst/>
+          </a:prstGeom>
+        </p:spPr>
+        <p:style>
+          <a:lnRef idx="2">
+            <a:schemeClr val="dk1"/>
+          </a:lnRef>
+          <a:fillRef idx="1">
+            <a:schemeClr val="lt1"/>
+          </a:fillRef>
+          <a:effectRef idx="0">
+            <a:schemeClr val="dk1"/>
+          </a:effectRef>
+          <a:fontRef idx="minor">
+            <a:schemeClr val="dk1"/>
+          </a:fontRef>
+        </p:style>
+        <p:txBody>
+          <a:bodyPr rtlCol="0" anchor="ctr"/>
+          <a:lstStyle/>
+          <a:p>
+            <a:pPr algn="ctr"/>
+            <a:endParaRPr lang="en-US">
+              <a:solidFill>
+                <a:schemeClr val="tx1"/>
+              </a:solidFill>
+            </a:endParaRPr>
+          </a:p>
+        </p:txBody>
+      </p:sp>
+      <p:sp>
+        <p:nvSpPr>
+          <p:cNvPr id="7" name="Arrow: Right 6">
+            <a:extLst>
+              <a:ext uri="{FF2B5EF4-FFF2-40B4-BE49-F238E27FC236}">
+                <a16:creationId xmlns:a16="http://schemas.microsoft.com/office/drawing/2014/main" id="{2136F140-1523-8492-45C9-C40EBB05F7CE}"/>
+              </a:ext>
+            </a:extLst>
+          </p:cNvPr>
+          <p:cNvSpPr/>
+          <p:nvPr/>
+        </p:nvSpPr>
+        <p:spPr>
+          <a:xfrm>
+            <a:off x="3676261" y="2043404"/>
+            <a:ext cx="3974841" cy="914400"/>
+          </a:xfrm>
+          <a:prstGeom prst="rightArrow">
+            <a:avLst/>
+          </a:prstGeom>
+        </p:spPr>
+        <p:style>
+          <a:lnRef idx="2">
+            <a:schemeClr val="accent1">
+              <a:shade val="50000"/>
+            </a:schemeClr>
+          </a:lnRef>
+          <a:fillRef idx="1">
+            <a:schemeClr val="accent1"/>
+          </a:fillRef>
+          <a:effectRef idx="0">
+            <a:schemeClr val="accent1"/>
+          </a:effectRef>
+          <a:fontRef idx="minor">
+            <a:schemeClr val="lt1"/>
+          </a:fontRef>
+        </p:style>
+        <p:txBody>
+          <a:bodyPr rtlCol="0" anchor="ctr"/>
+          <a:lstStyle/>
+          <a:p>
+            <a:pPr algn="ctr"/>
+            <a:endParaRPr lang="en-US"/>
+          </a:p>
+        </p:txBody>
+      </p:sp>
+      <p:sp>
+        <p:nvSpPr>
+          <p:cNvPr id="8" name="TextBox 7">
+            <a:extLst>
+              <a:ext uri="{FF2B5EF4-FFF2-40B4-BE49-F238E27FC236}">
+                <a16:creationId xmlns:a16="http://schemas.microsoft.com/office/drawing/2014/main" id="{7DBE13CD-1AE1-DD15-1615-A3DF1FD5E0AF}"/>
+              </a:ext>
+            </a:extLst>
+          </p:cNvPr>
+          <p:cNvSpPr txBox="1"/>
+          <p:nvPr/>
+        </p:nvSpPr>
+        <p:spPr>
+          <a:xfrm>
+            <a:off x="3676261" y="223935"/>
+            <a:ext cx="4068147" cy="369332"/>
+          </a:xfrm>
+          <a:prstGeom prst="rect">
+            <a:avLst/>
+          </a:prstGeom>
+          <a:noFill/>
+        </p:spPr>
+        <p:txBody>
+          <a:bodyPr wrap="square" rtlCol="0">
+            <a:spAutoFit/>
+          </a:bodyPr>
+          <a:lstStyle/>
+          <a:p>
+            <a:pPr algn="ctr"/>
+            <a:r>
+              <a:rPr lang="en-IN" b="1" dirty="0"/>
+              <a:t>Transaction Scope </a:t>
+            </a:r>
+            <a:r>
+              <a:rPr lang="en-IN" b="1" dirty="0" err="1"/>
+              <a:t>w.r.t.</a:t>
+            </a:r>
+            <a:r>
+              <a:rPr lang="en-IN" b="1" dirty="0"/>
+              <a:t> Client</a:t>
+            </a:r>
+            <a:endParaRPr lang="en-US" b="1" dirty="0"/>
+          </a:p>
+        </p:txBody>
+      </p:sp>
+      <p:graphicFrame>
+        <p:nvGraphicFramePr>
+          <p:cNvPr id="9" name="Table 9">
+            <a:extLst>
+              <a:ext uri="{FF2B5EF4-FFF2-40B4-BE49-F238E27FC236}">
+                <a16:creationId xmlns:a16="http://schemas.microsoft.com/office/drawing/2014/main" id="{C90352C0-9FE5-BEBA-0B90-EDC058279542}"/>
+              </a:ext>
+            </a:extLst>
+          </p:cNvPr>
+          <p:cNvGraphicFramePr>
+            <a:graphicFrameLocks noGrp="1"/>
+          </p:cNvGraphicFramePr>
+          <p:nvPr>
+            <p:extLst>
+              <p:ext uri="{D42A27DB-BD31-4B8C-83A1-F6EECF244321}">
+                <p14:modId xmlns:p14="http://schemas.microsoft.com/office/powerpoint/2010/main" val="2343539307"/>
+              </p:ext>
+            </p:extLst>
+          </p:nvPr>
+        </p:nvGraphicFramePr>
+        <p:xfrm>
+          <a:off x="8014996" y="3873413"/>
+          <a:ext cx="1644261" cy="741680"/>
+        </p:xfrm>
+        <a:graphic>
+          <a:graphicData uri="http://schemas.openxmlformats.org/drawingml/2006/table">
+            <a:tbl>
+              <a:tblPr firstRow="1" bandRow="1">
+                <a:tableStyleId>{5C22544A-7EE6-4342-B048-85BDC9FD1C3A}</a:tableStyleId>
+              </a:tblPr>
+              <a:tblGrid>
+                <a:gridCol w="548087">
+                  <a:extLst>
+                    <a:ext uri="{9D8B030D-6E8A-4147-A177-3AD203B41FA5}">
+                      <a16:colId xmlns:a16="http://schemas.microsoft.com/office/drawing/2014/main" val="4227161484"/>
+                    </a:ext>
+                  </a:extLst>
+                </a:gridCol>
+                <a:gridCol w="548087">
+                  <a:extLst>
+                    <a:ext uri="{9D8B030D-6E8A-4147-A177-3AD203B41FA5}">
+                      <a16:colId xmlns:a16="http://schemas.microsoft.com/office/drawing/2014/main" val="1677754560"/>
+                    </a:ext>
+                  </a:extLst>
+                </a:gridCol>
+                <a:gridCol w="548087">
+                  <a:extLst>
+                    <a:ext uri="{9D8B030D-6E8A-4147-A177-3AD203B41FA5}">
+                      <a16:colId xmlns:a16="http://schemas.microsoft.com/office/drawing/2014/main" val="2281886162"/>
+                    </a:ext>
+                  </a:extLst>
+                </a:gridCol>
+              </a:tblGrid>
+              <a:tr h="370840">
+                <a:tc>
+                  <a:txBody>
+                    <a:bodyPr/>
+                    <a:lstStyle/>
+                    <a:p>
+                      <a:endParaRPr lang="en-US"/>
+                    </a:p>
+                  </a:txBody>
+                  <a:tcPr/>
+                </a:tc>
+                <a:tc>
+                  <a:txBody>
+                    <a:bodyPr/>
+                    <a:lstStyle/>
+                    <a:p>
+                      <a:endParaRPr lang="en-US"/>
+                    </a:p>
+                  </a:txBody>
+                  <a:tcPr/>
+                </a:tc>
+                <a:tc>
+                  <a:txBody>
+                    <a:bodyPr/>
+                    <a:lstStyle/>
+                    <a:p>
+                      <a:endParaRPr lang="en-US" dirty="0"/>
+                    </a:p>
+                  </a:txBody>
+                  <a:tcPr/>
+                </a:tc>
+                <a:extLst>
+                  <a:ext uri="{0D108BD9-81ED-4DB2-BD59-A6C34878D82A}">
+                    <a16:rowId xmlns:a16="http://schemas.microsoft.com/office/drawing/2014/main" val="231025209"/>
+                  </a:ext>
+                </a:extLst>
+              </a:tr>
+              <a:tr h="370840">
+                <a:tc>
+                  <a:txBody>
+                    <a:bodyPr/>
+                    <a:lstStyle/>
+                    <a:p>
+                      <a:endParaRPr lang="en-US"/>
+                    </a:p>
+                  </a:txBody>
+                  <a:tcPr/>
+                </a:tc>
+                <a:tc>
+                  <a:txBody>
+                    <a:bodyPr/>
+                    <a:lstStyle/>
+                    <a:p>
+                      <a:endParaRPr lang="en-US"/>
+                    </a:p>
+                  </a:txBody>
+                  <a:tcPr/>
+                </a:tc>
+                <a:tc>
+                  <a:txBody>
+                    <a:bodyPr/>
+                    <a:lstStyle/>
+                    <a:p>
+                      <a:endParaRPr lang="en-US" dirty="0"/>
+                    </a:p>
+                  </a:txBody>
+                  <a:tcPr/>
+                </a:tc>
+                <a:extLst>
+                  <a:ext uri="{0D108BD9-81ED-4DB2-BD59-A6C34878D82A}">
+                    <a16:rowId xmlns:a16="http://schemas.microsoft.com/office/drawing/2014/main" val="2668196167"/>
+                  </a:ext>
+                </a:extLst>
+              </a:tr>
+            </a:tbl>
+          </a:graphicData>
+        </a:graphic>
+      </p:graphicFrame>
+      <p:graphicFrame>
+        <p:nvGraphicFramePr>
+          <p:cNvPr id="10" name="Table 9">
+            <a:extLst>
+              <a:ext uri="{FF2B5EF4-FFF2-40B4-BE49-F238E27FC236}">
+                <a16:creationId xmlns:a16="http://schemas.microsoft.com/office/drawing/2014/main" id="{85685AB3-BEF1-8512-F1A7-6EB13F058749}"/>
+              </a:ext>
+            </a:extLst>
+          </p:cNvPr>
+          <p:cNvGraphicFramePr>
+            <a:graphicFrameLocks noGrp="1"/>
+          </p:cNvGraphicFramePr>
+          <p:nvPr>
+            <p:extLst>
+              <p:ext uri="{D42A27DB-BD31-4B8C-83A1-F6EECF244321}">
+                <p14:modId xmlns:p14="http://schemas.microsoft.com/office/powerpoint/2010/main" val="1265768437"/>
+              </p:ext>
+            </p:extLst>
+          </p:nvPr>
+        </p:nvGraphicFramePr>
+        <p:xfrm>
+          <a:off x="9892522" y="3873413"/>
+          <a:ext cx="1644261" cy="741680"/>
+        </p:xfrm>
+        <a:graphic>
+          <a:graphicData uri="http://schemas.openxmlformats.org/drawingml/2006/table">
+            <a:tbl>
+              <a:tblPr firstRow="1" bandRow="1">
+                <a:tableStyleId>{5C22544A-7EE6-4342-B048-85BDC9FD1C3A}</a:tableStyleId>
+              </a:tblPr>
+              <a:tblGrid>
+                <a:gridCol w="548087">
+                  <a:extLst>
+                    <a:ext uri="{9D8B030D-6E8A-4147-A177-3AD203B41FA5}">
+                      <a16:colId xmlns:a16="http://schemas.microsoft.com/office/drawing/2014/main" val="4227161484"/>
+                    </a:ext>
+                  </a:extLst>
+                </a:gridCol>
+                <a:gridCol w="548087">
+                  <a:extLst>
+                    <a:ext uri="{9D8B030D-6E8A-4147-A177-3AD203B41FA5}">
+                      <a16:colId xmlns:a16="http://schemas.microsoft.com/office/drawing/2014/main" val="1677754560"/>
+                    </a:ext>
+                  </a:extLst>
+                </a:gridCol>
+                <a:gridCol w="548087">
+                  <a:extLst>
+                    <a:ext uri="{9D8B030D-6E8A-4147-A177-3AD203B41FA5}">
+                      <a16:colId xmlns:a16="http://schemas.microsoft.com/office/drawing/2014/main" val="2281886162"/>
+                    </a:ext>
+                  </a:extLst>
+                </a:gridCol>
+              </a:tblGrid>
+              <a:tr h="370840">
+                <a:tc>
+                  <a:txBody>
+                    <a:bodyPr/>
+                    <a:lstStyle/>
+                    <a:p>
+                      <a:endParaRPr lang="en-US"/>
+                    </a:p>
+                  </a:txBody>
+                  <a:tcPr/>
+                </a:tc>
+                <a:tc>
+                  <a:txBody>
+                    <a:bodyPr/>
+                    <a:lstStyle/>
+                    <a:p>
+                      <a:endParaRPr lang="en-US" dirty="0"/>
+                    </a:p>
+                  </a:txBody>
+                  <a:tcPr/>
+                </a:tc>
+                <a:tc>
+                  <a:txBody>
+                    <a:bodyPr/>
+                    <a:lstStyle/>
+                    <a:p>
+                      <a:endParaRPr lang="en-US" dirty="0"/>
+                    </a:p>
+                  </a:txBody>
+                  <a:tcPr/>
+                </a:tc>
+                <a:extLst>
+                  <a:ext uri="{0D108BD9-81ED-4DB2-BD59-A6C34878D82A}">
+                    <a16:rowId xmlns:a16="http://schemas.microsoft.com/office/drawing/2014/main" val="231025209"/>
+                  </a:ext>
+                </a:extLst>
+              </a:tr>
+              <a:tr h="370840">
+                <a:tc>
+                  <a:txBody>
+                    <a:bodyPr/>
+                    <a:lstStyle/>
+                    <a:p>
+                      <a:endParaRPr lang="en-US"/>
+                    </a:p>
+                  </a:txBody>
+                  <a:tcPr/>
+                </a:tc>
+                <a:tc>
+                  <a:txBody>
+                    <a:bodyPr/>
+                    <a:lstStyle/>
+                    <a:p>
+                      <a:endParaRPr lang="en-US"/>
+                    </a:p>
+                  </a:txBody>
+                  <a:tcPr/>
+                </a:tc>
+                <a:tc>
+                  <a:txBody>
+                    <a:bodyPr/>
+                    <a:lstStyle/>
+                    <a:p>
+                      <a:endParaRPr lang="en-US" dirty="0"/>
+                    </a:p>
+                  </a:txBody>
+                  <a:tcPr/>
+                </a:tc>
+                <a:extLst>
+                  <a:ext uri="{0D108BD9-81ED-4DB2-BD59-A6C34878D82A}">
+                    <a16:rowId xmlns:a16="http://schemas.microsoft.com/office/drawing/2014/main" val="2668196167"/>
+                  </a:ext>
+                </a:extLst>
+              </a:tr>
+            </a:tbl>
+          </a:graphicData>
+        </a:graphic>
+      </p:graphicFrame>
+      <p:sp>
+        <p:nvSpPr>
+          <p:cNvPr id="15" name="TextBox 14">
+            <a:extLst>
+              <a:ext uri="{FF2B5EF4-FFF2-40B4-BE49-F238E27FC236}">
+                <a16:creationId xmlns:a16="http://schemas.microsoft.com/office/drawing/2014/main" id="{60ECFB74-A1DD-A298-DC31-47BABFC01968}"/>
+              </a:ext>
+            </a:extLst>
+          </p:cNvPr>
+          <p:cNvSpPr txBox="1"/>
+          <p:nvPr/>
+        </p:nvSpPr>
+        <p:spPr>
+          <a:xfrm>
+            <a:off x="8406881" y="2043404"/>
+            <a:ext cx="2743200" cy="369332"/>
+          </a:xfrm>
+          <a:prstGeom prst="rect">
+            <a:avLst/>
+          </a:prstGeom>
+          <a:noFill/>
+        </p:spPr>
+        <p:txBody>
+          <a:bodyPr wrap="square" rtlCol="0">
+            <a:spAutoFit/>
+          </a:bodyPr>
+          <a:lstStyle/>
+          <a:p>
+            <a:pPr algn="ctr"/>
+            <a:r>
+              <a:rPr lang="en-IN" b="1" dirty="0">
+                <a:highlight>
+                  <a:srgbClr val="FFFF00"/>
+                </a:highlight>
+              </a:rPr>
+              <a:t>Transaction Object</a:t>
+            </a:r>
+            <a:endParaRPr lang="en-US" b="1" dirty="0">
+              <a:highlight>
+                <a:srgbClr val="FFFF00"/>
+              </a:highlight>
+            </a:endParaRPr>
+          </a:p>
+        </p:txBody>
+      </p:sp>
+      <p:cxnSp>
+        <p:nvCxnSpPr>
+          <p:cNvPr id="17" name="Straight Arrow Connector 16">
+            <a:extLst>
+              <a:ext uri="{FF2B5EF4-FFF2-40B4-BE49-F238E27FC236}">
+                <a16:creationId xmlns:a16="http://schemas.microsoft.com/office/drawing/2014/main" id="{6011C14C-1779-5DB2-F575-29E5CBB84F27}"/>
+              </a:ext>
+            </a:extLst>
+          </p:cNvPr>
+          <p:cNvCxnSpPr>
+            <a:stCxn id="15" idx="2"/>
+            <a:endCxn id="9" idx="0"/>
+          </p:cNvCxnSpPr>
+          <p:nvPr/>
+        </p:nvCxnSpPr>
+        <p:spPr>
+          <a:xfrm flipH="1">
+            <a:off x="8837126" y="2412736"/>
+            <a:ext cx="941355" cy="1460677"/>
+          </a:xfrm>
+          <a:prstGeom prst="straightConnector1">
+            <a:avLst/>
+          </a:prstGeom>
+          <a:ln>
+            <a:solidFill>
+              <a:srgbClr val="FFFF00"/>
+            </a:solidFill>
+            <a:tailEnd type="triangle"/>
+          </a:ln>
+        </p:spPr>
+        <p:style>
+          <a:lnRef idx="1">
+            <a:schemeClr val="accent1"/>
+          </a:lnRef>
+          <a:fillRef idx="0">
+            <a:schemeClr val="accent1"/>
+          </a:fillRef>
+          <a:effectRef idx="0">
+            <a:schemeClr val="accent1"/>
+          </a:effectRef>
+          <a:fontRef idx="minor">
+            <a:schemeClr val="tx1"/>
+          </a:fontRef>
+        </p:style>
+      </p:cxnSp>
+      <p:cxnSp>
+        <p:nvCxnSpPr>
+          <p:cNvPr id="19" name="Straight Arrow Connector 18">
+            <a:extLst>
+              <a:ext uri="{FF2B5EF4-FFF2-40B4-BE49-F238E27FC236}">
+                <a16:creationId xmlns:a16="http://schemas.microsoft.com/office/drawing/2014/main" id="{265A656D-CBD5-E11A-BAC3-37CE072C00A0}"/>
+              </a:ext>
+            </a:extLst>
+          </p:cNvPr>
+          <p:cNvCxnSpPr>
+            <a:stCxn id="15" idx="2"/>
+            <a:endCxn id="10" idx="0"/>
+          </p:cNvCxnSpPr>
+          <p:nvPr/>
+        </p:nvCxnSpPr>
+        <p:spPr>
+          <a:xfrm>
+            <a:off x="9778481" y="2412736"/>
+            <a:ext cx="936171" cy="1460677"/>
+          </a:xfrm>
+          <a:prstGeom prst="straightConnector1">
+            <a:avLst/>
+          </a:prstGeom>
+          <a:ln>
+            <a:solidFill>
+              <a:srgbClr val="FFFF00"/>
+            </a:solidFill>
+            <a:tailEnd type="triangle"/>
+          </a:ln>
+        </p:spPr>
+        <p:style>
+          <a:lnRef idx="1">
+            <a:schemeClr val="accent1"/>
+          </a:lnRef>
+          <a:fillRef idx="0">
+            <a:schemeClr val="accent1"/>
+          </a:fillRef>
+          <a:effectRef idx="0">
+            <a:schemeClr val="accent1"/>
+          </a:effectRef>
+          <a:fontRef idx="minor">
+            <a:schemeClr val="tx1"/>
+          </a:fontRef>
+        </p:style>
+      </p:cxnSp>
+      <p:sp>
+        <p:nvSpPr>
+          <p:cNvPr id="20" name="TextBox 19">
+            <a:extLst>
+              <a:ext uri="{FF2B5EF4-FFF2-40B4-BE49-F238E27FC236}">
+                <a16:creationId xmlns:a16="http://schemas.microsoft.com/office/drawing/2014/main" id="{7DC7B402-FF44-6042-93EC-8BA6D2D83813}"/>
+              </a:ext>
+            </a:extLst>
+          </p:cNvPr>
+          <p:cNvSpPr txBox="1"/>
+          <p:nvPr/>
+        </p:nvSpPr>
+        <p:spPr>
+          <a:xfrm>
+            <a:off x="8014996" y="5635690"/>
+            <a:ext cx="3293706" cy="1200329"/>
+          </a:xfrm>
+          <a:prstGeom prst="rect">
+            <a:avLst/>
+          </a:prstGeom>
+          <a:noFill/>
+        </p:spPr>
+        <p:txBody>
+          <a:bodyPr wrap="square" rtlCol="0">
+            <a:spAutoFit/>
+          </a:bodyPr>
+          <a:lstStyle/>
+          <a:p>
+            <a:pPr algn="ctr"/>
+            <a:r>
+              <a:rPr lang="en-IN" b="1" dirty="0"/>
+              <a:t>If Both Tables Notifies Successful Accept Transaction w/o any exception then The Transaction Object Set Commit Else Rollback </a:t>
+            </a:r>
+            <a:endParaRPr lang="en-US" b="1" dirty="0"/>
+          </a:p>
+        </p:txBody>
+      </p:sp>
+      <p:sp>
+        <p:nvSpPr>
+          <p:cNvPr id="21" name="Arrow: Left 20">
+            <a:extLst>
+              <a:ext uri="{FF2B5EF4-FFF2-40B4-BE49-F238E27FC236}">
+                <a16:creationId xmlns:a16="http://schemas.microsoft.com/office/drawing/2014/main" id="{93EFDDFC-DE71-F079-D91F-8931A54BEB2A}"/>
+              </a:ext>
+            </a:extLst>
+          </p:cNvPr>
+          <p:cNvSpPr/>
+          <p:nvPr/>
+        </p:nvSpPr>
+        <p:spPr>
+          <a:xfrm>
+            <a:off x="3676261" y="4058816"/>
+            <a:ext cx="3948923" cy="914400"/>
+          </a:xfrm>
+          <a:prstGeom prst="leftArrow">
+            <a:avLst/>
+          </a:prstGeom>
+        </p:spPr>
+        <p:style>
+          <a:lnRef idx="2">
+            <a:schemeClr val="accent1">
+              <a:shade val="50000"/>
+            </a:schemeClr>
+          </a:lnRef>
+          <a:fillRef idx="1">
+            <a:schemeClr val="accent1"/>
+          </a:fillRef>
+          <a:effectRef idx="0">
+            <a:schemeClr val="accent1"/>
+          </a:effectRef>
+          <a:fontRef idx="minor">
+            <a:schemeClr val="lt1"/>
+          </a:fontRef>
+        </p:style>
+        <p:txBody>
+          <a:bodyPr rtlCol="0" anchor="ctr"/>
+          <a:lstStyle/>
+          <a:p>
+            <a:pPr algn="ctr"/>
+            <a:endParaRPr lang="en-US"/>
+          </a:p>
+        </p:txBody>
+      </p:sp>
+      <p:cxnSp>
+        <p:nvCxnSpPr>
+          <p:cNvPr id="24" name="Straight Arrow Connector 23">
+            <a:extLst>
+              <a:ext uri="{FF2B5EF4-FFF2-40B4-BE49-F238E27FC236}">
+                <a16:creationId xmlns:a16="http://schemas.microsoft.com/office/drawing/2014/main" id="{DA03F205-C602-EFF6-030E-79B19D799712}"/>
+              </a:ext>
+            </a:extLst>
+          </p:cNvPr>
+          <p:cNvCxnSpPr>
+            <a:stCxn id="15" idx="2"/>
+          </p:cNvCxnSpPr>
+          <p:nvPr/>
+        </p:nvCxnSpPr>
+        <p:spPr>
+          <a:xfrm flipH="1">
+            <a:off x="6522098" y="2412736"/>
+            <a:ext cx="3256383" cy="880970"/>
+          </a:xfrm>
+          <a:prstGeom prst="straightConnector1">
+            <a:avLst/>
+          </a:prstGeom>
+          <a:ln>
+            <a:tailEnd type="triangle"/>
+          </a:ln>
+        </p:spPr>
+        <p:style>
+          <a:lnRef idx="1">
+            <a:schemeClr val="accent1"/>
+          </a:lnRef>
+          <a:fillRef idx="0">
+            <a:schemeClr val="accent1"/>
+          </a:fillRef>
+          <a:effectRef idx="0">
+            <a:schemeClr val="accent1"/>
+          </a:effectRef>
+          <a:fontRef idx="minor">
+            <a:schemeClr val="tx1"/>
+          </a:fontRef>
+        </p:style>
+      </p:cxnSp>
+      <p:sp>
+        <p:nvSpPr>
+          <p:cNvPr id="25" name="TextBox 24">
+            <a:extLst>
+              <a:ext uri="{FF2B5EF4-FFF2-40B4-BE49-F238E27FC236}">
+                <a16:creationId xmlns:a16="http://schemas.microsoft.com/office/drawing/2014/main" id="{7D933D6F-E4B4-AAAF-E3CD-86C370C6DBE7}"/>
+              </a:ext>
+            </a:extLst>
+          </p:cNvPr>
+          <p:cNvSpPr txBox="1"/>
+          <p:nvPr/>
+        </p:nvSpPr>
+        <p:spPr>
+          <a:xfrm>
+            <a:off x="4357396" y="2957804"/>
+            <a:ext cx="2164702" cy="923330"/>
+          </a:xfrm>
+          <a:prstGeom prst="rect">
+            <a:avLst/>
+          </a:prstGeom>
+          <a:noFill/>
+        </p:spPr>
+        <p:txBody>
+          <a:bodyPr wrap="square" rtlCol="0">
+            <a:spAutoFit/>
+          </a:bodyPr>
+          <a:lstStyle/>
+          <a:p>
+            <a:r>
+              <a:rPr lang="en-IN" dirty="0"/>
+              <a:t>Transaction is Either Committed or Rolled Back</a:t>
+            </a:r>
+            <a:endParaRPr lang="en-US" dirty="0"/>
+          </a:p>
+        </p:txBody>
+      </p:sp>
+    </p:spTree>
+    <p:extLst>
+      <p:ext uri="{BB962C8B-B14F-4D97-AF65-F5344CB8AC3E}">
+        <p14:creationId xmlns:p14="http://schemas.microsoft.com/office/powerpoint/2010/main" val="75443033"/>
+      </p:ext>
+    </p:extLst>
+  </p:cSld>
+  <p:clrMapOvr>
+    <a:masterClrMapping/>
+  </p:clrMapOvr>
+</p:sld>
+</file>
+
 <file path=ppt/slides/slide2.xml><?xml version="1.0" encoding="utf-8"?>
 <p:sld xmlns:a="http://schemas.openxmlformats.org/drawingml/2006/main" xmlns:r="http://schemas.openxmlformats.org/officeDocument/2006/relationships" xmlns:p="http://schemas.openxmlformats.org/presentationml/2006/main">
   <p:cSld>

--- a/Training_Images.pptx
+++ b/Training_Images.pptx
@@ -21,6 +21,8 @@
     <p:sldId id="269" r:id="rId15"/>
     <p:sldId id="270" r:id="rId16"/>
     <p:sldId id="271" r:id="rId17"/>
+    <p:sldId id="272" r:id="rId18"/>
+    <p:sldId id="273" r:id="rId19"/>
   </p:sldIdLst>
   <p:sldSz cx="12192000" cy="6858000"/>
   <p:notesSz cx="6858000" cy="9144000"/>
@@ -274,7 +276,7 @@
           <a:p>
             <a:fld id="{F4B84776-BAA1-48A5-B83E-3E40081DB21F}" type="datetimeFigureOut">
               <a:rPr lang="en-US" smtClean="0"/>
-              <a:t>9/29/2022</a:t>
+              <a:t>9/30/2022</a:t>
             </a:fld>
             <a:endParaRPr lang="en-US"/>
           </a:p>
@@ -472,7 +474,7 @@
           <a:p>
             <a:fld id="{F4B84776-BAA1-48A5-B83E-3E40081DB21F}" type="datetimeFigureOut">
               <a:rPr lang="en-US" smtClean="0"/>
-              <a:t>9/29/2022</a:t>
+              <a:t>9/30/2022</a:t>
             </a:fld>
             <a:endParaRPr lang="en-US"/>
           </a:p>
@@ -680,7 +682,7 @@
           <a:p>
             <a:fld id="{F4B84776-BAA1-48A5-B83E-3E40081DB21F}" type="datetimeFigureOut">
               <a:rPr lang="en-US" smtClean="0"/>
-              <a:t>9/29/2022</a:t>
+              <a:t>9/30/2022</a:t>
             </a:fld>
             <a:endParaRPr lang="en-US"/>
           </a:p>
@@ -878,7 +880,7 @@
           <a:p>
             <a:fld id="{F4B84776-BAA1-48A5-B83E-3E40081DB21F}" type="datetimeFigureOut">
               <a:rPr lang="en-US" smtClean="0"/>
-              <a:t>9/29/2022</a:t>
+              <a:t>9/30/2022</a:t>
             </a:fld>
             <a:endParaRPr lang="en-US"/>
           </a:p>
@@ -1153,7 +1155,7 @@
           <a:p>
             <a:fld id="{F4B84776-BAA1-48A5-B83E-3E40081DB21F}" type="datetimeFigureOut">
               <a:rPr lang="en-US" smtClean="0"/>
-              <a:t>9/29/2022</a:t>
+              <a:t>9/30/2022</a:t>
             </a:fld>
             <a:endParaRPr lang="en-US"/>
           </a:p>
@@ -1418,7 +1420,7 @@
           <a:p>
             <a:fld id="{F4B84776-BAA1-48A5-B83E-3E40081DB21F}" type="datetimeFigureOut">
               <a:rPr lang="en-US" smtClean="0"/>
-              <a:t>9/29/2022</a:t>
+              <a:t>9/30/2022</a:t>
             </a:fld>
             <a:endParaRPr lang="en-US"/>
           </a:p>
@@ -1830,7 +1832,7 @@
           <a:p>
             <a:fld id="{F4B84776-BAA1-48A5-B83E-3E40081DB21F}" type="datetimeFigureOut">
               <a:rPr lang="en-US" smtClean="0"/>
-              <a:t>9/29/2022</a:t>
+              <a:t>9/30/2022</a:t>
             </a:fld>
             <a:endParaRPr lang="en-US"/>
           </a:p>
@@ -1971,7 +1973,7 @@
           <a:p>
             <a:fld id="{F4B84776-BAA1-48A5-B83E-3E40081DB21F}" type="datetimeFigureOut">
               <a:rPr lang="en-US" smtClean="0"/>
-              <a:t>9/29/2022</a:t>
+              <a:t>9/30/2022</a:t>
             </a:fld>
             <a:endParaRPr lang="en-US"/>
           </a:p>
@@ -2084,7 +2086,7 @@
           <a:p>
             <a:fld id="{F4B84776-BAA1-48A5-B83E-3E40081DB21F}" type="datetimeFigureOut">
               <a:rPr lang="en-US" smtClean="0"/>
-              <a:t>9/29/2022</a:t>
+              <a:t>9/30/2022</a:t>
             </a:fld>
             <a:endParaRPr lang="en-US"/>
           </a:p>
@@ -2395,7 +2397,7 @@
           <a:p>
             <a:fld id="{F4B84776-BAA1-48A5-B83E-3E40081DB21F}" type="datetimeFigureOut">
               <a:rPr lang="en-US" smtClean="0"/>
-              <a:t>9/29/2022</a:t>
+              <a:t>9/30/2022</a:t>
             </a:fld>
             <a:endParaRPr lang="en-US"/>
           </a:p>
@@ -2683,7 +2685,7 @@
           <a:p>
             <a:fld id="{F4B84776-BAA1-48A5-B83E-3E40081DB21F}" type="datetimeFigureOut">
               <a:rPr lang="en-US" smtClean="0"/>
-              <a:t>9/29/2022</a:t>
+              <a:t>9/30/2022</a:t>
             </a:fld>
             <a:endParaRPr lang="en-US"/>
           </a:p>
@@ -2924,7 +2926,7 @@
           <a:p>
             <a:fld id="{F4B84776-BAA1-48A5-B83E-3E40081DB21F}" type="datetimeFigureOut">
               <a:rPr lang="en-US" smtClean="0"/>
-              <a:t>9/29/2022</a:t>
+              <a:t>9/30/2022</a:t>
             </a:fld>
             <a:endParaRPr lang="en-US"/>
           </a:p>
@@ -11242,6 +11244,1533 @@
 </p:sld>
 </file>
 
+<file path=ppt/slides/slide17.xml><?xml version="1.0" encoding="utf-8"?>
+<p:sld xmlns:a="http://schemas.openxmlformats.org/drawingml/2006/main" xmlns:r="http://schemas.openxmlformats.org/officeDocument/2006/relationships" xmlns:p="http://schemas.openxmlformats.org/presentationml/2006/main">
+  <p:cSld>
+    <p:spTree>
+      <p:nvGrpSpPr>
+        <p:cNvPr id="1" name=""/>
+        <p:cNvGrpSpPr/>
+        <p:nvPr/>
+      </p:nvGrpSpPr>
+      <p:grpSpPr>
+        <a:xfrm>
+          <a:off x="0" y="0"/>
+          <a:ext cx="0" cy="0"/>
+          <a:chOff x="0" y="0"/>
+          <a:chExt cx="0" cy="0"/>
+        </a:xfrm>
+      </p:grpSpPr>
+      <p:sp>
+        <p:nvSpPr>
+          <p:cNvPr id="2" name="Cylinder 1">
+            <a:extLst>
+              <a:ext uri="{FF2B5EF4-FFF2-40B4-BE49-F238E27FC236}">
+                <a16:creationId xmlns:a16="http://schemas.microsoft.com/office/drawing/2014/main" id="{5421D4BC-F92B-F2D4-8EEB-CD3DFCBD1CFD}"/>
+              </a:ext>
+            </a:extLst>
+          </p:cNvPr>
+          <p:cNvSpPr/>
+          <p:nvPr/>
+        </p:nvSpPr>
+        <p:spPr>
+          <a:xfrm>
+            <a:off x="8285584" y="1129004"/>
+            <a:ext cx="3396343" cy="4833257"/>
+          </a:xfrm>
+          <a:prstGeom prst="can">
+            <a:avLst>
+              <a:gd name="adj" fmla="val 7418"/>
+            </a:avLst>
+          </a:prstGeom>
+        </p:spPr>
+        <p:style>
+          <a:lnRef idx="2">
+            <a:schemeClr val="accent1">
+              <a:shade val="50000"/>
+            </a:schemeClr>
+          </a:lnRef>
+          <a:fillRef idx="1">
+            <a:schemeClr val="accent1"/>
+          </a:fillRef>
+          <a:effectRef idx="0">
+            <a:schemeClr val="accent1"/>
+          </a:effectRef>
+          <a:fontRef idx="minor">
+            <a:schemeClr val="lt1"/>
+          </a:fontRef>
+        </p:style>
+        <p:txBody>
+          <a:bodyPr rtlCol="0" anchor="ctr"/>
+          <a:lstStyle/>
+          <a:p>
+            <a:pPr algn="ctr"/>
+            <a:endParaRPr lang="en-US"/>
+          </a:p>
+        </p:txBody>
+      </p:sp>
+      <p:graphicFrame>
+        <p:nvGraphicFramePr>
+          <p:cNvPr id="3" name="Table 3">
+            <a:extLst>
+              <a:ext uri="{FF2B5EF4-FFF2-40B4-BE49-F238E27FC236}">
+                <a16:creationId xmlns:a16="http://schemas.microsoft.com/office/drawing/2014/main" id="{CB54520E-6C69-04AD-D0A6-A5B2DB4A282A}"/>
+              </a:ext>
+            </a:extLst>
+          </p:cNvPr>
+          <p:cNvGraphicFramePr>
+            <a:graphicFrameLocks noGrp="1"/>
+          </p:cNvGraphicFramePr>
+          <p:nvPr>
+            <p:extLst>
+              <p:ext uri="{D42A27DB-BD31-4B8C-83A1-F6EECF244321}">
+                <p14:modId xmlns:p14="http://schemas.microsoft.com/office/powerpoint/2010/main" val="2954980372"/>
+              </p:ext>
+            </p:extLst>
+          </p:nvPr>
+        </p:nvGraphicFramePr>
+        <p:xfrm>
+          <a:off x="8591420" y="2557797"/>
+          <a:ext cx="2605315" cy="741680"/>
+        </p:xfrm>
+        <a:graphic>
+          <a:graphicData uri="http://schemas.openxmlformats.org/drawingml/2006/table">
+            <a:tbl>
+              <a:tblPr firstRow="1" bandRow="1">
+                <a:tableStyleId>{5C22544A-7EE6-4342-B048-85BDC9FD1C3A}</a:tableStyleId>
+              </a:tblPr>
+              <a:tblGrid>
+                <a:gridCol w="521063">
+                  <a:extLst>
+                    <a:ext uri="{9D8B030D-6E8A-4147-A177-3AD203B41FA5}">
+                      <a16:colId xmlns:a16="http://schemas.microsoft.com/office/drawing/2014/main" val="1242890285"/>
+                    </a:ext>
+                  </a:extLst>
+                </a:gridCol>
+                <a:gridCol w="521063">
+                  <a:extLst>
+                    <a:ext uri="{9D8B030D-6E8A-4147-A177-3AD203B41FA5}">
+                      <a16:colId xmlns:a16="http://schemas.microsoft.com/office/drawing/2014/main" val="3194341167"/>
+                    </a:ext>
+                  </a:extLst>
+                </a:gridCol>
+                <a:gridCol w="521063">
+                  <a:extLst>
+                    <a:ext uri="{9D8B030D-6E8A-4147-A177-3AD203B41FA5}">
+                      <a16:colId xmlns:a16="http://schemas.microsoft.com/office/drawing/2014/main" val="3462185220"/>
+                    </a:ext>
+                  </a:extLst>
+                </a:gridCol>
+                <a:gridCol w="521063">
+                  <a:extLst>
+                    <a:ext uri="{9D8B030D-6E8A-4147-A177-3AD203B41FA5}">
+                      <a16:colId xmlns:a16="http://schemas.microsoft.com/office/drawing/2014/main" val="2161874711"/>
+                    </a:ext>
+                  </a:extLst>
+                </a:gridCol>
+                <a:gridCol w="521063">
+                  <a:extLst>
+                    <a:ext uri="{9D8B030D-6E8A-4147-A177-3AD203B41FA5}">
+                      <a16:colId xmlns:a16="http://schemas.microsoft.com/office/drawing/2014/main" val="986046363"/>
+                    </a:ext>
+                  </a:extLst>
+                </a:gridCol>
+              </a:tblGrid>
+              <a:tr h="370840">
+                <a:tc>
+                  <a:txBody>
+                    <a:bodyPr/>
+                    <a:lstStyle/>
+                    <a:p>
+                      <a:r>
+                        <a:rPr lang="en-IN" dirty="0"/>
+                        <a:t>C1</a:t>
+                      </a:r>
+                      <a:endParaRPr lang="en-US" dirty="0"/>
+                    </a:p>
+                  </a:txBody>
+                  <a:tcPr/>
+                </a:tc>
+                <a:tc>
+                  <a:txBody>
+                    <a:bodyPr/>
+                    <a:lstStyle/>
+                    <a:p>
+                      <a:r>
+                        <a:rPr lang="en-IN" dirty="0"/>
+                        <a:t>C2</a:t>
+                      </a:r>
+                      <a:endParaRPr lang="en-US" dirty="0"/>
+                    </a:p>
+                  </a:txBody>
+                  <a:tcPr/>
+                </a:tc>
+                <a:tc>
+                  <a:txBody>
+                    <a:bodyPr/>
+                    <a:lstStyle/>
+                    <a:p>
+                      <a:r>
+                        <a:rPr lang="en-IN" dirty="0"/>
+                        <a:t>C3</a:t>
+                      </a:r>
+                      <a:endParaRPr lang="en-US" dirty="0"/>
+                    </a:p>
+                  </a:txBody>
+                  <a:tcPr/>
+                </a:tc>
+                <a:tc>
+                  <a:txBody>
+                    <a:bodyPr/>
+                    <a:lstStyle/>
+                    <a:p>
+                      <a:r>
+                        <a:rPr lang="en-IN" dirty="0"/>
+                        <a:t>C4</a:t>
+                      </a:r>
+                      <a:endParaRPr lang="en-US" dirty="0"/>
+                    </a:p>
+                  </a:txBody>
+                  <a:tcPr/>
+                </a:tc>
+                <a:tc>
+                  <a:txBody>
+                    <a:bodyPr/>
+                    <a:lstStyle/>
+                    <a:p>
+                      <a:r>
+                        <a:rPr lang="en-IN" dirty="0"/>
+                        <a:t>C5</a:t>
+                      </a:r>
+                      <a:endParaRPr lang="en-US" dirty="0"/>
+                    </a:p>
+                  </a:txBody>
+                  <a:tcPr/>
+                </a:tc>
+                <a:extLst>
+                  <a:ext uri="{0D108BD9-81ED-4DB2-BD59-A6C34878D82A}">
+                    <a16:rowId xmlns:a16="http://schemas.microsoft.com/office/drawing/2014/main" val="1373686009"/>
+                  </a:ext>
+                </a:extLst>
+              </a:tr>
+              <a:tr h="370840">
+                <a:tc>
+                  <a:txBody>
+                    <a:bodyPr/>
+                    <a:lstStyle/>
+                    <a:p>
+                      <a:r>
+                        <a:rPr lang="en-IN" dirty="0"/>
+                        <a:t>1</a:t>
+                      </a:r>
+                      <a:endParaRPr lang="en-US" dirty="0"/>
+                    </a:p>
+                  </a:txBody>
+                  <a:tcPr/>
+                </a:tc>
+                <a:tc>
+                  <a:txBody>
+                    <a:bodyPr/>
+                    <a:lstStyle/>
+                    <a:p>
+                      <a:r>
+                        <a:rPr lang="en-IN" dirty="0"/>
+                        <a:t>B</a:t>
+                      </a:r>
+                      <a:endParaRPr lang="en-US" dirty="0"/>
+                    </a:p>
+                  </a:txBody>
+                  <a:tcPr/>
+                </a:tc>
+                <a:tc>
+                  <a:txBody>
+                    <a:bodyPr/>
+                    <a:lstStyle/>
+                    <a:p>
+                      <a:r>
+                        <a:rPr lang="en-IN" dirty="0"/>
+                        <a:t>B</a:t>
+                      </a:r>
+                      <a:endParaRPr lang="en-US" dirty="0"/>
+                    </a:p>
+                  </a:txBody>
+                  <a:tcPr/>
+                </a:tc>
+                <a:tc>
+                  <a:txBody>
+                    <a:bodyPr/>
+                    <a:lstStyle/>
+                    <a:p>
+                      <a:r>
+                        <a:rPr lang="en-IN" dirty="0"/>
+                        <a:t>C</a:t>
+                      </a:r>
+                      <a:endParaRPr lang="en-US" dirty="0"/>
+                    </a:p>
+                  </a:txBody>
+                  <a:tcPr/>
+                </a:tc>
+                <a:tc>
+                  <a:txBody>
+                    <a:bodyPr/>
+                    <a:lstStyle/>
+                    <a:p>
+                      <a:r>
+                        <a:rPr lang="en-IN" dirty="0"/>
+                        <a:t>D</a:t>
+                      </a:r>
+                      <a:endParaRPr lang="en-US" dirty="0"/>
+                    </a:p>
+                  </a:txBody>
+                  <a:tcPr/>
+                </a:tc>
+                <a:extLst>
+                  <a:ext uri="{0D108BD9-81ED-4DB2-BD59-A6C34878D82A}">
+                    <a16:rowId xmlns:a16="http://schemas.microsoft.com/office/drawing/2014/main" val="3001056935"/>
+                  </a:ext>
+                </a:extLst>
+              </a:tr>
+            </a:tbl>
+          </a:graphicData>
+        </a:graphic>
+      </p:graphicFrame>
+      <p:sp>
+        <p:nvSpPr>
+          <p:cNvPr id="4" name="Rectangle 3">
+            <a:extLst>
+              <a:ext uri="{FF2B5EF4-FFF2-40B4-BE49-F238E27FC236}">
+                <a16:creationId xmlns:a16="http://schemas.microsoft.com/office/drawing/2014/main" id="{568DA150-76CB-9FE1-F4EE-7638C78A2EFD}"/>
+              </a:ext>
+            </a:extLst>
+          </p:cNvPr>
+          <p:cNvSpPr/>
+          <p:nvPr/>
+        </p:nvSpPr>
+        <p:spPr>
+          <a:xfrm>
+            <a:off x="419878" y="1866122"/>
+            <a:ext cx="2668555" cy="2873829"/>
+          </a:xfrm>
+          <a:prstGeom prst="rect">
+            <a:avLst/>
+          </a:prstGeom>
+        </p:spPr>
+        <p:style>
+          <a:lnRef idx="1">
+            <a:schemeClr val="accent3"/>
+          </a:lnRef>
+          <a:fillRef idx="2">
+            <a:schemeClr val="accent3"/>
+          </a:fillRef>
+          <a:effectRef idx="1">
+            <a:schemeClr val="accent3"/>
+          </a:effectRef>
+          <a:fontRef idx="minor">
+            <a:schemeClr val="dk1"/>
+          </a:fontRef>
+        </p:style>
+        <p:txBody>
+          <a:bodyPr rtlCol="0" anchor="ctr"/>
+          <a:lstStyle/>
+          <a:p>
+            <a:pPr algn="ctr"/>
+            <a:endParaRPr lang="en-IN" dirty="0"/>
+          </a:p>
+          <a:p>
+            <a:pPr algn="ctr"/>
+            <a:endParaRPr lang="en-US" dirty="0"/>
+          </a:p>
+        </p:txBody>
+      </p:sp>
+      <p:sp>
+        <p:nvSpPr>
+          <p:cNvPr id="5" name="Arrow: Right 4">
+            <a:extLst>
+              <a:ext uri="{FF2B5EF4-FFF2-40B4-BE49-F238E27FC236}">
+                <a16:creationId xmlns:a16="http://schemas.microsoft.com/office/drawing/2014/main" id="{5ACAD556-9816-D4C8-86B8-5C5A093E8D3E}"/>
+              </a:ext>
+            </a:extLst>
+          </p:cNvPr>
+          <p:cNvSpPr/>
+          <p:nvPr/>
+        </p:nvSpPr>
+        <p:spPr>
+          <a:xfrm>
+            <a:off x="2993052" y="2313991"/>
+            <a:ext cx="5292532" cy="1436915"/>
+          </a:xfrm>
+          <a:prstGeom prst="rightArrow">
+            <a:avLst/>
+          </a:prstGeom>
+        </p:spPr>
+        <p:style>
+          <a:lnRef idx="2">
+            <a:schemeClr val="accent1">
+              <a:shade val="50000"/>
+            </a:schemeClr>
+          </a:lnRef>
+          <a:fillRef idx="1">
+            <a:schemeClr val="accent1"/>
+          </a:fillRef>
+          <a:effectRef idx="0">
+            <a:schemeClr val="accent1"/>
+          </a:effectRef>
+          <a:fontRef idx="minor">
+            <a:schemeClr val="lt1"/>
+          </a:fontRef>
+        </p:style>
+        <p:txBody>
+          <a:bodyPr rtlCol="0" anchor="ctr"/>
+          <a:lstStyle/>
+          <a:p>
+            <a:pPr algn="ctr"/>
+            <a:endParaRPr lang="en-US"/>
+          </a:p>
+        </p:txBody>
+      </p:sp>
+      <p:sp>
+        <p:nvSpPr>
+          <p:cNvPr id="6" name="TextBox 5">
+            <a:extLst>
+              <a:ext uri="{FF2B5EF4-FFF2-40B4-BE49-F238E27FC236}">
+                <a16:creationId xmlns:a16="http://schemas.microsoft.com/office/drawing/2014/main" id="{78A73615-034A-F052-E270-46549515D590}"/>
+              </a:ext>
+            </a:extLst>
+          </p:cNvPr>
+          <p:cNvSpPr txBox="1"/>
+          <p:nvPr/>
+        </p:nvSpPr>
+        <p:spPr>
+          <a:xfrm>
+            <a:off x="3267789" y="102637"/>
+            <a:ext cx="4534678" cy="2308324"/>
+          </a:xfrm>
+          <a:prstGeom prst="rect">
+            <a:avLst/>
+          </a:prstGeom>
+          <a:noFill/>
+        </p:spPr>
+        <p:txBody>
+          <a:bodyPr wrap="square" rtlCol="0">
+            <a:spAutoFit/>
+          </a:bodyPr>
+          <a:lstStyle/>
+          <a:p>
+            <a:pPr marL="285750" indent="-285750">
+              <a:buFont typeface="Arial" panose="020B0604020202020204" pitchFamily="34" charset="0"/>
+              <a:buChar char="•"/>
+            </a:pPr>
+            <a:r>
+              <a:rPr lang="en-IN" dirty="0"/>
+              <a:t>Select * from Employee</a:t>
+            </a:r>
+          </a:p>
+          <a:p>
+            <a:pPr marL="285750" indent="-285750">
+              <a:buFont typeface="Arial" panose="020B0604020202020204" pitchFamily="34" charset="0"/>
+              <a:buChar char="•"/>
+            </a:pPr>
+            <a:r>
+              <a:rPr lang="en-IN" dirty="0"/>
+              <a:t>Insert into Employees Values(101,’ddd’)</a:t>
+            </a:r>
+          </a:p>
+          <a:p>
+            <a:pPr marL="285750" indent="-285750">
+              <a:buFont typeface="Arial" panose="020B0604020202020204" pitchFamily="34" charset="0"/>
+              <a:buChar char="•"/>
+            </a:pPr>
+            <a:endParaRPr lang="en-IN" dirty="0"/>
+          </a:p>
+          <a:p>
+            <a:pPr marL="285750" indent="-285750">
+              <a:buFont typeface="Arial" panose="020B0604020202020204" pitchFamily="34" charset="0"/>
+              <a:buChar char="•"/>
+            </a:pPr>
+            <a:r>
+              <a:rPr lang="en-IN" dirty="0"/>
+              <a:t>Client was sending these queries to Db </a:t>
+            </a:r>
+          </a:p>
+          <a:p>
+            <a:pPr marL="285750" indent="-285750">
+              <a:buFont typeface="Arial" panose="020B0604020202020204" pitchFamily="34" charset="0"/>
+              <a:buChar char="•"/>
+            </a:pPr>
+            <a:r>
+              <a:rPr lang="en-IN" dirty="0"/>
+              <a:t>DB was processing them</a:t>
+            </a:r>
+          </a:p>
+          <a:p>
+            <a:pPr marL="742950" lvl="1" indent="-285750">
+              <a:buFont typeface="Arial" panose="020B0604020202020204" pitchFamily="34" charset="0"/>
+              <a:buChar char="•"/>
+            </a:pPr>
+            <a:r>
+              <a:rPr lang="en-IN" dirty="0"/>
+              <a:t>Check Authentication</a:t>
+            </a:r>
+          </a:p>
+          <a:p>
+            <a:pPr marL="742950" lvl="1" indent="-285750">
+              <a:buFont typeface="Arial" panose="020B0604020202020204" pitchFamily="34" charset="0"/>
+              <a:buChar char="•"/>
+            </a:pPr>
+            <a:r>
+              <a:rPr lang="en-IN" dirty="0"/>
+              <a:t>Parse Query</a:t>
+            </a:r>
+          </a:p>
+          <a:p>
+            <a:pPr marL="742950" lvl="1" indent="-285750">
+              <a:buFont typeface="Arial" panose="020B0604020202020204" pitchFamily="34" charset="0"/>
+              <a:buChar char="•"/>
+            </a:pPr>
+            <a:r>
+              <a:rPr lang="en-IN" dirty="0"/>
+              <a:t>Execute Query </a:t>
+            </a:r>
+            <a:endParaRPr lang="en-US" dirty="0"/>
+          </a:p>
+        </p:txBody>
+      </p:sp>
+      <p:sp>
+        <p:nvSpPr>
+          <p:cNvPr id="7" name="TextBox 6">
+            <a:extLst>
+              <a:ext uri="{FF2B5EF4-FFF2-40B4-BE49-F238E27FC236}">
+                <a16:creationId xmlns:a16="http://schemas.microsoft.com/office/drawing/2014/main" id="{7AEF5C49-03D5-84E6-12D4-D9654543F997}"/>
+              </a:ext>
+            </a:extLst>
+          </p:cNvPr>
+          <p:cNvSpPr txBox="1"/>
+          <p:nvPr/>
+        </p:nvSpPr>
+        <p:spPr>
+          <a:xfrm>
+            <a:off x="3230465" y="3545632"/>
+            <a:ext cx="3898121" cy="1754326"/>
+          </a:xfrm>
+          <a:prstGeom prst="rect">
+            <a:avLst/>
+          </a:prstGeom>
+          <a:noFill/>
+        </p:spPr>
+        <p:txBody>
+          <a:bodyPr wrap="square" rtlCol="0">
+            <a:spAutoFit/>
+          </a:bodyPr>
+          <a:lstStyle/>
+          <a:p>
+            <a:r>
+              <a:rPr lang="en-IN" dirty="0"/>
+              <a:t>Client is responsible to pass data in Order for Insert and Update</a:t>
+            </a:r>
+          </a:p>
+          <a:p>
+            <a:endParaRPr lang="en-IN" dirty="0"/>
+          </a:p>
+          <a:p>
+            <a:r>
+              <a:rPr lang="en-IN" dirty="0"/>
+              <a:t>Client was responsible to Pass Select Statements with Join, Where, Order by, etc. to DB Server</a:t>
+            </a:r>
+            <a:endParaRPr lang="en-US" dirty="0"/>
+          </a:p>
+        </p:txBody>
+      </p:sp>
+      <p:sp>
+        <p:nvSpPr>
+          <p:cNvPr id="8" name="TextBox 7">
+            <a:extLst>
+              <a:ext uri="{FF2B5EF4-FFF2-40B4-BE49-F238E27FC236}">
+                <a16:creationId xmlns:a16="http://schemas.microsoft.com/office/drawing/2014/main" id="{5F1ACC61-A952-2A92-A4BE-BD9E47CB8586}"/>
+              </a:ext>
+            </a:extLst>
+          </p:cNvPr>
+          <p:cNvSpPr txBox="1"/>
+          <p:nvPr/>
+        </p:nvSpPr>
+        <p:spPr>
+          <a:xfrm>
+            <a:off x="510073" y="1996751"/>
+            <a:ext cx="2482979" cy="1200329"/>
+          </a:xfrm>
+          <a:prstGeom prst="rect">
+            <a:avLst/>
+          </a:prstGeom>
+          <a:noFill/>
+        </p:spPr>
+        <p:txBody>
+          <a:bodyPr wrap="square" rtlCol="0">
+            <a:spAutoFit/>
+          </a:bodyPr>
+          <a:lstStyle/>
+          <a:p>
+            <a:r>
+              <a:rPr lang="en-IN" dirty="0"/>
+              <a:t>Class Data</a:t>
+            </a:r>
+          </a:p>
+          <a:p>
+            <a:r>
+              <a:rPr lang="en-IN" dirty="0"/>
+              <a:t>{</a:t>
+            </a:r>
+          </a:p>
+          <a:p>
+            <a:r>
+              <a:rPr lang="en-IN" dirty="0"/>
+              <a:t>  C1, C2, C3, C4, C5</a:t>
+            </a:r>
+          </a:p>
+          <a:p>
+            <a:r>
+              <a:rPr lang="en-IN" dirty="0"/>
+              <a:t>}</a:t>
+            </a:r>
+            <a:endParaRPr lang="en-US" dirty="0"/>
+          </a:p>
+        </p:txBody>
+      </p:sp>
+      <p:sp>
+        <p:nvSpPr>
+          <p:cNvPr id="9" name="Arrow: Down 8">
+            <a:extLst>
+              <a:ext uri="{FF2B5EF4-FFF2-40B4-BE49-F238E27FC236}">
+                <a16:creationId xmlns:a16="http://schemas.microsoft.com/office/drawing/2014/main" id="{F7351A5F-A07B-F13A-69FF-B7A599B6D80E}"/>
+              </a:ext>
+            </a:extLst>
+          </p:cNvPr>
+          <p:cNvSpPr/>
+          <p:nvPr/>
+        </p:nvSpPr>
+        <p:spPr>
+          <a:xfrm>
+            <a:off x="886408" y="3197080"/>
+            <a:ext cx="298580" cy="553826"/>
+          </a:xfrm>
+          <a:prstGeom prst="downArrow">
+            <a:avLst/>
+          </a:prstGeom>
+        </p:spPr>
+        <p:style>
+          <a:lnRef idx="2">
+            <a:schemeClr val="accent1">
+              <a:shade val="50000"/>
+            </a:schemeClr>
+          </a:lnRef>
+          <a:fillRef idx="1">
+            <a:schemeClr val="accent1"/>
+          </a:fillRef>
+          <a:effectRef idx="0">
+            <a:schemeClr val="accent1"/>
+          </a:effectRef>
+          <a:fontRef idx="minor">
+            <a:schemeClr val="lt1"/>
+          </a:fontRef>
+        </p:style>
+        <p:txBody>
+          <a:bodyPr rtlCol="0" anchor="ctr"/>
+          <a:lstStyle/>
+          <a:p>
+            <a:pPr algn="ctr"/>
+            <a:endParaRPr lang="en-US"/>
+          </a:p>
+        </p:txBody>
+      </p:sp>
+      <p:sp>
+        <p:nvSpPr>
+          <p:cNvPr id="10" name="TextBox 9">
+            <a:extLst>
+              <a:ext uri="{FF2B5EF4-FFF2-40B4-BE49-F238E27FC236}">
+                <a16:creationId xmlns:a16="http://schemas.microsoft.com/office/drawing/2014/main" id="{3B70F4F0-4C55-7D65-1DE0-6A5F7E9C789D}"/>
+              </a:ext>
+            </a:extLst>
+          </p:cNvPr>
+          <p:cNvSpPr txBox="1"/>
+          <p:nvPr/>
+        </p:nvSpPr>
+        <p:spPr>
+          <a:xfrm>
+            <a:off x="510073" y="3816220"/>
+            <a:ext cx="2578360" cy="2308324"/>
+          </a:xfrm>
+          <a:prstGeom prst="rect">
+            <a:avLst/>
+          </a:prstGeom>
+          <a:noFill/>
+        </p:spPr>
+        <p:txBody>
+          <a:bodyPr wrap="square" rtlCol="0">
+            <a:spAutoFit/>
+          </a:bodyPr>
+          <a:lstStyle/>
+          <a:p>
+            <a:r>
+              <a:rPr lang="en-IN" dirty="0"/>
+              <a:t>Class Properties are concatenated with Query</a:t>
+            </a:r>
+          </a:p>
+          <a:p>
+            <a:endParaRPr lang="en-IN" dirty="0"/>
+          </a:p>
+          <a:p>
+            <a:endParaRPr lang="en-IN" dirty="0"/>
+          </a:p>
+          <a:p>
+            <a:r>
+              <a:rPr lang="en-IN" dirty="0"/>
+              <a:t>Data d = new Data();</a:t>
+            </a:r>
+          </a:p>
+          <a:p>
+            <a:r>
+              <a:rPr lang="en-IN" dirty="0"/>
+              <a:t>Insert into DataTable Values (d.C1, d.C2, d.C3, d.C4, d.C5)</a:t>
+            </a:r>
+            <a:endParaRPr lang="en-US" dirty="0"/>
+          </a:p>
+        </p:txBody>
+      </p:sp>
+      <p:sp>
+        <p:nvSpPr>
+          <p:cNvPr id="11" name="TextBox 10">
+            <a:extLst>
+              <a:ext uri="{FF2B5EF4-FFF2-40B4-BE49-F238E27FC236}">
+                <a16:creationId xmlns:a16="http://schemas.microsoft.com/office/drawing/2014/main" id="{3EC56DFC-777C-AA09-BA2C-4DCD44D168B3}"/>
+              </a:ext>
+            </a:extLst>
+          </p:cNvPr>
+          <p:cNvSpPr txBox="1"/>
+          <p:nvPr/>
+        </p:nvSpPr>
+        <p:spPr>
+          <a:xfrm>
+            <a:off x="8591420" y="1996751"/>
+            <a:ext cx="2605315" cy="369332"/>
+          </a:xfrm>
+          <a:prstGeom prst="rect">
+            <a:avLst/>
+          </a:prstGeom>
+          <a:noFill/>
+        </p:spPr>
+        <p:txBody>
+          <a:bodyPr wrap="square" rtlCol="0">
+            <a:spAutoFit/>
+          </a:bodyPr>
+          <a:lstStyle/>
+          <a:p>
+            <a:r>
+              <a:rPr lang="en-IN" dirty="0"/>
+              <a:t>DataTable</a:t>
+            </a:r>
+            <a:endParaRPr lang="en-US" dirty="0"/>
+          </a:p>
+        </p:txBody>
+      </p:sp>
+      <p:sp>
+        <p:nvSpPr>
+          <p:cNvPr id="12" name="Arrow: Down 11">
+            <a:extLst>
+              <a:ext uri="{FF2B5EF4-FFF2-40B4-BE49-F238E27FC236}">
+                <a16:creationId xmlns:a16="http://schemas.microsoft.com/office/drawing/2014/main" id="{18006DC6-5A4C-5BE8-76C4-1520A44A3542}"/>
+              </a:ext>
+            </a:extLst>
+          </p:cNvPr>
+          <p:cNvSpPr/>
+          <p:nvPr/>
+        </p:nvSpPr>
+        <p:spPr>
+          <a:xfrm>
+            <a:off x="709127" y="1129004"/>
+            <a:ext cx="905069" cy="737118"/>
+          </a:xfrm>
+          <a:prstGeom prst="downArrow">
+            <a:avLst/>
+          </a:prstGeom>
+        </p:spPr>
+        <p:style>
+          <a:lnRef idx="2">
+            <a:schemeClr val="accent1">
+              <a:shade val="50000"/>
+            </a:schemeClr>
+          </a:lnRef>
+          <a:fillRef idx="1">
+            <a:schemeClr val="accent1"/>
+          </a:fillRef>
+          <a:effectRef idx="0">
+            <a:schemeClr val="accent1"/>
+          </a:effectRef>
+          <a:fontRef idx="minor">
+            <a:schemeClr val="lt1"/>
+          </a:fontRef>
+        </p:style>
+        <p:txBody>
+          <a:bodyPr rtlCol="0" anchor="ctr"/>
+          <a:lstStyle/>
+          <a:p>
+            <a:pPr algn="ctr"/>
+            <a:endParaRPr lang="en-US"/>
+          </a:p>
+        </p:txBody>
+      </p:sp>
+      <p:sp>
+        <p:nvSpPr>
+          <p:cNvPr id="13" name="TextBox 12">
+            <a:extLst>
+              <a:ext uri="{FF2B5EF4-FFF2-40B4-BE49-F238E27FC236}">
+                <a16:creationId xmlns:a16="http://schemas.microsoft.com/office/drawing/2014/main" id="{1A5F3CA6-1A1B-3EF0-1DE1-46A6F759F4D8}"/>
+              </a:ext>
+            </a:extLst>
+          </p:cNvPr>
+          <p:cNvSpPr txBox="1"/>
+          <p:nvPr/>
+        </p:nvSpPr>
+        <p:spPr>
+          <a:xfrm>
+            <a:off x="139959" y="223935"/>
+            <a:ext cx="2644713" cy="1200329"/>
+          </a:xfrm>
+          <a:prstGeom prst="rect">
+            <a:avLst/>
+          </a:prstGeom>
+          <a:noFill/>
+        </p:spPr>
+        <p:txBody>
+          <a:bodyPr wrap="square" rtlCol="0">
+            <a:spAutoFit/>
+          </a:bodyPr>
+          <a:lstStyle/>
+          <a:p>
+            <a:r>
+              <a:rPr lang="en-IN" dirty="0"/>
+              <a:t>Client App has the Model as Class and client must pass properties to Table in Query</a:t>
+            </a:r>
+            <a:endParaRPr lang="en-US" dirty="0"/>
+          </a:p>
+        </p:txBody>
+      </p:sp>
+      <p:sp>
+        <p:nvSpPr>
+          <p:cNvPr id="14" name="TextBox 13">
+            <a:extLst>
+              <a:ext uri="{FF2B5EF4-FFF2-40B4-BE49-F238E27FC236}">
+                <a16:creationId xmlns:a16="http://schemas.microsoft.com/office/drawing/2014/main" id="{A77DB72B-5364-6187-28FF-3B711879B72D}"/>
+              </a:ext>
+            </a:extLst>
+          </p:cNvPr>
+          <p:cNvSpPr txBox="1"/>
+          <p:nvPr/>
+        </p:nvSpPr>
+        <p:spPr>
+          <a:xfrm>
+            <a:off x="3073921" y="5822302"/>
+            <a:ext cx="4558520" cy="923330"/>
+          </a:xfrm>
+          <a:prstGeom prst="rect">
+            <a:avLst/>
+          </a:prstGeom>
+          <a:noFill/>
+        </p:spPr>
+        <p:txBody>
+          <a:bodyPr wrap="square" rtlCol="0">
+            <a:spAutoFit/>
+          </a:bodyPr>
+          <a:lstStyle/>
+          <a:p>
+            <a:r>
+              <a:rPr lang="en-IN" dirty="0"/>
+              <a:t>Changing Database from SQL Server to MySQL or Oracle has considerable changes in Client Application</a:t>
+            </a:r>
+            <a:endParaRPr lang="en-US" dirty="0"/>
+          </a:p>
+        </p:txBody>
+      </p:sp>
+    </p:spTree>
+    <p:extLst>
+      <p:ext uri="{BB962C8B-B14F-4D97-AF65-F5344CB8AC3E}">
+        <p14:creationId xmlns:p14="http://schemas.microsoft.com/office/powerpoint/2010/main" val="3835448272"/>
+      </p:ext>
+    </p:extLst>
+  </p:cSld>
+  <p:clrMapOvr>
+    <a:masterClrMapping/>
+  </p:clrMapOvr>
+</p:sld>
+</file>
+
+<file path=ppt/slides/slide18.xml><?xml version="1.0" encoding="utf-8"?>
+<p:sld xmlns:a="http://schemas.openxmlformats.org/drawingml/2006/main" xmlns:r="http://schemas.openxmlformats.org/officeDocument/2006/relationships" xmlns:p="http://schemas.openxmlformats.org/presentationml/2006/main">
+  <p:cSld>
+    <p:spTree>
+      <p:nvGrpSpPr>
+        <p:cNvPr id="1" name=""/>
+        <p:cNvGrpSpPr/>
+        <p:nvPr/>
+      </p:nvGrpSpPr>
+      <p:grpSpPr>
+        <a:xfrm>
+          <a:off x="0" y="0"/>
+          <a:ext cx="0" cy="0"/>
+          <a:chOff x="0" y="0"/>
+          <a:chExt cx="0" cy="0"/>
+        </a:xfrm>
+      </p:grpSpPr>
+      <p:sp>
+        <p:nvSpPr>
+          <p:cNvPr id="2" name="TextBox 1">
+            <a:extLst>
+              <a:ext uri="{FF2B5EF4-FFF2-40B4-BE49-F238E27FC236}">
+                <a16:creationId xmlns:a16="http://schemas.microsoft.com/office/drawing/2014/main" id="{B59BD3AD-4973-39D6-50A2-01643D54756A}"/>
+              </a:ext>
+            </a:extLst>
+          </p:cNvPr>
+          <p:cNvSpPr txBox="1"/>
+          <p:nvPr/>
+        </p:nvSpPr>
+        <p:spPr>
+          <a:xfrm>
+            <a:off x="457200" y="354563"/>
+            <a:ext cx="11308702" cy="584775"/>
+          </a:xfrm>
+          <a:prstGeom prst="rect">
+            <a:avLst/>
+          </a:prstGeom>
+          <a:noFill/>
+        </p:spPr>
+        <p:txBody>
+          <a:bodyPr wrap="square" rtlCol="0">
+            <a:spAutoFit/>
+          </a:bodyPr>
+          <a:lstStyle/>
+          <a:p>
+            <a:pPr algn="ctr"/>
+            <a:r>
+              <a:rPr lang="en-IN" sz="3200" b="1" dirty="0"/>
+              <a:t>Object Relational Mapping (ORM)</a:t>
+            </a:r>
+            <a:endParaRPr lang="en-US" sz="3200" b="1" dirty="0"/>
+          </a:p>
+        </p:txBody>
+      </p:sp>
+      <p:sp>
+        <p:nvSpPr>
+          <p:cNvPr id="3" name="Cylinder 2">
+            <a:extLst>
+              <a:ext uri="{FF2B5EF4-FFF2-40B4-BE49-F238E27FC236}">
+                <a16:creationId xmlns:a16="http://schemas.microsoft.com/office/drawing/2014/main" id="{B9F2F7F1-C3F0-562C-276F-C2E0A56B7E70}"/>
+              </a:ext>
+            </a:extLst>
+          </p:cNvPr>
+          <p:cNvSpPr/>
+          <p:nvPr/>
+        </p:nvSpPr>
+        <p:spPr>
+          <a:xfrm>
+            <a:off x="8285584" y="1129004"/>
+            <a:ext cx="3396343" cy="4833257"/>
+          </a:xfrm>
+          <a:prstGeom prst="can">
+            <a:avLst>
+              <a:gd name="adj" fmla="val 7418"/>
+            </a:avLst>
+          </a:prstGeom>
+        </p:spPr>
+        <p:style>
+          <a:lnRef idx="2">
+            <a:schemeClr val="accent1">
+              <a:shade val="50000"/>
+            </a:schemeClr>
+          </a:lnRef>
+          <a:fillRef idx="1">
+            <a:schemeClr val="accent1"/>
+          </a:fillRef>
+          <a:effectRef idx="0">
+            <a:schemeClr val="accent1"/>
+          </a:effectRef>
+          <a:fontRef idx="minor">
+            <a:schemeClr val="lt1"/>
+          </a:fontRef>
+        </p:style>
+        <p:txBody>
+          <a:bodyPr rtlCol="0" anchor="ctr"/>
+          <a:lstStyle/>
+          <a:p>
+            <a:pPr algn="ctr"/>
+            <a:endParaRPr lang="en-US"/>
+          </a:p>
+        </p:txBody>
+      </p:sp>
+      <p:graphicFrame>
+        <p:nvGraphicFramePr>
+          <p:cNvPr id="4" name="Table 3">
+            <a:extLst>
+              <a:ext uri="{FF2B5EF4-FFF2-40B4-BE49-F238E27FC236}">
+                <a16:creationId xmlns:a16="http://schemas.microsoft.com/office/drawing/2014/main" id="{D23FF3ED-D132-B4EF-6BB4-5CAF5EEEBFDD}"/>
+              </a:ext>
+            </a:extLst>
+          </p:cNvPr>
+          <p:cNvGraphicFramePr>
+            <a:graphicFrameLocks noGrp="1"/>
+          </p:cNvGraphicFramePr>
+          <p:nvPr>
+            <p:extLst>
+              <p:ext uri="{D42A27DB-BD31-4B8C-83A1-F6EECF244321}">
+                <p14:modId xmlns:p14="http://schemas.microsoft.com/office/powerpoint/2010/main" val="2400158414"/>
+              </p:ext>
+            </p:extLst>
+          </p:nvPr>
+        </p:nvGraphicFramePr>
+        <p:xfrm>
+          <a:off x="8591420" y="2557797"/>
+          <a:ext cx="2605315" cy="741680"/>
+        </p:xfrm>
+        <a:graphic>
+          <a:graphicData uri="http://schemas.openxmlformats.org/drawingml/2006/table">
+            <a:tbl>
+              <a:tblPr firstRow="1" bandRow="1">
+                <a:tableStyleId>{5C22544A-7EE6-4342-B048-85BDC9FD1C3A}</a:tableStyleId>
+              </a:tblPr>
+              <a:tblGrid>
+                <a:gridCol w="521063">
+                  <a:extLst>
+                    <a:ext uri="{9D8B030D-6E8A-4147-A177-3AD203B41FA5}">
+                      <a16:colId xmlns:a16="http://schemas.microsoft.com/office/drawing/2014/main" val="1242890285"/>
+                    </a:ext>
+                  </a:extLst>
+                </a:gridCol>
+                <a:gridCol w="521063">
+                  <a:extLst>
+                    <a:ext uri="{9D8B030D-6E8A-4147-A177-3AD203B41FA5}">
+                      <a16:colId xmlns:a16="http://schemas.microsoft.com/office/drawing/2014/main" val="3194341167"/>
+                    </a:ext>
+                  </a:extLst>
+                </a:gridCol>
+                <a:gridCol w="521063">
+                  <a:extLst>
+                    <a:ext uri="{9D8B030D-6E8A-4147-A177-3AD203B41FA5}">
+                      <a16:colId xmlns:a16="http://schemas.microsoft.com/office/drawing/2014/main" val="3462185220"/>
+                    </a:ext>
+                  </a:extLst>
+                </a:gridCol>
+                <a:gridCol w="521063">
+                  <a:extLst>
+                    <a:ext uri="{9D8B030D-6E8A-4147-A177-3AD203B41FA5}">
+                      <a16:colId xmlns:a16="http://schemas.microsoft.com/office/drawing/2014/main" val="2161874711"/>
+                    </a:ext>
+                  </a:extLst>
+                </a:gridCol>
+                <a:gridCol w="521063">
+                  <a:extLst>
+                    <a:ext uri="{9D8B030D-6E8A-4147-A177-3AD203B41FA5}">
+                      <a16:colId xmlns:a16="http://schemas.microsoft.com/office/drawing/2014/main" val="986046363"/>
+                    </a:ext>
+                  </a:extLst>
+                </a:gridCol>
+              </a:tblGrid>
+              <a:tr h="370840">
+                <a:tc>
+                  <a:txBody>
+                    <a:bodyPr/>
+                    <a:lstStyle/>
+                    <a:p>
+                      <a:r>
+                        <a:rPr lang="en-IN" dirty="0"/>
+                        <a:t>C1</a:t>
+                      </a:r>
+                      <a:endParaRPr lang="en-US" dirty="0"/>
+                    </a:p>
+                  </a:txBody>
+                  <a:tcPr/>
+                </a:tc>
+                <a:tc>
+                  <a:txBody>
+                    <a:bodyPr/>
+                    <a:lstStyle/>
+                    <a:p>
+                      <a:r>
+                        <a:rPr lang="en-IN" dirty="0"/>
+                        <a:t>C2</a:t>
+                      </a:r>
+                      <a:endParaRPr lang="en-US" dirty="0"/>
+                    </a:p>
+                  </a:txBody>
+                  <a:tcPr/>
+                </a:tc>
+                <a:tc>
+                  <a:txBody>
+                    <a:bodyPr/>
+                    <a:lstStyle/>
+                    <a:p>
+                      <a:r>
+                        <a:rPr lang="en-IN" dirty="0"/>
+                        <a:t>C3</a:t>
+                      </a:r>
+                      <a:endParaRPr lang="en-US" dirty="0"/>
+                    </a:p>
+                  </a:txBody>
+                  <a:tcPr/>
+                </a:tc>
+                <a:tc>
+                  <a:txBody>
+                    <a:bodyPr/>
+                    <a:lstStyle/>
+                    <a:p>
+                      <a:r>
+                        <a:rPr lang="en-IN" dirty="0"/>
+                        <a:t>C4</a:t>
+                      </a:r>
+                      <a:endParaRPr lang="en-US" dirty="0"/>
+                    </a:p>
+                  </a:txBody>
+                  <a:tcPr/>
+                </a:tc>
+                <a:tc>
+                  <a:txBody>
+                    <a:bodyPr/>
+                    <a:lstStyle/>
+                    <a:p>
+                      <a:r>
+                        <a:rPr lang="en-IN" dirty="0"/>
+                        <a:t>C5</a:t>
+                      </a:r>
+                      <a:endParaRPr lang="en-US" dirty="0"/>
+                    </a:p>
+                  </a:txBody>
+                  <a:tcPr/>
+                </a:tc>
+                <a:extLst>
+                  <a:ext uri="{0D108BD9-81ED-4DB2-BD59-A6C34878D82A}">
+                    <a16:rowId xmlns:a16="http://schemas.microsoft.com/office/drawing/2014/main" val="1373686009"/>
+                  </a:ext>
+                </a:extLst>
+              </a:tr>
+              <a:tr h="370840">
+                <a:tc>
+                  <a:txBody>
+                    <a:bodyPr/>
+                    <a:lstStyle/>
+                    <a:p>
+                      <a:r>
+                        <a:rPr lang="en-IN" dirty="0"/>
+                        <a:t>1</a:t>
+                      </a:r>
+                      <a:endParaRPr lang="en-US" dirty="0"/>
+                    </a:p>
+                  </a:txBody>
+                  <a:tcPr/>
+                </a:tc>
+                <a:tc>
+                  <a:txBody>
+                    <a:bodyPr/>
+                    <a:lstStyle/>
+                    <a:p>
+                      <a:r>
+                        <a:rPr lang="en-IN" dirty="0"/>
+                        <a:t>B</a:t>
+                      </a:r>
+                      <a:endParaRPr lang="en-US" dirty="0"/>
+                    </a:p>
+                  </a:txBody>
+                  <a:tcPr/>
+                </a:tc>
+                <a:tc>
+                  <a:txBody>
+                    <a:bodyPr/>
+                    <a:lstStyle/>
+                    <a:p>
+                      <a:r>
+                        <a:rPr lang="en-IN" dirty="0"/>
+                        <a:t>B</a:t>
+                      </a:r>
+                      <a:endParaRPr lang="en-US" dirty="0"/>
+                    </a:p>
+                  </a:txBody>
+                  <a:tcPr/>
+                </a:tc>
+                <a:tc>
+                  <a:txBody>
+                    <a:bodyPr/>
+                    <a:lstStyle/>
+                    <a:p>
+                      <a:r>
+                        <a:rPr lang="en-IN" dirty="0"/>
+                        <a:t>C</a:t>
+                      </a:r>
+                      <a:endParaRPr lang="en-US" dirty="0"/>
+                    </a:p>
+                  </a:txBody>
+                  <a:tcPr/>
+                </a:tc>
+                <a:tc>
+                  <a:txBody>
+                    <a:bodyPr/>
+                    <a:lstStyle/>
+                    <a:p>
+                      <a:r>
+                        <a:rPr lang="en-IN" dirty="0"/>
+                        <a:t>D</a:t>
+                      </a:r>
+                      <a:endParaRPr lang="en-US" dirty="0"/>
+                    </a:p>
+                  </a:txBody>
+                  <a:tcPr/>
+                </a:tc>
+                <a:extLst>
+                  <a:ext uri="{0D108BD9-81ED-4DB2-BD59-A6C34878D82A}">
+                    <a16:rowId xmlns:a16="http://schemas.microsoft.com/office/drawing/2014/main" val="3001056935"/>
+                  </a:ext>
+                </a:extLst>
+              </a:tr>
+            </a:tbl>
+          </a:graphicData>
+        </a:graphic>
+      </p:graphicFrame>
+      <p:sp>
+        <p:nvSpPr>
+          <p:cNvPr id="5" name="TextBox 4">
+            <a:extLst>
+              <a:ext uri="{FF2B5EF4-FFF2-40B4-BE49-F238E27FC236}">
+                <a16:creationId xmlns:a16="http://schemas.microsoft.com/office/drawing/2014/main" id="{1FB3DD3B-D75C-C53C-9F4E-4F572EDFFBB6}"/>
+              </a:ext>
+            </a:extLst>
+          </p:cNvPr>
+          <p:cNvSpPr txBox="1"/>
+          <p:nvPr/>
+        </p:nvSpPr>
+        <p:spPr>
+          <a:xfrm>
+            <a:off x="8591420" y="1996751"/>
+            <a:ext cx="2605315" cy="369332"/>
+          </a:xfrm>
+          <a:prstGeom prst="rect">
+            <a:avLst/>
+          </a:prstGeom>
+          <a:noFill/>
+        </p:spPr>
+        <p:txBody>
+          <a:bodyPr wrap="square" rtlCol="0">
+            <a:spAutoFit/>
+          </a:bodyPr>
+          <a:lstStyle/>
+          <a:p>
+            <a:r>
+              <a:rPr lang="en-IN" dirty="0"/>
+              <a:t>DataTable</a:t>
+            </a:r>
+            <a:endParaRPr lang="en-US" dirty="0"/>
+          </a:p>
+        </p:txBody>
+      </p:sp>
+      <p:sp>
+        <p:nvSpPr>
+          <p:cNvPr id="6" name="Rectangle 5">
+            <a:extLst>
+              <a:ext uri="{FF2B5EF4-FFF2-40B4-BE49-F238E27FC236}">
+                <a16:creationId xmlns:a16="http://schemas.microsoft.com/office/drawing/2014/main" id="{19BDB95C-B882-684C-7A01-2C425966EA23}"/>
+              </a:ext>
+            </a:extLst>
+          </p:cNvPr>
+          <p:cNvSpPr/>
+          <p:nvPr/>
+        </p:nvSpPr>
+        <p:spPr>
+          <a:xfrm>
+            <a:off x="419878" y="1866122"/>
+            <a:ext cx="2668555" cy="2873829"/>
+          </a:xfrm>
+          <a:prstGeom prst="rect">
+            <a:avLst/>
+          </a:prstGeom>
+        </p:spPr>
+        <p:style>
+          <a:lnRef idx="1">
+            <a:schemeClr val="accent3"/>
+          </a:lnRef>
+          <a:fillRef idx="2">
+            <a:schemeClr val="accent3"/>
+          </a:fillRef>
+          <a:effectRef idx="1">
+            <a:schemeClr val="accent3"/>
+          </a:effectRef>
+          <a:fontRef idx="minor">
+            <a:schemeClr val="dk1"/>
+          </a:fontRef>
+        </p:style>
+        <p:txBody>
+          <a:bodyPr rtlCol="0" anchor="ctr"/>
+          <a:lstStyle/>
+          <a:p>
+            <a:pPr algn="ctr"/>
+            <a:endParaRPr lang="en-IN" dirty="0"/>
+          </a:p>
+          <a:p>
+            <a:pPr algn="ctr"/>
+            <a:endParaRPr lang="en-US" dirty="0"/>
+          </a:p>
+        </p:txBody>
+      </p:sp>
+      <p:sp>
+        <p:nvSpPr>
+          <p:cNvPr id="7" name="TextBox 6">
+            <a:extLst>
+              <a:ext uri="{FF2B5EF4-FFF2-40B4-BE49-F238E27FC236}">
+                <a16:creationId xmlns:a16="http://schemas.microsoft.com/office/drawing/2014/main" id="{207EB73A-B2B5-5F04-48B3-F4F702A71ED9}"/>
+              </a:ext>
+            </a:extLst>
+          </p:cNvPr>
+          <p:cNvSpPr txBox="1"/>
+          <p:nvPr/>
+        </p:nvSpPr>
+        <p:spPr>
+          <a:xfrm>
+            <a:off x="510073" y="1996751"/>
+            <a:ext cx="2482979" cy="1200329"/>
+          </a:xfrm>
+          <a:prstGeom prst="rect">
+            <a:avLst/>
+          </a:prstGeom>
+          <a:noFill/>
+        </p:spPr>
+        <p:txBody>
+          <a:bodyPr wrap="square" rtlCol="0">
+            <a:spAutoFit/>
+          </a:bodyPr>
+          <a:lstStyle/>
+          <a:p>
+            <a:r>
+              <a:rPr lang="en-IN" dirty="0"/>
+              <a:t>Class Data</a:t>
+            </a:r>
+          </a:p>
+          <a:p>
+            <a:r>
+              <a:rPr lang="en-IN" dirty="0"/>
+              <a:t>{</a:t>
+            </a:r>
+          </a:p>
+          <a:p>
+            <a:r>
+              <a:rPr lang="en-IN" dirty="0"/>
+              <a:t>  C1, C2, C3, C4, C5</a:t>
+            </a:r>
+          </a:p>
+          <a:p>
+            <a:r>
+              <a:rPr lang="en-IN" dirty="0"/>
+              <a:t>}</a:t>
+            </a:r>
+            <a:endParaRPr lang="en-US" dirty="0"/>
+          </a:p>
+        </p:txBody>
+      </p:sp>
+      <p:sp>
+        <p:nvSpPr>
+          <p:cNvPr id="8" name="TextBox 7">
+            <a:extLst>
+              <a:ext uri="{FF2B5EF4-FFF2-40B4-BE49-F238E27FC236}">
+                <a16:creationId xmlns:a16="http://schemas.microsoft.com/office/drawing/2014/main" id="{36F69BD0-BC4E-4E64-624E-F479313881F7}"/>
+              </a:ext>
+            </a:extLst>
+          </p:cNvPr>
+          <p:cNvSpPr txBox="1"/>
+          <p:nvPr/>
+        </p:nvSpPr>
+        <p:spPr>
+          <a:xfrm>
+            <a:off x="510073" y="1324947"/>
+            <a:ext cx="2457062" cy="369332"/>
+          </a:xfrm>
+          <a:prstGeom prst="rect">
+            <a:avLst/>
+          </a:prstGeom>
+          <a:noFill/>
+        </p:spPr>
+        <p:txBody>
+          <a:bodyPr wrap="square" rtlCol="0">
+            <a:spAutoFit/>
+          </a:bodyPr>
+          <a:lstStyle/>
+          <a:p>
+            <a:pPr algn="ctr"/>
+            <a:r>
+              <a:rPr lang="en-IN" b="1" dirty="0"/>
+              <a:t>Client App</a:t>
+            </a:r>
+            <a:endParaRPr lang="en-US" b="1" dirty="0"/>
+          </a:p>
+        </p:txBody>
+      </p:sp>
+      <p:sp>
+        <p:nvSpPr>
+          <p:cNvPr id="9" name="Arrow: Left-Right 8">
+            <a:extLst>
+              <a:ext uri="{FF2B5EF4-FFF2-40B4-BE49-F238E27FC236}">
+                <a16:creationId xmlns:a16="http://schemas.microsoft.com/office/drawing/2014/main" id="{7704DEE1-9CD4-BE32-5F95-1B2A31F99225}"/>
+              </a:ext>
+            </a:extLst>
+          </p:cNvPr>
+          <p:cNvSpPr/>
+          <p:nvPr/>
+        </p:nvSpPr>
+        <p:spPr>
+          <a:xfrm>
+            <a:off x="2435290" y="2366083"/>
+            <a:ext cx="6064898" cy="1002840"/>
+          </a:xfrm>
+          <a:prstGeom prst="leftRightArrow">
+            <a:avLst/>
+          </a:prstGeom>
+          <a:solidFill>
+            <a:schemeClr val="accent2"/>
+          </a:solidFill>
+        </p:spPr>
+        <p:style>
+          <a:lnRef idx="2">
+            <a:schemeClr val="accent1">
+              <a:shade val="50000"/>
+            </a:schemeClr>
+          </a:lnRef>
+          <a:fillRef idx="1">
+            <a:schemeClr val="accent1"/>
+          </a:fillRef>
+          <a:effectRef idx="0">
+            <a:schemeClr val="accent1"/>
+          </a:effectRef>
+          <a:fontRef idx="minor">
+            <a:schemeClr val="lt1"/>
+          </a:fontRef>
+        </p:style>
+        <p:txBody>
+          <a:bodyPr rtlCol="0" anchor="ctr"/>
+          <a:lstStyle/>
+          <a:p>
+            <a:pPr algn="ctr"/>
+            <a:r>
+              <a:rPr lang="en-IN" b="1" dirty="0"/>
+              <a:t>Map Class with Table</a:t>
+            </a:r>
+            <a:endParaRPr lang="en-US" b="1" dirty="0"/>
+          </a:p>
+        </p:txBody>
+      </p:sp>
+      <p:sp>
+        <p:nvSpPr>
+          <p:cNvPr id="10" name="TextBox 9">
+            <a:extLst>
+              <a:ext uri="{FF2B5EF4-FFF2-40B4-BE49-F238E27FC236}">
+                <a16:creationId xmlns:a16="http://schemas.microsoft.com/office/drawing/2014/main" id="{A86D86B6-9936-730D-D357-E1F53784A188}"/>
+              </a:ext>
+            </a:extLst>
+          </p:cNvPr>
+          <p:cNvSpPr txBox="1"/>
+          <p:nvPr/>
+        </p:nvSpPr>
+        <p:spPr>
+          <a:xfrm>
+            <a:off x="3298888" y="3558589"/>
+            <a:ext cx="4548157" cy="2585323"/>
+          </a:xfrm>
+          <a:prstGeom prst="rect">
+            <a:avLst/>
+          </a:prstGeom>
+          <a:noFill/>
+        </p:spPr>
+        <p:txBody>
+          <a:bodyPr wrap="square" rtlCol="0">
+            <a:spAutoFit/>
+          </a:bodyPr>
+          <a:lstStyle/>
+          <a:p>
+            <a:r>
+              <a:rPr lang="en-IN" dirty="0"/>
+              <a:t>Map each public property of Logical Model aka Entity class (Data Class) with Columns from the DataTable in database</a:t>
+            </a:r>
+          </a:p>
+          <a:p>
+            <a:endParaRPr lang="en-IN" dirty="0"/>
+          </a:p>
+          <a:p>
+            <a:r>
+              <a:rPr lang="en-IN" dirty="0"/>
+              <a:t>Do not use Queries for CRUD  Operations, instead directly pass instance of </a:t>
+            </a:r>
+            <a:r>
+              <a:rPr lang="en-IN" b="1" dirty="0"/>
+              <a:t>Data </a:t>
+            </a:r>
+            <a:r>
+              <a:rPr lang="en-IN" dirty="0"/>
+              <a:t>class to the ORM   Framework which manages connection with Database as well as map with Table </a:t>
+            </a:r>
+            <a:r>
+              <a:rPr lang="en-IN"/>
+              <a:t>(DataTable)</a:t>
+            </a:r>
+            <a:endParaRPr lang="en-US" dirty="0"/>
+          </a:p>
+        </p:txBody>
+      </p:sp>
+      <p:cxnSp>
+        <p:nvCxnSpPr>
+          <p:cNvPr id="12" name="Straight Arrow Connector 11">
+            <a:extLst>
+              <a:ext uri="{FF2B5EF4-FFF2-40B4-BE49-F238E27FC236}">
+                <a16:creationId xmlns:a16="http://schemas.microsoft.com/office/drawing/2014/main" id="{EC47BCA2-9BAC-53EC-9742-89E5A624472F}"/>
+              </a:ext>
+            </a:extLst>
+          </p:cNvPr>
+          <p:cNvCxnSpPr>
+            <a:endCxn id="5" idx="1"/>
+          </p:cNvCxnSpPr>
+          <p:nvPr/>
+        </p:nvCxnSpPr>
+        <p:spPr>
+          <a:xfrm>
+            <a:off x="1670180" y="2176417"/>
+            <a:ext cx="6921240" cy="5000"/>
+          </a:xfrm>
+          <a:prstGeom prst="straightConnector1">
+            <a:avLst/>
+          </a:prstGeom>
+          <a:ln w="76200">
+            <a:solidFill>
+              <a:srgbClr val="7030A0"/>
+            </a:solidFill>
+            <a:headEnd type="triangle"/>
+            <a:tailEnd type="triangle"/>
+          </a:ln>
+        </p:spPr>
+        <p:style>
+          <a:lnRef idx="1">
+            <a:schemeClr val="accent1"/>
+          </a:lnRef>
+          <a:fillRef idx="0">
+            <a:schemeClr val="accent1"/>
+          </a:fillRef>
+          <a:effectRef idx="0">
+            <a:schemeClr val="accent1"/>
+          </a:effectRef>
+          <a:fontRef idx="minor">
+            <a:schemeClr val="tx1"/>
+          </a:fontRef>
+        </p:style>
+      </p:cxnSp>
+    </p:spTree>
+    <p:extLst>
+      <p:ext uri="{BB962C8B-B14F-4D97-AF65-F5344CB8AC3E}">
+        <p14:creationId xmlns:p14="http://schemas.microsoft.com/office/powerpoint/2010/main" val="2029535453"/>
+      </p:ext>
+    </p:extLst>
+  </p:cSld>
+  <p:clrMapOvr>
+    <a:masterClrMapping/>
+  </p:clrMapOvr>
+</p:sld>
+</file>
+
 <file path=ppt/slides/slide2.xml><?xml version="1.0" encoding="utf-8"?>
 <p:sld xmlns:a="http://schemas.openxmlformats.org/drawingml/2006/main" xmlns:r="http://schemas.openxmlformats.org/officeDocument/2006/relationships" xmlns:p="http://schemas.openxmlformats.org/presentationml/2006/main">
   <p:cSld>

--- a/Training_Images.pptx
+++ b/Training_Images.pptx
@@ -23,6 +23,8 @@
     <p:sldId id="271" r:id="rId17"/>
     <p:sldId id="272" r:id="rId18"/>
     <p:sldId id="273" r:id="rId19"/>
+    <p:sldId id="274" r:id="rId20"/>
+    <p:sldId id="275" r:id="rId21"/>
   </p:sldIdLst>
   <p:sldSz cx="12192000" cy="6858000"/>
   <p:notesSz cx="6858000" cy="9144000"/>
@@ -276,7 +278,7 @@
           <a:p>
             <a:fld id="{F4B84776-BAA1-48A5-B83E-3E40081DB21F}" type="datetimeFigureOut">
               <a:rPr lang="en-US" smtClean="0"/>
-              <a:t>9/30/2022</a:t>
+              <a:t>10/1/2022</a:t>
             </a:fld>
             <a:endParaRPr lang="en-US"/>
           </a:p>
@@ -474,7 +476,7 @@
           <a:p>
             <a:fld id="{F4B84776-BAA1-48A5-B83E-3E40081DB21F}" type="datetimeFigureOut">
               <a:rPr lang="en-US" smtClean="0"/>
-              <a:t>9/30/2022</a:t>
+              <a:t>10/1/2022</a:t>
             </a:fld>
             <a:endParaRPr lang="en-US"/>
           </a:p>
@@ -682,7 +684,7 @@
           <a:p>
             <a:fld id="{F4B84776-BAA1-48A5-B83E-3E40081DB21F}" type="datetimeFigureOut">
               <a:rPr lang="en-US" smtClean="0"/>
-              <a:t>9/30/2022</a:t>
+              <a:t>10/1/2022</a:t>
             </a:fld>
             <a:endParaRPr lang="en-US"/>
           </a:p>
@@ -880,7 +882,7 @@
           <a:p>
             <a:fld id="{F4B84776-BAA1-48A5-B83E-3E40081DB21F}" type="datetimeFigureOut">
               <a:rPr lang="en-US" smtClean="0"/>
-              <a:t>9/30/2022</a:t>
+              <a:t>10/1/2022</a:t>
             </a:fld>
             <a:endParaRPr lang="en-US"/>
           </a:p>
@@ -1155,7 +1157,7 @@
           <a:p>
             <a:fld id="{F4B84776-BAA1-48A5-B83E-3E40081DB21F}" type="datetimeFigureOut">
               <a:rPr lang="en-US" smtClean="0"/>
-              <a:t>9/30/2022</a:t>
+              <a:t>10/1/2022</a:t>
             </a:fld>
             <a:endParaRPr lang="en-US"/>
           </a:p>
@@ -1420,7 +1422,7 @@
           <a:p>
             <a:fld id="{F4B84776-BAA1-48A5-B83E-3E40081DB21F}" type="datetimeFigureOut">
               <a:rPr lang="en-US" smtClean="0"/>
-              <a:t>9/30/2022</a:t>
+              <a:t>10/1/2022</a:t>
             </a:fld>
             <a:endParaRPr lang="en-US"/>
           </a:p>
@@ -1832,7 +1834,7 @@
           <a:p>
             <a:fld id="{F4B84776-BAA1-48A5-B83E-3E40081DB21F}" type="datetimeFigureOut">
               <a:rPr lang="en-US" smtClean="0"/>
-              <a:t>9/30/2022</a:t>
+              <a:t>10/1/2022</a:t>
             </a:fld>
             <a:endParaRPr lang="en-US"/>
           </a:p>
@@ -1973,7 +1975,7 @@
           <a:p>
             <a:fld id="{F4B84776-BAA1-48A5-B83E-3E40081DB21F}" type="datetimeFigureOut">
               <a:rPr lang="en-US" smtClean="0"/>
-              <a:t>9/30/2022</a:t>
+              <a:t>10/1/2022</a:t>
             </a:fld>
             <a:endParaRPr lang="en-US"/>
           </a:p>
@@ -2086,7 +2088,7 @@
           <a:p>
             <a:fld id="{F4B84776-BAA1-48A5-B83E-3E40081DB21F}" type="datetimeFigureOut">
               <a:rPr lang="en-US" smtClean="0"/>
-              <a:t>9/30/2022</a:t>
+              <a:t>10/1/2022</a:t>
             </a:fld>
             <a:endParaRPr lang="en-US"/>
           </a:p>
@@ -2397,7 +2399,7 @@
           <a:p>
             <a:fld id="{F4B84776-BAA1-48A5-B83E-3E40081DB21F}" type="datetimeFigureOut">
               <a:rPr lang="en-US" smtClean="0"/>
-              <a:t>9/30/2022</a:t>
+              <a:t>10/1/2022</a:t>
             </a:fld>
             <a:endParaRPr lang="en-US"/>
           </a:p>
@@ -2685,7 +2687,7 @@
           <a:p>
             <a:fld id="{F4B84776-BAA1-48A5-B83E-3E40081DB21F}" type="datetimeFigureOut">
               <a:rPr lang="en-US" smtClean="0"/>
-              <a:t>9/30/2022</a:t>
+              <a:t>10/1/2022</a:t>
             </a:fld>
             <a:endParaRPr lang="en-US"/>
           </a:p>
@@ -2926,7 +2928,7 @@
           <a:p>
             <a:fld id="{F4B84776-BAA1-48A5-B83E-3E40081DB21F}" type="datetimeFigureOut">
               <a:rPr lang="en-US" smtClean="0"/>
-              <a:t>9/30/2022</a:t>
+              <a:t>10/1/2022</a:t>
             </a:fld>
             <a:endParaRPr lang="en-US"/>
           </a:p>
@@ -12771,6 +12773,1016 @@
 </p:sld>
 </file>
 
+<file path=ppt/slides/slide19.xml><?xml version="1.0" encoding="utf-8"?>
+<p:sld xmlns:a="http://schemas.openxmlformats.org/drawingml/2006/main" xmlns:r="http://schemas.openxmlformats.org/officeDocument/2006/relationships" xmlns:p="http://schemas.openxmlformats.org/presentationml/2006/main">
+  <p:cSld>
+    <p:spTree>
+      <p:nvGrpSpPr>
+        <p:cNvPr id="1" name=""/>
+        <p:cNvGrpSpPr/>
+        <p:nvPr/>
+      </p:nvGrpSpPr>
+      <p:grpSpPr>
+        <a:xfrm>
+          <a:off x="0" y="0"/>
+          <a:ext cx="0" cy="0"/>
+          <a:chOff x="0" y="0"/>
+          <a:chExt cx="0" cy="0"/>
+        </a:xfrm>
+      </p:grpSpPr>
+      <p:sp>
+        <p:nvSpPr>
+          <p:cNvPr id="2" name="Rectangle 1">
+            <a:extLst>
+              <a:ext uri="{FF2B5EF4-FFF2-40B4-BE49-F238E27FC236}">
+                <a16:creationId xmlns:a16="http://schemas.microsoft.com/office/drawing/2014/main" id="{9193E6ED-4707-7703-EBCE-3DF59B6DC0D1}"/>
+              </a:ext>
+            </a:extLst>
+          </p:cNvPr>
+          <p:cNvSpPr/>
+          <p:nvPr/>
+        </p:nvSpPr>
+        <p:spPr>
+          <a:xfrm>
+            <a:off x="2920481" y="513185"/>
+            <a:ext cx="4096139" cy="3956178"/>
+          </a:xfrm>
+          <a:prstGeom prst="rect">
+            <a:avLst/>
+          </a:prstGeom>
+        </p:spPr>
+        <p:style>
+          <a:lnRef idx="2">
+            <a:schemeClr val="accent6"/>
+          </a:lnRef>
+          <a:fillRef idx="1">
+            <a:schemeClr val="lt1"/>
+          </a:fillRef>
+          <a:effectRef idx="0">
+            <a:schemeClr val="accent6"/>
+          </a:effectRef>
+          <a:fontRef idx="minor">
+            <a:schemeClr val="dk1"/>
+          </a:fontRef>
+        </p:style>
+        <p:txBody>
+          <a:bodyPr rtlCol="0" anchor="ctr"/>
+          <a:lstStyle/>
+          <a:p>
+            <a:pPr algn="ctr"/>
+            <a:endParaRPr lang="en-US"/>
+          </a:p>
+        </p:txBody>
+      </p:sp>
+      <p:sp>
+        <p:nvSpPr>
+          <p:cNvPr id="3" name="TextBox 2">
+            <a:extLst>
+              <a:ext uri="{FF2B5EF4-FFF2-40B4-BE49-F238E27FC236}">
+                <a16:creationId xmlns:a16="http://schemas.microsoft.com/office/drawing/2014/main" id="{50F6C016-7D6B-BAFF-085C-88EA940C4A1E}"/>
+              </a:ext>
+            </a:extLst>
+          </p:cNvPr>
+          <p:cNvSpPr txBox="1"/>
+          <p:nvPr/>
+        </p:nvSpPr>
+        <p:spPr>
+          <a:xfrm>
+            <a:off x="3032449" y="727788"/>
+            <a:ext cx="3853543" cy="369332"/>
+          </a:xfrm>
+          <a:prstGeom prst="rect">
+            <a:avLst/>
+          </a:prstGeom>
+          <a:noFill/>
+        </p:spPr>
+        <p:txBody>
+          <a:bodyPr wrap="square" rtlCol="0">
+            <a:spAutoFit/>
+          </a:bodyPr>
+          <a:lstStyle/>
+          <a:p>
+            <a:pPr algn="ctr"/>
+            <a:r>
+              <a:rPr lang="en-IN" dirty="0"/>
+              <a:t>Logical Model</a:t>
+            </a:r>
+            <a:endParaRPr lang="en-US" dirty="0"/>
+          </a:p>
+        </p:txBody>
+      </p:sp>
+      <p:sp>
+        <p:nvSpPr>
+          <p:cNvPr id="4" name="Rectangle 3">
+            <a:extLst>
+              <a:ext uri="{FF2B5EF4-FFF2-40B4-BE49-F238E27FC236}">
+                <a16:creationId xmlns:a16="http://schemas.microsoft.com/office/drawing/2014/main" id="{7D653A07-6470-BC15-F069-CA16EA2E8703}"/>
+              </a:ext>
+            </a:extLst>
+          </p:cNvPr>
+          <p:cNvSpPr/>
+          <p:nvPr/>
+        </p:nvSpPr>
+        <p:spPr>
+          <a:xfrm>
+            <a:off x="3032449" y="1231641"/>
+            <a:ext cx="1101012" cy="867747"/>
+          </a:xfrm>
+          <a:prstGeom prst="rect">
+            <a:avLst/>
+          </a:prstGeom>
+        </p:spPr>
+        <p:style>
+          <a:lnRef idx="2">
+            <a:schemeClr val="accent1">
+              <a:shade val="50000"/>
+            </a:schemeClr>
+          </a:lnRef>
+          <a:fillRef idx="1">
+            <a:schemeClr val="accent1"/>
+          </a:fillRef>
+          <a:effectRef idx="0">
+            <a:schemeClr val="accent1"/>
+          </a:effectRef>
+          <a:fontRef idx="minor">
+            <a:schemeClr val="lt1"/>
+          </a:fontRef>
+        </p:style>
+        <p:txBody>
+          <a:bodyPr rtlCol="0" anchor="ctr"/>
+          <a:lstStyle/>
+          <a:p>
+            <a:pPr algn="ctr"/>
+            <a:r>
+              <a:rPr lang="en-IN" dirty="0"/>
+              <a:t>Pat</a:t>
+            </a:r>
+            <a:endParaRPr lang="en-US" dirty="0"/>
+          </a:p>
+        </p:txBody>
+      </p:sp>
+      <p:sp>
+        <p:nvSpPr>
+          <p:cNvPr id="5" name="Rectangle 4">
+            <a:extLst>
+              <a:ext uri="{FF2B5EF4-FFF2-40B4-BE49-F238E27FC236}">
+                <a16:creationId xmlns:a16="http://schemas.microsoft.com/office/drawing/2014/main" id="{E73F656D-EDCA-05DC-41B4-4D0936A54131}"/>
+              </a:ext>
+            </a:extLst>
+          </p:cNvPr>
+          <p:cNvSpPr/>
+          <p:nvPr/>
+        </p:nvSpPr>
+        <p:spPr>
+          <a:xfrm>
+            <a:off x="4327847" y="1231639"/>
+            <a:ext cx="1101012" cy="867747"/>
+          </a:xfrm>
+          <a:prstGeom prst="rect">
+            <a:avLst/>
+          </a:prstGeom>
+        </p:spPr>
+        <p:style>
+          <a:lnRef idx="2">
+            <a:schemeClr val="accent1">
+              <a:shade val="50000"/>
+            </a:schemeClr>
+          </a:lnRef>
+          <a:fillRef idx="1">
+            <a:schemeClr val="accent1"/>
+          </a:fillRef>
+          <a:effectRef idx="0">
+            <a:schemeClr val="accent1"/>
+          </a:effectRef>
+          <a:fontRef idx="minor">
+            <a:schemeClr val="lt1"/>
+          </a:fontRef>
+        </p:style>
+        <p:txBody>
+          <a:bodyPr rtlCol="0" anchor="ctr"/>
+          <a:lstStyle/>
+          <a:p>
+            <a:pPr algn="ctr"/>
+            <a:r>
+              <a:rPr lang="en-IN" dirty="0"/>
+              <a:t>Doc</a:t>
+            </a:r>
+            <a:endParaRPr lang="en-US" dirty="0"/>
+          </a:p>
+        </p:txBody>
+      </p:sp>
+      <p:sp>
+        <p:nvSpPr>
+          <p:cNvPr id="6" name="Rectangle 5">
+            <a:extLst>
+              <a:ext uri="{FF2B5EF4-FFF2-40B4-BE49-F238E27FC236}">
+                <a16:creationId xmlns:a16="http://schemas.microsoft.com/office/drawing/2014/main" id="{829F58F8-F3F8-8AF0-EB76-13D50EB223AF}"/>
+              </a:ext>
+            </a:extLst>
+          </p:cNvPr>
+          <p:cNvSpPr/>
+          <p:nvPr/>
+        </p:nvSpPr>
+        <p:spPr>
+          <a:xfrm>
+            <a:off x="5682339" y="1231639"/>
+            <a:ext cx="1101012" cy="867747"/>
+          </a:xfrm>
+          <a:prstGeom prst="rect">
+            <a:avLst/>
+          </a:prstGeom>
+        </p:spPr>
+        <p:style>
+          <a:lnRef idx="2">
+            <a:schemeClr val="accent1">
+              <a:shade val="50000"/>
+            </a:schemeClr>
+          </a:lnRef>
+          <a:fillRef idx="1">
+            <a:schemeClr val="accent1"/>
+          </a:fillRef>
+          <a:effectRef idx="0">
+            <a:schemeClr val="accent1"/>
+          </a:effectRef>
+          <a:fontRef idx="minor">
+            <a:schemeClr val="lt1"/>
+          </a:fontRef>
+        </p:style>
+        <p:txBody>
+          <a:bodyPr rtlCol="0" anchor="ctr"/>
+          <a:lstStyle/>
+          <a:p>
+            <a:pPr algn="ctr"/>
+            <a:r>
+              <a:rPr lang="en-IN" dirty="0"/>
+              <a:t>Nurse</a:t>
+            </a:r>
+            <a:endParaRPr lang="en-US" dirty="0"/>
+          </a:p>
+        </p:txBody>
+      </p:sp>
+      <p:sp>
+        <p:nvSpPr>
+          <p:cNvPr id="7" name="Rectangle 6">
+            <a:extLst>
+              <a:ext uri="{FF2B5EF4-FFF2-40B4-BE49-F238E27FC236}">
+                <a16:creationId xmlns:a16="http://schemas.microsoft.com/office/drawing/2014/main" id="{85075035-393C-0AB8-8674-DFD63E802D08}"/>
+              </a:ext>
+            </a:extLst>
+          </p:cNvPr>
+          <p:cNvSpPr/>
+          <p:nvPr/>
+        </p:nvSpPr>
+        <p:spPr>
+          <a:xfrm>
+            <a:off x="3032449" y="2332652"/>
+            <a:ext cx="1101012" cy="867747"/>
+          </a:xfrm>
+          <a:prstGeom prst="rect">
+            <a:avLst/>
+          </a:prstGeom>
+        </p:spPr>
+        <p:style>
+          <a:lnRef idx="2">
+            <a:schemeClr val="accent1">
+              <a:shade val="50000"/>
+            </a:schemeClr>
+          </a:lnRef>
+          <a:fillRef idx="1">
+            <a:schemeClr val="accent1"/>
+          </a:fillRef>
+          <a:effectRef idx="0">
+            <a:schemeClr val="accent1"/>
+          </a:effectRef>
+          <a:fontRef idx="minor">
+            <a:schemeClr val="lt1"/>
+          </a:fontRef>
+        </p:style>
+        <p:txBody>
+          <a:bodyPr rtlCol="0" anchor="ctr"/>
+          <a:lstStyle/>
+          <a:p>
+            <a:pPr algn="ctr"/>
+            <a:r>
+              <a:rPr lang="en-IN" dirty="0"/>
+              <a:t>Ward</a:t>
+            </a:r>
+            <a:endParaRPr lang="en-US" dirty="0"/>
+          </a:p>
+        </p:txBody>
+      </p:sp>
+      <p:sp>
+        <p:nvSpPr>
+          <p:cNvPr id="8" name="Rectangle 7">
+            <a:extLst>
+              <a:ext uri="{FF2B5EF4-FFF2-40B4-BE49-F238E27FC236}">
+                <a16:creationId xmlns:a16="http://schemas.microsoft.com/office/drawing/2014/main" id="{85DE735E-5ADE-A604-8490-F3041E979BA6}"/>
+              </a:ext>
+            </a:extLst>
+          </p:cNvPr>
+          <p:cNvSpPr/>
+          <p:nvPr/>
+        </p:nvSpPr>
+        <p:spPr>
+          <a:xfrm>
+            <a:off x="4327847" y="2332651"/>
+            <a:ext cx="1101012" cy="867747"/>
+          </a:xfrm>
+          <a:prstGeom prst="rect">
+            <a:avLst/>
+          </a:prstGeom>
+        </p:spPr>
+        <p:style>
+          <a:lnRef idx="2">
+            <a:schemeClr val="accent1">
+              <a:shade val="50000"/>
+            </a:schemeClr>
+          </a:lnRef>
+          <a:fillRef idx="1">
+            <a:schemeClr val="accent1"/>
+          </a:fillRef>
+          <a:effectRef idx="0">
+            <a:schemeClr val="accent1"/>
+          </a:effectRef>
+          <a:fontRef idx="minor">
+            <a:schemeClr val="lt1"/>
+          </a:fontRef>
+        </p:style>
+        <p:txBody>
+          <a:bodyPr rtlCol="0" anchor="ctr"/>
+          <a:lstStyle/>
+          <a:p>
+            <a:pPr algn="ctr"/>
+            <a:r>
+              <a:rPr lang="en-IN" dirty="0"/>
+              <a:t>Rooms</a:t>
+            </a:r>
+            <a:endParaRPr lang="en-US" dirty="0"/>
+          </a:p>
+        </p:txBody>
+      </p:sp>
+      <p:sp>
+        <p:nvSpPr>
+          <p:cNvPr id="9" name="Rectangle 8">
+            <a:extLst>
+              <a:ext uri="{FF2B5EF4-FFF2-40B4-BE49-F238E27FC236}">
+                <a16:creationId xmlns:a16="http://schemas.microsoft.com/office/drawing/2014/main" id="{8BB1CFE3-629B-F211-F571-7CA05C7DCD2F}"/>
+              </a:ext>
+            </a:extLst>
+          </p:cNvPr>
+          <p:cNvSpPr/>
+          <p:nvPr/>
+        </p:nvSpPr>
+        <p:spPr>
+          <a:xfrm>
+            <a:off x="5707221" y="2332651"/>
+            <a:ext cx="1101012" cy="867747"/>
+          </a:xfrm>
+          <a:prstGeom prst="rect">
+            <a:avLst/>
+          </a:prstGeom>
+        </p:spPr>
+        <p:style>
+          <a:lnRef idx="2">
+            <a:schemeClr val="accent1">
+              <a:shade val="50000"/>
+            </a:schemeClr>
+          </a:lnRef>
+          <a:fillRef idx="1">
+            <a:schemeClr val="accent1"/>
+          </a:fillRef>
+          <a:effectRef idx="0">
+            <a:schemeClr val="accent1"/>
+          </a:effectRef>
+          <a:fontRef idx="minor">
+            <a:schemeClr val="lt1"/>
+          </a:fontRef>
+        </p:style>
+        <p:txBody>
+          <a:bodyPr rtlCol="0" anchor="ctr"/>
+          <a:lstStyle/>
+          <a:p>
+            <a:pPr algn="ctr"/>
+            <a:r>
+              <a:rPr lang="en-IN" dirty="0"/>
+              <a:t>Medi</a:t>
+            </a:r>
+            <a:endParaRPr lang="en-US" dirty="0"/>
+          </a:p>
+        </p:txBody>
+      </p:sp>
+      <p:sp>
+        <p:nvSpPr>
+          <p:cNvPr id="10" name="Rectangle 9">
+            <a:extLst>
+              <a:ext uri="{FF2B5EF4-FFF2-40B4-BE49-F238E27FC236}">
+                <a16:creationId xmlns:a16="http://schemas.microsoft.com/office/drawing/2014/main" id="{C313066F-9E0F-BD46-131C-E9BB239C8767}"/>
+              </a:ext>
+            </a:extLst>
+          </p:cNvPr>
+          <p:cNvSpPr/>
+          <p:nvPr/>
+        </p:nvSpPr>
+        <p:spPr>
+          <a:xfrm>
+            <a:off x="4327847" y="3429000"/>
+            <a:ext cx="1101012" cy="867747"/>
+          </a:xfrm>
+          <a:prstGeom prst="rect">
+            <a:avLst/>
+          </a:prstGeom>
+        </p:spPr>
+        <p:style>
+          <a:lnRef idx="2">
+            <a:schemeClr val="accent1">
+              <a:shade val="50000"/>
+            </a:schemeClr>
+          </a:lnRef>
+          <a:fillRef idx="1">
+            <a:schemeClr val="accent1"/>
+          </a:fillRef>
+          <a:effectRef idx="0">
+            <a:schemeClr val="accent1"/>
+          </a:effectRef>
+          <a:fontRef idx="minor">
+            <a:schemeClr val="lt1"/>
+          </a:fontRef>
+        </p:style>
+        <p:txBody>
+          <a:bodyPr rtlCol="0" anchor="ctr"/>
+          <a:lstStyle/>
+          <a:p>
+            <a:pPr algn="ctr"/>
+            <a:r>
+              <a:rPr lang="en-IN" dirty="0"/>
+              <a:t>Bill</a:t>
+            </a:r>
+            <a:endParaRPr lang="en-US" dirty="0"/>
+          </a:p>
+        </p:txBody>
+      </p:sp>
+      <p:sp>
+        <p:nvSpPr>
+          <p:cNvPr id="11" name="Right Brace 10">
+            <a:extLst>
+              <a:ext uri="{FF2B5EF4-FFF2-40B4-BE49-F238E27FC236}">
+                <a16:creationId xmlns:a16="http://schemas.microsoft.com/office/drawing/2014/main" id="{37A94AEB-912E-A96B-CEE5-0CFC8B8CB2F8}"/>
+              </a:ext>
+            </a:extLst>
+          </p:cNvPr>
+          <p:cNvSpPr/>
+          <p:nvPr/>
+        </p:nvSpPr>
+        <p:spPr>
+          <a:xfrm>
+            <a:off x="7212563" y="494522"/>
+            <a:ext cx="373225" cy="3946849"/>
+          </a:xfrm>
+          <a:prstGeom prst="rightBrace">
+            <a:avLst/>
+          </a:prstGeom>
+          <a:ln w="76200"/>
+        </p:spPr>
+        <p:style>
+          <a:lnRef idx="1">
+            <a:schemeClr val="accent1"/>
+          </a:lnRef>
+          <a:fillRef idx="0">
+            <a:schemeClr val="accent1"/>
+          </a:fillRef>
+          <a:effectRef idx="0">
+            <a:schemeClr val="accent1"/>
+          </a:effectRef>
+          <a:fontRef idx="minor">
+            <a:schemeClr val="tx1"/>
+          </a:fontRef>
+        </p:style>
+        <p:txBody>
+          <a:bodyPr rtlCol="0" anchor="ctr"/>
+          <a:lstStyle/>
+          <a:p>
+            <a:pPr algn="ctr"/>
+            <a:endParaRPr lang="en-US"/>
+          </a:p>
+        </p:txBody>
+      </p:sp>
+      <p:sp>
+        <p:nvSpPr>
+          <p:cNvPr id="12" name="TextBox 11">
+            <a:extLst>
+              <a:ext uri="{FF2B5EF4-FFF2-40B4-BE49-F238E27FC236}">
+                <a16:creationId xmlns:a16="http://schemas.microsoft.com/office/drawing/2014/main" id="{EBF6E9FB-6B33-266D-8F98-B1B89155CA51}"/>
+              </a:ext>
+            </a:extLst>
+          </p:cNvPr>
+          <p:cNvSpPr txBox="1"/>
+          <p:nvPr/>
+        </p:nvSpPr>
+        <p:spPr>
+          <a:xfrm>
+            <a:off x="7080377" y="912454"/>
+            <a:ext cx="1903445" cy="923330"/>
+          </a:xfrm>
+          <a:prstGeom prst="rect">
+            <a:avLst/>
+          </a:prstGeom>
+          <a:noFill/>
+        </p:spPr>
+        <p:txBody>
+          <a:bodyPr wrap="square" rtlCol="0">
+            <a:spAutoFit/>
+          </a:bodyPr>
+          <a:lstStyle/>
+          <a:p>
+            <a:pPr algn="ctr"/>
+            <a:r>
+              <a:rPr lang="en-IN" b="1" dirty="0"/>
+              <a:t>Entities </a:t>
+            </a:r>
+            <a:r>
+              <a:rPr lang="en-IN" b="1" dirty="0" err="1"/>
+              <a:t>aks</a:t>
+            </a:r>
+            <a:r>
+              <a:rPr lang="en-IN" b="1" dirty="0"/>
+              <a:t> Conceptual Role Players</a:t>
+            </a:r>
+            <a:endParaRPr lang="en-US" b="1" dirty="0"/>
+          </a:p>
+        </p:txBody>
+      </p:sp>
+      <p:sp>
+        <p:nvSpPr>
+          <p:cNvPr id="13" name="Cylinder 12">
+            <a:extLst>
+              <a:ext uri="{FF2B5EF4-FFF2-40B4-BE49-F238E27FC236}">
+                <a16:creationId xmlns:a16="http://schemas.microsoft.com/office/drawing/2014/main" id="{8661E8AF-C573-E460-B772-6D458D157A71}"/>
+              </a:ext>
+            </a:extLst>
+          </p:cNvPr>
+          <p:cNvSpPr/>
+          <p:nvPr/>
+        </p:nvSpPr>
+        <p:spPr>
+          <a:xfrm>
+            <a:off x="8938726" y="2901419"/>
+            <a:ext cx="3097763" cy="3536302"/>
+          </a:xfrm>
+          <a:prstGeom prst="can">
+            <a:avLst>
+              <a:gd name="adj" fmla="val 6627"/>
+            </a:avLst>
+          </a:prstGeom>
+          <a:solidFill>
+            <a:srgbClr val="FF0000"/>
+          </a:solidFill>
+        </p:spPr>
+        <p:style>
+          <a:lnRef idx="2">
+            <a:schemeClr val="accent1">
+              <a:shade val="50000"/>
+            </a:schemeClr>
+          </a:lnRef>
+          <a:fillRef idx="1">
+            <a:schemeClr val="accent1"/>
+          </a:fillRef>
+          <a:effectRef idx="0">
+            <a:schemeClr val="accent1"/>
+          </a:effectRef>
+          <a:fontRef idx="minor">
+            <a:schemeClr val="lt1"/>
+          </a:fontRef>
+        </p:style>
+        <p:txBody>
+          <a:bodyPr rtlCol="0" anchor="ctr"/>
+          <a:lstStyle/>
+          <a:p>
+            <a:pPr algn="ctr"/>
+            <a:r>
+              <a:rPr lang="en-IN" b="1" dirty="0"/>
+              <a:t>Hospital Database</a:t>
+            </a:r>
+          </a:p>
+          <a:p>
+            <a:pPr algn="ctr"/>
+            <a:r>
+              <a:rPr lang="en-IN" b="1" dirty="0"/>
+              <a:t>Contains Tables those are defined/Designed based on Conceptual Model</a:t>
+            </a:r>
+            <a:endParaRPr lang="en-US" b="1" dirty="0"/>
+          </a:p>
+        </p:txBody>
+      </p:sp>
+      <p:cxnSp>
+        <p:nvCxnSpPr>
+          <p:cNvPr id="15" name="Connector: Elbow 14">
+            <a:extLst>
+              <a:ext uri="{FF2B5EF4-FFF2-40B4-BE49-F238E27FC236}">
+                <a16:creationId xmlns:a16="http://schemas.microsoft.com/office/drawing/2014/main" id="{C79A8E67-0042-C54A-2756-179B8EDB30B0}"/>
+              </a:ext>
+            </a:extLst>
+          </p:cNvPr>
+          <p:cNvCxnSpPr>
+            <a:stCxn id="2" idx="3"/>
+            <a:endCxn id="13" idx="1"/>
+          </p:cNvCxnSpPr>
+          <p:nvPr/>
+        </p:nvCxnSpPr>
+        <p:spPr>
+          <a:xfrm>
+            <a:off x="7016620" y="2491274"/>
+            <a:ext cx="3470988" cy="410145"/>
+          </a:xfrm>
+          <a:prstGeom prst="bentConnector2">
+            <a:avLst/>
+          </a:prstGeom>
+          <a:ln w="76200">
+            <a:tailEnd type="triangle"/>
+          </a:ln>
+        </p:spPr>
+        <p:style>
+          <a:lnRef idx="1">
+            <a:schemeClr val="accent1"/>
+          </a:lnRef>
+          <a:fillRef idx="0">
+            <a:schemeClr val="accent1"/>
+          </a:fillRef>
+          <a:effectRef idx="0">
+            <a:schemeClr val="accent1"/>
+          </a:effectRef>
+          <a:fontRef idx="minor">
+            <a:schemeClr val="tx1"/>
+          </a:fontRef>
+        </p:style>
+      </p:cxnSp>
+      <p:sp>
+        <p:nvSpPr>
+          <p:cNvPr id="16" name="Rectangle 15">
+            <a:extLst>
+              <a:ext uri="{FF2B5EF4-FFF2-40B4-BE49-F238E27FC236}">
+                <a16:creationId xmlns:a16="http://schemas.microsoft.com/office/drawing/2014/main" id="{45B2831E-AFF9-CD28-7E33-1AF7D9577685}"/>
+              </a:ext>
+            </a:extLst>
+          </p:cNvPr>
+          <p:cNvSpPr/>
+          <p:nvPr/>
+        </p:nvSpPr>
+        <p:spPr>
+          <a:xfrm>
+            <a:off x="755780" y="4945224"/>
+            <a:ext cx="2948473" cy="1744825"/>
+          </a:xfrm>
+          <a:prstGeom prst="rect">
+            <a:avLst/>
+          </a:prstGeom>
+        </p:spPr>
+        <p:style>
+          <a:lnRef idx="2">
+            <a:schemeClr val="accent6"/>
+          </a:lnRef>
+          <a:fillRef idx="1">
+            <a:schemeClr val="lt1"/>
+          </a:fillRef>
+          <a:effectRef idx="0">
+            <a:schemeClr val="accent6"/>
+          </a:effectRef>
+          <a:fontRef idx="minor">
+            <a:schemeClr val="dk1"/>
+          </a:fontRef>
+        </p:style>
+        <p:txBody>
+          <a:bodyPr rtlCol="0" anchor="ctr"/>
+          <a:lstStyle/>
+          <a:p>
+            <a:pPr algn="ctr"/>
+            <a:endParaRPr lang="en-US"/>
+          </a:p>
+        </p:txBody>
+      </p:sp>
+      <p:sp>
+        <p:nvSpPr>
+          <p:cNvPr id="17" name="TextBox 16">
+            <a:extLst>
+              <a:ext uri="{FF2B5EF4-FFF2-40B4-BE49-F238E27FC236}">
+                <a16:creationId xmlns:a16="http://schemas.microsoft.com/office/drawing/2014/main" id="{B47CE1DE-FFD1-484E-023D-258CC68B76E9}"/>
+              </a:ext>
+            </a:extLst>
+          </p:cNvPr>
+          <p:cNvSpPr txBox="1"/>
+          <p:nvPr/>
+        </p:nvSpPr>
+        <p:spPr>
+          <a:xfrm>
+            <a:off x="625151" y="4525349"/>
+            <a:ext cx="1847461" cy="369332"/>
+          </a:xfrm>
+          <a:prstGeom prst="rect">
+            <a:avLst/>
+          </a:prstGeom>
+          <a:noFill/>
+        </p:spPr>
+        <p:txBody>
+          <a:bodyPr wrap="square" rtlCol="0">
+            <a:spAutoFit/>
+          </a:bodyPr>
+          <a:lstStyle/>
+          <a:p>
+            <a:r>
+              <a:rPr lang="en-IN" dirty="0"/>
+              <a:t>Enhancements</a:t>
+            </a:r>
+            <a:endParaRPr lang="en-US" dirty="0"/>
+          </a:p>
+        </p:txBody>
+      </p:sp>
+      <p:sp>
+        <p:nvSpPr>
+          <p:cNvPr id="18" name="Rectangle 17">
+            <a:extLst>
+              <a:ext uri="{FF2B5EF4-FFF2-40B4-BE49-F238E27FC236}">
+                <a16:creationId xmlns:a16="http://schemas.microsoft.com/office/drawing/2014/main" id="{F975FAFE-DA09-10DE-3408-5478A30E14CE}"/>
+              </a:ext>
+            </a:extLst>
+          </p:cNvPr>
+          <p:cNvSpPr/>
+          <p:nvPr/>
+        </p:nvSpPr>
+        <p:spPr>
+          <a:xfrm>
+            <a:off x="833535" y="5050972"/>
+            <a:ext cx="1101012" cy="867747"/>
+          </a:xfrm>
+          <a:prstGeom prst="rect">
+            <a:avLst/>
+          </a:prstGeom>
+        </p:spPr>
+        <p:style>
+          <a:lnRef idx="2">
+            <a:schemeClr val="accent1">
+              <a:shade val="50000"/>
+            </a:schemeClr>
+          </a:lnRef>
+          <a:fillRef idx="1">
+            <a:schemeClr val="accent1"/>
+          </a:fillRef>
+          <a:effectRef idx="0">
+            <a:schemeClr val="accent1"/>
+          </a:effectRef>
+          <a:fontRef idx="minor">
+            <a:schemeClr val="lt1"/>
+          </a:fontRef>
+        </p:style>
+        <p:txBody>
+          <a:bodyPr rtlCol="0" anchor="ctr"/>
+          <a:lstStyle/>
+          <a:p>
+            <a:pPr algn="ctr"/>
+            <a:r>
+              <a:rPr lang="en-IN" dirty="0"/>
+              <a:t>Pat</a:t>
+            </a:r>
+          </a:p>
+          <a:p>
+            <a:pPr algn="ctr"/>
+            <a:r>
+              <a:rPr lang="en-IN" dirty="0"/>
+              <a:t>Types</a:t>
+            </a:r>
+            <a:endParaRPr lang="en-US" dirty="0"/>
+          </a:p>
+        </p:txBody>
+      </p:sp>
+      <p:cxnSp>
+        <p:nvCxnSpPr>
+          <p:cNvPr id="20" name="Connector: Elbow 19">
+            <a:extLst>
+              <a:ext uri="{FF2B5EF4-FFF2-40B4-BE49-F238E27FC236}">
+                <a16:creationId xmlns:a16="http://schemas.microsoft.com/office/drawing/2014/main" id="{A6907E9F-6C10-670F-3A9A-3444C004D8B7}"/>
+              </a:ext>
+            </a:extLst>
+          </p:cNvPr>
+          <p:cNvCxnSpPr>
+            <a:cxnSpLocks/>
+            <a:stCxn id="4" idx="1"/>
+          </p:cNvCxnSpPr>
+          <p:nvPr/>
+        </p:nvCxnSpPr>
+        <p:spPr>
+          <a:xfrm rot="10800000" flipV="1">
+            <a:off x="1384041" y="1665514"/>
+            <a:ext cx="1648408" cy="3385457"/>
+          </a:xfrm>
+          <a:prstGeom prst="bentConnector2">
+            <a:avLst/>
+          </a:prstGeom>
+          <a:ln>
+            <a:tailEnd type="triangle"/>
+          </a:ln>
+        </p:spPr>
+        <p:style>
+          <a:lnRef idx="1">
+            <a:schemeClr val="accent1"/>
+          </a:lnRef>
+          <a:fillRef idx="0">
+            <a:schemeClr val="accent1"/>
+          </a:fillRef>
+          <a:effectRef idx="0">
+            <a:schemeClr val="accent1"/>
+          </a:effectRef>
+          <a:fontRef idx="minor">
+            <a:schemeClr val="tx1"/>
+          </a:fontRef>
+        </p:style>
+      </p:cxnSp>
+      <p:sp>
+        <p:nvSpPr>
+          <p:cNvPr id="22" name="Rectangle 21">
+            <a:extLst>
+              <a:ext uri="{FF2B5EF4-FFF2-40B4-BE49-F238E27FC236}">
+                <a16:creationId xmlns:a16="http://schemas.microsoft.com/office/drawing/2014/main" id="{ED16E1E8-1A04-3DB3-BF76-C8FD095C01B9}"/>
+              </a:ext>
+            </a:extLst>
+          </p:cNvPr>
+          <p:cNvSpPr/>
+          <p:nvPr/>
+        </p:nvSpPr>
+        <p:spPr>
+          <a:xfrm>
+            <a:off x="2369975" y="5050972"/>
+            <a:ext cx="1101012" cy="867747"/>
+          </a:xfrm>
+          <a:prstGeom prst="rect">
+            <a:avLst/>
+          </a:prstGeom>
+        </p:spPr>
+        <p:style>
+          <a:lnRef idx="2">
+            <a:schemeClr val="accent1">
+              <a:shade val="50000"/>
+            </a:schemeClr>
+          </a:lnRef>
+          <a:fillRef idx="1">
+            <a:schemeClr val="accent1"/>
+          </a:fillRef>
+          <a:effectRef idx="0">
+            <a:schemeClr val="accent1"/>
+          </a:effectRef>
+          <a:fontRef idx="minor">
+            <a:schemeClr val="lt1"/>
+          </a:fontRef>
+        </p:style>
+        <p:txBody>
+          <a:bodyPr rtlCol="0" anchor="ctr"/>
+          <a:lstStyle/>
+          <a:p>
+            <a:pPr algn="ctr"/>
+            <a:r>
+              <a:rPr lang="en-IN" dirty="0"/>
+              <a:t>Doc</a:t>
+            </a:r>
+          </a:p>
+          <a:p>
+            <a:pPr algn="ctr"/>
+            <a:r>
+              <a:rPr lang="en-IN" dirty="0"/>
+              <a:t>Types</a:t>
+            </a:r>
+            <a:endParaRPr lang="en-US" dirty="0"/>
+          </a:p>
+        </p:txBody>
+      </p:sp>
+      <p:cxnSp>
+        <p:nvCxnSpPr>
+          <p:cNvPr id="24" name="Connector: Elbow 23">
+            <a:extLst>
+              <a:ext uri="{FF2B5EF4-FFF2-40B4-BE49-F238E27FC236}">
+                <a16:creationId xmlns:a16="http://schemas.microsoft.com/office/drawing/2014/main" id="{D54DCB2F-9037-56C6-B356-8C1C48ED24C1}"/>
+              </a:ext>
+            </a:extLst>
+          </p:cNvPr>
+          <p:cNvCxnSpPr>
+            <a:endCxn id="22" idx="0"/>
+          </p:cNvCxnSpPr>
+          <p:nvPr/>
+        </p:nvCxnSpPr>
+        <p:spPr>
+          <a:xfrm rot="5400000">
+            <a:off x="1929102" y="2652227"/>
+            <a:ext cx="3390124" cy="1407366"/>
+          </a:xfrm>
+          <a:prstGeom prst="bentConnector3">
+            <a:avLst/>
+          </a:prstGeom>
+          <a:ln>
+            <a:tailEnd type="triangle"/>
+          </a:ln>
+        </p:spPr>
+        <p:style>
+          <a:lnRef idx="1">
+            <a:schemeClr val="accent1"/>
+          </a:lnRef>
+          <a:fillRef idx="0">
+            <a:schemeClr val="accent1"/>
+          </a:fillRef>
+          <a:effectRef idx="0">
+            <a:schemeClr val="accent1"/>
+          </a:effectRef>
+          <a:fontRef idx="minor">
+            <a:schemeClr val="tx1"/>
+          </a:fontRef>
+        </p:style>
+      </p:cxnSp>
+      <p:cxnSp>
+        <p:nvCxnSpPr>
+          <p:cNvPr id="26" name="Connector: Elbow 25">
+            <a:extLst>
+              <a:ext uri="{FF2B5EF4-FFF2-40B4-BE49-F238E27FC236}">
+                <a16:creationId xmlns:a16="http://schemas.microsoft.com/office/drawing/2014/main" id="{1D324C5C-2861-46AE-42AE-5744FFDE77CF}"/>
+              </a:ext>
+            </a:extLst>
+          </p:cNvPr>
+          <p:cNvCxnSpPr>
+            <a:stCxn id="16" idx="3"/>
+            <a:endCxn id="13" idx="2"/>
+          </p:cNvCxnSpPr>
+          <p:nvPr/>
+        </p:nvCxnSpPr>
+        <p:spPr>
+          <a:xfrm flipV="1">
+            <a:off x="3704253" y="4669570"/>
+            <a:ext cx="5234473" cy="1148067"/>
+          </a:xfrm>
+          <a:prstGeom prst="bentConnector3">
+            <a:avLst/>
+          </a:prstGeom>
+          <a:ln>
+            <a:tailEnd type="triangle"/>
+          </a:ln>
+        </p:spPr>
+        <p:style>
+          <a:lnRef idx="1">
+            <a:schemeClr val="accent1"/>
+          </a:lnRef>
+          <a:fillRef idx="0">
+            <a:schemeClr val="accent1"/>
+          </a:fillRef>
+          <a:effectRef idx="0">
+            <a:schemeClr val="accent1"/>
+          </a:effectRef>
+          <a:fontRef idx="minor">
+            <a:schemeClr val="tx1"/>
+          </a:fontRef>
+        </p:style>
+      </p:cxnSp>
+      <p:sp>
+        <p:nvSpPr>
+          <p:cNvPr id="27" name="TextBox 26">
+            <a:extLst>
+              <a:ext uri="{FF2B5EF4-FFF2-40B4-BE49-F238E27FC236}">
+                <a16:creationId xmlns:a16="http://schemas.microsoft.com/office/drawing/2014/main" id="{AA0724CF-D298-33BC-937A-B6ED2B73A99D}"/>
+              </a:ext>
+            </a:extLst>
+          </p:cNvPr>
+          <p:cNvSpPr txBox="1"/>
+          <p:nvPr/>
+        </p:nvSpPr>
+        <p:spPr>
+          <a:xfrm>
+            <a:off x="6652726" y="4894681"/>
+            <a:ext cx="2286000" cy="369332"/>
+          </a:xfrm>
+          <a:prstGeom prst="rect">
+            <a:avLst/>
+          </a:prstGeom>
+          <a:noFill/>
+        </p:spPr>
+        <p:txBody>
+          <a:bodyPr wrap="square" rtlCol="0">
+            <a:spAutoFit/>
+          </a:bodyPr>
+          <a:lstStyle/>
+          <a:p>
+            <a:r>
+              <a:rPr lang="en-IN" dirty="0"/>
+              <a:t>Specialized Tables</a:t>
+            </a:r>
+            <a:endParaRPr lang="en-US" dirty="0"/>
+          </a:p>
+        </p:txBody>
+      </p:sp>
+    </p:spTree>
+    <p:extLst>
+      <p:ext uri="{BB962C8B-B14F-4D97-AF65-F5344CB8AC3E}">
+        <p14:creationId xmlns:p14="http://schemas.microsoft.com/office/powerpoint/2010/main" val="2709478290"/>
+      </p:ext>
+    </p:extLst>
+  </p:cSld>
+  <p:clrMapOvr>
+    <a:masterClrMapping/>
+  </p:clrMapOvr>
+</p:sld>
+</file>
+
 <file path=ppt/slides/slide2.xml><?xml version="1.0" encoding="utf-8"?>
 <p:sld xmlns:a="http://schemas.openxmlformats.org/drawingml/2006/main" xmlns:r="http://schemas.openxmlformats.org/officeDocument/2006/relationships" xmlns:p="http://schemas.openxmlformats.org/presentationml/2006/main">
   <p:cSld>
@@ -13911,6 +14923,828 @@
     <p:extLst>
       <p:ext uri="{BB962C8B-B14F-4D97-AF65-F5344CB8AC3E}">
         <p14:creationId xmlns:p14="http://schemas.microsoft.com/office/powerpoint/2010/main" val="1704404344"/>
+      </p:ext>
+    </p:extLst>
+  </p:cSld>
+  <p:clrMapOvr>
+    <a:masterClrMapping/>
+  </p:clrMapOvr>
+</p:sld>
+</file>
+
+<file path=ppt/slides/slide20.xml><?xml version="1.0" encoding="utf-8"?>
+<p:sld xmlns:a="http://schemas.openxmlformats.org/drawingml/2006/main" xmlns:r="http://schemas.openxmlformats.org/officeDocument/2006/relationships" xmlns:p="http://schemas.openxmlformats.org/presentationml/2006/main">
+  <p:cSld>
+    <p:spTree>
+      <p:nvGrpSpPr>
+        <p:cNvPr id="1" name=""/>
+        <p:cNvGrpSpPr/>
+        <p:nvPr/>
+      </p:nvGrpSpPr>
+      <p:grpSpPr>
+        <a:xfrm>
+          <a:off x="0" y="0"/>
+          <a:ext cx="0" cy="0"/>
+          <a:chOff x="0" y="0"/>
+          <a:chExt cx="0" cy="0"/>
+        </a:xfrm>
+      </p:grpSpPr>
+      <p:sp>
+        <p:nvSpPr>
+          <p:cNvPr id="2" name="Cylinder 1">
+            <a:extLst>
+              <a:ext uri="{FF2B5EF4-FFF2-40B4-BE49-F238E27FC236}">
+                <a16:creationId xmlns:a16="http://schemas.microsoft.com/office/drawing/2014/main" id="{1C8497B3-3AA0-3609-87FB-CECF91DB3D6A}"/>
+              </a:ext>
+            </a:extLst>
+          </p:cNvPr>
+          <p:cNvSpPr/>
+          <p:nvPr/>
+        </p:nvSpPr>
+        <p:spPr>
+          <a:xfrm>
+            <a:off x="10552923" y="1231640"/>
+            <a:ext cx="1558212" cy="1259633"/>
+          </a:xfrm>
+          <a:prstGeom prst="can">
+            <a:avLst/>
+          </a:prstGeom>
+        </p:spPr>
+        <p:style>
+          <a:lnRef idx="2">
+            <a:schemeClr val="accent1">
+              <a:shade val="50000"/>
+            </a:schemeClr>
+          </a:lnRef>
+          <a:fillRef idx="1">
+            <a:schemeClr val="accent1"/>
+          </a:fillRef>
+          <a:effectRef idx="0">
+            <a:schemeClr val="accent1"/>
+          </a:effectRef>
+          <a:fontRef idx="minor">
+            <a:schemeClr val="lt1"/>
+          </a:fontRef>
+        </p:style>
+        <p:txBody>
+          <a:bodyPr rtlCol="0" anchor="ctr"/>
+          <a:lstStyle/>
+          <a:p>
+            <a:pPr algn="ctr"/>
+            <a:r>
+              <a:rPr lang="en-IN" dirty="0"/>
+              <a:t>DB 1</a:t>
+            </a:r>
+            <a:endParaRPr lang="en-US" dirty="0"/>
+          </a:p>
+        </p:txBody>
+      </p:sp>
+      <p:sp>
+        <p:nvSpPr>
+          <p:cNvPr id="3" name="Cylinder 2">
+            <a:extLst>
+              <a:ext uri="{FF2B5EF4-FFF2-40B4-BE49-F238E27FC236}">
+                <a16:creationId xmlns:a16="http://schemas.microsoft.com/office/drawing/2014/main" id="{2C82ABA9-C49E-64E8-F0CB-E2A07A7710FD}"/>
+              </a:ext>
+            </a:extLst>
+          </p:cNvPr>
+          <p:cNvSpPr/>
+          <p:nvPr/>
+        </p:nvSpPr>
+        <p:spPr>
+          <a:xfrm>
+            <a:off x="10552923" y="3139752"/>
+            <a:ext cx="1558212" cy="1259633"/>
+          </a:xfrm>
+          <a:prstGeom prst="can">
+            <a:avLst/>
+          </a:prstGeom>
+        </p:spPr>
+        <p:style>
+          <a:lnRef idx="2">
+            <a:schemeClr val="accent1">
+              <a:shade val="50000"/>
+            </a:schemeClr>
+          </a:lnRef>
+          <a:fillRef idx="1">
+            <a:schemeClr val="accent1"/>
+          </a:fillRef>
+          <a:effectRef idx="0">
+            <a:schemeClr val="accent1"/>
+          </a:effectRef>
+          <a:fontRef idx="minor">
+            <a:schemeClr val="lt1"/>
+          </a:fontRef>
+        </p:style>
+        <p:txBody>
+          <a:bodyPr rtlCol="0" anchor="ctr"/>
+          <a:lstStyle/>
+          <a:p>
+            <a:pPr algn="ctr"/>
+            <a:r>
+              <a:rPr lang="en-IN" dirty="0"/>
+              <a:t>DB 2</a:t>
+            </a:r>
+            <a:endParaRPr lang="en-US" dirty="0"/>
+          </a:p>
+        </p:txBody>
+      </p:sp>
+      <p:sp>
+        <p:nvSpPr>
+          <p:cNvPr id="4" name="Cylinder 3">
+            <a:extLst>
+              <a:ext uri="{FF2B5EF4-FFF2-40B4-BE49-F238E27FC236}">
+                <a16:creationId xmlns:a16="http://schemas.microsoft.com/office/drawing/2014/main" id="{40E18BDA-6EA8-241A-26EC-4DE24320AE19}"/>
+              </a:ext>
+            </a:extLst>
+          </p:cNvPr>
+          <p:cNvSpPr/>
+          <p:nvPr/>
+        </p:nvSpPr>
+        <p:spPr>
+          <a:xfrm>
+            <a:off x="10552923" y="4841034"/>
+            <a:ext cx="1558212" cy="1259633"/>
+          </a:xfrm>
+          <a:prstGeom prst="can">
+            <a:avLst/>
+          </a:prstGeom>
+        </p:spPr>
+        <p:style>
+          <a:lnRef idx="2">
+            <a:schemeClr val="accent1">
+              <a:shade val="50000"/>
+            </a:schemeClr>
+          </a:lnRef>
+          <a:fillRef idx="1">
+            <a:schemeClr val="accent1"/>
+          </a:fillRef>
+          <a:effectRef idx="0">
+            <a:schemeClr val="accent1"/>
+          </a:effectRef>
+          <a:fontRef idx="minor">
+            <a:schemeClr val="lt1"/>
+          </a:fontRef>
+        </p:style>
+        <p:txBody>
+          <a:bodyPr rtlCol="0" anchor="ctr"/>
+          <a:lstStyle/>
+          <a:p>
+            <a:pPr algn="ctr"/>
+            <a:r>
+              <a:rPr lang="en-IN" dirty="0"/>
+              <a:t>DB 3</a:t>
+            </a:r>
+            <a:endParaRPr lang="en-US" dirty="0"/>
+          </a:p>
+        </p:txBody>
+      </p:sp>
+      <p:sp>
+        <p:nvSpPr>
+          <p:cNvPr id="5" name="Rectangle 4">
+            <a:extLst>
+              <a:ext uri="{FF2B5EF4-FFF2-40B4-BE49-F238E27FC236}">
+                <a16:creationId xmlns:a16="http://schemas.microsoft.com/office/drawing/2014/main" id="{50A4B442-7697-86B6-734B-BA6A13548D75}"/>
+              </a:ext>
+            </a:extLst>
+          </p:cNvPr>
+          <p:cNvSpPr/>
+          <p:nvPr/>
+        </p:nvSpPr>
+        <p:spPr>
+          <a:xfrm>
+            <a:off x="7632441" y="657808"/>
+            <a:ext cx="2351315" cy="5719664"/>
+          </a:xfrm>
+          <a:prstGeom prst="rect">
+            <a:avLst/>
+          </a:prstGeom>
+        </p:spPr>
+        <p:style>
+          <a:lnRef idx="2">
+            <a:schemeClr val="accent6"/>
+          </a:lnRef>
+          <a:fillRef idx="1">
+            <a:schemeClr val="lt1"/>
+          </a:fillRef>
+          <a:effectRef idx="0">
+            <a:schemeClr val="accent6"/>
+          </a:effectRef>
+          <a:fontRef idx="minor">
+            <a:schemeClr val="dk1"/>
+          </a:fontRef>
+        </p:style>
+        <p:txBody>
+          <a:bodyPr rtlCol="0" anchor="ctr"/>
+          <a:lstStyle/>
+          <a:p>
+            <a:pPr algn="ctr"/>
+            <a:endParaRPr lang="en-US"/>
+          </a:p>
+        </p:txBody>
+      </p:sp>
+      <p:sp>
+        <p:nvSpPr>
+          <p:cNvPr id="6" name="TextBox 5">
+            <a:extLst>
+              <a:ext uri="{FF2B5EF4-FFF2-40B4-BE49-F238E27FC236}">
+                <a16:creationId xmlns:a16="http://schemas.microsoft.com/office/drawing/2014/main" id="{E7BA50CA-8528-01F9-793F-AC408D5977C7}"/>
+              </a:ext>
+            </a:extLst>
+          </p:cNvPr>
+          <p:cNvSpPr txBox="1"/>
+          <p:nvPr/>
+        </p:nvSpPr>
+        <p:spPr>
+          <a:xfrm>
+            <a:off x="7697755" y="802433"/>
+            <a:ext cx="2202025" cy="369332"/>
+          </a:xfrm>
+          <a:prstGeom prst="rect">
+            <a:avLst/>
+          </a:prstGeom>
+          <a:noFill/>
+        </p:spPr>
+        <p:txBody>
+          <a:bodyPr wrap="square" rtlCol="0">
+            <a:spAutoFit/>
+          </a:bodyPr>
+          <a:lstStyle/>
+          <a:p>
+            <a:pPr algn="ctr"/>
+            <a:r>
+              <a:rPr lang="en-IN" b="1" dirty="0"/>
+              <a:t>Data Access Layer</a:t>
+            </a:r>
+            <a:endParaRPr lang="en-US" b="1" dirty="0"/>
+          </a:p>
+        </p:txBody>
+      </p:sp>
+      <p:sp>
+        <p:nvSpPr>
+          <p:cNvPr id="7" name="Rectangle 6">
+            <a:extLst>
+              <a:ext uri="{FF2B5EF4-FFF2-40B4-BE49-F238E27FC236}">
+                <a16:creationId xmlns:a16="http://schemas.microsoft.com/office/drawing/2014/main" id="{754399D2-36B5-769D-713F-F89660BC7980}"/>
+              </a:ext>
+            </a:extLst>
+          </p:cNvPr>
+          <p:cNvSpPr/>
+          <p:nvPr/>
+        </p:nvSpPr>
+        <p:spPr>
+          <a:xfrm>
+            <a:off x="7781731" y="1315616"/>
+            <a:ext cx="2006081" cy="1175657"/>
+          </a:xfrm>
+          <a:prstGeom prst="rect">
+            <a:avLst/>
+          </a:prstGeom>
+          <a:solidFill>
+            <a:srgbClr val="00B0F0"/>
+          </a:solidFill>
+        </p:spPr>
+        <p:style>
+          <a:lnRef idx="2">
+            <a:schemeClr val="accent1">
+              <a:shade val="50000"/>
+            </a:schemeClr>
+          </a:lnRef>
+          <a:fillRef idx="1">
+            <a:schemeClr val="accent1"/>
+          </a:fillRef>
+          <a:effectRef idx="0">
+            <a:schemeClr val="accent1"/>
+          </a:effectRef>
+          <a:fontRef idx="minor">
+            <a:schemeClr val="lt1"/>
+          </a:fontRef>
+        </p:style>
+        <p:txBody>
+          <a:bodyPr rtlCol="0" anchor="ctr"/>
+          <a:lstStyle/>
+          <a:p>
+            <a:pPr algn="ctr"/>
+            <a:r>
+              <a:rPr lang="en-IN" dirty="0"/>
+              <a:t>DAL 1 for DB 1</a:t>
+            </a:r>
+            <a:endParaRPr lang="en-US" dirty="0"/>
+          </a:p>
+        </p:txBody>
+      </p:sp>
+      <p:sp>
+        <p:nvSpPr>
+          <p:cNvPr id="8" name="Arrow: Left-Right 7">
+            <a:extLst>
+              <a:ext uri="{FF2B5EF4-FFF2-40B4-BE49-F238E27FC236}">
+                <a16:creationId xmlns:a16="http://schemas.microsoft.com/office/drawing/2014/main" id="{BF572BD9-D042-FAA3-D622-0AED43BA217A}"/>
+              </a:ext>
+            </a:extLst>
+          </p:cNvPr>
+          <p:cNvSpPr/>
+          <p:nvPr/>
+        </p:nvSpPr>
+        <p:spPr>
+          <a:xfrm>
+            <a:off x="9769151" y="1735494"/>
+            <a:ext cx="783772" cy="369332"/>
+          </a:xfrm>
+          <a:prstGeom prst="leftRightArrow">
+            <a:avLst/>
+          </a:prstGeom>
+          <a:solidFill>
+            <a:srgbClr val="FF0000"/>
+          </a:solidFill>
+        </p:spPr>
+        <p:style>
+          <a:lnRef idx="2">
+            <a:schemeClr val="accent1">
+              <a:shade val="50000"/>
+            </a:schemeClr>
+          </a:lnRef>
+          <a:fillRef idx="1">
+            <a:schemeClr val="accent1"/>
+          </a:fillRef>
+          <a:effectRef idx="0">
+            <a:schemeClr val="accent1"/>
+          </a:effectRef>
+          <a:fontRef idx="minor">
+            <a:schemeClr val="lt1"/>
+          </a:fontRef>
+        </p:style>
+        <p:txBody>
+          <a:bodyPr rtlCol="0" anchor="ctr"/>
+          <a:lstStyle/>
+          <a:p>
+            <a:pPr algn="ctr"/>
+            <a:endParaRPr lang="en-US"/>
+          </a:p>
+        </p:txBody>
+      </p:sp>
+      <p:sp>
+        <p:nvSpPr>
+          <p:cNvPr id="9" name="Rectangle 8">
+            <a:extLst>
+              <a:ext uri="{FF2B5EF4-FFF2-40B4-BE49-F238E27FC236}">
+                <a16:creationId xmlns:a16="http://schemas.microsoft.com/office/drawing/2014/main" id="{6FC61EBB-A031-31BD-9096-F171257620DF}"/>
+              </a:ext>
+            </a:extLst>
+          </p:cNvPr>
+          <p:cNvSpPr/>
+          <p:nvPr/>
+        </p:nvSpPr>
+        <p:spPr>
+          <a:xfrm>
+            <a:off x="7781731" y="3223728"/>
+            <a:ext cx="2006081" cy="1175657"/>
+          </a:xfrm>
+          <a:prstGeom prst="rect">
+            <a:avLst/>
+          </a:prstGeom>
+          <a:solidFill>
+            <a:srgbClr val="00B0F0"/>
+          </a:solidFill>
+        </p:spPr>
+        <p:style>
+          <a:lnRef idx="2">
+            <a:schemeClr val="accent1">
+              <a:shade val="50000"/>
+            </a:schemeClr>
+          </a:lnRef>
+          <a:fillRef idx="1">
+            <a:schemeClr val="accent1"/>
+          </a:fillRef>
+          <a:effectRef idx="0">
+            <a:schemeClr val="accent1"/>
+          </a:effectRef>
+          <a:fontRef idx="minor">
+            <a:schemeClr val="lt1"/>
+          </a:fontRef>
+        </p:style>
+        <p:txBody>
+          <a:bodyPr rtlCol="0" anchor="ctr"/>
+          <a:lstStyle/>
+          <a:p>
+            <a:pPr algn="ctr"/>
+            <a:r>
+              <a:rPr lang="en-IN" dirty="0"/>
+              <a:t>DAL 2 for DB 2</a:t>
+            </a:r>
+            <a:endParaRPr lang="en-US" dirty="0"/>
+          </a:p>
+        </p:txBody>
+      </p:sp>
+      <p:sp>
+        <p:nvSpPr>
+          <p:cNvPr id="10" name="Arrow: Left-Right 9">
+            <a:extLst>
+              <a:ext uri="{FF2B5EF4-FFF2-40B4-BE49-F238E27FC236}">
+                <a16:creationId xmlns:a16="http://schemas.microsoft.com/office/drawing/2014/main" id="{753C20E5-4596-BE27-D231-8E9B3DC66CFD}"/>
+              </a:ext>
+            </a:extLst>
+          </p:cNvPr>
+          <p:cNvSpPr/>
+          <p:nvPr/>
+        </p:nvSpPr>
+        <p:spPr>
+          <a:xfrm>
+            <a:off x="9769151" y="3674711"/>
+            <a:ext cx="783772" cy="369332"/>
+          </a:xfrm>
+          <a:prstGeom prst="leftRightArrow">
+            <a:avLst/>
+          </a:prstGeom>
+          <a:solidFill>
+            <a:srgbClr val="FF0000"/>
+          </a:solidFill>
+        </p:spPr>
+        <p:style>
+          <a:lnRef idx="2">
+            <a:schemeClr val="accent1">
+              <a:shade val="50000"/>
+            </a:schemeClr>
+          </a:lnRef>
+          <a:fillRef idx="1">
+            <a:schemeClr val="accent1"/>
+          </a:fillRef>
+          <a:effectRef idx="0">
+            <a:schemeClr val="accent1"/>
+          </a:effectRef>
+          <a:fontRef idx="minor">
+            <a:schemeClr val="lt1"/>
+          </a:fontRef>
+        </p:style>
+        <p:txBody>
+          <a:bodyPr rtlCol="0" anchor="ctr"/>
+          <a:lstStyle/>
+          <a:p>
+            <a:pPr algn="ctr"/>
+            <a:endParaRPr lang="en-US"/>
+          </a:p>
+        </p:txBody>
+      </p:sp>
+      <p:sp>
+        <p:nvSpPr>
+          <p:cNvPr id="11" name="Rectangle 10">
+            <a:extLst>
+              <a:ext uri="{FF2B5EF4-FFF2-40B4-BE49-F238E27FC236}">
+                <a16:creationId xmlns:a16="http://schemas.microsoft.com/office/drawing/2014/main" id="{FE46779B-E035-AD58-B6D8-30B042E46B71}"/>
+              </a:ext>
+            </a:extLst>
+          </p:cNvPr>
+          <p:cNvSpPr/>
+          <p:nvPr/>
+        </p:nvSpPr>
+        <p:spPr>
+          <a:xfrm>
+            <a:off x="7781731" y="4796323"/>
+            <a:ext cx="2006081" cy="1175657"/>
+          </a:xfrm>
+          <a:prstGeom prst="rect">
+            <a:avLst/>
+          </a:prstGeom>
+          <a:solidFill>
+            <a:srgbClr val="00B0F0"/>
+          </a:solidFill>
+        </p:spPr>
+        <p:style>
+          <a:lnRef idx="2">
+            <a:schemeClr val="accent1">
+              <a:shade val="50000"/>
+            </a:schemeClr>
+          </a:lnRef>
+          <a:fillRef idx="1">
+            <a:schemeClr val="accent1"/>
+          </a:fillRef>
+          <a:effectRef idx="0">
+            <a:schemeClr val="accent1"/>
+          </a:effectRef>
+          <a:fontRef idx="minor">
+            <a:schemeClr val="lt1"/>
+          </a:fontRef>
+        </p:style>
+        <p:txBody>
+          <a:bodyPr rtlCol="0" anchor="ctr"/>
+          <a:lstStyle/>
+          <a:p>
+            <a:pPr algn="ctr"/>
+            <a:r>
+              <a:rPr lang="en-IN" dirty="0"/>
+              <a:t>DAL 3 for DB 3</a:t>
+            </a:r>
+            <a:endParaRPr lang="en-US" dirty="0"/>
+          </a:p>
+        </p:txBody>
+      </p:sp>
+      <p:sp>
+        <p:nvSpPr>
+          <p:cNvPr id="12" name="Arrow: Left-Right 11">
+            <a:extLst>
+              <a:ext uri="{FF2B5EF4-FFF2-40B4-BE49-F238E27FC236}">
+                <a16:creationId xmlns:a16="http://schemas.microsoft.com/office/drawing/2014/main" id="{F580C194-E85B-50E8-7F56-A33F0769484A}"/>
+              </a:ext>
+            </a:extLst>
+          </p:cNvPr>
+          <p:cNvSpPr/>
+          <p:nvPr/>
+        </p:nvSpPr>
+        <p:spPr>
+          <a:xfrm>
+            <a:off x="9769151" y="5247306"/>
+            <a:ext cx="783772" cy="369332"/>
+          </a:xfrm>
+          <a:prstGeom prst="leftRightArrow">
+            <a:avLst/>
+          </a:prstGeom>
+          <a:solidFill>
+            <a:srgbClr val="FF0000"/>
+          </a:solidFill>
+        </p:spPr>
+        <p:style>
+          <a:lnRef idx="2">
+            <a:schemeClr val="accent1">
+              <a:shade val="50000"/>
+            </a:schemeClr>
+          </a:lnRef>
+          <a:fillRef idx="1">
+            <a:schemeClr val="accent1"/>
+          </a:fillRef>
+          <a:effectRef idx="0">
+            <a:schemeClr val="accent1"/>
+          </a:effectRef>
+          <a:fontRef idx="minor">
+            <a:schemeClr val="lt1"/>
+          </a:fontRef>
+        </p:style>
+        <p:txBody>
+          <a:bodyPr rtlCol="0" anchor="ctr"/>
+          <a:lstStyle/>
+          <a:p>
+            <a:pPr algn="ctr"/>
+            <a:endParaRPr lang="en-US"/>
+          </a:p>
+        </p:txBody>
+      </p:sp>
+      <p:sp>
+        <p:nvSpPr>
+          <p:cNvPr id="13" name="Rectangle 12">
+            <a:extLst>
+              <a:ext uri="{FF2B5EF4-FFF2-40B4-BE49-F238E27FC236}">
+                <a16:creationId xmlns:a16="http://schemas.microsoft.com/office/drawing/2014/main" id="{9D24D324-C85B-841C-F379-FCA44B5AAA86}"/>
+              </a:ext>
+            </a:extLst>
+          </p:cNvPr>
+          <p:cNvSpPr/>
+          <p:nvPr/>
+        </p:nvSpPr>
+        <p:spPr>
+          <a:xfrm>
+            <a:off x="4320073" y="1822383"/>
+            <a:ext cx="2537927" cy="3390514"/>
+          </a:xfrm>
+          <a:prstGeom prst="rect">
+            <a:avLst/>
+          </a:prstGeom>
+          <a:solidFill>
+            <a:schemeClr val="accent2">
+              <a:lumMod val="60000"/>
+              <a:lumOff val="40000"/>
+            </a:schemeClr>
+          </a:solidFill>
+        </p:spPr>
+        <p:style>
+          <a:lnRef idx="2">
+            <a:schemeClr val="accent1">
+              <a:shade val="50000"/>
+            </a:schemeClr>
+          </a:lnRef>
+          <a:fillRef idx="1">
+            <a:schemeClr val="accent1"/>
+          </a:fillRef>
+          <a:effectRef idx="0">
+            <a:schemeClr val="accent1"/>
+          </a:effectRef>
+          <a:fontRef idx="minor">
+            <a:schemeClr val="lt1"/>
+          </a:fontRef>
+        </p:style>
+        <p:txBody>
+          <a:bodyPr rtlCol="0" anchor="ctr"/>
+          <a:lstStyle/>
+          <a:p>
+            <a:pPr algn="ctr"/>
+            <a:r>
+              <a:rPr lang="en-IN" b="1" dirty="0"/>
+              <a:t>The Repository Layer That will Separate the DAL from the MAIN UI Application so that, the UI application can use any DAL Dynamically</a:t>
+            </a:r>
+            <a:endParaRPr lang="en-US" b="1" dirty="0"/>
+          </a:p>
+        </p:txBody>
+      </p:sp>
+      <p:cxnSp>
+        <p:nvCxnSpPr>
+          <p:cNvPr id="17" name="Connector: Elbow 16">
+            <a:extLst>
+              <a:ext uri="{FF2B5EF4-FFF2-40B4-BE49-F238E27FC236}">
+                <a16:creationId xmlns:a16="http://schemas.microsoft.com/office/drawing/2014/main" id="{0C61F86A-02BF-FF99-5A13-EED09DDE2661}"/>
+              </a:ext>
+            </a:extLst>
+          </p:cNvPr>
+          <p:cNvCxnSpPr>
+            <a:stCxn id="13" idx="3"/>
+            <a:endCxn id="7" idx="1"/>
+          </p:cNvCxnSpPr>
+          <p:nvPr/>
+        </p:nvCxnSpPr>
+        <p:spPr>
+          <a:xfrm flipV="1">
+            <a:off x="6858000" y="1903445"/>
+            <a:ext cx="923731" cy="1614195"/>
+          </a:xfrm>
+          <a:prstGeom prst="bentConnector3">
+            <a:avLst/>
+          </a:prstGeom>
+          <a:ln w="76200">
+            <a:solidFill>
+              <a:srgbClr val="FF0000"/>
+            </a:solidFill>
+            <a:tailEnd type="triangle"/>
+          </a:ln>
+        </p:spPr>
+        <p:style>
+          <a:lnRef idx="1">
+            <a:schemeClr val="accent1"/>
+          </a:lnRef>
+          <a:fillRef idx="0">
+            <a:schemeClr val="accent1"/>
+          </a:fillRef>
+          <a:effectRef idx="0">
+            <a:schemeClr val="accent1"/>
+          </a:effectRef>
+          <a:fontRef idx="minor">
+            <a:schemeClr val="tx1"/>
+          </a:fontRef>
+        </p:style>
+      </p:cxnSp>
+      <p:cxnSp>
+        <p:nvCxnSpPr>
+          <p:cNvPr id="19" name="Connector: Elbow 18">
+            <a:extLst>
+              <a:ext uri="{FF2B5EF4-FFF2-40B4-BE49-F238E27FC236}">
+                <a16:creationId xmlns:a16="http://schemas.microsoft.com/office/drawing/2014/main" id="{51832DD2-8104-2769-D31B-8B6E9353C53B}"/>
+              </a:ext>
+            </a:extLst>
+          </p:cNvPr>
+          <p:cNvCxnSpPr>
+            <a:stCxn id="13" idx="3"/>
+            <a:endCxn id="9" idx="1"/>
+          </p:cNvCxnSpPr>
+          <p:nvPr/>
+        </p:nvCxnSpPr>
+        <p:spPr>
+          <a:xfrm>
+            <a:off x="6858000" y="3517640"/>
+            <a:ext cx="923731" cy="293917"/>
+          </a:xfrm>
+          <a:prstGeom prst="bentConnector3">
+            <a:avLst/>
+          </a:prstGeom>
+          <a:ln w="76200">
+            <a:solidFill>
+              <a:srgbClr val="FF0000"/>
+            </a:solidFill>
+            <a:tailEnd type="triangle"/>
+          </a:ln>
+        </p:spPr>
+        <p:style>
+          <a:lnRef idx="1">
+            <a:schemeClr val="accent1"/>
+          </a:lnRef>
+          <a:fillRef idx="0">
+            <a:schemeClr val="accent1"/>
+          </a:fillRef>
+          <a:effectRef idx="0">
+            <a:schemeClr val="accent1"/>
+          </a:effectRef>
+          <a:fontRef idx="minor">
+            <a:schemeClr val="tx1"/>
+          </a:fontRef>
+        </p:style>
+      </p:cxnSp>
+      <p:cxnSp>
+        <p:nvCxnSpPr>
+          <p:cNvPr id="21" name="Connector: Elbow 20">
+            <a:extLst>
+              <a:ext uri="{FF2B5EF4-FFF2-40B4-BE49-F238E27FC236}">
+                <a16:creationId xmlns:a16="http://schemas.microsoft.com/office/drawing/2014/main" id="{DCEC2076-D76A-6615-19CB-270887788848}"/>
+              </a:ext>
+            </a:extLst>
+          </p:cNvPr>
+          <p:cNvCxnSpPr>
+            <a:stCxn id="13" idx="3"/>
+            <a:endCxn id="11" idx="1"/>
+          </p:cNvCxnSpPr>
+          <p:nvPr/>
+        </p:nvCxnSpPr>
+        <p:spPr>
+          <a:xfrm>
+            <a:off x="6858000" y="3517640"/>
+            <a:ext cx="923731" cy="1866512"/>
+          </a:xfrm>
+          <a:prstGeom prst="bentConnector3">
+            <a:avLst/>
+          </a:prstGeom>
+          <a:ln w="76200">
+            <a:solidFill>
+              <a:srgbClr val="FF0000"/>
+            </a:solidFill>
+            <a:tailEnd type="triangle"/>
+          </a:ln>
+        </p:spPr>
+        <p:style>
+          <a:lnRef idx="1">
+            <a:schemeClr val="accent1"/>
+          </a:lnRef>
+          <a:fillRef idx="0">
+            <a:schemeClr val="accent1"/>
+          </a:fillRef>
+          <a:effectRef idx="0">
+            <a:schemeClr val="accent1"/>
+          </a:effectRef>
+          <a:fontRef idx="minor">
+            <a:schemeClr val="tx1"/>
+          </a:fontRef>
+        </p:style>
+      </p:cxnSp>
+      <p:sp>
+        <p:nvSpPr>
+          <p:cNvPr id="25" name="Rectangle: Rounded Corners 24">
+            <a:extLst>
+              <a:ext uri="{FF2B5EF4-FFF2-40B4-BE49-F238E27FC236}">
+                <a16:creationId xmlns:a16="http://schemas.microsoft.com/office/drawing/2014/main" id="{67BBE0AE-DDEE-AA41-6770-75D170C41A91}"/>
+              </a:ext>
+            </a:extLst>
+          </p:cNvPr>
+          <p:cNvSpPr/>
+          <p:nvPr/>
+        </p:nvSpPr>
+        <p:spPr>
+          <a:xfrm>
+            <a:off x="2416629" y="1987420"/>
+            <a:ext cx="1464906" cy="2808903"/>
+          </a:xfrm>
+          <a:prstGeom prst="roundRect">
+            <a:avLst/>
+          </a:prstGeom>
+        </p:spPr>
+        <p:style>
+          <a:lnRef idx="2">
+            <a:schemeClr val="accent1">
+              <a:shade val="50000"/>
+            </a:schemeClr>
+          </a:lnRef>
+          <a:fillRef idx="1">
+            <a:schemeClr val="accent1"/>
+          </a:fillRef>
+          <a:effectRef idx="0">
+            <a:schemeClr val="accent1"/>
+          </a:effectRef>
+          <a:fontRef idx="minor">
+            <a:schemeClr val="lt1"/>
+          </a:fontRef>
+        </p:style>
+        <p:txBody>
+          <a:bodyPr rtlCol="0" anchor="ctr"/>
+          <a:lstStyle/>
+          <a:p>
+            <a:pPr algn="ctr"/>
+            <a:r>
+              <a:rPr lang="en-IN" dirty="0"/>
+              <a:t>Main Domain Layer</a:t>
+            </a:r>
+          </a:p>
+          <a:p>
+            <a:pPr algn="ctr"/>
+            <a:r>
+              <a:rPr lang="en-IN" dirty="0"/>
+              <a:t>AKA</a:t>
+            </a:r>
+          </a:p>
+          <a:p>
+            <a:pPr algn="ctr"/>
+            <a:r>
+              <a:rPr lang="en-IN"/>
+              <a:t>Business Layer</a:t>
+            </a:r>
+            <a:endParaRPr lang="en-US" dirty="0"/>
+          </a:p>
+        </p:txBody>
+      </p:sp>
+    </p:spTree>
+    <p:extLst>
+      <p:ext uri="{BB962C8B-B14F-4D97-AF65-F5344CB8AC3E}">
+        <p14:creationId xmlns:p14="http://schemas.microsoft.com/office/powerpoint/2010/main" val="137243385"/>
       </p:ext>
     </p:extLst>
   </p:cSld>

--- a/Training_Images.pptx
+++ b/Training_Images.pptx
@@ -15114,7 +15114,7 @@
         <p:spPr>
           <a:xfrm>
             <a:off x="7632441" y="657808"/>
-            <a:ext cx="2351315" cy="5719664"/>
+            <a:ext cx="2351315" cy="5442859"/>
           </a:xfrm>
           <a:prstGeom prst="rect">
             <a:avLst/>
@@ -15500,8 +15500,8 @@
         </p:nvSpPr>
         <p:spPr>
           <a:xfrm>
-            <a:off x="4320073" y="1822383"/>
-            <a:ext cx="2537927" cy="3390514"/>
+            <a:off x="4758611" y="1822383"/>
+            <a:ext cx="2099389" cy="3390514"/>
           </a:xfrm>
           <a:prstGeom prst="rect">
             <a:avLst/>
@@ -15552,6 +15552,7 @@
             </a:extLst>
           </p:cNvPr>
           <p:cNvCxnSpPr>
+            <a:cxnSpLocks/>
             <a:stCxn id="13" idx="3"/>
             <a:endCxn id="7" idx="1"/>
           </p:cNvCxnSpPr>
@@ -15597,6 +15598,7 @@
             </a:extLst>
           </p:cNvPr>
           <p:cNvCxnSpPr>
+            <a:cxnSpLocks/>
             <a:stCxn id="13" idx="3"/>
             <a:endCxn id="9" idx="1"/>
           </p:cNvCxnSpPr>
@@ -15642,6 +15644,7 @@
             </a:extLst>
           </p:cNvPr>
           <p:cNvCxnSpPr>
+            <a:cxnSpLocks/>
             <a:stCxn id="13" idx="3"/>
             <a:endCxn id="11" idx="1"/>
           </p:cNvCxnSpPr>
@@ -15691,7 +15694,7 @@
         </p:nvSpPr>
         <p:spPr>
           <a:xfrm>
-            <a:off x="2416629" y="1987420"/>
+            <a:off x="2833399" y="2024548"/>
             <a:ext cx="1464906" cy="2808903"/>
           </a:xfrm>
           <a:prstGeom prst="roundRect">
@@ -15734,13 +15737,939 @@
           <a:p>
             <a:pPr algn="ctr"/>
             <a:r>
-              <a:rPr lang="en-IN"/>
+              <a:rPr lang="en-IN" dirty="0"/>
               <a:t>Business Layer</a:t>
             </a:r>
             <a:endParaRPr lang="en-US" dirty="0"/>
           </a:p>
         </p:txBody>
       </p:sp>
+      <p:sp>
+        <p:nvSpPr>
+          <p:cNvPr id="26" name="Arrow: Left-Right 25">
+            <a:extLst>
+              <a:ext uri="{FF2B5EF4-FFF2-40B4-BE49-F238E27FC236}">
+                <a16:creationId xmlns:a16="http://schemas.microsoft.com/office/drawing/2014/main" id="{5C1384EB-4AAD-713C-F8CA-A9C42A05A450}"/>
+              </a:ext>
+            </a:extLst>
+          </p:cNvPr>
+          <p:cNvSpPr/>
+          <p:nvPr/>
+        </p:nvSpPr>
+        <p:spPr>
+          <a:xfrm>
+            <a:off x="4296748" y="3256385"/>
+            <a:ext cx="438538" cy="307910"/>
+          </a:xfrm>
+          <a:prstGeom prst="leftRightArrow">
+            <a:avLst/>
+          </a:prstGeom>
+          <a:solidFill>
+            <a:srgbClr val="FF0000"/>
+          </a:solidFill>
+        </p:spPr>
+        <p:style>
+          <a:lnRef idx="2">
+            <a:schemeClr val="accent1">
+              <a:shade val="50000"/>
+            </a:schemeClr>
+          </a:lnRef>
+          <a:fillRef idx="1">
+            <a:schemeClr val="accent1"/>
+          </a:fillRef>
+          <a:effectRef idx="0">
+            <a:schemeClr val="accent1"/>
+          </a:effectRef>
+          <a:fontRef idx="minor">
+            <a:schemeClr val="lt1"/>
+          </a:fontRef>
+        </p:style>
+        <p:txBody>
+          <a:bodyPr rtlCol="0" anchor="ctr"/>
+          <a:lstStyle/>
+          <a:p>
+            <a:pPr algn="ctr"/>
+            <a:endParaRPr lang="en-US"/>
+          </a:p>
+        </p:txBody>
+      </p:sp>
+      <p:sp>
+        <p:nvSpPr>
+          <p:cNvPr id="27" name="Rectangle: Rounded Corners 26">
+            <a:extLst>
+              <a:ext uri="{FF2B5EF4-FFF2-40B4-BE49-F238E27FC236}">
+                <a16:creationId xmlns:a16="http://schemas.microsoft.com/office/drawing/2014/main" id="{4728F8A0-D96D-BE0D-8695-FA8F8FA6AF66}"/>
+              </a:ext>
+            </a:extLst>
+          </p:cNvPr>
+          <p:cNvSpPr/>
+          <p:nvPr/>
+        </p:nvSpPr>
+        <p:spPr>
+          <a:xfrm>
+            <a:off x="363902" y="1773596"/>
+            <a:ext cx="1059919" cy="1459463"/>
+          </a:xfrm>
+          <a:prstGeom prst="roundRect">
+            <a:avLst/>
+          </a:prstGeom>
+        </p:spPr>
+        <p:style>
+          <a:lnRef idx="2">
+            <a:schemeClr val="dk1">
+              <a:shade val="50000"/>
+            </a:schemeClr>
+          </a:lnRef>
+          <a:fillRef idx="1">
+            <a:schemeClr val="dk1"/>
+          </a:fillRef>
+          <a:effectRef idx="0">
+            <a:schemeClr val="dk1"/>
+          </a:effectRef>
+          <a:fontRef idx="minor">
+            <a:schemeClr val="lt1"/>
+          </a:fontRef>
+        </p:style>
+        <p:txBody>
+          <a:bodyPr rtlCol="0" anchor="ctr"/>
+          <a:lstStyle/>
+          <a:p>
+            <a:pPr algn="ctr"/>
+            <a:r>
+              <a:rPr lang="en-IN" b="1" dirty="0"/>
+              <a:t>MVC UI</a:t>
+            </a:r>
+          </a:p>
+          <a:p>
+            <a:pPr algn="ctr"/>
+            <a:r>
+              <a:rPr lang="en-IN" b="1" dirty="0"/>
+              <a:t>App</a:t>
+            </a:r>
+            <a:endParaRPr lang="en-US" b="1" dirty="0"/>
+          </a:p>
+        </p:txBody>
+      </p:sp>
+      <p:sp>
+        <p:nvSpPr>
+          <p:cNvPr id="28" name="Arrow: Left-Right 27">
+            <a:extLst>
+              <a:ext uri="{FF2B5EF4-FFF2-40B4-BE49-F238E27FC236}">
+                <a16:creationId xmlns:a16="http://schemas.microsoft.com/office/drawing/2014/main" id="{55F8F9E1-38A4-D47F-3241-B56A34F8E8D4}"/>
+              </a:ext>
+            </a:extLst>
+          </p:cNvPr>
+          <p:cNvSpPr/>
+          <p:nvPr/>
+        </p:nvSpPr>
+        <p:spPr>
+          <a:xfrm>
+            <a:off x="1423821" y="2367066"/>
+            <a:ext cx="1450795" cy="307910"/>
+          </a:xfrm>
+          <a:prstGeom prst="leftRightArrow">
+            <a:avLst/>
+          </a:prstGeom>
+          <a:solidFill>
+            <a:srgbClr val="FF0000"/>
+          </a:solidFill>
+        </p:spPr>
+        <p:style>
+          <a:lnRef idx="2">
+            <a:schemeClr val="accent1">
+              <a:shade val="50000"/>
+            </a:schemeClr>
+          </a:lnRef>
+          <a:fillRef idx="1">
+            <a:schemeClr val="accent1"/>
+          </a:fillRef>
+          <a:effectRef idx="0">
+            <a:schemeClr val="accent1"/>
+          </a:effectRef>
+          <a:fontRef idx="minor">
+            <a:schemeClr val="lt1"/>
+          </a:fontRef>
+        </p:style>
+        <p:txBody>
+          <a:bodyPr rtlCol="0" anchor="ctr"/>
+          <a:lstStyle/>
+          <a:p>
+            <a:pPr algn="ctr"/>
+            <a:endParaRPr lang="en-US"/>
+          </a:p>
+        </p:txBody>
+      </p:sp>
+      <p:sp>
+        <p:nvSpPr>
+          <p:cNvPr id="29" name="Rectangle: Rounded Corners 28">
+            <a:extLst>
+              <a:ext uri="{FF2B5EF4-FFF2-40B4-BE49-F238E27FC236}">
+                <a16:creationId xmlns:a16="http://schemas.microsoft.com/office/drawing/2014/main" id="{01D49B61-EE81-B1B1-8E4A-641696D0EF44}"/>
+              </a:ext>
+            </a:extLst>
+          </p:cNvPr>
+          <p:cNvSpPr/>
+          <p:nvPr/>
+        </p:nvSpPr>
+        <p:spPr>
+          <a:xfrm>
+            <a:off x="759678" y="3458748"/>
+            <a:ext cx="1595536" cy="1459463"/>
+          </a:xfrm>
+          <a:prstGeom prst="roundRect">
+            <a:avLst/>
+          </a:prstGeom>
+          <a:solidFill>
+            <a:srgbClr val="7030A0"/>
+          </a:solidFill>
+        </p:spPr>
+        <p:style>
+          <a:lnRef idx="2">
+            <a:schemeClr val="dk1">
+              <a:shade val="50000"/>
+            </a:schemeClr>
+          </a:lnRef>
+          <a:fillRef idx="1">
+            <a:schemeClr val="dk1"/>
+          </a:fillRef>
+          <a:effectRef idx="0">
+            <a:schemeClr val="dk1"/>
+          </a:effectRef>
+          <a:fontRef idx="minor">
+            <a:schemeClr val="lt1"/>
+          </a:fontRef>
+        </p:style>
+        <p:txBody>
+          <a:bodyPr rtlCol="0" anchor="ctr"/>
+          <a:lstStyle/>
+          <a:p>
+            <a:pPr algn="ctr"/>
+            <a:r>
+              <a:rPr lang="en-IN" b="1" dirty="0"/>
+              <a:t>REST APIs</a:t>
+            </a:r>
+            <a:endParaRPr lang="en-US" b="1" dirty="0"/>
+          </a:p>
+        </p:txBody>
+      </p:sp>
+      <p:sp>
+        <p:nvSpPr>
+          <p:cNvPr id="30" name="Arrow: Left-Right 29">
+            <a:extLst>
+              <a:ext uri="{FF2B5EF4-FFF2-40B4-BE49-F238E27FC236}">
+                <a16:creationId xmlns:a16="http://schemas.microsoft.com/office/drawing/2014/main" id="{3E45273E-0657-A723-F216-B3D3E1B6EF8C}"/>
+              </a:ext>
+            </a:extLst>
+          </p:cNvPr>
+          <p:cNvSpPr/>
+          <p:nvPr/>
+        </p:nvSpPr>
+        <p:spPr>
+          <a:xfrm>
+            <a:off x="2307005" y="3919836"/>
+            <a:ext cx="581607" cy="307910"/>
+          </a:xfrm>
+          <a:prstGeom prst="leftRightArrow">
+            <a:avLst/>
+          </a:prstGeom>
+          <a:solidFill>
+            <a:srgbClr val="FF0000"/>
+          </a:solidFill>
+        </p:spPr>
+        <p:style>
+          <a:lnRef idx="2">
+            <a:schemeClr val="accent1">
+              <a:shade val="50000"/>
+            </a:schemeClr>
+          </a:lnRef>
+          <a:fillRef idx="1">
+            <a:schemeClr val="accent1"/>
+          </a:fillRef>
+          <a:effectRef idx="0">
+            <a:schemeClr val="accent1"/>
+          </a:effectRef>
+          <a:fontRef idx="minor">
+            <a:schemeClr val="lt1"/>
+          </a:fontRef>
+        </p:style>
+        <p:txBody>
+          <a:bodyPr rtlCol="0" anchor="ctr"/>
+          <a:lstStyle/>
+          <a:p>
+            <a:pPr algn="ctr"/>
+            <a:endParaRPr lang="en-US"/>
+          </a:p>
+        </p:txBody>
+      </p:sp>
+      <p:sp>
+        <p:nvSpPr>
+          <p:cNvPr id="31" name="Cube 30">
+            <a:extLst>
+              <a:ext uri="{FF2B5EF4-FFF2-40B4-BE49-F238E27FC236}">
+                <a16:creationId xmlns:a16="http://schemas.microsoft.com/office/drawing/2014/main" id="{5235A40A-FE03-7993-02B4-96052B44C98B}"/>
+              </a:ext>
+            </a:extLst>
+          </p:cNvPr>
+          <p:cNvSpPr/>
+          <p:nvPr/>
+        </p:nvSpPr>
+        <p:spPr>
+          <a:xfrm>
+            <a:off x="80865" y="5212897"/>
+            <a:ext cx="1849014" cy="1459463"/>
+          </a:xfrm>
+          <a:prstGeom prst="cube">
+            <a:avLst>
+              <a:gd name="adj" fmla="val 14704"/>
+            </a:avLst>
+          </a:prstGeom>
+        </p:spPr>
+        <p:style>
+          <a:lnRef idx="1">
+            <a:schemeClr val="accent6"/>
+          </a:lnRef>
+          <a:fillRef idx="2">
+            <a:schemeClr val="accent6"/>
+          </a:fillRef>
+          <a:effectRef idx="1">
+            <a:schemeClr val="accent6"/>
+          </a:effectRef>
+          <a:fontRef idx="minor">
+            <a:schemeClr val="dk1"/>
+          </a:fontRef>
+        </p:style>
+        <p:txBody>
+          <a:bodyPr rtlCol="0" anchor="ctr"/>
+          <a:lstStyle/>
+          <a:p>
+            <a:pPr algn="ctr"/>
+            <a:r>
+              <a:rPr lang="en-IN" sz="1600" b="1" dirty="0"/>
+              <a:t>JavaScript Client App</a:t>
+            </a:r>
+          </a:p>
+          <a:p>
+            <a:pPr algn="ctr"/>
+            <a:r>
+              <a:rPr lang="en-IN" sz="1600" b="1" dirty="0"/>
+              <a:t>e.g.</a:t>
+            </a:r>
+          </a:p>
+          <a:p>
+            <a:pPr algn="ctr"/>
+            <a:r>
+              <a:rPr lang="en-IN" sz="1600" b="1" dirty="0"/>
+              <a:t>React, Angular, Vue</a:t>
+            </a:r>
+            <a:endParaRPr lang="en-US" sz="1600" b="1" dirty="0"/>
+          </a:p>
+        </p:txBody>
+      </p:sp>
+      <p:sp>
+        <p:nvSpPr>
+          <p:cNvPr id="33" name="Parallelogram 32">
+            <a:extLst>
+              <a:ext uri="{FF2B5EF4-FFF2-40B4-BE49-F238E27FC236}">
+                <a16:creationId xmlns:a16="http://schemas.microsoft.com/office/drawing/2014/main" id="{17781741-3683-2655-36A6-0E0B3D723F84}"/>
+              </a:ext>
+            </a:extLst>
+          </p:cNvPr>
+          <p:cNvSpPr/>
+          <p:nvPr/>
+        </p:nvSpPr>
+        <p:spPr>
+          <a:xfrm>
+            <a:off x="233265" y="110021"/>
+            <a:ext cx="961054" cy="860363"/>
+          </a:xfrm>
+          <a:prstGeom prst="parallelogram">
+            <a:avLst/>
+          </a:prstGeom>
+        </p:spPr>
+        <p:style>
+          <a:lnRef idx="2">
+            <a:schemeClr val="accent1">
+              <a:shade val="50000"/>
+            </a:schemeClr>
+          </a:lnRef>
+          <a:fillRef idx="1">
+            <a:schemeClr val="accent1"/>
+          </a:fillRef>
+          <a:effectRef idx="0">
+            <a:schemeClr val="accent1"/>
+          </a:effectRef>
+          <a:fontRef idx="minor">
+            <a:schemeClr val="lt1"/>
+          </a:fontRef>
+        </p:style>
+        <p:txBody>
+          <a:bodyPr rtlCol="0" anchor="ctr"/>
+          <a:lstStyle/>
+          <a:p>
+            <a:pPr algn="ctr"/>
+            <a:r>
+              <a:rPr lang="en-IN" dirty="0"/>
+              <a:t>Browser</a:t>
+            </a:r>
+            <a:endParaRPr lang="en-US" dirty="0"/>
+          </a:p>
+        </p:txBody>
+      </p:sp>
+      <p:cxnSp>
+        <p:nvCxnSpPr>
+          <p:cNvPr id="39" name="Connector: Elbow 38">
+            <a:extLst>
+              <a:ext uri="{FF2B5EF4-FFF2-40B4-BE49-F238E27FC236}">
+                <a16:creationId xmlns:a16="http://schemas.microsoft.com/office/drawing/2014/main" id="{3535FB70-9112-774A-4C45-AB46A35884C2}"/>
+              </a:ext>
+            </a:extLst>
+          </p:cNvPr>
+          <p:cNvCxnSpPr>
+            <a:cxnSpLocks/>
+            <a:stCxn id="33" idx="3"/>
+            <a:endCxn id="27" idx="1"/>
+          </p:cNvCxnSpPr>
+          <p:nvPr/>
+        </p:nvCxnSpPr>
+        <p:spPr>
+          <a:xfrm rot="5400000">
+            <a:off x="-281397" y="1615684"/>
+            <a:ext cx="1532944" cy="242345"/>
+          </a:xfrm>
+          <a:prstGeom prst="bentConnector4">
+            <a:avLst>
+              <a:gd name="adj1" fmla="val 26198"/>
+              <a:gd name="adj2" fmla="val 194328"/>
+            </a:avLst>
+          </a:prstGeom>
+          <a:ln w="76200">
+            <a:solidFill>
+              <a:srgbClr val="FF0000"/>
+            </a:solidFill>
+            <a:headEnd type="triangle"/>
+            <a:tailEnd type="triangle"/>
+          </a:ln>
+        </p:spPr>
+        <p:style>
+          <a:lnRef idx="1">
+            <a:schemeClr val="accent1"/>
+          </a:lnRef>
+          <a:fillRef idx="0">
+            <a:schemeClr val="accent1"/>
+          </a:fillRef>
+          <a:effectRef idx="0">
+            <a:schemeClr val="accent1"/>
+          </a:effectRef>
+          <a:fontRef idx="minor">
+            <a:schemeClr val="tx1"/>
+          </a:fontRef>
+        </p:style>
+      </p:cxnSp>
+      <p:cxnSp>
+        <p:nvCxnSpPr>
+          <p:cNvPr id="41" name="Connector: Elbow 40">
+            <a:extLst>
+              <a:ext uri="{FF2B5EF4-FFF2-40B4-BE49-F238E27FC236}">
+                <a16:creationId xmlns:a16="http://schemas.microsoft.com/office/drawing/2014/main" id="{C8E4576E-31D9-4C43-13D5-0FB9269C3645}"/>
+              </a:ext>
+            </a:extLst>
+          </p:cNvPr>
+          <p:cNvCxnSpPr>
+            <a:stCxn id="31" idx="0"/>
+            <a:endCxn id="29" idx="1"/>
+          </p:cNvCxnSpPr>
+          <p:nvPr/>
+        </p:nvCxnSpPr>
+        <p:spPr>
+          <a:xfrm rot="16200000" flipV="1">
+            <a:off x="423967" y="4524192"/>
+            <a:ext cx="1024417" cy="352994"/>
+          </a:xfrm>
+          <a:prstGeom prst="bentConnector4">
+            <a:avLst>
+              <a:gd name="adj1" fmla="val 14383"/>
+              <a:gd name="adj2" fmla="val 277763"/>
+            </a:avLst>
+          </a:prstGeom>
+          <a:ln w="76200">
+            <a:solidFill>
+              <a:srgbClr val="FF0000"/>
+            </a:solidFill>
+            <a:headEnd type="triangle"/>
+            <a:tailEnd type="triangle"/>
+          </a:ln>
+        </p:spPr>
+        <p:style>
+          <a:lnRef idx="1">
+            <a:schemeClr val="accent1"/>
+          </a:lnRef>
+          <a:fillRef idx="0">
+            <a:schemeClr val="accent1"/>
+          </a:fillRef>
+          <a:effectRef idx="0">
+            <a:schemeClr val="accent1"/>
+          </a:effectRef>
+          <a:fontRef idx="minor">
+            <a:schemeClr val="tx1"/>
+          </a:fontRef>
+        </p:style>
+      </p:cxnSp>
+      <p:sp>
+        <p:nvSpPr>
+          <p:cNvPr id="43" name="Rectangle 42">
+            <a:extLst>
+              <a:ext uri="{FF2B5EF4-FFF2-40B4-BE49-F238E27FC236}">
+                <a16:creationId xmlns:a16="http://schemas.microsoft.com/office/drawing/2014/main" id="{26CA1E70-BEE0-E643-DB36-CF19FF477A5A}"/>
+              </a:ext>
+            </a:extLst>
+          </p:cNvPr>
+          <p:cNvSpPr/>
+          <p:nvPr/>
+        </p:nvSpPr>
+        <p:spPr>
+          <a:xfrm>
+            <a:off x="1929879" y="113124"/>
+            <a:ext cx="7959013" cy="342518"/>
+          </a:xfrm>
+          <a:prstGeom prst="rect">
+            <a:avLst/>
+          </a:prstGeom>
+          <a:solidFill>
+            <a:srgbClr val="FFFF00"/>
+          </a:solidFill>
+        </p:spPr>
+        <p:style>
+          <a:lnRef idx="2">
+            <a:schemeClr val="accent1">
+              <a:shade val="50000"/>
+            </a:schemeClr>
+          </a:lnRef>
+          <a:fillRef idx="1">
+            <a:schemeClr val="accent1"/>
+          </a:fillRef>
+          <a:effectRef idx="0">
+            <a:schemeClr val="accent1"/>
+          </a:effectRef>
+          <a:fontRef idx="minor">
+            <a:schemeClr val="lt1"/>
+          </a:fontRef>
+        </p:style>
+        <p:txBody>
+          <a:bodyPr rtlCol="0" anchor="ctr"/>
+          <a:lstStyle/>
+          <a:p>
+            <a:pPr algn="ctr"/>
+            <a:r>
+              <a:rPr lang="en-IN" b="1" dirty="0">
+                <a:solidFill>
+                  <a:srgbClr val="FF0000"/>
+                </a:solidFill>
+              </a:rPr>
+              <a:t>Entities Layer</a:t>
+            </a:r>
+            <a:endParaRPr lang="en-US" b="1" dirty="0">
+              <a:solidFill>
+                <a:srgbClr val="FF0000"/>
+              </a:solidFill>
+            </a:endParaRPr>
+          </a:p>
+        </p:txBody>
+      </p:sp>
+      <p:sp>
+        <p:nvSpPr>
+          <p:cNvPr id="48" name="Arrow: Down 47">
+            <a:extLst>
+              <a:ext uri="{FF2B5EF4-FFF2-40B4-BE49-F238E27FC236}">
+                <a16:creationId xmlns:a16="http://schemas.microsoft.com/office/drawing/2014/main" id="{54D931F8-F2E1-F6B0-33DB-33B82136A43C}"/>
+              </a:ext>
+            </a:extLst>
+          </p:cNvPr>
+          <p:cNvSpPr/>
+          <p:nvPr/>
+        </p:nvSpPr>
+        <p:spPr>
+          <a:xfrm>
+            <a:off x="3527874" y="455641"/>
+            <a:ext cx="279016" cy="1568907"/>
+          </a:xfrm>
+          <a:prstGeom prst="downArrow">
+            <a:avLst/>
+          </a:prstGeom>
+        </p:spPr>
+        <p:style>
+          <a:lnRef idx="2">
+            <a:schemeClr val="accent1">
+              <a:shade val="50000"/>
+            </a:schemeClr>
+          </a:lnRef>
+          <a:fillRef idx="1">
+            <a:schemeClr val="accent1"/>
+          </a:fillRef>
+          <a:effectRef idx="0">
+            <a:schemeClr val="accent1"/>
+          </a:effectRef>
+          <a:fontRef idx="minor">
+            <a:schemeClr val="lt1"/>
+          </a:fontRef>
+        </p:style>
+        <p:txBody>
+          <a:bodyPr rtlCol="0" anchor="ctr"/>
+          <a:lstStyle/>
+          <a:p>
+            <a:pPr algn="ctr"/>
+            <a:endParaRPr lang="en-US"/>
+          </a:p>
+        </p:txBody>
+      </p:sp>
+      <p:sp>
+        <p:nvSpPr>
+          <p:cNvPr id="51" name="Arrow: Down 50">
+            <a:extLst>
+              <a:ext uri="{FF2B5EF4-FFF2-40B4-BE49-F238E27FC236}">
+                <a16:creationId xmlns:a16="http://schemas.microsoft.com/office/drawing/2014/main" id="{BC3E428B-27E3-72A9-C550-46CEF95A0D49}"/>
+              </a:ext>
+            </a:extLst>
+          </p:cNvPr>
+          <p:cNvSpPr/>
+          <p:nvPr/>
+        </p:nvSpPr>
+        <p:spPr>
+          <a:xfrm>
+            <a:off x="5794310" y="465555"/>
+            <a:ext cx="224721" cy="1356828"/>
+          </a:xfrm>
+          <a:prstGeom prst="downArrow">
+            <a:avLst/>
+          </a:prstGeom>
+        </p:spPr>
+        <p:style>
+          <a:lnRef idx="2">
+            <a:schemeClr val="accent1">
+              <a:shade val="50000"/>
+            </a:schemeClr>
+          </a:lnRef>
+          <a:fillRef idx="1">
+            <a:schemeClr val="accent1"/>
+          </a:fillRef>
+          <a:effectRef idx="0">
+            <a:schemeClr val="accent1"/>
+          </a:effectRef>
+          <a:fontRef idx="minor">
+            <a:schemeClr val="lt1"/>
+          </a:fontRef>
+        </p:style>
+        <p:txBody>
+          <a:bodyPr rtlCol="0" anchor="ctr"/>
+          <a:lstStyle/>
+          <a:p>
+            <a:pPr algn="ctr"/>
+            <a:endParaRPr lang="en-US"/>
+          </a:p>
+        </p:txBody>
+      </p:sp>
+      <p:sp>
+        <p:nvSpPr>
+          <p:cNvPr id="52" name="Arrow: Down 51">
+            <a:extLst>
+              <a:ext uri="{FF2B5EF4-FFF2-40B4-BE49-F238E27FC236}">
+                <a16:creationId xmlns:a16="http://schemas.microsoft.com/office/drawing/2014/main" id="{10A9D6BE-5191-1E9A-D72B-F750DC803827}"/>
+              </a:ext>
+            </a:extLst>
+          </p:cNvPr>
+          <p:cNvSpPr/>
+          <p:nvPr/>
+        </p:nvSpPr>
+        <p:spPr>
+          <a:xfrm>
+            <a:off x="8584163" y="455641"/>
+            <a:ext cx="279016" cy="202167"/>
+          </a:xfrm>
+          <a:prstGeom prst="downArrow">
+            <a:avLst/>
+          </a:prstGeom>
+        </p:spPr>
+        <p:style>
+          <a:lnRef idx="2">
+            <a:schemeClr val="accent1">
+              <a:shade val="50000"/>
+            </a:schemeClr>
+          </a:lnRef>
+          <a:fillRef idx="1">
+            <a:schemeClr val="accent1"/>
+          </a:fillRef>
+          <a:effectRef idx="0">
+            <a:schemeClr val="accent1"/>
+          </a:effectRef>
+          <a:fontRef idx="minor">
+            <a:schemeClr val="lt1"/>
+          </a:fontRef>
+        </p:style>
+        <p:txBody>
+          <a:bodyPr rtlCol="0" anchor="ctr"/>
+          <a:lstStyle/>
+          <a:p>
+            <a:pPr algn="ctr"/>
+            <a:endParaRPr lang="en-US"/>
+          </a:p>
+        </p:txBody>
+      </p:sp>
+      <p:cxnSp>
+        <p:nvCxnSpPr>
+          <p:cNvPr id="55" name="Connector: Elbow 54">
+            <a:extLst>
+              <a:ext uri="{FF2B5EF4-FFF2-40B4-BE49-F238E27FC236}">
+                <a16:creationId xmlns:a16="http://schemas.microsoft.com/office/drawing/2014/main" id="{D9B92B9C-50C7-9478-1028-9CBECA032F1E}"/>
+              </a:ext>
+            </a:extLst>
+          </p:cNvPr>
+          <p:cNvCxnSpPr>
+            <a:cxnSpLocks/>
+            <a:stCxn id="43" idx="1"/>
+            <a:endCxn id="27" idx="0"/>
+          </p:cNvCxnSpPr>
+          <p:nvPr/>
+        </p:nvCxnSpPr>
+        <p:spPr>
+          <a:xfrm rot="10800000" flipV="1">
+            <a:off x="893863" y="284382"/>
+            <a:ext cx="1036017" cy="1489213"/>
+          </a:xfrm>
+          <a:prstGeom prst="bentConnector2">
+            <a:avLst/>
+          </a:prstGeom>
+          <a:ln w="76200">
+            <a:solidFill>
+              <a:srgbClr val="FF0000"/>
+            </a:solidFill>
+            <a:tailEnd type="triangle"/>
+          </a:ln>
+        </p:spPr>
+        <p:style>
+          <a:lnRef idx="1">
+            <a:schemeClr val="accent1"/>
+          </a:lnRef>
+          <a:fillRef idx="0">
+            <a:schemeClr val="accent1"/>
+          </a:fillRef>
+          <a:effectRef idx="0">
+            <a:schemeClr val="accent1"/>
+          </a:effectRef>
+          <a:fontRef idx="minor">
+            <a:schemeClr val="tx1"/>
+          </a:fontRef>
+        </p:style>
+      </p:cxnSp>
+      <p:cxnSp>
+        <p:nvCxnSpPr>
+          <p:cNvPr id="58" name="Connector: Elbow 57">
+            <a:extLst>
+              <a:ext uri="{FF2B5EF4-FFF2-40B4-BE49-F238E27FC236}">
+                <a16:creationId xmlns:a16="http://schemas.microsoft.com/office/drawing/2014/main" id="{648DE223-0B2A-3141-74AE-82CDC765C664}"/>
+              </a:ext>
+            </a:extLst>
+          </p:cNvPr>
+          <p:cNvCxnSpPr>
+            <a:cxnSpLocks/>
+            <a:stCxn id="43" idx="2"/>
+            <a:endCxn id="29" idx="0"/>
+          </p:cNvCxnSpPr>
+          <p:nvPr/>
+        </p:nvCxnSpPr>
+        <p:spPr>
+          <a:xfrm rot="5400000">
+            <a:off x="2231863" y="-218775"/>
+            <a:ext cx="3003106" cy="4351940"/>
+          </a:xfrm>
+          <a:prstGeom prst="bentConnector3">
+            <a:avLst>
+              <a:gd name="adj1" fmla="val 50000"/>
+            </a:avLst>
+          </a:prstGeom>
+          <a:ln w="57150">
+            <a:solidFill>
+              <a:srgbClr val="FF0000"/>
+            </a:solidFill>
+            <a:tailEnd type="triangle"/>
+          </a:ln>
+        </p:spPr>
+        <p:style>
+          <a:lnRef idx="1">
+            <a:schemeClr val="accent1"/>
+          </a:lnRef>
+          <a:fillRef idx="0">
+            <a:schemeClr val="accent1"/>
+          </a:fillRef>
+          <a:effectRef idx="0">
+            <a:schemeClr val="accent1"/>
+          </a:effectRef>
+          <a:fontRef idx="minor">
+            <a:schemeClr val="tx1"/>
+          </a:fontRef>
+        </p:style>
+      </p:cxnSp>
+      <p:sp>
+        <p:nvSpPr>
+          <p:cNvPr id="67" name="TextBox 66">
+            <a:extLst>
+              <a:ext uri="{FF2B5EF4-FFF2-40B4-BE49-F238E27FC236}">
+                <a16:creationId xmlns:a16="http://schemas.microsoft.com/office/drawing/2014/main" id="{A56B85EB-C7E0-1623-817B-195412C06B8E}"/>
+              </a:ext>
+            </a:extLst>
+          </p:cNvPr>
+          <p:cNvSpPr txBox="1"/>
+          <p:nvPr/>
+        </p:nvSpPr>
+        <p:spPr>
+          <a:xfrm>
+            <a:off x="2612571" y="6316824"/>
+            <a:ext cx="7371185" cy="369332"/>
+          </a:xfrm>
+          <a:prstGeom prst="rect">
+            <a:avLst/>
+          </a:prstGeom>
+          <a:noFill/>
+        </p:spPr>
+        <p:txBody>
+          <a:bodyPr wrap="square" rtlCol="0">
+            <a:spAutoFit/>
+          </a:bodyPr>
+          <a:lstStyle/>
+          <a:p>
+            <a:pPr algn="ctr"/>
+            <a:r>
+              <a:rPr lang="en-IN" b="1" dirty="0"/>
+              <a:t>Library Projects</a:t>
+            </a:r>
+            <a:endParaRPr lang="en-US" b="1" dirty="0"/>
+          </a:p>
+        </p:txBody>
+      </p:sp>
+      <p:cxnSp>
+        <p:nvCxnSpPr>
+          <p:cNvPr id="69" name="Connector: Elbow 68">
+            <a:extLst>
+              <a:ext uri="{FF2B5EF4-FFF2-40B4-BE49-F238E27FC236}">
+                <a16:creationId xmlns:a16="http://schemas.microsoft.com/office/drawing/2014/main" id="{42DF0748-CA95-C9AA-F709-2945371F4AE0}"/>
+              </a:ext>
+            </a:extLst>
+          </p:cNvPr>
+          <p:cNvCxnSpPr>
+            <a:stCxn id="67" idx="0"/>
+            <a:endCxn id="25" idx="2"/>
+          </p:cNvCxnSpPr>
+          <p:nvPr/>
+        </p:nvCxnSpPr>
+        <p:spPr>
+          <a:xfrm rot="16200000" flipV="1">
+            <a:off x="4190322" y="4208982"/>
+            <a:ext cx="1483373" cy="2732312"/>
+          </a:xfrm>
+          <a:prstGeom prst="bentConnector3">
+            <a:avLst/>
+          </a:prstGeom>
+          <a:ln>
+            <a:tailEnd type="triangle"/>
+          </a:ln>
+        </p:spPr>
+        <p:style>
+          <a:lnRef idx="1">
+            <a:schemeClr val="accent1"/>
+          </a:lnRef>
+          <a:fillRef idx="0">
+            <a:schemeClr val="accent1"/>
+          </a:fillRef>
+          <a:effectRef idx="0">
+            <a:schemeClr val="accent1"/>
+          </a:effectRef>
+          <a:fontRef idx="minor">
+            <a:schemeClr val="tx1"/>
+          </a:fontRef>
+        </p:style>
+      </p:cxnSp>
+      <p:cxnSp>
+        <p:nvCxnSpPr>
+          <p:cNvPr id="71" name="Connector: Elbow 70">
+            <a:extLst>
+              <a:ext uri="{FF2B5EF4-FFF2-40B4-BE49-F238E27FC236}">
+                <a16:creationId xmlns:a16="http://schemas.microsoft.com/office/drawing/2014/main" id="{5B8763FB-F6D0-88F5-18C0-D70BD0F7257C}"/>
+              </a:ext>
+            </a:extLst>
+          </p:cNvPr>
+          <p:cNvCxnSpPr>
+            <a:stCxn id="67" idx="0"/>
+            <a:endCxn id="13" idx="2"/>
+          </p:cNvCxnSpPr>
+          <p:nvPr/>
+        </p:nvCxnSpPr>
+        <p:spPr>
+          <a:xfrm rot="16200000" flipV="1">
+            <a:off x="5501272" y="5519932"/>
+            <a:ext cx="1103927" cy="489858"/>
+          </a:xfrm>
+          <a:prstGeom prst="bentConnector3">
+            <a:avLst/>
+          </a:prstGeom>
+          <a:ln>
+            <a:tailEnd type="triangle"/>
+          </a:ln>
+        </p:spPr>
+        <p:style>
+          <a:lnRef idx="1">
+            <a:schemeClr val="accent1"/>
+          </a:lnRef>
+          <a:fillRef idx="0">
+            <a:schemeClr val="accent1"/>
+          </a:fillRef>
+          <a:effectRef idx="0">
+            <a:schemeClr val="accent1"/>
+          </a:effectRef>
+          <a:fontRef idx="minor">
+            <a:schemeClr val="tx1"/>
+          </a:fontRef>
+        </p:style>
+      </p:cxnSp>
+      <p:cxnSp>
+        <p:nvCxnSpPr>
+          <p:cNvPr id="73" name="Connector: Elbow 72">
+            <a:extLst>
+              <a:ext uri="{FF2B5EF4-FFF2-40B4-BE49-F238E27FC236}">
+                <a16:creationId xmlns:a16="http://schemas.microsoft.com/office/drawing/2014/main" id="{66CFC91D-909C-8A8D-E18E-9A92B2707C2B}"/>
+              </a:ext>
+            </a:extLst>
+          </p:cNvPr>
+          <p:cNvCxnSpPr>
+            <a:stCxn id="67" idx="0"/>
+            <a:endCxn id="5" idx="2"/>
+          </p:cNvCxnSpPr>
+          <p:nvPr/>
+        </p:nvCxnSpPr>
+        <p:spPr>
+          <a:xfrm rot="5400000" flipH="1" flipV="1">
+            <a:off x="7445053" y="4953779"/>
+            <a:ext cx="216157" cy="2509935"/>
+          </a:xfrm>
+          <a:prstGeom prst="bentConnector3">
+            <a:avLst/>
+          </a:prstGeom>
+          <a:ln>
+            <a:tailEnd type="triangle"/>
+          </a:ln>
+        </p:spPr>
+        <p:style>
+          <a:lnRef idx="1">
+            <a:schemeClr val="accent1"/>
+          </a:lnRef>
+          <a:fillRef idx="0">
+            <a:schemeClr val="accent1"/>
+          </a:fillRef>
+          <a:effectRef idx="0">
+            <a:schemeClr val="accent1"/>
+          </a:effectRef>
+          <a:fontRef idx="minor">
+            <a:schemeClr val="tx1"/>
+          </a:fontRef>
+        </p:style>
+      </p:cxnSp>
     </p:spTree>
     <p:extLst>
       <p:ext uri="{BB962C8B-B14F-4D97-AF65-F5344CB8AC3E}">

--- a/Training_Images.pptx
+++ b/Training_Images.pptx
@@ -25,6 +25,10 @@
     <p:sldId id="273" r:id="rId19"/>
     <p:sldId id="274" r:id="rId20"/>
     <p:sldId id="275" r:id="rId21"/>
+    <p:sldId id="276" r:id="rId22"/>
+    <p:sldId id="277" r:id="rId23"/>
+    <p:sldId id="278" r:id="rId24"/>
+    <p:sldId id="279" r:id="rId25"/>
   </p:sldIdLst>
   <p:sldSz cx="12192000" cy="6858000"/>
   <p:notesSz cx="6858000" cy="9144000"/>
@@ -16683,6 +16687,2714 @@
 </p:sld>
 </file>
 
+<file path=ppt/slides/slide21.xml><?xml version="1.0" encoding="utf-8"?>
+<p:sld xmlns:a="http://schemas.openxmlformats.org/drawingml/2006/main" xmlns:r="http://schemas.openxmlformats.org/officeDocument/2006/relationships" xmlns:p="http://schemas.openxmlformats.org/presentationml/2006/main">
+  <p:cSld>
+    <p:spTree>
+      <p:nvGrpSpPr>
+        <p:cNvPr id="1" name=""/>
+        <p:cNvGrpSpPr/>
+        <p:nvPr/>
+      </p:nvGrpSpPr>
+      <p:grpSpPr>
+        <a:xfrm>
+          <a:off x="0" y="0"/>
+          <a:ext cx="0" cy="0"/>
+          <a:chOff x="0" y="0"/>
+          <a:chExt cx="0" cy="0"/>
+        </a:xfrm>
+      </p:grpSpPr>
+      <p:sp>
+        <p:nvSpPr>
+          <p:cNvPr id="2" name="Rectangle 1">
+            <a:extLst>
+              <a:ext uri="{FF2B5EF4-FFF2-40B4-BE49-F238E27FC236}">
+                <a16:creationId xmlns:a16="http://schemas.microsoft.com/office/drawing/2014/main" id="{2E711932-8E7A-AE90-8FBB-8CECD3A3C3BF}"/>
+              </a:ext>
+            </a:extLst>
+          </p:cNvPr>
+          <p:cNvSpPr/>
+          <p:nvPr/>
+        </p:nvSpPr>
+        <p:spPr>
+          <a:xfrm>
+            <a:off x="5075852" y="279918"/>
+            <a:ext cx="5980923" cy="5421086"/>
+          </a:xfrm>
+          <a:prstGeom prst="rect">
+            <a:avLst/>
+          </a:prstGeom>
+        </p:spPr>
+        <p:style>
+          <a:lnRef idx="2">
+            <a:schemeClr val="accent6"/>
+          </a:lnRef>
+          <a:fillRef idx="1">
+            <a:schemeClr val="lt1"/>
+          </a:fillRef>
+          <a:effectRef idx="0">
+            <a:schemeClr val="accent6"/>
+          </a:effectRef>
+          <a:fontRef idx="minor">
+            <a:schemeClr val="dk1"/>
+          </a:fontRef>
+        </p:style>
+        <p:txBody>
+          <a:bodyPr rtlCol="0" anchor="ctr"/>
+          <a:lstStyle/>
+          <a:p>
+            <a:pPr algn="ctr"/>
+            <a:endParaRPr lang="en-US"/>
+          </a:p>
+        </p:txBody>
+      </p:sp>
+      <p:sp>
+        <p:nvSpPr>
+          <p:cNvPr id="3" name="TextBox 2">
+            <a:extLst>
+              <a:ext uri="{FF2B5EF4-FFF2-40B4-BE49-F238E27FC236}">
+                <a16:creationId xmlns:a16="http://schemas.microsoft.com/office/drawing/2014/main" id="{E3B9DFF6-2873-02D9-2F6C-5C883AD49678}"/>
+              </a:ext>
+            </a:extLst>
+          </p:cNvPr>
+          <p:cNvSpPr txBox="1"/>
+          <p:nvPr/>
+        </p:nvSpPr>
+        <p:spPr>
+          <a:xfrm>
+            <a:off x="5234473" y="429208"/>
+            <a:ext cx="5570376" cy="369332"/>
+          </a:xfrm>
+          <a:prstGeom prst="rect">
+            <a:avLst/>
+          </a:prstGeom>
+          <a:noFill/>
+        </p:spPr>
+        <p:txBody>
+          <a:bodyPr wrap="square" rtlCol="0">
+            <a:spAutoFit/>
+          </a:bodyPr>
+          <a:lstStyle/>
+          <a:p>
+            <a:pPr algn="ctr"/>
+            <a:r>
+              <a:rPr lang="en-IN" b="1" dirty="0"/>
+              <a:t>Web Server</a:t>
+            </a:r>
+            <a:endParaRPr lang="en-US" b="1" dirty="0"/>
+          </a:p>
+        </p:txBody>
+      </p:sp>
+      <p:sp>
+        <p:nvSpPr>
+          <p:cNvPr id="4" name="Rectangle 3">
+            <a:extLst>
+              <a:ext uri="{FF2B5EF4-FFF2-40B4-BE49-F238E27FC236}">
+                <a16:creationId xmlns:a16="http://schemas.microsoft.com/office/drawing/2014/main" id="{98AED90A-E674-887E-8DAA-E727695038BD}"/>
+              </a:ext>
+            </a:extLst>
+          </p:cNvPr>
+          <p:cNvSpPr/>
+          <p:nvPr/>
+        </p:nvSpPr>
+        <p:spPr>
+          <a:xfrm>
+            <a:off x="5085184" y="5859624"/>
+            <a:ext cx="5962261" cy="737119"/>
+          </a:xfrm>
+          <a:prstGeom prst="rect">
+            <a:avLst/>
+          </a:prstGeom>
+        </p:spPr>
+        <p:style>
+          <a:lnRef idx="2">
+            <a:schemeClr val="accent1">
+              <a:shade val="50000"/>
+            </a:schemeClr>
+          </a:lnRef>
+          <a:fillRef idx="1">
+            <a:schemeClr val="accent1"/>
+          </a:fillRef>
+          <a:effectRef idx="0">
+            <a:schemeClr val="accent1"/>
+          </a:effectRef>
+          <a:fontRef idx="minor">
+            <a:schemeClr val="lt1"/>
+          </a:fontRef>
+        </p:style>
+        <p:txBody>
+          <a:bodyPr rtlCol="0" anchor="ctr"/>
+          <a:lstStyle/>
+          <a:p>
+            <a:pPr algn="ctr"/>
+            <a:r>
+              <a:rPr lang="en-IN" b="1" dirty="0"/>
+              <a:t>Operating System</a:t>
+            </a:r>
+            <a:endParaRPr lang="en-US" b="1" dirty="0"/>
+          </a:p>
+        </p:txBody>
+      </p:sp>
+      <p:sp>
+        <p:nvSpPr>
+          <p:cNvPr id="5" name="Rectangle 4">
+            <a:extLst>
+              <a:ext uri="{FF2B5EF4-FFF2-40B4-BE49-F238E27FC236}">
+                <a16:creationId xmlns:a16="http://schemas.microsoft.com/office/drawing/2014/main" id="{B8EBF7BD-653F-FA79-B681-72E9E3C5BD2C}"/>
+              </a:ext>
+            </a:extLst>
+          </p:cNvPr>
+          <p:cNvSpPr/>
+          <p:nvPr/>
+        </p:nvSpPr>
+        <p:spPr>
+          <a:xfrm>
+            <a:off x="5085184" y="4021494"/>
+            <a:ext cx="5980923" cy="1530220"/>
+          </a:xfrm>
+          <a:prstGeom prst="rect">
+            <a:avLst/>
+          </a:prstGeom>
+          <a:solidFill>
+            <a:schemeClr val="accent2"/>
+          </a:solidFill>
+        </p:spPr>
+        <p:style>
+          <a:lnRef idx="2">
+            <a:schemeClr val="accent1">
+              <a:shade val="50000"/>
+            </a:schemeClr>
+          </a:lnRef>
+          <a:fillRef idx="1">
+            <a:schemeClr val="accent1"/>
+          </a:fillRef>
+          <a:effectRef idx="0">
+            <a:schemeClr val="accent1"/>
+          </a:effectRef>
+          <a:fontRef idx="minor">
+            <a:schemeClr val="lt1"/>
+          </a:fontRef>
+        </p:style>
+        <p:txBody>
+          <a:bodyPr rtlCol="0" anchor="ctr"/>
+          <a:lstStyle/>
+          <a:p>
+            <a:pPr algn="ctr"/>
+            <a:r>
+              <a:rPr lang="en-IN" b="1" dirty="0"/>
+              <a:t>Web Application Framework</a:t>
+            </a:r>
+          </a:p>
+          <a:p>
+            <a:pPr algn="ctr"/>
+            <a:r>
+              <a:rPr lang="en-IN" b="1" dirty="0"/>
+              <a:t>ASP.NET, </a:t>
+            </a:r>
+          </a:p>
+          <a:p>
+            <a:pPr algn="ctr"/>
+            <a:r>
+              <a:rPr lang="en-IN" b="1" dirty="0"/>
+              <a:t>, JSP</a:t>
+            </a:r>
+            <a:endParaRPr lang="en-US" b="1" dirty="0"/>
+          </a:p>
+        </p:txBody>
+      </p:sp>
+      <p:sp>
+        <p:nvSpPr>
+          <p:cNvPr id="6" name="Rectangle 5">
+            <a:extLst>
+              <a:ext uri="{FF2B5EF4-FFF2-40B4-BE49-F238E27FC236}">
+                <a16:creationId xmlns:a16="http://schemas.microsoft.com/office/drawing/2014/main" id="{906DF3FB-F358-4311-0095-B4F2BE66FC49}"/>
+              </a:ext>
+            </a:extLst>
+          </p:cNvPr>
+          <p:cNvSpPr/>
+          <p:nvPr/>
+        </p:nvSpPr>
+        <p:spPr>
+          <a:xfrm>
+            <a:off x="5085184" y="2139821"/>
+            <a:ext cx="5980923" cy="1530220"/>
+          </a:xfrm>
+          <a:prstGeom prst="rect">
+            <a:avLst/>
+          </a:prstGeom>
+          <a:solidFill>
+            <a:schemeClr val="accent2"/>
+          </a:solidFill>
+        </p:spPr>
+        <p:style>
+          <a:lnRef idx="2">
+            <a:schemeClr val="accent1">
+              <a:shade val="50000"/>
+            </a:schemeClr>
+          </a:lnRef>
+          <a:fillRef idx="1">
+            <a:schemeClr val="accent1"/>
+          </a:fillRef>
+          <a:effectRef idx="0">
+            <a:schemeClr val="accent1"/>
+          </a:effectRef>
+          <a:fontRef idx="minor">
+            <a:schemeClr val="lt1"/>
+          </a:fontRef>
+        </p:style>
+        <p:txBody>
+          <a:bodyPr rtlCol="0" anchor="ctr"/>
+          <a:lstStyle/>
+          <a:p>
+            <a:pPr algn="ctr"/>
+            <a:r>
+              <a:rPr lang="en-IN" b="1" dirty="0"/>
+              <a:t>Web Application</a:t>
+            </a:r>
+          </a:p>
+          <a:p>
+            <a:pPr algn="ctr"/>
+            <a:endParaRPr lang="en-IN" b="1" dirty="0"/>
+          </a:p>
+          <a:p>
+            <a:pPr algn="ctr"/>
+            <a:endParaRPr lang="en-IN" b="1" dirty="0"/>
+          </a:p>
+          <a:p>
+            <a:pPr algn="ctr"/>
+            <a:endParaRPr lang="en-IN" b="1" dirty="0"/>
+          </a:p>
+          <a:p>
+            <a:pPr algn="ctr"/>
+            <a:endParaRPr lang="en-US" b="1" dirty="0"/>
+          </a:p>
+        </p:txBody>
+      </p:sp>
+      <p:sp>
+        <p:nvSpPr>
+          <p:cNvPr id="7" name="Rectangle 6">
+            <a:extLst>
+              <a:ext uri="{FF2B5EF4-FFF2-40B4-BE49-F238E27FC236}">
+                <a16:creationId xmlns:a16="http://schemas.microsoft.com/office/drawing/2014/main" id="{00420AA0-D8C7-2EAB-D879-8F02A3067033}"/>
+              </a:ext>
+            </a:extLst>
+          </p:cNvPr>
+          <p:cNvSpPr/>
+          <p:nvPr/>
+        </p:nvSpPr>
+        <p:spPr>
+          <a:xfrm>
+            <a:off x="5085184" y="2565918"/>
+            <a:ext cx="5962261" cy="298580"/>
+          </a:xfrm>
+          <a:prstGeom prst="rect">
+            <a:avLst/>
+          </a:prstGeom>
+        </p:spPr>
+        <p:style>
+          <a:lnRef idx="2">
+            <a:schemeClr val="accent1">
+              <a:shade val="50000"/>
+            </a:schemeClr>
+          </a:lnRef>
+          <a:fillRef idx="1">
+            <a:schemeClr val="accent1"/>
+          </a:fillRef>
+          <a:effectRef idx="0">
+            <a:schemeClr val="accent1"/>
+          </a:effectRef>
+          <a:fontRef idx="minor">
+            <a:schemeClr val="lt1"/>
+          </a:fontRef>
+        </p:style>
+        <p:txBody>
+          <a:bodyPr rtlCol="0" anchor="ctr"/>
+          <a:lstStyle/>
+          <a:p>
+            <a:pPr algn="ctr"/>
+            <a:r>
+              <a:rPr lang="en-IN" dirty="0"/>
+              <a:t>Static HTML Pages, JavaScript, CSS</a:t>
+            </a:r>
+            <a:endParaRPr lang="en-US" dirty="0"/>
+          </a:p>
+        </p:txBody>
+      </p:sp>
+      <p:sp>
+        <p:nvSpPr>
+          <p:cNvPr id="8" name="Rectangle 7">
+            <a:extLst>
+              <a:ext uri="{FF2B5EF4-FFF2-40B4-BE49-F238E27FC236}">
+                <a16:creationId xmlns:a16="http://schemas.microsoft.com/office/drawing/2014/main" id="{58DD47DC-0770-41FA-B948-C8FBE3A76469}"/>
+              </a:ext>
+            </a:extLst>
+          </p:cNvPr>
+          <p:cNvSpPr/>
+          <p:nvPr/>
+        </p:nvSpPr>
+        <p:spPr>
+          <a:xfrm>
+            <a:off x="5088290" y="3007566"/>
+            <a:ext cx="5962261" cy="556727"/>
+          </a:xfrm>
+          <a:prstGeom prst="rect">
+            <a:avLst/>
+          </a:prstGeom>
+        </p:spPr>
+        <p:style>
+          <a:lnRef idx="2">
+            <a:schemeClr val="accent1">
+              <a:shade val="50000"/>
+            </a:schemeClr>
+          </a:lnRef>
+          <a:fillRef idx="1">
+            <a:schemeClr val="accent1"/>
+          </a:fillRef>
+          <a:effectRef idx="0">
+            <a:schemeClr val="accent1"/>
+          </a:effectRef>
+          <a:fontRef idx="minor">
+            <a:schemeClr val="lt1"/>
+          </a:fontRef>
+        </p:style>
+        <p:txBody>
+          <a:bodyPr rtlCol="0" anchor="ctr"/>
+          <a:lstStyle/>
+          <a:p>
+            <a:pPr algn="ctr"/>
+            <a:r>
+              <a:rPr lang="en-IN" dirty="0"/>
+              <a:t>Domain Classes, Data Access, Security Logic, etc.</a:t>
+            </a:r>
+            <a:endParaRPr lang="en-US" dirty="0"/>
+          </a:p>
+        </p:txBody>
+      </p:sp>
+      <p:sp>
+        <p:nvSpPr>
+          <p:cNvPr id="9" name="Rectangle 8">
+            <a:extLst>
+              <a:ext uri="{FF2B5EF4-FFF2-40B4-BE49-F238E27FC236}">
+                <a16:creationId xmlns:a16="http://schemas.microsoft.com/office/drawing/2014/main" id="{B711B137-38B4-AD6C-C38A-BCE1996F86E6}"/>
+              </a:ext>
+            </a:extLst>
+          </p:cNvPr>
+          <p:cNvSpPr/>
+          <p:nvPr/>
+        </p:nvSpPr>
+        <p:spPr>
+          <a:xfrm>
+            <a:off x="5085182" y="1075346"/>
+            <a:ext cx="5980923" cy="482865"/>
+          </a:xfrm>
+          <a:prstGeom prst="rect">
+            <a:avLst/>
+          </a:prstGeom>
+        </p:spPr>
+        <p:style>
+          <a:lnRef idx="2">
+            <a:schemeClr val="accent1">
+              <a:shade val="50000"/>
+            </a:schemeClr>
+          </a:lnRef>
+          <a:fillRef idx="1">
+            <a:schemeClr val="accent1"/>
+          </a:fillRef>
+          <a:effectRef idx="0">
+            <a:schemeClr val="accent1"/>
+          </a:effectRef>
+          <a:fontRef idx="minor">
+            <a:schemeClr val="lt1"/>
+          </a:fontRef>
+        </p:style>
+        <p:txBody>
+          <a:bodyPr rtlCol="0" anchor="ctr"/>
+          <a:lstStyle/>
+          <a:p>
+            <a:pPr algn="ctr"/>
+            <a:r>
+              <a:rPr lang="en-IN" dirty="0"/>
+              <a:t>Request Listener and Interceptor</a:t>
+            </a:r>
+            <a:endParaRPr lang="en-US" dirty="0"/>
+          </a:p>
+        </p:txBody>
+      </p:sp>
+      <p:sp>
+        <p:nvSpPr>
+          <p:cNvPr id="10" name="Arrow: Right 9">
+            <a:extLst>
+              <a:ext uri="{FF2B5EF4-FFF2-40B4-BE49-F238E27FC236}">
+                <a16:creationId xmlns:a16="http://schemas.microsoft.com/office/drawing/2014/main" id="{99057599-851D-FBB6-7496-0B1143FA858F}"/>
+              </a:ext>
+            </a:extLst>
+          </p:cNvPr>
+          <p:cNvSpPr/>
+          <p:nvPr/>
+        </p:nvSpPr>
+        <p:spPr>
+          <a:xfrm>
+            <a:off x="121298" y="867747"/>
+            <a:ext cx="4945222" cy="774441"/>
+          </a:xfrm>
+          <a:prstGeom prst="rightArrow">
+            <a:avLst/>
+          </a:prstGeom>
+        </p:spPr>
+        <p:style>
+          <a:lnRef idx="2">
+            <a:schemeClr val="accent1">
+              <a:shade val="50000"/>
+            </a:schemeClr>
+          </a:lnRef>
+          <a:fillRef idx="1">
+            <a:schemeClr val="accent1"/>
+          </a:fillRef>
+          <a:effectRef idx="0">
+            <a:schemeClr val="accent1"/>
+          </a:effectRef>
+          <a:fontRef idx="minor">
+            <a:schemeClr val="lt1"/>
+          </a:fontRef>
+        </p:style>
+        <p:txBody>
+          <a:bodyPr rtlCol="0" anchor="ctr"/>
+          <a:lstStyle/>
+          <a:p>
+            <a:pPr algn="ctr"/>
+            <a:r>
+              <a:rPr lang="en-IN" b="1" dirty="0"/>
+              <a:t>http://www.myapp.com/index.html</a:t>
+            </a:r>
+            <a:endParaRPr lang="en-US" b="1" dirty="0"/>
+          </a:p>
+        </p:txBody>
+      </p:sp>
+      <p:sp>
+        <p:nvSpPr>
+          <p:cNvPr id="11" name="Arrow: Down 10">
+            <a:extLst>
+              <a:ext uri="{FF2B5EF4-FFF2-40B4-BE49-F238E27FC236}">
+                <a16:creationId xmlns:a16="http://schemas.microsoft.com/office/drawing/2014/main" id="{569A547C-B47F-3F68-3917-BA56F0822BB3}"/>
+              </a:ext>
+            </a:extLst>
+          </p:cNvPr>
+          <p:cNvSpPr/>
+          <p:nvPr/>
+        </p:nvSpPr>
+        <p:spPr>
+          <a:xfrm>
+            <a:off x="9825135" y="1558211"/>
+            <a:ext cx="410547" cy="581610"/>
+          </a:xfrm>
+          <a:prstGeom prst="downArrow">
+            <a:avLst/>
+          </a:prstGeom>
+          <a:solidFill>
+            <a:srgbClr val="FF0000"/>
+          </a:solidFill>
+        </p:spPr>
+        <p:style>
+          <a:lnRef idx="2">
+            <a:schemeClr val="accent1">
+              <a:shade val="50000"/>
+            </a:schemeClr>
+          </a:lnRef>
+          <a:fillRef idx="1">
+            <a:schemeClr val="accent1"/>
+          </a:fillRef>
+          <a:effectRef idx="0">
+            <a:schemeClr val="accent1"/>
+          </a:effectRef>
+          <a:fontRef idx="minor">
+            <a:schemeClr val="lt1"/>
+          </a:fontRef>
+        </p:style>
+        <p:txBody>
+          <a:bodyPr rtlCol="0" anchor="ctr"/>
+          <a:lstStyle/>
+          <a:p>
+            <a:pPr algn="ctr"/>
+            <a:endParaRPr lang="en-US"/>
+          </a:p>
+        </p:txBody>
+      </p:sp>
+      <p:sp>
+        <p:nvSpPr>
+          <p:cNvPr id="12" name="Arrow: Down 11">
+            <a:extLst>
+              <a:ext uri="{FF2B5EF4-FFF2-40B4-BE49-F238E27FC236}">
+                <a16:creationId xmlns:a16="http://schemas.microsoft.com/office/drawing/2014/main" id="{2EB01C51-63FE-F947-4A38-57A0DD921535}"/>
+              </a:ext>
+            </a:extLst>
+          </p:cNvPr>
+          <p:cNvSpPr/>
+          <p:nvPr/>
+        </p:nvSpPr>
+        <p:spPr>
+          <a:xfrm>
+            <a:off x="9825135" y="3564293"/>
+            <a:ext cx="410547" cy="581610"/>
+          </a:xfrm>
+          <a:prstGeom prst="downArrow">
+            <a:avLst/>
+          </a:prstGeom>
+          <a:solidFill>
+            <a:srgbClr val="FF0000"/>
+          </a:solidFill>
+        </p:spPr>
+        <p:style>
+          <a:lnRef idx="2">
+            <a:schemeClr val="accent1">
+              <a:shade val="50000"/>
+            </a:schemeClr>
+          </a:lnRef>
+          <a:fillRef idx="1">
+            <a:schemeClr val="accent1"/>
+          </a:fillRef>
+          <a:effectRef idx="0">
+            <a:schemeClr val="accent1"/>
+          </a:effectRef>
+          <a:fontRef idx="minor">
+            <a:schemeClr val="lt1"/>
+          </a:fontRef>
+        </p:style>
+        <p:txBody>
+          <a:bodyPr rtlCol="0" anchor="ctr"/>
+          <a:lstStyle/>
+          <a:p>
+            <a:pPr algn="ctr"/>
+            <a:endParaRPr lang="en-US"/>
+          </a:p>
+        </p:txBody>
+      </p:sp>
+      <p:sp>
+        <p:nvSpPr>
+          <p:cNvPr id="13" name="Arrow: Down 12">
+            <a:extLst>
+              <a:ext uri="{FF2B5EF4-FFF2-40B4-BE49-F238E27FC236}">
+                <a16:creationId xmlns:a16="http://schemas.microsoft.com/office/drawing/2014/main" id="{950ADEDC-CEC6-BDC4-A42A-021F8DC4F40D}"/>
+              </a:ext>
+            </a:extLst>
+          </p:cNvPr>
+          <p:cNvSpPr/>
+          <p:nvPr/>
+        </p:nvSpPr>
+        <p:spPr>
+          <a:xfrm rot="10800000">
+            <a:off x="5685453" y="3581399"/>
+            <a:ext cx="410547" cy="581610"/>
+          </a:xfrm>
+          <a:prstGeom prst="downArrow">
+            <a:avLst/>
+          </a:prstGeom>
+          <a:solidFill>
+            <a:srgbClr val="FF0000"/>
+          </a:solidFill>
+        </p:spPr>
+        <p:style>
+          <a:lnRef idx="2">
+            <a:schemeClr val="accent1">
+              <a:shade val="50000"/>
+            </a:schemeClr>
+          </a:lnRef>
+          <a:fillRef idx="1">
+            <a:schemeClr val="accent1"/>
+          </a:fillRef>
+          <a:effectRef idx="0">
+            <a:schemeClr val="accent1"/>
+          </a:effectRef>
+          <a:fontRef idx="minor">
+            <a:schemeClr val="lt1"/>
+          </a:fontRef>
+        </p:style>
+        <p:txBody>
+          <a:bodyPr rtlCol="0" anchor="ctr"/>
+          <a:lstStyle/>
+          <a:p>
+            <a:pPr algn="ctr"/>
+            <a:endParaRPr lang="en-US"/>
+          </a:p>
+        </p:txBody>
+      </p:sp>
+      <p:sp>
+        <p:nvSpPr>
+          <p:cNvPr id="14" name="Arrow: Down 13">
+            <a:extLst>
+              <a:ext uri="{FF2B5EF4-FFF2-40B4-BE49-F238E27FC236}">
+                <a16:creationId xmlns:a16="http://schemas.microsoft.com/office/drawing/2014/main" id="{0637CF52-5DAC-240B-8241-A75CDCCCFB4B}"/>
+              </a:ext>
+            </a:extLst>
+          </p:cNvPr>
+          <p:cNvSpPr/>
+          <p:nvPr/>
+        </p:nvSpPr>
+        <p:spPr>
+          <a:xfrm rot="10800000">
+            <a:off x="5520612" y="1544212"/>
+            <a:ext cx="410547" cy="581610"/>
+          </a:xfrm>
+          <a:prstGeom prst="downArrow">
+            <a:avLst/>
+          </a:prstGeom>
+          <a:solidFill>
+            <a:srgbClr val="FF0000"/>
+          </a:solidFill>
+        </p:spPr>
+        <p:style>
+          <a:lnRef idx="2">
+            <a:schemeClr val="accent1">
+              <a:shade val="50000"/>
+            </a:schemeClr>
+          </a:lnRef>
+          <a:fillRef idx="1">
+            <a:schemeClr val="accent1"/>
+          </a:fillRef>
+          <a:effectRef idx="0">
+            <a:schemeClr val="accent1"/>
+          </a:effectRef>
+          <a:fontRef idx="minor">
+            <a:schemeClr val="lt1"/>
+          </a:fontRef>
+        </p:style>
+        <p:txBody>
+          <a:bodyPr rtlCol="0" anchor="ctr"/>
+          <a:lstStyle/>
+          <a:p>
+            <a:pPr algn="ctr"/>
+            <a:endParaRPr lang="en-US"/>
+          </a:p>
+        </p:txBody>
+      </p:sp>
+      <p:sp>
+        <p:nvSpPr>
+          <p:cNvPr id="15" name="Arrow: Left 14">
+            <a:extLst>
+              <a:ext uri="{FF2B5EF4-FFF2-40B4-BE49-F238E27FC236}">
+                <a16:creationId xmlns:a16="http://schemas.microsoft.com/office/drawing/2014/main" id="{3047DB5A-5CD2-9E0D-451C-9BA797BC753F}"/>
+              </a:ext>
+            </a:extLst>
+          </p:cNvPr>
+          <p:cNvSpPr/>
+          <p:nvPr/>
+        </p:nvSpPr>
+        <p:spPr>
+          <a:xfrm>
+            <a:off x="121298" y="1701279"/>
+            <a:ext cx="4945222" cy="774441"/>
+          </a:xfrm>
+          <a:prstGeom prst="leftArrow">
+            <a:avLst/>
+          </a:prstGeom>
+        </p:spPr>
+        <p:style>
+          <a:lnRef idx="2">
+            <a:schemeClr val="accent1">
+              <a:shade val="50000"/>
+            </a:schemeClr>
+          </a:lnRef>
+          <a:fillRef idx="1">
+            <a:schemeClr val="accent1"/>
+          </a:fillRef>
+          <a:effectRef idx="0">
+            <a:schemeClr val="accent1"/>
+          </a:effectRef>
+          <a:fontRef idx="minor">
+            <a:schemeClr val="lt1"/>
+          </a:fontRef>
+        </p:style>
+        <p:txBody>
+          <a:bodyPr rtlCol="0" anchor="ctr"/>
+          <a:lstStyle/>
+          <a:p>
+            <a:pPr algn="ctr"/>
+            <a:r>
+              <a:rPr lang="en-IN" b="1" dirty="0"/>
+              <a:t>HTML + JavaScript + CSS + Data Response </a:t>
+            </a:r>
+            <a:endParaRPr lang="en-US" b="1" dirty="0"/>
+          </a:p>
+        </p:txBody>
+      </p:sp>
+      <p:sp>
+        <p:nvSpPr>
+          <p:cNvPr id="16" name="TextBox 15">
+            <a:extLst>
+              <a:ext uri="{FF2B5EF4-FFF2-40B4-BE49-F238E27FC236}">
+                <a16:creationId xmlns:a16="http://schemas.microsoft.com/office/drawing/2014/main" id="{C8329BEB-BCAA-2388-95B5-8C4D3D29BF7D}"/>
+              </a:ext>
+            </a:extLst>
+          </p:cNvPr>
+          <p:cNvSpPr txBox="1"/>
+          <p:nvPr/>
+        </p:nvSpPr>
+        <p:spPr>
+          <a:xfrm>
+            <a:off x="279918" y="3429000"/>
+            <a:ext cx="3984173" cy="369332"/>
+          </a:xfrm>
+          <a:prstGeom prst="rect">
+            <a:avLst/>
+          </a:prstGeom>
+          <a:noFill/>
+        </p:spPr>
+        <p:txBody>
+          <a:bodyPr wrap="square" rtlCol="0">
+            <a:spAutoFit/>
+          </a:bodyPr>
+          <a:lstStyle/>
+          <a:p>
+            <a:pPr algn="ctr"/>
+            <a:r>
+              <a:rPr lang="en-IN" b="1" dirty="0"/>
+              <a:t>A Typical Web Application Approach</a:t>
+            </a:r>
+            <a:endParaRPr lang="en-US" b="1" dirty="0"/>
+          </a:p>
+        </p:txBody>
+      </p:sp>
+    </p:spTree>
+    <p:extLst>
+      <p:ext uri="{BB962C8B-B14F-4D97-AF65-F5344CB8AC3E}">
+        <p14:creationId xmlns:p14="http://schemas.microsoft.com/office/powerpoint/2010/main" val="3586171000"/>
+      </p:ext>
+    </p:extLst>
+  </p:cSld>
+  <p:clrMapOvr>
+    <a:masterClrMapping/>
+  </p:clrMapOvr>
+</p:sld>
+</file>
+
+<file path=ppt/slides/slide22.xml><?xml version="1.0" encoding="utf-8"?>
+<p:sld xmlns:a="http://schemas.openxmlformats.org/drawingml/2006/main" xmlns:r="http://schemas.openxmlformats.org/officeDocument/2006/relationships" xmlns:p="http://schemas.openxmlformats.org/presentationml/2006/main">
+  <p:cSld>
+    <p:spTree>
+      <p:nvGrpSpPr>
+        <p:cNvPr id="1" name=""/>
+        <p:cNvGrpSpPr/>
+        <p:nvPr/>
+      </p:nvGrpSpPr>
+      <p:grpSpPr>
+        <a:xfrm>
+          <a:off x="0" y="0"/>
+          <a:ext cx="0" cy="0"/>
+          <a:chOff x="0" y="0"/>
+          <a:chExt cx="0" cy="0"/>
+        </a:xfrm>
+      </p:grpSpPr>
+      <p:sp>
+        <p:nvSpPr>
+          <p:cNvPr id="2" name="Rectangle 1">
+            <a:extLst>
+              <a:ext uri="{FF2B5EF4-FFF2-40B4-BE49-F238E27FC236}">
+                <a16:creationId xmlns:a16="http://schemas.microsoft.com/office/drawing/2014/main" id="{C79B1033-1368-46FF-3FB7-8203B22175B2}"/>
+              </a:ext>
+            </a:extLst>
+          </p:cNvPr>
+          <p:cNvSpPr/>
+          <p:nvPr/>
+        </p:nvSpPr>
+        <p:spPr>
+          <a:xfrm>
+            <a:off x="1751045" y="779106"/>
+            <a:ext cx="8509518" cy="5299788"/>
+          </a:xfrm>
+          <a:prstGeom prst="rect">
+            <a:avLst/>
+          </a:prstGeom>
+        </p:spPr>
+        <p:style>
+          <a:lnRef idx="1">
+            <a:schemeClr val="accent3"/>
+          </a:lnRef>
+          <a:fillRef idx="2">
+            <a:schemeClr val="accent3"/>
+          </a:fillRef>
+          <a:effectRef idx="1">
+            <a:schemeClr val="accent3"/>
+          </a:effectRef>
+          <a:fontRef idx="minor">
+            <a:schemeClr val="dk1"/>
+          </a:fontRef>
+        </p:style>
+        <p:txBody>
+          <a:bodyPr rtlCol="0" anchor="ctr"/>
+          <a:lstStyle/>
+          <a:p>
+            <a:pPr algn="ctr"/>
+            <a:endParaRPr lang="en-US"/>
+          </a:p>
+        </p:txBody>
+      </p:sp>
+      <p:sp>
+        <p:nvSpPr>
+          <p:cNvPr id="3" name="TextBox 2">
+            <a:extLst>
+              <a:ext uri="{FF2B5EF4-FFF2-40B4-BE49-F238E27FC236}">
+                <a16:creationId xmlns:a16="http://schemas.microsoft.com/office/drawing/2014/main" id="{90861AF1-8C45-39EB-F0B1-CE765F454207}"/>
+              </a:ext>
+            </a:extLst>
+          </p:cNvPr>
+          <p:cNvSpPr txBox="1"/>
+          <p:nvPr/>
+        </p:nvSpPr>
+        <p:spPr>
+          <a:xfrm>
+            <a:off x="1847461" y="139959"/>
+            <a:ext cx="2295331" cy="369332"/>
+          </a:xfrm>
+          <a:prstGeom prst="rect">
+            <a:avLst/>
+          </a:prstGeom>
+          <a:noFill/>
+        </p:spPr>
+        <p:txBody>
+          <a:bodyPr wrap="square" rtlCol="0">
+            <a:spAutoFit/>
+          </a:bodyPr>
+          <a:lstStyle/>
+          <a:p>
+            <a:r>
+              <a:rPr lang="en-IN" dirty="0"/>
+              <a:t>Web Page</a:t>
+            </a:r>
+            <a:endParaRPr lang="en-US" dirty="0"/>
+          </a:p>
+        </p:txBody>
+      </p:sp>
+      <p:sp>
+        <p:nvSpPr>
+          <p:cNvPr id="4" name="Rectangle 3">
+            <a:extLst>
+              <a:ext uri="{FF2B5EF4-FFF2-40B4-BE49-F238E27FC236}">
+                <a16:creationId xmlns:a16="http://schemas.microsoft.com/office/drawing/2014/main" id="{2299CDD8-1527-DD2E-73C6-77589E8306CC}"/>
+              </a:ext>
+            </a:extLst>
+          </p:cNvPr>
+          <p:cNvSpPr/>
+          <p:nvPr/>
+        </p:nvSpPr>
+        <p:spPr>
+          <a:xfrm>
+            <a:off x="1751045" y="3069771"/>
+            <a:ext cx="8509518" cy="233266"/>
+          </a:xfrm>
+          <a:prstGeom prst="rect">
+            <a:avLst/>
+          </a:prstGeom>
+        </p:spPr>
+        <p:style>
+          <a:lnRef idx="2">
+            <a:schemeClr val="accent1">
+              <a:shade val="50000"/>
+            </a:schemeClr>
+          </a:lnRef>
+          <a:fillRef idx="1">
+            <a:schemeClr val="accent1"/>
+          </a:fillRef>
+          <a:effectRef idx="0">
+            <a:schemeClr val="accent1"/>
+          </a:effectRef>
+          <a:fontRef idx="minor">
+            <a:schemeClr val="lt1"/>
+          </a:fontRef>
+        </p:style>
+        <p:txBody>
+          <a:bodyPr rtlCol="0" anchor="ctr"/>
+          <a:lstStyle/>
+          <a:p>
+            <a:pPr algn="ctr"/>
+            <a:endParaRPr lang="en-US"/>
+          </a:p>
+        </p:txBody>
+      </p:sp>
+      <p:sp>
+        <p:nvSpPr>
+          <p:cNvPr id="5" name="Rectangle 4">
+            <a:extLst>
+              <a:ext uri="{FF2B5EF4-FFF2-40B4-BE49-F238E27FC236}">
+                <a16:creationId xmlns:a16="http://schemas.microsoft.com/office/drawing/2014/main" id="{FD2DAD47-3102-8552-DEDE-555138F5A06C}"/>
+              </a:ext>
+            </a:extLst>
+          </p:cNvPr>
+          <p:cNvSpPr/>
+          <p:nvPr/>
+        </p:nvSpPr>
+        <p:spPr>
+          <a:xfrm>
+            <a:off x="5884506" y="779106"/>
+            <a:ext cx="422988" cy="2290665"/>
+          </a:xfrm>
+          <a:prstGeom prst="rect">
+            <a:avLst/>
+          </a:prstGeom>
+        </p:spPr>
+        <p:style>
+          <a:lnRef idx="2">
+            <a:schemeClr val="accent1">
+              <a:shade val="50000"/>
+            </a:schemeClr>
+          </a:lnRef>
+          <a:fillRef idx="1">
+            <a:schemeClr val="accent1"/>
+          </a:fillRef>
+          <a:effectRef idx="0">
+            <a:schemeClr val="accent1"/>
+          </a:effectRef>
+          <a:fontRef idx="minor">
+            <a:schemeClr val="lt1"/>
+          </a:fontRef>
+        </p:style>
+        <p:txBody>
+          <a:bodyPr rtlCol="0" anchor="ctr"/>
+          <a:lstStyle/>
+          <a:p>
+            <a:pPr algn="ctr"/>
+            <a:endParaRPr lang="en-US"/>
+          </a:p>
+        </p:txBody>
+      </p:sp>
+      <p:sp>
+        <p:nvSpPr>
+          <p:cNvPr id="6" name="TextBox 5">
+            <a:extLst>
+              <a:ext uri="{FF2B5EF4-FFF2-40B4-BE49-F238E27FC236}">
+                <a16:creationId xmlns:a16="http://schemas.microsoft.com/office/drawing/2014/main" id="{9CBD44D7-677F-5152-047A-20E79369DFCD}"/>
+              </a:ext>
+            </a:extLst>
+          </p:cNvPr>
+          <p:cNvSpPr txBox="1"/>
+          <p:nvPr/>
+        </p:nvSpPr>
+        <p:spPr>
+          <a:xfrm>
+            <a:off x="2062065" y="998376"/>
+            <a:ext cx="2080727" cy="1754326"/>
+          </a:xfrm>
+          <a:prstGeom prst="rect">
+            <a:avLst/>
+          </a:prstGeom>
+          <a:noFill/>
+        </p:spPr>
+        <p:txBody>
+          <a:bodyPr wrap="square" rtlCol="0">
+            <a:spAutoFit/>
+          </a:bodyPr>
+          <a:lstStyle/>
+          <a:p>
+            <a:r>
+              <a:rPr lang="en-IN" b="1" dirty="0"/>
+              <a:t>User Interface</a:t>
+            </a:r>
+          </a:p>
+          <a:p>
+            <a:pPr marL="285750" indent="-285750">
+              <a:buFont typeface="Arial" panose="020B0604020202020204" pitchFamily="34" charset="0"/>
+              <a:buChar char="•"/>
+            </a:pPr>
+            <a:r>
+              <a:rPr lang="en-IN" b="1" dirty="0"/>
+              <a:t>TextBox</a:t>
+            </a:r>
+          </a:p>
+          <a:p>
+            <a:pPr marL="285750" indent="-285750">
+              <a:buFont typeface="Arial" panose="020B0604020202020204" pitchFamily="34" charset="0"/>
+              <a:buChar char="•"/>
+            </a:pPr>
+            <a:r>
+              <a:rPr lang="en-IN" b="1" dirty="0"/>
+              <a:t>Button</a:t>
+            </a:r>
+          </a:p>
+          <a:p>
+            <a:pPr marL="285750" indent="-285750">
+              <a:buFont typeface="Arial" panose="020B0604020202020204" pitchFamily="34" charset="0"/>
+              <a:buChar char="•"/>
+            </a:pPr>
+            <a:r>
+              <a:rPr lang="en-IN" b="1" dirty="0"/>
+              <a:t>List</a:t>
+            </a:r>
+          </a:p>
+          <a:p>
+            <a:pPr marL="285750" indent="-285750">
+              <a:buFont typeface="Arial" panose="020B0604020202020204" pitchFamily="34" charset="0"/>
+              <a:buChar char="•"/>
+            </a:pPr>
+            <a:r>
+              <a:rPr lang="en-IN" b="1" dirty="0"/>
+              <a:t>Grid aka Table</a:t>
+            </a:r>
+          </a:p>
+          <a:p>
+            <a:pPr marL="285750" indent="-285750">
+              <a:buFont typeface="Arial" panose="020B0604020202020204" pitchFamily="34" charset="0"/>
+              <a:buChar char="•"/>
+            </a:pPr>
+            <a:r>
+              <a:rPr lang="en-IN" b="1" dirty="0"/>
+              <a:t>Image</a:t>
+            </a:r>
+            <a:endParaRPr lang="en-US" b="1" dirty="0"/>
+          </a:p>
+        </p:txBody>
+      </p:sp>
+      <p:sp>
+        <p:nvSpPr>
+          <p:cNvPr id="7" name="TextBox 6">
+            <a:extLst>
+              <a:ext uri="{FF2B5EF4-FFF2-40B4-BE49-F238E27FC236}">
+                <a16:creationId xmlns:a16="http://schemas.microsoft.com/office/drawing/2014/main" id="{27D314F1-0674-8D2B-686F-A5EE7BECCA74}"/>
+              </a:ext>
+            </a:extLst>
+          </p:cNvPr>
+          <p:cNvSpPr txBox="1"/>
+          <p:nvPr/>
+        </p:nvSpPr>
+        <p:spPr>
+          <a:xfrm>
+            <a:off x="6456784" y="914400"/>
+            <a:ext cx="3673151" cy="923330"/>
+          </a:xfrm>
+          <a:prstGeom prst="rect">
+            <a:avLst/>
+          </a:prstGeom>
+          <a:noFill/>
+        </p:spPr>
+        <p:txBody>
+          <a:bodyPr wrap="square" rtlCol="0">
+            <a:spAutoFit/>
+          </a:bodyPr>
+          <a:lstStyle/>
+          <a:p>
+            <a:r>
+              <a:rPr lang="en-IN" b="1" dirty="0"/>
+              <a:t>Data aka Model</a:t>
+            </a:r>
+          </a:p>
+          <a:p>
+            <a:pPr marL="342900" indent="-342900">
+              <a:buFont typeface="+mj-lt"/>
+              <a:buAutoNum type="arabicPeriod"/>
+            </a:pPr>
+            <a:r>
+              <a:rPr lang="en-IN" b="1" dirty="0"/>
+              <a:t>Classes with Properties</a:t>
+            </a:r>
+          </a:p>
+          <a:p>
+            <a:pPr marL="342900" indent="-342900">
+              <a:buFont typeface="+mj-lt"/>
+              <a:buAutoNum type="arabicPeriod"/>
+            </a:pPr>
+            <a:r>
+              <a:rPr lang="en-IN" b="1" dirty="0"/>
+              <a:t>Collection of Data</a:t>
+            </a:r>
+            <a:endParaRPr lang="en-US" b="1" dirty="0"/>
+          </a:p>
+        </p:txBody>
+      </p:sp>
+      <p:sp>
+        <p:nvSpPr>
+          <p:cNvPr id="12" name="Rectangle 11">
+            <a:extLst>
+              <a:ext uri="{FF2B5EF4-FFF2-40B4-BE49-F238E27FC236}">
+                <a16:creationId xmlns:a16="http://schemas.microsoft.com/office/drawing/2014/main" id="{2BEA9D70-74CE-B8DB-0A35-0D7984AD5517}"/>
+              </a:ext>
+            </a:extLst>
+          </p:cNvPr>
+          <p:cNvSpPr/>
+          <p:nvPr/>
+        </p:nvSpPr>
+        <p:spPr>
+          <a:xfrm>
+            <a:off x="5884507" y="3303037"/>
+            <a:ext cx="422988" cy="2775857"/>
+          </a:xfrm>
+          <a:prstGeom prst="rect">
+            <a:avLst/>
+          </a:prstGeom>
+        </p:spPr>
+        <p:style>
+          <a:lnRef idx="2">
+            <a:schemeClr val="accent1">
+              <a:shade val="50000"/>
+            </a:schemeClr>
+          </a:lnRef>
+          <a:fillRef idx="1">
+            <a:schemeClr val="accent1"/>
+          </a:fillRef>
+          <a:effectRef idx="0">
+            <a:schemeClr val="accent1"/>
+          </a:effectRef>
+          <a:fontRef idx="minor">
+            <a:schemeClr val="lt1"/>
+          </a:fontRef>
+        </p:style>
+        <p:txBody>
+          <a:bodyPr rtlCol="0" anchor="ctr"/>
+          <a:lstStyle/>
+          <a:p>
+            <a:pPr algn="ctr"/>
+            <a:endParaRPr lang="en-US"/>
+          </a:p>
+        </p:txBody>
+      </p:sp>
+      <p:sp>
+        <p:nvSpPr>
+          <p:cNvPr id="13" name="TextBox 12">
+            <a:extLst>
+              <a:ext uri="{FF2B5EF4-FFF2-40B4-BE49-F238E27FC236}">
+                <a16:creationId xmlns:a16="http://schemas.microsoft.com/office/drawing/2014/main" id="{B71B6FBD-1B34-703E-A701-62E68C64B257}"/>
+              </a:ext>
+            </a:extLst>
+          </p:cNvPr>
+          <p:cNvSpPr txBox="1"/>
+          <p:nvPr/>
+        </p:nvSpPr>
+        <p:spPr>
+          <a:xfrm>
+            <a:off x="1931437" y="3447460"/>
+            <a:ext cx="3704253" cy="1200329"/>
+          </a:xfrm>
+          <a:prstGeom prst="rect">
+            <a:avLst/>
+          </a:prstGeom>
+          <a:noFill/>
+        </p:spPr>
+        <p:txBody>
+          <a:bodyPr wrap="square" rtlCol="0">
+            <a:spAutoFit/>
+          </a:bodyPr>
+          <a:lstStyle/>
+          <a:p>
+            <a:r>
+              <a:rPr lang="en-IN" b="1" dirty="0"/>
+              <a:t>Events of UI Elements</a:t>
+            </a:r>
+          </a:p>
+          <a:p>
+            <a:endParaRPr lang="en-IN" b="1" dirty="0"/>
+          </a:p>
+          <a:p>
+            <a:pPr marL="285750" indent="-285750">
+              <a:buFont typeface="Arial" panose="020B0604020202020204" pitchFamily="34" charset="0"/>
+              <a:buChar char="•"/>
+            </a:pPr>
+            <a:r>
+              <a:rPr lang="en-IN" b="1" dirty="0"/>
+              <a:t>Click For Button</a:t>
+            </a:r>
+          </a:p>
+          <a:p>
+            <a:pPr marL="285750" indent="-285750">
+              <a:buFont typeface="Arial" panose="020B0604020202020204" pitchFamily="34" charset="0"/>
+              <a:buChar char="•"/>
+            </a:pPr>
+            <a:r>
+              <a:rPr lang="en-IN" b="1" dirty="0"/>
+              <a:t>Change for TextBox, List, Grid, etc. </a:t>
+            </a:r>
+            <a:endParaRPr lang="en-US" b="1" dirty="0"/>
+          </a:p>
+        </p:txBody>
+      </p:sp>
+      <p:cxnSp>
+        <p:nvCxnSpPr>
+          <p:cNvPr id="15" name="Connector: Elbow 14">
+            <a:extLst>
+              <a:ext uri="{FF2B5EF4-FFF2-40B4-BE49-F238E27FC236}">
+                <a16:creationId xmlns:a16="http://schemas.microsoft.com/office/drawing/2014/main" id="{72975EB9-FEA5-780B-F0AA-C2DC86AC6F8C}"/>
+              </a:ext>
+            </a:extLst>
+          </p:cNvPr>
+          <p:cNvCxnSpPr/>
+          <p:nvPr/>
+        </p:nvCxnSpPr>
+        <p:spPr>
+          <a:xfrm rot="5400000">
+            <a:off x="3214211" y="2421079"/>
+            <a:ext cx="1511931" cy="345233"/>
+          </a:xfrm>
+          <a:prstGeom prst="bentConnector3">
+            <a:avLst/>
+          </a:prstGeom>
+          <a:ln w="76200">
+            <a:solidFill>
+              <a:srgbClr val="FFFF00"/>
+            </a:solidFill>
+            <a:tailEnd type="triangle"/>
+          </a:ln>
+        </p:spPr>
+        <p:style>
+          <a:lnRef idx="1">
+            <a:schemeClr val="accent1"/>
+          </a:lnRef>
+          <a:fillRef idx="0">
+            <a:schemeClr val="accent1"/>
+          </a:fillRef>
+          <a:effectRef idx="0">
+            <a:schemeClr val="accent1"/>
+          </a:effectRef>
+          <a:fontRef idx="minor">
+            <a:schemeClr val="tx1"/>
+          </a:fontRef>
+        </p:style>
+      </p:cxnSp>
+      <p:sp>
+        <p:nvSpPr>
+          <p:cNvPr id="16" name="TextBox 15">
+            <a:extLst>
+              <a:ext uri="{FF2B5EF4-FFF2-40B4-BE49-F238E27FC236}">
+                <a16:creationId xmlns:a16="http://schemas.microsoft.com/office/drawing/2014/main" id="{3EAC9BD0-CD33-912D-DDA3-39BE7B237FB6}"/>
+              </a:ext>
+            </a:extLst>
+          </p:cNvPr>
+          <p:cNvSpPr txBox="1"/>
+          <p:nvPr/>
+        </p:nvSpPr>
+        <p:spPr>
+          <a:xfrm>
+            <a:off x="6456784" y="3429000"/>
+            <a:ext cx="3554963" cy="2308324"/>
+          </a:xfrm>
+          <a:prstGeom prst="rect">
+            <a:avLst/>
+          </a:prstGeom>
+          <a:noFill/>
+        </p:spPr>
+        <p:txBody>
+          <a:bodyPr wrap="square" rtlCol="0">
+            <a:spAutoFit/>
+          </a:bodyPr>
+          <a:lstStyle/>
+          <a:p>
+            <a:r>
+              <a:rPr lang="en-IN" b="1" dirty="0"/>
+              <a:t>Logic</a:t>
+            </a:r>
+          </a:p>
+          <a:p>
+            <a:pPr marL="285750" indent="-285750">
+              <a:buFont typeface="Arial" panose="020B0604020202020204" pitchFamily="34" charset="0"/>
+              <a:buChar char="•"/>
+            </a:pPr>
+            <a:r>
+              <a:rPr lang="en-IN" b="1" dirty="0"/>
+              <a:t>Read Data from UI and Process it</a:t>
+            </a:r>
+          </a:p>
+          <a:p>
+            <a:pPr marL="285750" indent="-285750">
+              <a:buFont typeface="Arial" panose="020B0604020202020204" pitchFamily="34" charset="0"/>
+              <a:buChar char="•"/>
+            </a:pPr>
+            <a:r>
+              <a:rPr lang="en-IN" b="1" dirty="0"/>
+              <a:t>Update Data Model and Collection</a:t>
+            </a:r>
+          </a:p>
+          <a:p>
+            <a:pPr marL="285750" indent="-285750">
+              <a:buFont typeface="Arial" panose="020B0604020202020204" pitchFamily="34" charset="0"/>
+              <a:buChar char="•"/>
+            </a:pPr>
+            <a:r>
+              <a:rPr lang="en-IN" b="1" dirty="0"/>
+              <a:t>Call to Database</a:t>
+            </a:r>
+          </a:p>
+          <a:p>
+            <a:pPr marL="285750" indent="-285750">
+              <a:buFont typeface="Arial" panose="020B0604020202020204" pitchFamily="34" charset="0"/>
+              <a:buChar char="•"/>
+            </a:pPr>
+            <a:r>
+              <a:rPr lang="en-IN" b="1" dirty="0"/>
+              <a:t>… and many more logical execution</a:t>
+            </a:r>
+            <a:endParaRPr lang="en-US" b="1" dirty="0"/>
+          </a:p>
+        </p:txBody>
+      </p:sp>
+      <p:sp>
+        <p:nvSpPr>
+          <p:cNvPr id="17" name="Oval 16">
+            <a:extLst>
+              <a:ext uri="{FF2B5EF4-FFF2-40B4-BE49-F238E27FC236}">
+                <a16:creationId xmlns:a16="http://schemas.microsoft.com/office/drawing/2014/main" id="{0FD183DA-FC02-465C-6B5C-EB9702DAB44D}"/>
+              </a:ext>
+            </a:extLst>
+          </p:cNvPr>
+          <p:cNvSpPr/>
+          <p:nvPr/>
+        </p:nvSpPr>
+        <p:spPr>
+          <a:xfrm>
+            <a:off x="3582955" y="2547257"/>
+            <a:ext cx="457200" cy="475260"/>
+          </a:xfrm>
+          <a:prstGeom prst="ellipse">
+            <a:avLst/>
+          </a:prstGeom>
+        </p:spPr>
+        <p:style>
+          <a:lnRef idx="2">
+            <a:schemeClr val="accent1">
+              <a:shade val="50000"/>
+            </a:schemeClr>
+          </a:lnRef>
+          <a:fillRef idx="1">
+            <a:schemeClr val="accent1"/>
+          </a:fillRef>
+          <a:effectRef idx="0">
+            <a:schemeClr val="accent1"/>
+          </a:effectRef>
+          <a:fontRef idx="minor">
+            <a:schemeClr val="lt1"/>
+          </a:fontRef>
+        </p:style>
+        <p:txBody>
+          <a:bodyPr rtlCol="0" anchor="ctr"/>
+          <a:lstStyle/>
+          <a:p>
+            <a:pPr algn="ctr"/>
+            <a:r>
+              <a:rPr lang="en-IN" b="1" dirty="0"/>
+              <a:t>1</a:t>
+            </a:r>
+            <a:endParaRPr lang="en-US" b="1" dirty="0"/>
+          </a:p>
+        </p:txBody>
+      </p:sp>
+      <p:sp>
+        <p:nvSpPr>
+          <p:cNvPr id="18" name="TextBox 17">
+            <a:extLst>
+              <a:ext uri="{FF2B5EF4-FFF2-40B4-BE49-F238E27FC236}">
+                <a16:creationId xmlns:a16="http://schemas.microsoft.com/office/drawing/2014/main" id="{53130B42-CC2D-6387-8560-2F8D574F0872}"/>
+              </a:ext>
+            </a:extLst>
+          </p:cNvPr>
+          <p:cNvSpPr txBox="1"/>
+          <p:nvPr/>
+        </p:nvSpPr>
+        <p:spPr>
+          <a:xfrm>
+            <a:off x="93306" y="3303037"/>
+            <a:ext cx="1589314" cy="3139321"/>
+          </a:xfrm>
+          <a:prstGeom prst="rect">
+            <a:avLst/>
+          </a:prstGeom>
+          <a:noFill/>
+        </p:spPr>
+        <p:txBody>
+          <a:bodyPr wrap="square" rtlCol="0">
+            <a:spAutoFit/>
+          </a:bodyPr>
+          <a:lstStyle/>
+          <a:p>
+            <a:pPr marL="342900" indent="-342900">
+              <a:buAutoNum type="arabicPeriod"/>
+            </a:pPr>
+            <a:r>
+              <a:rPr lang="en-IN" dirty="0"/>
+              <a:t>Event is Raised.</a:t>
+            </a:r>
+          </a:p>
+          <a:p>
+            <a:pPr marL="342900" indent="-342900">
+              <a:buAutoNum type="arabicPeriod"/>
+            </a:pPr>
+            <a:r>
+              <a:rPr lang="en-IN" dirty="0"/>
+              <a:t>Logic is called.</a:t>
+            </a:r>
+          </a:p>
+          <a:p>
+            <a:pPr marL="342900" indent="-342900">
+              <a:buAutoNum type="arabicPeriod"/>
+            </a:pPr>
+            <a:r>
+              <a:rPr lang="en-IN" dirty="0"/>
+              <a:t>Update Data.</a:t>
+            </a:r>
+          </a:p>
+          <a:p>
+            <a:pPr marL="342900" indent="-342900">
+              <a:buAutoNum type="arabicPeriod"/>
+            </a:pPr>
+            <a:r>
+              <a:rPr lang="en-IN" dirty="0"/>
+              <a:t>Data is shown back to UI</a:t>
+            </a:r>
+          </a:p>
+          <a:p>
+            <a:pPr marL="342900" indent="-342900">
+              <a:buAutoNum type="arabicPeriod"/>
+            </a:pPr>
+            <a:endParaRPr lang="en-IN" dirty="0"/>
+          </a:p>
+          <a:p>
+            <a:pPr marL="342900" indent="-342900">
+              <a:buAutoNum type="arabicPeriod"/>
+            </a:pPr>
+            <a:endParaRPr lang="en-US" dirty="0"/>
+          </a:p>
+        </p:txBody>
+      </p:sp>
+      <p:cxnSp>
+        <p:nvCxnSpPr>
+          <p:cNvPr id="20" name="Connector: Elbow 19">
+            <a:extLst>
+              <a:ext uri="{FF2B5EF4-FFF2-40B4-BE49-F238E27FC236}">
+                <a16:creationId xmlns:a16="http://schemas.microsoft.com/office/drawing/2014/main" id="{9D00FEAB-6D1D-CE87-9C9B-7A03936CD406}"/>
+              </a:ext>
+            </a:extLst>
+          </p:cNvPr>
+          <p:cNvCxnSpPr>
+            <a:endCxn id="16" idx="1"/>
+          </p:cNvCxnSpPr>
+          <p:nvPr/>
+        </p:nvCxnSpPr>
+        <p:spPr>
+          <a:xfrm>
+            <a:off x="4469363" y="4049486"/>
+            <a:ext cx="1987421" cy="533676"/>
+          </a:xfrm>
+          <a:prstGeom prst="bentConnector3">
+            <a:avLst/>
+          </a:prstGeom>
+          <a:ln w="76200">
+            <a:solidFill>
+              <a:srgbClr val="FFFF00"/>
+            </a:solidFill>
+            <a:tailEnd type="triangle"/>
+          </a:ln>
+        </p:spPr>
+        <p:style>
+          <a:lnRef idx="1">
+            <a:schemeClr val="accent1"/>
+          </a:lnRef>
+          <a:fillRef idx="0">
+            <a:schemeClr val="accent1"/>
+          </a:fillRef>
+          <a:effectRef idx="0">
+            <a:schemeClr val="accent1"/>
+          </a:effectRef>
+          <a:fontRef idx="minor">
+            <a:schemeClr val="tx1"/>
+          </a:fontRef>
+        </p:style>
+      </p:cxnSp>
+      <p:cxnSp>
+        <p:nvCxnSpPr>
+          <p:cNvPr id="22" name="Connector: Elbow 21">
+            <a:extLst>
+              <a:ext uri="{FF2B5EF4-FFF2-40B4-BE49-F238E27FC236}">
+                <a16:creationId xmlns:a16="http://schemas.microsoft.com/office/drawing/2014/main" id="{0F2041F9-0EFA-D9C1-A4B9-7E41484D67C8}"/>
+              </a:ext>
+            </a:extLst>
+          </p:cNvPr>
+          <p:cNvCxnSpPr>
+            <a:stCxn id="16" idx="0"/>
+          </p:cNvCxnSpPr>
+          <p:nvPr/>
+        </p:nvCxnSpPr>
+        <p:spPr>
+          <a:xfrm rot="16200000" flipV="1">
+            <a:off x="7077070" y="2271803"/>
+            <a:ext cx="1591270" cy="723123"/>
+          </a:xfrm>
+          <a:prstGeom prst="bentConnector3">
+            <a:avLst/>
+          </a:prstGeom>
+          <a:ln w="76200">
+            <a:solidFill>
+              <a:srgbClr val="FFFF00"/>
+            </a:solidFill>
+            <a:tailEnd type="triangle"/>
+          </a:ln>
+        </p:spPr>
+        <p:style>
+          <a:lnRef idx="1">
+            <a:schemeClr val="accent1"/>
+          </a:lnRef>
+          <a:fillRef idx="0">
+            <a:schemeClr val="accent1"/>
+          </a:fillRef>
+          <a:effectRef idx="0">
+            <a:schemeClr val="accent1"/>
+          </a:effectRef>
+          <a:fontRef idx="minor">
+            <a:schemeClr val="tx1"/>
+          </a:fontRef>
+        </p:style>
+      </p:cxnSp>
+      <p:sp>
+        <p:nvSpPr>
+          <p:cNvPr id="23" name="Oval 22">
+            <a:extLst>
+              <a:ext uri="{FF2B5EF4-FFF2-40B4-BE49-F238E27FC236}">
+                <a16:creationId xmlns:a16="http://schemas.microsoft.com/office/drawing/2014/main" id="{D502162F-6D55-AA75-D41C-A2E91AF4FDA4}"/>
+              </a:ext>
+            </a:extLst>
+          </p:cNvPr>
+          <p:cNvSpPr/>
+          <p:nvPr/>
+        </p:nvSpPr>
+        <p:spPr>
+          <a:xfrm>
+            <a:off x="5134950" y="3841064"/>
+            <a:ext cx="457200" cy="475260"/>
+          </a:xfrm>
+          <a:prstGeom prst="ellipse">
+            <a:avLst/>
+          </a:prstGeom>
+        </p:spPr>
+        <p:style>
+          <a:lnRef idx="2">
+            <a:schemeClr val="accent1">
+              <a:shade val="50000"/>
+            </a:schemeClr>
+          </a:lnRef>
+          <a:fillRef idx="1">
+            <a:schemeClr val="accent1"/>
+          </a:fillRef>
+          <a:effectRef idx="0">
+            <a:schemeClr val="accent1"/>
+          </a:effectRef>
+          <a:fontRef idx="minor">
+            <a:schemeClr val="lt1"/>
+          </a:fontRef>
+        </p:style>
+        <p:txBody>
+          <a:bodyPr rtlCol="0" anchor="ctr"/>
+          <a:lstStyle/>
+          <a:p>
+            <a:pPr algn="ctr"/>
+            <a:r>
+              <a:rPr lang="en-IN" b="1" dirty="0"/>
+              <a:t>2</a:t>
+            </a:r>
+            <a:endParaRPr lang="en-US" b="1" dirty="0"/>
+          </a:p>
+        </p:txBody>
+      </p:sp>
+      <p:sp>
+        <p:nvSpPr>
+          <p:cNvPr id="24" name="Oval 23">
+            <a:extLst>
+              <a:ext uri="{FF2B5EF4-FFF2-40B4-BE49-F238E27FC236}">
+                <a16:creationId xmlns:a16="http://schemas.microsoft.com/office/drawing/2014/main" id="{5C4E07CE-C1E9-E56F-E099-C3D1263D47B8}"/>
+              </a:ext>
+            </a:extLst>
+          </p:cNvPr>
+          <p:cNvSpPr/>
+          <p:nvPr/>
+        </p:nvSpPr>
+        <p:spPr>
+          <a:xfrm>
+            <a:off x="7808734" y="2435977"/>
+            <a:ext cx="415636" cy="475260"/>
+          </a:xfrm>
+          <a:prstGeom prst="ellipse">
+            <a:avLst/>
+          </a:prstGeom>
+        </p:spPr>
+        <p:style>
+          <a:lnRef idx="2">
+            <a:schemeClr val="accent1">
+              <a:shade val="50000"/>
+            </a:schemeClr>
+          </a:lnRef>
+          <a:fillRef idx="1">
+            <a:schemeClr val="accent1"/>
+          </a:fillRef>
+          <a:effectRef idx="0">
+            <a:schemeClr val="accent1"/>
+          </a:effectRef>
+          <a:fontRef idx="minor">
+            <a:schemeClr val="lt1"/>
+          </a:fontRef>
+        </p:style>
+        <p:txBody>
+          <a:bodyPr rtlCol="0" anchor="ctr"/>
+          <a:lstStyle/>
+          <a:p>
+            <a:pPr algn="ctr"/>
+            <a:r>
+              <a:rPr lang="en-IN" b="1" dirty="0"/>
+              <a:t>3</a:t>
+            </a:r>
+            <a:endParaRPr lang="en-US" b="1" dirty="0"/>
+          </a:p>
+        </p:txBody>
+      </p:sp>
+      <p:cxnSp>
+        <p:nvCxnSpPr>
+          <p:cNvPr id="26" name="Connector: Elbow 25">
+            <a:extLst>
+              <a:ext uri="{FF2B5EF4-FFF2-40B4-BE49-F238E27FC236}">
+                <a16:creationId xmlns:a16="http://schemas.microsoft.com/office/drawing/2014/main" id="{60F405CC-1576-6472-5C84-93E1191EA58B}"/>
+              </a:ext>
+            </a:extLst>
+          </p:cNvPr>
+          <p:cNvCxnSpPr>
+            <a:stCxn id="7" idx="1"/>
+            <a:endCxn id="6" idx="3"/>
+          </p:cNvCxnSpPr>
+          <p:nvPr/>
+        </p:nvCxnSpPr>
+        <p:spPr>
+          <a:xfrm rot="10800000" flipV="1">
+            <a:off x="4142792" y="1376065"/>
+            <a:ext cx="2313992" cy="499474"/>
+          </a:xfrm>
+          <a:prstGeom prst="bentConnector3">
+            <a:avLst/>
+          </a:prstGeom>
+          <a:ln w="76200">
+            <a:solidFill>
+              <a:srgbClr val="FFFF00"/>
+            </a:solidFill>
+            <a:tailEnd type="triangle"/>
+          </a:ln>
+        </p:spPr>
+        <p:style>
+          <a:lnRef idx="1">
+            <a:schemeClr val="accent1"/>
+          </a:lnRef>
+          <a:fillRef idx="0">
+            <a:schemeClr val="accent1"/>
+          </a:fillRef>
+          <a:effectRef idx="0">
+            <a:schemeClr val="accent1"/>
+          </a:effectRef>
+          <a:fontRef idx="minor">
+            <a:schemeClr val="tx1"/>
+          </a:fontRef>
+        </p:style>
+      </p:cxnSp>
+      <p:sp>
+        <p:nvSpPr>
+          <p:cNvPr id="27" name="Oval 26">
+            <a:extLst>
+              <a:ext uri="{FF2B5EF4-FFF2-40B4-BE49-F238E27FC236}">
+                <a16:creationId xmlns:a16="http://schemas.microsoft.com/office/drawing/2014/main" id="{9DB0DE78-C648-8B6F-667B-E5E8DA28938F}"/>
+              </a:ext>
+            </a:extLst>
+          </p:cNvPr>
+          <p:cNvSpPr/>
+          <p:nvPr/>
+        </p:nvSpPr>
+        <p:spPr>
+          <a:xfrm>
+            <a:off x="5071188" y="1546734"/>
+            <a:ext cx="457200" cy="475260"/>
+          </a:xfrm>
+          <a:prstGeom prst="ellipse">
+            <a:avLst/>
+          </a:prstGeom>
+        </p:spPr>
+        <p:style>
+          <a:lnRef idx="2">
+            <a:schemeClr val="accent1">
+              <a:shade val="50000"/>
+            </a:schemeClr>
+          </a:lnRef>
+          <a:fillRef idx="1">
+            <a:schemeClr val="accent1"/>
+          </a:fillRef>
+          <a:effectRef idx="0">
+            <a:schemeClr val="accent1"/>
+          </a:effectRef>
+          <a:fontRef idx="minor">
+            <a:schemeClr val="lt1"/>
+          </a:fontRef>
+        </p:style>
+        <p:txBody>
+          <a:bodyPr rtlCol="0" anchor="ctr"/>
+          <a:lstStyle/>
+          <a:p>
+            <a:pPr algn="ctr"/>
+            <a:r>
+              <a:rPr lang="en-IN" b="1" dirty="0"/>
+              <a:t>4</a:t>
+            </a:r>
+            <a:endParaRPr lang="en-US" b="1" dirty="0"/>
+          </a:p>
+        </p:txBody>
+      </p:sp>
+    </p:spTree>
+    <p:extLst>
+      <p:ext uri="{BB962C8B-B14F-4D97-AF65-F5344CB8AC3E}">
+        <p14:creationId xmlns:p14="http://schemas.microsoft.com/office/powerpoint/2010/main" val="492034141"/>
+      </p:ext>
+    </p:extLst>
+  </p:cSld>
+  <p:clrMapOvr>
+    <a:masterClrMapping/>
+  </p:clrMapOvr>
+</p:sld>
+</file>
+
+<file path=ppt/slides/slide23.xml><?xml version="1.0" encoding="utf-8"?>
+<p:sld xmlns:a="http://schemas.openxmlformats.org/drawingml/2006/main" xmlns:r="http://schemas.openxmlformats.org/officeDocument/2006/relationships" xmlns:p="http://schemas.openxmlformats.org/presentationml/2006/main">
+  <p:cSld>
+    <p:spTree>
+      <p:nvGrpSpPr>
+        <p:cNvPr id="1" name=""/>
+        <p:cNvGrpSpPr/>
+        <p:nvPr/>
+      </p:nvGrpSpPr>
+      <p:grpSpPr>
+        <a:xfrm>
+          <a:off x="0" y="0"/>
+          <a:ext cx="0" cy="0"/>
+          <a:chOff x="0" y="0"/>
+          <a:chExt cx="0" cy="0"/>
+        </a:xfrm>
+      </p:grpSpPr>
+      <p:sp>
+        <p:nvSpPr>
+          <p:cNvPr id="2" name="TextBox 1">
+            <a:extLst>
+              <a:ext uri="{FF2B5EF4-FFF2-40B4-BE49-F238E27FC236}">
+                <a16:creationId xmlns:a16="http://schemas.microsoft.com/office/drawing/2014/main" id="{83029287-3498-6672-216A-1F87293E5AD4}"/>
+              </a:ext>
+            </a:extLst>
+          </p:cNvPr>
+          <p:cNvSpPr txBox="1"/>
+          <p:nvPr/>
+        </p:nvSpPr>
+        <p:spPr>
+          <a:xfrm>
+            <a:off x="606490" y="466531"/>
+            <a:ext cx="10851502" cy="2031325"/>
+          </a:xfrm>
+          <a:prstGeom prst="rect">
+            <a:avLst/>
+          </a:prstGeom>
+          <a:noFill/>
+        </p:spPr>
+        <p:txBody>
+          <a:bodyPr wrap="square" rtlCol="0">
+            <a:spAutoFit/>
+          </a:bodyPr>
+          <a:lstStyle/>
+          <a:p>
+            <a:r>
+              <a:rPr lang="en-IN" b="1" dirty="0"/>
+              <a:t>Guidelines of Developing a lightweight responsive page</a:t>
+            </a:r>
+          </a:p>
+          <a:p>
+            <a:pPr marL="342900" indent="-342900">
+              <a:buFont typeface="+mj-lt"/>
+              <a:buAutoNum type="arabicPeriod"/>
+            </a:pPr>
+            <a:r>
+              <a:rPr lang="en-IN" b="1" dirty="0"/>
+              <a:t>Make sure that the data is lightweight</a:t>
+            </a:r>
+          </a:p>
+          <a:p>
+            <a:pPr marL="342900" indent="-342900">
+              <a:buFont typeface="+mj-lt"/>
+              <a:buAutoNum type="arabicPeriod"/>
+            </a:pPr>
+            <a:r>
+              <a:rPr lang="en-IN" b="1" dirty="0"/>
+              <a:t>Optimize the Logic in such a way that the server will execute only that logic which is required by the page to execute</a:t>
+            </a:r>
+          </a:p>
+          <a:p>
+            <a:pPr marL="342900" indent="-342900">
+              <a:buFont typeface="+mj-lt"/>
+              <a:buAutoNum type="arabicPeriod"/>
+            </a:pPr>
+            <a:r>
+              <a:rPr lang="en-IN" b="1" dirty="0"/>
+              <a:t>Make sure that the Page is executed Asynchronously</a:t>
+            </a:r>
+          </a:p>
+          <a:p>
+            <a:pPr marL="342900" indent="-342900">
+              <a:buFont typeface="+mj-lt"/>
+              <a:buAutoNum type="arabicPeriod"/>
+            </a:pPr>
+            <a:r>
+              <a:rPr lang="en-IN" b="1" dirty="0"/>
+              <a:t>The Logic will also be asynchronous</a:t>
+            </a:r>
+          </a:p>
+          <a:p>
+            <a:pPr marL="342900" indent="-342900">
+              <a:buFont typeface="+mj-lt"/>
+              <a:buAutoNum type="arabicPeriod"/>
+            </a:pPr>
+            <a:r>
+              <a:rPr lang="en-IN" b="1" dirty="0"/>
+              <a:t>Pass only that data which page wants to show on it</a:t>
+            </a:r>
+            <a:endParaRPr lang="en-US" b="1" dirty="0"/>
+          </a:p>
+        </p:txBody>
+      </p:sp>
+      <p:sp>
+        <p:nvSpPr>
+          <p:cNvPr id="3" name="Rectangle 2">
+            <a:extLst>
+              <a:ext uri="{FF2B5EF4-FFF2-40B4-BE49-F238E27FC236}">
+                <a16:creationId xmlns:a16="http://schemas.microsoft.com/office/drawing/2014/main" id="{CD5033CA-DE0A-77F7-D9FB-298CD85C3498}"/>
+              </a:ext>
+            </a:extLst>
+          </p:cNvPr>
+          <p:cNvSpPr/>
+          <p:nvPr/>
+        </p:nvSpPr>
+        <p:spPr>
+          <a:xfrm>
+            <a:off x="942392" y="3937518"/>
+            <a:ext cx="2621902" cy="1856792"/>
+          </a:xfrm>
+          <a:prstGeom prst="rect">
+            <a:avLst/>
+          </a:prstGeom>
+        </p:spPr>
+        <p:style>
+          <a:lnRef idx="2">
+            <a:schemeClr val="accent1">
+              <a:shade val="50000"/>
+            </a:schemeClr>
+          </a:lnRef>
+          <a:fillRef idx="1">
+            <a:schemeClr val="accent1"/>
+          </a:fillRef>
+          <a:effectRef idx="0">
+            <a:schemeClr val="accent1"/>
+          </a:effectRef>
+          <a:fontRef idx="minor">
+            <a:schemeClr val="lt1"/>
+          </a:fontRef>
+        </p:style>
+        <p:txBody>
+          <a:bodyPr rtlCol="0" anchor="ctr"/>
+          <a:lstStyle/>
+          <a:p>
+            <a:pPr algn="ctr"/>
+            <a:r>
+              <a:rPr lang="en-IN" b="1" dirty="0"/>
+              <a:t>Page with UI and Event</a:t>
+            </a:r>
+          </a:p>
+          <a:p>
+            <a:pPr algn="ctr"/>
+            <a:r>
+              <a:rPr lang="en-IN" b="1" dirty="0"/>
+              <a:t>View</a:t>
+            </a:r>
+            <a:endParaRPr lang="en-US" b="1" dirty="0"/>
+          </a:p>
+        </p:txBody>
+      </p:sp>
+      <p:sp>
+        <p:nvSpPr>
+          <p:cNvPr id="4" name="Arrow: Right 3">
+            <a:extLst>
+              <a:ext uri="{FF2B5EF4-FFF2-40B4-BE49-F238E27FC236}">
+                <a16:creationId xmlns:a16="http://schemas.microsoft.com/office/drawing/2014/main" id="{AE72A608-9A9A-178B-7DF7-B0FC1480CD07}"/>
+              </a:ext>
+            </a:extLst>
+          </p:cNvPr>
+          <p:cNvSpPr/>
+          <p:nvPr/>
+        </p:nvSpPr>
+        <p:spPr>
+          <a:xfrm>
+            <a:off x="3564295" y="5066522"/>
+            <a:ext cx="1772816" cy="457200"/>
+          </a:xfrm>
+          <a:prstGeom prst="rightArrow">
+            <a:avLst/>
+          </a:prstGeom>
+          <a:solidFill>
+            <a:srgbClr val="7030A0"/>
+          </a:solidFill>
+        </p:spPr>
+        <p:style>
+          <a:lnRef idx="2">
+            <a:schemeClr val="accent1">
+              <a:shade val="50000"/>
+            </a:schemeClr>
+          </a:lnRef>
+          <a:fillRef idx="1">
+            <a:schemeClr val="accent1"/>
+          </a:fillRef>
+          <a:effectRef idx="0">
+            <a:schemeClr val="accent1"/>
+          </a:effectRef>
+          <a:fontRef idx="minor">
+            <a:schemeClr val="lt1"/>
+          </a:fontRef>
+        </p:style>
+        <p:txBody>
+          <a:bodyPr rtlCol="0" anchor="ctr"/>
+          <a:lstStyle/>
+          <a:p>
+            <a:pPr algn="ctr"/>
+            <a:endParaRPr lang="en-US"/>
+          </a:p>
+        </p:txBody>
+      </p:sp>
+      <p:sp>
+        <p:nvSpPr>
+          <p:cNvPr id="5" name="Rectangle 4">
+            <a:extLst>
+              <a:ext uri="{FF2B5EF4-FFF2-40B4-BE49-F238E27FC236}">
+                <a16:creationId xmlns:a16="http://schemas.microsoft.com/office/drawing/2014/main" id="{D1339340-D626-4FD2-470F-E6CD2B03B771}"/>
+              </a:ext>
+            </a:extLst>
+          </p:cNvPr>
+          <p:cNvSpPr/>
+          <p:nvPr/>
+        </p:nvSpPr>
+        <p:spPr>
+          <a:xfrm>
+            <a:off x="7791061" y="3937518"/>
+            <a:ext cx="2621902" cy="1856792"/>
+          </a:xfrm>
+          <a:prstGeom prst="rect">
+            <a:avLst/>
+          </a:prstGeom>
+        </p:spPr>
+        <p:style>
+          <a:lnRef idx="2">
+            <a:schemeClr val="accent1">
+              <a:shade val="50000"/>
+            </a:schemeClr>
+          </a:lnRef>
+          <a:fillRef idx="1">
+            <a:schemeClr val="accent1"/>
+          </a:fillRef>
+          <a:effectRef idx="0">
+            <a:schemeClr val="accent1"/>
+          </a:effectRef>
+          <a:fontRef idx="minor">
+            <a:schemeClr val="lt1"/>
+          </a:fontRef>
+        </p:style>
+        <p:txBody>
+          <a:bodyPr rtlCol="0" anchor="ctr"/>
+          <a:lstStyle/>
+          <a:p>
+            <a:pPr algn="ctr"/>
+            <a:r>
+              <a:rPr lang="en-IN" b="1" dirty="0"/>
+              <a:t>Execute the Logic based on data and instruction received from Presenter</a:t>
+            </a:r>
+            <a:endParaRPr lang="en-US" b="1" dirty="0"/>
+          </a:p>
+        </p:txBody>
+      </p:sp>
+      <p:sp>
+        <p:nvSpPr>
+          <p:cNvPr id="6" name="Rectangle 5">
+            <a:extLst>
+              <a:ext uri="{FF2B5EF4-FFF2-40B4-BE49-F238E27FC236}">
+                <a16:creationId xmlns:a16="http://schemas.microsoft.com/office/drawing/2014/main" id="{0299F393-1D95-E5D4-9047-6B53BE791439}"/>
+              </a:ext>
+            </a:extLst>
+          </p:cNvPr>
+          <p:cNvSpPr/>
+          <p:nvPr/>
+        </p:nvSpPr>
+        <p:spPr>
+          <a:xfrm>
+            <a:off x="4366726" y="2556588"/>
+            <a:ext cx="2621902" cy="892991"/>
+          </a:xfrm>
+          <a:prstGeom prst="rect">
+            <a:avLst/>
+          </a:prstGeom>
+        </p:spPr>
+        <p:style>
+          <a:lnRef idx="2">
+            <a:schemeClr val="accent1">
+              <a:shade val="50000"/>
+            </a:schemeClr>
+          </a:lnRef>
+          <a:fillRef idx="1">
+            <a:schemeClr val="accent1"/>
+          </a:fillRef>
+          <a:effectRef idx="0">
+            <a:schemeClr val="accent1"/>
+          </a:effectRef>
+          <a:fontRef idx="minor">
+            <a:schemeClr val="lt1"/>
+          </a:fontRef>
+        </p:style>
+        <p:txBody>
+          <a:bodyPr rtlCol="0" anchor="ctr"/>
+          <a:lstStyle/>
+          <a:p>
+            <a:pPr algn="ctr"/>
+            <a:r>
+              <a:rPr lang="en-IN" b="1" dirty="0"/>
+              <a:t>The Data will be Updated</a:t>
+            </a:r>
+          </a:p>
+          <a:p>
+            <a:pPr algn="ctr"/>
+            <a:r>
+              <a:rPr lang="en-IN" b="1" dirty="0"/>
+              <a:t>Model</a:t>
+            </a:r>
+            <a:endParaRPr lang="en-US" b="1" dirty="0"/>
+          </a:p>
+        </p:txBody>
+      </p:sp>
+      <p:cxnSp>
+        <p:nvCxnSpPr>
+          <p:cNvPr id="8" name="Connector: Elbow 7">
+            <a:extLst>
+              <a:ext uri="{FF2B5EF4-FFF2-40B4-BE49-F238E27FC236}">
+                <a16:creationId xmlns:a16="http://schemas.microsoft.com/office/drawing/2014/main" id="{8D4814D5-9F45-D3CE-996B-175F8AF74E4C}"/>
+              </a:ext>
+            </a:extLst>
+          </p:cNvPr>
+          <p:cNvCxnSpPr>
+            <a:stCxn id="5" idx="0"/>
+            <a:endCxn id="6" idx="3"/>
+          </p:cNvCxnSpPr>
+          <p:nvPr/>
+        </p:nvCxnSpPr>
+        <p:spPr>
+          <a:xfrm rot="16200000" flipV="1">
+            <a:off x="7578103" y="2413609"/>
+            <a:ext cx="934434" cy="2113384"/>
+          </a:xfrm>
+          <a:prstGeom prst="bentConnector2">
+            <a:avLst/>
+          </a:prstGeom>
+          <a:ln w="76200">
+            <a:solidFill>
+              <a:srgbClr val="7030A0"/>
+            </a:solidFill>
+            <a:tailEnd type="triangle"/>
+          </a:ln>
+        </p:spPr>
+        <p:style>
+          <a:lnRef idx="1">
+            <a:schemeClr val="accent1"/>
+          </a:lnRef>
+          <a:fillRef idx="0">
+            <a:schemeClr val="accent1"/>
+          </a:fillRef>
+          <a:effectRef idx="0">
+            <a:schemeClr val="accent1"/>
+          </a:effectRef>
+          <a:fontRef idx="minor">
+            <a:schemeClr val="tx1"/>
+          </a:fontRef>
+        </p:style>
+      </p:cxnSp>
+      <p:cxnSp>
+        <p:nvCxnSpPr>
+          <p:cNvPr id="10" name="Connector: Elbow 9">
+            <a:extLst>
+              <a:ext uri="{FF2B5EF4-FFF2-40B4-BE49-F238E27FC236}">
+                <a16:creationId xmlns:a16="http://schemas.microsoft.com/office/drawing/2014/main" id="{8C2EB5BB-3B29-B9BC-0A32-DDE430E811FC}"/>
+              </a:ext>
+            </a:extLst>
+          </p:cNvPr>
+          <p:cNvCxnSpPr>
+            <a:stCxn id="6" idx="1"/>
+            <a:endCxn id="3" idx="0"/>
+          </p:cNvCxnSpPr>
+          <p:nvPr/>
+        </p:nvCxnSpPr>
+        <p:spPr>
+          <a:xfrm rot="10800000" flipV="1">
+            <a:off x="2253344" y="3003084"/>
+            <a:ext cx="2113383" cy="934434"/>
+          </a:xfrm>
+          <a:prstGeom prst="bentConnector2">
+            <a:avLst/>
+          </a:prstGeom>
+          <a:ln w="76200">
+            <a:solidFill>
+              <a:srgbClr val="7030A0"/>
+            </a:solidFill>
+            <a:tailEnd type="triangle"/>
+          </a:ln>
+        </p:spPr>
+        <p:style>
+          <a:lnRef idx="1">
+            <a:schemeClr val="accent1"/>
+          </a:lnRef>
+          <a:fillRef idx="0">
+            <a:schemeClr val="accent1"/>
+          </a:fillRef>
+          <a:effectRef idx="0">
+            <a:schemeClr val="accent1"/>
+          </a:effectRef>
+          <a:fontRef idx="minor">
+            <a:schemeClr val="tx1"/>
+          </a:fontRef>
+        </p:style>
+      </p:cxnSp>
+      <p:sp>
+        <p:nvSpPr>
+          <p:cNvPr id="11" name="TextBox 10">
+            <a:extLst>
+              <a:ext uri="{FF2B5EF4-FFF2-40B4-BE49-F238E27FC236}">
+                <a16:creationId xmlns:a16="http://schemas.microsoft.com/office/drawing/2014/main" id="{3B82792C-26AE-059E-57B9-BE824CBDE1C6}"/>
+              </a:ext>
+            </a:extLst>
+          </p:cNvPr>
+          <p:cNvSpPr txBox="1"/>
+          <p:nvPr/>
+        </p:nvSpPr>
+        <p:spPr>
+          <a:xfrm>
+            <a:off x="457200" y="5729395"/>
+            <a:ext cx="5971592" cy="923330"/>
+          </a:xfrm>
+          <a:prstGeom prst="rect">
+            <a:avLst/>
+          </a:prstGeom>
+          <a:noFill/>
+        </p:spPr>
+        <p:txBody>
+          <a:bodyPr wrap="square" rtlCol="0">
+            <a:spAutoFit/>
+          </a:bodyPr>
+          <a:lstStyle/>
+          <a:p>
+            <a:pPr marL="342900" indent="-342900">
+              <a:buAutoNum type="arabicPeriod"/>
+            </a:pPr>
+            <a:r>
+              <a:rPr lang="en-IN" dirty="0"/>
+              <a:t>Model-View-View-Model (MVVM) Suitable for Desktop apps than Web Apps</a:t>
+            </a:r>
+          </a:p>
+          <a:p>
+            <a:pPr marL="342900" indent="-342900">
+              <a:buAutoNum type="arabicPeriod"/>
+            </a:pPr>
+            <a:r>
+              <a:rPr lang="en-US" dirty="0"/>
+              <a:t>Model-View-Presenter, suitable for Web Apps</a:t>
+            </a:r>
+          </a:p>
+        </p:txBody>
+      </p:sp>
+      <p:sp>
+        <p:nvSpPr>
+          <p:cNvPr id="12" name="Rectangle: Rounded Corners 11">
+            <a:extLst>
+              <a:ext uri="{FF2B5EF4-FFF2-40B4-BE49-F238E27FC236}">
+                <a16:creationId xmlns:a16="http://schemas.microsoft.com/office/drawing/2014/main" id="{AF91DA27-0281-03F1-69AE-0F8E82C9A1EA}"/>
+              </a:ext>
+            </a:extLst>
+          </p:cNvPr>
+          <p:cNvSpPr/>
+          <p:nvPr/>
+        </p:nvSpPr>
+        <p:spPr>
+          <a:xfrm>
+            <a:off x="5318449" y="4777273"/>
+            <a:ext cx="1268963" cy="923330"/>
+          </a:xfrm>
+          <a:prstGeom prst="roundRect">
+            <a:avLst/>
+          </a:prstGeom>
+        </p:spPr>
+        <p:style>
+          <a:lnRef idx="2">
+            <a:schemeClr val="accent1">
+              <a:shade val="50000"/>
+            </a:schemeClr>
+          </a:lnRef>
+          <a:fillRef idx="1">
+            <a:schemeClr val="accent1"/>
+          </a:fillRef>
+          <a:effectRef idx="0">
+            <a:schemeClr val="accent1"/>
+          </a:effectRef>
+          <a:fontRef idx="minor">
+            <a:schemeClr val="lt1"/>
+          </a:fontRef>
+        </p:style>
+        <p:txBody>
+          <a:bodyPr rtlCol="0" anchor="ctr"/>
+          <a:lstStyle/>
+          <a:p>
+            <a:pPr algn="ctr"/>
+            <a:r>
+              <a:rPr lang="en-IN" b="1" dirty="0"/>
+              <a:t>Presenter to Listen Event</a:t>
+            </a:r>
+            <a:endParaRPr lang="en-US" b="1" dirty="0"/>
+          </a:p>
+        </p:txBody>
+      </p:sp>
+      <p:sp>
+        <p:nvSpPr>
+          <p:cNvPr id="13" name="Arrow: Right 12">
+            <a:extLst>
+              <a:ext uri="{FF2B5EF4-FFF2-40B4-BE49-F238E27FC236}">
+                <a16:creationId xmlns:a16="http://schemas.microsoft.com/office/drawing/2014/main" id="{5648509F-B6C3-6438-327F-C09595C088E9}"/>
+              </a:ext>
+            </a:extLst>
+          </p:cNvPr>
+          <p:cNvSpPr/>
+          <p:nvPr/>
+        </p:nvSpPr>
+        <p:spPr>
+          <a:xfrm>
+            <a:off x="6540760" y="4999652"/>
+            <a:ext cx="1250301" cy="457200"/>
+          </a:xfrm>
+          <a:prstGeom prst="rightArrow">
+            <a:avLst/>
+          </a:prstGeom>
+          <a:solidFill>
+            <a:srgbClr val="7030A0"/>
+          </a:solidFill>
+        </p:spPr>
+        <p:style>
+          <a:lnRef idx="2">
+            <a:schemeClr val="accent1">
+              <a:shade val="50000"/>
+            </a:schemeClr>
+          </a:lnRef>
+          <a:fillRef idx="1">
+            <a:schemeClr val="accent1"/>
+          </a:fillRef>
+          <a:effectRef idx="0">
+            <a:schemeClr val="accent1"/>
+          </a:effectRef>
+          <a:fontRef idx="minor">
+            <a:schemeClr val="lt1"/>
+          </a:fontRef>
+        </p:style>
+        <p:txBody>
+          <a:bodyPr rtlCol="0" anchor="ctr"/>
+          <a:lstStyle/>
+          <a:p>
+            <a:pPr algn="ctr"/>
+            <a:endParaRPr lang="en-US"/>
+          </a:p>
+        </p:txBody>
+      </p:sp>
+    </p:spTree>
+    <p:extLst>
+      <p:ext uri="{BB962C8B-B14F-4D97-AF65-F5344CB8AC3E}">
+        <p14:creationId xmlns:p14="http://schemas.microsoft.com/office/powerpoint/2010/main" val="3824862965"/>
+      </p:ext>
+    </p:extLst>
+  </p:cSld>
+  <p:clrMapOvr>
+    <a:masterClrMapping/>
+  </p:clrMapOvr>
+</p:sld>
+</file>
+
+<file path=ppt/slides/slide24.xml><?xml version="1.0" encoding="utf-8"?>
+<p:sld xmlns:a="http://schemas.openxmlformats.org/drawingml/2006/main" xmlns:r="http://schemas.openxmlformats.org/officeDocument/2006/relationships" xmlns:p="http://schemas.openxmlformats.org/presentationml/2006/main">
+  <p:cSld>
+    <p:spTree>
+      <p:nvGrpSpPr>
+        <p:cNvPr id="1" name=""/>
+        <p:cNvGrpSpPr/>
+        <p:nvPr/>
+      </p:nvGrpSpPr>
+      <p:grpSpPr>
+        <a:xfrm>
+          <a:off x="0" y="0"/>
+          <a:ext cx="0" cy="0"/>
+          <a:chOff x="0" y="0"/>
+          <a:chExt cx="0" cy="0"/>
+        </a:xfrm>
+      </p:grpSpPr>
+      <p:pic>
+        <p:nvPicPr>
+          <p:cNvPr id="2" name="Picture 1">
+            <a:extLst>
+              <a:ext uri="{FF2B5EF4-FFF2-40B4-BE49-F238E27FC236}">
+                <a16:creationId xmlns:a16="http://schemas.microsoft.com/office/drawing/2014/main" id="{120E3DFA-921F-CFCA-A799-C64B3D85C1DD}"/>
+              </a:ext>
+            </a:extLst>
+          </p:cNvPr>
+          <p:cNvPicPr>
+            <a:picLocks noChangeAspect="1"/>
+          </p:cNvPicPr>
+          <p:nvPr/>
+        </p:nvPicPr>
+        <p:blipFill>
+          <a:blip r:embed="rId2"/>
+          <a:stretch>
+            <a:fillRect/>
+          </a:stretch>
+        </p:blipFill>
+        <p:spPr>
+          <a:xfrm>
+            <a:off x="335360" y="565238"/>
+            <a:ext cx="5760640" cy="4958890"/>
+          </a:xfrm>
+          <a:prstGeom prst="rect">
+            <a:avLst/>
+          </a:prstGeom>
+        </p:spPr>
+      </p:pic>
+      <p:sp>
+        <p:nvSpPr>
+          <p:cNvPr id="5" name="TextBox 4">
+            <a:extLst>
+              <a:ext uri="{FF2B5EF4-FFF2-40B4-BE49-F238E27FC236}">
+                <a16:creationId xmlns:a16="http://schemas.microsoft.com/office/drawing/2014/main" id="{EE7FBF2F-6A6C-B868-4338-54F746110110}"/>
+              </a:ext>
+            </a:extLst>
+          </p:cNvPr>
+          <p:cNvSpPr txBox="1"/>
+          <p:nvPr/>
+        </p:nvSpPr>
+        <p:spPr>
+          <a:xfrm>
+            <a:off x="6783355" y="130629"/>
+            <a:ext cx="4991878" cy="646331"/>
+          </a:xfrm>
+          <a:prstGeom prst="rect">
+            <a:avLst/>
+          </a:prstGeom>
+          <a:noFill/>
+        </p:spPr>
+        <p:txBody>
+          <a:bodyPr wrap="square" rtlCol="0">
+            <a:spAutoFit/>
+          </a:bodyPr>
+          <a:lstStyle/>
+          <a:p>
+            <a:r>
+              <a:rPr lang="en-IN" b="1" dirty="0"/>
+              <a:t>1. Controller: This will be requested by the user and user will pass data to it.  </a:t>
+            </a:r>
+            <a:endParaRPr lang="en-US" b="1" dirty="0"/>
+          </a:p>
+        </p:txBody>
+      </p:sp>
+      <p:cxnSp>
+        <p:nvCxnSpPr>
+          <p:cNvPr id="7" name="Connector: Elbow 6">
+            <a:extLst>
+              <a:ext uri="{FF2B5EF4-FFF2-40B4-BE49-F238E27FC236}">
+                <a16:creationId xmlns:a16="http://schemas.microsoft.com/office/drawing/2014/main" id="{E6BE6AC8-89E0-F6CC-D8CD-751CBABCAAFF}"/>
+              </a:ext>
+            </a:extLst>
+          </p:cNvPr>
+          <p:cNvCxnSpPr>
+            <a:endCxn id="5" idx="1"/>
+          </p:cNvCxnSpPr>
+          <p:nvPr/>
+        </p:nvCxnSpPr>
+        <p:spPr>
+          <a:xfrm rot="5400000" flipH="1" flipV="1">
+            <a:off x="4472326" y="1542514"/>
+            <a:ext cx="3399748" cy="1222310"/>
+          </a:xfrm>
+          <a:prstGeom prst="bentConnector2">
+            <a:avLst/>
+          </a:prstGeom>
+          <a:ln>
+            <a:tailEnd type="triangle"/>
+          </a:ln>
+        </p:spPr>
+        <p:style>
+          <a:lnRef idx="1">
+            <a:schemeClr val="accent1"/>
+          </a:lnRef>
+          <a:fillRef idx="0">
+            <a:schemeClr val="accent1"/>
+          </a:fillRef>
+          <a:effectRef idx="0">
+            <a:schemeClr val="accent1"/>
+          </a:effectRef>
+          <a:fontRef idx="minor">
+            <a:schemeClr val="tx1"/>
+          </a:fontRef>
+        </p:style>
+      </p:cxnSp>
+      <p:sp>
+        <p:nvSpPr>
+          <p:cNvPr id="8" name="TextBox 7">
+            <a:extLst>
+              <a:ext uri="{FF2B5EF4-FFF2-40B4-BE49-F238E27FC236}">
+                <a16:creationId xmlns:a16="http://schemas.microsoft.com/office/drawing/2014/main" id="{7A7C79D3-FCD0-71C3-AAE1-C2E2F88A6487}"/>
+              </a:ext>
+            </a:extLst>
+          </p:cNvPr>
+          <p:cNvSpPr txBox="1"/>
+          <p:nvPr/>
+        </p:nvSpPr>
+        <p:spPr>
+          <a:xfrm>
+            <a:off x="6783355" y="1100126"/>
+            <a:ext cx="5073285" cy="1477328"/>
+          </a:xfrm>
+          <a:prstGeom prst="rect">
+            <a:avLst/>
+          </a:prstGeom>
+          <a:noFill/>
+        </p:spPr>
+        <p:txBody>
+          <a:bodyPr wrap="square" rtlCol="0">
+            <a:spAutoFit/>
+          </a:bodyPr>
+          <a:lstStyle/>
+          <a:p>
+            <a:r>
+              <a:rPr lang="en-IN" b="1" dirty="0"/>
+              <a:t>2. Based on HTTP Request by the user e.g. Http Get, Post, Put, and Delete, the Method from the controller (Action Method)  will be executed, and then this will execute the Model Layer (Model Class and Business Logic)</a:t>
+            </a:r>
+            <a:endParaRPr lang="en-US" b="1" dirty="0"/>
+          </a:p>
+        </p:txBody>
+      </p:sp>
+      <p:cxnSp>
+        <p:nvCxnSpPr>
+          <p:cNvPr id="10" name="Connector: Elbow 9">
+            <a:extLst>
+              <a:ext uri="{FF2B5EF4-FFF2-40B4-BE49-F238E27FC236}">
+                <a16:creationId xmlns:a16="http://schemas.microsoft.com/office/drawing/2014/main" id="{2537A56C-D174-FE29-F758-9BC734AFF3F8}"/>
+              </a:ext>
+            </a:extLst>
+          </p:cNvPr>
+          <p:cNvCxnSpPr>
+            <a:cxnSpLocks/>
+            <a:endCxn id="8" idx="1"/>
+          </p:cNvCxnSpPr>
+          <p:nvPr/>
+        </p:nvCxnSpPr>
+        <p:spPr>
+          <a:xfrm rot="5400000" flipH="1" flipV="1">
+            <a:off x="4670300" y="3084098"/>
+            <a:ext cx="3358362" cy="867747"/>
+          </a:xfrm>
+          <a:prstGeom prst="bentConnector2">
+            <a:avLst/>
+          </a:prstGeom>
+          <a:ln>
+            <a:tailEnd type="triangle"/>
+          </a:ln>
+        </p:spPr>
+        <p:style>
+          <a:lnRef idx="1">
+            <a:schemeClr val="accent1"/>
+          </a:lnRef>
+          <a:fillRef idx="0">
+            <a:schemeClr val="accent1"/>
+          </a:fillRef>
+          <a:effectRef idx="0">
+            <a:schemeClr val="accent1"/>
+          </a:effectRef>
+          <a:fontRef idx="minor">
+            <a:schemeClr val="tx1"/>
+          </a:fontRef>
+        </p:style>
+      </p:cxnSp>
+      <p:sp>
+        <p:nvSpPr>
+          <p:cNvPr id="12" name="TextBox 11">
+            <a:extLst>
+              <a:ext uri="{FF2B5EF4-FFF2-40B4-BE49-F238E27FC236}">
+                <a16:creationId xmlns:a16="http://schemas.microsoft.com/office/drawing/2014/main" id="{F924C7A5-567B-A850-5B89-D2DCC52CC9A7}"/>
+              </a:ext>
+            </a:extLst>
+          </p:cNvPr>
+          <p:cNvSpPr txBox="1"/>
+          <p:nvPr/>
+        </p:nvSpPr>
+        <p:spPr>
+          <a:xfrm>
+            <a:off x="849085" y="5635571"/>
+            <a:ext cx="4970648" cy="923330"/>
+          </a:xfrm>
+          <a:prstGeom prst="rect">
+            <a:avLst/>
+          </a:prstGeom>
+          <a:noFill/>
+        </p:spPr>
+        <p:txBody>
+          <a:bodyPr wrap="square" rtlCol="0">
+            <a:spAutoFit/>
+          </a:bodyPr>
+          <a:lstStyle/>
+          <a:p>
+            <a:r>
+              <a:rPr lang="en-IN" b="1" dirty="0"/>
+              <a:t>3. The Business Layer will execute the logic and will notify the Output Data aka Presentation Model to the Controller </a:t>
+            </a:r>
+            <a:endParaRPr lang="en-US" b="1" dirty="0"/>
+          </a:p>
+        </p:txBody>
+      </p:sp>
+      <p:cxnSp>
+        <p:nvCxnSpPr>
+          <p:cNvPr id="16" name="Connector: Elbow 15">
+            <a:extLst>
+              <a:ext uri="{FF2B5EF4-FFF2-40B4-BE49-F238E27FC236}">
+                <a16:creationId xmlns:a16="http://schemas.microsoft.com/office/drawing/2014/main" id="{4FEFCC6C-6586-41FA-7D36-9BD73F7E02E3}"/>
+              </a:ext>
+            </a:extLst>
+          </p:cNvPr>
+          <p:cNvCxnSpPr>
+            <a:endCxn id="12" idx="1"/>
+          </p:cNvCxnSpPr>
+          <p:nvPr/>
+        </p:nvCxnSpPr>
+        <p:spPr>
+          <a:xfrm rot="16200000" flipH="1">
+            <a:off x="-314749" y="4933401"/>
+            <a:ext cx="2243693" cy="83975"/>
+          </a:xfrm>
+          <a:prstGeom prst="bentConnector2">
+            <a:avLst/>
+          </a:prstGeom>
+          <a:ln>
+            <a:tailEnd type="triangle"/>
+          </a:ln>
+        </p:spPr>
+        <p:style>
+          <a:lnRef idx="1">
+            <a:schemeClr val="accent1"/>
+          </a:lnRef>
+          <a:fillRef idx="0">
+            <a:schemeClr val="accent1"/>
+          </a:fillRef>
+          <a:effectRef idx="0">
+            <a:schemeClr val="accent1"/>
+          </a:effectRef>
+          <a:fontRef idx="minor">
+            <a:schemeClr val="tx1"/>
+          </a:fontRef>
+        </p:style>
+      </p:cxnSp>
+      <p:sp>
+        <p:nvSpPr>
+          <p:cNvPr id="17" name="TextBox 16">
+            <a:extLst>
+              <a:ext uri="{FF2B5EF4-FFF2-40B4-BE49-F238E27FC236}">
+                <a16:creationId xmlns:a16="http://schemas.microsoft.com/office/drawing/2014/main" id="{CE92913F-C84C-A00B-1C33-4FF63C810646}"/>
+              </a:ext>
+            </a:extLst>
+          </p:cNvPr>
+          <p:cNvSpPr txBox="1"/>
+          <p:nvPr/>
+        </p:nvSpPr>
+        <p:spPr>
+          <a:xfrm>
+            <a:off x="0" y="130629"/>
+            <a:ext cx="4124131" cy="1477328"/>
+          </a:xfrm>
+          <a:prstGeom prst="rect">
+            <a:avLst/>
+          </a:prstGeom>
+          <a:noFill/>
+        </p:spPr>
+        <p:txBody>
+          <a:bodyPr wrap="square" rtlCol="0">
+            <a:spAutoFit/>
+          </a:bodyPr>
+          <a:lstStyle/>
+          <a:p>
+            <a:r>
+              <a:rPr lang="en-IN" b="1" dirty="0"/>
+              <a:t>4. The Controller will decide which view to be responded to</a:t>
+            </a:r>
+          </a:p>
+          <a:p>
+            <a:r>
+              <a:rPr lang="en-IN" b="1" dirty="0"/>
+              <a:t>User and Presentation</a:t>
+            </a:r>
+          </a:p>
+          <a:p>
+            <a:r>
+              <a:rPr lang="en-IN" b="1" dirty="0"/>
+              <a:t>Model will bind to it to show Data</a:t>
+            </a:r>
+          </a:p>
+          <a:p>
+            <a:r>
+              <a:rPr lang="en-IN" b="1" dirty="0"/>
+              <a:t>To user  </a:t>
+            </a:r>
+            <a:endParaRPr lang="en-US" b="1" dirty="0"/>
+          </a:p>
+        </p:txBody>
+      </p:sp>
+      <p:cxnSp>
+        <p:nvCxnSpPr>
+          <p:cNvPr id="19" name="Connector: Elbow 18">
+            <a:extLst>
+              <a:ext uri="{FF2B5EF4-FFF2-40B4-BE49-F238E27FC236}">
+                <a16:creationId xmlns:a16="http://schemas.microsoft.com/office/drawing/2014/main" id="{BF623BA5-BBC1-3073-F591-6DFB3BFF3D61}"/>
+              </a:ext>
+            </a:extLst>
+          </p:cNvPr>
+          <p:cNvCxnSpPr>
+            <a:cxnSpLocks/>
+          </p:cNvCxnSpPr>
+          <p:nvPr/>
+        </p:nvCxnSpPr>
+        <p:spPr>
+          <a:xfrm rot="16200000" flipH="1">
+            <a:off x="1683975" y="1413385"/>
+            <a:ext cx="774845" cy="615817"/>
+          </a:xfrm>
+          <a:prstGeom prst="bentConnector3">
+            <a:avLst/>
+          </a:prstGeom>
+          <a:ln>
+            <a:tailEnd type="triangle"/>
+          </a:ln>
+        </p:spPr>
+        <p:style>
+          <a:lnRef idx="1">
+            <a:schemeClr val="accent1"/>
+          </a:lnRef>
+          <a:fillRef idx="0">
+            <a:schemeClr val="accent1"/>
+          </a:fillRef>
+          <a:effectRef idx="0">
+            <a:schemeClr val="accent1"/>
+          </a:effectRef>
+          <a:fontRef idx="minor">
+            <a:schemeClr val="tx1"/>
+          </a:fontRef>
+        </p:style>
+      </p:cxnSp>
+    </p:spTree>
+    <p:extLst>
+      <p:ext uri="{BB962C8B-B14F-4D97-AF65-F5344CB8AC3E}">
+        <p14:creationId xmlns:p14="http://schemas.microsoft.com/office/powerpoint/2010/main" val="788737810"/>
+      </p:ext>
+    </p:extLst>
+  </p:cSld>
+  <p:clrMapOvr>
+    <a:masterClrMapping/>
+  </p:clrMapOvr>
+</p:sld>
+</file>
+
 <file path=ppt/slides/slide3.xml><?xml version="1.0" encoding="utf-8"?>
 <p:sld xmlns:a="http://schemas.openxmlformats.org/drawingml/2006/main" xmlns:r="http://schemas.openxmlformats.org/officeDocument/2006/relationships" xmlns:p="http://schemas.openxmlformats.org/presentationml/2006/main">
   <p:cSld>

--- a/Training_Images.pptx
+++ b/Training_Images.pptx
@@ -25,10 +25,13 @@
     <p:sldId id="273" r:id="rId19"/>
     <p:sldId id="274" r:id="rId20"/>
     <p:sldId id="275" r:id="rId21"/>
-    <p:sldId id="276" r:id="rId22"/>
-    <p:sldId id="277" r:id="rId23"/>
-    <p:sldId id="278" r:id="rId24"/>
-    <p:sldId id="279" r:id="rId25"/>
+    <p:sldId id="281" r:id="rId22"/>
+    <p:sldId id="276" r:id="rId23"/>
+    <p:sldId id="277" r:id="rId24"/>
+    <p:sldId id="278" r:id="rId25"/>
+    <p:sldId id="279" r:id="rId26"/>
+    <p:sldId id="280" r:id="rId27"/>
+    <p:sldId id="282" r:id="rId28"/>
   </p:sldIdLst>
   <p:sldSz cx="12192000" cy="6858000"/>
   <p:notesSz cx="6858000" cy="9144000"/>
@@ -282,7 +285,7 @@
           <a:p>
             <a:fld id="{F4B84776-BAA1-48A5-B83E-3E40081DB21F}" type="datetimeFigureOut">
               <a:rPr lang="en-US" smtClean="0"/>
-              <a:t>10/1/2022</a:t>
+              <a:t>10/3/2022</a:t>
             </a:fld>
             <a:endParaRPr lang="en-US"/>
           </a:p>
@@ -480,7 +483,7 @@
           <a:p>
             <a:fld id="{F4B84776-BAA1-48A5-B83E-3E40081DB21F}" type="datetimeFigureOut">
               <a:rPr lang="en-US" smtClean="0"/>
-              <a:t>10/1/2022</a:t>
+              <a:t>10/3/2022</a:t>
             </a:fld>
             <a:endParaRPr lang="en-US"/>
           </a:p>
@@ -688,7 +691,7 @@
           <a:p>
             <a:fld id="{F4B84776-BAA1-48A5-B83E-3E40081DB21F}" type="datetimeFigureOut">
               <a:rPr lang="en-US" smtClean="0"/>
-              <a:t>10/1/2022</a:t>
+              <a:t>10/3/2022</a:t>
             </a:fld>
             <a:endParaRPr lang="en-US"/>
           </a:p>
@@ -886,7 +889,7 @@
           <a:p>
             <a:fld id="{F4B84776-BAA1-48A5-B83E-3E40081DB21F}" type="datetimeFigureOut">
               <a:rPr lang="en-US" smtClean="0"/>
-              <a:t>10/1/2022</a:t>
+              <a:t>10/3/2022</a:t>
             </a:fld>
             <a:endParaRPr lang="en-US"/>
           </a:p>
@@ -1161,7 +1164,7 @@
           <a:p>
             <a:fld id="{F4B84776-BAA1-48A5-B83E-3E40081DB21F}" type="datetimeFigureOut">
               <a:rPr lang="en-US" smtClean="0"/>
-              <a:t>10/1/2022</a:t>
+              <a:t>10/3/2022</a:t>
             </a:fld>
             <a:endParaRPr lang="en-US"/>
           </a:p>
@@ -1426,7 +1429,7 @@
           <a:p>
             <a:fld id="{F4B84776-BAA1-48A5-B83E-3E40081DB21F}" type="datetimeFigureOut">
               <a:rPr lang="en-US" smtClean="0"/>
-              <a:t>10/1/2022</a:t>
+              <a:t>10/3/2022</a:t>
             </a:fld>
             <a:endParaRPr lang="en-US"/>
           </a:p>
@@ -1838,7 +1841,7 @@
           <a:p>
             <a:fld id="{F4B84776-BAA1-48A5-B83E-3E40081DB21F}" type="datetimeFigureOut">
               <a:rPr lang="en-US" smtClean="0"/>
-              <a:t>10/1/2022</a:t>
+              <a:t>10/3/2022</a:t>
             </a:fld>
             <a:endParaRPr lang="en-US"/>
           </a:p>
@@ -1979,7 +1982,7 @@
           <a:p>
             <a:fld id="{F4B84776-BAA1-48A5-B83E-3E40081DB21F}" type="datetimeFigureOut">
               <a:rPr lang="en-US" smtClean="0"/>
-              <a:t>10/1/2022</a:t>
+              <a:t>10/3/2022</a:t>
             </a:fld>
             <a:endParaRPr lang="en-US"/>
           </a:p>
@@ -2092,7 +2095,7 @@
           <a:p>
             <a:fld id="{F4B84776-BAA1-48A5-B83E-3E40081DB21F}" type="datetimeFigureOut">
               <a:rPr lang="en-US" smtClean="0"/>
-              <a:t>10/1/2022</a:t>
+              <a:t>10/3/2022</a:t>
             </a:fld>
             <a:endParaRPr lang="en-US"/>
           </a:p>
@@ -2403,7 +2406,7 @@
           <a:p>
             <a:fld id="{F4B84776-BAA1-48A5-B83E-3E40081DB21F}" type="datetimeFigureOut">
               <a:rPr lang="en-US" smtClean="0"/>
-              <a:t>10/1/2022</a:t>
+              <a:t>10/3/2022</a:t>
             </a:fld>
             <a:endParaRPr lang="en-US"/>
           </a:p>
@@ -2691,7 +2694,7 @@
           <a:p>
             <a:fld id="{F4B84776-BAA1-48A5-B83E-3E40081DB21F}" type="datetimeFigureOut">
               <a:rPr lang="en-US" smtClean="0"/>
-              <a:t>10/1/2022</a:t>
+              <a:t>10/3/2022</a:t>
             </a:fld>
             <a:endParaRPr lang="en-US"/>
           </a:p>
@@ -2932,7 +2935,7 @@
           <a:p>
             <a:fld id="{F4B84776-BAA1-48A5-B83E-3E40081DB21F}" type="datetimeFigureOut">
               <a:rPr lang="en-US" smtClean="0"/>
-              <a:t>10/1/2022</a:t>
+              <a:t>10/3/2022</a:t>
             </a:fld>
             <a:endParaRPr lang="en-US"/>
           </a:p>
@@ -16709,7 +16712,7 @@
           <p:cNvPr id="2" name="Rectangle 1">
             <a:extLst>
               <a:ext uri="{FF2B5EF4-FFF2-40B4-BE49-F238E27FC236}">
-                <a16:creationId xmlns:a16="http://schemas.microsoft.com/office/drawing/2014/main" id="{2E711932-8E7A-AE90-8FBB-8CECD3A3C3BF}"/>
+                <a16:creationId xmlns:a16="http://schemas.microsoft.com/office/drawing/2014/main" id="{584D875B-087E-8AA5-0DC6-FF392D3375B3}"/>
               </a:ext>
             </a:extLst>
           </p:cNvPr>
@@ -16718,89 +16721,8 @@
         </p:nvSpPr>
         <p:spPr>
           <a:xfrm>
-            <a:off x="5075852" y="279918"/>
-            <a:ext cx="5980923" cy="5421086"/>
-          </a:xfrm>
-          <a:prstGeom prst="rect">
-            <a:avLst/>
-          </a:prstGeom>
-        </p:spPr>
-        <p:style>
-          <a:lnRef idx="2">
-            <a:schemeClr val="accent6"/>
-          </a:lnRef>
-          <a:fillRef idx="1">
-            <a:schemeClr val="lt1"/>
-          </a:fillRef>
-          <a:effectRef idx="0">
-            <a:schemeClr val="accent6"/>
-          </a:effectRef>
-          <a:fontRef idx="minor">
-            <a:schemeClr val="dk1"/>
-          </a:fontRef>
-        </p:style>
-        <p:txBody>
-          <a:bodyPr rtlCol="0" anchor="ctr"/>
-          <a:lstStyle/>
-          <a:p>
-            <a:pPr algn="ctr"/>
-            <a:endParaRPr lang="en-US"/>
-          </a:p>
-        </p:txBody>
-      </p:sp>
-      <p:sp>
-        <p:nvSpPr>
-          <p:cNvPr id="3" name="TextBox 2">
-            <a:extLst>
-              <a:ext uri="{FF2B5EF4-FFF2-40B4-BE49-F238E27FC236}">
-                <a16:creationId xmlns:a16="http://schemas.microsoft.com/office/drawing/2014/main" id="{E3B9DFF6-2873-02D9-2F6C-5C883AD49678}"/>
-              </a:ext>
-            </a:extLst>
-          </p:cNvPr>
-          <p:cNvSpPr txBox="1"/>
-          <p:nvPr/>
-        </p:nvSpPr>
-        <p:spPr>
-          <a:xfrm>
-            <a:off x="5234473" y="429208"/>
-            <a:ext cx="5570376" cy="369332"/>
-          </a:xfrm>
-          <a:prstGeom prst="rect">
-            <a:avLst/>
-          </a:prstGeom>
-          <a:noFill/>
-        </p:spPr>
-        <p:txBody>
-          <a:bodyPr wrap="square" rtlCol="0">
-            <a:spAutoFit/>
-          </a:bodyPr>
-          <a:lstStyle/>
-          <a:p>
-            <a:pPr algn="ctr"/>
-            <a:r>
-              <a:rPr lang="en-IN" b="1" dirty="0"/>
-              <a:t>Web Server</a:t>
-            </a:r>
-            <a:endParaRPr lang="en-US" b="1" dirty="0"/>
-          </a:p>
-        </p:txBody>
-      </p:sp>
-      <p:sp>
-        <p:nvSpPr>
-          <p:cNvPr id="4" name="Rectangle 3">
-            <a:extLst>
-              <a:ext uri="{FF2B5EF4-FFF2-40B4-BE49-F238E27FC236}">
-                <a16:creationId xmlns:a16="http://schemas.microsoft.com/office/drawing/2014/main" id="{98AED90A-E674-887E-8DAA-E727695038BD}"/>
-              </a:ext>
-            </a:extLst>
-          </p:cNvPr>
-          <p:cNvSpPr/>
-          <p:nvPr/>
-        </p:nvSpPr>
-        <p:spPr>
-          <a:xfrm>
-            <a:off x="5085184" y="5859624"/>
-            <a:ext cx="5962261" cy="737119"/>
+            <a:off x="130629" y="5859624"/>
+            <a:ext cx="11877869" cy="895739"/>
           </a:xfrm>
           <a:prstGeom prst="rect">
             <a:avLst/>
@@ -16829,7 +16751,7 @@
             <a:pPr algn="ctr"/>
             <a:r>
               <a:rPr lang="en-IN" b="1" dirty="0"/>
-              <a:t>Operating System</a:t>
+              <a:t>Operating System i.e. Windows</a:t>
             </a:r>
             <a:endParaRPr lang="en-US" b="1" dirty="0"/>
           </a:p>
@@ -16837,10 +16759,96 @@
       </p:sp>
       <p:sp>
         <p:nvSpPr>
+          <p:cNvPr id="3" name="Rectangle 2">
+            <a:extLst>
+              <a:ext uri="{FF2B5EF4-FFF2-40B4-BE49-F238E27FC236}">
+                <a16:creationId xmlns:a16="http://schemas.microsoft.com/office/drawing/2014/main" id="{12CD80CA-AC75-435A-9185-B7DD450563E0}"/>
+              </a:ext>
+            </a:extLst>
+          </p:cNvPr>
+          <p:cNvSpPr/>
+          <p:nvPr/>
+        </p:nvSpPr>
+        <p:spPr>
+          <a:xfrm>
+            <a:off x="181947" y="159796"/>
+            <a:ext cx="11775232" cy="5617028"/>
+          </a:xfrm>
+          <a:prstGeom prst="rect">
+            <a:avLst/>
+          </a:prstGeom>
+          <a:solidFill>
+            <a:schemeClr val="tx2">
+              <a:lumMod val="20000"/>
+              <a:lumOff val="80000"/>
+            </a:schemeClr>
+          </a:solidFill>
+        </p:spPr>
+        <p:style>
+          <a:lnRef idx="1">
+            <a:schemeClr val="accent5"/>
+          </a:lnRef>
+          <a:fillRef idx="2">
+            <a:schemeClr val="accent5"/>
+          </a:fillRef>
+          <a:effectRef idx="1">
+            <a:schemeClr val="accent5"/>
+          </a:effectRef>
+          <a:fontRef idx="minor">
+            <a:schemeClr val="dk1"/>
+          </a:fontRef>
+        </p:style>
+        <p:txBody>
+          <a:bodyPr rtlCol="0" anchor="ctr"/>
+          <a:lstStyle/>
+          <a:p>
+            <a:pPr algn="ctr"/>
+            <a:endParaRPr lang="en-US"/>
+          </a:p>
+        </p:txBody>
+      </p:sp>
+      <p:sp>
+        <p:nvSpPr>
+          <p:cNvPr id="4" name="TextBox 3">
+            <a:extLst>
+              <a:ext uri="{FF2B5EF4-FFF2-40B4-BE49-F238E27FC236}">
+                <a16:creationId xmlns:a16="http://schemas.microsoft.com/office/drawing/2014/main" id="{F877664F-1A30-68AB-8EC9-C705A9535D6A}"/>
+              </a:ext>
+            </a:extLst>
+          </p:cNvPr>
+          <p:cNvSpPr txBox="1"/>
+          <p:nvPr/>
+        </p:nvSpPr>
+        <p:spPr>
+          <a:xfrm>
+            <a:off x="251927" y="345233"/>
+            <a:ext cx="3359020" cy="369332"/>
+          </a:xfrm>
+          <a:prstGeom prst="rect">
+            <a:avLst/>
+          </a:prstGeom>
+          <a:noFill/>
+        </p:spPr>
+        <p:txBody>
+          <a:bodyPr wrap="square" rtlCol="0">
+            <a:spAutoFit/>
+          </a:bodyPr>
+          <a:lstStyle/>
+          <a:p>
+            <a:r>
+              <a:rPr lang="en-IN" b="1" dirty="0"/>
+              <a:t>CLR</a:t>
+            </a:r>
+            <a:endParaRPr lang="en-US" b="1" dirty="0"/>
+          </a:p>
+        </p:txBody>
+      </p:sp>
+      <p:sp>
+        <p:nvSpPr>
           <p:cNvPr id="5" name="Rectangle 4">
             <a:extLst>
               <a:ext uri="{FF2B5EF4-FFF2-40B4-BE49-F238E27FC236}">
-                <a16:creationId xmlns:a16="http://schemas.microsoft.com/office/drawing/2014/main" id="{B8EBF7BD-653F-FA79-B681-72E9E3C5BD2C}"/>
+                <a16:creationId xmlns:a16="http://schemas.microsoft.com/office/drawing/2014/main" id="{EC8BF36F-90DA-D788-7E1A-D2B47ED74A82}"/>
               </a:ext>
             </a:extLst>
           </p:cNvPr>
@@ -16849,14 +16857,17 @@
         </p:nvSpPr>
         <p:spPr>
           <a:xfrm>
-            <a:off x="5085184" y="4021494"/>
-            <a:ext cx="5980923" cy="1530220"/>
+            <a:off x="373224" y="714566"/>
+            <a:ext cx="9498564" cy="3876096"/>
           </a:xfrm>
           <a:prstGeom prst="rect">
             <a:avLst/>
           </a:prstGeom>
           <a:solidFill>
-            <a:schemeClr val="accent2"/>
+            <a:schemeClr val="accent6">
+              <a:lumMod val="20000"/>
+              <a:lumOff val="80000"/>
+            </a:schemeClr>
           </a:solidFill>
         </p:spPr>
         <p:style>
@@ -16880,34 +16891,174 @@
           <a:lstStyle/>
           <a:p>
             <a:pPr algn="ctr"/>
+            <a:endParaRPr lang="en-US"/>
+          </a:p>
+        </p:txBody>
+      </p:sp>
+      <p:sp>
+        <p:nvSpPr>
+          <p:cNvPr id="6" name="Rectangle 5">
+            <a:extLst>
+              <a:ext uri="{FF2B5EF4-FFF2-40B4-BE49-F238E27FC236}">
+                <a16:creationId xmlns:a16="http://schemas.microsoft.com/office/drawing/2014/main" id="{0F3FBE13-2AD8-1D2F-A858-9334062E6553}"/>
+              </a:ext>
+            </a:extLst>
+          </p:cNvPr>
+          <p:cNvSpPr/>
+          <p:nvPr/>
+        </p:nvSpPr>
+        <p:spPr>
+          <a:xfrm>
+            <a:off x="391886" y="4730620"/>
+            <a:ext cx="11346024" cy="1045029"/>
+          </a:xfrm>
+          <a:prstGeom prst="rect">
+            <a:avLst/>
+          </a:prstGeom>
+        </p:spPr>
+        <p:style>
+          <a:lnRef idx="2">
+            <a:schemeClr val="accent4">
+              <a:shade val="50000"/>
+            </a:schemeClr>
+          </a:lnRef>
+          <a:fillRef idx="1">
+            <a:schemeClr val="accent4"/>
+          </a:fillRef>
+          <a:effectRef idx="0">
+            <a:schemeClr val="accent4"/>
+          </a:effectRef>
+          <a:fontRef idx="minor">
+            <a:schemeClr val="lt1"/>
+          </a:fontRef>
+        </p:style>
+        <p:txBody>
+          <a:bodyPr rtlCol="0" anchor="ctr"/>
+          <a:lstStyle/>
+          <a:p>
+            <a:pPr algn="ctr"/>
+            <a:endParaRPr lang="en-US" b="1" dirty="0"/>
+          </a:p>
+        </p:txBody>
+      </p:sp>
+      <p:sp>
+        <p:nvSpPr>
+          <p:cNvPr id="7" name="TextBox 6">
+            <a:extLst>
+              <a:ext uri="{FF2B5EF4-FFF2-40B4-BE49-F238E27FC236}">
+                <a16:creationId xmlns:a16="http://schemas.microsoft.com/office/drawing/2014/main" id="{DCD8F765-44D7-CA5E-E370-8A4A1354F037}"/>
+              </a:ext>
+            </a:extLst>
+          </p:cNvPr>
+          <p:cNvSpPr txBox="1"/>
+          <p:nvPr/>
+        </p:nvSpPr>
+        <p:spPr>
+          <a:xfrm>
+            <a:off x="454090" y="4730620"/>
+            <a:ext cx="3548743" cy="369332"/>
+          </a:xfrm>
+          <a:prstGeom prst="rect">
+            <a:avLst/>
+          </a:prstGeom>
+          <a:noFill/>
+        </p:spPr>
+        <p:txBody>
+          <a:bodyPr wrap="square" rtlCol="0">
+            <a:spAutoFit/>
+          </a:bodyPr>
+          <a:lstStyle/>
+          <a:p>
             <a:r>
               <a:rPr lang="en-IN" b="1" dirty="0"/>
-              <a:t>Web Application Framework</a:t>
-            </a:r>
-          </a:p>
-          <a:p>
-            <a:pPr algn="ctr"/>
+              <a:t>Framework Class Library</a:t>
+            </a:r>
+            <a:endParaRPr lang="en-US" b="1" dirty="0"/>
+          </a:p>
+        </p:txBody>
+      </p:sp>
+      <p:sp>
+        <p:nvSpPr>
+          <p:cNvPr id="8" name="TextBox 7">
+            <a:extLst>
+              <a:ext uri="{FF2B5EF4-FFF2-40B4-BE49-F238E27FC236}">
+                <a16:creationId xmlns:a16="http://schemas.microsoft.com/office/drawing/2014/main" id="{DCB1FEFE-4391-9265-E512-36E057551945}"/>
+              </a:ext>
+            </a:extLst>
+          </p:cNvPr>
+          <p:cNvSpPr txBox="1"/>
+          <p:nvPr/>
+        </p:nvSpPr>
+        <p:spPr>
+          <a:xfrm>
+            <a:off x="454090" y="5099952"/>
+            <a:ext cx="5442857" cy="369332"/>
+          </a:xfrm>
+          <a:prstGeom prst="rect">
+            <a:avLst/>
+          </a:prstGeom>
+          <a:noFill/>
+        </p:spPr>
+        <p:txBody>
+          <a:bodyPr wrap="square" rtlCol="0">
+            <a:spAutoFit/>
+          </a:bodyPr>
+          <a:lstStyle/>
+          <a:p>
+            <a:r>
+              <a:rPr lang="en-IN" dirty="0"/>
+              <a:t>System.Web.dll, System.Web.Mvc.dll, etc.</a:t>
+            </a:r>
+            <a:endParaRPr lang="en-US" dirty="0"/>
+          </a:p>
+        </p:txBody>
+      </p:sp>
+      <p:sp>
+        <p:nvSpPr>
+          <p:cNvPr id="9" name="TextBox 8">
+            <a:extLst>
+              <a:ext uri="{FF2B5EF4-FFF2-40B4-BE49-F238E27FC236}">
+                <a16:creationId xmlns:a16="http://schemas.microsoft.com/office/drawing/2014/main" id="{1A6B1B05-CA8C-F075-8442-53BFE516444E}"/>
+              </a:ext>
+            </a:extLst>
+          </p:cNvPr>
+          <p:cNvSpPr txBox="1"/>
+          <p:nvPr/>
+        </p:nvSpPr>
+        <p:spPr>
+          <a:xfrm>
+            <a:off x="454090" y="821094"/>
+            <a:ext cx="6198637" cy="369332"/>
+          </a:xfrm>
+          <a:prstGeom prst="rect">
+            <a:avLst/>
+          </a:prstGeom>
+          <a:noFill/>
+        </p:spPr>
+        <p:txBody>
+          <a:bodyPr wrap="square" rtlCol="0">
+            <a:spAutoFit/>
+          </a:bodyPr>
+          <a:lstStyle/>
+          <a:p>
+            <a:r>
+              <a:rPr lang="en-IN" dirty="0"/>
+              <a:t>MVC Application Loaded in AppDomain </a:t>
+            </a:r>
             <a:r>
               <a:rPr lang="en-IN" b="1" dirty="0"/>
-              <a:t>ASP.NET, </a:t>
-            </a:r>
-          </a:p>
-          <a:p>
-            <a:pPr algn="ctr"/>
-            <a:r>
-              <a:rPr lang="en-IN" b="1" dirty="0"/>
-              <a:t>, JSP</a:t>
-            </a:r>
-            <a:endParaRPr lang="en-US" b="1" dirty="0"/>
-          </a:p>
-        </p:txBody>
-      </p:sp>
-      <p:sp>
-        <p:nvSpPr>
-          <p:cNvPr id="6" name="Rectangle 5">
-            <a:extLst>
-              <a:ext uri="{FF2B5EF4-FFF2-40B4-BE49-F238E27FC236}">
-                <a16:creationId xmlns:a16="http://schemas.microsoft.com/office/drawing/2014/main" id="{906DF3FB-F358-4311-0095-B4F2BE66FC49}"/>
+              <a:t>MVP_App.dll</a:t>
+            </a:r>
+            <a:endParaRPr lang="en-US" dirty="0"/>
+          </a:p>
+        </p:txBody>
+      </p:sp>
+      <p:sp>
+        <p:nvSpPr>
+          <p:cNvPr id="10" name="Rectangle: Rounded Corners 9">
+            <a:extLst>
+              <a:ext uri="{FF2B5EF4-FFF2-40B4-BE49-F238E27FC236}">
+                <a16:creationId xmlns:a16="http://schemas.microsoft.com/office/drawing/2014/main" id="{B120AE0C-134D-F833-B71B-2B4E8B368E80}"/>
               </a:ext>
             </a:extLst>
           </p:cNvPr>
@@ -16916,15 +17067,12 @@
         </p:nvSpPr>
         <p:spPr>
           <a:xfrm>
-            <a:off x="5085184" y="2139821"/>
-            <a:ext cx="5980923" cy="1530220"/>
-          </a:xfrm>
-          <a:prstGeom prst="rect">
-            <a:avLst/>
-          </a:prstGeom>
-          <a:solidFill>
-            <a:schemeClr val="accent2"/>
-          </a:solidFill>
+            <a:off x="547395" y="2794518"/>
+            <a:ext cx="3545633" cy="947829"/>
+          </a:xfrm>
+          <a:prstGeom prst="roundRect">
+            <a:avLst/>
+          </a:prstGeom>
         </p:spPr>
         <p:style>
           <a:lnRef idx="2">
@@ -16949,33 +17097,18 @@
             <a:pPr algn="ctr"/>
             <a:r>
               <a:rPr lang="en-IN" b="1" dirty="0"/>
-              <a:t>Web Application</a:t>
-            </a:r>
-          </a:p>
-          <a:p>
-            <a:pPr algn="ctr"/>
-            <a:endParaRPr lang="en-IN" b="1" dirty="0"/>
-          </a:p>
-          <a:p>
-            <a:pPr algn="ctr"/>
-            <a:endParaRPr lang="en-IN" b="1" dirty="0"/>
-          </a:p>
-          <a:p>
-            <a:pPr algn="ctr"/>
-            <a:endParaRPr lang="en-IN" b="1" dirty="0"/>
-          </a:p>
-          <a:p>
-            <a:pPr algn="ctr"/>
+              <a:t>Controllers</a:t>
+            </a:r>
             <a:endParaRPr lang="en-US" b="1" dirty="0"/>
           </a:p>
         </p:txBody>
       </p:sp>
       <p:sp>
         <p:nvSpPr>
-          <p:cNvPr id="7" name="Rectangle 6">
-            <a:extLst>
-              <a:ext uri="{FF2B5EF4-FFF2-40B4-BE49-F238E27FC236}">
-                <a16:creationId xmlns:a16="http://schemas.microsoft.com/office/drawing/2014/main" id="{00420AA0-D8C7-2EAB-D879-8F02A3067033}"/>
+          <p:cNvPr id="11" name="Rectangle: Rounded Corners 10">
+            <a:extLst>
+              <a:ext uri="{FF2B5EF4-FFF2-40B4-BE49-F238E27FC236}">
+                <a16:creationId xmlns:a16="http://schemas.microsoft.com/office/drawing/2014/main" id="{81E358F1-8402-9376-8DD6-A2ED2F350FC7}"/>
               </a:ext>
             </a:extLst>
           </p:cNvPr>
@@ -16984,10 +17117,10 @@
         </p:nvSpPr>
         <p:spPr>
           <a:xfrm>
-            <a:off x="5085184" y="2565918"/>
-            <a:ext cx="5962261" cy="298580"/>
-          </a:xfrm>
-          <a:prstGeom prst="rect">
+            <a:off x="547395" y="1749490"/>
+            <a:ext cx="3545633" cy="947829"/>
+          </a:xfrm>
+          <a:prstGeom prst="roundRect">
             <a:avLst/>
           </a:prstGeom>
         </p:spPr>
@@ -17013,19 +17146,19 @@
           <a:p>
             <a:pPr algn="ctr"/>
             <a:r>
-              <a:rPr lang="en-IN" dirty="0"/>
-              <a:t>Static HTML Pages, JavaScript, CSS</a:t>
-            </a:r>
-            <a:endParaRPr lang="en-US" dirty="0"/>
-          </a:p>
-        </p:txBody>
-      </p:sp>
-      <p:sp>
-        <p:nvSpPr>
-          <p:cNvPr id="8" name="Rectangle 7">
-            <a:extLst>
-              <a:ext uri="{FF2B5EF4-FFF2-40B4-BE49-F238E27FC236}">
-                <a16:creationId xmlns:a16="http://schemas.microsoft.com/office/drawing/2014/main" id="{58DD47DC-0770-41FA-B948-C8FBE3A76469}"/>
+              <a:rPr lang="en-IN" b="1" dirty="0"/>
+              <a:t>Views</a:t>
+            </a:r>
+            <a:endParaRPr lang="en-US" b="1" dirty="0"/>
+          </a:p>
+        </p:txBody>
+      </p:sp>
+      <p:sp>
+        <p:nvSpPr>
+          <p:cNvPr id="12" name="Rectangle: Rounded Corners 11">
+            <a:extLst>
+              <a:ext uri="{FF2B5EF4-FFF2-40B4-BE49-F238E27FC236}">
+                <a16:creationId xmlns:a16="http://schemas.microsoft.com/office/drawing/2014/main" id="{C7645331-48AE-44BF-D1E0-FCA91CACBF16}"/>
               </a:ext>
             </a:extLst>
           </p:cNvPr>
@@ -17034,10 +17167,10 @@
         </p:nvSpPr>
         <p:spPr>
           <a:xfrm>
-            <a:off x="5088290" y="3007566"/>
-            <a:ext cx="5962261" cy="556727"/>
-          </a:xfrm>
-          <a:prstGeom prst="rect">
+            <a:off x="547395" y="3834881"/>
+            <a:ext cx="3545633" cy="671805"/>
+          </a:xfrm>
+          <a:prstGeom prst="roundRect">
             <a:avLst/>
           </a:prstGeom>
         </p:spPr>
@@ -17063,19 +17196,19 @@
           <a:p>
             <a:pPr algn="ctr"/>
             <a:r>
-              <a:rPr lang="en-IN" dirty="0"/>
-              <a:t>Domain Classes, Data Access, Security Logic, etc.</a:t>
-            </a:r>
-            <a:endParaRPr lang="en-US" dirty="0"/>
-          </a:p>
-        </p:txBody>
-      </p:sp>
-      <p:sp>
-        <p:nvSpPr>
-          <p:cNvPr id="9" name="Rectangle 8">
-            <a:extLst>
-              <a:ext uri="{FF2B5EF4-FFF2-40B4-BE49-F238E27FC236}">
-                <a16:creationId xmlns:a16="http://schemas.microsoft.com/office/drawing/2014/main" id="{B711B137-38B4-AD6C-C38A-BCE1996F86E6}"/>
+              <a:rPr lang="en-IN" b="1" dirty="0"/>
+              <a:t>Other Objects e.g. Filters, Sessions, Security, etc.</a:t>
+            </a:r>
+            <a:endParaRPr lang="en-US" b="1" dirty="0"/>
+          </a:p>
+        </p:txBody>
+      </p:sp>
+      <p:sp>
+        <p:nvSpPr>
+          <p:cNvPr id="13" name="Rectangle: Rounded Corners 12">
+            <a:extLst>
+              <a:ext uri="{FF2B5EF4-FFF2-40B4-BE49-F238E27FC236}">
+                <a16:creationId xmlns:a16="http://schemas.microsoft.com/office/drawing/2014/main" id="{CDD246B3-DA01-A560-3B60-17D1134C517F}"/>
               </a:ext>
             </a:extLst>
           </p:cNvPr>
@@ -17084,10 +17217,10 @@
         </p:nvSpPr>
         <p:spPr>
           <a:xfrm>
-            <a:off x="5085182" y="1075346"/>
-            <a:ext cx="5980923" cy="482865"/>
-          </a:xfrm>
-          <a:prstGeom prst="rect">
+            <a:off x="5673012" y="1330384"/>
+            <a:ext cx="4058817" cy="554400"/>
+          </a:xfrm>
+          <a:prstGeom prst="roundRect">
             <a:avLst/>
           </a:prstGeom>
         </p:spPr>
@@ -17114,7 +17247,7 @@
             <a:pPr algn="ctr"/>
             <a:r>
               <a:rPr lang="en-IN" dirty="0"/>
-              <a:t>Request Listener and Interceptor</a:t>
+              <a:t>EntityBase.dll</a:t>
             </a:r>
             <a:endParaRPr lang="en-US" dirty="0"/>
           </a:p>
@@ -17122,10 +17255,10 @@
       </p:sp>
       <p:sp>
         <p:nvSpPr>
-          <p:cNvPr id="10" name="Arrow: Right 9">
-            <a:extLst>
-              <a:ext uri="{FF2B5EF4-FFF2-40B4-BE49-F238E27FC236}">
-                <a16:creationId xmlns:a16="http://schemas.microsoft.com/office/drawing/2014/main" id="{99057599-851D-FBB6-7496-0B1143FA858F}"/>
+          <p:cNvPr id="14" name="Rectangle: Rounded Corners 13">
+            <a:extLst>
+              <a:ext uri="{FF2B5EF4-FFF2-40B4-BE49-F238E27FC236}">
+                <a16:creationId xmlns:a16="http://schemas.microsoft.com/office/drawing/2014/main" id="{7A37C403-A686-1F81-C1A7-1DC44C9D62AA}"/>
               </a:ext>
             </a:extLst>
           </p:cNvPr>
@@ -17134,10 +17267,10 @@
         </p:nvSpPr>
         <p:spPr>
           <a:xfrm>
-            <a:off x="121298" y="867747"/>
-            <a:ext cx="4945222" cy="774441"/>
-          </a:xfrm>
-          <a:prstGeom prst="rightArrow">
+            <a:off x="5673012" y="1968759"/>
+            <a:ext cx="4058817" cy="554400"/>
+          </a:xfrm>
+          <a:prstGeom prst="roundRect">
             <a:avLst/>
           </a:prstGeom>
         </p:spPr>
@@ -17163,19 +17296,19 @@
           <a:p>
             <a:pPr algn="ctr"/>
             <a:r>
-              <a:rPr lang="en-IN" b="1" dirty="0"/>
-              <a:t>http://www.myapp.com/index.html</a:t>
-            </a:r>
-            <a:endParaRPr lang="en-US" b="1" dirty="0"/>
-          </a:p>
-        </p:txBody>
-      </p:sp>
-      <p:sp>
-        <p:nvSpPr>
-          <p:cNvPr id="11" name="Arrow: Down 10">
-            <a:extLst>
-              <a:ext uri="{FF2B5EF4-FFF2-40B4-BE49-F238E27FC236}">
-                <a16:creationId xmlns:a16="http://schemas.microsoft.com/office/drawing/2014/main" id="{569A547C-B47F-3F68-3917-BA56F0822BB3}"/>
+              <a:rPr lang="en-IN" dirty="0"/>
+              <a:t>Entities.dll</a:t>
+            </a:r>
+            <a:endParaRPr lang="en-US" dirty="0"/>
+          </a:p>
+        </p:txBody>
+      </p:sp>
+      <p:sp>
+        <p:nvSpPr>
+          <p:cNvPr id="15" name="Rectangle: Rounded Corners 14">
+            <a:extLst>
+              <a:ext uri="{FF2B5EF4-FFF2-40B4-BE49-F238E27FC236}">
+                <a16:creationId xmlns:a16="http://schemas.microsoft.com/office/drawing/2014/main" id="{178A041E-BEDB-8FAF-3B4D-1EF14E49E9C6}"/>
               </a:ext>
             </a:extLst>
           </p:cNvPr>
@@ -17184,15 +17317,12 @@
         </p:nvSpPr>
         <p:spPr>
           <a:xfrm>
-            <a:off x="9825135" y="1558211"/>
-            <a:ext cx="410547" cy="581610"/>
-          </a:xfrm>
-          <a:prstGeom prst="downArrow">
-            <a:avLst/>
-          </a:prstGeom>
-          <a:solidFill>
-            <a:srgbClr val="FF0000"/>
-          </a:solidFill>
+            <a:off x="5673012" y="2599346"/>
+            <a:ext cx="4058817" cy="554400"/>
+          </a:xfrm>
+          <a:prstGeom prst="roundRect">
+            <a:avLst/>
+          </a:prstGeom>
         </p:spPr>
         <p:style>
           <a:lnRef idx="2">
@@ -17215,16 +17345,20 @@
           <a:lstStyle/>
           <a:p>
             <a:pPr algn="ctr"/>
-            <a:endParaRPr lang="en-US"/>
-          </a:p>
-        </p:txBody>
-      </p:sp>
-      <p:sp>
-        <p:nvSpPr>
-          <p:cNvPr id="12" name="Arrow: Down 11">
-            <a:extLst>
-              <a:ext uri="{FF2B5EF4-FFF2-40B4-BE49-F238E27FC236}">
-                <a16:creationId xmlns:a16="http://schemas.microsoft.com/office/drawing/2014/main" id="{2EB01C51-63FE-F947-4A38-57A0DD921535}"/>
+            <a:r>
+              <a:rPr lang="en-IN" dirty="0"/>
+              <a:t>Contract.dll</a:t>
+            </a:r>
+            <a:endParaRPr lang="en-US" dirty="0"/>
+          </a:p>
+        </p:txBody>
+      </p:sp>
+      <p:sp>
+        <p:nvSpPr>
+          <p:cNvPr id="16" name="Rectangle: Rounded Corners 15">
+            <a:extLst>
+              <a:ext uri="{FF2B5EF4-FFF2-40B4-BE49-F238E27FC236}">
+                <a16:creationId xmlns:a16="http://schemas.microsoft.com/office/drawing/2014/main" id="{BC75DB68-C7A2-EAFC-E6F8-A5FF70D045C0}"/>
               </a:ext>
             </a:extLst>
           </p:cNvPr>
@@ -17233,15 +17367,12 @@
         </p:nvSpPr>
         <p:spPr>
           <a:xfrm>
-            <a:off x="9825135" y="3564293"/>
-            <a:ext cx="410547" cy="581610"/>
-          </a:xfrm>
-          <a:prstGeom prst="downArrow">
-            <a:avLst/>
-          </a:prstGeom>
-          <a:solidFill>
-            <a:srgbClr val="FF0000"/>
-          </a:solidFill>
+            <a:off x="5673011" y="3195330"/>
+            <a:ext cx="4058817" cy="554400"/>
+          </a:xfrm>
+          <a:prstGeom prst="roundRect">
+            <a:avLst/>
+          </a:prstGeom>
         </p:spPr>
         <p:style>
           <a:lnRef idx="2">
@@ -17264,16 +17395,20 @@
           <a:lstStyle/>
           <a:p>
             <a:pPr algn="ctr"/>
-            <a:endParaRPr lang="en-US"/>
-          </a:p>
-        </p:txBody>
-      </p:sp>
-      <p:sp>
-        <p:nvSpPr>
-          <p:cNvPr id="13" name="Arrow: Down 12">
-            <a:extLst>
-              <a:ext uri="{FF2B5EF4-FFF2-40B4-BE49-F238E27FC236}">
-                <a16:creationId xmlns:a16="http://schemas.microsoft.com/office/drawing/2014/main" id="{950ADEDC-CEC6-BDC4-A42A-021F8DC4F40D}"/>
+            <a:r>
+              <a:rPr lang="en-IN" dirty="0"/>
+              <a:t>DataAccess.dll</a:t>
+            </a:r>
+            <a:endParaRPr lang="en-US" dirty="0"/>
+          </a:p>
+        </p:txBody>
+      </p:sp>
+      <p:sp>
+        <p:nvSpPr>
+          <p:cNvPr id="17" name="Rectangle: Rounded Corners 16">
+            <a:extLst>
+              <a:ext uri="{FF2B5EF4-FFF2-40B4-BE49-F238E27FC236}">
+                <a16:creationId xmlns:a16="http://schemas.microsoft.com/office/drawing/2014/main" id="{18CC9FDB-4D97-7D97-3004-FA61DCA2A777}"/>
               </a:ext>
             </a:extLst>
           </p:cNvPr>
@@ -17281,16 +17416,13 @@
           <p:nvPr/>
         </p:nvSpPr>
         <p:spPr>
-          <a:xfrm rot="10800000">
-            <a:off x="5685453" y="3581399"/>
-            <a:ext cx="410547" cy="581610"/>
-          </a:xfrm>
-          <a:prstGeom prst="downArrow">
-            <a:avLst/>
-          </a:prstGeom>
-          <a:solidFill>
-            <a:srgbClr val="FF0000"/>
-          </a:solidFill>
+          <a:xfrm>
+            <a:off x="5673010" y="3799875"/>
+            <a:ext cx="4058817" cy="554400"/>
+          </a:xfrm>
+          <a:prstGeom prst="roundRect">
+            <a:avLst/>
+          </a:prstGeom>
         </p:spPr>
         <p:style>
           <a:lnRef idx="2">
@@ -17313,16 +17445,20 @@
           <a:lstStyle/>
           <a:p>
             <a:pPr algn="ctr"/>
-            <a:endParaRPr lang="en-US"/>
-          </a:p>
-        </p:txBody>
-      </p:sp>
-      <p:sp>
-        <p:nvSpPr>
-          <p:cNvPr id="14" name="Arrow: Down 13">
-            <a:extLst>
-              <a:ext uri="{FF2B5EF4-FFF2-40B4-BE49-F238E27FC236}">
-                <a16:creationId xmlns:a16="http://schemas.microsoft.com/office/drawing/2014/main" id="{0637CF52-5DAC-240B-8241-A75CDCCCFB4B}"/>
+            <a:r>
+              <a:rPr lang="en-IN" dirty="0"/>
+              <a:t>Services.dll</a:t>
+            </a:r>
+            <a:endParaRPr lang="en-US" dirty="0"/>
+          </a:p>
+        </p:txBody>
+      </p:sp>
+      <p:sp>
+        <p:nvSpPr>
+          <p:cNvPr id="18" name="Arrow: Down 17">
+            <a:extLst>
+              <a:ext uri="{FF2B5EF4-FFF2-40B4-BE49-F238E27FC236}">
+                <a16:creationId xmlns:a16="http://schemas.microsoft.com/office/drawing/2014/main" id="{E70DB58B-4AEA-3F0B-CCC7-2B89DC27FD4F}"/>
               </a:ext>
             </a:extLst>
           </p:cNvPr>
@@ -17330,16 +17466,13 @@
           <p:nvPr/>
         </p:nvSpPr>
         <p:spPr>
-          <a:xfrm rot="10800000">
-            <a:off x="5520612" y="1544212"/>
-            <a:ext cx="410547" cy="581610"/>
+          <a:xfrm>
+            <a:off x="4413380" y="4322792"/>
+            <a:ext cx="391885" cy="777160"/>
           </a:xfrm>
           <a:prstGeom prst="downArrow">
             <a:avLst/>
           </a:prstGeom>
-          <a:solidFill>
-            <a:srgbClr val="FF0000"/>
-          </a:solidFill>
         </p:spPr>
         <p:style>
           <a:lnRef idx="2">
@@ -17366,12 +17499,236 @@
           </a:p>
         </p:txBody>
       </p:sp>
-      <p:sp>
-        <p:nvSpPr>
-          <p:cNvPr id="15" name="Arrow: Left 14">
-            <a:extLst>
-              <a:ext uri="{FF2B5EF4-FFF2-40B4-BE49-F238E27FC236}">
-                <a16:creationId xmlns:a16="http://schemas.microsoft.com/office/drawing/2014/main" id="{3047DB5A-5CD2-9E0D-451C-9BA797BC753F}"/>
+      <p:cxnSp>
+        <p:nvCxnSpPr>
+          <p:cNvPr id="20" name="Connector: Elbow 19">
+            <a:extLst>
+              <a:ext uri="{FF2B5EF4-FFF2-40B4-BE49-F238E27FC236}">
+                <a16:creationId xmlns:a16="http://schemas.microsoft.com/office/drawing/2014/main" id="{BED1A7DA-E220-C2C3-FCF7-F923DF6DBC71}"/>
+              </a:ext>
+            </a:extLst>
+          </p:cNvPr>
+          <p:cNvCxnSpPr>
+            <a:stCxn id="10" idx="3"/>
+            <a:endCxn id="13" idx="1"/>
+          </p:cNvCxnSpPr>
+          <p:nvPr/>
+        </p:nvCxnSpPr>
+        <p:spPr>
+          <a:xfrm flipV="1">
+            <a:off x="4093028" y="1607584"/>
+            <a:ext cx="1579984" cy="1660849"/>
+          </a:xfrm>
+          <a:prstGeom prst="bentConnector3">
+            <a:avLst/>
+          </a:prstGeom>
+          <a:ln>
+            <a:solidFill>
+              <a:srgbClr val="FF0000"/>
+            </a:solidFill>
+            <a:tailEnd type="triangle"/>
+          </a:ln>
+        </p:spPr>
+        <p:style>
+          <a:lnRef idx="1">
+            <a:schemeClr val="accent1"/>
+          </a:lnRef>
+          <a:fillRef idx="0">
+            <a:schemeClr val="accent1"/>
+          </a:fillRef>
+          <a:effectRef idx="0">
+            <a:schemeClr val="accent1"/>
+          </a:effectRef>
+          <a:fontRef idx="minor">
+            <a:schemeClr val="tx1"/>
+          </a:fontRef>
+        </p:style>
+      </p:cxnSp>
+      <p:cxnSp>
+        <p:nvCxnSpPr>
+          <p:cNvPr id="22" name="Connector: Elbow 21">
+            <a:extLst>
+              <a:ext uri="{FF2B5EF4-FFF2-40B4-BE49-F238E27FC236}">
+                <a16:creationId xmlns:a16="http://schemas.microsoft.com/office/drawing/2014/main" id="{F227462A-205C-5D20-C5FB-CA661E13AD1F}"/>
+              </a:ext>
+            </a:extLst>
+          </p:cNvPr>
+          <p:cNvCxnSpPr>
+            <a:stCxn id="10" idx="3"/>
+            <a:endCxn id="14" idx="1"/>
+          </p:cNvCxnSpPr>
+          <p:nvPr/>
+        </p:nvCxnSpPr>
+        <p:spPr>
+          <a:xfrm flipV="1">
+            <a:off x="4093028" y="2245959"/>
+            <a:ext cx="1579984" cy="1022474"/>
+          </a:xfrm>
+          <a:prstGeom prst="bentConnector3">
+            <a:avLst/>
+          </a:prstGeom>
+          <a:ln>
+            <a:solidFill>
+              <a:srgbClr val="FF0000"/>
+            </a:solidFill>
+            <a:tailEnd type="triangle"/>
+          </a:ln>
+        </p:spPr>
+        <p:style>
+          <a:lnRef idx="1">
+            <a:schemeClr val="accent1"/>
+          </a:lnRef>
+          <a:fillRef idx="0">
+            <a:schemeClr val="accent1"/>
+          </a:fillRef>
+          <a:effectRef idx="0">
+            <a:schemeClr val="accent1"/>
+          </a:effectRef>
+          <a:fontRef idx="minor">
+            <a:schemeClr val="tx1"/>
+          </a:fontRef>
+        </p:style>
+      </p:cxnSp>
+      <p:cxnSp>
+        <p:nvCxnSpPr>
+          <p:cNvPr id="24" name="Connector: Elbow 23">
+            <a:extLst>
+              <a:ext uri="{FF2B5EF4-FFF2-40B4-BE49-F238E27FC236}">
+                <a16:creationId xmlns:a16="http://schemas.microsoft.com/office/drawing/2014/main" id="{46AE2CD1-AF30-6385-DE03-3ED4D8CF0B53}"/>
+              </a:ext>
+            </a:extLst>
+          </p:cNvPr>
+          <p:cNvCxnSpPr>
+            <a:stCxn id="10" idx="3"/>
+            <a:endCxn id="15" idx="1"/>
+          </p:cNvCxnSpPr>
+          <p:nvPr/>
+        </p:nvCxnSpPr>
+        <p:spPr>
+          <a:xfrm flipV="1">
+            <a:off x="4093028" y="2876546"/>
+            <a:ext cx="1579984" cy="391887"/>
+          </a:xfrm>
+          <a:prstGeom prst="bentConnector3">
+            <a:avLst/>
+          </a:prstGeom>
+          <a:ln>
+            <a:solidFill>
+              <a:srgbClr val="FF0000"/>
+            </a:solidFill>
+            <a:tailEnd type="triangle"/>
+          </a:ln>
+        </p:spPr>
+        <p:style>
+          <a:lnRef idx="1">
+            <a:schemeClr val="accent1"/>
+          </a:lnRef>
+          <a:fillRef idx="0">
+            <a:schemeClr val="accent1"/>
+          </a:fillRef>
+          <a:effectRef idx="0">
+            <a:schemeClr val="accent1"/>
+          </a:effectRef>
+          <a:fontRef idx="minor">
+            <a:schemeClr val="tx1"/>
+          </a:fontRef>
+        </p:style>
+      </p:cxnSp>
+      <p:cxnSp>
+        <p:nvCxnSpPr>
+          <p:cNvPr id="28" name="Connector: Elbow 27">
+            <a:extLst>
+              <a:ext uri="{FF2B5EF4-FFF2-40B4-BE49-F238E27FC236}">
+                <a16:creationId xmlns:a16="http://schemas.microsoft.com/office/drawing/2014/main" id="{1F6C9198-DFE6-4071-023B-C478C55D01C3}"/>
+              </a:ext>
+            </a:extLst>
+          </p:cNvPr>
+          <p:cNvCxnSpPr>
+            <a:stCxn id="10" idx="3"/>
+            <a:endCxn id="16" idx="1"/>
+          </p:cNvCxnSpPr>
+          <p:nvPr/>
+        </p:nvCxnSpPr>
+        <p:spPr>
+          <a:xfrm>
+            <a:off x="4093028" y="3268433"/>
+            <a:ext cx="1579983" cy="204097"/>
+          </a:xfrm>
+          <a:prstGeom prst="bentConnector3">
+            <a:avLst/>
+          </a:prstGeom>
+          <a:ln>
+            <a:solidFill>
+              <a:srgbClr val="FF0000"/>
+            </a:solidFill>
+            <a:tailEnd type="triangle"/>
+          </a:ln>
+        </p:spPr>
+        <p:style>
+          <a:lnRef idx="1">
+            <a:schemeClr val="accent1"/>
+          </a:lnRef>
+          <a:fillRef idx="0">
+            <a:schemeClr val="accent1"/>
+          </a:fillRef>
+          <a:effectRef idx="0">
+            <a:schemeClr val="accent1"/>
+          </a:effectRef>
+          <a:fontRef idx="minor">
+            <a:schemeClr val="tx1"/>
+          </a:fontRef>
+        </p:style>
+      </p:cxnSp>
+      <p:cxnSp>
+        <p:nvCxnSpPr>
+          <p:cNvPr id="30" name="Connector: Elbow 29">
+            <a:extLst>
+              <a:ext uri="{FF2B5EF4-FFF2-40B4-BE49-F238E27FC236}">
+                <a16:creationId xmlns:a16="http://schemas.microsoft.com/office/drawing/2014/main" id="{43179813-26DF-D7CD-E073-D2CF02EE16F4}"/>
+              </a:ext>
+            </a:extLst>
+          </p:cNvPr>
+          <p:cNvCxnSpPr>
+            <a:endCxn id="17" idx="1"/>
+          </p:cNvCxnSpPr>
+          <p:nvPr/>
+        </p:nvCxnSpPr>
+        <p:spPr>
+          <a:xfrm>
+            <a:off x="4093027" y="3268433"/>
+            <a:ext cx="1579983" cy="808642"/>
+          </a:xfrm>
+          <a:prstGeom prst="bentConnector3">
+            <a:avLst/>
+          </a:prstGeom>
+          <a:ln>
+            <a:solidFill>
+              <a:srgbClr val="FF0000"/>
+            </a:solidFill>
+            <a:tailEnd type="triangle"/>
+          </a:ln>
+        </p:spPr>
+        <p:style>
+          <a:lnRef idx="1">
+            <a:schemeClr val="accent1"/>
+          </a:lnRef>
+          <a:fillRef idx="0">
+            <a:schemeClr val="accent1"/>
+          </a:fillRef>
+          <a:effectRef idx="0">
+            <a:schemeClr val="accent1"/>
+          </a:effectRef>
+          <a:fontRef idx="minor">
+            <a:schemeClr val="tx1"/>
+          </a:fontRef>
+        </p:style>
+      </p:cxnSp>
+      <p:sp>
+        <p:nvSpPr>
+          <p:cNvPr id="31" name="Arrow: Down 30">
+            <a:extLst>
+              <a:ext uri="{FF2B5EF4-FFF2-40B4-BE49-F238E27FC236}">
+                <a16:creationId xmlns:a16="http://schemas.microsoft.com/office/drawing/2014/main" id="{7CFB65C3-4227-C3BF-1AC7-FEEC858BC8A6}"/>
               </a:ext>
             </a:extLst>
           </p:cNvPr>
@@ -17380,12 +17737,15 @@
         </p:nvSpPr>
         <p:spPr>
           <a:xfrm>
-            <a:off x="121298" y="1701279"/>
-            <a:ext cx="4945222" cy="774441"/>
-          </a:xfrm>
-          <a:prstGeom prst="leftArrow">
-            <a:avLst/>
-          </a:prstGeom>
+            <a:off x="4021495" y="5603806"/>
+            <a:ext cx="391885" cy="777160"/>
+          </a:xfrm>
+          <a:prstGeom prst="downArrow">
+            <a:avLst/>
+          </a:prstGeom>
+          <a:solidFill>
+            <a:srgbClr val="FF0000"/>
+          </a:solidFill>
         </p:spPr>
         <p:style>
           <a:lnRef idx="2">
@@ -17408,20 +17768,65 @@
           <a:lstStyle/>
           <a:p>
             <a:pPr algn="ctr"/>
-            <a:r>
-              <a:rPr lang="en-IN" b="1" dirty="0"/>
-              <a:t>HTML + JavaScript + CSS + Data Response </a:t>
-            </a:r>
-            <a:endParaRPr lang="en-US" b="1" dirty="0"/>
-          </a:p>
-        </p:txBody>
-      </p:sp>
-      <p:sp>
-        <p:nvSpPr>
-          <p:cNvPr id="16" name="TextBox 15">
-            <a:extLst>
-              <a:ext uri="{FF2B5EF4-FFF2-40B4-BE49-F238E27FC236}">
-                <a16:creationId xmlns:a16="http://schemas.microsoft.com/office/drawing/2014/main" id="{C8329BEB-BCAA-2388-95B5-8C4D3D29BF7D}"/>
+            <a:endParaRPr lang="en-US"/>
+          </a:p>
+        </p:txBody>
+      </p:sp>
+      <p:sp>
+        <p:nvSpPr>
+          <p:cNvPr id="32" name="Right Brace 31">
+            <a:extLst>
+              <a:ext uri="{FF2B5EF4-FFF2-40B4-BE49-F238E27FC236}">
+                <a16:creationId xmlns:a16="http://schemas.microsoft.com/office/drawing/2014/main" id="{D89EEB2D-F513-F637-C079-49741CFB2A3B}"/>
+              </a:ext>
+            </a:extLst>
+          </p:cNvPr>
+          <p:cNvSpPr/>
+          <p:nvPr/>
+        </p:nvSpPr>
+        <p:spPr>
+          <a:xfrm>
+            <a:off x="9731827" y="1245233"/>
+            <a:ext cx="727789" cy="3109042"/>
+          </a:xfrm>
+          <a:prstGeom prst="rightBrace">
+            <a:avLst/>
+          </a:prstGeom>
+          <a:ln w="76200">
+            <a:solidFill>
+              <a:srgbClr val="7030A0"/>
+            </a:solidFill>
+          </a:ln>
+        </p:spPr>
+        <p:style>
+          <a:lnRef idx="1">
+            <a:schemeClr val="accent1"/>
+          </a:lnRef>
+          <a:fillRef idx="0">
+            <a:schemeClr val="accent1"/>
+          </a:fillRef>
+          <a:effectRef idx="0">
+            <a:schemeClr val="accent1"/>
+          </a:effectRef>
+          <a:fontRef idx="minor">
+            <a:schemeClr val="tx1"/>
+          </a:fontRef>
+        </p:style>
+        <p:txBody>
+          <a:bodyPr rtlCol="0" anchor="ctr"/>
+          <a:lstStyle/>
+          <a:p>
+            <a:pPr algn="ctr"/>
+            <a:endParaRPr lang="en-US"/>
+          </a:p>
+        </p:txBody>
+      </p:sp>
+      <p:sp>
+        <p:nvSpPr>
+          <p:cNvPr id="33" name="TextBox 32">
+            <a:extLst>
+              <a:ext uri="{FF2B5EF4-FFF2-40B4-BE49-F238E27FC236}">
+                <a16:creationId xmlns:a16="http://schemas.microsoft.com/office/drawing/2014/main" id="{B23BA0B8-9A95-473C-71B4-3CBA85E09ED3}"/>
               </a:ext>
             </a:extLst>
           </p:cNvPr>
@@ -17430,8 +17835,8 @@
         </p:nvSpPr>
         <p:spPr>
           <a:xfrm>
-            <a:off x="279918" y="3429000"/>
-            <a:ext cx="3984173" cy="369332"/>
+            <a:off x="10108164" y="357665"/>
+            <a:ext cx="1536441" cy="4770537"/>
           </a:xfrm>
           <a:prstGeom prst="rect">
             <a:avLst/>
@@ -17444,19 +17849,18 @@
           </a:bodyPr>
           <a:lstStyle/>
           <a:p>
-            <a:pPr algn="ctr"/>
-            <a:r>
-              <a:rPr lang="en-IN" b="1" dirty="0"/>
-              <a:t>A Typical Web Application Approach</a:t>
-            </a:r>
-            <a:endParaRPr lang="en-US" b="1" dirty="0"/>
+            <a:r>
+              <a:rPr lang="en-IN" sz="1600" b="1" dirty="0"/>
+              <a:t>All Library Object will be executed in the context of MCV Apps. Hence if the Data Access Object is Used by MVC, e.g. DbContext, then the Connection string MUST be provided by MVC app because MVC App is instantiating and loading DbContext</a:t>
+            </a:r>
+            <a:endParaRPr lang="en-US" sz="1600" b="1" dirty="0"/>
           </a:p>
         </p:txBody>
       </p:sp>
     </p:spTree>
     <p:extLst>
       <p:ext uri="{BB962C8B-B14F-4D97-AF65-F5344CB8AC3E}">
-        <p14:creationId xmlns:p14="http://schemas.microsoft.com/office/powerpoint/2010/main" val="3586171000"/>
+        <p14:creationId xmlns:p14="http://schemas.microsoft.com/office/powerpoint/2010/main" val="1121661528"/>
       </p:ext>
     </p:extLst>
   </p:cSld>
@@ -17488,7 +17892,7 @@
           <p:cNvPr id="2" name="Rectangle 1">
             <a:extLst>
               <a:ext uri="{FF2B5EF4-FFF2-40B4-BE49-F238E27FC236}">
-                <a16:creationId xmlns:a16="http://schemas.microsoft.com/office/drawing/2014/main" id="{C79B1033-1368-46FF-3FB7-8203B22175B2}"/>
+                <a16:creationId xmlns:a16="http://schemas.microsoft.com/office/drawing/2014/main" id="{2E711932-8E7A-AE90-8FBB-8CECD3A3C3BF}"/>
               </a:ext>
             </a:extLst>
           </p:cNvPr>
@@ -17497,22 +17901,22 @@
         </p:nvSpPr>
         <p:spPr>
           <a:xfrm>
-            <a:off x="1751045" y="779106"/>
-            <a:ext cx="8509518" cy="5299788"/>
+            <a:off x="5075852" y="279918"/>
+            <a:ext cx="5980923" cy="5421086"/>
           </a:xfrm>
           <a:prstGeom prst="rect">
             <a:avLst/>
           </a:prstGeom>
         </p:spPr>
         <p:style>
-          <a:lnRef idx="1">
-            <a:schemeClr val="accent3"/>
-          </a:lnRef>
-          <a:fillRef idx="2">
-            <a:schemeClr val="accent3"/>
-          </a:fillRef>
-          <a:effectRef idx="1">
-            <a:schemeClr val="accent3"/>
+          <a:lnRef idx="2">
+            <a:schemeClr val="accent6"/>
+          </a:lnRef>
+          <a:fillRef idx="1">
+            <a:schemeClr val="lt1"/>
+          </a:fillRef>
+          <a:effectRef idx="0">
+            <a:schemeClr val="accent6"/>
           </a:effectRef>
           <a:fontRef idx="minor">
             <a:schemeClr val="dk1"/>
@@ -17532,7 +17936,7 @@
           <p:cNvPr id="3" name="TextBox 2">
             <a:extLst>
               <a:ext uri="{FF2B5EF4-FFF2-40B4-BE49-F238E27FC236}">
-                <a16:creationId xmlns:a16="http://schemas.microsoft.com/office/drawing/2014/main" id="{90861AF1-8C45-39EB-F0B1-CE765F454207}"/>
+                <a16:creationId xmlns:a16="http://schemas.microsoft.com/office/drawing/2014/main" id="{E3B9DFF6-2873-02D9-2F6C-5C883AD49678}"/>
               </a:ext>
             </a:extLst>
           </p:cNvPr>
@@ -17541,8 +17945,8 @@
         </p:nvSpPr>
         <p:spPr>
           <a:xfrm>
-            <a:off x="1847461" y="139959"/>
-            <a:ext cx="2295331" cy="369332"/>
+            <a:off x="5234473" y="429208"/>
+            <a:ext cx="5570376" cy="369332"/>
           </a:xfrm>
           <a:prstGeom prst="rect">
             <a:avLst/>
@@ -17555,11 +17959,12 @@
           </a:bodyPr>
           <a:lstStyle/>
           <a:p>
-            <a:r>
-              <a:rPr lang="en-IN" dirty="0"/>
-              <a:t>Web Page</a:t>
-            </a:r>
-            <a:endParaRPr lang="en-US" dirty="0"/>
+            <a:pPr algn="ctr"/>
+            <a:r>
+              <a:rPr lang="en-IN" b="1" dirty="0"/>
+              <a:t>Web Server</a:t>
+            </a:r>
+            <a:endParaRPr lang="en-US" b="1" dirty="0"/>
           </a:p>
         </p:txBody>
       </p:sp>
@@ -17568,7 +17973,7 @@
           <p:cNvPr id="4" name="Rectangle 3">
             <a:extLst>
               <a:ext uri="{FF2B5EF4-FFF2-40B4-BE49-F238E27FC236}">
-                <a16:creationId xmlns:a16="http://schemas.microsoft.com/office/drawing/2014/main" id="{2299CDD8-1527-DD2E-73C6-77589E8306CC}"/>
+                <a16:creationId xmlns:a16="http://schemas.microsoft.com/office/drawing/2014/main" id="{98AED90A-E674-887E-8DAA-E727695038BD}"/>
               </a:ext>
             </a:extLst>
           </p:cNvPr>
@@ -17577,8 +17982,8 @@
         </p:nvSpPr>
         <p:spPr>
           <a:xfrm>
-            <a:off x="1751045" y="3069771"/>
-            <a:ext cx="8509518" cy="233266"/>
+            <a:off x="5085184" y="5859624"/>
+            <a:ext cx="5962261" cy="737119"/>
           </a:xfrm>
           <a:prstGeom prst="rect">
             <a:avLst/>
@@ -17605,7 +18010,11 @@
           <a:lstStyle/>
           <a:p>
             <a:pPr algn="ctr"/>
-            <a:endParaRPr lang="en-US"/>
+            <a:r>
+              <a:rPr lang="en-IN" b="1" dirty="0"/>
+              <a:t>Operating System</a:t>
+            </a:r>
+            <a:endParaRPr lang="en-US" b="1" dirty="0"/>
           </a:p>
         </p:txBody>
       </p:sp>
@@ -17614,7 +18023,7 @@
           <p:cNvPr id="5" name="Rectangle 4">
             <a:extLst>
               <a:ext uri="{FF2B5EF4-FFF2-40B4-BE49-F238E27FC236}">
-                <a16:creationId xmlns:a16="http://schemas.microsoft.com/office/drawing/2014/main" id="{FD2DAD47-3102-8552-DEDE-555138F5A06C}"/>
+                <a16:creationId xmlns:a16="http://schemas.microsoft.com/office/drawing/2014/main" id="{B8EBF7BD-653F-FA79-B681-72E9E3C5BD2C}"/>
               </a:ext>
             </a:extLst>
           </p:cNvPr>
@@ -17623,12 +18032,15 @@
         </p:nvSpPr>
         <p:spPr>
           <a:xfrm>
-            <a:off x="5884506" y="779106"/>
-            <a:ext cx="422988" cy="2290665"/>
+            <a:off x="5085184" y="4021494"/>
+            <a:ext cx="5980923" cy="1530220"/>
           </a:xfrm>
           <a:prstGeom prst="rect">
             <a:avLst/>
           </a:prstGeom>
+          <a:solidFill>
+            <a:schemeClr val="accent2"/>
+          </a:solidFill>
         </p:spPr>
         <p:style>
           <a:lnRef idx="2">
@@ -17651,172 +18063,51 @@
           <a:lstStyle/>
           <a:p>
             <a:pPr algn="ctr"/>
-            <a:endParaRPr lang="en-US"/>
-          </a:p>
-        </p:txBody>
-      </p:sp>
-      <p:sp>
-        <p:nvSpPr>
-          <p:cNvPr id="6" name="TextBox 5">
-            <a:extLst>
-              <a:ext uri="{FF2B5EF4-FFF2-40B4-BE49-F238E27FC236}">
-                <a16:creationId xmlns:a16="http://schemas.microsoft.com/office/drawing/2014/main" id="{9CBD44D7-677F-5152-047A-20E79369DFCD}"/>
-              </a:ext>
-            </a:extLst>
-          </p:cNvPr>
-          <p:cNvSpPr txBox="1"/>
-          <p:nvPr/>
-        </p:nvSpPr>
-        <p:spPr>
-          <a:xfrm>
-            <a:off x="2062065" y="998376"/>
-            <a:ext cx="2080727" cy="1754326"/>
+            <a:r>
+              <a:rPr lang="en-IN" b="1" dirty="0"/>
+              <a:t>Web Application Framework</a:t>
+            </a:r>
+          </a:p>
+          <a:p>
+            <a:pPr algn="ctr"/>
+            <a:r>
+              <a:rPr lang="en-IN" b="1" dirty="0"/>
+              <a:t>ASP.NET, </a:t>
+            </a:r>
+          </a:p>
+          <a:p>
+            <a:pPr algn="ctr"/>
+            <a:r>
+              <a:rPr lang="en-IN" b="1" dirty="0"/>
+              <a:t>, JSP</a:t>
+            </a:r>
+            <a:endParaRPr lang="en-US" b="1" dirty="0"/>
+          </a:p>
+        </p:txBody>
+      </p:sp>
+      <p:sp>
+        <p:nvSpPr>
+          <p:cNvPr id="6" name="Rectangle 5">
+            <a:extLst>
+              <a:ext uri="{FF2B5EF4-FFF2-40B4-BE49-F238E27FC236}">
+                <a16:creationId xmlns:a16="http://schemas.microsoft.com/office/drawing/2014/main" id="{906DF3FB-F358-4311-0095-B4F2BE66FC49}"/>
+              </a:ext>
+            </a:extLst>
+          </p:cNvPr>
+          <p:cNvSpPr/>
+          <p:nvPr/>
+        </p:nvSpPr>
+        <p:spPr>
+          <a:xfrm>
+            <a:off x="5085184" y="2139821"/>
+            <a:ext cx="5980923" cy="1530220"/>
           </a:xfrm>
           <a:prstGeom prst="rect">
             <a:avLst/>
           </a:prstGeom>
-          <a:noFill/>
-        </p:spPr>
-        <p:txBody>
-          <a:bodyPr wrap="square" rtlCol="0">
-            <a:spAutoFit/>
-          </a:bodyPr>
-          <a:lstStyle/>
-          <a:p>
-            <a:r>
-              <a:rPr lang="en-IN" b="1" dirty="0"/>
-              <a:t>User Interface</a:t>
-            </a:r>
-          </a:p>
-          <a:p>
-            <a:pPr marL="285750" indent="-285750">
-              <a:buFont typeface="Arial" panose="020B0604020202020204" pitchFamily="34" charset="0"/>
-              <a:buChar char="•"/>
-            </a:pPr>
-            <a:r>
-              <a:rPr lang="en-IN" b="1" dirty="0"/>
-              <a:t>TextBox</a:t>
-            </a:r>
-          </a:p>
-          <a:p>
-            <a:pPr marL="285750" indent="-285750">
-              <a:buFont typeface="Arial" panose="020B0604020202020204" pitchFamily="34" charset="0"/>
-              <a:buChar char="•"/>
-            </a:pPr>
-            <a:r>
-              <a:rPr lang="en-IN" b="1" dirty="0"/>
-              <a:t>Button</a:t>
-            </a:r>
-          </a:p>
-          <a:p>
-            <a:pPr marL="285750" indent="-285750">
-              <a:buFont typeface="Arial" panose="020B0604020202020204" pitchFamily="34" charset="0"/>
-              <a:buChar char="•"/>
-            </a:pPr>
-            <a:r>
-              <a:rPr lang="en-IN" b="1" dirty="0"/>
-              <a:t>List</a:t>
-            </a:r>
-          </a:p>
-          <a:p>
-            <a:pPr marL="285750" indent="-285750">
-              <a:buFont typeface="Arial" panose="020B0604020202020204" pitchFamily="34" charset="0"/>
-              <a:buChar char="•"/>
-            </a:pPr>
-            <a:r>
-              <a:rPr lang="en-IN" b="1" dirty="0"/>
-              <a:t>Grid aka Table</a:t>
-            </a:r>
-          </a:p>
-          <a:p>
-            <a:pPr marL="285750" indent="-285750">
-              <a:buFont typeface="Arial" panose="020B0604020202020204" pitchFamily="34" charset="0"/>
-              <a:buChar char="•"/>
-            </a:pPr>
-            <a:r>
-              <a:rPr lang="en-IN" b="1" dirty="0"/>
-              <a:t>Image</a:t>
-            </a:r>
-            <a:endParaRPr lang="en-US" b="1" dirty="0"/>
-          </a:p>
-        </p:txBody>
-      </p:sp>
-      <p:sp>
-        <p:nvSpPr>
-          <p:cNvPr id="7" name="TextBox 6">
-            <a:extLst>
-              <a:ext uri="{FF2B5EF4-FFF2-40B4-BE49-F238E27FC236}">
-                <a16:creationId xmlns:a16="http://schemas.microsoft.com/office/drawing/2014/main" id="{27D314F1-0674-8D2B-686F-A5EE7BECCA74}"/>
-              </a:ext>
-            </a:extLst>
-          </p:cNvPr>
-          <p:cNvSpPr txBox="1"/>
-          <p:nvPr/>
-        </p:nvSpPr>
-        <p:spPr>
-          <a:xfrm>
-            <a:off x="6456784" y="914400"/>
-            <a:ext cx="3673151" cy="923330"/>
-          </a:xfrm>
-          <a:prstGeom prst="rect">
-            <a:avLst/>
-          </a:prstGeom>
-          <a:noFill/>
-        </p:spPr>
-        <p:txBody>
-          <a:bodyPr wrap="square" rtlCol="0">
-            <a:spAutoFit/>
-          </a:bodyPr>
-          <a:lstStyle/>
-          <a:p>
-            <a:r>
-              <a:rPr lang="en-IN" b="1" dirty="0"/>
-              <a:t>Data aka Model</a:t>
-            </a:r>
-          </a:p>
-          <a:p>
-            <a:pPr marL="342900" indent="-342900">
-              <a:buFont typeface="+mj-lt"/>
-              <a:buAutoNum type="arabicPeriod"/>
-            </a:pPr>
-            <a:r>
-              <a:rPr lang="en-IN" b="1" dirty="0"/>
-              <a:t>Classes with Properties</a:t>
-            </a:r>
-          </a:p>
-          <a:p>
-            <a:pPr marL="342900" indent="-342900">
-              <a:buFont typeface="+mj-lt"/>
-              <a:buAutoNum type="arabicPeriod"/>
-            </a:pPr>
-            <a:r>
-              <a:rPr lang="en-IN" b="1" dirty="0"/>
-              <a:t>Collection of Data</a:t>
-            </a:r>
-            <a:endParaRPr lang="en-US" b="1" dirty="0"/>
-          </a:p>
-        </p:txBody>
-      </p:sp>
-      <p:sp>
-        <p:nvSpPr>
-          <p:cNvPr id="12" name="Rectangle 11">
-            <a:extLst>
-              <a:ext uri="{FF2B5EF4-FFF2-40B4-BE49-F238E27FC236}">
-                <a16:creationId xmlns:a16="http://schemas.microsoft.com/office/drawing/2014/main" id="{2BEA9D70-74CE-B8DB-0A35-0D7984AD5517}"/>
-              </a:ext>
-            </a:extLst>
-          </p:cNvPr>
-          <p:cNvSpPr/>
-          <p:nvPr/>
-        </p:nvSpPr>
-        <p:spPr>
-          <a:xfrm>
-            <a:off x="5884507" y="3303037"/>
-            <a:ext cx="422988" cy="2775857"/>
-          </a:xfrm>
-          <a:prstGeom prst="rect">
-            <a:avLst/>
-          </a:prstGeom>
+          <a:solidFill>
+            <a:schemeClr val="accent2"/>
+          </a:solidFill>
         </p:spPr>
         <p:style>
           <a:lnRef idx="2">
@@ -17839,205 +18130,47 @@
           <a:lstStyle/>
           <a:p>
             <a:pPr algn="ctr"/>
-            <a:endParaRPr lang="en-US"/>
-          </a:p>
-        </p:txBody>
-      </p:sp>
-      <p:sp>
-        <p:nvSpPr>
-          <p:cNvPr id="13" name="TextBox 12">
-            <a:extLst>
-              <a:ext uri="{FF2B5EF4-FFF2-40B4-BE49-F238E27FC236}">
-                <a16:creationId xmlns:a16="http://schemas.microsoft.com/office/drawing/2014/main" id="{B71B6FBD-1B34-703E-A701-62E68C64B257}"/>
-              </a:ext>
-            </a:extLst>
-          </p:cNvPr>
-          <p:cNvSpPr txBox="1"/>
-          <p:nvPr/>
-        </p:nvSpPr>
-        <p:spPr>
-          <a:xfrm>
-            <a:off x="1931437" y="3447460"/>
-            <a:ext cx="3704253" cy="1200329"/>
+            <a:r>
+              <a:rPr lang="en-IN" b="1" dirty="0"/>
+              <a:t>Web Application</a:t>
+            </a:r>
+          </a:p>
+          <a:p>
+            <a:pPr algn="ctr"/>
+            <a:endParaRPr lang="en-IN" b="1" dirty="0"/>
+          </a:p>
+          <a:p>
+            <a:pPr algn="ctr"/>
+            <a:endParaRPr lang="en-IN" b="1" dirty="0"/>
+          </a:p>
+          <a:p>
+            <a:pPr algn="ctr"/>
+            <a:endParaRPr lang="en-IN" b="1" dirty="0"/>
+          </a:p>
+          <a:p>
+            <a:pPr algn="ctr"/>
+            <a:endParaRPr lang="en-US" b="1" dirty="0"/>
+          </a:p>
+        </p:txBody>
+      </p:sp>
+      <p:sp>
+        <p:nvSpPr>
+          <p:cNvPr id="7" name="Rectangle 6">
+            <a:extLst>
+              <a:ext uri="{FF2B5EF4-FFF2-40B4-BE49-F238E27FC236}">
+                <a16:creationId xmlns:a16="http://schemas.microsoft.com/office/drawing/2014/main" id="{00420AA0-D8C7-2EAB-D879-8F02A3067033}"/>
+              </a:ext>
+            </a:extLst>
+          </p:cNvPr>
+          <p:cNvSpPr/>
+          <p:nvPr/>
+        </p:nvSpPr>
+        <p:spPr>
+          <a:xfrm>
+            <a:off x="5085184" y="2565918"/>
+            <a:ext cx="5962261" cy="298580"/>
           </a:xfrm>
           <a:prstGeom prst="rect">
-            <a:avLst/>
-          </a:prstGeom>
-          <a:noFill/>
-        </p:spPr>
-        <p:txBody>
-          <a:bodyPr wrap="square" rtlCol="0">
-            <a:spAutoFit/>
-          </a:bodyPr>
-          <a:lstStyle/>
-          <a:p>
-            <a:r>
-              <a:rPr lang="en-IN" b="1" dirty="0"/>
-              <a:t>Events of UI Elements</a:t>
-            </a:r>
-          </a:p>
-          <a:p>
-            <a:endParaRPr lang="en-IN" b="1" dirty="0"/>
-          </a:p>
-          <a:p>
-            <a:pPr marL="285750" indent="-285750">
-              <a:buFont typeface="Arial" panose="020B0604020202020204" pitchFamily="34" charset="0"/>
-              <a:buChar char="•"/>
-            </a:pPr>
-            <a:r>
-              <a:rPr lang="en-IN" b="1" dirty="0"/>
-              <a:t>Click For Button</a:t>
-            </a:r>
-          </a:p>
-          <a:p>
-            <a:pPr marL="285750" indent="-285750">
-              <a:buFont typeface="Arial" panose="020B0604020202020204" pitchFamily="34" charset="0"/>
-              <a:buChar char="•"/>
-            </a:pPr>
-            <a:r>
-              <a:rPr lang="en-IN" b="1" dirty="0"/>
-              <a:t>Change for TextBox, List, Grid, etc. </a:t>
-            </a:r>
-            <a:endParaRPr lang="en-US" b="1" dirty="0"/>
-          </a:p>
-        </p:txBody>
-      </p:sp>
-      <p:cxnSp>
-        <p:nvCxnSpPr>
-          <p:cNvPr id="15" name="Connector: Elbow 14">
-            <a:extLst>
-              <a:ext uri="{FF2B5EF4-FFF2-40B4-BE49-F238E27FC236}">
-                <a16:creationId xmlns:a16="http://schemas.microsoft.com/office/drawing/2014/main" id="{72975EB9-FEA5-780B-F0AA-C2DC86AC6F8C}"/>
-              </a:ext>
-            </a:extLst>
-          </p:cNvPr>
-          <p:cNvCxnSpPr/>
-          <p:nvPr/>
-        </p:nvCxnSpPr>
-        <p:spPr>
-          <a:xfrm rot="5400000">
-            <a:off x="3214211" y="2421079"/>
-            <a:ext cx="1511931" cy="345233"/>
-          </a:xfrm>
-          <a:prstGeom prst="bentConnector3">
-            <a:avLst/>
-          </a:prstGeom>
-          <a:ln w="76200">
-            <a:solidFill>
-              <a:srgbClr val="FFFF00"/>
-            </a:solidFill>
-            <a:tailEnd type="triangle"/>
-          </a:ln>
-        </p:spPr>
-        <p:style>
-          <a:lnRef idx="1">
-            <a:schemeClr val="accent1"/>
-          </a:lnRef>
-          <a:fillRef idx="0">
-            <a:schemeClr val="accent1"/>
-          </a:fillRef>
-          <a:effectRef idx="0">
-            <a:schemeClr val="accent1"/>
-          </a:effectRef>
-          <a:fontRef idx="minor">
-            <a:schemeClr val="tx1"/>
-          </a:fontRef>
-        </p:style>
-      </p:cxnSp>
-      <p:sp>
-        <p:nvSpPr>
-          <p:cNvPr id="16" name="TextBox 15">
-            <a:extLst>
-              <a:ext uri="{FF2B5EF4-FFF2-40B4-BE49-F238E27FC236}">
-                <a16:creationId xmlns:a16="http://schemas.microsoft.com/office/drawing/2014/main" id="{3EAC9BD0-CD33-912D-DDA3-39BE7B237FB6}"/>
-              </a:ext>
-            </a:extLst>
-          </p:cNvPr>
-          <p:cNvSpPr txBox="1"/>
-          <p:nvPr/>
-        </p:nvSpPr>
-        <p:spPr>
-          <a:xfrm>
-            <a:off x="6456784" y="3429000"/>
-            <a:ext cx="3554963" cy="2308324"/>
-          </a:xfrm>
-          <a:prstGeom prst="rect">
-            <a:avLst/>
-          </a:prstGeom>
-          <a:noFill/>
-        </p:spPr>
-        <p:txBody>
-          <a:bodyPr wrap="square" rtlCol="0">
-            <a:spAutoFit/>
-          </a:bodyPr>
-          <a:lstStyle/>
-          <a:p>
-            <a:r>
-              <a:rPr lang="en-IN" b="1" dirty="0"/>
-              <a:t>Logic</a:t>
-            </a:r>
-          </a:p>
-          <a:p>
-            <a:pPr marL="285750" indent="-285750">
-              <a:buFont typeface="Arial" panose="020B0604020202020204" pitchFamily="34" charset="0"/>
-              <a:buChar char="•"/>
-            </a:pPr>
-            <a:r>
-              <a:rPr lang="en-IN" b="1" dirty="0"/>
-              <a:t>Read Data from UI and Process it</a:t>
-            </a:r>
-          </a:p>
-          <a:p>
-            <a:pPr marL="285750" indent="-285750">
-              <a:buFont typeface="Arial" panose="020B0604020202020204" pitchFamily="34" charset="0"/>
-              <a:buChar char="•"/>
-            </a:pPr>
-            <a:r>
-              <a:rPr lang="en-IN" b="1" dirty="0"/>
-              <a:t>Update Data Model and Collection</a:t>
-            </a:r>
-          </a:p>
-          <a:p>
-            <a:pPr marL="285750" indent="-285750">
-              <a:buFont typeface="Arial" panose="020B0604020202020204" pitchFamily="34" charset="0"/>
-              <a:buChar char="•"/>
-            </a:pPr>
-            <a:r>
-              <a:rPr lang="en-IN" b="1" dirty="0"/>
-              <a:t>Call to Database</a:t>
-            </a:r>
-          </a:p>
-          <a:p>
-            <a:pPr marL="285750" indent="-285750">
-              <a:buFont typeface="Arial" panose="020B0604020202020204" pitchFamily="34" charset="0"/>
-              <a:buChar char="•"/>
-            </a:pPr>
-            <a:r>
-              <a:rPr lang="en-IN" b="1" dirty="0"/>
-              <a:t>… and many more logical execution</a:t>
-            </a:r>
-            <a:endParaRPr lang="en-US" b="1" dirty="0"/>
-          </a:p>
-        </p:txBody>
-      </p:sp>
-      <p:sp>
-        <p:nvSpPr>
-          <p:cNvPr id="17" name="Oval 16">
-            <a:extLst>
-              <a:ext uri="{FF2B5EF4-FFF2-40B4-BE49-F238E27FC236}">
-                <a16:creationId xmlns:a16="http://schemas.microsoft.com/office/drawing/2014/main" id="{0FD183DA-FC02-465C-6B5C-EB9702DAB44D}"/>
-              </a:ext>
-            </a:extLst>
-          </p:cNvPr>
-          <p:cNvSpPr/>
-          <p:nvPr/>
-        </p:nvSpPr>
-        <p:spPr>
-          <a:xfrm>
-            <a:off x="3582955" y="2547257"/>
-            <a:ext cx="457200" cy="475260"/>
-          </a:xfrm>
-          <a:prstGeom prst="ellipse">
             <a:avLst/>
           </a:prstGeom>
         </p:spPr>
@@ -18063,196 +18196,31 @@
           <a:p>
             <a:pPr algn="ctr"/>
             <a:r>
-              <a:rPr lang="en-IN" b="1" dirty="0"/>
-              <a:t>1</a:t>
-            </a:r>
-            <a:endParaRPr lang="en-US" b="1" dirty="0"/>
-          </a:p>
-        </p:txBody>
-      </p:sp>
-      <p:sp>
-        <p:nvSpPr>
-          <p:cNvPr id="18" name="TextBox 17">
-            <a:extLst>
-              <a:ext uri="{FF2B5EF4-FFF2-40B4-BE49-F238E27FC236}">
-                <a16:creationId xmlns:a16="http://schemas.microsoft.com/office/drawing/2014/main" id="{53130B42-CC2D-6387-8560-2F8D574F0872}"/>
-              </a:ext>
-            </a:extLst>
-          </p:cNvPr>
-          <p:cNvSpPr txBox="1"/>
-          <p:nvPr/>
-        </p:nvSpPr>
-        <p:spPr>
-          <a:xfrm>
-            <a:off x="93306" y="3303037"/>
-            <a:ext cx="1589314" cy="3139321"/>
+              <a:rPr lang="en-IN" dirty="0"/>
+              <a:t>Static HTML Pages, JavaScript, CSS</a:t>
+            </a:r>
+            <a:endParaRPr lang="en-US" dirty="0"/>
+          </a:p>
+        </p:txBody>
+      </p:sp>
+      <p:sp>
+        <p:nvSpPr>
+          <p:cNvPr id="8" name="Rectangle 7">
+            <a:extLst>
+              <a:ext uri="{FF2B5EF4-FFF2-40B4-BE49-F238E27FC236}">
+                <a16:creationId xmlns:a16="http://schemas.microsoft.com/office/drawing/2014/main" id="{58DD47DC-0770-41FA-B948-C8FBE3A76469}"/>
+              </a:ext>
+            </a:extLst>
+          </p:cNvPr>
+          <p:cNvSpPr/>
+          <p:nvPr/>
+        </p:nvSpPr>
+        <p:spPr>
+          <a:xfrm>
+            <a:off x="5088290" y="3007566"/>
+            <a:ext cx="5962261" cy="556727"/>
           </a:xfrm>
           <a:prstGeom prst="rect">
-            <a:avLst/>
-          </a:prstGeom>
-          <a:noFill/>
-        </p:spPr>
-        <p:txBody>
-          <a:bodyPr wrap="square" rtlCol="0">
-            <a:spAutoFit/>
-          </a:bodyPr>
-          <a:lstStyle/>
-          <a:p>
-            <a:pPr marL="342900" indent="-342900">
-              <a:buAutoNum type="arabicPeriod"/>
-            </a:pPr>
-            <a:r>
-              <a:rPr lang="en-IN" dirty="0"/>
-              <a:t>Event is Raised.</a:t>
-            </a:r>
-          </a:p>
-          <a:p>
-            <a:pPr marL="342900" indent="-342900">
-              <a:buAutoNum type="arabicPeriod"/>
-            </a:pPr>
-            <a:r>
-              <a:rPr lang="en-IN" dirty="0"/>
-              <a:t>Logic is called.</a:t>
-            </a:r>
-          </a:p>
-          <a:p>
-            <a:pPr marL="342900" indent="-342900">
-              <a:buAutoNum type="arabicPeriod"/>
-            </a:pPr>
-            <a:r>
-              <a:rPr lang="en-IN" dirty="0"/>
-              <a:t>Update Data.</a:t>
-            </a:r>
-          </a:p>
-          <a:p>
-            <a:pPr marL="342900" indent="-342900">
-              <a:buAutoNum type="arabicPeriod"/>
-            </a:pPr>
-            <a:r>
-              <a:rPr lang="en-IN" dirty="0"/>
-              <a:t>Data is shown back to UI</a:t>
-            </a:r>
-          </a:p>
-          <a:p>
-            <a:pPr marL="342900" indent="-342900">
-              <a:buAutoNum type="arabicPeriod"/>
-            </a:pPr>
-            <a:endParaRPr lang="en-IN" dirty="0"/>
-          </a:p>
-          <a:p>
-            <a:pPr marL="342900" indent="-342900">
-              <a:buAutoNum type="arabicPeriod"/>
-            </a:pPr>
-            <a:endParaRPr lang="en-US" dirty="0"/>
-          </a:p>
-        </p:txBody>
-      </p:sp>
-      <p:cxnSp>
-        <p:nvCxnSpPr>
-          <p:cNvPr id="20" name="Connector: Elbow 19">
-            <a:extLst>
-              <a:ext uri="{FF2B5EF4-FFF2-40B4-BE49-F238E27FC236}">
-                <a16:creationId xmlns:a16="http://schemas.microsoft.com/office/drawing/2014/main" id="{9D00FEAB-6D1D-CE87-9C9B-7A03936CD406}"/>
-              </a:ext>
-            </a:extLst>
-          </p:cNvPr>
-          <p:cNvCxnSpPr>
-            <a:endCxn id="16" idx="1"/>
-          </p:cNvCxnSpPr>
-          <p:nvPr/>
-        </p:nvCxnSpPr>
-        <p:spPr>
-          <a:xfrm>
-            <a:off x="4469363" y="4049486"/>
-            <a:ext cx="1987421" cy="533676"/>
-          </a:xfrm>
-          <a:prstGeom prst="bentConnector3">
-            <a:avLst/>
-          </a:prstGeom>
-          <a:ln w="76200">
-            <a:solidFill>
-              <a:srgbClr val="FFFF00"/>
-            </a:solidFill>
-            <a:tailEnd type="triangle"/>
-          </a:ln>
-        </p:spPr>
-        <p:style>
-          <a:lnRef idx="1">
-            <a:schemeClr val="accent1"/>
-          </a:lnRef>
-          <a:fillRef idx="0">
-            <a:schemeClr val="accent1"/>
-          </a:fillRef>
-          <a:effectRef idx="0">
-            <a:schemeClr val="accent1"/>
-          </a:effectRef>
-          <a:fontRef idx="minor">
-            <a:schemeClr val="tx1"/>
-          </a:fontRef>
-        </p:style>
-      </p:cxnSp>
-      <p:cxnSp>
-        <p:nvCxnSpPr>
-          <p:cNvPr id="22" name="Connector: Elbow 21">
-            <a:extLst>
-              <a:ext uri="{FF2B5EF4-FFF2-40B4-BE49-F238E27FC236}">
-                <a16:creationId xmlns:a16="http://schemas.microsoft.com/office/drawing/2014/main" id="{0F2041F9-0EFA-D9C1-A4B9-7E41484D67C8}"/>
-              </a:ext>
-            </a:extLst>
-          </p:cNvPr>
-          <p:cNvCxnSpPr>
-            <a:stCxn id="16" idx="0"/>
-          </p:cNvCxnSpPr>
-          <p:nvPr/>
-        </p:nvCxnSpPr>
-        <p:spPr>
-          <a:xfrm rot="16200000" flipV="1">
-            <a:off x="7077070" y="2271803"/>
-            <a:ext cx="1591270" cy="723123"/>
-          </a:xfrm>
-          <a:prstGeom prst="bentConnector3">
-            <a:avLst/>
-          </a:prstGeom>
-          <a:ln w="76200">
-            <a:solidFill>
-              <a:srgbClr val="FFFF00"/>
-            </a:solidFill>
-            <a:tailEnd type="triangle"/>
-          </a:ln>
-        </p:spPr>
-        <p:style>
-          <a:lnRef idx="1">
-            <a:schemeClr val="accent1"/>
-          </a:lnRef>
-          <a:fillRef idx="0">
-            <a:schemeClr val="accent1"/>
-          </a:fillRef>
-          <a:effectRef idx="0">
-            <a:schemeClr val="accent1"/>
-          </a:effectRef>
-          <a:fontRef idx="minor">
-            <a:schemeClr val="tx1"/>
-          </a:fontRef>
-        </p:style>
-      </p:cxnSp>
-      <p:sp>
-        <p:nvSpPr>
-          <p:cNvPr id="23" name="Oval 22">
-            <a:extLst>
-              <a:ext uri="{FF2B5EF4-FFF2-40B4-BE49-F238E27FC236}">
-                <a16:creationId xmlns:a16="http://schemas.microsoft.com/office/drawing/2014/main" id="{D502162F-6D55-AA75-D41C-A2E91AF4FDA4}"/>
-              </a:ext>
-            </a:extLst>
-          </p:cNvPr>
-          <p:cNvSpPr/>
-          <p:nvPr/>
-        </p:nvSpPr>
-        <p:spPr>
-          <a:xfrm>
-            <a:off x="5134950" y="3841064"/>
-            <a:ext cx="457200" cy="475260"/>
-          </a:xfrm>
-          <a:prstGeom prst="ellipse">
             <a:avLst/>
           </a:prstGeom>
         </p:spPr>
@@ -18278,19 +18246,19 @@
           <a:p>
             <a:pPr algn="ctr"/>
             <a:r>
-              <a:rPr lang="en-IN" b="1" dirty="0"/>
-              <a:t>2</a:t>
-            </a:r>
-            <a:endParaRPr lang="en-US" b="1" dirty="0"/>
-          </a:p>
-        </p:txBody>
-      </p:sp>
-      <p:sp>
-        <p:nvSpPr>
-          <p:cNvPr id="24" name="Oval 23">
-            <a:extLst>
-              <a:ext uri="{FF2B5EF4-FFF2-40B4-BE49-F238E27FC236}">
-                <a16:creationId xmlns:a16="http://schemas.microsoft.com/office/drawing/2014/main" id="{5C4E07CE-C1E9-E56F-E099-C3D1263D47B8}"/>
+              <a:rPr lang="en-IN" dirty="0"/>
+              <a:t>Domain Classes, Data Access, Security Logic, etc.</a:t>
+            </a:r>
+            <a:endParaRPr lang="en-US" dirty="0"/>
+          </a:p>
+        </p:txBody>
+      </p:sp>
+      <p:sp>
+        <p:nvSpPr>
+          <p:cNvPr id="9" name="Rectangle 8">
+            <a:extLst>
+              <a:ext uri="{FF2B5EF4-FFF2-40B4-BE49-F238E27FC236}">
+                <a16:creationId xmlns:a16="http://schemas.microsoft.com/office/drawing/2014/main" id="{B711B137-38B4-AD6C-C38A-BCE1996F86E6}"/>
               </a:ext>
             </a:extLst>
           </p:cNvPr>
@@ -18299,10 +18267,10 @@
         </p:nvSpPr>
         <p:spPr>
           <a:xfrm>
-            <a:off x="7808734" y="2435977"/>
-            <a:ext cx="415636" cy="475260"/>
-          </a:xfrm>
-          <a:prstGeom prst="ellipse">
+            <a:off x="5085182" y="1075346"/>
+            <a:ext cx="5980923" cy="482865"/>
+          </a:xfrm>
+          <a:prstGeom prst="rect">
             <a:avLst/>
           </a:prstGeom>
         </p:spPr>
@@ -18328,64 +18296,19 @@
           <a:p>
             <a:pPr algn="ctr"/>
             <a:r>
-              <a:rPr lang="en-IN" b="1" dirty="0"/>
-              <a:t>3</a:t>
-            </a:r>
-            <a:endParaRPr lang="en-US" b="1" dirty="0"/>
-          </a:p>
-        </p:txBody>
-      </p:sp>
-      <p:cxnSp>
-        <p:nvCxnSpPr>
-          <p:cNvPr id="26" name="Connector: Elbow 25">
-            <a:extLst>
-              <a:ext uri="{FF2B5EF4-FFF2-40B4-BE49-F238E27FC236}">
-                <a16:creationId xmlns:a16="http://schemas.microsoft.com/office/drawing/2014/main" id="{60F405CC-1576-6472-5C84-93E1191EA58B}"/>
-              </a:ext>
-            </a:extLst>
-          </p:cNvPr>
-          <p:cNvCxnSpPr>
-            <a:stCxn id="7" idx="1"/>
-            <a:endCxn id="6" idx="3"/>
-          </p:cNvCxnSpPr>
-          <p:nvPr/>
-        </p:nvCxnSpPr>
-        <p:spPr>
-          <a:xfrm rot="10800000" flipV="1">
-            <a:off x="4142792" y="1376065"/>
-            <a:ext cx="2313992" cy="499474"/>
-          </a:xfrm>
-          <a:prstGeom prst="bentConnector3">
-            <a:avLst/>
-          </a:prstGeom>
-          <a:ln w="76200">
-            <a:solidFill>
-              <a:srgbClr val="FFFF00"/>
-            </a:solidFill>
-            <a:tailEnd type="triangle"/>
-          </a:ln>
-        </p:spPr>
-        <p:style>
-          <a:lnRef idx="1">
-            <a:schemeClr val="accent1"/>
-          </a:lnRef>
-          <a:fillRef idx="0">
-            <a:schemeClr val="accent1"/>
-          </a:fillRef>
-          <a:effectRef idx="0">
-            <a:schemeClr val="accent1"/>
-          </a:effectRef>
-          <a:fontRef idx="minor">
-            <a:schemeClr val="tx1"/>
-          </a:fontRef>
-        </p:style>
-      </p:cxnSp>
-      <p:sp>
-        <p:nvSpPr>
-          <p:cNvPr id="27" name="Oval 26">
-            <a:extLst>
-              <a:ext uri="{FF2B5EF4-FFF2-40B4-BE49-F238E27FC236}">
-                <a16:creationId xmlns:a16="http://schemas.microsoft.com/office/drawing/2014/main" id="{9DB0DE78-C648-8B6F-667B-E5E8DA28938F}"/>
+              <a:rPr lang="en-IN" dirty="0"/>
+              <a:t>Request Listener and Interceptor</a:t>
+            </a:r>
+            <a:endParaRPr lang="en-US" dirty="0"/>
+          </a:p>
+        </p:txBody>
+      </p:sp>
+      <p:sp>
+        <p:nvSpPr>
+          <p:cNvPr id="10" name="Arrow: Right 9">
+            <a:extLst>
+              <a:ext uri="{FF2B5EF4-FFF2-40B4-BE49-F238E27FC236}">
+                <a16:creationId xmlns:a16="http://schemas.microsoft.com/office/drawing/2014/main" id="{99057599-851D-FBB6-7496-0B1143FA858F}"/>
               </a:ext>
             </a:extLst>
           </p:cNvPr>
@@ -18394,10 +18317,10 @@
         </p:nvSpPr>
         <p:spPr>
           <a:xfrm>
-            <a:off x="5071188" y="1546734"/>
-            <a:ext cx="457200" cy="475260"/>
-          </a:xfrm>
-          <a:prstGeom prst="ellipse">
+            <a:off x="121298" y="867747"/>
+            <a:ext cx="4945222" cy="774441"/>
+          </a:xfrm>
+          <a:prstGeom prst="rightArrow">
             <a:avLst/>
           </a:prstGeom>
         </p:spPr>
@@ -18424,7 +18347,290 @@
             <a:pPr algn="ctr"/>
             <a:r>
               <a:rPr lang="en-IN" b="1" dirty="0"/>
-              <a:t>4</a:t>
+              <a:t>http://www.myapp.com/index.html</a:t>
+            </a:r>
+            <a:endParaRPr lang="en-US" b="1" dirty="0"/>
+          </a:p>
+        </p:txBody>
+      </p:sp>
+      <p:sp>
+        <p:nvSpPr>
+          <p:cNvPr id="11" name="Arrow: Down 10">
+            <a:extLst>
+              <a:ext uri="{FF2B5EF4-FFF2-40B4-BE49-F238E27FC236}">
+                <a16:creationId xmlns:a16="http://schemas.microsoft.com/office/drawing/2014/main" id="{569A547C-B47F-3F68-3917-BA56F0822BB3}"/>
+              </a:ext>
+            </a:extLst>
+          </p:cNvPr>
+          <p:cNvSpPr/>
+          <p:nvPr/>
+        </p:nvSpPr>
+        <p:spPr>
+          <a:xfrm>
+            <a:off x="9825135" y="1558211"/>
+            <a:ext cx="410547" cy="581610"/>
+          </a:xfrm>
+          <a:prstGeom prst="downArrow">
+            <a:avLst/>
+          </a:prstGeom>
+          <a:solidFill>
+            <a:srgbClr val="FF0000"/>
+          </a:solidFill>
+        </p:spPr>
+        <p:style>
+          <a:lnRef idx="2">
+            <a:schemeClr val="accent1">
+              <a:shade val="50000"/>
+            </a:schemeClr>
+          </a:lnRef>
+          <a:fillRef idx="1">
+            <a:schemeClr val="accent1"/>
+          </a:fillRef>
+          <a:effectRef idx="0">
+            <a:schemeClr val="accent1"/>
+          </a:effectRef>
+          <a:fontRef idx="minor">
+            <a:schemeClr val="lt1"/>
+          </a:fontRef>
+        </p:style>
+        <p:txBody>
+          <a:bodyPr rtlCol="0" anchor="ctr"/>
+          <a:lstStyle/>
+          <a:p>
+            <a:pPr algn="ctr"/>
+            <a:endParaRPr lang="en-US"/>
+          </a:p>
+        </p:txBody>
+      </p:sp>
+      <p:sp>
+        <p:nvSpPr>
+          <p:cNvPr id="12" name="Arrow: Down 11">
+            <a:extLst>
+              <a:ext uri="{FF2B5EF4-FFF2-40B4-BE49-F238E27FC236}">
+                <a16:creationId xmlns:a16="http://schemas.microsoft.com/office/drawing/2014/main" id="{2EB01C51-63FE-F947-4A38-57A0DD921535}"/>
+              </a:ext>
+            </a:extLst>
+          </p:cNvPr>
+          <p:cNvSpPr/>
+          <p:nvPr/>
+        </p:nvSpPr>
+        <p:spPr>
+          <a:xfrm>
+            <a:off x="9825135" y="3564293"/>
+            <a:ext cx="410547" cy="581610"/>
+          </a:xfrm>
+          <a:prstGeom prst="downArrow">
+            <a:avLst/>
+          </a:prstGeom>
+          <a:solidFill>
+            <a:srgbClr val="FF0000"/>
+          </a:solidFill>
+        </p:spPr>
+        <p:style>
+          <a:lnRef idx="2">
+            <a:schemeClr val="accent1">
+              <a:shade val="50000"/>
+            </a:schemeClr>
+          </a:lnRef>
+          <a:fillRef idx="1">
+            <a:schemeClr val="accent1"/>
+          </a:fillRef>
+          <a:effectRef idx="0">
+            <a:schemeClr val="accent1"/>
+          </a:effectRef>
+          <a:fontRef idx="minor">
+            <a:schemeClr val="lt1"/>
+          </a:fontRef>
+        </p:style>
+        <p:txBody>
+          <a:bodyPr rtlCol="0" anchor="ctr"/>
+          <a:lstStyle/>
+          <a:p>
+            <a:pPr algn="ctr"/>
+            <a:endParaRPr lang="en-US"/>
+          </a:p>
+        </p:txBody>
+      </p:sp>
+      <p:sp>
+        <p:nvSpPr>
+          <p:cNvPr id="13" name="Arrow: Down 12">
+            <a:extLst>
+              <a:ext uri="{FF2B5EF4-FFF2-40B4-BE49-F238E27FC236}">
+                <a16:creationId xmlns:a16="http://schemas.microsoft.com/office/drawing/2014/main" id="{950ADEDC-CEC6-BDC4-A42A-021F8DC4F40D}"/>
+              </a:ext>
+            </a:extLst>
+          </p:cNvPr>
+          <p:cNvSpPr/>
+          <p:nvPr/>
+        </p:nvSpPr>
+        <p:spPr>
+          <a:xfrm rot="10800000">
+            <a:off x="5685453" y="3581399"/>
+            <a:ext cx="410547" cy="581610"/>
+          </a:xfrm>
+          <a:prstGeom prst="downArrow">
+            <a:avLst/>
+          </a:prstGeom>
+          <a:solidFill>
+            <a:srgbClr val="FF0000"/>
+          </a:solidFill>
+        </p:spPr>
+        <p:style>
+          <a:lnRef idx="2">
+            <a:schemeClr val="accent1">
+              <a:shade val="50000"/>
+            </a:schemeClr>
+          </a:lnRef>
+          <a:fillRef idx="1">
+            <a:schemeClr val="accent1"/>
+          </a:fillRef>
+          <a:effectRef idx="0">
+            <a:schemeClr val="accent1"/>
+          </a:effectRef>
+          <a:fontRef idx="minor">
+            <a:schemeClr val="lt1"/>
+          </a:fontRef>
+        </p:style>
+        <p:txBody>
+          <a:bodyPr rtlCol="0" anchor="ctr"/>
+          <a:lstStyle/>
+          <a:p>
+            <a:pPr algn="ctr"/>
+            <a:endParaRPr lang="en-US"/>
+          </a:p>
+        </p:txBody>
+      </p:sp>
+      <p:sp>
+        <p:nvSpPr>
+          <p:cNvPr id="14" name="Arrow: Down 13">
+            <a:extLst>
+              <a:ext uri="{FF2B5EF4-FFF2-40B4-BE49-F238E27FC236}">
+                <a16:creationId xmlns:a16="http://schemas.microsoft.com/office/drawing/2014/main" id="{0637CF52-5DAC-240B-8241-A75CDCCCFB4B}"/>
+              </a:ext>
+            </a:extLst>
+          </p:cNvPr>
+          <p:cNvSpPr/>
+          <p:nvPr/>
+        </p:nvSpPr>
+        <p:spPr>
+          <a:xfrm rot="10800000">
+            <a:off x="5520612" y="1544212"/>
+            <a:ext cx="410547" cy="581610"/>
+          </a:xfrm>
+          <a:prstGeom prst="downArrow">
+            <a:avLst/>
+          </a:prstGeom>
+          <a:solidFill>
+            <a:srgbClr val="FF0000"/>
+          </a:solidFill>
+        </p:spPr>
+        <p:style>
+          <a:lnRef idx="2">
+            <a:schemeClr val="accent1">
+              <a:shade val="50000"/>
+            </a:schemeClr>
+          </a:lnRef>
+          <a:fillRef idx="1">
+            <a:schemeClr val="accent1"/>
+          </a:fillRef>
+          <a:effectRef idx="0">
+            <a:schemeClr val="accent1"/>
+          </a:effectRef>
+          <a:fontRef idx="minor">
+            <a:schemeClr val="lt1"/>
+          </a:fontRef>
+        </p:style>
+        <p:txBody>
+          <a:bodyPr rtlCol="0" anchor="ctr"/>
+          <a:lstStyle/>
+          <a:p>
+            <a:pPr algn="ctr"/>
+            <a:endParaRPr lang="en-US"/>
+          </a:p>
+        </p:txBody>
+      </p:sp>
+      <p:sp>
+        <p:nvSpPr>
+          <p:cNvPr id="15" name="Arrow: Left 14">
+            <a:extLst>
+              <a:ext uri="{FF2B5EF4-FFF2-40B4-BE49-F238E27FC236}">
+                <a16:creationId xmlns:a16="http://schemas.microsoft.com/office/drawing/2014/main" id="{3047DB5A-5CD2-9E0D-451C-9BA797BC753F}"/>
+              </a:ext>
+            </a:extLst>
+          </p:cNvPr>
+          <p:cNvSpPr/>
+          <p:nvPr/>
+        </p:nvSpPr>
+        <p:spPr>
+          <a:xfrm>
+            <a:off x="121298" y="1701279"/>
+            <a:ext cx="4945222" cy="774441"/>
+          </a:xfrm>
+          <a:prstGeom prst="leftArrow">
+            <a:avLst/>
+          </a:prstGeom>
+        </p:spPr>
+        <p:style>
+          <a:lnRef idx="2">
+            <a:schemeClr val="accent1">
+              <a:shade val="50000"/>
+            </a:schemeClr>
+          </a:lnRef>
+          <a:fillRef idx="1">
+            <a:schemeClr val="accent1"/>
+          </a:fillRef>
+          <a:effectRef idx="0">
+            <a:schemeClr val="accent1"/>
+          </a:effectRef>
+          <a:fontRef idx="minor">
+            <a:schemeClr val="lt1"/>
+          </a:fontRef>
+        </p:style>
+        <p:txBody>
+          <a:bodyPr rtlCol="0" anchor="ctr"/>
+          <a:lstStyle/>
+          <a:p>
+            <a:pPr algn="ctr"/>
+            <a:r>
+              <a:rPr lang="en-IN" b="1" dirty="0"/>
+              <a:t>HTML + JavaScript + CSS + Data Response </a:t>
+            </a:r>
+            <a:endParaRPr lang="en-US" b="1" dirty="0"/>
+          </a:p>
+        </p:txBody>
+      </p:sp>
+      <p:sp>
+        <p:nvSpPr>
+          <p:cNvPr id="16" name="TextBox 15">
+            <a:extLst>
+              <a:ext uri="{FF2B5EF4-FFF2-40B4-BE49-F238E27FC236}">
+                <a16:creationId xmlns:a16="http://schemas.microsoft.com/office/drawing/2014/main" id="{C8329BEB-BCAA-2388-95B5-8C4D3D29BF7D}"/>
+              </a:ext>
+            </a:extLst>
+          </p:cNvPr>
+          <p:cNvSpPr txBox="1"/>
+          <p:nvPr/>
+        </p:nvSpPr>
+        <p:spPr>
+          <a:xfrm>
+            <a:off x="279918" y="3429000"/>
+            <a:ext cx="3984173" cy="369332"/>
+          </a:xfrm>
+          <a:prstGeom prst="rect">
+            <a:avLst/>
+          </a:prstGeom>
+          <a:noFill/>
+        </p:spPr>
+        <p:txBody>
+          <a:bodyPr wrap="square" rtlCol="0">
+            <a:spAutoFit/>
+          </a:bodyPr>
+          <a:lstStyle/>
+          <a:p>
+            <a:pPr algn="ctr"/>
+            <a:r>
+              <a:rPr lang="en-IN" b="1" dirty="0"/>
+              <a:t>A Typical Web Application Approach</a:t>
             </a:r>
             <a:endParaRPr lang="en-US" b="1" dirty="0"/>
           </a:p>
@@ -18433,7 +18639,7 @@
     </p:spTree>
     <p:extLst>
       <p:ext uri="{BB962C8B-B14F-4D97-AF65-F5344CB8AC3E}">
-        <p14:creationId xmlns:p14="http://schemas.microsoft.com/office/powerpoint/2010/main" val="492034141"/>
+        <p14:creationId xmlns:p14="http://schemas.microsoft.com/office/powerpoint/2010/main" val="3586171000"/>
       </p:ext>
     </p:extLst>
   </p:cSld>
@@ -18462,10 +18668,54 @@
       </p:grpSpPr>
       <p:sp>
         <p:nvSpPr>
-          <p:cNvPr id="2" name="TextBox 1">
-            <a:extLst>
-              <a:ext uri="{FF2B5EF4-FFF2-40B4-BE49-F238E27FC236}">
-                <a16:creationId xmlns:a16="http://schemas.microsoft.com/office/drawing/2014/main" id="{83029287-3498-6672-216A-1F87293E5AD4}"/>
+          <p:cNvPr id="2" name="Rectangle 1">
+            <a:extLst>
+              <a:ext uri="{FF2B5EF4-FFF2-40B4-BE49-F238E27FC236}">
+                <a16:creationId xmlns:a16="http://schemas.microsoft.com/office/drawing/2014/main" id="{C79B1033-1368-46FF-3FB7-8203B22175B2}"/>
+              </a:ext>
+            </a:extLst>
+          </p:cNvPr>
+          <p:cNvSpPr/>
+          <p:nvPr/>
+        </p:nvSpPr>
+        <p:spPr>
+          <a:xfrm>
+            <a:off x="1751045" y="779106"/>
+            <a:ext cx="8509518" cy="5299788"/>
+          </a:xfrm>
+          <a:prstGeom prst="rect">
+            <a:avLst/>
+          </a:prstGeom>
+        </p:spPr>
+        <p:style>
+          <a:lnRef idx="1">
+            <a:schemeClr val="accent3"/>
+          </a:lnRef>
+          <a:fillRef idx="2">
+            <a:schemeClr val="accent3"/>
+          </a:fillRef>
+          <a:effectRef idx="1">
+            <a:schemeClr val="accent3"/>
+          </a:effectRef>
+          <a:fontRef idx="minor">
+            <a:schemeClr val="dk1"/>
+          </a:fontRef>
+        </p:style>
+        <p:txBody>
+          <a:bodyPr rtlCol="0" anchor="ctr"/>
+          <a:lstStyle/>
+          <a:p>
+            <a:pPr algn="ctr"/>
+            <a:endParaRPr lang="en-US"/>
+          </a:p>
+        </p:txBody>
+      </p:sp>
+      <p:sp>
+        <p:nvSpPr>
+          <p:cNvPr id="3" name="TextBox 2">
+            <a:extLst>
+              <a:ext uri="{FF2B5EF4-FFF2-40B4-BE49-F238E27FC236}">
+                <a16:creationId xmlns:a16="http://schemas.microsoft.com/office/drawing/2014/main" id="{90861AF1-8C45-39EB-F0B1-CE765F454207}"/>
               </a:ext>
             </a:extLst>
           </p:cNvPr>
@@ -18474,8 +18724,8 @@
         </p:nvSpPr>
         <p:spPr>
           <a:xfrm>
-            <a:off x="606490" y="466531"/>
-            <a:ext cx="10851502" cy="2031325"/>
+            <a:off x="1847461" y="139959"/>
+            <a:ext cx="2295331" cy="369332"/>
           </a:xfrm>
           <a:prstGeom prst="rect">
             <a:avLst/>
@@ -18489,8 +18739,222 @@
           <a:lstStyle/>
           <a:p>
             <a:r>
+              <a:rPr lang="en-IN" dirty="0"/>
+              <a:t>Web Page</a:t>
+            </a:r>
+            <a:endParaRPr lang="en-US" dirty="0"/>
+          </a:p>
+        </p:txBody>
+      </p:sp>
+      <p:sp>
+        <p:nvSpPr>
+          <p:cNvPr id="4" name="Rectangle 3">
+            <a:extLst>
+              <a:ext uri="{FF2B5EF4-FFF2-40B4-BE49-F238E27FC236}">
+                <a16:creationId xmlns:a16="http://schemas.microsoft.com/office/drawing/2014/main" id="{2299CDD8-1527-DD2E-73C6-77589E8306CC}"/>
+              </a:ext>
+            </a:extLst>
+          </p:cNvPr>
+          <p:cNvSpPr/>
+          <p:nvPr/>
+        </p:nvSpPr>
+        <p:spPr>
+          <a:xfrm>
+            <a:off x="1751045" y="3069771"/>
+            <a:ext cx="8509518" cy="233266"/>
+          </a:xfrm>
+          <a:prstGeom prst="rect">
+            <a:avLst/>
+          </a:prstGeom>
+        </p:spPr>
+        <p:style>
+          <a:lnRef idx="2">
+            <a:schemeClr val="accent1">
+              <a:shade val="50000"/>
+            </a:schemeClr>
+          </a:lnRef>
+          <a:fillRef idx="1">
+            <a:schemeClr val="accent1"/>
+          </a:fillRef>
+          <a:effectRef idx="0">
+            <a:schemeClr val="accent1"/>
+          </a:effectRef>
+          <a:fontRef idx="minor">
+            <a:schemeClr val="lt1"/>
+          </a:fontRef>
+        </p:style>
+        <p:txBody>
+          <a:bodyPr rtlCol="0" anchor="ctr"/>
+          <a:lstStyle/>
+          <a:p>
+            <a:pPr algn="ctr"/>
+            <a:endParaRPr lang="en-US"/>
+          </a:p>
+        </p:txBody>
+      </p:sp>
+      <p:sp>
+        <p:nvSpPr>
+          <p:cNvPr id="5" name="Rectangle 4">
+            <a:extLst>
+              <a:ext uri="{FF2B5EF4-FFF2-40B4-BE49-F238E27FC236}">
+                <a16:creationId xmlns:a16="http://schemas.microsoft.com/office/drawing/2014/main" id="{FD2DAD47-3102-8552-DEDE-555138F5A06C}"/>
+              </a:ext>
+            </a:extLst>
+          </p:cNvPr>
+          <p:cNvSpPr/>
+          <p:nvPr/>
+        </p:nvSpPr>
+        <p:spPr>
+          <a:xfrm>
+            <a:off x="5884506" y="779106"/>
+            <a:ext cx="422988" cy="2290665"/>
+          </a:xfrm>
+          <a:prstGeom prst="rect">
+            <a:avLst/>
+          </a:prstGeom>
+        </p:spPr>
+        <p:style>
+          <a:lnRef idx="2">
+            <a:schemeClr val="accent1">
+              <a:shade val="50000"/>
+            </a:schemeClr>
+          </a:lnRef>
+          <a:fillRef idx="1">
+            <a:schemeClr val="accent1"/>
+          </a:fillRef>
+          <a:effectRef idx="0">
+            <a:schemeClr val="accent1"/>
+          </a:effectRef>
+          <a:fontRef idx="minor">
+            <a:schemeClr val="lt1"/>
+          </a:fontRef>
+        </p:style>
+        <p:txBody>
+          <a:bodyPr rtlCol="0" anchor="ctr"/>
+          <a:lstStyle/>
+          <a:p>
+            <a:pPr algn="ctr"/>
+            <a:endParaRPr lang="en-US"/>
+          </a:p>
+        </p:txBody>
+      </p:sp>
+      <p:sp>
+        <p:nvSpPr>
+          <p:cNvPr id="6" name="TextBox 5">
+            <a:extLst>
+              <a:ext uri="{FF2B5EF4-FFF2-40B4-BE49-F238E27FC236}">
+                <a16:creationId xmlns:a16="http://schemas.microsoft.com/office/drawing/2014/main" id="{9CBD44D7-677F-5152-047A-20E79369DFCD}"/>
+              </a:ext>
+            </a:extLst>
+          </p:cNvPr>
+          <p:cNvSpPr txBox="1"/>
+          <p:nvPr/>
+        </p:nvSpPr>
+        <p:spPr>
+          <a:xfrm>
+            <a:off x="2062065" y="998376"/>
+            <a:ext cx="2080727" cy="1754326"/>
+          </a:xfrm>
+          <a:prstGeom prst="rect">
+            <a:avLst/>
+          </a:prstGeom>
+          <a:noFill/>
+        </p:spPr>
+        <p:txBody>
+          <a:bodyPr wrap="square" rtlCol="0">
+            <a:spAutoFit/>
+          </a:bodyPr>
+          <a:lstStyle/>
+          <a:p>
+            <a:r>
               <a:rPr lang="en-IN" b="1" dirty="0"/>
-              <a:t>Guidelines of Developing a lightweight responsive page</a:t>
+              <a:t>User Interface</a:t>
+            </a:r>
+          </a:p>
+          <a:p>
+            <a:pPr marL="285750" indent="-285750">
+              <a:buFont typeface="Arial" panose="020B0604020202020204" pitchFamily="34" charset="0"/>
+              <a:buChar char="•"/>
+            </a:pPr>
+            <a:r>
+              <a:rPr lang="en-IN" b="1" dirty="0"/>
+              <a:t>TextBox</a:t>
+            </a:r>
+          </a:p>
+          <a:p>
+            <a:pPr marL="285750" indent="-285750">
+              <a:buFont typeface="Arial" panose="020B0604020202020204" pitchFamily="34" charset="0"/>
+              <a:buChar char="•"/>
+            </a:pPr>
+            <a:r>
+              <a:rPr lang="en-IN" b="1" dirty="0"/>
+              <a:t>Button</a:t>
+            </a:r>
+          </a:p>
+          <a:p>
+            <a:pPr marL="285750" indent="-285750">
+              <a:buFont typeface="Arial" panose="020B0604020202020204" pitchFamily="34" charset="0"/>
+              <a:buChar char="•"/>
+            </a:pPr>
+            <a:r>
+              <a:rPr lang="en-IN" b="1" dirty="0"/>
+              <a:t>List</a:t>
+            </a:r>
+          </a:p>
+          <a:p>
+            <a:pPr marL="285750" indent="-285750">
+              <a:buFont typeface="Arial" panose="020B0604020202020204" pitchFamily="34" charset="0"/>
+              <a:buChar char="•"/>
+            </a:pPr>
+            <a:r>
+              <a:rPr lang="en-IN" b="1" dirty="0"/>
+              <a:t>Grid aka Table</a:t>
+            </a:r>
+          </a:p>
+          <a:p>
+            <a:pPr marL="285750" indent="-285750">
+              <a:buFont typeface="Arial" panose="020B0604020202020204" pitchFamily="34" charset="0"/>
+              <a:buChar char="•"/>
+            </a:pPr>
+            <a:r>
+              <a:rPr lang="en-IN" b="1" dirty="0"/>
+              <a:t>Image</a:t>
+            </a:r>
+            <a:endParaRPr lang="en-US" b="1" dirty="0"/>
+          </a:p>
+        </p:txBody>
+      </p:sp>
+      <p:sp>
+        <p:nvSpPr>
+          <p:cNvPr id="7" name="TextBox 6">
+            <a:extLst>
+              <a:ext uri="{FF2B5EF4-FFF2-40B4-BE49-F238E27FC236}">
+                <a16:creationId xmlns:a16="http://schemas.microsoft.com/office/drawing/2014/main" id="{27D314F1-0674-8D2B-686F-A5EE7BECCA74}"/>
+              </a:ext>
+            </a:extLst>
+          </p:cNvPr>
+          <p:cNvSpPr txBox="1"/>
+          <p:nvPr/>
+        </p:nvSpPr>
+        <p:spPr>
+          <a:xfrm>
+            <a:off x="6456784" y="914400"/>
+            <a:ext cx="3673151" cy="923330"/>
+          </a:xfrm>
+          <a:prstGeom prst="rect">
+            <a:avLst/>
+          </a:prstGeom>
+          <a:noFill/>
+        </p:spPr>
+        <p:txBody>
+          <a:bodyPr wrap="square" rtlCol="0">
+            <a:spAutoFit/>
+          </a:bodyPr>
+          <a:lstStyle/>
+          <a:p>
+            <a:r>
+              <a:rPr lang="en-IN" b="1" dirty="0"/>
+              <a:t>Data aka Model</a:t>
             </a:r>
           </a:p>
           <a:p>
@@ -18500,7 +18964,7 @@
             </a:pPr>
             <a:r>
               <a:rPr lang="en-IN" b="1" dirty="0"/>
-              <a:t>Make sure that the data is lightweight</a:t>
+              <a:t>Classes with Properties</a:t>
             </a:r>
           </a:p>
           <a:p>
@@ -18510,37 +18974,7 @@
             </a:pPr>
             <a:r>
               <a:rPr lang="en-IN" b="1" dirty="0"/>
-              <a:t>Optimize the Logic in such a way that the server will execute only that logic which is required by the page to execute</a:t>
-            </a:r>
-          </a:p>
-          <a:p>
-            <a:pPr marL="342900" indent="-342900">
-              <a:buFont typeface="+mj-lt"/>
-              <a:buAutoNum type="arabicPeriod"/>
-            </a:pPr>
-            <a:r>
-              <a:rPr lang="en-IN" b="1" dirty="0"/>
-              <a:t>Make sure that the Page is executed Asynchronously</a:t>
-            </a:r>
-          </a:p>
-          <a:p>
-            <a:pPr marL="342900" indent="-342900">
-              <a:buFont typeface="+mj-lt"/>
-              <a:buAutoNum type="arabicPeriod"/>
-            </a:pPr>
-            <a:r>
-              <a:rPr lang="en-IN" b="1" dirty="0"/>
-              <a:t>The Logic will also be asynchronous</a:t>
-            </a:r>
-          </a:p>
-          <a:p>
-            <a:pPr marL="342900" indent="-342900">
-              <a:buFont typeface="+mj-lt"/>
-              <a:buAutoNum type="arabicPeriod"/>
-            </a:pPr>
-            <a:r>
-              <a:rPr lang="en-IN" b="1" dirty="0"/>
-              <a:t>Pass only that data which page wants to show on it</a:t>
+              <a:t>Collection of Data</a:t>
             </a:r>
             <a:endParaRPr lang="en-US" b="1" dirty="0"/>
           </a:p>
@@ -18548,10 +18982,10 @@
       </p:sp>
       <p:sp>
         <p:nvSpPr>
-          <p:cNvPr id="3" name="Rectangle 2">
-            <a:extLst>
-              <a:ext uri="{FF2B5EF4-FFF2-40B4-BE49-F238E27FC236}">
-                <a16:creationId xmlns:a16="http://schemas.microsoft.com/office/drawing/2014/main" id="{CD5033CA-DE0A-77F7-D9FB-298CD85C3498}"/>
+          <p:cNvPr id="12" name="Rectangle 11">
+            <a:extLst>
+              <a:ext uri="{FF2B5EF4-FFF2-40B4-BE49-F238E27FC236}">
+                <a16:creationId xmlns:a16="http://schemas.microsoft.com/office/drawing/2014/main" id="{2BEA9D70-74CE-B8DB-0A35-0D7984AD5517}"/>
               </a:ext>
             </a:extLst>
           </p:cNvPr>
@@ -18560,8 +18994,8 @@
         </p:nvSpPr>
         <p:spPr>
           <a:xfrm>
-            <a:off x="942392" y="3937518"/>
-            <a:ext cx="2621902" cy="1856792"/>
+            <a:off x="5884507" y="3303037"/>
+            <a:ext cx="422988" cy="2775857"/>
           </a:xfrm>
           <a:prstGeom prst="rect">
             <a:avLst/>
@@ -18588,27 +19022,193 @@
           <a:lstStyle/>
           <a:p>
             <a:pPr algn="ctr"/>
+            <a:endParaRPr lang="en-US"/>
+          </a:p>
+        </p:txBody>
+      </p:sp>
+      <p:sp>
+        <p:nvSpPr>
+          <p:cNvPr id="13" name="TextBox 12">
+            <a:extLst>
+              <a:ext uri="{FF2B5EF4-FFF2-40B4-BE49-F238E27FC236}">
+                <a16:creationId xmlns:a16="http://schemas.microsoft.com/office/drawing/2014/main" id="{B71B6FBD-1B34-703E-A701-62E68C64B257}"/>
+              </a:ext>
+            </a:extLst>
+          </p:cNvPr>
+          <p:cNvSpPr txBox="1"/>
+          <p:nvPr/>
+        </p:nvSpPr>
+        <p:spPr>
+          <a:xfrm>
+            <a:off x="1931437" y="3447460"/>
+            <a:ext cx="3704253" cy="1200329"/>
+          </a:xfrm>
+          <a:prstGeom prst="rect">
+            <a:avLst/>
+          </a:prstGeom>
+          <a:noFill/>
+        </p:spPr>
+        <p:txBody>
+          <a:bodyPr wrap="square" rtlCol="0">
+            <a:spAutoFit/>
+          </a:bodyPr>
+          <a:lstStyle/>
+          <a:p>
             <a:r>
               <a:rPr lang="en-IN" b="1" dirty="0"/>
-              <a:t>Page with UI and Event</a:t>
-            </a:r>
-          </a:p>
-          <a:p>
-            <a:pPr algn="ctr"/>
+              <a:t>Events of UI Elements</a:t>
+            </a:r>
+          </a:p>
+          <a:p>
+            <a:endParaRPr lang="en-IN" b="1" dirty="0"/>
+          </a:p>
+          <a:p>
+            <a:pPr marL="285750" indent="-285750">
+              <a:buFont typeface="Arial" panose="020B0604020202020204" pitchFamily="34" charset="0"/>
+              <a:buChar char="•"/>
+            </a:pPr>
             <a:r>
               <a:rPr lang="en-IN" b="1" dirty="0"/>
-              <a:t>View</a:t>
+              <a:t>Click For Button</a:t>
+            </a:r>
+          </a:p>
+          <a:p>
+            <a:pPr marL="285750" indent="-285750">
+              <a:buFont typeface="Arial" panose="020B0604020202020204" pitchFamily="34" charset="0"/>
+              <a:buChar char="•"/>
+            </a:pPr>
+            <a:r>
+              <a:rPr lang="en-IN" b="1" dirty="0"/>
+              <a:t>Change for TextBox, List, Grid, etc. </a:t>
             </a:r>
             <a:endParaRPr lang="en-US" b="1" dirty="0"/>
           </a:p>
         </p:txBody>
       </p:sp>
-      <p:sp>
-        <p:nvSpPr>
-          <p:cNvPr id="4" name="Arrow: Right 3">
-            <a:extLst>
-              <a:ext uri="{FF2B5EF4-FFF2-40B4-BE49-F238E27FC236}">
-                <a16:creationId xmlns:a16="http://schemas.microsoft.com/office/drawing/2014/main" id="{AE72A608-9A9A-178B-7DF7-B0FC1480CD07}"/>
+      <p:cxnSp>
+        <p:nvCxnSpPr>
+          <p:cNvPr id="15" name="Connector: Elbow 14">
+            <a:extLst>
+              <a:ext uri="{FF2B5EF4-FFF2-40B4-BE49-F238E27FC236}">
+                <a16:creationId xmlns:a16="http://schemas.microsoft.com/office/drawing/2014/main" id="{72975EB9-FEA5-780B-F0AA-C2DC86AC6F8C}"/>
+              </a:ext>
+            </a:extLst>
+          </p:cNvPr>
+          <p:cNvCxnSpPr/>
+          <p:nvPr/>
+        </p:nvCxnSpPr>
+        <p:spPr>
+          <a:xfrm rot="5400000">
+            <a:off x="3214211" y="2421079"/>
+            <a:ext cx="1511931" cy="345233"/>
+          </a:xfrm>
+          <a:prstGeom prst="bentConnector3">
+            <a:avLst/>
+          </a:prstGeom>
+          <a:ln w="76200">
+            <a:solidFill>
+              <a:srgbClr val="FFFF00"/>
+            </a:solidFill>
+            <a:tailEnd type="triangle"/>
+          </a:ln>
+        </p:spPr>
+        <p:style>
+          <a:lnRef idx="1">
+            <a:schemeClr val="accent1"/>
+          </a:lnRef>
+          <a:fillRef idx="0">
+            <a:schemeClr val="accent1"/>
+          </a:fillRef>
+          <a:effectRef idx="0">
+            <a:schemeClr val="accent1"/>
+          </a:effectRef>
+          <a:fontRef idx="minor">
+            <a:schemeClr val="tx1"/>
+          </a:fontRef>
+        </p:style>
+      </p:cxnSp>
+      <p:sp>
+        <p:nvSpPr>
+          <p:cNvPr id="16" name="TextBox 15">
+            <a:extLst>
+              <a:ext uri="{FF2B5EF4-FFF2-40B4-BE49-F238E27FC236}">
+                <a16:creationId xmlns:a16="http://schemas.microsoft.com/office/drawing/2014/main" id="{3EAC9BD0-CD33-912D-DDA3-39BE7B237FB6}"/>
+              </a:ext>
+            </a:extLst>
+          </p:cNvPr>
+          <p:cNvSpPr txBox="1"/>
+          <p:nvPr/>
+        </p:nvSpPr>
+        <p:spPr>
+          <a:xfrm>
+            <a:off x="6456784" y="3429000"/>
+            <a:ext cx="3554963" cy="2308324"/>
+          </a:xfrm>
+          <a:prstGeom prst="rect">
+            <a:avLst/>
+          </a:prstGeom>
+          <a:noFill/>
+        </p:spPr>
+        <p:txBody>
+          <a:bodyPr wrap="square" rtlCol="0">
+            <a:spAutoFit/>
+          </a:bodyPr>
+          <a:lstStyle/>
+          <a:p>
+            <a:r>
+              <a:rPr lang="en-IN" b="1" dirty="0"/>
+              <a:t>Logic</a:t>
+            </a:r>
+          </a:p>
+          <a:p>
+            <a:pPr marL="285750" indent="-285750">
+              <a:buFont typeface="Arial" panose="020B0604020202020204" pitchFamily="34" charset="0"/>
+              <a:buChar char="•"/>
+            </a:pPr>
+            <a:r>
+              <a:rPr lang="en-IN" b="1" dirty="0"/>
+              <a:t>Read Data from UI and Process it</a:t>
+            </a:r>
+          </a:p>
+          <a:p>
+            <a:pPr marL="285750" indent="-285750">
+              <a:buFont typeface="Arial" panose="020B0604020202020204" pitchFamily="34" charset="0"/>
+              <a:buChar char="•"/>
+            </a:pPr>
+            <a:r>
+              <a:rPr lang="en-IN" b="1" dirty="0"/>
+              <a:t>Update Data Model and Collection</a:t>
+            </a:r>
+          </a:p>
+          <a:p>
+            <a:pPr marL="285750" indent="-285750">
+              <a:buFont typeface="Arial" panose="020B0604020202020204" pitchFamily="34" charset="0"/>
+              <a:buChar char="•"/>
+            </a:pPr>
+            <a:r>
+              <a:rPr lang="en-IN" b="1" dirty="0"/>
+              <a:t>Call to Database</a:t>
+            </a:r>
+          </a:p>
+          <a:p>
+            <a:pPr marL="285750" indent="-285750">
+              <a:buFont typeface="Arial" panose="020B0604020202020204" pitchFamily="34" charset="0"/>
+              <a:buChar char="•"/>
+            </a:pPr>
+            <a:r>
+              <a:rPr lang="en-IN" b="1" dirty="0"/>
+              <a:t>… and many more logical execution</a:t>
+            </a:r>
+            <a:endParaRPr lang="en-US" b="1" dirty="0"/>
+          </a:p>
+        </p:txBody>
+      </p:sp>
+      <p:sp>
+        <p:nvSpPr>
+          <p:cNvPr id="17" name="Oval 16">
+            <a:extLst>
+              <a:ext uri="{FF2B5EF4-FFF2-40B4-BE49-F238E27FC236}">
+                <a16:creationId xmlns:a16="http://schemas.microsoft.com/office/drawing/2014/main" id="{0FD183DA-FC02-465C-6B5C-EB9702DAB44D}"/>
               </a:ext>
             </a:extLst>
           </p:cNvPr>
@@ -18617,15 +19217,12 @@
         </p:nvSpPr>
         <p:spPr>
           <a:xfrm>
-            <a:off x="3564295" y="5066522"/>
-            <a:ext cx="1772816" cy="457200"/>
-          </a:xfrm>
-          <a:prstGeom prst="rightArrow">
-            <a:avLst/>
-          </a:prstGeom>
-          <a:solidFill>
-            <a:srgbClr val="7030A0"/>
-          </a:solidFill>
+            <a:off x="3582955" y="2547257"/>
+            <a:ext cx="457200" cy="475260"/>
+          </a:xfrm>
+          <a:prstGeom prst="ellipse">
+            <a:avLst/>
+          </a:prstGeom>
         </p:spPr>
         <p:style>
           <a:lnRef idx="2">
@@ -18648,16 +19245,185 @@
           <a:lstStyle/>
           <a:p>
             <a:pPr algn="ctr"/>
-            <a:endParaRPr lang="en-US"/>
-          </a:p>
-        </p:txBody>
-      </p:sp>
-      <p:sp>
-        <p:nvSpPr>
-          <p:cNvPr id="5" name="Rectangle 4">
-            <a:extLst>
-              <a:ext uri="{FF2B5EF4-FFF2-40B4-BE49-F238E27FC236}">
-                <a16:creationId xmlns:a16="http://schemas.microsoft.com/office/drawing/2014/main" id="{D1339340-D626-4FD2-470F-E6CD2B03B771}"/>
+            <a:r>
+              <a:rPr lang="en-IN" b="1" dirty="0"/>
+              <a:t>1</a:t>
+            </a:r>
+            <a:endParaRPr lang="en-US" b="1" dirty="0"/>
+          </a:p>
+        </p:txBody>
+      </p:sp>
+      <p:sp>
+        <p:nvSpPr>
+          <p:cNvPr id="18" name="TextBox 17">
+            <a:extLst>
+              <a:ext uri="{FF2B5EF4-FFF2-40B4-BE49-F238E27FC236}">
+                <a16:creationId xmlns:a16="http://schemas.microsoft.com/office/drawing/2014/main" id="{53130B42-CC2D-6387-8560-2F8D574F0872}"/>
+              </a:ext>
+            </a:extLst>
+          </p:cNvPr>
+          <p:cNvSpPr txBox="1"/>
+          <p:nvPr/>
+        </p:nvSpPr>
+        <p:spPr>
+          <a:xfrm>
+            <a:off x="93306" y="3303037"/>
+            <a:ext cx="1589314" cy="3139321"/>
+          </a:xfrm>
+          <a:prstGeom prst="rect">
+            <a:avLst/>
+          </a:prstGeom>
+          <a:noFill/>
+        </p:spPr>
+        <p:txBody>
+          <a:bodyPr wrap="square" rtlCol="0">
+            <a:spAutoFit/>
+          </a:bodyPr>
+          <a:lstStyle/>
+          <a:p>
+            <a:pPr marL="342900" indent="-342900">
+              <a:buAutoNum type="arabicPeriod"/>
+            </a:pPr>
+            <a:r>
+              <a:rPr lang="en-IN" dirty="0"/>
+              <a:t>Event is Raised.</a:t>
+            </a:r>
+          </a:p>
+          <a:p>
+            <a:pPr marL="342900" indent="-342900">
+              <a:buAutoNum type="arabicPeriod"/>
+            </a:pPr>
+            <a:r>
+              <a:rPr lang="en-IN" dirty="0"/>
+              <a:t>Logic is called.</a:t>
+            </a:r>
+          </a:p>
+          <a:p>
+            <a:pPr marL="342900" indent="-342900">
+              <a:buAutoNum type="arabicPeriod"/>
+            </a:pPr>
+            <a:r>
+              <a:rPr lang="en-IN" dirty="0"/>
+              <a:t>Update Data.</a:t>
+            </a:r>
+          </a:p>
+          <a:p>
+            <a:pPr marL="342900" indent="-342900">
+              <a:buAutoNum type="arabicPeriod"/>
+            </a:pPr>
+            <a:r>
+              <a:rPr lang="en-IN" dirty="0"/>
+              <a:t>Data is shown back to UI</a:t>
+            </a:r>
+          </a:p>
+          <a:p>
+            <a:pPr marL="342900" indent="-342900">
+              <a:buAutoNum type="arabicPeriod"/>
+            </a:pPr>
+            <a:endParaRPr lang="en-IN" dirty="0"/>
+          </a:p>
+          <a:p>
+            <a:pPr marL="342900" indent="-342900">
+              <a:buAutoNum type="arabicPeriod"/>
+            </a:pPr>
+            <a:endParaRPr lang="en-US" dirty="0"/>
+          </a:p>
+        </p:txBody>
+      </p:sp>
+      <p:cxnSp>
+        <p:nvCxnSpPr>
+          <p:cNvPr id="20" name="Connector: Elbow 19">
+            <a:extLst>
+              <a:ext uri="{FF2B5EF4-FFF2-40B4-BE49-F238E27FC236}">
+                <a16:creationId xmlns:a16="http://schemas.microsoft.com/office/drawing/2014/main" id="{9D00FEAB-6D1D-CE87-9C9B-7A03936CD406}"/>
+              </a:ext>
+            </a:extLst>
+          </p:cNvPr>
+          <p:cNvCxnSpPr>
+            <a:endCxn id="16" idx="1"/>
+          </p:cNvCxnSpPr>
+          <p:nvPr/>
+        </p:nvCxnSpPr>
+        <p:spPr>
+          <a:xfrm>
+            <a:off x="4469363" y="4049486"/>
+            <a:ext cx="1987421" cy="533676"/>
+          </a:xfrm>
+          <a:prstGeom prst="bentConnector3">
+            <a:avLst/>
+          </a:prstGeom>
+          <a:ln w="76200">
+            <a:solidFill>
+              <a:srgbClr val="FFFF00"/>
+            </a:solidFill>
+            <a:tailEnd type="triangle"/>
+          </a:ln>
+        </p:spPr>
+        <p:style>
+          <a:lnRef idx="1">
+            <a:schemeClr val="accent1"/>
+          </a:lnRef>
+          <a:fillRef idx="0">
+            <a:schemeClr val="accent1"/>
+          </a:fillRef>
+          <a:effectRef idx="0">
+            <a:schemeClr val="accent1"/>
+          </a:effectRef>
+          <a:fontRef idx="minor">
+            <a:schemeClr val="tx1"/>
+          </a:fontRef>
+        </p:style>
+      </p:cxnSp>
+      <p:cxnSp>
+        <p:nvCxnSpPr>
+          <p:cNvPr id="22" name="Connector: Elbow 21">
+            <a:extLst>
+              <a:ext uri="{FF2B5EF4-FFF2-40B4-BE49-F238E27FC236}">
+                <a16:creationId xmlns:a16="http://schemas.microsoft.com/office/drawing/2014/main" id="{0F2041F9-0EFA-D9C1-A4B9-7E41484D67C8}"/>
+              </a:ext>
+            </a:extLst>
+          </p:cNvPr>
+          <p:cNvCxnSpPr>
+            <a:stCxn id="16" idx="0"/>
+          </p:cNvCxnSpPr>
+          <p:nvPr/>
+        </p:nvCxnSpPr>
+        <p:spPr>
+          <a:xfrm rot="16200000" flipV="1">
+            <a:off x="7077070" y="2271803"/>
+            <a:ext cx="1591270" cy="723123"/>
+          </a:xfrm>
+          <a:prstGeom prst="bentConnector3">
+            <a:avLst/>
+          </a:prstGeom>
+          <a:ln w="76200">
+            <a:solidFill>
+              <a:srgbClr val="FFFF00"/>
+            </a:solidFill>
+            <a:tailEnd type="triangle"/>
+          </a:ln>
+        </p:spPr>
+        <p:style>
+          <a:lnRef idx="1">
+            <a:schemeClr val="accent1"/>
+          </a:lnRef>
+          <a:fillRef idx="0">
+            <a:schemeClr val="accent1"/>
+          </a:fillRef>
+          <a:effectRef idx="0">
+            <a:schemeClr val="accent1"/>
+          </a:effectRef>
+          <a:fontRef idx="minor">
+            <a:schemeClr val="tx1"/>
+          </a:fontRef>
+        </p:style>
+      </p:cxnSp>
+      <p:sp>
+        <p:nvSpPr>
+          <p:cNvPr id="23" name="Oval 22">
+            <a:extLst>
+              <a:ext uri="{FF2B5EF4-FFF2-40B4-BE49-F238E27FC236}">
+                <a16:creationId xmlns:a16="http://schemas.microsoft.com/office/drawing/2014/main" id="{D502162F-6D55-AA75-D41C-A2E91AF4FDA4}"/>
               </a:ext>
             </a:extLst>
           </p:cNvPr>
@@ -18666,10 +19432,10 @@
         </p:nvSpPr>
         <p:spPr>
           <a:xfrm>
-            <a:off x="7791061" y="3937518"/>
-            <a:ext cx="2621902" cy="1856792"/>
-          </a:xfrm>
-          <a:prstGeom prst="rect">
+            <a:off x="5134950" y="3841064"/>
+            <a:ext cx="457200" cy="475260"/>
+          </a:xfrm>
+          <a:prstGeom prst="ellipse">
             <a:avLst/>
           </a:prstGeom>
         </p:spPr>
@@ -18696,7 +19462,7 @@
             <a:pPr algn="ctr"/>
             <a:r>
               <a:rPr lang="en-IN" b="1" dirty="0"/>
-              <a:t>Execute the Logic based on data and instruction received from Presenter</a:t>
+              <a:t>2</a:t>
             </a:r>
             <a:endParaRPr lang="en-US" b="1" dirty="0"/>
           </a:p>
@@ -18704,10 +19470,10 @@
       </p:sp>
       <p:sp>
         <p:nvSpPr>
-          <p:cNvPr id="6" name="Rectangle 5">
-            <a:extLst>
-              <a:ext uri="{FF2B5EF4-FFF2-40B4-BE49-F238E27FC236}">
-                <a16:creationId xmlns:a16="http://schemas.microsoft.com/office/drawing/2014/main" id="{0299F393-1D95-E5D4-9047-6B53BE791439}"/>
+          <p:cNvPr id="24" name="Oval 23">
+            <a:extLst>
+              <a:ext uri="{FF2B5EF4-FFF2-40B4-BE49-F238E27FC236}">
+                <a16:creationId xmlns:a16="http://schemas.microsoft.com/office/drawing/2014/main" id="{5C4E07CE-C1E9-E56F-E099-C3D1263D47B8}"/>
               </a:ext>
             </a:extLst>
           </p:cNvPr>
@@ -18716,10 +19482,10 @@
         </p:nvSpPr>
         <p:spPr>
           <a:xfrm>
-            <a:off x="4366726" y="2556588"/>
-            <a:ext cx="2621902" cy="892991"/>
-          </a:xfrm>
-          <a:prstGeom prst="rect">
+            <a:off x="7808734" y="2435977"/>
+            <a:ext cx="415636" cy="475260"/>
+          </a:xfrm>
+          <a:prstGeom prst="ellipse">
             <a:avLst/>
           </a:prstGeom>
         </p:spPr>
@@ -18746,14 +19512,7 @@
             <a:pPr algn="ctr"/>
             <a:r>
               <a:rPr lang="en-IN" b="1" dirty="0"/>
-              <a:t>The Data will be Updated</a:t>
-            </a:r>
-          </a:p>
-          <a:p>
-            <a:pPr algn="ctr"/>
-            <a:r>
-              <a:rPr lang="en-IN" b="1" dirty="0"/>
-              <a:t>Model</a:t>
+              <a:t>3</a:t>
             </a:r>
             <a:endParaRPr lang="en-US" b="1" dirty="0"/>
           </a:p>
@@ -18761,30 +19520,30 @@
       </p:sp>
       <p:cxnSp>
         <p:nvCxnSpPr>
-          <p:cNvPr id="8" name="Connector: Elbow 7">
-            <a:extLst>
-              <a:ext uri="{FF2B5EF4-FFF2-40B4-BE49-F238E27FC236}">
-                <a16:creationId xmlns:a16="http://schemas.microsoft.com/office/drawing/2014/main" id="{8D4814D5-9F45-D3CE-996B-175F8AF74E4C}"/>
+          <p:cNvPr id="26" name="Connector: Elbow 25">
+            <a:extLst>
+              <a:ext uri="{FF2B5EF4-FFF2-40B4-BE49-F238E27FC236}">
+                <a16:creationId xmlns:a16="http://schemas.microsoft.com/office/drawing/2014/main" id="{60F405CC-1576-6472-5C84-93E1191EA58B}"/>
               </a:ext>
             </a:extLst>
           </p:cNvPr>
           <p:cNvCxnSpPr>
-            <a:stCxn id="5" idx="0"/>
+            <a:stCxn id="7" idx="1"/>
             <a:endCxn id="6" idx="3"/>
           </p:cNvCxnSpPr>
           <p:nvPr/>
         </p:nvCxnSpPr>
         <p:spPr>
-          <a:xfrm rot="16200000" flipV="1">
-            <a:off x="7578103" y="2413609"/>
-            <a:ext cx="934434" cy="2113384"/>
-          </a:xfrm>
-          <a:prstGeom prst="bentConnector2">
+          <a:xfrm rot="10800000" flipV="1">
+            <a:off x="4142792" y="1376065"/>
+            <a:ext cx="2313992" cy="499474"/>
+          </a:xfrm>
+          <a:prstGeom prst="bentConnector3">
             <a:avLst/>
           </a:prstGeom>
           <a:ln w="76200">
             <a:solidFill>
-              <a:srgbClr val="7030A0"/>
+              <a:srgbClr val="FFFF00"/>
             </a:solidFill>
             <a:tailEnd type="triangle"/>
           </a:ln>
@@ -18804,104 +19563,12 @@
           </a:fontRef>
         </p:style>
       </p:cxnSp>
-      <p:cxnSp>
-        <p:nvCxnSpPr>
-          <p:cNvPr id="10" name="Connector: Elbow 9">
-            <a:extLst>
-              <a:ext uri="{FF2B5EF4-FFF2-40B4-BE49-F238E27FC236}">
-                <a16:creationId xmlns:a16="http://schemas.microsoft.com/office/drawing/2014/main" id="{8C2EB5BB-3B29-B9BC-0A32-DDE430E811FC}"/>
-              </a:ext>
-            </a:extLst>
-          </p:cNvPr>
-          <p:cNvCxnSpPr>
-            <a:stCxn id="6" idx="1"/>
-            <a:endCxn id="3" idx="0"/>
-          </p:cNvCxnSpPr>
-          <p:nvPr/>
-        </p:nvCxnSpPr>
-        <p:spPr>
-          <a:xfrm rot="10800000" flipV="1">
-            <a:off x="2253344" y="3003084"/>
-            <a:ext cx="2113383" cy="934434"/>
-          </a:xfrm>
-          <a:prstGeom prst="bentConnector2">
-            <a:avLst/>
-          </a:prstGeom>
-          <a:ln w="76200">
-            <a:solidFill>
-              <a:srgbClr val="7030A0"/>
-            </a:solidFill>
-            <a:tailEnd type="triangle"/>
-          </a:ln>
-        </p:spPr>
-        <p:style>
-          <a:lnRef idx="1">
-            <a:schemeClr val="accent1"/>
-          </a:lnRef>
-          <a:fillRef idx="0">
-            <a:schemeClr val="accent1"/>
-          </a:fillRef>
-          <a:effectRef idx="0">
-            <a:schemeClr val="accent1"/>
-          </a:effectRef>
-          <a:fontRef idx="minor">
-            <a:schemeClr val="tx1"/>
-          </a:fontRef>
-        </p:style>
-      </p:cxnSp>
-      <p:sp>
-        <p:nvSpPr>
-          <p:cNvPr id="11" name="TextBox 10">
-            <a:extLst>
-              <a:ext uri="{FF2B5EF4-FFF2-40B4-BE49-F238E27FC236}">
-                <a16:creationId xmlns:a16="http://schemas.microsoft.com/office/drawing/2014/main" id="{3B82792C-26AE-059E-57B9-BE824CBDE1C6}"/>
-              </a:ext>
-            </a:extLst>
-          </p:cNvPr>
-          <p:cNvSpPr txBox="1"/>
-          <p:nvPr/>
-        </p:nvSpPr>
-        <p:spPr>
-          <a:xfrm>
-            <a:off x="457200" y="5729395"/>
-            <a:ext cx="5971592" cy="923330"/>
-          </a:xfrm>
-          <a:prstGeom prst="rect">
-            <a:avLst/>
-          </a:prstGeom>
-          <a:noFill/>
-        </p:spPr>
-        <p:txBody>
-          <a:bodyPr wrap="square" rtlCol="0">
-            <a:spAutoFit/>
-          </a:bodyPr>
-          <a:lstStyle/>
-          <a:p>
-            <a:pPr marL="342900" indent="-342900">
-              <a:buAutoNum type="arabicPeriod"/>
-            </a:pPr>
-            <a:r>
-              <a:rPr lang="en-IN" dirty="0"/>
-              <a:t>Model-View-View-Model (MVVM) Suitable for Desktop apps than Web Apps</a:t>
-            </a:r>
-          </a:p>
-          <a:p>
-            <a:pPr marL="342900" indent="-342900">
-              <a:buAutoNum type="arabicPeriod"/>
-            </a:pPr>
-            <a:r>
-              <a:rPr lang="en-US" dirty="0"/>
-              <a:t>Model-View-Presenter, suitable for Web Apps</a:t>
-            </a:r>
-          </a:p>
-        </p:txBody>
-      </p:sp>
-      <p:sp>
-        <p:nvSpPr>
-          <p:cNvPr id="12" name="Rectangle: Rounded Corners 11">
-            <a:extLst>
-              <a:ext uri="{FF2B5EF4-FFF2-40B4-BE49-F238E27FC236}">
-                <a16:creationId xmlns:a16="http://schemas.microsoft.com/office/drawing/2014/main" id="{AF91DA27-0281-03F1-69AE-0F8E82C9A1EA}"/>
+      <p:sp>
+        <p:nvSpPr>
+          <p:cNvPr id="27" name="Oval 26">
+            <a:extLst>
+              <a:ext uri="{FF2B5EF4-FFF2-40B4-BE49-F238E27FC236}">
+                <a16:creationId xmlns:a16="http://schemas.microsoft.com/office/drawing/2014/main" id="{9DB0DE78-C648-8B6F-667B-E5E8DA28938F}"/>
               </a:ext>
             </a:extLst>
           </p:cNvPr>
@@ -18910,10 +19577,10 @@
         </p:nvSpPr>
         <p:spPr>
           <a:xfrm>
-            <a:off x="5318449" y="4777273"/>
-            <a:ext cx="1268963" cy="923330"/>
-          </a:xfrm>
-          <a:prstGeom prst="roundRect">
+            <a:off x="5071188" y="1546734"/>
+            <a:ext cx="457200" cy="475260"/>
+          </a:xfrm>
+          <a:prstGeom prst="ellipse">
             <a:avLst/>
           </a:prstGeom>
         </p:spPr>
@@ -18940,65 +19607,16 @@
             <a:pPr algn="ctr"/>
             <a:r>
               <a:rPr lang="en-IN" b="1" dirty="0"/>
-              <a:t>Presenter to Listen Event</a:t>
+              <a:t>4</a:t>
             </a:r>
             <a:endParaRPr lang="en-US" b="1" dirty="0"/>
-          </a:p>
-        </p:txBody>
-      </p:sp>
-      <p:sp>
-        <p:nvSpPr>
-          <p:cNvPr id="13" name="Arrow: Right 12">
-            <a:extLst>
-              <a:ext uri="{FF2B5EF4-FFF2-40B4-BE49-F238E27FC236}">
-                <a16:creationId xmlns:a16="http://schemas.microsoft.com/office/drawing/2014/main" id="{5648509F-B6C3-6438-327F-C09595C088E9}"/>
-              </a:ext>
-            </a:extLst>
-          </p:cNvPr>
-          <p:cNvSpPr/>
-          <p:nvPr/>
-        </p:nvSpPr>
-        <p:spPr>
-          <a:xfrm>
-            <a:off x="6540760" y="4999652"/>
-            <a:ext cx="1250301" cy="457200"/>
-          </a:xfrm>
-          <a:prstGeom prst="rightArrow">
-            <a:avLst/>
-          </a:prstGeom>
-          <a:solidFill>
-            <a:srgbClr val="7030A0"/>
-          </a:solidFill>
-        </p:spPr>
-        <p:style>
-          <a:lnRef idx="2">
-            <a:schemeClr val="accent1">
-              <a:shade val="50000"/>
-            </a:schemeClr>
-          </a:lnRef>
-          <a:fillRef idx="1">
-            <a:schemeClr val="accent1"/>
-          </a:fillRef>
-          <a:effectRef idx="0">
-            <a:schemeClr val="accent1"/>
-          </a:effectRef>
-          <a:fontRef idx="minor">
-            <a:schemeClr val="lt1"/>
-          </a:fontRef>
-        </p:style>
-        <p:txBody>
-          <a:bodyPr rtlCol="0" anchor="ctr"/>
-          <a:lstStyle/>
-          <a:p>
-            <a:pPr algn="ctr"/>
-            <a:endParaRPr lang="en-US"/>
           </a:p>
         </p:txBody>
       </p:sp>
     </p:spTree>
     <p:extLst>
       <p:ext uri="{BB962C8B-B14F-4D97-AF65-F5344CB8AC3E}">
-        <p14:creationId xmlns:p14="http://schemas.microsoft.com/office/powerpoint/2010/main" val="3824862965"/>
+        <p14:creationId xmlns:p14="http://schemas.microsoft.com/office/powerpoint/2010/main" val="492034141"/>
       </p:ext>
     </p:extLst>
   </p:cSld>
@@ -19025,6 +19643,571 @@
           <a:chExt cx="0" cy="0"/>
         </a:xfrm>
       </p:grpSpPr>
+      <p:sp>
+        <p:nvSpPr>
+          <p:cNvPr id="2" name="TextBox 1">
+            <a:extLst>
+              <a:ext uri="{FF2B5EF4-FFF2-40B4-BE49-F238E27FC236}">
+                <a16:creationId xmlns:a16="http://schemas.microsoft.com/office/drawing/2014/main" id="{83029287-3498-6672-216A-1F87293E5AD4}"/>
+              </a:ext>
+            </a:extLst>
+          </p:cNvPr>
+          <p:cNvSpPr txBox="1"/>
+          <p:nvPr/>
+        </p:nvSpPr>
+        <p:spPr>
+          <a:xfrm>
+            <a:off x="606490" y="466531"/>
+            <a:ext cx="10851502" cy="2031325"/>
+          </a:xfrm>
+          <a:prstGeom prst="rect">
+            <a:avLst/>
+          </a:prstGeom>
+          <a:noFill/>
+        </p:spPr>
+        <p:txBody>
+          <a:bodyPr wrap="square" rtlCol="0">
+            <a:spAutoFit/>
+          </a:bodyPr>
+          <a:lstStyle/>
+          <a:p>
+            <a:r>
+              <a:rPr lang="en-IN" b="1" dirty="0"/>
+              <a:t>Guidelines of Developing a lightweight responsive page</a:t>
+            </a:r>
+          </a:p>
+          <a:p>
+            <a:pPr marL="342900" indent="-342900">
+              <a:buFont typeface="+mj-lt"/>
+              <a:buAutoNum type="arabicPeriod"/>
+            </a:pPr>
+            <a:r>
+              <a:rPr lang="en-IN" b="1" dirty="0"/>
+              <a:t>Make sure that the data is lightweight</a:t>
+            </a:r>
+          </a:p>
+          <a:p>
+            <a:pPr marL="342900" indent="-342900">
+              <a:buFont typeface="+mj-lt"/>
+              <a:buAutoNum type="arabicPeriod"/>
+            </a:pPr>
+            <a:r>
+              <a:rPr lang="en-IN" b="1" dirty="0"/>
+              <a:t>Optimize the Logic in such a way that the server will execute only that logic which is required by the page to execute</a:t>
+            </a:r>
+          </a:p>
+          <a:p>
+            <a:pPr marL="342900" indent="-342900">
+              <a:buFont typeface="+mj-lt"/>
+              <a:buAutoNum type="arabicPeriod"/>
+            </a:pPr>
+            <a:r>
+              <a:rPr lang="en-IN" b="1" dirty="0"/>
+              <a:t>Make sure that the Page is executed Asynchronously</a:t>
+            </a:r>
+          </a:p>
+          <a:p>
+            <a:pPr marL="342900" indent="-342900">
+              <a:buFont typeface="+mj-lt"/>
+              <a:buAutoNum type="arabicPeriod"/>
+            </a:pPr>
+            <a:r>
+              <a:rPr lang="en-IN" b="1" dirty="0"/>
+              <a:t>The Logic will also be asynchronous</a:t>
+            </a:r>
+          </a:p>
+          <a:p>
+            <a:pPr marL="342900" indent="-342900">
+              <a:buFont typeface="+mj-lt"/>
+              <a:buAutoNum type="arabicPeriod"/>
+            </a:pPr>
+            <a:r>
+              <a:rPr lang="en-IN" b="1" dirty="0"/>
+              <a:t>Pass only that data which page wants to show on it</a:t>
+            </a:r>
+            <a:endParaRPr lang="en-US" b="1" dirty="0"/>
+          </a:p>
+        </p:txBody>
+      </p:sp>
+      <p:sp>
+        <p:nvSpPr>
+          <p:cNvPr id="3" name="Rectangle 2">
+            <a:extLst>
+              <a:ext uri="{FF2B5EF4-FFF2-40B4-BE49-F238E27FC236}">
+                <a16:creationId xmlns:a16="http://schemas.microsoft.com/office/drawing/2014/main" id="{CD5033CA-DE0A-77F7-D9FB-298CD85C3498}"/>
+              </a:ext>
+            </a:extLst>
+          </p:cNvPr>
+          <p:cNvSpPr/>
+          <p:nvPr/>
+        </p:nvSpPr>
+        <p:spPr>
+          <a:xfrm>
+            <a:off x="942392" y="3937518"/>
+            <a:ext cx="2621902" cy="1856792"/>
+          </a:xfrm>
+          <a:prstGeom prst="rect">
+            <a:avLst/>
+          </a:prstGeom>
+        </p:spPr>
+        <p:style>
+          <a:lnRef idx="2">
+            <a:schemeClr val="accent1">
+              <a:shade val="50000"/>
+            </a:schemeClr>
+          </a:lnRef>
+          <a:fillRef idx="1">
+            <a:schemeClr val="accent1"/>
+          </a:fillRef>
+          <a:effectRef idx="0">
+            <a:schemeClr val="accent1"/>
+          </a:effectRef>
+          <a:fontRef idx="minor">
+            <a:schemeClr val="lt1"/>
+          </a:fontRef>
+        </p:style>
+        <p:txBody>
+          <a:bodyPr rtlCol="0" anchor="ctr"/>
+          <a:lstStyle/>
+          <a:p>
+            <a:pPr algn="ctr"/>
+            <a:r>
+              <a:rPr lang="en-IN" b="1" dirty="0"/>
+              <a:t>Page with UI and Event</a:t>
+            </a:r>
+          </a:p>
+          <a:p>
+            <a:pPr algn="ctr"/>
+            <a:r>
+              <a:rPr lang="en-IN" b="1" dirty="0"/>
+              <a:t>View</a:t>
+            </a:r>
+            <a:endParaRPr lang="en-US" b="1" dirty="0"/>
+          </a:p>
+        </p:txBody>
+      </p:sp>
+      <p:sp>
+        <p:nvSpPr>
+          <p:cNvPr id="4" name="Arrow: Right 3">
+            <a:extLst>
+              <a:ext uri="{FF2B5EF4-FFF2-40B4-BE49-F238E27FC236}">
+                <a16:creationId xmlns:a16="http://schemas.microsoft.com/office/drawing/2014/main" id="{AE72A608-9A9A-178B-7DF7-B0FC1480CD07}"/>
+              </a:ext>
+            </a:extLst>
+          </p:cNvPr>
+          <p:cNvSpPr/>
+          <p:nvPr/>
+        </p:nvSpPr>
+        <p:spPr>
+          <a:xfrm>
+            <a:off x="3564295" y="5066522"/>
+            <a:ext cx="1772816" cy="457200"/>
+          </a:xfrm>
+          <a:prstGeom prst="rightArrow">
+            <a:avLst/>
+          </a:prstGeom>
+          <a:solidFill>
+            <a:srgbClr val="7030A0"/>
+          </a:solidFill>
+        </p:spPr>
+        <p:style>
+          <a:lnRef idx="2">
+            <a:schemeClr val="accent1">
+              <a:shade val="50000"/>
+            </a:schemeClr>
+          </a:lnRef>
+          <a:fillRef idx="1">
+            <a:schemeClr val="accent1"/>
+          </a:fillRef>
+          <a:effectRef idx="0">
+            <a:schemeClr val="accent1"/>
+          </a:effectRef>
+          <a:fontRef idx="minor">
+            <a:schemeClr val="lt1"/>
+          </a:fontRef>
+        </p:style>
+        <p:txBody>
+          <a:bodyPr rtlCol="0" anchor="ctr"/>
+          <a:lstStyle/>
+          <a:p>
+            <a:pPr algn="ctr"/>
+            <a:endParaRPr lang="en-US"/>
+          </a:p>
+        </p:txBody>
+      </p:sp>
+      <p:sp>
+        <p:nvSpPr>
+          <p:cNvPr id="5" name="Rectangle 4">
+            <a:extLst>
+              <a:ext uri="{FF2B5EF4-FFF2-40B4-BE49-F238E27FC236}">
+                <a16:creationId xmlns:a16="http://schemas.microsoft.com/office/drawing/2014/main" id="{D1339340-D626-4FD2-470F-E6CD2B03B771}"/>
+              </a:ext>
+            </a:extLst>
+          </p:cNvPr>
+          <p:cNvSpPr/>
+          <p:nvPr/>
+        </p:nvSpPr>
+        <p:spPr>
+          <a:xfrm>
+            <a:off x="7791061" y="3937518"/>
+            <a:ext cx="2621902" cy="1856792"/>
+          </a:xfrm>
+          <a:prstGeom prst="rect">
+            <a:avLst/>
+          </a:prstGeom>
+        </p:spPr>
+        <p:style>
+          <a:lnRef idx="2">
+            <a:schemeClr val="accent1">
+              <a:shade val="50000"/>
+            </a:schemeClr>
+          </a:lnRef>
+          <a:fillRef idx="1">
+            <a:schemeClr val="accent1"/>
+          </a:fillRef>
+          <a:effectRef idx="0">
+            <a:schemeClr val="accent1"/>
+          </a:effectRef>
+          <a:fontRef idx="minor">
+            <a:schemeClr val="lt1"/>
+          </a:fontRef>
+        </p:style>
+        <p:txBody>
+          <a:bodyPr rtlCol="0" anchor="ctr"/>
+          <a:lstStyle/>
+          <a:p>
+            <a:pPr algn="ctr"/>
+            <a:r>
+              <a:rPr lang="en-IN" b="1" dirty="0"/>
+              <a:t>Execute the Logic based on data and instruction received from Presenter</a:t>
+            </a:r>
+            <a:endParaRPr lang="en-US" b="1" dirty="0"/>
+          </a:p>
+        </p:txBody>
+      </p:sp>
+      <p:sp>
+        <p:nvSpPr>
+          <p:cNvPr id="6" name="Rectangle 5">
+            <a:extLst>
+              <a:ext uri="{FF2B5EF4-FFF2-40B4-BE49-F238E27FC236}">
+                <a16:creationId xmlns:a16="http://schemas.microsoft.com/office/drawing/2014/main" id="{0299F393-1D95-E5D4-9047-6B53BE791439}"/>
+              </a:ext>
+            </a:extLst>
+          </p:cNvPr>
+          <p:cNvSpPr/>
+          <p:nvPr/>
+        </p:nvSpPr>
+        <p:spPr>
+          <a:xfrm>
+            <a:off x="4366726" y="2556588"/>
+            <a:ext cx="2621902" cy="892991"/>
+          </a:xfrm>
+          <a:prstGeom prst="rect">
+            <a:avLst/>
+          </a:prstGeom>
+        </p:spPr>
+        <p:style>
+          <a:lnRef idx="2">
+            <a:schemeClr val="accent1">
+              <a:shade val="50000"/>
+            </a:schemeClr>
+          </a:lnRef>
+          <a:fillRef idx="1">
+            <a:schemeClr val="accent1"/>
+          </a:fillRef>
+          <a:effectRef idx="0">
+            <a:schemeClr val="accent1"/>
+          </a:effectRef>
+          <a:fontRef idx="minor">
+            <a:schemeClr val="lt1"/>
+          </a:fontRef>
+        </p:style>
+        <p:txBody>
+          <a:bodyPr rtlCol="0" anchor="ctr"/>
+          <a:lstStyle/>
+          <a:p>
+            <a:pPr algn="ctr"/>
+            <a:r>
+              <a:rPr lang="en-IN" b="1" dirty="0"/>
+              <a:t>The Data will be Updated</a:t>
+            </a:r>
+          </a:p>
+          <a:p>
+            <a:pPr algn="ctr"/>
+            <a:r>
+              <a:rPr lang="en-IN" b="1" dirty="0"/>
+              <a:t>Model</a:t>
+            </a:r>
+            <a:endParaRPr lang="en-US" b="1" dirty="0"/>
+          </a:p>
+        </p:txBody>
+      </p:sp>
+      <p:cxnSp>
+        <p:nvCxnSpPr>
+          <p:cNvPr id="8" name="Connector: Elbow 7">
+            <a:extLst>
+              <a:ext uri="{FF2B5EF4-FFF2-40B4-BE49-F238E27FC236}">
+                <a16:creationId xmlns:a16="http://schemas.microsoft.com/office/drawing/2014/main" id="{8D4814D5-9F45-D3CE-996B-175F8AF74E4C}"/>
+              </a:ext>
+            </a:extLst>
+          </p:cNvPr>
+          <p:cNvCxnSpPr>
+            <a:stCxn id="5" idx="0"/>
+            <a:endCxn id="6" idx="3"/>
+          </p:cNvCxnSpPr>
+          <p:nvPr/>
+        </p:nvCxnSpPr>
+        <p:spPr>
+          <a:xfrm rot="16200000" flipV="1">
+            <a:off x="7578103" y="2413609"/>
+            <a:ext cx="934434" cy="2113384"/>
+          </a:xfrm>
+          <a:prstGeom prst="bentConnector2">
+            <a:avLst/>
+          </a:prstGeom>
+          <a:ln w="76200">
+            <a:solidFill>
+              <a:srgbClr val="7030A0"/>
+            </a:solidFill>
+            <a:tailEnd type="triangle"/>
+          </a:ln>
+        </p:spPr>
+        <p:style>
+          <a:lnRef idx="1">
+            <a:schemeClr val="accent1"/>
+          </a:lnRef>
+          <a:fillRef idx="0">
+            <a:schemeClr val="accent1"/>
+          </a:fillRef>
+          <a:effectRef idx="0">
+            <a:schemeClr val="accent1"/>
+          </a:effectRef>
+          <a:fontRef idx="minor">
+            <a:schemeClr val="tx1"/>
+          </a:fontRef>
+        </p:style>
+      </p:cxnSp>
+      <p:cxnSp>
+        <p:nvCxnSpPr>
+          <p:cNvPr id="10" name="Connector: Elbow 9">
+            <a:extLst>
+              <a:ext uri="{FF2B5EF4-FFF2-40B4-BE49-F238E27FC236}">
+                <a16:creationId xmlns:a16="http://schemas.microsoft.com/office/drawing/2014/main" id="{8C2EB5BB-3B29-B9BC-0A32-DDE430E811FC}"/>
+              </a:ext>
+            </a:extLst>
+          </p:cNvPr>
+          <p:cNvCxnSpPr>
+            <a:stCxn id="6" idx="1"/>
+            <a:endCxn id="3" idx="0"/>
+          </p:cNvCxnSpPr>
+          <p:nvPr/>
+        </p:nvCxnSpPr>
+        <p:spPr>
+          <a:xfrm rot="10800000" flipV="1">
+            <a:off x="2253344" y="3003084"/>
+            <a:ext cx="2113383" cy="934434"/>
+          </a:xfrm>
+          <a:prstGeom prst="bentConnector2">
+            <a:avLst/>
+          </a:prstGeom>
+          <a:ln w="76200">
+            <a:solidFill>
+              <a:srgbClr val="7030A0"/>
+            </a:solidFill>
+            <a:tailEnd type="triangle"/>
+          </a:ln>
+        </p:spPr>
+        <p:style>
+          <a:lnRef idx="1">
+            <a:schemeClr val="accent1"/>
+          </a:lnRef>
+          <a:fillRef idx="0">
+            <a:schemeClr val="accent1"/>
+          </a:fillRef>
+          <a:effectRef idx="0">
+            <a:schemeClr val="accent1"/>
+          </a:effectRef>
+          <a:fontRef idx="minor">
+            <a:schemeClr val="tx1"/>
+          </a:fontRef>
+        </p:style>
+      </p:cxnSp>
+      <p:sp>
+        <p:nvSpPr>
+          <p:cNvPr id="11" name="TextBox 10">
+            <a:extLst>
+              <a:ext uri="{FF2B5EF4-FFF2-40B4-BE49-F238E27FC236}">
+                <a16:creationId xmlns:a16="http://schemas.microsoft.com/office/drawing/2014/main" id="{3B82792C-26AE-059E-57B9-BE824CBDE1C6}"/>
+              </a:ext>
+            </a:extLst>
+          </p:cNvPr>
+          <p:cNvSpPr txBox="1"/>
+          <p:nvPr/>
+        </p:nvSpPr>
+        <p:spPr>
+          <a:xfrm>
+            <a:off x="457200" y="5729395"/>
+            <a:ext cx="5971592" cy="923330"/>
+          </a:xfrm>
+          <a:prstGeom prst="rect">
+            <a:avLst/>
+          </a:prstGeom>
+          <a:noFill/>
+        </p:spPr>
+        <p:txBody>
+          <a:bodyPr wrap="square" rtlCol="0">
+            <a:spAutoFit/>
+          </a:bodyPr>
+          <a:lstStyle/>
+          <a:p>
+            <a:pPr marL="342900" indent="-342900">
+              <a:buAutoNum type="arabicPeriod"/>
+            </a:pPr>
+            <a:r>
+              <a:rPr lang="en-IN" dirty="0"/>
+              <a:t>Model-View-View-Model (MVVM) Suitable for Desktop apps than Web Apps</a:t>
+            </a:r>
+          </a:p>
+          <a:p>
+            <a:pPr marL="342900" indent="-342900">
+              <a:buAutoNum type="arabicPeriod"/>
+            </a:pPr>
+            <a:r>
+              <a:rPr lang="en-US" dirty="0"/>
+              <a:t>Model-View-Presenter, suitable for Web Apps</a:t>
+            </a:r>
+          </a:p>
+        </p:txBody>
+      </p:sp>
+      <p:sp>
+        <p:nvSpPr>
+          <p:cNvPr id="12" name="Rectangle: Rounded Corners 11">
+            <a:extLst>
+              <a:ext uri="{FF2B5EF4-FFF2-40B4-BE49-F238E27FC236}">
+                <a16:creationId xmlns:a16="http://schemas.microsoft.com/office/drawing/2014/main" id="{AF91DA27-0281-03F1-69AE-0F8E82C9A1EA}"/>
+              </a:ext>
+            </a:extLst>
+          </p:cNvPr>
+          <p:cNvSpPr/>
+          <p:nvPr/>
+        </p:nvSpPr>
+        <p:spPr>
+          <a:xfrm>
+            <a:off x="5318449" y="4777273"/>
+            <a:ext cx="1268963" cy="923330"/>
+          </a:xfrm>
+          <a:prstGeom prst="roundRect">
+            <a:avLst/>
+          </a:prstGeom>
+        </p:spPr>
+        <p:style>
+          <a:lnRef idx="2">
+            <a:schemeClr val="accent1">
+              <a:shade val="50000"/>
+            </a:schemeClr>
+          </a:lnRef>
+          <a:fillRef idx="1">
+            <a:schemeClr val="accent1"/>
+          </a:fillRef>
+          <a:effectRef idx="0">
+            <a:schemeClr val="accent1"/>
+          </a:effectRef>
+          <a:fontRef idx="minor">
+            <a:schemeClr val="lt1"/>
+          </a:fontRef>
+        </p:style>
+        <p:txBody>
+          <a:bodyPr rtlCol="0" anchor="ctr"/>
+          <a:lstStyle/>
+          <a:p>
+            <a:pPr algn="ctr"/>
+            <a:r>
+              <a:rPr lang="en-IN" b="1" dirty="0"/>
+              <a:t>Presenter to Listen Event</a:t>
+            </a:r>
+            <a:endParaRPr lang="en-US" b="1" dirty="0"/>
+          </a:p>
+        </p:txBody>
+      </p:sp>
+      <p:sp>
+        <p:nvSpPr>
+          <p:cNvPr id="13" name="Arrow: Right 12">
+            <a:extLst>
+              <a:ext uri="{FF2B5EF4-FFF2-40B4-BE49-F238E27FC236}">
+                <a16:creationId xmlns:a16="http://schemas.microsoft.com/office/drawing/2014/main" id="{5648509F-B6C3-6438-327F-C09595C088E9}"/>
+              </a:ext>
+            </a:extLst>
+          </p:cNvPr>
+          <p:cNvSpPr/>
+          <p:nvPr/>
+        </p:nvSpPr>
+        <p:spPr>
+          <a:xfrm>
+            <a:off x="6540760" y="4999652"/>
+            <a:ext cx="1250301" cy="457200"/>
+          </a:xfrm>
+          <a:prstGeom prst="rightArrow">
+            <a:avLst/>
+          </a:prstGeom>
+          <a:solidFill>
+            <a:srgbClr val="7030A0"/>
+          </a:solidFill>
+        </p:spPr>
+        <p:style>
+          <a:lnRef idx="2">
+            <a:schemeClr val="accent1">
+              <a:shade val="50000"/>
+            </a:schemeClr>
+          </a:lnRef>
+          <a:fillRef idx="1">
+            <a:schemeClr val="accent1"/>
+          </a:fillRef>
+          <a:effectRef idx="0">
+            <a:schemeClr val="accent1"/>
+          </a:effectRef>
+          <a:fontRef idx="minor">
+            <a:schemeClr val="lt1"/>
+          </a:fontRef>
+        </p:style>
+        <p:txBody>
+          <a:bodyPr rtlCol="0" anchor="ctr"/>
+          <a:lstStyle/>
+          <a:p>
+            <a:pPr algn="ctr"/>
+            <a:endParaRPr lang="en-US"/>
+          </a:p>
+        </p:txBody>
+      </p:sp>
+    </p:spTree>
+    <p:extLst>
+      <p:ext uri="{BB962C8B-B14F-4D97-AF65-F5344CB8AC3E}">
+        <p14:creationId xmlns:p14="http://schemas.microsoft.com/office/powerpoint/2010/main" val="3824862965"/>
+      </p:ext>
+    </p:extLst>
+  </p:cSld>
+  <p:clrMapOvr>
+    <a:masterClrMapping/>
+  </p:clrMapOvr>
+</p:sld>
+</file>
+
+<file path=ppt/slides/slide25.xml><?xml version="1.0" encoding="utf-8"?>
+<p:sld xmlns:a="http://schemas.openxmlformats.org/drawingml/2006/main" xmlns:r="http://schemas.openxmlformats.org/officeDocument/2006/relationships" xmlns:p="http://schemas.openxmlformats.org/presentationml/2006/main">
+  <p:cSld>
+    <p:spTree>
+      <p:nvGrpSpPr>
+        <p:cNvPr id="1" name=""/>
+        <p:cNvGrpSpPr/>
+        <p:nvPr/>
+      </p:nvGrpSpPr>
+      <p:grpSpPr>
+        <a:xfrm>
+          <a:off x="0" y="0"/>
+          <a:ext cx="0" cy="0"/>
+          <a:chOff x="0" y="0"/>
+          <a:chExt cx="0" cy="0"/>
+        </a:xfrm>
+      </p:grpSpPr>
       <p:pic>
         <p:nvPicPr>
           <p:cNvPr id="2" name="Picture 1">
@@ -19386,6 +20569,1379 @@
     <p:extLst>
       <p:ext uri="{BB962C8B-B14F-4D97-AF65-F5344CB8AC3E}">
         <p14:creationId xmlns:p14="http://schemas.microsoft.com/office/powerpoint/2010/main" val="788737810"/>
+      </p:ext>
+    </p:extLst>
+  </p:cSld>
+  <p:clrMapOvr>
+    <a:masterClrMapping/>
+  </p:clrMapOvr>
+</p:sld>
+</file>
+
+<file path=ppt/slides/slide26.xml><?xml version="1.0" encoding="utf-8"?>
+<p:sld xmlns:a="http://schemas.openxmlformats.org/drawingml/2006/main" xmlns:r="http://schemas.openxmlformats.org/officeDocument/2006/relationships" xmlns:p="http://schemas.openxmlformats.org/presentationml/2006/main">
+  <p:cSld>
+    <p:spTree>
+      <p:nvGrpSpPr>
+        <p:cNvPr id="1" name=""/>
+        <p:cNvGrpSpPr/>
+        <p:nvPr/>
+      </p:nvGrpSpPr>
+      <p:grpSpPr>
+        <a:xfrm>
+          <a:off x="0" y="0"/>
+          <a:ext cx="0" cy="0"/>
+          <a:chOff x="0" y="0"/>
+          <a:chExt cx="0" cy="0"/>
+        </a:xfrm>
+      </p:grpSpPr>
+      <p:sp>
+        <p:nvSpPr>
+          <p:cNvPr id="2" name="Oval 1">
+            <a:extLst>
+              <a:ext uri="{FF2B5EF4-FFF2-40B4-BE49-F238E27FC236}">
+                <a16:creationId xmlns:a16="http://schemas.microsoft.com/office/drawing/2014/main" id="{020C222E-C382-1DC4-4EAB-556DF48D5512}"/>
+              </a:ext>
+            </a:extLst>
+          </p:cNvPr>
+          <p:cNvSpPr/>
+          <p:nvPr/>
+        </p:nvSpPr>
+        <p:spPr>
+          <a:xfrm>
+            <a:off x="4581331" y="373224"/>
+            <a:ext cx="2883159" cy="2164703"/>
+          </a:xfrm>
+          <a:prstGeom prst="ellipse">
+            <a:avLst/>
+          </a:prstGeom>
+        </p:spPr>
+        <p:style>
+          <a:lnRef idx="2">
+            <a:schemeClr val="accent1">
+              <a:shade val="50000"/>
+            </a:schemeClr>
+          </a:lnRef>
+          <a:fillRef idx="1">
+            <a:schemeClr val="accent1"/>
+          </a:fillRef>
+          <a:effectRef idx="0">
+            <a:schemeClr val="accent1"/>
+          </a:effectRef>
+          <a:fontRef idx="minor">
+            <a:schemeClr val="lt1"/>
+          </a:fontRef>
+        </p:style>
+        <p:txBody>
+          <a:bodyPr rtlCol="0" anchor="ctr"/>
+          <a:lstStyle/>
+          <a:p>
+            <a:pPr algn="ctr"/>
+            <a:r>
+              <a:rPr lang="en-IN" b="1" dirty="0"/>
+              <a:t>Model</a:t>
+            </a:r>
+            <a:endParaRPr lang="en-US" b="1" dirty="0"/>
+          </a:p>
+        </p:txBody>
+      </p:sp>
+      <p:sp>
+        <p:nvSpPr>
+          <p:cNvPr id="3" name="Oval 2">
+            <a:extLst>
+              <a:ext uri="{FF2B5EF4-FFF2-40B4-BE49-F238E27FC236}">
+                <a16:creationId xmlns:a16="http://schemas.microsoft.com/office/drawing/2014/main" id="{998172A6-29F8-26C3-929F-70E6F036D804}"/>
+              </a:ext>
+            </a:extLst>
+          </p:cNvPr>
+          <p:cNvSpPr/>
+          <p:nvPr/>
+        </p:nvSpPr>
+        <p:spPr>
+          <a:xfrm>
+            <a:off x="7896809" y="3203509"/>
+            <a:ext cx="2883159" cy="2164703"/>
+          </a:xfrm>
+          <a:prstGeom prst="ellipse">
+            <a:avLst/>
+          </a:prstGeom>
+        </p:spPr>
+        <p:style>
+          <a:lnRef idx="2">
+            <a:schemeClr val="accent1">
+              <a:shade val="50000"/>
+            </a:schemeClr>
+          </a:lnRef>
+          <a:fillRef idx="1">
+            <a:schemeClr val="accent1"/>
+          </a:fillRef>
+          <a:effectRef idx="0">
+            <a:schemeClr val="accent1"/>
+          </a:effectRef>
+          <a:fontRef idx="minor">
+            <a:schemeClr val="lt1"/>
+          </a:fontRef>
+        </p:style>
+        <p:txBody>
+          <a:bodyPr rtlCol="0" anchor="ctr"/>
+          <a:lstStyle/>
+          <a:p>
+            <a:pPr algn="ctr"/>
+            <a:r>
+              <a:rPr lang="en-IN" b="1" dirty="0"/>
+              <a:t>Controller</a:t>
+            </a:r>
+            <a:endParaRPr lang="en-US" b="1" dirty="0"/>
+          </a:p>
+        </p:txBody>
+      </p:sp>
+      <p:sp>
+        <p:nvSpPr>
+          <p:cNvPr id="4" name="Oval 3">
+            <a:extLst>
+              <a:ext uri="{FF2B5EF4-FFF2-40B4-BE49-F238E27FC236}">
+                <a16:creationId xmlns:a16="http://schemas.microsoft.com/office/drawing/2014/main" id="{3D504598-C3F4-A26D-D34D-5488C968459C}"/>
+              </a:ext>
+            </a:extLst>
+          </p:cNvPr>
+          <p:cNvSpPr/>
+          <p:nvPr/>
+        </p:nvSpPr>
+        <p:spPr>
+          <a:xfrm>
+            <a:off x="1496008" y="3203509"/>
+            <a:ext cx="2883159" cy="2164703"/>
+          </a:xfrm>
+          <a:prstGeom prst="ellipse">
+            <a:avLst/>
+          </a:prstGeom>
+        </p:spPr>
+        <p:style>
+          <a:lnRef idx="2">
+            <a:schemeClr val="accent1">
+              <a:shade val="50000"/>
+            </a:schemeClr>
+          </a:lnRef>
+          <a:fillRef idx="1">
+            <a:schemeClr val="accent1"/>
+          </a:fillRef>
+          <a:effectRef idx="0">
+            <a:schemeClr val="accent1"/>
+          </a:effectRef>
+          <a:fontRef idx="minor">
+            <a:schemeClr val="lt1"/>
+          </a:fontRef>
+        </p:style>
+        <p:txBody>
+          <a:bodyPr rtlCol="0" anchor="ctr"/>
+          <a:lstStyle/>
+          <a:p>
+            <a:pPr algn="ctr"/>
+            <a:r>
+              <a:rPr lang="en-IN" b="1" dirty="0"/>
+              <a:t>View</a:t>
+            </a:r>
+            <a:endParaRPr lang="en-US" b="1" dirty="0"/>
+          </a:p>
+        </p:txBody>
+      </p:sp>
+      <p:cxnSp>
+        <p:nvCxnSpPr>
+          <p:cNvPr id="6" name="Connector: Elbow 5">
+            <a:extLst>
+              <a:ext uri="{FF2B5EF4-FFF2-40B4-BE49-F238E27FC236}">
+                <a16:creationId xmlns:a16="http://schemas.microsoft.com/office/drawing/2014/main" id="{16090950-8C7C-045D-30E8-CAA4DA22A809}"/>
+              </a:ext>
+            </a:extLst>
+          </p:cNvPr>
+          <p:cNvCxnSpPr>
+            <a:stCxn id="3" idx="0"/>
+            <a:endCxn id="2" idx="6"/>
+          </p:cNvCxnSpPr>
+          <p:nvPr/>
+        </p:nvCxnSpPr>
+        <p:spPr>
+          <a:xfrm rot="16200000" flipV="1">
+            <a:off x="7527474" y="1392593"/>
+            <a:ext cx="1747933" cy="1873899"/>
+          </a:xfrm>
+          <a:prstGeom prst="bentConnector2">
+            <a:avLst/>
+          </a:prstGeom>
+          <a:ln w="76200">
+            <a:solidFill>
+              <a:srgbClr val="FF0000"/>
+            </a:solidFill>
+            <a:tailEnd type="triangle"/>
+          </a:ln>
+        </p:spPr>
+        <p:style>
+          <a:lnRef idx="1">
+            <a:schemeClr val="accent1"/>
+          </a:lnRef>
+          <a:fillRef idx="0">
+            <a:schemeClr val="accent1"/>
+          </a:fillRef>
+          <a:effectRef idx="0">
+            <a:schemeClr val="accent1"/>
+          </a:effectRef>
+          <a:fontRef idx="minor">
+            <a:schemeClr val="tx1"/>
+          </a:fontRef>
+        </p:style>
+      </p:cxnSp>
+      <p:cxnSp>
+        <p:nvCxnSpPr>
+          <p:cNvPr id="8" name="Connector: Elbow 7">
+            <a:extLst>
+              <a:ext uri="{FF2B5EF4-FFF2-40B4-BE49-F238E27FC236}">
+                <a16:creationId xmlns:a16="http://schemas.microsoft.com/office/drawing/2014/main" id="{CA6E95FF-5D1A-8511-E5A0-2C60A69ED0F3}"/>
+              </a:ext>
+            </a:extLst>
+          </p:cNvPr>
+          <p:cNvCxnSpPr>
+            <a:stCxn id="2" idx="5"/>
+            <a:endCxn id="3" idx="1"/>
+          </p:cNvCxnSpPr>
+          <p:nvPr/>
+        </p:nvCxnSpPr>
+        <p:spPr>
+          <a:xfrm rot="16200000" flipH="1">
+            <a:off x="7030845" y="2232329"/>
+            <a:ext cx="1299608" cy="1276777"/>
+          </a:xfrm>
+          <a:prstGeom prst="bentConnector3">
+            <a:avLst/>
+          </a:prstGeom>
+          <a:ln w="76200">
+            <a:solidFill>
+              <a:srgbClr val="FF0000"/>
+            </a:solidFill>
+            <a:prstDash val="sysDash"/>
+            <a:tailEnd type="triangle"/>
+          </a:ln>
+        </p:spPr>
+        <p:style>
+          <a:lnRef idx="1">
+            <a:schemeClr val="accent1"/>
+          </a:lnRef>
+          <a:fillRef idx="0">
+            <a:schemeClr val="accent1"/>
+          </a:fillRef>
+          <a:effectRef idx="0">
+            <a:schemeClr val="accent1"/>
+          </a:effectRef>
+          <a:fontRef idx="minor">
+            <a:schemeClr val="tx1"/>
+          </a:fontRef>
+        </p:style>
+      </p:cxnSp>
+      <p:sp>
+        <p:nvSpPr>
+          <p:cNvPr id="9" name="TextBox 8">
+            <a:extLst>
+              <a:ext uri="{FF2B5EF4-FFF2-40B4-BE49-F238E27FC236}">
+                <a16:creationId xmlns:a16="http://schemas.microsoft.com/office/drawing/2014/main" id="{DCE87BE1-7BCC-930C-DB0F-0B9DEC5B5FA7}"/>
+              </a:ext>
+            </a:extLst>
+          </p:cNvPr>
+          <p:cNvSpPr txBox="1"/>
+          <p:nvPr/>
+        </p:nvSpPr>
+        <p:spPr>
+          <a:xfrm>
+            <a:off x="6307494" y="2496052"/>
+            <a:ext cx="2174032" cy="369332"/>
+          </a:xfrm>
+          <a:prstGeom prst="rect">
+            <a:avLst/>
+          </a:prstGeom>
+          <a:noFill/>
+        </p:spPr>
+        <p:txBody>
+          <a:bodyPr wrap="square" rtlCol="0">
+            <a:spAutoFit/>
+          </a:bodyPr>
+          <a:lstStyle/>
+          <a:p>
+            <a:r>
+              <a:rPr lang="en-IN" dirty="0"/>
+              <a:t>Notification Update</a:t>
+            </a:r>
+            <a:endParaRPr lang="en-US" dirty="0"/>
+          </a:p>
+        </p:txBody>
+      </p:sp>
+      <p:sp>
+        <p:nvSpPr>
+          <p:cNvPr id="10" name="TextBox 9">
+            <a:extLst>
+              <a:ext uri="{FF2B5EF4-FFF2-40B4-BE49-F238E27FC236}">
+                <a16:creationId xmlns:a16="http://schemas.microsoft.com/office/drawing/2014/main" id="{51406C71-3D10-4483-6C7D-2CDA4F4EDF45}"/>
+              </a:ext>
+            </a:extLst>
+          </p:cNvPr>
+          <p:cNvSpPr txBox="1"/>
+          <p:nvPr/>
+        </p:nvSpPr>
+        <p:spPr>
+          <a:xfrm>
+            <a:off x="7389845" y="5402424"/>
+            <a:ext cx="4161453" cy="646331"/>
+          </a:xfrm>
+          <a:prstGeom prst="rect">
+            <a:avLst/>
+          </a:prstGeom>
+          <a:noFill/>
+        </p:spPr>
+        <p:txBody>
+          <a:bodyPr wrap="square" rtlCol="0">
+            <a:spAutoFit/>
+          </a:bodyPr>
+          <a:lstStyle/>
+          <a:p>
+            <a:r>
+              <a:rPr lang="en-IN" b="1" dirty="0"/>
+              <a:t>Controller Has Action Methods Those are executed based on HTTP Request</a:t>
+            </a:r>
+            <a:endParaRPr lang="en-US" b="1" dirty="0"/>
+          </a:p>
+        </p:txBody>
+      </p:sp>
+      <p:cxnSp>
+        <p:nvCxnSpPr>
+          <p:cNvPr id="12" name="Straight Arrow Connector 11">
+            <a:extLst>
+              <a:ext uri="{FF2B5EF4-FFF2-40B4-BE49-F238E27FC236}">
+                <a16:creationId xmlns:a16="http://schemas.microsoft.com/office/drawing/2014/main" id="{A3806404-2EC0-965A-273C-18F854660C48}"/>
+              </a:ext>
+            </a:extLst>
+          </p:cNvPr>
+          <p:cNvCxnSpPr>
+            <a:stCxn id="3" idx="2"/>
+            <a:endCxn id="4" idx="6"/>
+          </p:cNvCxnSpPr>
+          <p:nvPr/>
+        </p:nvCxnSpPr>
+        <p:spPr>
+          <a:xfrm flipH="1">
+            <a:off x="4379167" y="4285861"/>
+            <a:ext cx="3517642" cy="0"/>
+          </a:xfrm>
+          <a:prstGeom prst="straightConnector1">
+            <a:avLst/>
+          </a:prstGeom>
+          <a:ln w="76200">
+            <a:solidFill>
+              <a:srgbClr val="FF0000"/>
+            </a:solidFill>
+            <a:tailEnd type="triangle"/>
+          </a:ln>
+        </p:spPr>
+        <p:style>
+          <a:lnRef idx="1">
+            <a:schemeClr val="accent1"/>
+          </a:lnRef>
+          <a:fillRef idx="0">
+            <a:schemeClr val="accent1"/>
+          </a:fillRef>
+          <a:effectRef idx="0">
+            <a:schemeClr val="accent1"/>
+          </a:effectRef>
+          <a:fontRef idx="minor">
+            <a:schemeClr val="tx1"/>
+          </a:fontRef>
+        </p:style>
+      </p:cxnSp>
+      <p:sp>
+        <p:nvSpPr>
+          <p:cNvPr id="13" name="TextBox 12">
+            <a:extLst>
+              <a:ext uri="{FF2B5EF4-FFF2-40B4-BE49-F238E27FC236}">
+                <a16:creationId xmlns:a16="http://schemas.microsoft.com/office/drawing/2014/main" id="{2FE7575F-6081-C636-89FA-67FD46F9FA8A}"/>
+              </a:ext>
+            </a:extLst>
+          </p:cNvPr>
+          <p:cNvSpPr txBox="1"/>
+          <p:nvPr/>
+        </p:nvSpPr>
+        <p:spPr>
+          <a:xfrm>
+            <a:off x="4795935" y="4544008"/>
+            <a:ext cx="2668555" cy="646331"/>
+          </a:xfrm>
+          <a:prstGeom prst="rect">
+            <a:avLst/>
+          </a:prstGeom>
+          <a:noFill/>
+        </p:spPr>
+        <p:txBody>
+          <a:bodyPr wrap="square" rtlCol="0">
+            <a:spAutoFit/>
+          </a:bodyPr>
+          <a:lstStyle/>
+          <a:p>
+            <a:r>
+              <a:rPr lang="en-IN" dirty="0"/>
+              <a:t>Return View and Pass Model data to it</a:t>
+            </a:r>
+            <a:endParaRPr lang="en-US" dirty="0"/>
+          </a:p>
+        </p:txBody>
+      </p:sp>
+      <p:sp>
+        <p:nvSpPr>
+          <p:cNvPr id="14" name="TextBox 13">
+            <a:extLst>
+              <a:ext uri="{FF2B5EF4-FFF2-40B4-BE49-F238E27FC236}">
+                <a16:creationId xmlns:a16="http://schemas.microsoft.com/office/drawing/2014/main" id="{821858F8-E407-2468-AF4C-0EB6B3CA1862}"/>
+              </a:ext>
+            </a:extLst>
+          </p:cNvPr>
+          <p:cNvSpPr txBox="1"/>
+          <p:nvPr/>
+        </p:nvSpPr>
+        <p:spPr>
+          <a:xfrm>
+            <a:off x="466531" y="5448485"/>
+            <a:ext cx="4114800" cy="646331"/>
+          </a:xfrm>
+          <a:prstGeom prst="rect">
+            <a:avLst/>
+          </a:prstGeom>
+          <a:noFill/>
+        </p:spPr>
+        <p:txBody>
+          <a:bodyPr wrap="square" rtlCol="0">
+            <a:spAutoFit/>
+          </a:bodyPr>
+          <a:lstStyle/>
+          <a:p>
+            <a:r>
+              <a:rPr lang="en-IN" b="1" dirty="0"/>
+              <a:t>The View is ‘.</a:t>
+            </a:r>
+            <a:r>
+              <a:rPr lang="en-IN" b="1" dirty="0" err="1"/>
+              <a:t>cshtml</a:t>
+            </a:r>
+            <a:r>
+              <a:rPr lang="en-IN" b="1" dirty="0"/>
+              <a:t>’ file which has HTML Helper controls to show that data</a:t>
+            </a:r>
+            <a:endParaRPr lang="en-US" b="1" dirty="0"/>
+          </a:p>
+        </p:txBody>
+      </p:sp>
+      <p:sp>
+        <p:nvSpPr>
+          <p:cNvPr id="17" name="TextBox 16">
+            <a:extLst>
+              <a:ext uri="{FF2B5EF4-FFF2-40B4-BE49-F238E27FC236}">
+                <a16:creationId xmlns:a16="http://schemas.microsoft.com/office/drawing/2014/main" id="{3E30867E-E8FC-32C1-F75A-F73C445A9EDD}"/>
+              </a:ext>
+            </a:extLst>
+          </p:cNvPr>
+          <p:cNvSpPr txBox="1"/>
+          <p:nvPr/>
+        </p:nvSpPr>
+        <p:spPr>
+          <a:xfrm>
+            <a:off x="345233" y="1824907"/>
+            <a:ext cx="3501331" cy="1200329"/>
+          </a:xfrm>
+          <a:prstGeom prst="rect">
+            <a:avLst/>
+          </a:prstGeom>
+          <a:noFill/>
+        </p:spPr>
+        <p:txBody>
+          <a:bodyPr wrap="square" rtlCol="0">
+            <a:spAutoFit/>
+          </a:bodyPr>
+          <a:lstStyle/>
+          <a:p>
+            <a:r>
+              <a:rPr lang="en-IN" b="1" dirty="0"/>
+              <a:t>Pass the Model Schema to View so that View Can show data in it.</a:t>
+            </a:r>
+          </a:p>
+          <a:p>
+            <a:endParaRPr lang="en-IN" b="1" dirty="0"/>
+          </a:p>
+          <a:p>
+            <a:r>
+              <a:rPr lang="en-IN" b="1" dirty="0"/>
+              <a:t>This is “Model-Binding”</a:t>
+            </a:r>
+          </a:p>
+        </p:txBody>
+      </p:sp>
+      <p:cxnSp>
+        <p:nvCxnSpPr>
+          <p:cNvPr id="19" name="Connector: Elbow 18">
+            <a:extLst>
+              <a:ext uri="{FF2B5EF4-FFF2-40B4-BE49-F238E27FC236}">
+                <a16:creationId xmlns:a16="http://schemas.microsoft.com/office/drawing/2014/main" id="{F46BCD66-5655-0E3F-19F7-A4D70F8E03C1}"/>
+              </a:ext>
+            </a:extLst>
+          </p:cNvPr>
+          <p:cNvCxnSpPr>
+            <a:stCxn id="4" idx="0"/>
+            <a:endCxn id="2" idx="2"/>
+          </p:cNvCxnSpPr>
+          <p:nvPr/>
+        </p:nvCxnSpPr>
+        <p:spPr>
+          <a:xfrm rot="5400000" flipH="1" flipV="1">
+            <a:off x="2885493" y="1507672"/>
+            <a:ext cx="1747933" cy="1643743"/>
+          </a:xfrm>
+          <a:prstGeom prst="bentConnector2">
+            <a:avLst/>
+          </a:prstGeom>
+          <a:ln w="76200">
+            <a:solidFill>
+              <a:srgbClr val="FF0000"/>
+            </a:solidFill>
+            <a:tailEnd type="triangle"/>
+          </a:ln>
+        </p:spPr>
+        <p:style>
+          <a:lnRef idx="1">
+            <a:schemeClr val="accent1"/>
+          </a:lnRef>
+          <a:fillRef idx="0">
+            <a:schemeClr val="accent1"/>
+          </a:fillRef>
+          <a:effectRef idx="0">
+            <a:schemeClr val="accent1"/>
+          </a:effectRef>
+          <a:fontRef idx="minor">
+            <a:schemeClr val="tx1"/>
+          </a:fontRef>
+        </p:style>
+      </p:cxnSp>
+    </p:spTree>
+    <p:extLst>
+      <p:ext uri="{BB962C8B-B14F-4D97-AF65-F5344CB8AC3E}">
+        <p14:creationId xmlns:p14="http://schemas.microsoft.com/office/powerpoint/2010/main" val="3414626968"/>
+      </p:ext>
+    </p:extLst>
+  </p:cSld>
+  <p:clrMapOvr>
+    <a:masterClrMapping/>
+  </p:clrMapOvr>
+</p:sld>
+</file>
+
+<file path=ppt/slides/slide27.xml><?xml version="1.0" encoding="utf-8"?>
+<p:sld xmlns:a="http://schemas.openxmlformats.org/drawingml/2006/main" xmlns:r="http://schemas.openxmlformats.org/officeDocument/2006/relationships" xmlns:p="http://schemas.openxmlformats.org/presentationml/2006/main">
+  <p:cSld>
+    <p:spTree>
+      <p:nvGrpSpPr>
+        <p:cNvPr id="1" name=""/>
+        <p:cNvGrpSpPr/>
+        <p:nvPr/>
+      </p:nvGrpSpPr>
+      <p:grpSpPr>
+        <a:xfrm>
+          <a:off x="0" y="0"/>
+          <a:ext cx="0" cy="0"/>
+          <a:chOff x="0" y="0"/>
+          <a:chExt cx="0" cy="0"/>
+        </a:xfrm>
+      </p:grpSpPr>
+      <p:sp>
+        <p:nvSpPr>
+          <p:cNvPr id="2" name="Rectangle 1">
+            <a:extLst>
+              <a:ext uri="{FF2B5EF4-FFF2-40B4-BE49-F238E27FC236}">
+                <a16:creationId xmlns:a16="http://schemas.microsoft.com/office/drawing/2014/main" id="{6A38AB6E-BF1E-C9B6-E451-4EE2076324AE}"/>
+              </a:ext>
+            </a:extLst>
+          </p:cNvPr>
+          <p:cNvSpPr/>
+          <p:nvPr/>
+        </p:nvSpPr>
+        <p:spPr>
+          <a:xfrm>
+            <a:off x="4945224" y="102637"/>
+            <a:ext cx="2295331" cy="653143"/>
+          </a:xfrm>
+          <a:prstGeom prst="rect">
+            <a:avLst/>
+          </a:prstGeom>
+        </p:spPr>
+        <p:style>
+          <a:lnRef idx="2">
+            <a:schemeClr val="accent1">
+              <a:shade val="50000"/>
+            </a:schemeClr>
+          </a:lnRef>
+          <a:fillRef idx="1">
+            <a:schemeClr val="accent1"/>
+          </a:fillRef>
+          <a:effectRef idx="0">
+            <a:schemeClr val="accent1"/>
+          </a:effectRef>
+          <a:fontRef idx="minor">
+            <a:schemeClr val="lt1"/>
+          </a:fontRef>
+        </p:style>
+        <p:txBody>
+          <a:bodyPr rtlCol="0" anchor="ctr"/>
+          <a:lstStyle/>
+          <a:p>
+            <a:pPr algn="ctr"/>
+            <a:r>
+              <a:rPr lang="en-IN" b="1" dirty="0"/>
+              <a:t>ActionResult</a:t>
+            </a:r>
+            <a:endParaRPr lang="en-US" b="1" dirty="0"/>
+          </a:p>
+        </p:txBody>
+      </p:sp>
+      <p:sp>
+        <p:nvSpPr>
+          <p:cNvPr id="3" name="Rectangle 2">
+            <a:extLst>
+              <a:ext uri="{FF2B5EF4-FFF2-40B4-BE49-F238E27FC236}">
+                <a16:creationId xmlns:a16="http://schemas.microsoft.com/office/drawing/2014/main" id="{AC93BBC5-7EC8-8648-A5FC-2EDBD8E29CA9}"/>
+              </a:ext>
+            </a:extLst>
+          </p:cNvPr>
+          <p:cNvSpPr/>
+          <p:nvPr/>
+        </p:nvSpPr>
+        <p:spPr>
+          <a:xfrm>
+            <a:off x="87086" y="755780"/>
+            <a:ext cx="2295331" cy="653143"/>
+          </a:xfrm>
+          <a:prstGeom prst="rect">
+            <a:avLst/>
+          </a:prstGeom>
+        </p:spPr>
+        <p:style>
+          <a:lnRef idx="2">
+            <a:schemeClr val="accent1">
+              <a:shade val="50000"/>
+            </a:schemeClr>
+          </a:lnRef>
+          <a:fillRef idx="1">
+            <a:schemeClr val="accent1"/>
+          </a:fillRef>
+          <a:effectRef idx="0">
+            <a:schemeClr val="accent1"/>
+          </a:effectRef>
+          <a:fontRef idx="minor">
+            <a:schemeClr val="lt1"/>
+          </a:fontRef>
+        </p:style>
+        <p:txBody>
+          <a:bodyPr rtlCol="0" anchor="ctr"/>
+          <a:lstStyle/>
+          <a:p>
+            <a:pPr algn="ctr"/>
+            <a:r>
+              <a:rPr lang="en-IN" b="1" dirty="0"/>
+              <a:t>ViewResult</a:t>
+            </a:r>
+            <a:endParaRPr lang="en-US" b="1" dirty="0"/>
+          </a:p>
+        </p:txBody>
+      </p:sp>
+      <p:cxnSp>
+        <p:nvCxnSpPr>
+          <p:cNvPr id="5" name="Straight Arrow Connector 4">
+            <a:extLst>
+              <a:ext uri="{FF2B5EF4-FFF2-40B4-BE49-F238E27FC236}">
+                <a16:creationId xmlns:a16="http://schemas.microsoft.com/office/drawing/2014/main" id="{C6B00973-A3CE-FB8C-E2DD-590BDB57113D}"/>
+              </a:ext>
+            </a:extLst>
+          </p:cNvPr>
+          <p:cNvCxnSpPr>
+            <a:stCxn id="2" idx="1"/>
+            <a:endCxn id="3" idx="3"/>
+          </p:cNvCxnSpPr>
+          <p:nvPr/>
+        </p:nvCxnSpPr>
+        <p:spPr>
+          <a:xfrm flipH="1">
+            <a:off x="2382417" y="429209"/>
+            <a:ext cx="2562807" cy="653143"/>
+          </a:xfrm>
+          <a:prstGeom prst="straightConnector1">
+            <a:avLst/>
+          </a:prstGeom>
+          <a:ln>
+            <a:tailEnd type="triangle"/>
+          </a:ln>
+        </p:spPr>
+        <p:style>
+          <a:lnRef idx="1">
+            <a:schemeClr val="accent1"/>
+          </a:lnRef>
+          <a:fillRef idx="0">
+            <a:schemeClr val="accent1"/>
+          </a:fillRef>
+          <a:effectRef idx="0">
+            <a:schemeClr val="accent1"/>
+          </a:effectRef>
+          <a:fontRef idx="minor">
+            <a:schemeClr val="tx1"/>
+          </a:fontRef>
+        </p:style>
+      </p:cxnSp>
+      <p:sp>
+        <p:nvSpPr>
+          <p:cNvPr id="6" name="Rectangle 5">
+            <a:extLst>
+              <a:ext uri="{FF2B5EF4-FFF2-40B4-BE49-F238E27FC236}">
+                <a16:creationId xmlns:a16="http://schemas.microsoft.com/office/drawing/2014/main" id="{EB044672-591C-FFF7-6DC5-05A489D330E3}"/>
+              </a:ext>
+            </a:extLst>
+          </p:cNvPr>
+          <p:cNvSpPr/>
+          <p:nvPr/>
+        </p:nvSpPr>
+        <p:spPr>
+          <a:xfrm>
+            <a:off x="87085" y="2018523"/>
+            <a:ext cx="2295331" cy="653143"/>
+          </a:xfrm>
+          <a:prstGeom prst="rect">
+            <a:avLst/>
+          </a:prstGeom>
+        </p:spPr>
+        <p:style>
+          <a:lnRef idx="2">
+            <a:schemeClr val="accent1">
+              <a:shade val="50000"/>
+            </a:schemeClr>
+          </a:lnRef>
+          <a:fillRef idx="1">
+            <a:schemeClr val="accent1"/>
+          </a:fillRef>
+          <a:effectRef idx="0">
+            <a:schemeClr val="accent1"/>
+          </a:effectRef>
+          <a:fontRef idx="minor">
+            <a:schemeClr val="lt1"/>
+          </a:fontRef>
+        </p:style>
+        <p:txBody>
+          <a:bodyPr rtlCol="0" anchor="ctr"/>
+          <a:lstStyle/>
+          <a:p>
+            <a:pPr algn="ctr"/>
+            <a:r>
+              <a:rPr lang="en-IN" b="1" dirty="0"/>
+              <a:t>JavaScriptResult</a:t>
+            </a:r>
+            <a:endParaRPr lang="en-US" b="1" dirty="0"/>
+          </a:p>
+        </p:txBody>
+      </p:sp>
+      <p:cxnSp>
+        <p:nvCxnSpPr>
+          <p:cNvPr id="8" name="Straight Arrow Connector 7">
+            <a:extLst>
+              <a:ext uri="{FF2B5EF4-FFF2-40B4-BE49-F238E27FC236}">
+                <a16:creationId xmlns:a16="http://schemas.microsoft.com/office/drawing/2014/main" id="{A2E50220-03DA-C222-D2C9-63B78DF613F0}"/>
+              </a:ext>
+            </a:extLst>
+          </p:cNvPr>
+          <p:cNvCxnSpPr>
+            <a:stCxn id="2" idx="1"/>
+            <a:endCxn id="6" idx="3"/>
+          </p:cNvCxnSpPr>
+          <p:nvPr/>
+        </p:nvCxnSpPr>
+        <p:spPr>
+          <a:xfrm flipH="1">
+            <a:off x="2382416" y="429209"/>
+            <a:ext cx="2562808" cy="1915886"/>
+          </a:xfrm>
+          <a:prstGeom prst="straightConnector1">
+            <a:avLst/>
+          </a:prstGeom>
+          <a:ln>
+            <a:tailEnd type="triangle"/>
+          </a:ln>
+        </p:spPr>
+        <p:style>
+          <a:lnRef idx="1">
+            <a:schemeClr val="accent1"/>
+          </a:lnRef>
+          <a:fillRef idx="0">
+            <a:schemeClr val="accent1"/>
+          </a:fillRef>
+          <a:effectRef idx="0">
+            <a:schemeClr val="accent1"/>
+          </a:effectRef>
+          <a:fontRef idx="minor">
+            <a:schemeClr val="tx1"/>
+          </a:fontRef>
+        </p:style>
+      </p:cxnSp>
+      <p:sp>
+        <p:nvSpPr>
+          <p:cNvPr id="9" name="Rectangle 8">
+            <a:extLst>
+              <a:ext uri="{FF2B5EF4-FFF2-40B4-BE49-F238E27FC236}">
+                <a16:creationId xmlns:a16="http://schemas.microsoft.com/office/drawing/2014/main" id="{374CF17D-5E72-D439-9F76-8763F2E46BEE}"/>
+              </a:ext>
+            </a:extLst>
+          </p:cNvPr>
+          <p:cNvSpPr/>
+          <p:nvPr/>
+        </p:nvSpPr>
+        <p:spPr>
+          <a:xfrm>
+            <a:off x="87085" y="3429000"/>
+            <a:ext cx="2295331" cy="653143"/>
+          </a:xfrm>
+          <a:prstGeom prst="rect">
+            <a:avLst/>
+          </a:prstGeom>
+        </p:spPr>
+        <p:style>
+          <a:lnRef idx="2">
+            <a:schemeClr val="accent1">
+              <a:shade val="50000"/>
+            </a:schemeClr>
+          </a:lnRef>
+          <a:fillRef idx="1">
+            <a:schemeClr val="accent1"/>
+          </a:fillRef>
+          <a:effectRef idx="0">
+            <a:schemeClr val="accent1"/>
+          </a:effectRef>
+          <a:fontRef idx="minor">
+            <a:schemeClr val="lt1"/>
+          </a:fontRef>
+        </p:style>
+        <p:txBody>
+          <a:bodyPr rtlCol="0" anchor="ctr"/>
+          <a:lstStyle/>
+          <a:p>
+            <a:pPr algn="ctr"/>
+            <a:r>
+              <a:rPr lang="en-IN" b="1" dirty="0"/>
+              <a:t>EmptyResult</a:t>
+            </a:r>
+            <a:endParaRPr lang="en-US" b="1" dirty="0"/>
+          </a:p>
+        </p:txBody>
+      </p:sp>
+      <p:cxnSp>
+        <p:nvCxnSpPr>
+          <p:cNvPr id="11" name="Straight Arrow Connector 10">
+            <a:extLst>
+              <a:ext uri="{FF2B5EF4-FFF2-40B4-BE49-F238E27FC236}">
+                <a16:creationId xmlns:a16="http://schemas.microsoft.com/office/drawing/2014/main" id="{B347455C-F68A-AF3F-D03E-D429966CCCE8}"/>
+              </a:ext>
+            </a:extLst>
+          </p:cNvPr>
+          <p:cNvCxnSpPr>
+            <a:stCxn id="2" idx="1"/>
+            <a:endCxn id="9" idx="3"/>
+          </p:cNvCxnSpPr>
+          <p:nvPr/>
+        </p:nvCxnSpPr>
+        <p:spPr>
+          <a:xfrm flipH="1">
+            <a:off x="2382416" y="429209"/>
+            <a:ext cx="2562808" cy="3326363"/>
+          </a:xfrm>
+          <a:prstGeom prst="straightConnector1">
+            <a:avLst/>
+          </a:prstGeom>
+          <a:ln>
+            <a:tailEnd type="triangle"/>
+          </a:ln>
+        </p:spPr>
+        <p:style>
+          <a:lnRef idx="1">
+            <a:schemeClr val="accent1"/>
+          </a:lnRef>
+          <a:fillRef idx="0">
+            <a:schemeClr val="accent1"/>
+          </a:fillRef>
+          <a:effectRef idx="0">
+            <a:schemeClr val="accent1"/>
+          </a:effectRef>
+          <a:fontRef idx="minor">
+            <a:schemeClr val="tx1"/>
+          </a:fontRef>
+        </p:style>
+      </p:cxnSp>
+      <p:sp>
+        <p:nvSpPr>
+          <p:cNvPr id="12" name="Rectangle 11">
+            <a:extLst>
+              <a:ext uri="{FF2B5EF4-FFF2-40B4-BE49-F238E27FC236}">
+                <a16:creationId xmlns:a16="http://schemas.microsoft.com/office/drawing/2014/main" id="{9D50C994-5098-6085-49E8-0C7631A9CCFB}"/>
+              </a:ext>
+            </a:extLst>
+          </p:cNvPr>
+          <p:cNvSpPr/>
+          <p:nvPr/>
+        </p:nvSpPr>
+        <p:spPr>
+          <a:xfrm>
+            <a:off x="9402146" y="755780"/>
+            <a:ext cx="2295331" cy="653143"/>
+          </a:xfrm>
+          <a:prstGeom prst="rect">
+            <a:avLst/>
+          </a:prstGeom>
+        </p:spPr>
+        <p:style>
+          <a:lnRef idx="2">
+            <a:schemeClr val="accent1">
+              <a:shade val="50000"/>
+            </a:schemeClr>
+          </a:lnRef>
+          <a:fillRef idx="1">
+            <a:schemeClr val="accent1"/>
+          </a:fillRef>
+          <a:effectRef idx="0">
+            <a:schemeClr val="accent1"/>
+          </a:effectRef>
+          <a:fontRef idx="minor">
+            <a:schemeClr val="lt1"/>
+          </a:fontRef>
+        </p:style>
+        <p:txBody>
+          <a:bodyPr rtlCol="0" anchor="ctr"/>
+          <a:lstStyle/>
+          <a:p>
+            <a:pPr algn="ctr"/>
+            <a:r>
+              <a:rPr lang="en-IN" b="1" dirty="0"/>
+              <a:t>FileContentResult</a:t>
+            </a:r>
+            <a:endParaRPr lang="en-US" b="1" dirty="0"/>
+          </a:p>
+        </p:txBody>
+      </p:sp>
+      <p:cxnSp>
+        <p:nvCxnSpPr>
+          <p:cNvPr id="14" name="Straight Arrow Connector 13">
+            <a:extLst>
+              <a:ext uri="{FF2B5EF4-FFF2-40B4-BE49-F238E27FC236}">
+                <a16:creationId xmlns:a16="http://schemas.microsoft.com/office/drawing/2014/main" id="{395EFE03-543E-9395-D390-66B62AE886B1}"/>
+              </a:ext>
+            </a:extLst>
+          </p:cNvPr>
+          <p:cNvCxnSpPr>
+            <a:stCxn id="2" idx="3"/>
+            <a:endCxn id="12" idx="1"/>
+          </p:cNvCxnSpPr>
+          <p:nvPr/>
+        </p:nvCxnSpPr>
+        <p:spPr>
+          <a:xfrm>
+            <a:off x="7240555" y="429209"/>
+            <a:ext cx="2161591" cy="653143"/>
+          </a:xfrm>
+          <a:prstGeom prst="straightConnector1">
+            <a:avLst/>
+          </a:prstGeom>
+          <a:ln>
+            <a:tailEnd type="triangle"/>
+          </a:ln>
+        </p:spPr>
+        <p:style>
+          <a:lnRef idx="1">
+            <a:schemeClr val="accent1"/>
+          </a:lnRef>
+          <a:fillRef idx="0">
+            <a:schemeClr val="accent1"/>
+          </a:fillRef>
+          <a:effectRef idx="0">
+            <a:schemeClr val="accent1"/>
+          </a:effectRef>
+          <a:fontRef idx="minor">
+            <a:schemeClr val="tx1"/>
+          </a:fontRef>
+        </p:style>
+      </p:cxnSp>
+      <p:sp>
+        <p:nvSpPr>
+          <p:cNvPr id="15" name="Rectangle 14">
+            <a:extLst>
+              <a:ext uri="{FF2B5EF4-FFF2-40B4-BE49-F238E27FC236}">
+                <a16:creationId xmlns:a16="http://schemas.microsoft.com/office/drawing/2014/main" id="{B81E668B-FDC8-F24B-8F01-210CD14E2757}"/>
+              </a:ext>
+            </a:extLst>
+          </p:cNvPr>
+          <p:cNvSpPr/>
+          <p:nvPr/>
+        </p:nvSpPr>
+        <p:spPr>
+          <a:xfrm>
+            <a:off x="9402146" y="2018522"/>
+            <a:ext cx="2295331" cy="653143"/>
+          </a:xfrm>
+          <a:prstGeom prst="rect">
+            <a:avLst/>
+          </a:prstGeom>
+        </p:spPr>
+        <p:style>
+          <a:lnRef idx="2">
+            <a:schemeClr val="accent1">
+              <a:shade val="50000"/>
+            </a:schemeClr>
+          </a:lnRef>
+          <a:fillRef idx="1">
+            <a:schemeClr val="accent1"/>
+          </a:fillRef>
+          <a:effectRef idx="0">
+            <a:schemeClr val="accent1"/>
+          </a:effectRef>
+          <a:fontRef idx="minor">
+            <a:schemeClr val="lt1"/>
+          </a:fontRef>
+        </p:style>
+        <p:txBody>
+          <a:bodyPr rtlCol="0" anchor="ctr"/>
+          <a:lstStyle/>
+          <a:p>
+            <a:pPr algn="ctr"/>
+            <a:r>
+              <a:rPr lang="en-IN" b="1" dirty="0"/>
+              <a:t>FilePathResult</a:t>
+            </a:r>
+            <a:endParaRPr lang="en-US" b="1" dirty="0"/>
+          </a:p>
+        </p:txBody>
+      </p:sp>
+      <p:cxnSp>
+        <p:nvCxnSpPr>
+          <p:cNvPr id="17" name="Straight Arrow Connector 16">
+            <a:extLst>
+              <a:ext uri="{FF2B5EF4-FFF2-40B4-BE49-F238E27FC236}">
+                <a16:creationId xmlns:a16="http://schemas.microsoft.com/office/drawing/2014/main" id="{91F605AC-ABDC-35A6-A3DF-7775C8AC9275}"/>
+              </a:ext>
+            </a:extLst>
+          </p:cNvPr>
+          <p:cNvCxnSpPr>
+            <a:stCxn id="2" idx="3"/>
+            <a:endCxn id="15" idx="1"/>
+          </p:cNvCxnSpPr>
+          <p:nvPr/>
+        </p:nvCxnSpPr>
+        <p:spPr>
+          <a:xfrm>
+            <a:off x="7240555" y="429209"/>
+            <a:ext cx="2161591" cy="1915885"/>
+          </a:xfrm>
+          <a:prstGeom prst="straightConnector1">
+            <a:avLst/>
+          </a:prstGeom>
+          <a:ln>
+            <a:tailEnd type="triangle"/>
+          </a:ln>
+        </p:spPr>
+        <p:style>
+          <a:lnRef idx="1">
+            <a:schemeClr val="accent1"/>
+          </a:lnRef>
+          <a:fillRef idx="0">
+            <a:schemeClr val="accent1"/>
+          </a:fillRef>
+          <a:effectRef idx="0">
+            <a:schemeClr val="accent1"/>
+          </a:effectRef>
+          <a:fontRef idx="minor">
+            <a:schemeClr val="tx1"/>
+          </a:fontRef>
+        </p:style>
+      </p:cxnSp>
+      <p:sp>
+        <p:nvSpPr>
+          <p:cNvPr id="18" name="Rectangle 17">
+            <a:extLst>
+              <a:ext uri="{FF2B5EF4-FFF2-40B4-BE49-F238E27FC236}">
+                <a16:creationId xmlns:a16="http://schemas.microsoft.com/office/drawing/2014/main" id="{A42F2BC2-0B30-DE46-9FB7-5D5D061ED2C9}"/>
+              </a:ext>
+            </a:extLst>
+          </p:cNvPr>
+          <p:cNvSpPr/>
+          <p:nvPr/>
+        </p:nvSpPr>
+        <p:spPr>
+          <a:xfrm>
+            <a:off x="9399035" y="3422779"/>
+            <a:ext cx="2295331" cy="653143"/>
+          </a:xfrm>
+          <a:prstGeom prst="rect">
+            <a:avLst/>
+          </a:prstGeom>
+        </p:spPr>
+        <p:style>
+          <a:lnRef idx="2">
+            <a:schemeClr val="accent1">
+              <a:shade val="50000"/>
+            </a:schemeClr>
+          </a:lnRef>
+          <a:fillRef idx="1">
+            <a:schemeClr val="accent1"/>
+          </a:fillRef>
+          <a:effectRef idx="0">
+            <a:schemeClr val="accent1"/>
+          </a:effectRef>
+          <a:fontRef idx="minor">
+            <a:schemeClr val="lt1"/>
+          </a:fontRef>
+        </p:style>
+        <p:txBody>
+          <a:bodyPr rtlCol="0" anchor="ctr"/>
+          <a:lstStyle/>
+          <a:p>
+            <a:pPr algn="ctr"/>
+            <a:r>
+              <a:rPr lang="en-IN" b="1" dirty="0"/>
+              <a:t>FileStreamResult</a:t>
+            </a:r>
+            <a:endParaRPr lang="en-US" b="1" dirty="0"/>
+          </a:p>
+        </p:txBody>
+      </p:sp>
+      <p:cxnSp>
+        <p:nvCxnSpPr>
+          <p:cNvPr id="20" name="Straight Arrow Connector 19">
+            <a:extLst>
+              <a:ext uri="{FF2B5EF4-FFF2-40B4-BE49-F238E27FC236}">
+                <a16:creationId xmlns:a16="http://schemas.microsoft.com/office/drawing/2014/main" id="{D444BB4C-B2F3-538C-18D1-DE0FD017AD29}"/>
+              </a:ext>
+            </a:extLst>
+          </p:cNvPr>
+          <p:cNvCxnSpPr>
+            <a:stCxn id="2" idx="3"/>
+            <a:endCxn id="18" idx="1"/>
+          </p:cNvCxnSpPr>
+          <p:nvPr/>
+        </p:nvCxnSpPr>
+        <p:spPr>
+          <a:xfrm>
+            <a:off x="7240555" y="429209"/>
+            <a:ext cx="2158480" cy="3320142"/>
+          </a:xfrm>
+          <a:prstGeom prst="straightConnector1">
+            <a:avLst/>
+          </a:prstGeom>
+          <a:ln>
+            <a:tailEnd type="triangle"/>
+          </a:ln>
+        </p:spPr>
+        <p:style>
+          <a:lnRef idx="1">
+            <a:schemeClr val="accent1"/>
+          </a:lnRef>
+          <a:fillRef idx="0">
+            <a:schemeClr val="accent1"/>
+          </a:fillRef>
+          <a:effectRef idx="0">
+            <a:schemeClr val="accent1"/>
+          </a:effectRef>
+          <a:fontRef idx="minor">
+            <a:schemeClr val="tx1"/>
+          </a:fontRef>
+        </p:style>
+      </p:cxnSp>
+      <p:sp>
+        <p:nvSpPr>
+          <p:cNvPr id="21" name="Rectangle 20">
+            <a:extLst>
+              <a:ext uri="{FF2B5EF4-FFF2-40B4-BE49-F238E27FC236}">
+                <a16:creationId xmlns:a16="http://schemas.microsoft.com/office/drawing/2014/main" id="{B43F50B2-C40F-F918-2F5A-EC713AF442F1}"/>
+              </a:ext>
+            </a:extLst>
+          </p:cNvPr>
+          <p:cNvSpPr/>
+          <p:nvPr/>
+        </p:nvSpPr>
+        <p:spPr>
+          <a:xfrm>
+            <a:off x="450978" y="5847183"/>
+            <a:ext cx="2295331" cy="653143"/>
+          </a:xfrm>
+          <a:prstGeom prst="rect">
+            <a:avLst/>
+          </a:prstGeom>
+        </p:spPr>
+        <p:style>
+          <a:lnRef idx="2">
+            <a:schemeClr val="accent1">
+              <a:shade val="50000"/>
+            </a:schemeClr>
+          </a:lnRef>
+          <a:fillRef idx="1">
+            <a:schemeClr val="accent1"/>
+          </a:fillRef>
+          <a:effectRef idx="0">
+            <a:schemeClr val="accent1"/>
+          </a:effectRef>
+          <a:fontRef idx="minor">
+            <a:schemeClr val="lt1"/>
+          </a:fontRef>
+        </p:style>
+        <p:txBody>
+          <a:bodyPr rtlCol="0" anchor="ctr"/>
+          <a:lstStyle/>
+          <a:p>
+            <a:pPr algn="ctr"/>
+            <a:r>
+              <a:rPr lang="en-IN" b="1" dirty="0"/>
+              <a:t>JsonResult</a:t>
+            </a:r>
+            <a:endParaRPr lang="en-US" b="1" dirty="0"/>
+          </a:p>
+        </p:txBody>
+      </p:sp>
+      <p:cxnSp>
+        <p:nvCxnSpPr>
+          <p:cNvPr id="23" name="Straight Arrow Connector 22">
+            <a:extLst>
+              <a:ext uri="{FF2B5EF4-FFF2-40B4-BE49-F238E27FC236}">
+                <a16:creationId xmlns:a16="http://schemas.microsoft.com/office/drawing/2014/main" id="{D6ADEC00-376E-E62D-6E92-C64E7C4F4B3E}"/>
+              </a:ext>
+            </a:extLst>
+          </p:cNvPr>
+          <p:cNvCxnSpPr>
+            <a:stCxn id="2" idx="2"/>
+            <a:endCxn id="21" idx="0"/>
+          </p:cNvCxnSpPr>
+          <p:nvPr/>
+        </p:nvCxnSpPr>
+        <p:spPr>
+          <a:xfrm flipH="1">
+            <a:off x="1598644" y="755780"/>
+            <a:ext cx="4494246" cy="5091403"/>
+          </a:xfrm>
+          <a:prstGeom prst="straightConnector1">
+            <a:avLst/>
+          </a:prstGeom>
+          <a:ln>
+            <a:tailEnd type="triangle"/>
+          </a:ln>
+        </p:spPr>
+        <p:style>
+          <a:lnRef idx="1">
+            <a:schemeClr val="accent1"/>
+          </a:lnRef>
+          <a:fillRef idx="0">
+            <a:schemeClr val="accent1"/>
+          </a:fillRef>
+          <a:effectRef idx="0">
+            <a:schemeClr val="accent1"/>
+          </a:effectRef>
+          <a:fontRef idx="minor">
+            <a:schemeClr val="tx1"/>
+          </a:fontRef>
+        </p:style>
+      </p:cxnSp>
+      <p:sp>
+        <p:nvSpPr>
+          <p:cNvPr id="25" name="Rectangle 24">
+            <a:extLst>
+              <a:ext uri="{FF2B5EF4-FFF2-40B4-BE49-F238E27FC236}">
+                <a16:creationId xmlns:a16="http://schemas.microsoft.com/office/drawing/2014/main" id="{2213767A-6A64-8D91-C5D0-106679675D7C}"/>
+              </a:ext>
+            </a:extLst>
+          </p:cNvPr>
+          <p:cNvSpPr/>
+          <p:nvPr/>
+        </p:nvSpPr>
+        <p:spPr>
+          <a:xfrm>
+            <a:off x="9047582" y="5847183"/>
+            <a:ext cx="2295331" cy="653143"/>
+          </a:xfrm>
+          <a:prstGeom prst="rect">
+            <a:avLst/>
+          </a:prstGeom>
+        </p:spPr>
+        <p:style>
+          <a:lnRef idx="2">
+            <a:schemeClr val="accent1">
+              <a:shade val="50000"/>
+            </a:schemeClr>
+          </a:lnRef>
+          <a:fillRef idx="1">
+            <a:schemeClr val="accent1"/>
+          </a:fillRef>
+          <a:effectRef idx="0">
+            <a:schemeClr val="accent1"/>
+          </a:effectRef>
+          <a:fontRef idx="minor">
+            <a:schemeClr val="lt1"/>
+          </a:fontRef>
+        </p:style>
+        <p:txBody>
+          <a:bodyPr rtlCol="0" anchor="ctr"/>
+          <a:lstStyle/>
+          <a:p>
+            <a:pPr algn="ctr"/>
+            <a:r>
+              <a:rPr lang="en-IN" b="1" dirty="0"/>
+              <a:t>RedirectToAction</a:t>
+            </a:r>
+            <a:endParaRPr lang="en-US" b="1" dirty="0"/>
+          </a:p>
+        </p:txBody>
+      </p:sp>
+      <p:cxnSp>
+        <p:nvCxnSpPr>
+          <p:cNvPr id="27" name="Straight Arrow Connector 26">
+            <a:extLst>
+              <a:ext uri="{FF2B5EF4-FFF2-40B4-BE49-F238E27FC236}">
+                <a16:creationId xmlns:a16="http://schemas.microsoft.com/office/drawing/2014/main" id="{2BD181D7-7DE1-A005-F6E8-B292725C04CF}"/>
+              </a:ext>
+            </a:extLst>
+          </p:cNvPr>
+          <p:cNvCxnSpPr>
+            <a:stCxn id="2" idx="2"/>
+            <a:endCxn id="25" idx="0"/>
+          </p:cNvCxnSpPr>
+          <p:nvPr/>
+        </p:nvCxnSpPr>
+        <p:spPr>
+          <a:xfrm>
+            <a:off x="6092890" y="755780"/>
+            <a:ext cx="4102358" cy="5091403"/>
+          </a:xfrm>
+          <a:prstGeom prst="straightConnector1">
+            <a:avLst/>
+          </a:prstGeom>
+          <a:ln>
+            <a:tailEnd type="triangle"/>
+          </a:ln>
+        </p:spPr>
+        <p:style>
+          <a:lnRef idx="1">
+            <a:schemeClr val="accent1"/>
+          </a:lnRef>
+          <a:fillRef idx="0">
+            <a:schemeClr val="accent1"/>
+          </a:fillRef>
+          <a:effectRef idx="0">
+            <a:schemeClr val="accent1"/>
+          </a:effectRef>
+          <a:fontRef idx="minor">
+            <a:schemeClr val="tx1"/>
+          </a:fontRef>
+        </p:style>
+      </p:cxnSp>
+    </p:spTree>
+    <p:extLst>
+      <p:ext uri="{BB962C8B-B14F-4D97-AF65-F5344CB8AC3E}">
+        <p14:creationId xmlns:p14="http://schemas.microsoft.com/office/powerpoint/2010/main" val="838154849"/>
       </p:ext>
     </p:extLst>
   </p:cSld>

--- a/Training_Images.pptx
+++ b/Training_Images.pptx
@@ -32,6 +32,7 @@
     <p:sldId id="279" r:id="rId26"/>
     <p:sldId id="280" r:id="rId27"/>
     <p:sldId id="282" r:id="rId28"/>
+    <p:sldId id="283" r:id="rId29"/>
   </p:sldIdLst>
   <p:sldSz cx="12192000" cy="6858000"/>
   <p:notesSz cx="6858000" cy="9144000"/>
@@ -285,7 +286,7 @@
           <a:p>
             <a:fld id="{F4B84776-BAA1-48A5-B83E-3E40081DB21F}" type="datetimeFigureOut">
               <a:rPr lang="en-US" smtClean="0"/>
-              <a:t>10/3/2022</a:t>
+              <a:t>10/4/2022</a:t>
             </a:fld>
             <a:endParaRPr lang="en-US"/>
           </a:p>
@@ -483,7 +484,7 @@
           <a:p>
             <a:fld id="{F4B84776-BAA1-48A5-B83E-3E40081DB21F}" type="datetimeFigureOut">
               <a:rPr lang="en-US" smtClean="0"/>
-              <a:t>10/3/2022</a:t>
+              <a:t>10/4/2022</a:t>
             </a:fld>
             <a:endParaRPr lang="en-US"/>
           </a:p>
@@ -691,7 +692,7 @@
           <a:p>
             <a:fld id="{F4B84776-BAA1-48A5-B83E-3E40081DB21F}" type="datetimeFigureOut">
               <a:rPr lang="en-US" smtClean="0"/>
-              <a:t>10/3/2022</a:t>
+              <a:t>10/4/2022</a:t>
             </a:fld>
             <a:endParaRPr lang="en-US"/>
           </a:p>
@@ -889,7 +890,7 @@
           <a:p>
             <a:fld id="{F4B84776-BAA1-48A5-B83E-3E40081DB21F}" type="datetimeFigureOut">
               <a:rPr lang="en-US" smtClean="0"/>
-              <a:t>10/3/2022</a:t>
+              <a:t>10/4/2022</a:t>
             </a:fld>
             <a:endParaRPr lang="en-US"/>
           </a:p>
@@ -1164,7 +1165,7 @@
           <a:p>
             <a:fld id="{F4B84776-BAA1-48A5-B83E-3E40081DB21F}" type="datetimeFigureOut">
               <a:rPr lang="en-US" smtClean="0"/>
-              <a:t>10/3/2022</a:t>
+              <a:t>10/4/2022</a:t>
             </a:fld>
             <a:endParaRPr lang="en-US"/>
           </a:p>
@@ -1429,7 +1430,7 @@
           <a:p>
             <a:fld id="{F4B84776-BAA1-48A5-B83E-3E40081DB21F}" type="datetimeFigureOut">
               <a:rPr lang="en-US" smtClean="0"/>
-              <a:t>10/3/2022</a:t>
+              <a:t>10/4/2022</a:t>
             </a:fld>
             <a:endParaRPr lang="en-US"/>
           </a:p>
@@ -1841,7 +1842,7 @@
           <a:p>
             <a:fld id="{F4B84776-BAA1-48A5-B83E-3E40081DB21F}" type="datetimeFigureOut">
               <a:rPr lang="en-US" smtClean="0"/>
-              <a:t>10/3/2022</a:t>
+              <a:t>10/4/2022</a:t>
             </a:fld>
             <a:endParaRPr lang="en-US"/>
           </a:p>
@@ -1982,7 +1983,7 @@
           <a:p>
             <a:fld id="{F4B84776-BAA1-48A5-B83E-3E40081DB21F}" type="datetimeFigureOut">
               <a:rPr lang="en-US" smtClean="0"/>
-              <a:t>10/3/2022</a:t>
+              <a:t>10/4/2022</a:t>
             </a:fld>
             <a:endParaRPr lang="en-US"/>
           </a:p>
@@ -2095,7 +2096,7 @@
           <a:p>
             <a:fld id="{F4B84776-BAA1-48A5-B83E-3E40081DB21F}" type="datetimeFigureOut">
               <a:rPr lang="en-US" smtClean="0"/>
-              <a:t>10/3/2022</a:t>
+              <a:t>10/4/2022</a:t>
             </a:fld>
             <a:endParaRPr lang="en-US"/>
           </a:p>
@@ -2406,7 +2407,7 @@
           <a:p>
             <a:fld id="{F4B84776-BAA1-48A5-B83E-3E40081DB21F}" type="datetimeFigureOut">
               <a:rPr lang="en-US" smtClean="0"/>
-              <a:t>10/3/2022</a:t>
+              <a:t>10/4/2022</a:t>
             </a:fld>
             <a:endParaRPr lang="en-US"/>
           </a:p>
@@ -2694,7 +2695,7 @@
           <a:p>
             <a:fld id="{F4B84776-BAA1-48A5-B83E-3E40081DB21F}" type="datetimeFigureOut">
               <a:rPr lang="en-US" smtClean="0"/>
-              <a:t>10/3/2022</a:t>
+              <a:t>10/4/2022</a:t>
             </a:fld>
             <a:endParaRPr lang="en-US"/>
           </a:p>
@@ -2935,7 +2936,7 @@
           <a:p>
             <a:fld id="{F4B84776-BAA1-48A5-B83E-3E40081DB21F}" type="datetimeFigureOut">
               <a:rPr lang="en-US" smtClean="0"/>
-              <a:t>10/3/2022</a:t>
+              <a:t>10/4/2022</a:t>
             </a:fld>
             <a:endParaRPr lang="en-US"/>
           </a:p>
@@ -21951,6 +21952,453 @@
 </p:sld>
 </file>
 
+<file path=ppt/slides/slide28.xml><?xml version="1.0" encoding="utf-8"?>
+<p:sld xmlns:a="http://schemas.openxmlformats.org/drawingml/2006/main" xmlns:r="http://schemas.openxmlformats.org/officeDocument/2006/relationships" xmlns:p="http://schemas.openxmlformats.org/presentationml/2006/main">
+  <p:cSld>
+    <p:spTree>
+      <p:nvGrpSpPr>
+        <p:cNvPr id="1" name=""/>
+        <p:cNvGrpSpPr/>
+        <p:nvPr/>
+      </p:nvGrpSpPr>
+      <p:grpSpPr>
+        <a:xfrm>
+          <a:off x="0" y="0"/>
+          <a:ext cx="0" cy="0"/>
+          <a:chOff x="0" y="0"/>
+          <a:chExt cx="0" cy="0"/>
+        </a:xfrm>
+      </p:grpSpPr>
+      <p:sp>
+        <p:nvSpPr>
+          <p:cNvPr id="2" name="TextBox 1">
+            <a:extLst>
+              <a:ext uri="{FF2B5EF4-FFF2-40B4-BE49-F238E27FC236}">
+                <a16:creationId xmlns:a16="http://schemas.microsoft.com/office/drawing/2014/main" id="{9841DF05-295E-E452-086D-80815EA6847C}"/>
+              </a:ext>
+            </a:extLst>
+          </p:cNvPr>
+          <p:cNvSpPr txBox="1"/>
+          <p:nvPr/>
+        </p:nvSpPr>
+        <p:spPr>
+          <a:xfrm>
+            <a:off x="242596" y="158620"/>
+            <a:ext cx="11653935" cy="369332"/>
+          </a:xfrm>
+          <a:prstGeom prst="rect">
+            <a:avLst/>
+          </a:prstGeom>
+          <a:noFill/>
+        </p:spPr>
+        <p:txBody>
+          <a:bodyPr wrap="square" rtlCol="0">
+            <a:spAutoFit/>
+          </a:bodyPr>
+          <a:lstStyle/>
+          <a:p>
+            <a:pPr algn="ctr"/>
+            <a:r>
+              <a:rPr lang="en-IN" b="1" dirty="0"/>
+              <a:t>Share Data Across Controllers</a:t>
+            </a:r>
+            <a:endParaRPr lang="en-US" b="1" dirty="0"/>
+          </a:p>
+        </p:txBody>
+      </p:sp>
+      <p:sp>
+        <p:nvSpPr>
+          <p:cNvPr id="3" name="Rectangle 2">
+            <a:extLst>
+              <a:ext uri="{FF2B5EF4-FFF2-40B4-BE49-F238E27FC236}">
+                <a16:creationId xmlns:a16="http://schemas.microsoft.com/office/drawing/2014/main" id="{8064175C-C6EE-8B4C-0030-421ABC3D42C7}"/>
+              </a:ext>
+            </a:extLst>
+          </p:cNvPr>
+          <p:cNvSpPr/>
+          <p:nvPr/>
+        </p:nvSpPr>
+        <p:spPr>
+          <a:xfrm>
+            <a:off x="7585788" y="923731"/>
+            <a:ext cx="2500604" cy="2505269"/>
+          </a:xfrm>
+          <a:prstGeom prst="rect">
+            <a:avLst/>
+          </a:prstGeom>
+        </p:spPr>
+        <p:style>
+          <a:lnRef idx="2">
+            <a:schemeClr val="accent1">
+              <a:shade val="50000"/>
+            </a:schemeClr>
+          </a:lnRef>
+          <a:fillRef idx="1">
+            <a:schemeClr val="accent1"/>
+          </a:fillRef>
+          <a:effectRef idx="0">
+            <a:schemeClr val="accent1"/>
+          </a:effectRef>
+          <a:fontRef idx="minor">
+            <a:schemeClr val="lt1"/>
+          </a:fontRef>
+        </p:style>
+        <p:txBody>
+          <a:bodyPr rtlCol="0" anchor="ctr"/>
+          <a:lstStyle/>
+          <a:p>
+            <a:pPr algn="ctr"/>
+            <a:r>
+              <a:rPr lang="en-IN" b="1" dirty="0"/>
+              <a:t>Controller 1</a:t>
+            </a:r>
+            <a:endParaRPr lang="en-US" b="1" dirty="0"/>
+          </a:p>
+        </p:txBody>
+      </p:sp>
+      <p:sp>
+        <p:nvSpPr>
+          <p:cNvPr id="4" name="Arrow: Right 3">
+            <a:extLst>
+              <a:ext uri="{FF2B5EF4-FFF2-40B4-BE49-F238E27FC236}">
+                <a16:creationId xmlns:a16="http://schemas.microsoft.com/office/drawing/2014/main" id="{59AC2464-A09A-A207-4341-C585EE3EE226}"/>
+              </a:ext>
+            </a:extLst>
+          </p:cNvPr>
+          <p:cNvSpPr/>
+          <p:nvPr/>
+        </p:nvSpPr>
+        <p:spPr>
+          <a:xfrm>
+            <a:off x="531845" y="1138335"/>
+            <a:ext cx="7053943" cy="821094"/>
+          </a:xfrm>
+          <a:prstGeom prst="rightArrow">
+            <a:avLst/>
+          </a:prstGeom>
+        </p:spPr>
+        <p:style>
+          <a:lnRef idx="2">
+            <a:schemeClr val="accent1">
+              <a:shade val="50000"/>
+            </a:schemeClr>
+          </a:lnRef>
+          <a:fillRef idx="1">
+            <a:schemeClr val="accent1"/>
+          </a:fillRef>
+          <a:effectRef idx="0">
+            <a:schemeClr val="accent1"/>
+          </a:effectRef>
+          <a:fontRef idx="minor">
+            <a:schemeClr val="lt1"/>
+          </a:fontRef>
+        </p:style>
+        <p:txBody>
+          <a:bodyPr rtlCol="0" anchor="ctr"/>
+          <a:lstStyle/>
+          <a:p>
+            <a:pPr algn="ctr"/>
+            <a:r>
+              <a:rPr lang="en-IN" b="1" dirty="0"/>
+              <a:t>Request to Controller 1</a:t>
+            </a:r>
+            <a:endParaRPr lang="en-US" b="1" dirty="0"/>
+          </a:p>
+        </p:txBody>
+      </p:sp>
+      <p:sp>
+        <p:nvSpPr>
+          <p:cNvPr id="5" name="Rectangle 4">
+            <a:extLst>
+              <a:ext uri="{FF2B5EF4-FFF2-40B4-BE49-F238E27FC236}">
+                <a16:creationId xmlns:a16="http://schemas.microsoft.com/office/drawing/2014/main" id="{C0992F0A-E602-AAAF-EE19-30DEDB50CAD5}"/>
+              </a:ext>
+            </a:extLst>
+          </p:cNvPr>
+          <p:cNvSpPr/>
+          <p:nvPr/>
+        </p:nvSpPr>
+        <p:spPr>
+          <a:xfrm>
+            <a:off x="7585788" y="3977179"/>
+            <a:ext cx="2500604" cy="2505269"/>
+          </a:xfrm>
+          <a:prstGeom prst="rect">
+            <a:avLst/>
+          </a:prstGeom>
+        </p:spPr>
+        <p:style>
+          <a:lnRef idx="2">
+            <a:schemeClr val="accent1">
+              <a:shade val="50000"/>
+            </a:schemeClr>
+          </a:lnRef>
+          <a:fillRef idx="1">
+            <a:schemeClr val="accent1"/>
+          </a:fillRef>
+          <a:effectRef idx="0">
+            <a:schemeClr val="accent1"/>
+          </a:effectRef>
+          <a:fontRef idx="minor">
+            <a:schemeClr val="lt1"/>
+          </a:fontRef>
+        </p:style>
+        <p:txBody>
+          <a:bodyPr rtlCol="0" anchor="ctr"/>
+          <a:lstStyle/>
+          <a:p>
+            <a:pPr algn="ctr"/>
+            <a:r>
+              <a:rPr lang="en-IN" b="1" dirty="0"/>
+              <a:t>Controller 2</a:t>
+            </a:r>
+            <a:endParaRPr lang="en-US" b="1" dirty="0"/>
+          </a:p>
+        </p:txBody>
+      </p:sp>
+      <p:sp>
+        <p:nvSpPr>
+          <p:cNvPr id="6" name="Arrow: Left 5">
+            <a:extLst>
+              <a:ext uri="{FF2B5EF4-FFF2-40B4-BE49-F238E27FC236}">
+                <a16:creationId xmlns:a16="http://schemas.microsoft.com/office/drawing/2014/main" id="{0F4C8495-061A-6320-E1A6-6072DC54D56B}"/>
+              </a:ext>
+            </a:extLst>
+          </p:cNvPr>
+          <p:cNvSpPr/>
+          <p:nvPr/>
+        </p:nvSpPr>
+        <p:spPr>
+          <a:xfrm>
+            <a:off x="531845" y="5197151"/>
+            <a:ext cx="7053943" cy="821095"/>
+          </a:xfrm>
+          <a:prstGeom prst="leftArrow">
+            <a:avLst/>
+          </a:prstGeom>
+        </p:spPr>
+        <p:style>
+          <a:lnRef idx="2">
+            <a:schemeClr val="accent1">
+              <a:shade val="50000"/>
+            </a:schemeClr>
+          </a:lnRef>
+          <a:fillRef idx="1">
+            <a:schemeClr val="accent1"/>
+          </a:fillRef>
+          <a:effectRef idx="0">
+            <a:schemeClr val="accent1"/>
+          </a:effectRef>
+          <a:fontRef idx="minor">
+            <a:schemeClr val="lt1"/>
+          </a:fontRef>
+        </p:style>
+        <p:txBody>
+          <a:bodyPr rtlCol="0" anchor="ctr"/>
+          <a:lstStyle/>
+          <a:p>
+            <a:pPr algn="ctr"/>
+            <a:r>
+              <a:rPr lang="en-IN" b="1" dirty="0"/>
+              <a:t>Response from Controller 2</a:t>
+            </a:r>
+            <a:endParaRPr lang="en-US" b="1" dirty="0"/>
+          </a:p>
+        </p:txBody>
+      </p:sp>
+      <p:sp>
+        <p:nvSpPr>
+          <p:cNvPr id="8" name="TextBox 7">
+            <a:extLst>
+              <a:ext uri="{FF2B5EF4-FFF2-40B4-BE49-F238E27FC236}">
+                <a16:creationId xmlns:a16="http://schemas.microsoft.com/office/drawing/2014/main" id="{1D902824-CA53-0F67-9977-8380A7CD3B35}"/>
+              </a:ext>
+            </a:extLst>
+          </p:cNvPr>
+          <p:cNvSpPr txBox="1"/>
+          <p:nvPr/>
+        </p:nvSpPr>
+        <p:spPr>
+          <a:xfrm>
+            <a:off x="3918858" y="2505670"/>
+            <a:ext cx="1903445" cy="923330"/>
+          </a:xfrm>
+          <a:prstGeom prst="rect">
+            <a:avLst/>
+          </a:prstGeom>
+          <a:noFill/>
+        </p:spPr>
+        <p:txBody>
+          <a:bodyPr wrap="square" rtlCol="0">
+            <a:spAutoFit/>
+          </a:bodyPr>
+          <a:lstStyle/>
+          <a:p>
+            <a:r>
+              <a:rPr lang="en-IN" dirty="0"/>
+              <a:t>Pass Data from Controller 1 to Controller 2</a:t>
+            </a:r>
+            <a:endParaRPr lang="en-US" dirty="0"/>
+          </a:p>
+        </p:txBody>
+      </p:sp>
+      <p:sp>
+        <p:nvSpPr>
+          <p:cNvPr id="9" name="Cylinder 8">
+            <a:extLst>
+              <a:ext uri="{FF2B5EF4-FFF2-40B4-BE49-F238E27FC236}">
+                <a16:creationId xmlns:a16="http://schemas.microsoft.com/office/drawing/2014/main" id="{17D92276-1714-EC15-5247-BFE8C9A652DA}"/>
+              </a:ext>
+            </a:extLst>
+          </p:cNvPr>
+          <p:cNvSpPr/>
+          <p:nvPr/>
+        </p:nvSpPr>
+        <p:spPr>
+          <a:xfrm>
+            <a:off x="10459616" y="3179401"/>
+            <a:ext cx="1558213" cy="954060"/>
+          </a:xfrm>
+          <a:prstGeom prst="can">
+            <a:avLst/>
+          </a:prstGeom>
+        </p:spPr>
+        <p:style>
+          <a:lnRef idx="2">
+            <a:schemeClr val="accent1">
+              <a:shade val="50000"/>
+            </a:schemeClr>
+          </a:lnRef>
+          <a:fillRef idx="1">
+            <a:schemeClr val="accent1"/>
+          </a:fillRef>
+          <a:effectRef idx="0">
+            <a:schemeClr val="accent1"/>
+          </a:effectRef>
+          <a:fontRef idx="minor">
+            <a:schemeClr val="lt1"/>
+          </a:fontRef>
+        </p:style>
+        <p:txBody>
+          <a:bodyPr rtlCol="0" anchor="ctr"/>
+          <a:lstStyle/>
+          <a:p>
+            <a:pPr algn="ctr"/>
+            <a:r>
+              <a:rPr lang="en-IN" b="1" dirty="0"/>
+              <a:t>TempData</a:t>
+            </a:r>
+          </a:p>
+          <a:p>
+            <a:pPr algn="ctr"/>
+            <a:r>
+              <a:rPr lang="en-IN" b="1" dirty="0"/>
+              <a:t>Store</a:t>
+            </a:r>
+            <a:endParaRPr lang="en-US" b="1" dirty="0"/>
+          </a:p>
+        </p:txBody>
+      </p:sp>
+      <p:cxnSp>
+        <p:nvCxnSpPr>
+          <p:cNvPr id="11" name="Connector: Elbow 10">
+            <a:extLst>
+              <a:ext uri="{FF2B5EF4-FFF2-40B4-BE49-F238E27FC236}">
+                <a16:creationId xmlns:a16="http://schemas.microsoft.com/office/drawing/2014/main" id="{4C90EBE8-51BB-9FA0-023F-8D05329C6BFF}"/>
+              </a:ext>
+            </a:extLst>
+          </p:cNvPr>
+          <p:cNvCxnSpPr>
+            <a:stCxn id="3" idx="3"/>
+            <a:endCxn id="9" idx="1"/>
+          </p:cNvCxnSpPr>
+          <p:nvPr/>
+        </p:nvCxnSpPr>
+        <p:spPr>
+          <a:xfrm>
+            <a:off x="10086392" y="2176366"/>
+            <a:ext cx="1152331" cy="1003035"/>
+          </a:xfrm>
+          <a:prstGeom prst="bentConnector2">
+            <a:avLst/>
+          </a:prstGeom>
+          <a:ln w="76200">
+            <a:tailEnd type="triangle"/>
+          </a:ln>
+        </p:spPr>
+        <p:style>
+          <a:lnRef idx="1">
+            <a:schemeClr val="accent1"/>
+          </a:lnRef>
+          <a:fillRef idx="0">
+            <a:schemeClr val="accent1"/>
+          </a:fillRef>
+          <a:effectRef idx="0">
+            <a:schemeClr val="accent1"/>
+          </a:effectRef>
+          <a:fontRef idx="minor">
+            <a:schemeClr val="tx1"/>
+          </a:fontRef>
+        </p:style>
+      </p:cxnSp>
+      <p:cxnSp>
+        <p:nvCxnSpPr>
+          <p:cNvPr id="13" name="Connector: Elbow 12">
+            <a:extLst>
+              <a:ext uri="{FF2B5EF4-FFF2-40B4-BE49-F238E27FC236}">
+                <a16:creationId xmlns:a16="http://schemas.microsoft.com/office/drawing/2014/main" id="{D226B61E-F16B-BCD6-F84C-81AF4D1D9E3B}"/>
+              </a:ext>
+            </a:extLst>
+          </p:cNvPr>
+          <p:cNvCxnSpPr>
+            <a:stCxn id="9" idx="3"/>
+            <a:endCxn id="5" idx="3"/>
+          </p:cNvCxnSpPr>
+          <p:nvPr/>
+        </p:nvCxnSpPr>
+        <p:spPr>
+          <a:xfrm rot="5400000">
+            <a:off x="10114382" y="4105472"/>
+            <a:ext cx="1096353" cy="1152331"/>
+          </a:xfrm>
+          <a:prstGeom prst="bentConnector2">
+            <a:avLst/>
+          </a:prstGeom>
+          <a:ln w="76200">
+            <a:solidFill>
+              <a:schemeClr val="accent1"/>
+            </a:solidFill>
+            <a:tailEnd type="triangle"/>
+          </a:ln>
+        </p:spPr>
+        <p:style>
+          <a:lnRef idx="1">
+            <a:schemeClr val="accent1"/>
+          </a:lnRef>
+          <a:fillRef idx="0">
+            <a:schemeClr val="accent1"/>
+          </a:fillRef>
+          <a:effectRef idx="0">
+            <a:schemeClr val="accent1"/>
+          </a:effectRef>
+          <a:fontRef idx="minor">
+            <a:schemeClr val="tx1"/>
+          </a:fontRef>
+        </p:style>
+      </p:cxnSp>
+    </p:spTree>
+    <p:extLst>
+      <p:ext uri="{BB962C8B-B14F-4D97-AF65-F5344CB8AC3E}">
+        <p14:creationId xmlns:p14="http://schemas.microsoft.com/office/powerpoint/2010/main" val="429537722"/>
+      </p:ext>
+    </p:extLst>
+  </p:cSld>
+  <p:clrMapOvr>
+    <a:masterClrMapping/>
+  </p:clrMapOvr>
+</p:sld>
+</file>
+
 <file path=ppt/slides/slide3.xml><?xml version="1.0" encoding="utf-8"?>
 <p:sld xmlns:a="http://schemas.openxmlformats.org/drawingml/2006/main" xmlns:r="http://schemas.openxmlformats.org/officeDocument/2006/relationships" xmlns:p="http://schemas.openxmlformats.org/presentationml/2006/main">
   <p:cSld>

--- a/Training_Images.pptx
+++ b/Training_Images.pptx
@@ -33,6 +33,8 @@
     <p:sldId id="280" r:id="rId27"/>
     <p:sldId id="282" r:id="rId28"/>
     <p:sldId id="283" r:id="rId29"/>
+    <p:sldId id="284" r:id="rId30"/>
+    <p:sldId id="285" r:id="rId31"/>
   </p:sldIdLst>
   <p:sldSz cx="12192000" cy="6858000"/>
   <p:notesSz cx="6858000" cy="9144000"/>
@@ -286,7 +288,7 @@
           <a:p>
             <a:fld id="{F4B84776-BAA1-48A5-B83E-3E40081DB21F}" type="datetimeFigureOut">
               <a:rPr lang="en-US" smtClean="0"/>
-              <a:t>10/4/2022</a:t>
+              <a:t>10/6/2022</a:t>
             </a:fld>
             <a:endParaRPr lang="en-US"/>
           </a:p>
@@ -484,7 +486,7 @@
           <a:p>
             <a:fld id="{F4B84776-BAA1-48A5-B83E-3E40081DB21F}" type="datetimeFigureOut">
               <a:rPr lang="en-US" smtClean="0"/>
-              <a:t>10/4/2022</a:t>
+              <a:t>10/6/2022</a:t>
             </a:fld>
             <a:endParaRPr lang="en-US"/>
           </a:p>
@@ -692,7 +694,7 @@
           <a:p>
             <a:fld id="{F4B84776-BAA1-48A5-B83E-3E40081DB21F}" type="datetimeFigureOut">
               <a:rPr lang="en-US" smtClean="0"/>
-              <a:t>10/4/2022</a:t>
+              <a:t>10/6/2022</a:t>
             </a:fld>
             <a:endParaRPr lang="en-US"/>
           </a:p>
@@ -890,7 +892,7 @@
           <a:p>
             <a:fld id="{F4B84776-BAA1-48A5-B83E-3E40081DB21F}" type="datetimeFigureOut">
               <a:rPr lang="en-US" smtClean="0"/>
-              <a:t>10/4/2022</a:t>
+              <a:t>10/6/2022</a:t>
             </a:fld>
             <a:endParaRPr lang="en-US"/>
           </a:p>
@@ -1165,7 +1167,7 @@
           <a:p>
             <a:fld id="{F4B84776-BAA1-48A5-B83E-3E40081DB21F}" type="datetimeFigureOut">
               <a:rPr lang="en-US" smtClean="0"/>
-              <a:t>10/4/2022</a:t>
+              <a:t>10/6/2022</a:t>
             </a:fld>
             <a:endParaRPr lang="en-US"/>
           </a:p>
@@ -1430,7 +1432,7 @@
           <a:p>
             <a:fld id="{F4B84776-BAA1-48A5-B83E-3E40081DB21F}" type="datetimeFigureOut">
               <a:rPr lang="en-US" smtClean="0"/>
-              <a:t>10/4/2022</a:t>
+              <a:t>10/6/2022</a:t>
             </a:fld>
             <a:endParaRPr lang="en-US"/>
           </a:p>
@@ -1842,7 +1844,7 @@
           <a:p>
             <a:fld id="{F4B84776-BAA1-48A5-B83E-3E40081DB21F}" type="datetimeFigureOut">
               <a:rPr lang="en-US" smtClean="0"/>
-              <a:t>10/4/2022</a:t>
+              <a:t>10/6/2022</a:t>
             </a:fld>
             <a:endParaRPr lang="en-US"/>
           </a:p>
@@ -1983,7 +1985,7 @@
           <a:p>
             <a:fld id="{F4B84776-BAA1-48A5-B83E-3E40081DB21F}" type="datetimeFigureOut">
               <a:rPr lang="en-US" smtClean="0"/>
-              <a:t>10/4/2022</a:t>
+              <a:t>10/6/2022</a:t>
             </a:fld>
             <a:endParaRPr lang="en-US"/>
           </a:p>
@@ -2096,7 +2098,7 @@
           <a:p>
             <a:fld id="{F4B84776-BAA1-48A5-B83E-3E40081DB21F}" type="datetimeFigureOut">
               <a:rPr lang="en-US" smtClean="0"/>
-              <a:t>10/4/2022</a:t>
+              <a:t>10/6/2022</a:t>
             </a:fld>
             <a:endParaRPr lang="en-US"/>
           </a:p>
@@ -2407,7 +2409,7 @@
           <a:p>
             <a:fld id="{F4B84776-BAA1-48A5-B83E-3E40081DB21F}" type="datetimeFigureOut">
               <a:rPr lang="en-US" smtClean="0"/>
-              <a:t>10/4/2022</a:t>
+              <a:t>10/6/2022</a:t>
             </a:fld>
             <a:endParaRPr lang="en-US"/>
           </a:p>
@@ -2695,7 +2697,7 @@
           <a:p>
             <a:fld id="{F4B84776-BAA1-48A5-B83E-3E40081DB21F}" type="datetimeFigureOut">
               <a:rPr lang="en-US" smtClean="0"/>
-              <a:t>10/4/2022</a:t>
+              <a:t>10/6/2022</a:t>
             </a:fld>
             <a:endParaRPr lang="en-US"/>
           </a:p>
@@ -2936,7 +2938,7 @@
           <a:p>
             <a:fld id="{F4B84776-BAA1-48A5-B83E-3E40081DB21F}" type="datetimeFigureOut">
               <a:rPr lang="en-US" smtClean="0"/>
-              <a:t>10/4/2022</a:t>
+              <a:t>10/6/2022</a:t>
             </a:fld>
             <a:endParaRPr lang="en-US"/>
           </a:p>
@@ -22399,6 +22401,639 @@
 </p:sld>
 </file>
 
+<file path=ppt/slides/slide29.xml><?xml version="1.0" encoding="utf-8"?>
+<p:sld xmlns:a="http://schemas.openxmlformats.org/drawingml/2006/main" xmlns:r="http://schemas.openxmlformats.org/officeDocument/2006/relationships" xmlns:p="http://schemas.openxmlformats.org/presentationml/2006/main">
+  <p:cSld>
+    <p:spTree>
+      <p:nvGrpSpPr>
+        <p:cNvPr id="1" name=""/>
+        <p:cNvGrpSpPr/>
+        <p:nvPr/>
+      </p:nvGrpSpPr>
+      <p:grpSpPr>
+        <a:xfrm>
+          <a:off x="0" y="0"/>
+          <a:ext cx="0" cy="0"/>
+          <a:chOff x="0" y="0"/>
+          <a:chExt cx="0" cy="0"/>
+        </a:xfrm>
+      </p:grpSpPr>
+      <p:sp>
+        <p:nvSpPr>
+          <p:cNvPr id="2" name="Rectangle 1">
+            <a:extLst>
+              <a:ext uri="{FF2B5EF4-FFF2-40B4-BE49-F238E27FC236}">
+                <a16:creationId xmlns:a16="http://schemas.microsoft.com/office/drawing/2014/main" id="{B40C4B96-1A8A-505B-68A1-648FCE23608E}"/>
+              </a:ext>
+            </a:extLst>
+          </p:cNvPr>
+          <p:cNvSpPr/>
+          <p:nvPr/>
+        </p:nvSpPr>
+        <p:spPr>
+          <a:xfrm>
+            <a:off x="5956041" y="1203649"/>
+            <a:ext cx="3542522" cy="4142792"/>
+          </a:xfrm>
+          <a:prstGeom prst="rect">
+            <a:avLst/>
+          </a:prstGeom>
+        </p:spPr>
+        <p:style>
+          <a:lnRef idx="2">
+            <a:schemeClr val="accent1">
+              <a:shade val="50000"/>
+            </a:schemeClr>
+          </a:lnRef>
+          <a:fillRef idx="1">
+            <a:schemeClr val="accent1"/>
+          </a:fillRef>
+          <a:effectRef idx="0">
+            <a:schemeClr val="accent1"/>
+          </a:effectRef>
+          <a:fontRef idx="minor">
+            <a:schemeClr val="lt1"/>
+          </a:fontRef>
+        </p:style>
+        <p:txBody>
+          <a:bodyPr rtlCol="0" anchor="ctr"/>
+          <a:lstStyle/>
+          <a:p>
+            <a:pPr algn="ctr"/>
+            <a:r>
+              <a:rPr lang="en-IN" b="1" dirty="0"/>
+              <a:t>App hosted on Web Server</a:t>
+            </a:r>
+            <a:endParaRPr lang="en-US" b="1" dirty="0"/>
+          </a:p>
+        </p:txBody>
+      </p:sp>
+      <p:sp>
+        <p:nvSpPr>
+          <p:cNvPr id="3" name="Cylinder 2">
+            <a:extLst>
+              <a:ext uri="{FF2B5EF4-FFF2-40B4-BE49-F238E27FC236}">
+                <a16:creationId xmlns:a16="http://schemas.microsoft.com/office/drawing/2014/main" id="{CCE79B52-5C0D-DEB7-97D0-2D26CAF30A0B}"/>
+              </a:ext>
+            </a:extLst>
+          </p:cNvPr>
+          <p:cNvSpPr/>
+          <p:nvPr/>
+        </p:nvSpPr>
+        <p:spPr>
+          <a:xfrm>
+            <a:off x="9937102" y="2593910"/>
+            <a:ext cx="1875453" cy="1287625"/>
+          </a:xfrm>
+          <a:prstGeom prst="can">
+            <a:avLst/>
+          </a:prstGeom>
+        </p:spPr>
+        <p:style>
+          <a:lnRef idx="2">
+            <a:schemeClr val="accent1">
+              <a:shade val="50000"/>
+            </a:schemeClr>
+          </a:lnRef>
+          <a:fillRef idx="1">
+            <a:schemeClr val="accent1"/>
+          </a:fillRef>
+          <a:effectRef idx="0">
+            <a:schemeClr val="accent1"/>
+          </a:effectRef>
+          <a:fontRef idx="minor">
+            <a:schemeClr val="lt1"/>
+          </a:fontRef>
+        </p:style>
+        <p:txBody>
+          <a:bodyPr rtlCol="0" anchor="ctr"/>
+          <a:lstStyle/>
+          <a:p>
+            <a:pPr algn="ctr"/>
+            <a:r>
+              <a:rPr lang="en-IN" b="1" dirty="0"/>
+              <a:t>Identity DB</a:t>
+            </a:r>
+            <a:endParaRPr lang="en-US" b="1" dirty="0"/>
+          </a:p>
+        </p:txBody>
+      </p:sp>
+      <p:sp>
+        <p:nvSpPr>
+          <p:cNvPr id="4" name="Arrow: Right 3">
+            <a:extLst>
+              <a:ext uri="{FF2B5EF4-FFF2-40B4-BE49-F238E27FC236}">
+                <a16:creationId xmlns:a16="http://schemas.microsoft.com/office/drawing/2014/main" id="{476E3777-13FC-69FC-17F2-0927C5A997C8}"/>
+              </a:ext>
+            </a:extLst>
+          </p:cNvPr>
+          <p:cNvSpPr/>
+          <p:nvPr/>
+        </p:nvSpPr>
+        <p:spPr>
+          <a:xfrm>
+            <a:off x="186612" y="1548882"/>
+            <a:ext cx="5769429" cy="1203649"/>
+          </a:xfrm>
+          <a:prstGeom prst="rightArrow">
+            <a:avLst/>
+          </a:prstGeom>
+        </p:spPr>
+        <p:style>
+          <a:lnRef idx="2">
+            <a:schemeClr val="accent1">
+              <a:shade val="50000"/>
+            </a:schemeClr>
+          </a:lnRef>
+          <a:fillRef idx="1">
+            <a:schemeClr val="accent1"/>
+          </a:fillRef>
+          <a:effectRef idx="0">
+            <a:schemeClr val="accent1"/>
+          </a:effectRef>
+          <a:fontRef idx="minor">
+            <a:schemeClr val="lt1"/>
+          </a:fontRef>
+        </p:style>
+        <p:txBody>
+          <a:bodyPr rtlCol="0" anchor="ctr"/>
+          <a:lstStyle/>
+          <a:p>
+            <a:pPr algn="ctr"/>
+            <a:r>
+              <a:rPr lang="en-IN" b="1" dirty="0"/>
+              <a:t>Request with Credentials</a:t>
+            </a:r>
+            <a:endParaRPr lang="en-US" b="1" dirty="0"/>
+          </a:p>
+        </p:txBody>
+      </p:sp>
+      <p:sp>
+        <p:nvSpPr>
+          <p:cNvPr id="5" name="Arrow: Right 4">
+            <a:extLst>
+              <a:ext uri="{FF2B5EF4-FFF2-40B4-BE49-F238E27FC236}">
+                <a16:creationId xmlns:a16="http://schemas.microsoft.com/office/drawing/2014/main" id="{EDC9A345-DFC4-11C2-1B19-B514202EEE2D}"/>
+              </a:ext>
+            </a:extLst>
+          </p:cNvPr>
+          <p:cNvSpPr/>
+          <p:nvPr/>
+        </p:nvSpPr>
+        <p:spPr>
+          <a:xfrm>
+            <a:off x="9405257" y="2892490"/>
+            <a:ext cx="634482" cy="373224"/>
+          </a:xfrm>
+          <a:prstGeom prst="rightArrow">
+            <a:avLst/>
+          </a:prstGeom>
+          <a:solidFill>
+            <a:schemeClr val="accent2"/>
+          </a:solidFill>
+        </p:spPr>
+        <p:style>
+          <a:lnRef idx="2">
+            <a:schemeClr val="accent1">
+              <a:shade val="50000"/>
+            </a:schemeClr>
+          </a:lnRef>
+          <a:fillRef idx="1">
+            <a:schemeClr val="accent1"/>
+          </a:fillRef>
+          <a:effectRef idx="0">
+            <a:schemeClr val="accent1"/>
+          </a:effectRef>
+          <a:fontRef idx="minor">
+            <a:schemeClr val="lt1"/>
+          </a:fontRef>
+        </p:style>
+        <p:txBody>
+          <a:bodyPr rtlCol="0" anchor="ctr"/>
+          <a:lstStyle/>
+          <a:p>
+            <a:pPr algn="ctr"/>
+            <a:endParaRPr lang="en-US"/>
+          </a:p>
+        </p:txBody>
+      </p:sp>
+      <p:sp>
+        <p:nvSpPr>
+          <p:cNvPr id="6" name="TextBox 5">
+            <a:extLst>
+              <a:ext uri="{FF2B5EF4-FFF2-40B4-BE49-F238E27FC236}">
+                <a16:creationId xmlns:a16="http://schemas.microsoft.com/office/drawing/2014/main" id="{BFFA05EB-A771-F74B-E5CF-0040CFA59F24}"/>
+              </a:ext>
+            </a:extLst>
+          </p:cNvPr>
+          <p:cNvSpPr txBox="1"/>
+          <p:nvPr/>
+        </p:nvSpPr>
+        <p:spPr>
+          <a:xfrm>
+            <a:off x="9937102" y="513183"/>
+            <a:ext cx="2155371" cy="646331"/>
+          </a:xfrm>
+          <a:prstGeom prst="rect">
+            <a:avLst/>
+          </a:prstGeom>
+          <a:noFill/>
+        </p:spPr>
+        <p:txBody>
+          <a:bodyPr wrap="square" rtlCol="0">
+            <a:spAutoFit/>
+          </a:bodyPr>
+          <a:lstStyle/>
+          <a:p>
+            <a:r>
+              <a:rPr lang="en-IN" dirty="0"/>
+              <a:t>Credentials are verified</a:t>
+            </a:r>
+            <a:endParaRPr lang="en-US" dirty="0"/>
+          </a:p>
+        </p:txBody>
+      </p:sp>
+      <p:cxnSp>
+        <p:nvCxnSpPr>
+          <p:cNvPr id="8" name="Connector: Elbow 7">
+            <a:extLst>
+              <a:ext uri="{FF2B5EF4-FFF2-40B4-BE49-F238E27FC236}">
+                <a16:creationId xmlns:a16="http://schemas.microsoft.com/office/drawing/2014/main" id="{9C5261EE-272A-6507-109C-B7B8F5D6CD32}"/>
+              </a:ext>
+            </a:extLst>
+          </p:cNvPr>
+          <p:cNvCxnSpPr>
+            <a:stCxn id="5" idx="0"/>
+            <a:endCxn id="6" idx="1"/>
+          </p:cNvCxnSpPr>
+          <p:nvPr/>
+        </p:nvCxnSpPr>
+        <p:spPr>
+          <a:xfrm rot="5400000" flipH="1" flipV="1">
+            <a:off x="8867044" y="1822433"/>
+            <a:ext cx="2056141" cy="83975"/>
+          </a:xfrm>
+          <a:prstGeom prst="bentConnector2">
+            <a:avLst/>
+          </a:prstGeom>
+          <a:ln>
+            <a:tailEnd type="triangle"/>
+          </a:ln>
+        </p:spPr>
+        <p:style>
+          <a:lnRef idx="1">
+            <a:schemeClr val="accent1"/>
+          </a:lnRef>
+          <a:fillRef idx="0">
+            <a:schemeClr val="accent1"/>
+          </a:fillRef>
+          <a:effectRef idx="0">
+            <a:schemeClr val="accent1"/>
+          </a:effectRef>
+          <a:fontRef idx="minor">
+            <a:schemeClr val="tx1"/>
+          </a:fontRef>
+        </p:style>
+      </p:cxnSp>
+      <p:sp>
+        <p:nvSpPr>
+          <p:cNvPr id="9" name="Arrow: Left 8">
+            <a:extLst>
+              <a:ext uri="{FF2B5EF4-FFF2-40B4-BE49-F238E27FC236}">
+                <a16:creationId xmlns:a16="http://schemas.microsoft.com/office/drawing/2014/main" id="{580DA23B-22CD-8172-ABC2-97A746FB027E}"/>
+              </a:ext>
+            </a:extLst>
+          </p:cNvPr>
+          <p:cNvSpPr/>
+          <p:nvPr/>
+        </p:nvSpPr>
+        <p:spPr>
+          <a:xfrm>
+            <a:off x="9405257" y="3331029"/>
+            <a:ext cx="531845" cy="373224"/>
+          </a:xfrm>
+          <a:prstGeom prst="leftArrow">
+            <a:avLst/>
+          </a:prstGeom>
+          <a:solidFill>
+            <a:schemeClr val="accent2"/>
+          </a:solidFill>
+        </p:spPr>
+        <p:style>
+          <a:lnRef idx="2">
+            <a:schemeClr val="accent1">
+              <a:shade val="50000"/>
+            </a:schemeClr>
+          </a:lnRef>
+          <a:fillRef idx="1">
+            <a:schemeClr val="accent1"/>
+          </a:fillRef>
+          <a:effectRef idx="0">
+            <a:schemeClr val="accent1"/>
+          </a:effectRef>
+          <a:fontRef idx="minor">
+            <a:schemeClr val="lt1"/>
+          </a:fontRef>
+        </p:style>
+        <p:txBody>
+          <a:bodyPr rtlCol="0" anchor="ctr"/>
+          <a:lstStyle/>
+          <a:p>
+            <a:pPr algn="ctr"/>
+            <a:endParaRPr lang="en-US"/>
+          </a:p>
+        </p:txBody>
+      </p:sp>
+      <p:sp>
+        <p:nvSpPr>
+          <p:cNvPr id="10" name="TextBox 9">
+            <a:extLst>
+              <a:ext uri="{FF2B5EF4-FFF2-40B4-BE49-F238E27FC236}">
+                <a16:creationId xmlns:a16="http://schemas.microsoft.com/office/drawing/2014/main" id="{8080A264-5C16-5B21-44D0-8FE03A11E56D}"/>
+              </a:ext>
+            </a:extLst>
+          </p:cNvPr>
+          <p:cNvSpPr txBox="1"/>
+          <p:nvPr/>
+        </p:nvSpPr>
+        <p:spPr>
+          <a:xfrm>
+            <a:off x="9722498" y="4394718"/>
+            <a:ext cx="2211355" cy="2031325"/>
+          </a:xfrm>
+          <a:prstGeom prst="rect">
+            <a:avLst/>
+          </a:prstGeom>
+          <a:noFill/>
+        </p:spPr>
+        <p:txBody>
+          <a:bodyPr wrap="square" rtlCol="0">
+            <a:spAutoFit/>
+          </a:bodyPr>
+          <a:lstStyle/>
+          <a:p>
+            <a:r>
+              <a:rPr lang="en-IN" dirty="0"/>
+              <a:t>Either Approve the user for Log-In (Authenticate_ or if credentials are failed then Make the </a:t>
+            </a:r>
+            <a:r>
+              <a:rPr lang="en-IN" dirty="0" err="1"/>
+              <a:t>UnAuthorize</a:t>
+            </a:r>
+            <a:r>
+              <a:rPr lang="en-IN" dirty="0"/>
+              <a:t> Response</a:t>
+            </a:r>
+            <a:endParaRPr lang="en-US" dirty="0"/>
+          </a:p>
+        </p:txBody>
+      </p:sp>
+      <p:cxnSp>
+        <p:nvCxnSpPr>
+          <p:cNvPr id="12" name="Connector: Elbow 11">
+            <a:extLst>
+              <a:ext uri="{FF2B5EF4-FFF2-40B4-BE49-F238E27FC236}">
+                <a16:creationId xmlns:a16="http://schemas.microsoft.com/office/drawing/2014/main" id="{99C674C1-99BE-A147-4E72-AF9B20628641}"/>
+              </a:ext>
+            </a:extLst>
+          </p:cNvPr>
+          <p:cNvCxnSpPr>
+            <a:stCxn id="9" idx="2"/>
+            <a:endCxn id="10" idx="0"/>
+          </p:cNvCxnSpPr>
+          <p:nvPr/>
+        </p:nvCxnSpPr>
+        <p:spPr>
+          <a:xfrm rot="16200000" flipH="1">
+            <a:off x="9864790" y="3431331"/>
+            <a:ext cx="690465" cy="1236307"/>
+          </a:xfrm>
+          <a:prstGeom prst="bentConnector3">
+            <a:avLst/>
+          </a:prstGeom>
+          <a:ln>
+            <a:tailEnd type="triangle"/>
+          </a:ln>
+        </p:spPr>
+        <p:style>
+          <a:lnRef idx="1">
+            <a:schemeClr val="accent1"/>
+          </a:lnRef>
+          <a:fillRef idx="0">
+            <a:schemeClr val="accent1"/>
+          </a:fillRef>
+          <a:effectRef idx="0">
+            <a:schemeClr val="accent1"/>
+          </a:effectRef>
+          <a:fontRef idx="minor">
+            <a:schemeClr val="tx1"/>
+          </a:fontRef>
+        </p:style>
+      </p:cxnSp>
+      <p:sp>
+        <p:nvSpPr>
+          <p:cNvPr id="13" name="Arrow: Left 12">
+            <a:extLst>
+              <a:ext uri="{FF2B5EF4-FFF2-40B4-BE49-F238E27FC236}">
+                <a16:creationId xmlns:a16="http://schemas.microsoft.com/office/drawing/2014/main" id="{6FD49142-AA2D-8D48-CE0A-C252A1CB4613}"/>
+              </a:ext>
+            </a:extLst>
+          </p:cNvPr>
+          <p:cNvSpPr/>
+          <p:nvPr/>
+        </p:nvSpPr>
+        <p:spPr>
+          <a:xfrm>
+            <a:off x="186612" y="3331028"/>
+            <a:ext cx="5769429" cy="1203649"/>
+          </a:xfrm>
+          <a:prstGeom prst="leftArrow">
+            <a:avLst/>
+          </a:prstGeom>
+        </p:spPr>
+        <p:style>
+          <a:lnRef idx="2">
+            <a:schemeClr val="accent1">
+              <a:shade val="50000"/>
+            </a:schemeClr>
+          </a:lnRef>
+          <a:fillRef idx="1">
+            <a:schemeClr val="accent1"/>
+          </a:fillRef>
+          <a:effectRef idx="0">
+            <a:schemeClr val="accent1"/>
+          </a:effectRef>
+          <a:fontRef idx="minor">
+            <a:schemeClr val="lt1"/>
+          </a:fontRef>
+        </p:style>
+        <p:txBody>
+          <a:bodyPr rtlCol="0" anchor="ctr"/>
+          <a:lstStyle/>
+          <a:p>
+            <a:pPr algn="ctr"/>
+            <a:r>
+              <a:rPr lang="en-IN" b="1" dirty="0"/>
+              <a:t>Response</a:t>
+            </a:r>
+            <a:endParaRPr lang="en-US" b="1" dirty="0"/>
+          </a:p>
+        </p:txBody>
+      </p:sp>
+      <p:sp>
+        <p:nvSpPr>
+          <p:cNvPr id="14" name="TextBox 13">
+            <a:extLst>
+              <a:ext uri="{FF2B5EF4-FFF2-40B4-BE49-F238E27FC236}">
+                <a16:creationId xmlns:a16="http://schemas.microsoft.com/office/drawing/2014/main" id="{FADB75B4-D2AB-463D-C695-CFB54DE895E3}"/>
+              </a:ext>
+            </a:extLst>
+          </p:cNvPr>
+          <p:cNvSpPr txBox="1"/>
+          <p:nvPr/>
+        </p:nvSpPr>
+        <p:spPr>
+          <a:xfrm>
+            <a:off x="186612" y="5477069"/>
+            <a:ext cx="5271796" cy="646331"/>
+          </a:xfrm>
+          <a:prstGeom prst="rect">
+            <a:avLst/>
+          </a:prstGeom>
+          <a:noFill/>
+        </p:spPr>
+        <p:txBody>
+          <a:bodyPr wrap="square" rtlCol="0">
+            <a:spAutoFit/>
+          </a:bodyPr>
+          <a:lstStyle/>
+          <a:p>
+            <a:r>
+              <a:rPr lang="en-IN" dirty="0"/>
+              <a:t>The Web App is Protected by User-Based Authentication</a:t>
+            </a:r>
+            <a:endParaRPr lang="en-US" dirty="0"/>
+          </a:p>
+        </p:txBody>
+      </p:sp>
+      <p:sp>
+        <p:nvSpPr>
+          <p:cNvPr id="15" name="TextBox 14">
+            <a:extLst>
+              <a:ext uri="{FF2B5EF4-FFF2-40B4-BE49-F238E27FC236}">
+                <a16:creationId xmlns:a16="http://schemas.microsoft.com/office/drawing/2014/main" id="{2FE7A4B2-E89A-9A56-C015-6502CD722744}"/>
+              </a:ext>
+            </a:extLst>
+          </p:cNvPr>
+          <p:cNvSpPr txBox="1"/>
+          <p:nvPr/>
+        </p:nvSpPr>
+        <p:spPr>
+          <a:xfrm>
+            <a:off x="258147" y="734600"/>
+            <a:ext cx="4677747" cy="923330"/>
+          </a:xfrm>
+          <a:prstGeom prst="rect">
+            <a:avLst/>
+          </a:prstGeom>
+          <a:noFill/>
+        </p:spPr>
+        <p:txBody>
+          <a:bodyPr wrap="square" rtlCol="0">
+            <a:spAutoFit/>
+          </a:bodyPr>
+          <a:lstStyle/>
+          <a:p>
+            <a:r>
+              <a:rPr lang="en-IN" dirty="0"/>
+              <a:t>Use Http Header with its AUTHORIZATION KEY</a:t>
+            </a:r>
+          </a:p>
+          <a:p>
+            <a:endParaRPr lang="en-IN" dirty="0"/>
+          </a:p>
+          <a:p>
+            <a:r>
+              <a:rPr lang="en-IN" dirty="0"/>
+              <a:t>AUTHORIZATION: ‘[SCHEMA] CREDENTIALS’</a:t>
+            </a:r>
+            <a:endParaRPr lang="en-US" dirty="0"/>
+          </a:p>
+        </p:txBody>
+      </p:sp>
+      <p:sp>
+        <p:nvSpPr>
+          <p:cNvPr id="16" name="Rectangle: Rounded Corners 15">
+            <a:extLst>
+              <a:ext uri="{FF2B5EF4-FFF2-40B4-BE49-F238E27FC236}">
+                <a16:creationId xmlns:a16="http://schemas.microsoft.com/office/drawing/2014/main" id="{2A41173C-FCE9-B42F-991A-D55D27F33C56}"/>
+              </a:ext>
+            </a:extLst>
+          </p:cNvPr>
+          <p:cNvSpPr/>
+          <p:nvPr/>
+        </p:nvSpPr>
+        <p:spPr>
+          <a:xfrm>
+            <a:off x="6179976" y="3704250"/>
+            <a:ext cx="3225281" cy="1203649"/>
+          </a:xfrm>
+          <a:prstGeom prst="roundRect">
+            <a:avLst/>
+          </a:prstGeom>
+          <a:solidFill>
+            <a:schemeClr val="accent2"/>
+          </a:solidFill>
+        </p:spPr>
+        <p:style>
+          <a:lnRef idx="2">
+            <a:schemeClr val="accent1">
+              <a:shade val="50000"/>
+            </a:schemeClr>
+          </a:lnRef>
+          <a:fillRef idx="1">
+            <a:schemeClr val="accent1"/>
+          </a:fillRef>
+          <a:effectRef idx="0">
+            <a:schemeClr val="accent1"/>
+          </a:effectRef>
+          <a:fontRef idx="minor">
+            <a:schemeClr val="lt1"/>
+          </a:fontRef>
+        </p:style>
+        <p:txBody>
+          <a:bodyPr rtlCol="0" anchor="ctr"/>
+          <a:lstStyle/>
+          <a:p>
+            <a:pPr algn="ctr"/>
+            <a:r>
+              <a:rPr lang="en-IN" b="1" dirty="0"/>
+              <a:t>Identity, a set of classes used for User and Role Management</a:t>
+            </a:r>
+          </a:p>
+          <a:p>
+            <a:pPr algn="ctr"/>
+            <a:r>
+              <a:rPr lang="en-IN" b="1" dirty="0"/>
+              <a:t>For the Application </a:t>
+            </a:r>
+            <a:endParaRPr lang="en-US" b="1" dirty="0"/>
+          </a:p>
+        </p:txBody>
+      </p:sp>
+    </p:spTree>
+    <p:extLst>
+      <p:ext uri="{BB962C8B-B14F-4D97-AF65-F5344CB8AC3E}">
+        <p14:creationId xmlns:p14="http://schemas.microsoft.com/office/powerpoint/2010/main" val="1452934301"/>
+      </p:ext>
+    </p:extLst>
+  </p:cSld>
+  <p:clrMapOvr>
+    <a:masterClrMapping/>
+  </p:clrMapOvr>
+</p:sld>
+</file>
+
 <file path=ppt/slides/slide3.xml><?xml version="1.0" encoding="utf-8"?>
 <p:sld xmlns:a="http://schemas.openxmlformats.org/drawingml/2006/main" xmlns:r="http://schemas.openxmlformats.org/officeDocument/2006/relationships" xmlns:p="http://schemas.openxmlformats.org/presentationml/2006/main">
   <p:cSld>
@@ -22999,6 +23634,857 @@
     <p:extLst>
       <p:ext uri="{BB962C8B-B14F-4D97-AF65-F5344CB8AC3E}">
         <p14:creationId xmlns:p14="http://schemas.microsoft.com/office/powerpoint/2010/main" val="602380315"/>
+      </p:ext>
+    </p:extLst>
+  </p:cSld>
+  <p:clrMapOvr>
+    <a:masterClrMapping/>
+  </p:clrMapOvr>
+</p:sld>
+</file>
+
+<file path=ppt/slides/slide30.xml><?xml version="1.0" encoding="utf-8"?>
+<p:sld xmlns:a="http://schemas.openxmlformats.org/drawingml/2006/main" xmlns:r="http://schemas.openxmlformats.org/officeDocument/2006/relationships" xmlns:p="http://schemas.openxmlformats.org/presentationml/2006/main">
+  <p:cSld>
+    <p:spTree>
+      <p:nvGrpSpPr>
+        <p:cNvPr id="1" name=""/>
+        <p:cNvGrpSpPr/>
+        <p:nvPr/>
+      </p:nvGrpSpPr>
+      <p:grpSpPr>
+        <a:xfrm>
+          <a:off x="0" y="0"/>
+          <a:ext cx="0" cy="0"/>
+          <a:chOff x="0" y="0"/>
+          <a:chExt cx="0" cy="0"/>
+        </a:xfrm>
+      </p:grpSpPr>
+      <p:sp>
+        <p:nvSpPr>
+          <p:cNvPr id="2" name="Oval 1">
+            <a:extLst>
+              <a:ext uri="{FF2B5EF4-FFF2-40B4-BE49-F238E27FC236}">
+                <a16:creationId xmlns:a16="http://schemas.microsoft.com/office/drawing/2014/main" id="{937479BD-43B0-3173-A0C4-D6E3F8405549}"/>
+              </a:ext>
+            </a:extLst>
+          </p:cNvPr>
+          <p:cNvSpPr/>
+          <p:nvPr/>
+        </p:nvSpPr>
+        <p:spPr>
+          <a:xfrm>
+            <a:off x="4879910" y="2192694"/>
+            <a:ext cx="2090057" cy="1903445"/>
+          </a:xfrm>
+          <a:prstGeom prst="ellipse">
+            <a:avLst/>
+          </a:prstGeom>
+          <a:ln w="76200">
+            <a:solidFill>
+              <a:srgbClr val="FF0000"/>
+            </a:solidFill>
+          </a:ln>
+        </p:spPr>
+        <p:style>
+          <a:lnRef idx="2">
+            <a:schemeClr val="accent1">
+              <a:shade val="50000"/>
+            </a:schemeClr>
+          </a:lnRef>
+          <a:fillRef idx="1">
+            <a:schemeClr val="accent1"/>
+          </a:fillRef>
+          <a:effectRef idx="0">
+            <a:schemeClr val="accent1"/>
+          </a:effectRef>
+          <a:fontRef idx="minor">
+            <a:schemeClr val="lt1"/>
+          </a:fontRef>
+        </p:style>
+        <p:txBody>
+          <a:bodyPr rtlCol="0" anchor="ctr"/>
+          <a:lstStyle/>
+          <a:p>
+            <a:pPr algn="ctr"/>
+            <a:r>
+              <a:rPr lang="en-IN" b="1" dirty="0"/>
+              <a:t>Identity Meta-System</a:t>
+            </a:r>
+            <a:endParaRPr lang="en-US" b="1" dirty="0"/>
+          </a:p>
+        </p:txBody>
+      </p:sp>
+      <p:sp>
+        <p:nvSpPr>
+          <p:cNvPr id="3" name="Oval 2">
+            <a:extLst>
+              <a:ext uri="{FF2B5EF4-FFF2-40B4-BE49-F238E27FC236}">
+                <a16:creationId xmlns:a16="http://schemas.microsoft.com/office/drawing/2014/main" id="{7C132988-30ED-E817-B528-9FB4D809B310}"/>
+              </a:ext>
+            </a:extLst>
+          </p:cNvPr>
+          <p:cNvSpPr/>
+          <p:nvPr/>
+        </p:nvSpPr>
+        <p:spPr>
+          <a:xfrm>
+            <a:off x="469641" y="289249"/>
+            <a:ext cx="2090057" cy="1903445"/>
+          </a:xfrm>
+          <a:prstGeom prst="ellipse">
+            <a:avLst/>
+          </a:prstGeom>
+          <a:ln w="76200">
+            <a:solidFill>
+              <a:srgbClr val="FF0000"/>
+            </a:solidFill>
+          </a:ln>
+        </p:spPr>
+        <p:style>
+          <a:lnRef idx="2">
+            <a:schemeClr val="accent1">
+              <a:shade val="50000"/>
+            </a:schemeClr>
+          </a:lnRef>
+          <a:fillRef idx="1">
+            <a:schemeClr val="accent1"/>
+          </a:fillRef>
+          <a:effectRef idx="0">
+            <a:schemeClr val="accent1"/>
+          </a:effectRef>
+          <a:fontRef idx="minor">
+            <a:schemeClr val="lt1"/>
+          </a:fontRef>
+        </p:style>
+        <p:txBody>
+          <a:bodyPr rtlCol="0" anchor="ctr"/>
+          <a:lstStyle/>
+          <a:p>
+            <a:pPr algn="ctr"/>
+            <a:r>
+              <a:rPr lang="en-IN" b="1" dirty="0"/>
+              <a:t>User Based Auth using</a:t>
+            </a:r>
+          </a:p>
+          <a:p>
+            <a:pPr algn="ctr"/>
+            <a:r>
+              <a:rPr lang="en-IN" b="1" dirty="0"/>
+              <a:t>Forms Auth</a:t>
+            </a:r>
+            <a:endParaRPr lang="en-US" b="1" dirty="0"/>
+          </a:p>
+        </p:txBody>
+      </p:sp>
+      <p:cxnSp>
+        <p:nvCxnSpPr>
+          <p:cNvPr id="5" name="Connector: Elbow 4">
+            <a:extLst>
+              <a:ext uri="{FF2B5EF4-FFF2-40B4-BE49-F238E27FC236}">
+                <a16:creationId xmlns:a16="http://schemas.microsoft.com/office/drawing/2014/main" id="{AC459216-C7D8-7FA7-E368-8A11F589771C}"/>
+              </a:ext>
+            </a:extLst>
+          </p:cNvPr>
+          <p:cNvCxnSpPr>
+            <a:stCxn id="2" idx="2"/>
+            <a:endCxn id="3" idx="4"/>
+          </p:cNvCxnSpPr>
+          <p:nvPr/>
+        </p:nvCxnSpPr>
+        <p:spPr>
+          <a:xfrm rot="10800000">
+            <a:off x="1514670" y="2192695"/>
+            <a:ext cx="3365240" cy="951723"/>
+          </a:xfrm>
+          <a:prstGeom prst="bentConnector2">
+            <a:avLst/>
+          </a:prstGeom>
+          <a:ln w="76200">
+            <a:solidFill>
+              <a:srgbClr val="7030A0"/>
+            </a:solidFill>
+            <a:tailEnd type="triangle"/>
+          </a:ln>
+        </p:spPr>
+        <p:style>
+          <a:lnRef idx="1">
+            <a:schemeClr val="accent1"/>
+          </a:lnRef>
+          <a:fillRef idx="0">
+            <a:schemeClr val="accent1"/>
+          </a:fillRef>
+          <a:effectRef idx="0">
+            <a:schemeClr val="accent1"/>
+          </a:effectRef>
+          <a:fontRef idx="minor">
+            <a:schemeClr val="tx1"/>
+          </a:fontRef>
+        </p:style>
+      </p:cxnSp>
+      <p:sp>
+        <p:nvSpPr>
+          <p:cNvPr id="6" name="Oval 5">
+            <a:extLst>
+              <a:ext uri="{FF2B5EF4-FFF2-40B4-BE49-F238E27FC236}">
+                <a16:creationId xmlns:a16="http://schemas.microsoft.com/office/drawing/2014/main" id="{EF185A4C-0096-55EC-3A93-EEA2447D207C}"/>
+              </a:ext>
+            </a:extLst>
+          </p:cNvPr>
+          <p:cNvSpPr/>
+          <p:nvPr/>
+        </p:nvSpPr>
+        <p:spPr>
+          <a:xfrm>
+            <a:off x="2674775" y="87086"/>
+            <a:ext cx="1505339" cy="1153889"/>
+          </a:xfrm>
+          <a:prstGeom prst="ellipse">
+            <a:avLst/>
+          </a:prstGeom>
+          <a:ln w="76200">
+            <a:solidFill>
+              <a:srgbClr val="FF0000"/>
+            </a:solidFill>
+          </a:ln>
+        </p:spPr>
+        <p:style>
+          <a:lnRef idx="2">
+            <a:schemeClr val="accent1">
+              <a:shade val="50000"/>
+            </a:schemeClr>
+          </a:lnRef>
+          <a:fillRef idx="1">
+            <a:schemeClr val="accent1"/>
+          </a:fillRef>
+          <a:effectRef idx="0">
+            <a:schemeClr val="accent1"/>
+          </a:effectRef>
+          <a:fontRef idx="minor">
+            <a:schemeClr val="lt1"/>
+          </a:fontRef>
+        </p:style>
+        <p:txBody>
+          <a:bodyPr rtlCol="0" anchor="ctr"/>
+          <a:lstStyle/>
+          <a:p>
+            <a:pPr algn="ctr"/>
+            <a:r>
+              <a:rPr lang="en-IN" b="1" dirty="0"/>
+              <a:t>Passport</a:t>
+            </a:r>
+            <a:endParaRPr lang="en-US" b="1" dirty="0"/>
+          </a:p>
+        </p:txBody>
+      </p:sp>
+      <p:sp>
+        <p:nvSpPr>
+          <p:cNvPr id="7" name="Oval 6">
+            <a:extLst>
+              <a:ext uri="{FF2B5EF4-FFF2-40B4-BE49-F238E27FC236}">
+                <a16:creationId xmlns:a16="http://schemas.microsoft.com/office/drawing/2014/main" id="{FAF974DB-2728-EDDF-083A-4247F6FE2C83}"/>
+              </a:ext>
+            </a:extLst>
+          </p:cNvPr>
+          <p:cNvSpPr/>
+          <p:nvPr/>
+        </p:nvSpPr>
+        <p:spPr>
+          <a:xfrm>
+            <a:off x="2674775" y="1514668"/>
+            <a:ext cx="1598645" cy="1153889"/>
+          </a:xfrm>
+          <a:prstGeom prst="ellipse">
+            <a:avLst/>
+          </a:prstGeom>
+          <a:ln w="76200">
+            <a:solidFill>
+              <a:srgbClr val="FF0000"/>
+            </a:solidFill>
+          </a:ln>
+        </p:spPr>
+        <p:style>
+          <a:lnRef idx="2">
+            <a:schemeClr val="accent1">
+              <a:shade val="50000"/>
+            </a:schemeClr>
+          </a:lnRef>
+          <a:fillRef idx="1">
+            <a:schemeClr val="accent1"/>
+          </a:fillRef>
+          <a:effectRef idx="0">
+            <a:schemeClr val="accent1"/>
+          </a:effectRef>
+          <a:fontRef idx="minor">
+            <a:schemeClr val="lt1"/>
+          </a:fontRef>
+        </p:style>
+        <p:txBody>
+          <a:bodyPr rtlCol="0" anchor="ctr"/>
+          <a:lstStyle/>
+          <a:p>
+            <a:pPr algn="ctr"/>
+            <a:r>
+              <a:rPr lang="en-IN" b="1" dirty="0"/>
+              <a:t>Windows</a:t>
+            </a:r>
+            <a:endParaRPr lang="en-US" b="1" dirty="0"/>
+          </a:p>
+        </p:txBody>
+      </p:sp>
+      <p:cxnSp>
+        <p:nvCxnSpPr>
+          <p:cNvPr id="9" name="Connector: Elbow 8">
+            <a:extLst>
+              <a:ext uri="{FF2B5EF4-FFF2-40B4-BE49-F238E27FC236}">
+                <a16:creationId xmlns:a16="http://schemas.microsoft.com/office/drawing/2014/main" id="{D163D1A3-156D-EA33-5DCD-FF9F5429E755}"/>
+              </a:ext>
+            </a:extLst>
+          </p:cNvPr>
+          <p:cNvCxnSpPr>
+            <a:stCxn id="2" idx="1"/>
+            <a:endCxn id="6" idx="6"/>
+          </p:cNvCxnSpPr>
+          <p:nvPr/>
+        </p:nvCxnSpPr>
+        <p:spPr>
+          <a:xfrm rot="16200000" flipV="1">
+            <a:off x="3779345" y="1064800"/>
+            <a:ext cx="1807416" cy="1005878"/>
+          </a:xfrm>
+          <a:prstGeom prst="bentConnector2">
+            <a:avLst/>
+          </a:prstGeom>
+          <a:ln w="57150">
+            <a:solidFill>
+              <a:srgbClr val="7030A0"/>
+            </a:solidFill>
+            <a:tailEnd type="triangle"/>
+          </a:ln>
+        </p:spPr>
+        <p:style>
+          <a:lnRef idx="1">
+            <a:schemeClr val="accent1"/>
+          </a:lnRef>
+          <a:fillRef idx="0">
+            <a:schemeClr val="accent1"/>
+          </a:fillRef>
+          <a:effectRef idx="0">
+            <a:schemeClr val="accent1"/>
+          </a:effectRef>
+          <a:fontRef idx="minor">
+            <a:schemeClr val="tx1"/>
+          </a:fontRef>
+        </p:style>
+      </p:cxnSp>
+      <p:cxnSp>
+        <p:nvCxnSpPr>
+          <p:cNvPr id="11" name="Connector: Elbow 10">
+            <a:extLst>
+              <a:ext uri="{FF2B5EF4-FFF2-40B4-BE49-F238E27FC236}">
+                <a16:creationId xmlns:a16="http://schemas.microsoft.com/office/drawing/2014/main" id="{B96C2F6D-23DF-9EED-7FCE-DC37097454FB}"/>
+              </a:ext>
+            </a:extLst>
+          </p:cNvPr>
+          <p:cNvCxnSpPr>
+            <a:stCxn id="2" idx="1"/>
+            <a:endCxn id="7" idx="6"/>
+          </p:cNvCxnSpPr>
+          <p:nvPr/>
+        </p:nvCxnSpPr>
+        <p:spPr>
+          <a:xfrm rot="16200000" flipV="1">
+            <a:off x="4539789" y="1825244"/>
+            <a:ext cx="379834" cy="912572"/>
+          </a:xfrm>
+          <a:prstGeom prst="bentConnector2">
+            <a:avLst/>
+          </a:prstGeom>
+          <a:ln w="76200">
+            <a:solidFill>
+              <a:srgbClr val="7030A0"/>
+            </a:solidFill>
+            <a:tailEnd type="triangle"/>
+          </a:ln>
+        </p:spPr>
+        <p:style>
+          <a:lnRef idx="1">
+            <a:schemeClr val="accent1"/>
+          </a:lnRef>
+          <a:fillRef idx="0">
+            <a:schemeClr val="accent1"/>
+          </a:fillRef>
+          <a:effectRef idx="0">
+            <a:schemeClr val="accent1"/>
+          </a:effectRef>
+          <a:fontRef idx="minor">
+            <a:schemeClr val="tx1"/>
+          </a:fontRef>
+        </p:style>
+      </p:cxnSp>
+      <p:sp>
+        <p:nvSpPr>
+          <p:cNvPr id="12" name="TextBox 11">
+            <a:extLst>
+              <a:ext uri="{FF2B5EF4-FFF2-40B4-BE49-F238E27FC236}">
+                <a16:creationId xmlns:a16="http://schemas.microsoft.com/office/drawing/2014/main" id="{916C926B-5EFE-28E0-C456-D8AD072F7529}"/>
+              </a:ext>
+            </a:extLst>
+          </p:cNvPr>
+          <p:cNvSpPr txBox="1"/>
+          <p:nvPr/>
+        </p:nvSpPr>
+        <p:spPr>
+          <a:xfrm>
+            <a:off x="0" y="3429000"/>
+            <a:ext cx="4749282" cy="646331"/>
+          </a:xfrm>
+          <a:prstGeom prst="rect">
+            <a:avLst/>
+          </a:prstGeom>
+          <a:noFill/>
+        </p:spPr>
+        <p:txBody>
+          <a:bodyPr wrap="square" rtlCol="0">
+            <a:spAutoFit/>
+          </a:bodyPr>
+          <a:lstStyle/>
+          <a:p>
+            <a:r>
+              <a:rPr lang="en-IN" b="1" dirty="0"/>
+              <a:t>Resources Based (Folders and its Pages) were applied with security</a:t>
+            </a:r>
+            <a:endParaRPr lang="en-US" b="1" dirty="0"/>
+          </a:p>
+        </p:txBody>
+      </p:sp>
+      <p:sp>
+        <p:nvSpPr>
+          <p:cNvPr id="13" name="Oval 12">
+            <a:extLst>
+              <a:ext uri="{FF2B5EF4-FFF2-40B4-BE49-F238E27FC236}">
+                <a16:creationId xmlns:a16="http://schemas.microsoft.com/office/drawing/2014/main" id="{E9324CD1-2608-1DD3-7F51-76E17483D8DA}"/>
+              </a:ext>
+            </a:extLst>
+          </p:cNvPr>
+          <p:cNvSpPr/>
+          <p:nvPr/>
+        </p:nvSpPr>
+        <p:spPr>
+          <a:xfrm>
+            <a:off x="9906000" y="289248"/>
+            <a:ext cx="2090057" cy="1903445"/>
+          </a:xfrm>
+          <a:prstGeom prst="ellipse">
+            <a:avLst/>
+          </a:prstGeom>
+          <a:ln w="76200">
+            <a:solidFill>
+              <a:srgbClr val="FF0000"/>
+            </a:solidFill>
+          </a:ln>
+        </p:spPr>
+        <p:style>
+          <a:lnRef idx="2">
+            <a:schemeClr val="accent1">
+              <a:shade val="50000"/>
+            </a:schemeClr>
+          </a:lnRef>
+          <a:fillRef idx="1">
+            <a:schemeClr val="accent1"/>
+          </a:fillRef>
+          <a:effectRef idx="0">
+            <a:schemeClr val="accent1"/>
+          </a:effectRef>
+          <a:fontRef idx="minor">
+            <a:schemeClr val="lt1"/>
+          </a:fontRef>
+        </p:style>
+        <p:txBody>
+          <a:bodyPr rtlCol="0" anchor="ctr"/>
+          <a:lstStyle/>
+          <a:p>
+            <a:pPr algn="ctr"/>
+            <a:r>
+              <a:rPr lang="en-IN" b="1" dirty="0"/>
+              <a:t>User Based Auth using</a:t>
+            </a:r>
+          </a:p>
+          <a:p>
+            <a:pPr algn="ctr"/>
+            <a:r>
+              <a:rPr lang="en-IN" b="1" dirty="0"/>
+              <a:t>Forms Auth using Membership</a:t>
+            </a:r>
+            <a:endParaRPr lang="en-US" b="1" dirty="0"/>
+          </a:p>
+        </p:txBody>
+      </p:sp>
+      <p:cxnSp>
+        <p:nvCxnSpPr>
+          <p:cNvPr id="15" name="Connector: Elbow 14">
+            <a:extLst>
+              <a:ext uri="{FF2B5EF4-FFF2-40B4-BE49-F238E27FC236}">
+                <a16:creationId xmlns:a16="http://schemas.microsoft.com/office/drawing/2014/main" id="{B0D7F099-0225-7B62-BEE3-53DBA8B8A317}"/>
+              </a:ext>
+            </a:extLst>
+          </p:cNvPr>
+          <p:cNvCxnSpPr>
+            <a:stCxn id="2" idx="0"/>
+            <a:endCxn id="13" idx="2"/>
+          </p:cNvCxnSpPr>
+          <p:nvPr/>
+        </p:nvCxnSpPr>
+        <p:spPr>
+          <a:xfrm rot="5400000" flipH="1" flipV="1">
+            <a:off x="7439608" y="-273697"/>
+            <a:ext cx="951723" cy="3981061"/>
+          </a:xfrm>
+          <a:prstGeom prst="bentConnector2">
+            <a:avLst/>
+          </a:prstGeom>
+          <a:ln w="76200">
+            <a:solidFill>
+              <a:srgbClr val="7030A0"/>
+            </a:solidFill>
+            <a:tailEnd type="triangle"/>
+          </a:ln>
+        </p:spPr>
+        <p:style>
+          <a:lnRef idx="1">
+            <a:schemeClr val="accent1"/>
+          </a:lnRef>
+          <a:fillRef idx="0">
+            <a:schemeClr val="accent1"/>
+          </a:fillRef>
+          <a:effectRef idx="0">
+            <a:schemeClr val="accent1"/>
+          </a:effectRef>
+          <a:fontRef idx="minor">
+            <a:schemeClr val="tx1"/>
+          </a:fontRef>
+        </p:style>
+      </p:cxnSp>
+      <p:sp>
+        <p:nvSpPr>
+          <p:cNvPr id="16" name="TextBox 15">
+            <a:extLst>
+              <a:ext uri="{FF2B5EF4-FFF2-40B4-BE49-F238E27FC236}">
+                <a16:creationId xmlns:a16="http://schemas.microsoft.com/office/drawing/2014/main" id="{71339B02-83F1-5E0C-34D9-697BFE4746F2}"/>
+              </a:ext>
+            </a:extLst>
+          </p:cNvPr>
+          <p:cNvSpPr txBox="1"/>
+          <p:nvPr/>
+        </p:nvSpPr>
+        <p:spPr>
+          <a:xfrm>
+            <a:off x="5924937" y="195943"/>
+            <a:ext cx="4208107" cy="923330"/>
+          </a:xfrm>
+          <a:prstGeom prst="rect">
+            <a:avLst/>
+          </a:prstGeom>
+          <a:noFill/>
+        </p:spPr>
+        <p:txBody>
+          <a:bodyPr wrap="square" rtlCol="0">
+            <a:spAutoFit/>
+          </a:bodyPr>
+          <a:lstStyle/>
+          <a:p>
+            <a:r>
+              <a:rPr lang="en-IN" b="1" dirty="0"/>
+              <a:t>Membership with Database for users and roles for defining application Access with Resource Based Authentication</a:t>
+            </a:r>
+            <a:endParaRPr lang="en-US" b="1" dirty="0"/>
+          </a:p>
+        </p:txBody>
+      </p:sp>
+      <p:sp>
+        <p:nvSpPr>
+          <p:cNvPr id="17" name="Oval 16">
+            <a:extLst>
+              <a:ext uri="{FF2B5EF4-FFF2-40B4-BE49-F238E27FC236}">
+                <a16:creationId xmlns:a16="http://schemas.microsoft.com/office/drawing/2014/main" id="{04FD057F-5E85-6890-D47E-AF1A8FBF02C8}"/>
+              </a:ext>
+            </a:extLst>
+          </p:cNvPr>
+          <p:cNvSpPr/>
+          <p:nvPr/>
+        </p:nvSpPr>
+        <p:spPr>
+          <a:xfrm>
+            <a:off x="475861" y="4565779"/>
+            <a:ext cx="2090057" cy="1903445"/>
+          </a:xfrm>
+          <a:prstGeom prst="ellipse">
+            <a:avLst/>
+          </a:prstGeom>
+          <a:ln w="76200">
+            <a:solidFill>
+              <a:srgbClr val="FF0000"/>
+            </a:solidFill>
+          </a:ln>
+        </p:spPr>
+        <p:style>
+          <a:lnRef idx="2">
+            <a:schemeClr val="accent1">
+              <a:shade val="50000"/>
+            </a:schemeClr>
+          </a:lnRef>
+          <a:fillRef idx="1">
+            <a:schemeClr val="accent1"/>
+          </a:fillRef>
+          <a:effectRef idx="0">
+            <a:schemeClr val="accent1"/>
+          </a:effectRef>
+          <a:fontRef idx="minor">
+            <a:schemeClr val="lt1"/>
+          </a:fontRef>
+        </p:style>
+        <p:txBody>
+          <a:bodyPr rtlCol="0" anchor="ctr"/>
+          <a:lstStyle/>
+          <a:p>
+            <a:pPr algn="ctr"/>
+            <a:r>
+              <a:rPr lang="en-IN" b="1" dirty="0"/>
+              <a:t>Identity Management in MVC for Users and Roles</a:t>
+            </a:r>
+            <a:endParaRPr lang="en-US" b="1" dirty="0"/>
+          </a:p>
+        </p:txBody>
+      </p:sp>
+      <p:cxnSp>
+        <p:nvCxnSpPr>
+          <p:cNvPr id="19" name="Connector: Elbow 18">
+            <a:extLst>
+              <a:ext uri="{FF2B5EF4-FFF2-40B4-BE49-F238E27FC236}">
+                <a16:creationId xmlns:a16="http://schemas.microsoft.com/office/drawing/2014/main" id="{B478A81F-F6E0-D3ED-7186-39B29F8BE9EE}"/>
+              </a:ext>
+            </a:extLst>
+          </p:cNvPr>
+          <p:cNvCxnSpPr>
+            <a:stCxn id="2" idx="4"/>
+            <a:endCxn id="17" idx="6"/>
+          </p:cNvCxnSpPr>
+          <p:nvPr/>
+        </p:nvCxnSpPr>
+        <p:spPr>
+          <a:xfrm rot="5400000">
+            <a:off x="3534748" y="3127310"/>
+            <a:ext cx="1421363" cy="3359021"/>
+          </a:xfrm>
+          <a:prstGeom prst="bentConnector2">
+            <a:avLst/>
+          </a:prstGeom>
+          <a:ln w="76200">
+            <a:solidFill>
+              <a:srgbClr val="7030A0"/>
+            </a:solidFill>
+            <a:tailEnd type="triangle"/>
+          </a:ln>
+        </p:spPr>
+        <p:style>
+          <a:lnRef idx="1">
+            <a:schemeClr val="accent1"/>
+          </a:lnRef>
+          <a:fillRef idx="0">
+            <a:schemeClr val="accent1"/>
+          </a:fillRef>
+          <a:effectRef idx="0">
+            <a:schemeClr val="accent1"/>
+          </a:effectRef>
+          <a:fontRef idx="minor">
+            <a:schemeClr val="tx1"/>
+          </a:fontRef>
+        </p:style>
+      </p:cxnSp>
+      <p:sp>
+        <p:nvSpPr>
+          <p:cNvPr id="20" name="TextBox 19">
+            <a:extLst>
+              <a:ext uri="{FF2B5EF4-FFF2-40B4-BE49-F238E27FC236}">
+                <a16:creationId xmlns:a16="http://schemas.microsoft.com/office/drawing/2014/main" id="{660C7701-41AC-63F7-D232-9985128AF1D4}"/>
+              </a:ext>
+            </a:extLst>
+          </p:cNvPr>
+          <p:cNvSpPr txBox="1"/>
+          <p:nvPr/>
+        </p:nvSpPr>
+        <p:spPr>
+          <a:xfrm>
+            <a:off x="6096000" y="4254759"/>
+            <a:ext cx="5781869" cy="2031325"/>
+          </a:xfrm>
+          <a:prstGeom prst="rect">
+            <a:avLst/>
+          </a:prstGeom>
+          <a:noFill/>
+        </p:spPr>
+        <p:txBody>
+          <a:bodyPr wrap="square" rtlCol="0">
+            <a:spAutoFit/>
+          </a:bodyPr>
+          <a:lstStyle/>
+          <a:p>
+            <a:r>
+              <a:rPr lang="en-IN" b="1" dirty="0"/>
+              <a:t>Identity Classes: </a:t>
+            </a:r>
+            <a:r>
+              <a:rPr lang="en-IN" b="1" dirty="0" err="1"/>
+              <a:t>IdentityUser</a:t>
+            </a:r>
+            <a:r>
+              <a:rPr lang="en-IN" b="1" dirty="0"/>
+              <a:t> and IdentityRole, User and Role Information Classes</a:t>
+            </a:r>
+          </a:p>
+          <a:p>
+            <a:r>
+              <a:rPr lang="en-IN" b="1" dirty="0"/>
+              <a:t>UserManager&lt;</a:t>
+            </a:r>
+            <a:r>
+              <a:rPr lang="en-IN" b="1" dirty="0" err="1"/>
+              <a:t>IdentityUser</a:t>
+            </a:r>
+            <a:r>
+              <a:rPr lang="en-IN" b="1" dirty="0"/>
+              <a:t>&gt; and </a:t>
+            </a:r>
+            <a:r>
+              <a:rPr lang="en-IN" b="1" dirty="0" err="1"/>
+              <a:t>RoleManager</a:t>
+            </a:r>
+            <a:r>
+              <a:rPr lang="en-IN" b="1" dirty="0"/>
+              <a:t>&lt;IdentityRole&gt; for creating and Managing users and roles</a:t>
+            </a:r>
+          </a:p>
+          <a:p>
+            <a:r>
+              <a:rPr lang="en-IN" b="1" dirty="0"/>
+              <a:t>SignInManager&lt;</a:t>
+            </a:r>
+            <a:r>
+              <a:rPr lang="en-IN" b="1" dirty="0" err="1"/>
+              <a:t>IdentityUser</a:t>
+            </a:r>
+            <a:r>
+              <a:rPr lang="en-IN" b="1" dirty="0"/>
+              <a:t>&gt;, for managing Application Sign-In Process </a:t>
+            </a:r>
+            <a:endParaRPr lang="en-US" b="1" dirty="0"/>
+          </a:p>
+        </p:txBody>
+      </p:sp>
+      <p:sp>
+        <p:nvSpPr>
+          <p:cNvPr id="21" name="Oval 20">
+            <a:extLst>
+              <a:ext uri="{FF2B5EF4-FFF2-40B4-BE49-F238E27FC236}">
+                <a16:creationId xmlns:a16="http://schemas.microsoft.com/office/drawing/2014/main" id="{CFFA5871-6972-34FC-2284-5E4E494820DF}"/>
+              </a:ext>
+            </a:extLst>
+          </p:cNvPr>
+          <p:cNvSpPr/>
+          <p:nvPr/>
+        </p:nvSpPr>
+        <p:spPr>
+          <a:xfrm>
+            <a:off x="10335207" y="2519268"/>
+            <a:ext cx="1508449" cy="1104121"/>
+          </a:xfrm>
+          <a:prstGeom prst="ellipse">
+            <a:avLst/>
+          </a:prstGeom>
+          <a:ln w="76200">
+            <a:solidFill>
+              <a:srgbClr val="FF0000"/>
+            </a:solidFill>
+          </a:ln>
+        </p:spPr>
+        <p:style>
+          <a:lnRef idx="2">
+            <a:schemeClr val="accent1">
+              <a:shade val="50000"/>
+            </a:schemeClr>
+          </a:lnRef>
+          <a:fillRef idx="1">
+            <a:schemeClr val="accent1"/>
+          </a:fillRef>
+          <a:effectRef idx="0">
+            <a:schemeClr val="accent1"/>
+          </a:effectRef>
+          <a:fontRef idx="minor">
+            <a:schemeClr val="lt1"/>
+          </a:fontRef>
+        </p:style>
+        <p:txBody>
+          <a:bodyPr rtlCol="0" anchor="ctr"/>
+          <a:lstStyle/>
+          <a:p>
+            <a:pPr algn="ctr"/>
+            <a:r>
+              <a:rPr lang="en-IN" b="1" dirty="0"/>
+              <a:t>Token Based Auth</a:t>
+            </a:r>
+            <a:endParaRPr lang="en-US" b="1" dirty="0"/>
+          </a:p>
+        </p:txBody>
+      </p:sp>
+      <p:cxnSp>
+        <p:nvCxnSpPr>
+          <p:cNvPr id="23" name="Connector: Elbow 22">
+            <a:extLst>
+              <a:ext uri="{FF2B5EF4-FFF2-40B4-BE49-F238E27FC236}">
+                <a16:creationId xmlns:a16="http://schemas.microsoft.com/office/drawing/2014/main" id="{796B8883-F3AE-7885-EC67-AF2F3B8E6F37}"/>
+              </a:ext>
+            </a:extLst>
+          </p:cNvPr>
+          <p:cNvCxnSpPr>
+            <a:stCxn id="2" idx="6"/>
+            <a:endCxn id="21" idx="2"/>
+          </p:cNvCxnSpPr>
+          <p:nvPr/>
+        </p:nvCxnSpPr>
+        <p:spPr>
+          <a:xfrm flipV="1">
+            <a:off x="6969967" y="3071329"/>
+            <a:ext cx="3365240" cy="73088"/>
+          </a:xfrm>
+          <a:prstGeom prst="bentConnector3">
+            <a:avLst/>
+          </a:prstGeom>
+          <a:ln w="76200">
+            <a:solidFill>
+              <a:srgbClr val="7030A0"/>
+            </a:solidFill>
+            <a:tailEnd type="triangle"/>
+          </a:ln>
+        </p:spPr>
+        <p:style>
+          <a:lnRef idx="1">
+            <a:schemeClr val="accent1"/>
+          </a:lnRef>
+          <a:fillRef idx="0">
+            <a:schemeClr val="accent1"/>
+          </a:fillRef>
+          <a:effectRef idx="0">
+            <a:schemeClr val="accent1"/>
+          </a:effectRef>
+          <a:fontRef idx="minor">
+            <a:schemeClr val="tx1"/>
+          </a:fontRef>
+        </p:style>
+      </p:cxnSp>
+    </p:spTree>
+    <p:extLst>
+      <p:ext uri="{BB962C8B-B14F-4D97-AF65-F5344CB8AC3E}">
+        <p14:creationId xmlns:p14="http://schemas.microsoft.com/office/powerpoint/2010/main" val="1408839846"/>
       </p:ext>
     </p:extLst>
   </p:cSld>

--- a/Training_Images.pptx
+++ b/Training_Images.pptx
@@ -35,6 +35,10 @@
     <p:sldId id="283" r:id="rId29"/>
     <p:sldId id="284" r:id="rId30"/>
     <p:sldId id="285" r:id="rId31"/>
+    <p:sldId id="286" r:id="rId32"/>
+    <p:sldId id="287" r:id="rId33"/>
+    <p:sldId id="288" r:id="rId34"/>
+    <p:sldId id="289" r:id="rId35"/>
   </p:sldIdLst>
   <p:sldSz cx="12192000" cy="6858000"/>
   <p:notesSz cx="6858000" cy="9144000"/>
@@ -288,7 +292,7 @@
           <a:p>
             <a:fld id="{F4B84776-BAA1-48A5-B83E-3E40081DB21F}" type="datetimeFigureOut">
               <a:rPr lang="en-US" smtClean="0"/>
-              <a:t>10/6/2022</a:t>
+              <a:t>10/7/2022</a:t>
             </a:fld>
             <a:endParaRPr lang="en-US"/>
           </a:p>
@@ -486,7 +490,7 @@
           <a:p>
             <a:fld id="{F4B84776-BAA1-48A5-B83E-3E40081DB21F}" type="datetimeFigureOut">
               <a:rPr lang="en-US" smtClean="0"/>
-              <a:t>10/6/2022</a:t>
+              <a:t>10/7/2022</a:t>
             </a:fld>
             <a:endParaRPr lang="en-US"/>
           </a:p>
@@ -694,7 +698,7 @@
           <a:p>
             <a:fld id="{F4B84776-BAA1-48A5-B83E-3E40081DB21F}" type="datetimeFigureOut">
               <a:rPr lang="en-US" smtClean="0"/>
-              <a:t>10/6/2022</a:t>
+              <a:t>10/7/2022</a:t>
             </a:fld>
             <a:endParaRPr lang="en-US"/>
           </a:p>
@@ -892,7 +896,7 @@
           <a:p>
             <a:fld id="{F4B84776-BAA1-48A5-B83E-3E40081DB21F}" type="datetimeFigureOut">
               <a:rPr lang="en-US" smtClean="0"/>
-              <a:t>10/6/2022</a:t>
+              <a:t>10/7/2022</a:t>
             </a:fld>
             <a:endParaRPr lang="en-US"/>
           </a:p>
@@ -1167,7 +1171,7 @@
           <a:p>
             <a:fld id="{F4B84776-BAA1-48A5-B83E-3E40081DB21F}" type="datetimeFigureOut">
               <a:rPr lang="en-US" smtClean="0"/>
-              <a:t>10/6/2022</a:t>
+              <a:t>10/7/2022</a:t>
             </a:fld>
             <a:endParaRPr lang="en-US"/>
           </a:p>
@@ -1432,7 +1436,7 @@
           <a:p>
             <a:fld id="{F4B84776-BAA1-48A5-B83E-3E40081DB21F}" type="datetimeFigureOut">
               <a:rPr lang="en-US" smtClean="0"/>
-              <a:t>10/6/2022</a:t>
+              <a:t>10/7/2022</a:t>
             </a:fld>
             <a:endParaRPr lang="en-US"/>
           </a:p>
@@ -1844,7 +1848,7 @@
           <a:p>
             <a:fld id="{F4B84776-BAA1-48A5-B83E-3E40081DB21F}" type="datetimeFigureOut">
               <a:rPr lang="en-US" smtClean="0"/>
-              <a:t>10/6/2022</a:t>
+              <a:t>10/7/2022</a:t>
             </a:fld>
             <a:endParaRPr lang="en-US"/>
           </a:p>
@@ -1985,7 +1989,7 @@
           <a:p>
             <a:fld id="{F4B84776-BAA1-48A5-B83E-3E40081DB21F}" type="datetimeFigureOut">
               <a:rPr lang="en-US" smtClean="0"/>
-              <a:t>10/6/2022</a:t>
+              <a:t>10/7/2022</a:t>
             </a:fld>
             <a:endParaRPr lang="en-US"/>
           </a:p>
@@ -2098,7 +2102,7 @@
           <a:p>
             <a:fld id="{F4B84776-BAA1-48A5-B83E-3E40081DB21F}" type="datetimeFigureOut">
               <a:rPr lang="en-US" smtClean="0"/>
-              <a:t>10/6/2022</a:t>
+              <a:t>10/7/2022</a:t>
             </a:fld>
             <a:endParaRPr lang="en-US"/>
           </a:p>
@@ -2409,7 +2413,7 @@
           <a:p>
             <a:fld id="{F4B84776-BAA1-48A5-B83E-3E40081DB21F}" type="datetimeFigureOut">
               <a:rPr lang="en-US" smtClean="0"/>
-              <a:t>10/6/2022</a:t>
+              <a:t>10/7/2022</a:t>
             </a:fld>
             <a:endParaRPr lang="en-US"/>
           </a:p>
@@ -2697,7 +2701,7 @@
           <a:p>
             <a:fld id="{F4B84776-BAA1-48A5-B83E-3E40081DB21F}" type="datetimeFigureOut">
               <a:rPr lang="en-US" smtClean="0"/>
-              <a:t>10/6/2022</a:t>
+              <a:t>10/7/2022</a:t>
             </a:fld>
             <a:endParaRPr lang="en-US"/>
           </a:p>
@@ -2938,7 +2942,7 @@
           <a:p>
             <a:fld id="{F4B84776-BAA1-48A5-B83E-3E40081DB21F}" type="datetimeFigureOut">
               <a:rPr lang="en-US" smtClean="0"/>
-              <a:t>10/6/2022</a:t>
+              <a:t>10/7/2022</a:t>
             </a:fld>
             <a:endParaRPr lang="en-US"/>
           </a:p>
@@ -16089,7 +16093,7 @@
         </p:nvSpPr>
         <p:spPr>
           <a:xfrm>
-            <a:off x="233265" y="110021"/>
+            <a:off x="37330" y="168626"/>
             <a:ext cx="961054" cy="860363"/>
           </a:xfrm>
           <a:prstGeom prst="parallelogram">
@@ -16143,13 +16147,13 @@
         </p:nvCxnSpPr>
         <p:spPr>
           <a:xfrm rot="5400000">
-            <a:off x="-281397" y="1615684"/>
-            <a:ext cx="1532944" cy="242345"/>
+            <a:off x="-350062" y="1742953"/>
+            <a:ext cx="1474339" cy="46410"/>
           </a:xfrm>
           <a:prstGeom prst="bentConnector4">
             <a:avLst>
-              <a:gd name="adj1" fmla="val 26198"/>
-              <a:gd name="adj2" fmla="val 194328"/>
+              <a:gd name="adj1" fmla="val 25252"/>
+              <a:gd name="adj2" fmla="val 592566"/>
             </a:avLst>
           </a:prstGeom>
           <a:ln w="76200">
@@ -24485,6 +24489,3597 @@
     <p:extLst>
       <p:ext uri="{BB962C8B-B14F-4D97-AF65-F5344CB8AC3E}">
         <p14:creationId xmlns:p14="http://schemas.microsoft.com/office/powerpoint/2010/main" val="1408839846"/>
+      </p:ext>
+    </p:extLst>
+  </p:cSld>
+  <p:clrMapOvr>
+    <a:masterClrMapping/>
+  </p:clrMapOvr>
+</p:sld>
+</file>
+
+<file path=ppt/slides/slide31.xml><?xml version="1.0" encoding="utf-8"?>
+<p:sld xmlns:a="http://schemas.openxmlformats.org/drawingml/2006/main" xmlns:r="http://schemas.openxmlformats.org/officeDocument/2006/relationships" xmlns:p="http://schemas.openxmlformats.org/presentationml/2006/main">
+  <p:cSld>
+    <p:spTree>
+      <p:nvGrpSpPr>
+        <p:cNvPr id="1" name=""/>
+        <p:cNvGrpSpPr/>
+        <p:nvPr/>
+      </p:nvGrpSpPr>
+      <p:grpSpPr>
+        <a:xfrm>
+          <a:off x="0" y="0"/>
+          <a:ext cx="0" cy="0"/>
+          <a:chOff x="0" y="0"/>
+          <a:chExt cx="0" cy="0"/>
+        </a:xfrm>
+      </p:grpSpPr>
+      <p:sp>
+        <p:nvSpPr>
+          <p:cNvPr id="2" name="Rectangle 1">
+            <a:extLst>
+              <a:ext uri="{FF2B5EF4-FFF2-40B4-BE49-F238E27FC236}">
+                <a16:creationId xmlns:a16="http://schemas.microsoft.com/office/drawing/2014/main" id="{B919EE43-B2FD-A56C-7666-C51C58EF3DA5}"/>
+              </a:ext>
+            </a:extLst>
+          </p:cNvPr>
+          <p:cNvSpPr/>
+          <p:nvPr/>
+        </p:nvSpPr>
+        <p:spPr>
+          <a:xfrm>
+            <a:off x="6913984" y="1147666"/>
+            <a:ext cx="3498979" cy="3498979"/>
+          </a:xfrm>
+          <a:prstGeom prst="rect">
+            <a:avLst/>
+          </a:prstGeom>
+        </p:spPr>
+        <p:style>
+          <a:lnRef idx="2">
+            <a:schemeClr val="accent1">
+              <a:shade val="50000"/>
+            </a:schemeClr>
+          </a:lnRef>
+          <a:fillRef idx="1">
+            <a:schemeClr val="accent1"/>
+          </a:fillRef>
+          <a:effectRef idx="0">
+            <a:schemeClr val="accent1"/>
+          </a:effectRef>
+          <a:fontRef idx="minor">
+            <a:schemeClr val="lt1"/>
+          </a:fontRef>
+        </p:style>
+        <p:txBody>
+          <a:bodyPr rtlCol="0" anchor="ctr"/>
+          <a:lstStyle/>
+          <a:p>
+            <a:pPr algn="ctr"/>
+            <a:r>
+              <a:rPr lang="en-IN" b="1" dirty="0"/>
+              <a:t>Server-Side App</a:t>
+            </a:r>
+          </a:p>
+          <a:p>
+            <a:pPr algn="ctr"/>
+            <a:r>
+              <a:rPr lang="en-IN" b="1" dirty="0"/>
+              <a:t>ASP.NET MVC</a:t>
+            </a:r>
+            <a:endParaRPr lang="en-US" b="1" dirty="0"/>
+          </a:p>
+        </p:txBody>
+      </p:sp>
+      <p:sp>
+        <p:nvSpPr>
+          <p:cNvPr id="3" name="Rectangle 2">
+            <a:extLst>
+              <a:ext uri="{FF2B5EF4-FFF2-40B4-BE49-F238E27FC236}">
+                <a16:creationId xmlns:a16="http://schemas.microsoft.com/office/drawing/2014/main" id="{5BEDAFFD-8F24-2321-1927-DBF93409C9F4}"/>
+              </a:ext>
+            </a:extLst>
+          </p:cNvPr>
+          <p:cNvSpPr/>
+          <p:nvPr/>
+        </p:nvSpPr>
+        <p:spPr>
+          <a:xfrm>
+            <a:off x="550506" y="1390261"/>
+            <a:ext cx="1866123" cy="1604865"/>
+          </a:xfrm>
+          <a:prstGeom prst="rect">
+            <a:avLst/>
+          </a:prstGeom>
+        </p:spPr>
+        <p:style>
+          <a:lnRef idx="2">
+            <a:schemeClr val="accent6"/>
+          </a:lnRef>
+          <a:fillRef idx="1">
+            <a:schemeClr val="lt1"/>
+          </a:fillRef>
+          <a:effectRef idx="0">
+            <a:schemeClr val="accent6"/>
+          </a:effectRef>
+          <a:fontRef idx="minor">
+            <a:schemeClr val="dk1"/>
+          </a:fontRef>
+        </p:style>
+        <p:txBody>
+          <a:bodyPr rtlCol="0" anchor="ctr"/>
+          <a:lstStyle/>
+          <a:p>
+            <a:pPr algn="ctr"/>
+            <a:r>
+              <a:rPr lang="en-IN" b="1" dirty="0"/>
+              <a:t>Browser</a:t>
+            </a:r>
+            <a:endParaRPr lang="en-US" b="1" dirty="0"/>
+          </a:p>
+        </p:txBody>
+      </p:sp>
+      <p:sp>
+        <p:nvSpPr>
+          <p:cNvPr id="4" name="Arrow: Right 3">
+            <a:extLst>
+              <a:ext uri="{FF2B5EF4-FFF2-40B4-BE49-F238E27FC236}">
+                <a16:creationId xmlns:a16="http://schemas.microsoft.com/office/drawing/2014/main" id="{91F6C979-D6C1-8484-482A-A908209B4561}"/>
+              </a:ext>
+            </a:extLst>
+          </p:cNvPr>
+          <p:cNvSpPr/>
+          <p:nvPr/>
+        </p:nvSpPr>
+        <p:spPr>
+          <a:xfrm>
+            <a:off x="2416629" y="1390261"/>
+            <a:ext cx="4497355" cy="606490"/>
+          </a:xfrm>
+          <a:prstGeom prst="rightArrow">
+            <a:avLst/>
+          </a:prstGeom>
+        </p:spPr>
+        <p:style>
+          <a:lnRef idx="2">
+            <a:schemeClr val="accent1">
+              <a:shade val="50000"/>
+            </a:schemeClr>
+          </a:lnRef>
+          <a:fillRef idx="1">
+            <a:schemeClr val="accent1"/>
+          </a:fillRef>
+          <a:effectRef idx="0">
+            <a:schemeClr val="accent1"/>
+          </a:effectRef>
+          <a:fontRef idx="minor">
+            <a:schemeClr val="lt1"/>
+          </a:fontRef>
+        </p:style>
+        <p:txBody>
+          <a:bodyPr rtlCol="0" anchor="ctr"/>
+          <a:lstStyle/>
+          <a:p>
+            <a:pPr algn="ctr"/>
+            <a:r>
+              <a:rPr lang="en-IN" dirty="0"/>
+              <a:t>Request</a:t>
+            </a:r>
+            <a:endParaRPr lang="en-US" dirty="0"/>
+          </a:p>
+        </p:txBody>
+      </p:sp>
+      <p:sp>
+        <p:nvSpPr>
+          <p:cNvPr id="5" name="Arrow: Left 4">
+            <a:extLst>
+              <a:ext uri="{FF2B5EF4-FFF2-40B4-BE49-F238E27FC236}">
+                <a16:creationId xmlns:a16="http://schemas.microsoft.com/office/drawing/2014/main" id="{147D2AD5-AB69-1D68-9FB3-BB6590538DA4}"/>
+              </a:ext>
+            </a:extLst>
+          </p:cNvPr>
+          <p:cNvSpPr/>
+          <p:nvPr/>
+        </p:nvSpPr>
+        <p:spPr>
+          <a:xfrm>
+            <a:off x="2416629" y="2160037"/>
+            <a:ext cx="4497355" cy="606490"/>
+          </a:xfrm>
+          <a:prstGeom prst="leftArrow">
+            <a:avLst/>
+          </a:prstGeom>
+        </p:spPr>
+        <p:style>
+          <a:lnRef idx="2">
+            <a:schemeClr val="accent1">
+              <a:shade val="50000"/>
+            </a:schemeClr>
+          </a:lnRef>
+          <a:fillRef idx="1">
+            <a:schemeClr val="accent1"/>
+          </a:fillRef>
+          <a:effectRef idx="0">
+            <a:schemeClr val="accent1"/>
+          </a:effectRef>
+          <a:fontRef idx="minor">
+            <a:schemeClr val="lt1"/>
+          </a:fontRef>
+        </p:style>
+        <p:txBody>
+          <a:bodyPr rtlCol="0" anchor="ctr"/>
+          <a:lstStyle/>
+          <a:p>
+            <a:pPr algn="ctr"/>
+            <a:r>
+              <a:rPr lang="en-IN" dirty="0"/>
+              <a:t>Response of View in HTML + JS + CSS</a:t>
+            </a:r>
+            <a:endParaRPr lang="en-US" dirty="0"/>
+          </a:p>
+        </p:txBody>
+      </p:sp>
+      <p:sp>
+        <p:nvSpPr>
+          <p:cNvPr id="6" name="TextBox 5">
+            <a:extLst>
+              <a:ext uri="{FF2B5EF4-FFF2-40B4-BE49-F238E27FC236}">
+                <a16:creationId xmlns:a16="http://schemas.microsoft.com/office/drawing/2014/main" id="{6F1B3C46-64CF-D521-E2F8-B450307171A0}"/>
+              </a:ext>
+            </a:extLst>
+          </p:cNvPr>
+          <p:cNvSpPr txBox="1"/>
+          <p:nvPr/>
+        </p:nvSpPr>
+        <p:spPr>
+          <a:xfrm>
+            <a:off x="6979298" y="457200"/>
+            <a:ext cx="3340359" cy="369332"/>
+          </a:xfrm>
+          <a:prstGeom prst="rect">
+            <a:avLst/>
+          </a:prstGeom>
+          <a:noFill/>
+        </p:spPr>
+        <p:txBody>
+          <a:bodyPr wrap="square" rtlCol="0">
+            <a:spAutoFit/>
+          </a:bodyPr>
+          <a:lstStyle/>
+          <a:p>
+            <a:pPr algn="ctr"/>
+            <a:r>
+              <a:rPr lang="en-IN" dirty="0"/>
+              <a:t>www.xyz.com</a:t>
+            </a:r>
+            <a:endParaRPr lang="en-US" dirty="0"/>
+          </a:p>
+        </p:txBody>
+      </p:sp>
+      <p:sp>
+        <p:nvSpPr>
+          <p:cNvPr id="7" name="TextBox 6">
+            <a:extLst>
+              <a:ext uri="{FF2B5EF4-FFF2-40B4-BE49-F238E27FC236}">
+                <a16:creationId xmlns:a16="http://schemas.microsoft.com/office/drawing/2014/main" id="{178A4041-E949-11E3-A0FF-E59AF8289903}"/>
+              </a:ext>
+            </a:extLst>
+          </p:cNvPr>
+          <p:cNvSpPr txBox="1"/>
+          <p:nvPr/>
+        </p:nvSpPr>
+        <p:spPr>
+          <a:xfrm>
+            <a:off x="279918" y="826532"/>
+            <a:ext cx="4497355" cy="369332"/>
+          </a:xfrm>
+          <a:prstGeom prst="rect">
+            <a:avLst/>
+          </a:prstGeom>
+          <a:noFill/>
+        </p:spPr>
+        <p:txBody>
+          <a:bodyPr wrap="square" rtlCol="0">
+            <a:spAutoFit/>
+          </a:bodyPr>
+          <a:lstStyle/>
+          <a:p>
+            <a:r>
+              <a:rPr lang="en-IN" dirty="0"/>
+              <a:t>http://www.xyz.com</a:t>
+            </a:r>
+            <a:endParaRPr lang="en-US" dirty="0"/>
+          </a:p>
+        </p:txBody>
+      </p:sp>
+      <p:sp>
+        <p:nvSpPr>
+          <p:cNvPr id="8" name="Rectangle: Rounded Corners 7">
+            <a:extLst>
+              <a:ext uri="{FF2B5EF4-FFF2-40B4-BE49-F238E27FC236}">
+                <a16:creationId xmlns:a16="http://schemas.microsoft.com/office/drawing/2014/main" id="{65FBC3D9-7BFD-01D5-7610-5043FF12603B}"/>
+              </a:ext>
+            </a:extLst>
+          </p:cNvPr>
+          <p:cNvSpPr/>
+          <p:nvPr/>
+        </p:nvSpPr>
+        <p:spPr>
+          <a:xfrm>
+            <a:off x="348342" y="3189523"/>
+            <a:ext cx="1315617" cy="1457122"/>
+          </a:xfrm>
+          <a:prstGeom prst="roundRect">
+            <a:avLst/>
+          </a:prstGeom>
+        </p:spPr>
+        <p:style>
+          <a:lnRef idx="2">
+            <a:schemeClr val="accent1">
+              <a:shade val="50000"/>
+            </a:schemeClr>
+          </a:lnRef>
+          <a:fillRef idx="1">
+            <a:schemeClr val="accent1"/>
+          </a:fillRef>
+          <a:effectRef idx="0">
+            <a:schemeClr val="accent1"/>
+          </a:effectRef>
+          <a:fontRef idx="minor">
+            <a:schemeClr val="lt1"/>
+          </a:fontRef>
+        </p:style>
+        <p:txBody>
+          <a:bodyPr rtlCol="0" anchor="ctr"/>
+          <a:lstStyle/>
+          <a:p>
+            <a:pPr algn="ctr"/>
+            <a:r>
+              <a:rPr lang="en-IN" dirty="0"/>
+              <a:t>Mobile</a:t>
+            </a:r>
+          </a:p>
+          <a:p>
+            <a:pPr algn="ctr"/>
+            <a:r>
+              <a:rPr lang="en-IN" dirty="0"/>
+              <a:t>Client with Mobile Web Sites</a:t>
+            </a:r>
+            <a:endParaRPr lang="en-US" dirty="0"/>
+          </a:p>
+        </p:txBody>
+      </p:sp>
+      <p:sp>
+        <p:nvSpPr>
+          <p:cNvPr id="9" name="Arrow: Right 8">
+            <a:extLst>
+              <a:ext uri="{FF2B5EF4-FFF2-40B4-BE49-F238E27FC236}">
+                <a16:creationId xmlns:a16="http://schemas.microsoft.com/office/drawing/2014/main" id="{530C7F52-FB7C-FE5D-FF07-2E61C5FB1A98}"/>
+              </a:ext>
+            </a:extLst>
+          </p:cNvPr>
+          <p:cNvSpPr/>
+          <p:nvPr/>
+        </p:nvSpPr>
+        <p:spPr>
+          <a:xfrm>
+            <a:off x="1663959" y="3189523"/>
+            <a:ext cx="5250025" cy="606490"/>
+          </a:xfrm>
+          <a:prstGeom prst="rightArrow">
+            <a:avLst/>
+          </a:prstGeom>
+        </p:spPr>
+        <p:style>
+          <a:lnRef idx="2">
+            <a:schemeClr val="accent1">
+              <a:shade val="50000"/>
+            </a:schemeClr>
+          </a:lnRef>
+          <a:fillRef idx="1">
+            <a:schemeClr val="accent1"/>
+          </a:fillRef>
+          <a:effectRef idx="0">
+            <a:schemeClr val="accent1"/>
+          </a:effectRef>
+          <a:fontRef idx="minor">
+            <a:schemeClr val="lt1"/>
+          </a:fontRef>
+        </p:style>
+        <p:txBody>
+          <a:bodyPr rtlCol="0" anchor="ctr"/>
+          <a:lstStyle/>
+          <a:p>
+            <a:pPr algn="ctr"/>
+            <a:r>
+              <a:rPr lang="en-IN" dirty="0"/>
+              <a:t>Request</a:t>
+            </a:r>
+            <a:endParaRPr lang="en-US" dirty="0"/>
+          </a:p>
+        </p:txBody>
+      </p:sp>
+      <p:sp>
+        <p:nvSpPr>
+          <p:cNvPr id="10" name="Arrow: Left 9">
+            <a:extLst>
+              <a:ext uri="{FF2B5EF4-FFF2-40B4-BE49-F238E27FC236}">
+                <a16:creationId xmlns:a16="http://schemas.microsoft.com/office/drawing/2014/main" id="{E9BB26F8-E48F-B1C1-7AA5-B74CD64F39FC}"/>
+              </a:ext>
+            </a:extLst>
+          </p:cNvPr>
+          <p:cNvSpPr/>
+          <p:nvPr/>
+        </p:nvSpPr>
+        <p:spPr>
+          <a:xfrm>
+            <a:off x="1663959" y="3959299"/>
+            <a:ext cx="5250025" cy="606490"/>
+          </a:xfrm>
+          <a:prstGeom prst="leftArrow">
+            <a:avLst/>
+          </a:prstGeom>
+        </p:spPr>
+        <p:style>
+          <a:lnRef idx="2">
+            <a:schemeClr val="accent1">
+              <a:shade val="50000"/>
+            </a:schemeClr>
+          </a:lnRef>
+          <a:fillRef idx="1">
+            <a:schemeClr val="accent1"/>
+          </a:fillRef>
+          <a:effectRef idx="0">
+            <a:schemeClr val="accent1"/>
+          </a:effectRef>
+          <a:fontRef idx="minor">
+            <a:schemeClr val="lt1"/>
+          </a:fontRef>
+        </p:style>
+        <p:txBody>
+          <a:bodyPr rtlCol="0" anchor="ctr"/>
+          <a:lstStyle/>
+          <a:p>
+            <a:pPr algn="ctr"/>
+            <a:r>
+              <a:rPr lang="en-IN" dirty="0"/>
+              <a:t>Response of View in HTML + JS + CSS</a:t>
+            </a:r>
+            <a:endParaRPr lang="en-US" dirty="0"/>
+          </a:p>
+        </p:txBody>
+      </p:sp>
+      <p:sp>
+        <p:nvSpPr>
+          <p:cNvPr id="11" name="Rectangle: Rounded Corners 10">
+            <a:extLst>
+              <a:ext uri="{FF2B5EF4-FFF2-40B4-BE49-F238E27FC236}">
+                <a16:creationId xmlns:a16="http://schemas.microsoft.com/office/drawing/2014/main" id="{4528530A-9E6F-2FD2-4721-12282B2E4CBC}"/>
+              </a:ext>
+            </a:extLst>
+          </p:cNvPr>
+          <p:cNvSpPr/>
+          <p:nvPr/>
+        </p:nvSpPr>
+        <p:spPr>
+          <a:xfrm>
+            <a:off x="279918" y="5029200"/>
+            <a:ext cx="1940768" cy="1611104"/>
+          </a:xfrm>
+          <a:prstGeom prst="roundRect">
+            <a:avLst/>
+          </a:prstGeom>
+        </p:spPr>
+        <p:style>
+          <a:lnRef idx="1">
+            <a:schemeClr val="accent3"/>
+          </a:lnRef>
+          <a:fillRef idx="2">
+            <a:schemeClr val="accent3"/>
+          </a:fillRef>
+          <a:effectRef idx="1">
+            <a:schemeClr val="accent3"/>
+          </a:effectRef>
+          <a:fontRef idx="minor">
+            <a:schemeClr val="dk1"/>
+          </a:fontRef>
+        </p:style>
+        <p:txBody>
+          <a:bodyPr rtlCol="0" anchor="ctr"/>
+          <a:lstStyle/>
+          <a:p>
+            <a:pPr algn="ctr"/>
+            <a:r>
+              <a:rPr lang="en-IN" b="1" dirty="0"/>
+              <a:t>Front-End Isolated Apps those are loaded in Browser i.e.</a:t>
+            </a:r>
+          </a:p>
+          <a:p>
+            <a:pPr algn="ctr"/>
+            <a:r>
+              <a:rPr lang="en-IN" b="1" dirty="0"/>
+              <a:t>JavaScript Apps</a:t>
+            </a:r>
+            <a:endParaRPr lang="en-US" b="1" dirty="0"/>
+          </a:p>
+        </p:txBody>
+      </p:sp>
+      <p:sp>
+        <p:nvSpPr>
+          <p:cNvPr id="12" name="Rectangle: Rounded Corners 11">
+            <a:extLst>
+              <a:ext uri="{FF2B5EF4-FFF2-40B4-BE49-F238E27FC236}">
+                <a16:creationId xmlns:a16="http://schemas.microsoft.com/office/drawing/2014/main" id="{D844A8EE-B5D6-9B36-2CC6-7AA00CBCB912}"/>
+              </a:ext>
+            </a:extLst>
+          </p:cNvPr>
+          <p:cNvSpPr/>
+          <p:nvPr/>
+        </p:nvSpPr>
+        <p:spPr>
+          <a:xfrm>
+            <a:off x="9549882" y="5327780"/>
+            <a:ext cx="2164702" cy="1312524"/>
+          </a:xfrm>
+          <a:prstGeom prst="roundRect">
+            <a:avLst/>
+          </a:prstGeom>
+        </p:spPr>
+        <p:style>
+          <a:lnRef idx="1">
+            <a:schemeClr val="accent5"/>
+          </a:lnRef>
+          <a:fillRef idx="2">
+            <a:schemeClr val="accent5"/>
+          </a:fillRef>
+          <a:effectRef idx="1">
+            <a:schemeClr val="accent5"/>
+          </a:effectRef>
+          <a:fontRef idx="minor">
+            <a:schemeClr val="dk1"/>
+          </a:fontRef>
+        </p:style>
+        <p:txBody>
+          <a:bodyPr rtlCol="0" anchor="ctr"/>
+          <a:lstStyle/>
+          <a:p>
+            <a:pPr algn="ctr"/>
+            <a:r>
+              <a:rPr lang="en-IN" b="1" dirty="0"/>
+              <a:t>Cross Platform Mobile Native Apps</a:t>
+            </a:r>
+            <a:endParaRPr lang="en-US" b="1" dirty="0"/>
+          </a:p>
+        </p:txBody>
+      </p:sp>
+      <p:sp>
+        <p:nvSpPr>
+          <p:cNvPr id="13" name="Rectangle 12">
+            <a:extLst>
+              <a:ext uri="{FF2B5EF4-FFF2-40B4-BE49-F238E27FC236}">
+                <a16:creationId xmlns:a16="http://schemas.microsoft.com/office/drawing/2014/main" id="{3ECC9271-24E2-0072-7039-0900746DFCE6}"/>
+              </a:ext>
+            </a:extLst>
+          </p:cNvPr>
+          <p:cNvSpPr/>
+          <p:nvPr/>
+        </p:nvSpPr>
+        <p:spPr>
+          <a:xfrm>
+            <a:off x="4665306" y="4861248"/>
+            <a:ext cx="1959429" cy="1418253"/>
+          </a:xfrm>
+          <a:prstGeom prst="rect">
+            <a:avLst/>
+          </a:prstGeom>
+          <a:solidFill>
+            <a:srgbClr val="7030A0"/>
+          </a:solidFill>
+        </p:spPr>
+        <p:style>
+          <a:lnRef idx="2">
+            <a:schemeClr val="accent1">
+              <a:shade val="50000"/>
+            </a:schemeClr>
+          </a:lnRef>
+          <a:fillRef idx="1">
+            <a:schemeClr val="accent1"/>
+          </a:fillRef>
+          <a:effectRef idx="0">
+            <a:schemeClr val="accent1"/>
+          </a:effectRef>
+          <a:fontRef idx="minor">
+            <a:schemeClr val="lt1"/>
+          </a:fontRef>
+        </p:style>
+        <p:txBody>
+          <a:bodyPr rtlCol="0" anchor="ctr"/>
+          <a:lstStyle/>
+          <a:p>
+            <a:pPr algn="ctr"/>
+            <a:r>
+              <a:rPr lang="en-IN" b="1" dirty="0"/>
+              <a:t>REST APIs for Data Communication</a:t>
+            </a:r>
+            <a:endParaRPr lang="en-US" b="1" dirty="0"/>
+          </a:p>
+        </p:txBody>
+      </p:sp>
+      <p:sp>
+        <p:nvSpPr>
+          <p:cNvPr id="14" name="Arrow: Left-Up 13">
+            <a:extLst>
+              <a:ext uri="{FF2B5EF4-FFF2-40B4-BE49-F238E27FC236}">
+                <a16:creationId xmlns:a16="http://schemas.microsoft.com/office/drawing/2014/main" id="{039992FC-2EAE-00AC-C72E-39B64B9396BB}"/>
+              </a:ext>
+            </a:extLst>
+          </p:cNvPr>
+          <p:cNvSpPr/>
+          <p:nvPr/>
+        </p:nvSpPr>
+        <p:spPr>
+          <a:xfrm>
+            <a:off x="6624735" y="4646645"/>
+            <a:ext cx="1315617" cy="951722"/>
+          </a:xfrm>
+          <a:prstGeom prst="leftUpArrow">
+            <a:avLst/>
+          </a:prstGeom>
+        </p:spPr>
+        <p:style>
+          <a:lnRef idx="2">
+            <a:schemeClr val="accent1">
+              <a:shade val="50000"/>
+            </a:schemeClr>
+          </a:lnRef>
+          <a:fillRef idx="1">
+            <a:schemeClr val="accent1"/>
+          </a:fillRef>
+          <a:effectRef idx="0">
+            <a:schemeClr val="accent1"/>
+          </a:effectRef>
+          <a:fontRef idx="minor">
+            <a:schemeClr val="lt1"/>
+          </a:fontRef>
+        </p:style>
+        <p:txBody>
+          <a:bodyPr rtlCol="0" anchor="ctr"/>
+          <a:lstStyle/>
+          <a:p>
+            <a:pPr algn="ctr"/>
+            <a:endParaRPr lang="en-US"/>
+          </a:p>
+        </p:txBody>
+      </p:sp>
+      <p:cxnSp>
+        <p:nvCxnSpPr>
+          <p:cNvPr id="16" name="Connector: Elbow 15">
+            <a:extLst>
+              <a:ext uri="{FF2B5EF4-FFF2-40B4-BE49-F238E27FC236}">
+                <a16:creationId xmlns:a16="http://schemas.microsoft.com/office/drawing/2014/main" id="{A98E3DB0-AFC3-7309-9153-C4DE307A7939}"/>
+              </a:ext>
+            </a:extLst>
+          </p:cNvPr>
+          <p:cNvCxnSpPr>
+            <a:stCxn id="13" idx="1"/>
+            <a:endCxn id="11" idx="3"/>
+          </p:cNvCxnSpPr>
+          <p:nvPr/>
+        </p:nvCxnSpPr>
+        <p:spPr>
+          <a:xfrm rot="10800000" flipV="1">
+            <a:off x="2220686" y="5570374"/>
+            <a:ext cx="2444620" cy="264377"/>
+          </a:xfrm>
+          <a:prstGeom prst="bentConnector3">
+            <a:avLst/>
+          </a:prstGeom>
+          <a:ln w="76200">
+            <a:solidFill>
+              <a:srgbClr val="FF0000"/>
+            </a:solidFill>
+            <a:headEnd type="triangle"/>
+            <a:tailEnd type="triangle"/>
+          </a:ln>
+        </p:spPr>
+        <p:style>
+          <a:lnRef idx="1">
+            <a:schemeClr val="accent1"/>
+          </a:lnRef>
+          <a:fillRef idx="0">
+            <a:schemeClr val="accent1"/>
+          </a:fillRef>
+          <a:effectRef idx="0">
+            <a:schemeClr val="accent1"/>
+          </a:effectRef>
+          <a:fontRef idx="minor">
+            <a:schemeClr val="tx1"/>
+          </a:fontRef>
+        </p:style>
+      </p:cxnSp>
+      <p:cxnSp>
+        <p:nvCxnSpPr>
+          <p:cNvPr id="18" name="Connector: Elbow 17">
+            <a:extLst>
+              <a:ext uri="{FF2B5EF4-FFF2-40B4-BE49-F238E27FC236}">
+                <a16:creationId xmlns:a16="http://schemas.microsoft.com/office/drawing/2014/main" id="{414F7B3C-4BE3-9DBD-7296-986064078AAA}"/>
+              </a:ext>
+            </a:extLst>
+          </p:cNvPr>
+          <p:cNvCxnSpPr>
+            <a:stCxn id="13" idx="2"/>
+            <a:endCxn id="12" idx="1"/>
+          </p:cNvCxnSpPr>
+          <p:nvPr/>
+        </p:nvCxnSpPr>
+        <p:spPr>
+          <a:xfrm rot="5400000" flipH="1" flipV="1">
+            <a:off x="7449721" y="4179341"/>
+            <a:ext cx="295459" cy="3904861"/>
+          </a:xfrm>
+          <a:prstGeom prst="bentConnector4">
+            <a:avLst>
+              <a:gd name="adj1" fmla="val -77371"/>
+              <a:gd name="adj2" fmla="val 62545"/>
+            </a:avLst>
+          </a:prstGeom>
+          <a:ln w="76200">
+            <a:solidFill>
+              <a:srgbClr val="FF0000"/>
+            </a:solidFill>
+            <a:headEnd type="triangle"/>
+            <a:tailEnd type="triangle"/>
+          </a:ln>
+        </p:spPr>
+        <p:style>
+          <a:lnRef idx="1">
+            <a:schemeClr val="accent1"/>
+          </a:lnRef>
+          <a:fillRef idx="0">
+            <a:schemeClr val="accent1"/>
+          </a:fillRef>
+          <a:effectRef idx="0">
+            <a:schemeClr val="accent1"/>
+          </a:effectRef>
+          <a:fontRef idx="minor">
+            <a:schemeClr val="tx1"/>
+          </a:fontRef>
+        </p:style>
+      </p:cxnSp>
+    </p:spTree>
+    <p:extLst>
+      <p:ext uri="{BB962C8B-B14F-4D97-AF65-F5344CB8AC3E}">
+        <p14:creationId xmlns:p14="http://schemas.microsoft.com/office/powerpoint/2010/main" val="1948470992"/>
+      </p:ext>
+    </p:extLst>
+  </p:cSld>
+  <p:clrMapOvr>
+    <a:masterClrMapping/>
+  </p:clrMapOvr>
+</p:sld>
+</file>
+
+<file path=ppt/slides/slide32.xml><?xml version="1.0" encoding="utf-8"?>
+<p:sld xmlns:a="http://schemas.openxmlformats.org/drawingml/2006/main" xmlns:r="http://schemas.openxmlformats.org/officeDocument/2006/relationships" xmlns:p="http://schemas.openxmlformats.org/presentationml/2006/main">
+  <p:cSld>
+    <p:spTree>
+      <p:nvGrpSpPr>
+        <p:cNvPr id="1" name=""/>
+        <p:cNvGrpSpPr/>
+        <p:nvPr/>
+      </p:nvGrpSpPr>
+      <p:grpSpPr>
+        <a:xfrm>
+          <a:off x="0" y="0"/>
+          <a:ext cx="0" cy="0"/>
+          <a:chOff x="0" y="0"/>
+          <a:chExt cx="0" cy="0"/>
+        </a:xfrm>
+      </p:grpSpPr>
+      <p:sp>
+        <p:nvSpPr>
+          <p:cNvPr id="2" name="Oval 1">
+            <a:extLst>
+              <a:ext uri="{FF2B5EF4-FFF2-40B4-BE49-F238E27FC236}">
+                <a16:creationId xmlns:a16="http://schemas.microsoft.com/office/drawing/2014/main" id="{387FFEC1-333A-D5C3-371B-848E9F4C002C}"/>
+              </a:ext>
+            </a:extLst>
+          </p:cNvPr>
+          <p:cNvSpPr/>
+          <p:nvPr/>
+        </p:nvSpPr>
+        <p:spPr>
+          <a:xfrm>
+            <a:off x="7371184" y="1166327"/>
+            <a:ext cx="1838130" cy="1418253"/>
+          </a:xfrm>
+          <a:prstGeom prst="ellipse">
+            <a:avLst/>
+          </a:prstGeom>
+        </p:spPr>
+        <p:style>
+          <a:lnRef idx="2">
+            <a:schemeClr val="accent1">
+              <a:shade val="50000"/>
+            </a:schemeClr>
+          </a:lnRef>
+          <a:fillRef idx="1">
+            <a:schemeClr val="accent1"/>
+          </a:fillRef>
+          <a:effectRef idx="0">
+            <a:schemeClr val="accent1"/>
+          </a:effectRef>
+          <a:fontRef idx="minor">
+            <a:schemeClr val="lt1"/>
+          </a:fontRef>
+        </p:style>
+        <p:txBody>
+          <a:bodyPr rtlCol="0" anchor="ctr"/>
+          <a:lstStyle/>
+          <a:p>
+            <a:pPr algn="ctr"/>
+            <a:r>
+              <a:rPr lang="en-IN" dirty="0"/>
+              <a:t>ObjectA</a:t>
+            </a:r>
+            <a:endParaRPr lang="en-US" dirty="0"/>
+          </a:p>
+        </p:txBody>
+      </p:sp>
+      <p:sp>
+        <p:nvSpPr>
+          <p:cNvPr id="3" name="Rectangle: Rounded Corners 2">
+            <a:extLst>
+              <a:ext uri="{FF2B5EF4-FFF2-40B4-BE49-F238E27FC236}">
+                <a16:creationId xmlns:a16="http://schemas.microsoft.com/office/drawing/2014/main" id="{C27C7D8C-5FF3-120C-1BA4-CE039F92F24A}"/>
+              </a:ext>
+            </a:extLst>
+          </p:cNvPr>
+          <p:cNvSpPr/>
+          <p:nvPr/>
+        </p:nvSpPr>
+        <p:spPr>
+          <a:xfrm>
+            <a:off x="438539" y="1138335"/>
+            <a:ext cx="2425959" cy="3722915"/>
+          </a:xfrm>
+          <a:prstGeom prst="roundRect">
+            <a:avLst/>
+          </a:prstGeom>
+        </p:spPr>
+        <p:style>
+          <a:lnRef idx="1">
+            <a:schemeClr val="accent3"/>
+          </a:lnRef>
+          <a:fillRef idx="2">
+            <a:schemeClr val="accent3"/>
+          </a:fillRef>
+          <a:effectRef idx="1">
+            <a:schemeClr val="accent3"/>
+          </a:effectRef>
+          <a:fontRef idx="minor">
+            <a:schemeClr val="dk1"/>
+          </a:fontRef>
+        </p:style>
+        <p:txBody>
+          <a:bodyPr rtlCol="0" anchor="ctr"/>
+          <a:lstStyle/>
+          <a:p>
+            <a:pPr algn="ctr"/>
+            <a:endParaRPr lang="en-US"/>
+          </a:p>
+        </p:txBody>
+      </p:sp>
+      <p:sp>
+        <p:nvSpPr>
+          <p:cNvPr id="4" name="TextBox 3">
+            <a:extLst>
+              <a:ext uri="{FF2B5EF4-FFF2-40B4-BE49-F238E27FC236}">
+                <a16:creationId xmlns:a16="http://schemas.microsoft.com/office/drawing/2014/main" id="{F9C266C1-C4D4-14C5-5E60-32489209A0A2}"/>
+              </a:ext>
+            </a:extLst>
+          </p:cNvPr>
+          <p:cNvSpPr txBox="1"/>
+          <p:nvPr/>
+        </p:nvSpPr>
+        <p:spPr>
+          <a:xfrm>
+            <a:off x="317241" y="681135"/>
+            <a:ext cx="2528596" cy="369332"/>
+          </a:xfrm>
+          <a:prstGeom prst="rect">
+            <a:avLst/>
+          </a:prstGeom>
+          <a:noFill/>
+        </p:spPr>
+        <p:txBody>
+          <a:bodyPr wrap="square" rtlCol="0">
+            <a:spAutoFit/>
+          </a:bodyPr>
+          <a:lstStyle/>
+          <a:p>
+            <a:pPr algn="ctr"/>
+            <a:r>
+              <a:rPr lang="en-IN" b="1" dirty="0"/>
+              <a:t>Client App</a:t>
+            </a:r>
+            <a:endParaRPr lang="en-US" b="1" dirty="0"/>
+          </a:p>
+        </p:txBody>
+      </p:sp>
+      <p:sp>
+        <p:nvSpPr>
+          <p:cNvPr id="5" name="TextBox 4">
+            <a:extLst>
+              <a:ext uri="{FF2B5EF4-FFF2-40B4-BE49-F238E27FC236}">
+                <a16:creationId xmlns:a16="http://schemas.microsoft.com/office/drawing/2014/main" id="{6339D525-66B5-9EE3-9802-9C3AB721ECA4}"/>
+              </a:ext>
+            </a:extLst>
+          </p:cNvPr>
+          <p:cNvSpPr txBox="1"/>
+          <p:nvPr/>
+        </p:nvSpPr>
+        <p:spPr>
+          <a:xfrm>
+            <a:off x="438539" y="1670180"/>
+            <a:ext cx="2407298" cy="307777"/>
+          </a:xfrm>
+          <a:prstGeom prst="rect">
+            <a:avLst/>
+          </a:prstGeom>
+          <a:noFill/>
+        </p:spPr>
+        <p:txBody>
+          <a:bodyPr wrap="square" rtlCol="0">
+            <a:spAutoFit/>
+          </a:bodyPr>
+          <a:lstStyle/>
+          <a:p>
+            <a:r>
+              <a:rPr lang="en-IN" sz="1400" b="1" dirty="0"/>
+              <a:t>ObjectA o = new ObjectA();</a:t>
+            </a:r>
+            <a:endParaRPr lang="en-US" sz="1400" b="1" dirty="0"/>
+          </a:p>
+        </p:txBody>
+      </p:sp>
+      <p:cxnSp>
+        <p:nvCxnSpPr>
+          <p:cNvPr id="7" name="Connector: Elbow 6">
+            <a:extLst>
+              <a:ext uri="{FF2B5EF4-FFF2-40B4-BE49-F238E27FC236}">
+                <a16:creationId xmlns:a16="http://schemas.microsoft.com/office/drawing/2014/main" id="{890C1509-8FF2-3111-E47C-986B2CDF0314}"/>
+              </a:ext>
+            </a:extLst>
+          </p:cNvPr>
+          <p:cNvCxnSpPr>
+            <a:stCxn id="2" idx="2"/>
+            <a:endCxn id="5" idx="3"/>
+          </p:cNvCxnSpPr>
+          <p:nvPr/>
+        </p:nvCxnSpPr>
+        <p:spPr>
+          <a:xfrm rot="10800000">
+            <a:off x="2845838" y="1824070"/>
+            <a:ext cx="4525347" cy="51385"/>
+          </a:xfrm>
+          <a:prstGeom prst="bentConnector3">
+            <a:avLst/>
+          </a:prstGeom>
+          <a:ln>
+            <a:headEnd type="triangle"/>
+            <a:tailEnd type="triangle"/>
+          </a:ln>
+        </p:spPr>
+        <p:style>
+          <a:lnRef idx="1">
+            <a:schemeClr val="accent1"/>
+          </a:lnRef>
+          <a:fillRef idx="0">
+            <a:schemeClr val="accent1"/>
+          </a:fillRef>
+          <a:effectRef idx="0">
+            <a:schemeClr val="accent1"/>
+          </a:effectRef>
+          <a:fontRef idx="minor">
+            <a:schemeClr val="tx1"/>
+          </a:fontRef>
+        </p:style>
+      </p:cxnSp>
+      <p:sp>
+        <p:nvSpPr>
+          <p:cNvPr id="8" name="Oval 7">
+            <a:extLst>
+              <a:ext uri="{FF2B5EF4-FFF2-40B4-BE49-F238E27FC236}">
+                <a16:creationId xmlns:a16="http://schemas.microsoft.com/office/drawing/2014/main" id="{796D967B-40B0-DEC1-F734-FC1E384C2FC6}"/>
+              </a:ext>
+            </a:extLst>
+          </p:cNvPr>
+          <p:cNvSpPr/>
+          <p:nvPr/>
+        </p:nvSpPr>
+        <p:spPr>
+          <a:xfrm>
+            <a:off x="7371184" y="2999792"/>
+            <a:ext cx="1838130" cy="1418253"/>
+          </a:xfrm>
+          <a:prstGeom prst="ellipse">
+            <a:avLst/>
+          </a:prstGeom>
+        </p:spPr>
+        <p:style>
+          <a:lnRef idx="2">
+            <a:schemeClr val="accent1">
+              <a:shade val="50000"/>
+            </a:schemeClr>
+          </a:lnRef>
+          <a:fillRef idx="1">
+            <a:schemeClr val="accent1"/>
+          </a:fillRef>
+          <a:effectRef idx="0">
+            <a:schemeClr val="accent1"/>
+          </a:effectRef>
+          <a:fontRef idx="minor">
+            <a:schemeClr val="lt1"/>
+          </a:fontRef>
+        </p:style>
+        <p:txBody>
+          <a:bodyPr rtlCol="0" anchor="ctr"/>
+          <a:lstStyle/>
+          <a:p>
+            <a:pPr algn="ctr"/>
+            <a:r>
+              <a:rPr lang="en-IN" dirty="0"/>
+              <a:t>ObjectB</a:t>
+            </a:r>
+            <a:endParaRPr lang="en-US" dirty="0"/>
+          </a:p>
+        </p:txBody>
+      </p:sp>
+      <p:cxnSp>
+        <p:nvCxnSpPr>
+          <p:cNvPr id="10" name="Connector: Elbow 9">
+            <a:extLst>
+              <a:ext uri="{FF2B5EF4-FFF2-40B4-BE49-F238E27FC236}">
+                <a16:creationId xmlns:a16="http://schemas.microsoft.com/office/drawing/2014/main" id="{D09BD423-1EEF-E24F-62F5-731E84797C0E}"/>
+              </a:ext>
+            </a:extLst>
+          </p:cNvPr>
+          <p:cNvCxnSpPr>
+            <a:stCxn id="8" idx="6"/>
+            <a:endCxn id="2" idx="6"/>
+          </p:cNvCxnSpPr>
+          <p:nvPr/>
+        </p:nvCxnSpPr>
+        <p:spPr>
+          <a:xfrm flipV="1">
+            <a:off x="9209314" y="1875454"/>
+            <a:ext cx="12700" cy="1833465"/>
+          </a:xfrm>
+          <a:prstGeom prst="bentConnector3">
+            <a:avLst>
+              <a:gd name="adj1" fmla="val 1800000"/>
+            </a:avLst>
+          </a:prstGeom>
+          <a:ln>
+            <a:solidFill>
+              <a:srgbClr val="FF0000"/>
+            </a:solidFill>
+            <a:headEnd type="triangle"/>
+            <a:tailEnd type="triangle"/>
+          </a:ln>
+        </p:spPr>
+        <p:style>
+          <a:lnRef idx="1">
+            <a:schemeClr val="accent1"/>
+          </a:lnRef>
+          <a:fillRef idx="0">
+            <a:schemeClr val="accent1"/>
+          </a:fillRef>
+          <a:effectRef idx="0">
+            <a:schemeClr val="accent1"/>
+          </a:effectRef>
+          <a:fontRef idx="minor">
+            <a:schemeClr val="tx1"/>
+          </a:fontRef>
+        </p:style>
+      </p:cxnSp>
+      <p:sp>
+        <p:nvSpPr>
+          <p:cNvPr id="11" name="TextBox 10">
+            <a:extLst>
+              <a:ext uri="{FF2B5EF4-FFF2-40B4-BE49-F238E27FC236}">
+                <a16:creationId xmlns:a16="http://schemas.microsoft.com/office/drawing/2014/main" id="{73CBA9A6-2AC2-31F6-311E-7D95FA73BB2E}"/>
+              </a:ext>
+            </a:extLst>
+          </p:cNvPr>
+          <p:cNvSpPr txBox="1"/>
+          <p:nvPr/>
+        </p:nvSpPr>
+        <p:spPr>
+          <a:xfrm>
+            <a:off x="1755840" y="5339141"/>
+            <a:ext cx="2179994" cy="1200329"/>
+          </a:xfrm>
+          <a:prstGeom prst="rect">
+            <a:avLst/>
+          </a:prstGeom>
+          <a:noFill/>
+        </p:spPr>
+        <p:txBody>
+          <a:bodyPr wrap="square" rtlCol="0">
+            <a:spAutoFit/>
+          </a:bodyPr>
+          <a:lstStyle/>
+          <a:p>
+            <a:r>
+              <a:rPr lang="en-IN" dirty="0" err="1"/>
+              <a:t>ObjectC</a:t>
+            </a:r>
+            <a:r>
+              <a:rPr lang="en-IN" dirty="0"/>
+              <a:t>(</a:t>
+            </a:r>
+            <a:r>
+              <a:rPr lang="en-IN" dirty="0" err="1"/>
+              <a:t>ObjectD</a:t>
+            </a:r>
+            <a:r>
+              <a:rPr lang="en-IN" dirty="0"/>
+              <a:t> a)</a:t>
+            </a:r>
+          </a:p>
+          <a:p>
+            <a:r>
+              <a:rPr lang="en-IN" dirty="0"/>
+              <a:t>{</a:t>
+            </a:r>
+          </a:p>
+          <a:p>
+            <a:r>
+              <a:rPr lang="en-IN" dirty="0"/>
+              <a:t>    </a:t>
+            </a:r>
+            <a:r>
+              <a:rPr lang="en-IN" dirty="0" err="1"/>
+              <a:t>obja</a:t>
+            </a:r>
+            <a:r>
+              <a:rPr lang="en-IN" dirty="0"/>
+              <a:t> =a;</a:t>
+            </a:r>
+          </a:p>
+          <a:p>
+            <a:r>
+              <a:rPr lang="en-IN" dirty="0"/>
+              <a:t>}</a:t>
+            </a:r>
+            <a:endParaRPr lang="en-US" dirty="0"/>
+          </a:p>
+        </p:txBody>
+      </p:sp>
+      <p:sp>
+        <p:nvSpPr>
+          <p:cNvPr id="12" name="TextBox 11">
+            <a:extLst>
+              <a:ext uri="{FF2B5EF4-FFF2-40B4-BE49-F238E27FC236}">
+                <a16:creationId xmlns:a16="http://schemas.microsoft.com/office/drawing/2014/main" id="{E2787A5F-25F1-EA82-687A-9D067E711E61}"/>
+              </a:ext>
+            </a:extLst>
+          </p:cNvPr>
+          <p:cNvSpPr txBox="1"/>
+          <p:nvPr/>
+        </p:nvSpPr>
+        <p:spPr>
+          <a:xfrm>
+            <a:off x="9327502" y="4270100"/>
+            <a:ext cx="2425959" cy="646331"/>
+          </a:xfrm>
+          <a:prstGeom prst="rect">
+            <a:avLst/>
+          </a:prstGeom>
+          <a:noFill/>
+        </p:spPr>
+        <p:txBody>
+          <a:bodyPr wrap="square" rtlCol="0">
+            <a:spAutoFit/>
+          </a:bodyPr>
+          <a:lstStyle/>
+          <a:p>
+            <a:r>
+              <a:rPr lang="en-IN" dirty="0"/>
+              <a:t>ObjectB is depending on ObjectA</a:t>
+            </a:r>
+            <a:endParaRPr lang="en-US" dirty="0"/>
+          </a:p>
+        </p:txBody>
+      </p:sp>
+      <p:sp>
+        <p:nvSpPr>
+          <p:cNvPr id="13" name="TextBox 12">
+            <a:extLst>
+              <a:ext uri="{FF2B5EF4-FFF2-40B4-BE49-F238E27FC236}">
+                <a16:creationId xmlns:a16="http://schemas.microsoft.com/office/drawing/2014/main" id="{0D6DDBC8-77FA-C071-FEFB-986254505C6C}"/>
+              </a:ext>
+            </a:extLst>
+          </p:cNvPr>
+          <p:cNvSpPr txBox="1"/>
+          <p:nvPr/>
+        </p:nvSpPr>
+        <p:spPr>
+          <a:xfrm>
+            <a:off x="457200" y="2578360"/>
+            <a:ext cx="2407298" cy="307777"/>
+          </a:xfrm>
+          <a:prstGeom prst="rect">
+            <a:avLst/>
+          </a:prstGeom>
+          <a:noFill/>
+        </p:spPr>
+        <p:txBody>
+          <a:bodyPr wrap="square" rtlCol="0">
+            <a:spAutoFit/>
+          </a:bodyPr>
+          <a:lstStyle/>
+          <a:p>
+            <a:r>
+              <a:rPr lang="en-IN" sz="1400" b="1" dirty="0"/>
+              <a:t>ObjectB </a:t>
+            </a:r>
+            <a:r>
+              <a:rPr lang="en-IN" sz="1400" b="1" dirty="0" err="1"/>
+              <a:t>ob</a:t>
+            </a:r>
+            <a:r>
+              <a:rPr lang="en-IN" sz="1400" b="1" dirty="0"/>
+              <a:t> = new ObjectB(o);</a:t>
+            </a:r>
+            <a:endParaRPr lang="en-US" sz="1400" b="1" dirty="0"/>
+          </a:p>
+        </p:txBody>
+      </p:sp>
+      <p:cxnSp>
+        <p:nvCxnSpPr>
+          <p:cNvPr id="15" name="Connector: Elbow 14">
+            <a:extLst>
+              <a:ext uri="{FF2B5EF4-FFF2-40B4-BE49-F238E27FC236}">
+                <a16:creationId xmlns:a16="http://schemas.microsoft.com/office/drawing/2014/main" id="{47A08CF8-6A00-FCBF-A87D-4B4F99981041}"/>
+              </a:ext>
+            </a:extLst>
+          </p:cNvPr>
+          <p:cNvCxnSpPr>
+            <a:stCxn id="13" idx="3"/>
+            <a:endCxn id="8" idx="2"/>
+          </p:cNvCxnSpPr>
+          <p:nvPr/>
+        </p:nvCxnSpPr>
+        <p:spPr>
+          <a:xfrm>
+            <a:off x="2864498" y="2732249"/>
+            <a:ext cx="4506686" cy="976670"/>
+          </a:xfrm>
+          <a:prstGeom prst="bentConnector3">
+            <a:avLst/>
+          </a:prstGeom>
+          <a:ln>
+            <a:headEnd type="triangle"/>
+            <a:tailEnd type="triangle"/>
+          </a:ln>
+        </p:spPr>
+        <p:style>
+          <a:lnRef idx="1">
+            <a:schemeClr val="accent1"/>
+          </a:lnRef>
+          <a:fillRef idx="0">
+            <a:schemeClr val="accent1"/>
+          </a:fillRef>
+          <a:effectRef idx="0">
+            <a:schemeClr val="accent1"/>
+          </a:effectRef>
+          <a:fontRef idx="minor">
+            <a:schemeClr val="tx1"/>
+          </a:fontRef>
+        </p:style>
+      </p:cxnSp>
+      <p:sp>
+        <p:nvSpPr>
+          <p:cNvPr id="16" name="Oval 15">
+            <a:extLst>
+              <a:ext uri="{FF2B5EF4-FFF2-40B4-BE49-F238E27FC236}">
+                <a16:creationId xmlns:a16="http://schemas.microsoft.com/office/drawing/2014/main" id="{B2424BE0-6609-A9A4-42F0-40D03057D252}"/>
+              </a:ext>
+            </a:extLst>
+          </p:cNvPr>
+          <p:cNvSpPr/>
+          <p:nvPr/>
+        </p:nvSpPr>
+        <p:spPr>
+          <a:xfrm>
+            <a:off x="4584441" y="5041049"/>
+            <a:ext cx="1838130" cy="1418253"/>
+          </a:xfrm>
+          <a:prstGeom prst="ellipse">
+            <a:avLst/>
+          </a:prstGeom>
+        </p:spPr>
+        <p:style>
+          <a:lnRef idx="2">
+            <a:schemeClr val="accent1">
+              <a:shade val="50000"/>
+            </a:schemeClr>
+          </a:lnRef>
+          <a:fillRef idx="1">
+            <a:schemeClr val="accent1"/>
+          </a:fillRef>
+          <a:effectRef idx="0">
+            <a:schemeClr val="accent1"/>
+          </a:effectRef>
+          <a:fontRef idx="minor">
+            <a:schemeClr val="lt1"/>
+          </a:fontRef>
+        </p:style>
+        <p:txBody>
+          <a:bodyPr rtlCol="0" anchor="ctr"/>
+          <a:lstStyle/>
+          <a:p>
+            <a:pPr algn="ctr"/>
+            <a:r>
+              <a:rPr lang="en-IN" dirty="0" err="1"/>
+              <a:t>ObjectC</a:t>
+            </a:r>
+            <a:endParaRPr lang="en-US" dirty="0"/>
+          </a:p>
+        </p:txBody>
+      </p:sp>
+      <p:sp>
+        <p:nvSpPr>
+          <p:cNvPr id="17" name="Oval 16">
+            <a:extLst>
+              <a:ext uri="{FF2B5EF4-FFF2-40B4-BE49-F238E27FC236}">
+                <a16:creationId xmlns:a16="http://schemas.microsoft.com/office/drawing/2014/main" id="{A4D8148B-1ED3-B454-4429-F2D834C5A115}"/>
+              </a:ext>
+            </a:extLst>
+          </p:cNvPr>
+          <p:cNvSpPr/>
+          <p:nvPr/>
+        </p:nvSpPr>
+        <p:spPr>
+          <a:xfrm>
+            <a:off x="7652657" y="5255233"/>
+            <a:ext cx="1754155" cy="1418253"/>
+          </a:xfrm>
+          <a:prstGeom prst="ellipse">
+            <a:avLst/>
+          </a:prstGeom>
+        </p:spPr>
+        <p:style>
+          <a:lnRef idx="2">
+            <a:schemeClr val="accent1">
+              <a:shade val="50000"/>
+            </a:schemeClr>
+          </a:lnRef>
+          <a:fillRef idx="1">
+            <a:schemeClr val="accent1"/>
+          </a:fillRef>
+          <a:effectRef idx="0">
+            <a:schemeClr val="accent1"/>
+          </a:effectRef>
+          <a:fontRef idx="minor">
+            <a:schemeClr val="lt1"/>
+          </a:fontRef>
+        </p:style>
+        <p:txBody>
+          <a:bodyPr rtlCol="0" anchor="ctr"/>
+          <a:lstStyle/>
+          <a:p>
+            <a:pPr algn="ctr"/>
+            <a:r>
+              <a:rPr lang="en-IN" dirty="0" err="1"/>
+              <a:t>ObjectD</a:t>
+            </a:r>
+            <a:endParaRPr lang="en-US" dirty="0"/>
+          </a:p>
+        </p:txBody>
+      </p:sp>
+      <p:grpSp>
+        <p:nvGrpSpPr>
+          <p:cNvPr id="20" name="Group 19">
+            <a:extLst>
+              <a:ext uri="{FF2B5EF4-FFF2-40B4-BE49-F238E27FC236}">
+                <a16:creationId xmlns:a16="http://schemas.microsoft.com/office/drawing/2014/main" id="{7D7DCE8A-997C-C755-9F58-98095E4938BB}"/>
+              </a:ext>
+            </a:extLst>
+          </p:cNvPr>
+          <p:cNvGrpSpPr/>
+          <p:nvPr/>
+        </p:nvGrpSpPr>
+        <p:grpSpPr>
+          <a:xfrm>
+            <a:off x="2292220" y="3222171"/>
+            <a:ext cx="9762672" cy="3640464"/>
+            <a:chOff x="2292220" y="3222171"/>
+            <a:chExt cx="9762672" cy="3640464"/>
+          </a:xfrm>
+        </p:grpSpPr>
+        <p:sp>
+          <p:nvSpPr>
+            <p:cNvPr id="18" name="TextBox 17">
+              <a:extLst>
+                <a:ext uri="{FF2B5EF4-FFF2-40B4-BE49-F238E27FC236}">
+                  <a16:creationId xmlns:a16="http://schemas.microsoft.com/office/drawing/2014/main" id="{C304128F-5974-C935-C78D-982863420443}"/>
+                </a:ext>
+              </a:extLst>
+            </p:cNvPr>
+            <p:cNvSpPr txBox="1"/>
+            <p:nvPr/>
+          </p:nvSpPr>
+          <p:spPr>
+            <a:xfrm>
+              <a:off x="9874898" y="3222171"/>
+              <a:ext cx="2179994" cy="1200329"/>
+            </a:xfrm>
+            <a:prstGeom prst="rect">
+              <a:avLst/>
+            </a:prstGeom>
+            <a:noFill/>
+          </p:spPr>
+          <p:txBody>
+            <a:bodyPr wrap="square" rtlCol="0">
+              <a:spAutoFit/>
+            </a:bodyPr>
+            <a:lstStyle/>
+            <a:p>
+              <a:r>
+                <a:rPr lang="en-IN" dirty="0"/>
+                <a:t>ObjectB(ObjectA a)</a:t>
+              </a:r>
+            </a:p>
+            <a:p>
+              <a:r>
+                <a:rPr lang="en-IN" dirty="0"/>
+                <a:t>{</a:t>
+              </a:r>
+            </a:p>
+            <a:p>
+              <a:r>
+                <a:rPr lang="en-IN" dirty="0"/>
+                <a:t>    </a:t>
+              </a:r>
+              <a:r>
+                <a:rPr lang="en-IN" dirty="0" err="1"/>
+                <a:t>obja</a:t>
+              </a:r>
+              <a:r>
+                <a:rPr lang="en-IN" dirty="0"/>
+                <a:t> =a;</a:t>
+              </a:r>
+            </a:p>
+            <a:p>
+              <a:r>
+                <a:rPr lang="en-IN" dirty="0"/>
+                <a:t>}</a:t>
+              </a:r>
+              <a:endParaRPr lang="en-US" dirty="0"/>
+            </a:p>
+          </p:txBody>
+        </p:sp>
+        <p:sp>
+          <p:nvSpPr>
+            <p:cNvPr id="19" name="TextBox 18">
+              <a:extLst>
+                <a:ext uri="{FF2B5EF4-FFF2-40B4-BE49-F238E27FC236}">
+                  <a16:creationId xmlns:a16="http://schemas.microsoft.com/office/drawing/2014/main" id="{7BB59EE2-E875-5338-A795-DA99CBA39121}"/>
+                </a:ext>
+              </a:extLst>
+            </p:cNvPr>
+            <p:cNvSpPr txBox="1"/>
+            <p:nvPr/>
+          </p:nvSpPr>
+          <p:spPr>
+            <a:xfrm>
+              <a:off x="2292220" y="6216304"/>
+              <a:ext cx="2425959" cy="646331"/>
+            </a:xfrm>
+            <a:prstGeom prst="rect">
+              <a:avLst/>
+            </a:prstGeom>
+            <a:noFill/>
+          </p:spPr>
+          <p:txBody>
+            <a:bodyPr wrap="square" rtlCol="0">
+              <a:spAutoFit/>
+            </a:bodyPr>
+            <a:lstStyle/>
+            <a:p>
+              <a:r>
+                <a:rPr lang="en-IN" dirty="0" err="1"/>
+                <a:t>ObjectC</a:t>
+              </a:r>
+              <a:r>
+                <a:rPr lang="en-IN" dirty="0"/>
+                <a:t> is depending on </a:t>
+              </a:r>
+              <a:r>
+                <a:rPr lang="en-IN" dirty="0" err="1"/>
+                <a:t>ObjectD</a:t>
+              </a:r>
+              <a:endParaRPr lang="en-US" dirty="0"/>
+            </a:p>
+          </p:txBody>
+        </p:sp>
+      </p:grpSp>
+      <p:cxnSp>
+        <p:nvCxnSpPr>
+          <p:cNvPr id="22" name="Connector: Elbow 21">
+            <a:extLst>
+              <a:ext uri="{FF2B5EF4-FFF2-40B4-BE49-F238E27FC236}">
+                <a16:creationId xmlns:a16="http://schemas.microsoft.com/office/drawing/2014/main" id="{F66DE9A0-9BB3-53B3-9762-E34261810266}"/>
+              </a:ext>
+            </a:extLst>
+          </p:cNvPr>
+          <p:cNvCxnSpPr>
+            <a:stCxn id="16" idx="6"/>
+            <a:endCxn id="17" idx="2"/>
+          </p:cNvCxnSpPr>
+          <p:nvPr/>
+        </p:nvCxnSpPr>
+        <p:spPr>
+          <a:xfrm>
+            <a:off x="6422571" y="5750176"/>
+            <a:ext cx="1230086" cy="214184"/>
+          </a:xfrm>
+          <a:prstGeom prst="bentConnector3">
+            <a:avLst/>
+          </a:prstGeom>
+          <a:ln>
+            <a:solidFill>
+              <a:srgbClr val="FF0000"/>
+            </a:solidFill>
+            <a:headEnd type="triangle"/>
+            <a:tailEnd type="triangle"/>
+          </a:ln>
+        </p:spPr>
+        <p:style>
+          <a:lnRef idx="1">
+            <a:schemeClr val="accent1"/>
+          </a:lnRef>
+          <a:fillRef idx="0">
+            <a:schemeClr val="accent1"/>
+          </a:fillRef>
+          <a:effectRef idx="0">
+            <a:schemeClr val="accent1"/>
+          </a:effectRef>
+          <a:fontRef idx="minor">
+            <a:schemeClr val="tx1"/>
+          </a:fontRef>
+        </p:style>
+      </p:cxnSp>
+      <p:sp>
+        <p:nvSpPr>
+          <p:cNvPr id="23" name="TextBox 22">
+            <a:extLst>
+              <a:ext uri="{FF2B5EF4-FFF2-40B4-BE49-F238E27FC236}">
+                <a16:creationId xmlns:a16="http://schemas.microsoft.com/office/drawing/2014/main" id="{C784B161-70E8-8D09-ED30-562EA2FC0085}"/>
+              </a:ext>
+            </a:extLst>
+          </p:cNvPr>
+          <p:cNvSpPr txBox="1"/>
+          <p:nvPr/>
+        </p:nvSpPr>
+        <p:spPr>
+          <a:xfrm>
+            <a:off x="377890" y="3395056"/>
+            <a:ext cx="2407298" cy="307777"/>
+          </a:xfrm>
+          <a:prstGeom prst="rect">
+            <a:avLst/>
+          </a:prstGeom>
+          <a:noFill/>
+        </p:spPr>
+        <p:txBody>
+          <a:bodyPr wrap="square" rtlCol="0">
+            <a:spAutoFit/>
+          </a:bodyPr>
+          <a:lstStyle/>
+          <a:p>
+            <a:r>
+              <a:rPr lang="en-IN" sz="1400" b="1" dirty="0" err="1"/>
+              <a:t>ObjectC</a:t>
+            </a:r>
+            <a:r>
+              <a:rPr lang="en-IN" sz="1400" b="1" dirty="0"/>
+              <a:t> </a:t>
+            </a:r>
+            <a:r>
+              <a:rPr lang="en-IN" sz="1400" b="1" dirty="0" err="1"/>
+              <a:t>oC</a:t>
+            </a:r>
+            <a:r>
+              <a:rPr lang="en-IN" sz="1400" b="1" dirty="0"/>
+              <a:t> = new </a:t>
+            </a:r>
+            <a:r>
+              <a:rPr lang="en-IN" sz="1400" b="1" dirty="0" err="1"/>
+              <a:t>ObjectC</a:t>
+            </a:r>
+            <a:r>
+              <a:rPr lang="en-IN" sz="1400" b="1" dirty="0"/>
+              <a:t>();</a:t>
+            </a:r>
+            <a:endParaRPr lang="en-US" sz="1400" b="1" dirty="0"/>
+          </a:p>
+        </p:txBody>
+      </p:sp>
+      <p:cxnSp>
+        <p:nvCxnSpPr>
+          <p:cNvPr id="25" name="Connector: Elbow 24">
+            <a:extLst>
+              <a:ext uri="{FF2B5EF4-FFF2-40B4-BE49-F238E27FC236}">
+                <a16:creationId xmlns:a16="http://schemas.microsoft.com/office/drawing/2014/main" id="{D2645A93-F046-256E-2FED-7500DA7C072F}"/>
+              </a:ext>
+            </a:extLst>
+          </p:cNvPr>
+          <p:cNvCxnSpPr>
+            <a:stCxn id="23" idx="3"/>
+            <a:endCxn id="16" idx="2"/>
+          </p:cNvCxnSpPr>
+          <p:nvPr/>
+        </p:nvCxnSpPr>
+        <p:spPr>
+          <a:xfrm>
+            <a:off x="2785188" y="3548945"/>
+            <a:ext cx="1799253" cy="2201231"/>
+          </a:xfrm>
+          <a:prstGeom prst="bentConnector3">
+            <a:avLst/>
+          </a:prstGeom>
+          <a:ln>
+            <a:headEnd type="triangle"/>
+            <a:tailEnd type="triangle"/>
+          </a:ln>
+        </p:spPr>
+        <p:style>
+          <a:lnRef idx="1">
+            <a:schemeClr val="accent1"/>
+          </a:lnRef>
+          <a:fillRef idx="0">
+            <a:schemeClr val="accent1"/>
+          </a:fillRef>
+          <a:effectRef idx="0">
+            <a:schemeClr val="accent1"/>
+          </a:effectRef>
+          <a:fontRef idx="minor">
+            <a:schemeClr val="tx1"/>
+          </a:fontRef>
+        </p:style>
+      </p:cxnSp>
+      <p:sp>
+        <p:nvSpPr>
+          <p:cNvPr id="27" name="Oval 26">
+            <a:extLst>
+              <a:ext uri="{FF2B5EF4-FFF2-40B4-BE49-F238E27FC236}">
+                <a16:creationId xmlns:a16="http://schemas.microsoft.com/office/drawing/2014/main" id="{16A77B84-B3EF-D7B5-91A0-04B58465523B}"/>
+              </a:ext>
+            </a:extLst>
+          </p:cNvPr>
+          <p:cNvSpPr/>
+          <p:nvPr/>
+        </p:nvSpPr>
+        <p:spPr>
+          <a:xfrm>
+            <a:off x="10087817" y="4916431"/>
+            <a:ext cx="1754155" cy="1418253"/>
+          </a:xfrm>
+          <a:prstGeom prst="ellipse">
+            <a:avLst/>
+          </a:prstGeom>
+        </p:spPr>
+        <p:style>
+          <a:lnRef idx="2">
+            <a:schemeClr val="accent1">
+              <a:shade val="50000"/>
+            </a:schemeClr>
+          </a:lnRef>
+          <a:fillRef idx="1">
+            <a:schemeClr val="accent1"/>
+          </a:fillRef>
+          <a:effectRef idx="0">
+            <a:schemeClr val="accent1"/>
+          </a:effectRef>
+          <a:fontRef idx="minor">
+            <a:schemeClr val="lt1"/>
+          </a:fontRef>
+        </p:style>
+        <p:txBody>
+          <a:bodyPr rtlCol="0" anchor="ctr"/>
+          <a:lstStyle/>
+          <a:p>
+            <a:pPr algn="ctr"/>
+            <a:r>
+              <a:rPr lang="en-IN" dirty="0" err="1"/>
+              <a:t>ObjectE</a:t>
+            </a:r>
+            <a:endParaRPr lang="en-US" dirty="0"/>
+          </a:p>
+        </p:txBody>
+      </p:sp>
+      <p:cxnSp>
+        <p:nvCxnSpPr>
+          <p:cNvPr id="29" name="Connector: Elbow 28">
+            <a:extLst>
+              <a:ext uri="{FF2B5EF4-FFF2-40B4-BE49-F238E27FC236}">
+                <a16:creationId xmlns:a16="http://schemas.microsoft.com/office/drawing/2014/main" id="{110F7B82-3F02-4052-4324-FBCF1828B35D}"/>
+              </a:ext>
+            </a:extLst>
+          </p:cNvPr>
+          <p:cNvCxnSpPr>
+            <a:stCxn id="17" idx="6"/>
+            <a:endCxn id="27" idx="2"/>
+          </p:cNvCxnSpPr>
+          <p:nvPr/>
+        </p:nvCxnSpPr>
+        <p:spPr>
+          <a:xfrm flipV="1">
+            <a:off x="9406812" y="5625558"/>
+            <a:ext cx="681005" cy="338802"/>
+          </a:xfrm>
+          <a:prstGeom prst="bentConnector3">
+            <a:avLst/>
+          </a:prstGeom>
+          <a:ln>
+            <a:solidFill>
+              <a:srgbClr val="FF0000"/>
+            </a:solidFill>
+            <a:headEnd type="triangle"/>
+            <a:tailEnd type="triangle"/>
+          </a:ln>
+        </p:spPr>
+        <p:style>
+          <a:lnRef idx="1">
+            <a:schemeClr val="accent1"/>
+          </a:lnRef>
+          <a:fillRef idx="0">
+            <a:schemeClr val="accent1"/>
+          </a:fillRef>
+          <a:effectRef idx="0">
+            <a:schemeClr val="accent1"/>
+          </a:effectRef>
+          <a:fontRef idx="minor">
+            <a:schemeClr val="tx1"/>
+          </a:fontRef>
+        </p:style>
+      </p:cxnSp>
+    </p:spTree>
+    <p:extLst>
+      <p:ext uri="{BB962C8B-B14F-4D97-AF65-F5344CB8AC3E}">
+        <p14:creationId xmlns:p14="http://schemas.microsoft.com/office/powerpoint/2010/main" val="3659433903"/>
+      </p:ext>
+    </p:extLst>
+  </p:cSld>
+  <p:clrMapOvr>
+    <a:masterClrMapping/>
+  </p:clrMapOvr>
+</p:sld>
+</file>
+
+<file path=ppt/slides/slide33.xml><?xml version="1.0" encoding="utf-8"?>
+<p:sld xmlns:a="http://schemas.openxmlformats.org/drawingml/2006/main" xmlns:r="http://schemas.openxmlformats.org/officeDocument/2006/relationships" xmlns:p="http://schemas.openxmlformats.org/presentationml/2006/main">
+  <p:cSld>
+    <p:spTree>
+      <p:nvGrpSpPr>
+        <p:cNvPr id="1" name=""/>
+        <p:cNvGrpSpPr/>
+        <p:nvPr/>
+      </p:nvGrpSpPr>
+      <p:grpSpPr>
+        <a:xfrm>
+          <a:off x="0" y="0"/>
+          <a:ext cx="0" cy="0"/>
+          <a:chOff x="0" y="0"/>
+          <a:chExt cx="0" cy="0"/>
+        </a:xfrm>
+      </p:grpSpPr>
+      <p:sp>
+        <p:nvSpPr>
+          <p:cNvPr id="2" name="TextBox 1">
+            <a:extLst>
+              <a:ext uri="{FF2B5EF4-FFF2-40B4-BE49-F238E27FC236}">
+                <a16:creationId xmlns:a16="http://schemas.microsoft.com/office/drawing/2014/main" id="{A35A5EE2-3A55-76E1-8CF3-7A4CAED623B5}"/>
+              </a:ext>
+            </a:extLst>
+          </p:cNvPr>
+          <p:cNvSpPr txBox="1"/>
+          <p:nvPr/>
+        </p:nvSpPr>
+        <p:spPr>
+          <a:xfrm>
+            <a:off x="261257" y="149290"/>
+            <a:ext cx="11653935" cy="646331"/>
+          </a:xfrm>
+          <a:prstGeom prst="rect">
+            <a:avLst/>
+          </a:prstGeom>
+          <a:noFill/>
+        </p:spPr>
+        <p:txBody>
+          <a:bodyPr wrap="square" rtlCol="0">
+            <a:spAutoFit/>
+          </a:bodyPr>
+          <a:lstStyle/>
+          <a:p>
+            <a:pPr algn="ctr"/>
+            <a:r>
+              <a:rPr lang="en-IN" b="1" dirty="0"/>
+              <a:t>Dependency Injection </a:t>
+            </a:r>
+          </a:p>
+          <a:p>
+            <a:pPr algn="ctr"/>
+            <a:r>
+              <a:rPr lang="en-IN" b="1" dirty="0"/>
+              <a:t>With an Object Discovery aka </a:t>
+            </a:r>
+            <a:r>
+              <a:rPr lang="en-IN" b="1" dirty="0" err="1"/>
+              <a:t>ServiceDescriptor</a:t>
+            </a:r>
+            <a:r>
+              <a:rPr lang="en-IN" b="1" dirty="0"/>
+              <a:t> Pattern</a:t>
+            </a:r>
+            <a:endParaRPr lang="en-US" b="1" dirty="0"/>
+          </a:p>
+        </p:txBody>
+      </p:sp>
+      <p:sp>
+        <p:nvSpPr>
+          <p:cNvPr id="3" name="TextBox 2">
+            <a:extLst>
+              <a:ext uri="{FF2B5EF4-FFF2-40B4-BE49-F238E27FC236}">
+                <a16:creationId xmlns:a16="http://schemas.microsoft.com/office/drawing/2014/main" id="{C783E0E9-65DD-D306-085C-1D56A903F31A}"/>
+              </a:ext>
+            </a:extLst>
+          </p:cNvPr>
+          <p:cNvSpPr txBox="1"/>
+          <p:nvPr/>
+        </p:nvSpPr>
+        <p:spPr>
+          <a:xfrm>
+            <a:off x="177282" y="1119673"/>
+            <a:ext cx="11159412" cy="369332"/>
+          </a:xfrm>
+          <a:prstGeom prst="rect">
+            <a:avLst/>
+          </a:prstGeom>
+          <a:noFill/>
+        </p:spPr>
+        <p:txBody>
+          <a:bodyPr wrap="square" rtlCol="0">
+            <a:spAutoFit/>
+          </a:bodyPr>
+          <a:lstStyle/>
+          <a:p>
+            <a:r>
+              <a:rPr lang="en-IN" dirty="0"/>
+              <a:t>The Service Descriptor, looks for the dependencies, instantiated them, and then inject them to the caller object</a:t>
+            </a:r>
+            <a:endParaRPr lang="en-US" dirty="0"/>
+          </a:p>
+        </p:txBody>
+      </p:sp>
+      <p:sp>
+        <p:nvSpPr>
+          <p:cNvPr id="4" name="Rectangle: Rounded Corners 3">
+            <a:extLst>
+              <a:ext uri="{FF2B5EF4-FFF2-40B4-BE49-F238E27FC236}">
+                <a16:creationId xmlns:a16="http://schemas.microsoft.com/office/drawing/2014/main" id="{7B7C40B9-B275-A066-2DE8-A8E5BC6A87B5}"/>
+              </a:ext>
+            </a:extLst>
+          </p:cNvPr>
+          <p:cNvSpPr/>
+          <p:nvPr/>
+        </p:nvSpPr>
+        <p:spPr>
+          <a:xfrm>
+            <a:off x="177282" y="2351313"/>
+            <a:ext cx="2090057" cy="3387013"/>
+          </a:xfrm>
+          <a:prstGeom prst="roundRect">
+            <a:avLst/>
+          </a:prstGeom>
+        </p:spPr>
+        <p:style>
+          <a:lnRef idx="1">
+            <a:schemeClr val="accent3"/>
+          </a:lnRef>
+          <a:fillRef idx="2">
+            <a:schemeClr val="accent3"/>
+          </a:fillRef>
+          <a:effectRef idx="1">
+            <a:schemeClr val="accent3"/>
+          </a:effectRef>
+          <a:fontRef idx="minor">
+            <a:schemeClr val="dk1"/>
+          </a:fontRef>
+        </p:style>
+        <p:txBody>
+          <a:bodyPr rtlCol="0" anchor="ctr"/>
+          <a:lstStyle/>
+          <a:p>
+            <a:pPr algn="ctr"/>
+            <a:endParaRPr lang="en-US"/>
+          </a:p>
+        </p:txBody>
+      </p:sp>
+      <p:sp>
+        <p:nvSpPr>
+          <p:cNvPr id="5" name="TextBox 4">
+            <a:extLst>
+              <a:ext uri="{FF2B5EF4-FFF2-40B4-BE49-F238E27FC236}">
+                <a16:creationId xmlns:a16="http://schemas.microsoft.com/office/drawing/2014/main" id="{DA7DE53E-BD02-DF09-7EAE-FE92C2BBC230}"/>
+              </a:ext>
+            </a:extLst>
+          </p:cNvPr>
+          <p:cNvSpPr txBox="1"/>
+          <p:nvPr/>
+        </p:nvSpPr>
+        <p:spPr>
+          <a:xfrm>
+            <a:off x="261257" y="1813057"/>
+            <a:ext cx="2183363" cy="369332"/>
+          </a:xfrm>
+          <a:prstGeom prst="rect">
+            <a:avLst/>
+          </a:prstGeom>
+          <a:noFill/>
+        </p:spPr>
+        <p:txBody>
+          <a:bodyPr wrap="square" rtlCol="0">
+            <a:spAutoFit/>
+          </a:bodyPr>
+          <a:lstStyle/>
+          <a:p>
+            <a:pPr algn="ctr"/>
+            <a:r>
+              <a:rPr lang="en-IN" b="1" dirty="0"/>
+              <a:t>Client App</a:t>
+            </a:r>
+            <a:endParaRPr lang="en-US" b="1" dirty="0"/>
+          </a:p>
+        </p:txBody>
+      </p:sp>
+      <p:sp>
+        <p:nvSpPr>
+          <p:cNvPr id="6" name="Rectangle 5">
+            <a:extLst>
+              <a:ext uri="{FF2B5EF4-FFF2-40B4-BE49-F238E27FC236}">
+                <a16:creationId xmlns:a16="http://schemas.microsoft.com/office/drawing/2014/main" id="{B45BB013-B332-1D60-D6C3-F82A368FFD22}"/>
+              </a:ext>
+            </a:extLst>
+          </p:cNvPr>
+          <p:cNvSpPr/>
+          <p:nvPr/>
+        </p:nvSpPr>
+        <p:spPr>
+          <a:xfrm>
+            <a:off x="2407297" y="4226767"/>
+            <a:ext cx="5271796" cy="2112611"/>
+          </a:xfrm>
+          <a:prstGeom prst="rect">
+            <a:avLst/>
+          </a:prstGeom>
+        </p:spPr>
+        <p:style>
+          <a:lnRef idx="2">
+            <a:schemeClr val="accent6"/>
+          </a:lnRef>
+          <a:fillRef idx="1">
+            <a:schemeClr val="lt1"/>
+          </a:fillRef>
+          <a:effectRef idx="0">
+            <a:schemeClr val="accent6"/>
+          </a:effectRef>
+          <a:fontRef idx="minor">
+            <a:schemeClr val="dk1"/>
+          </a:fontRef>
+        </p:style>
+        <p:txBody>
+          <a:bodyPr rtlCol="0" anchor="ctr"/>
+          <a:lstStyle/>
+          <a:p>
+            <a:pPr algn="ctr"/>
+            <a:endParaRPr lang="en-US"/>
+          </a:p>
+        </p:txBody>
+      </p:sp>
+      <p:sp>
+        <p:nvSpPr>
+          <p:cNvPr id="7" name="TextBox 6">
+            <a:extLst>
+              <a:ext uri="{FF2B5EF4-FFF2-40B4-BE49-F238E27FC236}">
+                <a16:creationId xmlns:a16="http://schemas.microsoft.com/office/drawing/2014/main" id="{0C9A1B35-8EB5-FDE0-345A-6476F324E18C}"/>
+              </a:ext>
+            </a:extLst>
+          </p:cNvPr>
+          <p:cNvSpPr txBox="1"/>
+          <p:nvPr/>
+        </p:nvSpPr>
+        <p:spPr>
+          <a:xfrm>
+            <a:off x="2589244" y="6339378"/>
+            <a:ext cx="4926563" cy="369332"/>
+          </a:xfrm>
+          <a:prstGeom prst="rect">
+            <a:avLst/>
+          </a:prstGeom>
+          <a:noFill/>
+        </p:spPr>
+        <p:txBody>
+          <a:bodyPr wrap="square" rtlCol="0">
+            <a:spAutoFit/>
+          </a:bodyPr>
+          <a:lstStyle/>
+          <a:p>
+            <a:pPr algn="ctr"/>
+            <a:r>
+              <a:rPr lang="en-IN" b="1" dirty="0"/>
+              <a:t>Dependency Container</a:t>
+            </a:r>
+            <a:endParaRPr lang="en-US" b="1" dirty="0"/>
+          </a:p>
+        </p:txBody>
+      </p:sp>
+      <p:sp>
+        <p:nvSpPr>
+          <p:cNvPr id="8" name="Oval 7">
+            <a:extLst>
+              <a:ext uri="{FF2B5EF4-FFF2-40B4-BE49-F238E27FC236}">
+                <a16:creationId xmlns:a16="http://schemas.microsoft.com/office/drawing/2014/main" id="{D42EFE98-0CCD-F93C-7025-764F8B3F1D22}"/>
+              </a:ext>
+            </a:extLst>
+          </p:cNvPr>
+          <p:cNvSpPr/>
+          <p:nvPr/>
+        </p:nvSpPr>
+        <p:spPr>
+          <a:xfrm>
+            <a:off x="8836090" y="1997723"/>
+            <a:ext cx="1483567" cy="1239999"/>
+          </a:xfrm>
+          <a:prstGeom prst="ellipse">
+            <a:avLst/>
+          </a:prstGeom>
+        </p:spPr>
+        <p:style>
+          <a:lnRef idx="2">
+            <a:schemeClr val="accent1">
+              <a:shade val="50000"/>
+            </a:schemeClr>
+          </a:lnRef>
+          <a:fillRef idx="1">
+            <a:schemeClr val="accent1"/>
+          </a:fillRef>
+          <a:effectRef idx="0">
+            <a:schemeClr val="accent1"/>
+          </a:effectRef>
+          <a:fontRef idx="minor">
+            <a:schemeClr val="lt1"/>
+          </a:fontRef>
+        </p:style>
+        <p:txBody>
+          <a:bodyPr rtlCol="0" anchor="ctr"/>
+          <a:lstStyle/>
+          <a:p>
+            <a:pPr algn="ctr"/>
+            <a:r>
+              <a:rPr lang="en-IN" dirty="0"/>
+              <a:t>A</a:t>
+            </a:r>
+            <a:endParaRPr lang="en-US" dirty="0"/>
+          </a:p>
+        </p:txBody>
+      </p:sp>
+      <p:sp>
+        <p:nvSpPr>
+          <p:cNvPr id="9" name="Oval 8">
+            <a:extLst>
+              <a:ext uri="{FF2B5EF4-FFF2-40B4-BE49-F238E27FC236}">
+                <a16:creationId xmlns:a16="http://schemas.microsoft.com/office/drawing/2014/main" id="{168AF2CD-1CF4-D14D-C5D5-806140C473FF}"/>
+              </a:ext>
+            </a:extLst>
+          </p:cNvPr>
+          <p:cNvSpPr/>
+          <p:nvPr/>
+        </p:nvSpPr>
+        <p:spPr>
+          <a:xfrm>
+            <a:off x="10319657" y="2986768"/>
+            <a:ext cx="1483567" cy="1239999"/>
+          </a:xfrm>
+          <a:prstGeom prst="ellipse">
+            <a:avLst/>
+          </a:prstGeom>
+        </p:spPr>
+        <p:style>
+          <a:lnRef idx="2">
+            <a:schemeClr val="accent1">
+              <a:shade val="50000"/>
+            </a:schemeClr>
+          </a:lnRef>
+          <a:fillRef idx="1">
+            <a:schemeClr val="accent1"/>
+          </a:fillRef>
+          <a:effectRef idx="0">
+            <a:schemeClr val="accent1"/>
+          </a:effectRef>
+          <a:fontRef idx="minor">
+            <a:schemeClr val="lt1"/>
+          </a:fontRef>
+        </p:style>
+        <p:txBody>
+          <a:bodyPr rtlCol="0" anchor="ctr"/>
+          <a:lstStyle/>
+          <a:p>
+            <a:pPr algn="ctr"/>
+            <a:r>
+              <a:rPr lang="en-IN" dirty="0"/>
+              <a:t>B</a:t>
+            </a:r>
+            <a:endParaRPr lang="en-US" dirty="0"/>
+          </a:p>
+        </p:txBody>
+      </p:sp>
+      <p:sp>
+        <p:nvSpPr>
+          <p:cNvPr id="10" name="Oval 9">
+            <a:extLst>
+              <a:ext uri="{FF2B5EF4-FFF2-40B4-BE49-F238E27FC236}">
+                <a16:creationId xmlns:a16="http://schemas.microsoft.com/office/drawing/2014/main" id="{24B12583-2BFA-FC65-43E9-E26DDF1C1620}"/>
+              </a:ext>
+            </a:extLst>
+          </p:cNvPr>
+          <p:cNvSpPr/>
+          <p:nvPr/>
+        </p:nvSpPr>
+        <p:spPr>
+          <a:xfrm>
+            <a:off x="8836090" y="3943155"/>
+            <a:ext cx="1483567" cy="1239999"/>
+          </a:xfrm>
+          <a:prstGeom prst="ellipse">
+            <a:avLst/>
+          </a:prstGeom>
+        </p:spPr>
+        <p:style>
+          <a:lnRef idx="2">
+            <a:schemeClr val="accent1">
+              <a:shade val="50000"/>
+            </a:schemeClr>
+          </a:lnRef>
+          <a:fillRef idx="1">
+            <a:schemeClr val="accent1"/>
+          </a:fillRef>
+          <a:effectRef idx="0">
+            <a:schemeClr val="accent1"/>
+          </a:effectRef>
+          <a:fontRef idx="minor">
+            <a:schemeClr val="lt1"/>
+          </a:fontRef>
+        </p:style>
+        <p:txBody>
+          <a:bodyPr rtlCol="0" anchor="ctr"/>
+          <a:lstStyle/>
+          <a:p>
+            <a:pPr algn="ctr"/>
+            <a:r>
+              <a:rPr lang="en-IN" dirty="0"/>
+              <a:t>C</a:t>
+            </a:r>
+            <a:endParaRPr lang="en-US" dirty="0"/>
+          </a:p>
+        </p:txBody>
+      </p:sp>
+      <p:sp>
+        <p:nvSpPr>
+          <p:cNvPr id="11" name="Oval 10">
+            <a:extLst>
+              <a:ext uri="{FF2B5EF4-FFF2-40B4-BE49-F238E27FC236}">
+                <a16:creationId xmlns:a16="http://schemas.microsoft.com/office/drawing/2014/main" id="{D8753CE6-BC9C-A04A-D0E8-A211B3967EF7}"/>
+              </a:ext>
+            </a:extLst>
+          </p:cNvPr>
+          <p:cNvSpPr/>
+          <p:nvPr/>
+        </p:nvSpPr>
+        <p:spPr>
+          <a:xfrm>
+            <a:off x="10319657" y="4932200"/>
+            <a:ext cx="1483567" cy="1239999"/>
+          </a:xfrm>
+          <a:prstGeom prst="ellipse">
+            <a:avLst/>
+          </a:prstGeom>
+        </p:spPr>
+        <p:style>
+          <a:lnRef idx="2">
+            <a:schemeClr val="accent1">
+              <a:shade val="50000"/>
+            </a:schemeClr>
+          </a:lnRef>
+          <a:fillRef idx="1">
+            <a:schemeClr val="accent1"/>
+          </a:fillRef>
+          <a:effectRef idx="0">
+            <a:schemeClr val="accent1"/>
+          </a:effectRef>
+          <a:fontRef idx="minor">
+            <a:schemeClr val="lt1"/>
+          </a:fontRef>
+        </p:style>
+        <p:txBody>
+          <a:bodyPr rtlCol="0" anchor="ctr"/>
+          <a:lstStyle/>
+          <a:p>
+            <a:pPr algn="ctr"/>
+            <a:r>
+              <a:rPr lang="en-IN" dirty="0"/>
+              <a:t>D</a:t>
+            </a:r>
+            <a:endParaRPr lang="en-US" dirty="0"/>
+          </a:p>
+        </p:txBody>
+      </p:sp>
+      <p:cxnSp>
+        <p:nvCxnSpPr>
+          <p:cNvPr id="13" name="Connector: Elbow 12">
+            <a:extLst>
+              <a:ext uri="{FF2B5EF4-FFF2-40B4-BE49-F238E27FC236}">
+                <a16:creationId xmlns:a16="http://schemas.microsoft.com/office/drawing/2014/main" id="{332C76C1-78A3-8A24-2ADC-483236FD4A3D}"/>
+              </a:ext>
+            </a:extLst>
+          </p:cNvPr>
+          <p:cNvCxnSpPr>
+            <a:cxnSpLocks/>
+            <a:stCxn id="8" idx="2"/>
+            <a:endCxn id="6" idx="0"/>
+          </p:cNvCxnSpPr>
+          <p:nvPr/>
+        </p:nvCxnSpPr>
+        <p:spPr>
+          <a:xfrm rot="10800000" flipV="1">
+            <a:off x="5043196" y="2617723"/>
+            <a:ext cx="3792895" cy="1609044"/>
+          </a:xfrm>
+          <a:prstGeom prst="bentConnector2">
+            <a:avLst/>
+          </a:prstGeom>
+          <a:ln>
+            <a:headEnd type="triangle"/>
+            <a:tailEnd type="triangle"/>
+          </a:ln>
+        </p:spPr>
+        <p:style>
+          <a:lnRef idx="1">
+            <a:schemeClr val="accent1"/>
+          </a:lnRef>
+          <a:fillRef idx="0">
+            <a:schemeClr val="accent1"/>
+          </a:fillRef>
+          <a:effectRef idx="0">
+            <a:schemeClr val="accent1"/>
+          </a:effectRef>
+          <a:fontRef idx="minor">
+            <a:schemeClr val="tx1"/>
+          </a:fontRef>
+        </p:style>
+      </p:cxnSp>
+      <p:cxnSp>
+        <p:nvCxnSpPr>
+          <p:cNvPr id="15" name="Connector: Elbow 14">
+            <a:extLst>
+              <a:ext uri="{FF2B5EF4-FFF2-40B4-BE49-F238E27FC236}">
+                <a16:creationId xmlns:a16="http://schemas.microsoft.com/office/drawing/2014/main" id="{540F1FEB-C7D9-E454-8BFE-8D2F854BCA94}"/>
+              </a:ext>
+            </a:extLst>
+          </p:cNvPr>
+          <p:cNvCxnSpPr>
+            <a:cxnSpLocks/>
+            <a:stCxn id="9" idx="2"/>
+            <a:endCxn id="6" idx="0"/>
+          </p:cNvCxnSpPr>
+          <p:nvPr/>
+        </p:nvCxnSpPr>
+        <p:spPr>
+          <a:xfrm rot="10800000" flipV="1">
+            <a:off x="5043195" y="3606767"/>
+            <a:ext cx="5276462" cy="619999"/>
+          </a:xfrm>
+          <a:prstGeom prst="bentConnector2">
+            <a:avLst/>
+          </a:prstGeom>
+          <a:ln>
+            <a:headEnd type="triangle"/>
+            <a:tailEnd type="triangle"/>
+          </a:ln>
+        </p:spPr>
+        <p:style>
+          <a:lnRef idx="1">
+            <a:schemeClr val="accent1"/>
+          </a:lnRef>
+          <a:fillRef idx="0">
+            <a:schemeClr val="accent1"/>
+          </a:fillRef>
+          <a:effectRef idx="0">
+            <a:schemeClr val="accent1"/>
+          </a:effectRef>
+          <a:fontRef idx="minor">
+            <a:schemeClr val="tx1"/>
+          </a:fontRef>
+        </p:style>
+      </p:cxnSp>
+      <p:cxnSp>
+        <p:nvCxnSpPr>
+          <p:cNvPr id="17" name="Connector: Elbow 16">
+            <a:extLst>
+              <a:ext uri="{FF2B5EF4-FFF2-40B4-BE49-F238E27FC236}">
+                <a16:creationId xmlns:a16="http://schemas.microsoft.com/office/drawing/2014/main" id="{849D4C3A-F8F2-5846-8F2B-EE8ACC0B72CA}"/>
+              </a:ext>
+            </a:extLst>
+          </p:cNvPr>
+          <p:cNvCxnSpPr>
+            <a:cxnSpLocks/>
+            <a:stCxn id="10" idx="2"/>
+            <a:endCxn id="6" idx="0"/>
+          </p:cNvCxnSpPr>
+          <p:nvPr/>
+        </p:nvCxnSpPr>
+        <p:spPr>
+          <a:xfrm rot="10800000">
+            <a:off x="5043196" y="4226767"/>
+            <a:ext cx="3792895" cy="336388"/>
+          </a:xfrm>
+          <a:prstGeom prst="bentConnector4">
+            <a:avLst>
+              <a:gd name="adj1" fmla="val 15252"/>
+              <a:gd name="adj2" fmla="val 167957"/>
+            </a:avLst>
+          </a:prstGeom>
+          <a:ln>
+            <a:headEnd type="triangle"/>
+            <a:tailEnd type="triangle"/>
+          </a:ln>
+        </p:spPr>
+        <p:style>
+          <a:lnRef idx="1">
+            <a:schemeClr val="accent1"/>
+          </a:lnRef>
+          <a:fillRef idx="0">
+            <a:schemeClr val="accent1"/>
+          </a:fillRef>
+          <a:effectRef idx="0">
+            <a:schemeClr val="accent1"/>
+          </a:effectRef>
+          <a:fontRef idx="minor">
+            <a:schemeClr val="tx1"/>
+          </a:fontRef>
+        </p:style>
+      </p:cxnSp>
+      <p:cxnSp>
+        <p:nvCxnSpPr>
+          <p:cNvPr id="19" name="Connector: Elbow 18">
+            <a:extLst>
+              <a:ext uri="{FF2B5EF4-FFF2-40B4-BE49-F238E27FC236}">
+                <a16:creationId xmlns:a16="http://schemas.microsoft.com/office/drawing/2014/main" id="{FED183DC-0F07-5D40-7124-895616278FFC}"/>
+              </a:ext>
+            </a:extLst>
+          </p:cNvPr>
+          <p:cNvCxnSpPr>
+            <a:cxnSpLocks/>
+            <a:stCxn id="11" idx="2"/>
+            <a:endCxn id="6" idx="0"/>
+          </p:cNvCxnSpPr>
+          <p:nvPr/>
+        </p:nvCxnSpPr>
+        <p:spPr>
+          <a:xfrm rot="10800000">
+            <a:off x="5043195" y="4226768"/>
+            <a:ext cx="5276462" cy="1325433"/>
+          </a:xfrm>
+          <a:prstGeom prst="bentConnector4">
+            <a:avLst>
+              <a:gd name="adj1" fmla="val 25022"/>
+              <a:gd name="adj2" fmla="val 117247"/>
+            </a:avLst>
+          </a:prstGeom>
+          <a:ln>
+            <a:headEnd type="triangle"/>
+            <a:tailEnd type="triangle"/>
+          </a:ln>
+        </p:spPr>
+        <p:style>
+          <a:lnRef idx="1">
+            <a:schemeClr val="accent1"/>
+          </a:lnRef>
+          <a:fillRef idx="0">
+            <a:schemeClr val="accent1"/>
+          </a:fillRef>
+          <a:effectRef idx="0">
+            <a:schemeClr val="accent1"/>
+          </a:effectRef>
+          <a:fontRef idx="minor">
+            <a:schemeClr val="tx1"/>
+          </a:fontRef>
+        </p:style>
+      </p:cxnSp>
+      <p:sp>
+        <p:nvSpPr>
+          <p:cNvPr id="20" name="TextBox 19">
+            <a:extLst>
+              <a:ext uri="{FF2B5EF4-FFF2-40B4-BE49-F238E27FC236}">
+                <a16:creationId xmlns:a16="http://schemas.microsoft.com/office/drawing/2014/main" id="{01C9D374-400C-5EE0-F9DB-2B0D4CA81DBE}"/>
+              </a:ext>
+            </a:extLst>
+          </p:cNvPr>
+          <p:cNvSpPr txBox="1"/>
+          <p:nvPr/>
+        </p:nvSpPr>
+        <p:spPr>
+          <a:xfrm>
+            <a:off x="3209731" y="1567543"/>
+            <a:ext cx="4049485" cy="923330"/>
+          </a:xfrm>
+          <a:prstGeom prst="rect">
+            <a:avLst/>
+          </a:prstGeom>
+          <a:noFill/>
+        </p:spPr>
+        <p:txBody>
+          <a:bodyPr wrap="square" rtlCol="0">
+            <a:spAutoFit/>
+          </a:bodyPr>
+          <a:lstStyle/>
+          <a:p>
+            <a:pPr algn="ctr"/>
+            <a:r>
+              <a:rPr lang="en-IN" b="1" dirty="0"/>
+              <a:t>All Dependency Objects will be discovered, and resolved so that their instances will be created in Container</a:t>
+            </a:r>
+            <a:endParaRPr lang="en-US" b="1" dirty="0"/>
+          </a:p>
+        </p:txBody>
+      </p:sp>
+      <p:sp>
+        <p:nvSpPr>
+          <p:cNvPr id="21" name="Oval 20">
+            <a:extLst>
+              <a:ext uri="{FF2B5EF4-FFF2-40B4-BE49-F238E27FC236}">
+                <a16:creationId xmlns:a16="http://schemas.microsoft.com/office/drawing/2014/main" id="{1FE4C9C8-7712-3605-F801-6DE413ADF319}"/>
+              </a:ext>
+            </a:extLst>
+          </p:cNvPr>
+          <p:cNvSpPr/>
+          <p:nvPr/>
+        </p:nvSpPr>
+        <p:spPr>
+          <a:xfrm>
+            <a:off x="2705877" y="4563155"/>
+            <a:ext cx="1110343" cy="727301"/>
+          </a:xfrm>
+          <a:prstGeom prst="ellipse">
+            <a:avLst/>
+          </a:prstGeom>
+        </p:spPr>
+        <p:style>
+          <a:lnRef idx="2">
+            <a:schemeClr val="accent1">
+              <a:shade val="50000"/>
+            </a:schemeClr>
+          </a:lnRef>
+          <a:fillRef idx="1">
+            <a:schemeClr val="accent1"/>
+          </a:fillRef>
+          <a:effectRef idx="0">
+            <a:schemeClr val="accent1"/>
+          </a:effectRef>
+          <a:fontRef idx="minor">
+            <a:schemeClr val="lt1"/>
+          </a:fontRef>
+        </p:style>
+        <p:txBody>
+          <a:bodyPr rtlCol="0" anchor="ctr"/>
+          <a:lstStyle/>
+          <a:p>
+            <a:pPr algn="ctr"/>
+            <a:r>
+              <a:rPr lang="en-IN" dirty="0" err="1"/>
+              <a:t>ObjA</a:t>
+            </a:r>
+            <a:endParaRPr lang="en-US" dirty="0"/>
+          </a:p>
+        </p:txBody>
+      </p:sp>
+      <p:sp>
+        <p:nvSpPr>
+          <p:cNvPr id="22" name="Oval 21">
+            <a:extLst>
+              <a:ext uri="{FF2B5EF4-FFF2-40B4-BE49-F238E27FC236}">
+                <a16:creationId xmlns:a16="http://schemas.microsoft.com/office/drawing/2014/main" id="{A0D4F762-82C1-BDC6-0A92-DBBFDF6548F3}"/>
+              </a:ext>
+            </a:extLst>
+          </p:cNvPr>
+          <p:cNvSpPr/>
+          <p:nvPr/>
+        </p:nvSpPr>
+        <p:spPr>
+          <a:xfrm>
+            <a:off x="4124131" y="4595811"/>
+            <a:ext cx="1110343" cy="727301"/>
+          </a:xfrm>
+          <a:prstGeom prst="ellipse">
+            <a:avLst/>
+          </a:prstGeom>
+        </p:spPr>
+        <p:style>
+          <a:lnRef idx="2">
+            <a:schemeClr val="accent1">
+              <a:shade val="50000"/>
+            </a:schemeClr>
+          </a:lnRef>
+          <a:fillRef idx="1">
+            <a:schemeClr val="accent1"/>
+          </a:fillRef>
+          <a:effectRef idx="0">
+            <a:schemeClr val="accent1"/>
+          </a:effectRef>
+          <a:fontRef idx="minor">
+            <a:schemeClr val="lt1"/>
+          </a:fontRef>
+        </p:style>
+        <p:txBody>
+          <a:bodyPr rtlCol="0" anchor="ctr"/>
+          <a:lstStyle/>
+          <a:p>
+            <a:pPr algn="ctr"/>
+            <a:r>
+              <a:rPr lang="en-IN" dirty="0" err="1"/>
+              <a:t>ObjB</a:t>
+            </a:r>
+            <a:endParaRPr lang="en-US" dirty="0"/>
+          </a:p>
+        </p:txBody>
+      </p:sp>
+      <p:sp>
+        <p:nvSpPr>
+          <p:cNvPr id="30" name="Oval 29">
+            <a:extLst>
+              <a:ext uri="{FF2B5EF4-FFF2-40B4-BE49-F238E27FC236}">
+                <a16:creationId xmlns:a16="http://schemas.microsoft.com/office/drawing/2014/main" id="{4AEBCA17-92C0-BB8C-1691-7E25BDEDDDC2}"/>
+              </a:ext>
+            </a:extLst>
+          </p:cNvPr>
+          <p:cNvSpPr/>
+          <p:nvPr/>
+        </p:nvSpPr>
+        <p:spPr>
+          <a:xfrm>
+            <a:off x="5061854" y="5275207"/>
+            <a:ext cx="1110343" cy="727301"/>
+          </a:xfrm>
+          <a:prstGeom prst="ellipse">
+            <a:avLst/>
+          </a:prstGeom>
+        </p:spPr>
+        <p:style>
+          <a:lnRef idx="2">
+            <a:schemeClr val="accent1">
+              <a:shade val="50000"/>
+            </a:schemeClr>
+          </a:lnRef>
+          <a:fillRef idx="1">
+            <a:schemeClr val="accent1"/>
+          </a:fillRef>
+          <a:effectRef idx="0">
+            <a:schemeClr val="accent1"/>
+          </a:effectRef>
+          <a:fontRef idx="minor">
+            <a:schemeClr val="lt1"/>
+          </a:fontRef>
+        </p:style>
+        <p:txBody>
+          <a:bodyPr rtlCol="0" anchor="ctr"/>
+          <a:lstStyle/>
+          <a:p>
+            <a:pPr algn="ctr"/>
+            <a:r>
+              <a:rPr lang="en-IN" dirty="0" err="1"/>
+              <a:t>ObjC</a:t>
+            </a:r>
+            <a:endParaRPr lang="en-US" dirty="0"/>
+          </a:p>
+        </p:txBody>
+      </p:sp>
+      <p:sp>
+        <p:nvSpPr>
+          <p:cNvPr id="31" name="Oval 30">
+            <a:extLst>
+              <a:ext uri="{FF2B5EF4-FFF2-40B4-BE49-F238E27FC236}">
+                <a16:creationId xmlns:a16="http://schemas.microsoft.com/office/drawing/2014/main" id="{9734FC71-3C15-EBD1-6980-178E4EFF9120}"/>
+              </a:ext>
+            </a:extLst>
+          </p:cNvPr>
+          <p:cNvSpPr/>
+          <p:nvPr/>
+        </p:nvSpPr>
+        <p:spPr>
+          <a:xfrm>
+            <a:off x="6480108" y="5307863"/>
+            <a:ext cx="1110343" cy="727301"/>
+          </a:xfrm>
+          <a:prstGeom prst="ellipse">
+            <a:avLst/>
+          </a:prstGeom>
+        </p:spPr>
+        <p:style>
+          <a:lnRef idx="2">
+            <a:schemeClr val="accent1">
+              <a:shade val="50000"/>
+            </a:schemeClr>
+          </a:lnRef>
+          <a:fillRef idx="1">
+            <a:schemeClr val="accent1"/>
+          </a:fillRef>
+          <a:effectRef idx="0">
+            <a:schemeClr val="accent1"/>
+          </a:effectRef>
+          <a:fontRef idx="minor">
+            <a:schemeClr val="lt1"/>
+          </a:fontRef>
+        </p:style>
+        <p:txBody>
+          <a:bodyPr rtlCol="0" anchor="ctr"/>
+          <a:lstStyle/>
+          <a:p>
+            <a:pPr algn="ctr"/>
+            <a:r>
+              <a:rPr lang="en-IN" dirty="0" err="1"/>
+              <a:t>ObjD</a:t>
+            </a:r>
+            <a:endParaRPr lang="en-US" dirty="0"/>
+          </a:p>
+        </p:txBody>
+      </p:sp>
+      <p:sp>
+        <p:nvSpPr>
+          <p:cNvPr id="32" name="Arrow: Left-Up 31">
+            <a:extLst>
+              <a:ext uri="{FF2B5EF4-FFF2-40B4-BE49-F238E27FC236}">
+                <a16:creationId xmlns:a16="http://schemas.microsoft.com/office/drawing/2014/main" id="{E7E4E08B-8C3B-8CE1-14F7-E3458958CE44}"/>
+              </a:ext>
+            </a:extLst>
+          </p:cNvPr>
+          <p:cNvSpPr/>
+          <p:nvPr/>
+        </p:nvSpPr>
+        <p:spPr>
+          <a:xfrm flipH="1">
+            <a:off x="1352937" y="5726278"/>
+            <a:ext cx="1110343" cy="445921"/>
+          </a:xfrm>
+          <a:prstGeom prst="leftUpArrow">
+            <a:avLst/>
+          </a:prstGeom>
+        </p:spPr>
+        <p:style>
+          <a:lnRef idx="2">
+            <a:schemeClr val="accent1">
+              <a:shade val="50000"/>
+            </a:schemeClr>
+          </a:lnRef>
+          <a:fillRef idx="1">
+            <a:schemeClr val="accent1"/>
+          </a:fillRef>
+          <a:effectRef idx="0">
+            <a:schemeClr val="accent1"/>
+          </a:effectRef>
+          <a:fontRef idx="minor">
+            <a:schemeClr val="lt1"/>
+          </a:fontRef>
+        </p:style>
+        <p:txBody>
+          <a:bodyPr rtlCol="0" anchor="ctr"/>
+          <a:lstStyle/>
+          <a:p>
+            <a:pPr algn="ctr"/>
+            <a:endParaRPr lang="en-US"/>
+          </a:p>
+        </p:txBody>
+      </p:sp>
+      <p:sp>
+        <p:nvSpPr>
+          <p:cNvPr id="37" name="TextBox 36">
+            <a:extLst>
+              <a:ext uri="{FF2B5EF4-FFF2-40B4-BE49-F238E27FC236}">
+                <a16:creationId xmlns:a16="http://schemas.microsoft.com/office/drawing/2014/main" id="{F8880CCA-5D6A-2A7B-4906-469EEF9E17AD}"/>
+              </a:ext>
+            </a:extLst>
+          </p:cNvPr>
+          <p:cNvSpPr txBox="1"/>
+          <p:nvPr/>
+        </p:nvSpPr>
+        <p:spPr>
+          <a:xfrm>
+            <a:off x="261257" y="3237722"/>
+            <a:ext cx="1912776" cy="1200329"/>
+          </a:xfrm>
+          <a:prstGeom prst="rect">
+            <a:avLst/>
+          </a:prstGeom>
+        </p:spPr>
+        <p:style>
+          <a:lnRef idx="1">
+            <a:schemeClr val="accent1"/>
+          </a:lnRef>
+          <a:fillRef idx="2">
+            <a:schemeClr val="accent1"/>
+          </a:fillRef>
+          <a:effectRef idx="1">
+            <a:schemeClr val="accent1"/>
+          </a:effectRef>
+          <a:fontRef idx="minor">
+            <a:schemeClr val="dk1"/>
+          </a:fontRef>
+        </p:style>
+        <p:txBody>
+          <a:bodyPr wrap="square" rtlCol="0">
+            <a:spAutoFit/>
+          </a:bodyPr>
+          <a:lstStyle/>
+          <a:p>
+            <a:r>
+              <a:rPr lang="en-IN" dirty="0"/>
+              <a:t>All Objects will be Provided to Client by the Container using Injection</a:t>
+            </a:r>
+            <a:endParaRPr lang="en-US" dirty="0"/>
+          </a:p>
+        </p:txBody>
+      </p:sp>
+      <p:cxnSp>
+        <p:nvCxnSpPr>
+          <p:cNvPr id="39" name="Connector: Elbow 38">
+            <a:extLst>
+              <a:ext uri="{FF2B5EF4-FFF2-40B4-BE49-F238E27FC236}">
+                <a16:creationId xmlns:a16="http://schemas.microsoft.com/office/drawing/2014/main" id="{61C24FEA-4F41-789A-BAED-A33261402AA2}"/>
+              </a:ext>
+            </a:extLst>
+          </p:cNvPr>
+          <p:cNvCxnSpPr>
+            <a:endCxn id="37" idx="3"/>
+          </p:cNvCxnSpPr>
+          <p:nvPr/>
+        </p:nvCxnSpPr>
+        <p:spPr>
+          <a:xfrm rot="16200000" flipV="1">
+            <a:off x="1892799" y="4119122"/>
+            <a:ext cx="1094313" cy="531844"/>
+          </a:xfrm>
+          <a:prstGeom prst="bentConnector2">
+            <a:avLst/>
+          </a:prstGeom>
+          <a:ln>
+            <a:headEnd type="triangle"/>
+            <a:tailEnd type="triangle"/>
+          </a:ln>
+        </p:spPr>
+        <p:style>
+          <a:lnRef idx="1">
+            <a:schemeClr val="accent1"/>
+          </a:lnRef>
+          <a:fillRef idx="0">
+            <a:schemeClr val="accent1"/>
+          </a:fillRef>
+          <a:effectRef idx="0">
+            <a:schemeClr val="accent1"/>
+          </a:effectRef>
+          <a:fontRef idx="minor">
+            <a:schemeClr val="tx1"/>
+          </a:fontRef>
+        </p:style>
+      </p:cxnSp>
+      <p:cxnSp>
+        <p:nvCxnSpPr>
+          <p:cNvPr id="41" name="Connector: Elbow 40">
+            <a:extLst>
+              <a:ext uri="{FF2B5EF4-FFF2-40B4-BE49-F238E27FC236}">
+                <a16:creationId xmlns:a16="http://schemas.microsoft.com/office/drawing/2014/main" id="{CC11D4E7-9963-3C18-5C84-FBD42CFA1B7B}"/>
+              </a:ext>
+            </a:extLst>
+          </p:cNvPr>
+          <p:cNvCxnSpPr>
+            <a:stCxn id="22" idx="0"/>
+            <a:endCxn id="37" idx="3"/>
+          </p:cNvCxnSpPr>
+          <p:nvPr/>
+        </p:nvCxnSpPr>
+        <p:spPr>
+          <a:xfrm rot="16200000" flipV="1">
+            <a:off x="3047706" y="2964214"/>
+            <a:ext cx="757924" cy="2505270"/>
+          </a:xfrm>
+          <a:prstGeom prst="bentConnector2">
+            <a:avLst/>
+          </a:prstGeom>
+          <a:ln>
+            <a:headEnd type="triangle"/>
+            <a:tailEnd type="triangle"/>
+          </a:ln>
+        </p:spPr>
+        <p:style>
+          <a:lnRef idx="1">
+            <a:schemeClr val="accent1"/>
+          </a:lnRef>
+          <a:fillRef idx="0">
+            <a:schemeClr val="accent1"/>
+          </a:fillRef>
+          <a:effectRef idx="0">
+            <a:schemeClr val="accent1"/>
+          </a:effectRef>
+          <a:fontRef idx="minor">
+            <a:schemeClr val="tx1"/>
+          </a:fontRef>
+        </p:style>
+      </p:cxnSp>
+      <p:cxnSp>
+        <p:nvCxnSpPr>
+          <p:cNvPr id="43" name="Connector: Elbow 42">
+            <a:extLst>
+              <a:ext uri="{FF2B5EF4-FFF2-40B4-BE49-F238E27FC236}">
+                <a16:creationId xmlns:a16="http://schemas.microsoft.com/office/drawing/2014/main" id="{AFFC033C-CF10-3DED-3475-C14CE66AB45E}"/>
+              </a:ext>
+            </a:extLst>
+          </p:cNvPr>
+          <p:cNvCxnSpPr>
+            <a:stCxn id="30" idx="2"/>
+          </p:cNvCxnSpPr>
+          <p:nvPr/>
+        </p:nvCxnSpPr>
+        <p:spPr>
+          <a:xfrm rot="10800000">
+            <a:off x="2174032" y="3837886"/>
+            <a:ext cx="2887822" cy="1800972"/>
+          </a:xfrm>
+          <a:prstGeom prst="bentConnector3">
+            <a:avLst/>
+          </a:prstGeom>
+          <a:ln>
+            <a:headEnd type="triangle"/>
+            <a:tailEnd type="triangle"/>
+          </a:ln>
+        </p:spPr>
+        <p:style>
+          <a:lnRef idx="1">
+            <a:schemeClr val="accent1"/>
+          </a:lnRef>
+          <a:fillRef idx="0">
+            <a:schemeClr val="accent1"/>
+          </a:fillRef>
+          <a:effectRef idx="0">
+            <a:schemeClr val="accent1"/>
+          </a:effectRef>
+          <a:fontRef idx="minor">
+            <a:schemeClr val="tx1"/>
+          </a:fontRef>
+        </p:style>
+      </p:cxnSp>
+      <p:cxnSp>
+        <p:nvCxnSpPr>
+          <p:cNvPr id="45" name="Connector: Elbow 44">
+            <a:extLst>
+              <a:ext uri="{FF2B5EF4-FFF2-40B4-BE49-F238E27FC236}">
+                <a16:creationId xmlns:a16="http://schemas.microsoft.com/office/drawing/2014/main" id="{0773BDC5-B1EB-45C0-8501-F9ED31CBC817}"/>
+              </a:ext>
+            </a:extLst>
+          </p:cNvPr>
+          <p:cNvCxnSpPr>
+            <a:stCxn id="31" idx="2"/>
+          </p:cNvCxnSpPr>
+          <p:nvPr/>
+        </p:nvCxnSpPr>
+        <p:spPr>
+          <a:xfrm rot="10800000">
+            <a:off x="2174030" y="3837886"/>
+            <a:ext cx="4306078" cy="1833629"/>
+          </a:xfrm>
+          <a:prstGeom prst="bentConnector3">
+            <a:avLst/>
+          </a:prstGeom>
+          <a:ln>
+            <a:headEnd type="triangle"/>
+            <a:tailEnd type="triangle"/>
+          </a:ln>
+        </p:spPr>
+        <p:style>
+          <a:lnRef idx="1">
+            <a:schemeClr val="accent1"/>
+          </a:lnRef>
+          <a:fillRef idx="0">
+            <a:schemeClr val="accent1"/>
+          </a:fillRef>
+          <a:effectRef idx="0">
+            <a:schemeClr val="accent1"/>
+          </a:effectRef>
+          <a:fontRef idx="minor">
+            <a:schemeClr val="tx1"/>
+          </a:fontRef>
+        </p:style>
+      </p:cxnSp>
+    </p:spTree>
+    <p:extLst>
+      <p:ext uri="{BB962C8B-B14F-4D97-AF65-F5344CB8AC3E}">
+        <p14:creationId xmlns:p14="http://schemas.microsoft.com/office/powerpoint/2010/main" val="792651756"/>
+      </p:ext>
+    </p:extLst>
+  </p:cSld>
+  <p:clrMapOvr>
+    <a:masterClrMapping/>
+  </p:clrMapOvr>
+</p:sld>
+</file>
+
+<file path=ppt/slides/slide34.xml><?xml version="1.0" encoding="utf-8"?>
+<p:sld xmlns:a="http://schemas.openxmlformats.org/drawingml/2006/main" xmlns:r="http://schemas.openxmlformats.org/officeDocument/2006/relationships" xmlns:p="http://schemas.openxmlformats.org/presentationml/2006/main">
+  <p:cSld>
+    <p:spTree>
+      <p:nvGrpSpPr>
+        <p:cNvPr id="1" name=""/>
+        <p:cNvGrpSpPr/>
+        <p:nvPr/>
+      </p:nvGrpSpPr>
+      <p:grpSpPr>
+        <a:xfrm>
+          <a:off x="0" y="0"/>
+          <a:ext cx="0" cy="0"/>
+          <a:chOff x="0" y="0"/>
+          <a:chExt cx="0" cy="0"/>
+        </a:xfrm>
+      </p:grpSpPr>
+      <p:sp>
+        <p:nvSpPr>
+          <p:cNvPr id="2" name="Rectangle 1">
+            <a:extLst>
+              <a:ext uri="{FF2B5EF4-FFF2-40B4-BE49-F238E27FC236}">
+                <a16:creationId xmlns:a16="http://schemas.microsoft.com/office/drawing/2014/main" id="{BCAC863D-3E25-AAB4-6584-D6E81B2EF949}"/>
+              </a:ext>
+            </a:extLst>
+          </p:cNvPr>
+          <p:cNvSpPr/>
+          <p:nvPr/>
+        </p:nvSpPr>
+        <p:spPr>
+          <a:xfrm>
+            <a:off x="177281" y="914400"/>
+            <a:ext cx="11700588" cy="2118049"/>
+          </a:xfrm>
+          <a:prstGeom prst="rect">
+            <a:avLst/>
+          </a:prstGeom>
+        </p:spPr>
+        <p:style>
+          <a:lnRef idx="2">
+            <a:schemeClr val="accent5"/>
+          </a:lnRef>
+          <a:fillRef idx="1">
+            <a:schemeClr val="lt1"/>
+          </a:fillRef>
+          <a:effectRef idx="0">
+            <a:schemeClr val="accent5"/>
+          </a:effectRef>
+          <a:fontRef idx="minor">
+            <a:schemeClr val="dk1"/>
+          </a:fontRef>
+        </p:style>
+        <p:txBody>
+          <a:bodyPr rtlCol="0" anchor="ctr"/>
+          <a:lstStyle/>
+          <a:p>
+            <a:pPr algn="ctr"/>
+            <a:endParaRPr lang="en-US"/>
+          </a:p>
+        </p:txBody>
+      </p:sp>
+      <p:sp>
+        <p:nvSpPr>
+          <p:cNvPr id="3" name="Rectangle 2">
+            <a:extLst>
+              <a:ext uri="{FF2B5EF4-FFF2-40B4-BE49-F238E27FC236}">
+                <a16:creationId xmlns:a16="http://schemas.microsoft.com/office/drawing/2014/main" id="{CEF74FD8-8C4E-29C5-644D-C8B7DD7C4F3E}"/>
+              </a:ext>
+            </a:extLst>
+          </p:cNvPr>
+          <p:cNvSpPr/>
+          <p:nvPr/>
+        </p:nvSpPr>
+        <p:spPr>
+          <a:xfrm>
+            <a:off x="3060441" y="923731"/>
+            <a:ext cx="326571" cy="2108718"/>
+          </a:xfrm>
+          <a:prstGeom prst="rect">
+            <a:avLst/>
+          </a:prstGeom>
+        </p:spPr>
+        <p:style>
+          <a:lnRef idx="2">
+            <a:schemeClr val="accent1">
+              <a:shade val="50000"/>
+            </a:schemeClr>
+          </a:lnRef>
+          <a:fillRef idx="1">
+            <a:schemeClr val="accent1"/>
+          </a:fillRef>
+          <a:effectRef idx="0">
+            <a:schemeClr val="accent1"/>
+          </a:effectRef>
+          <a:fontRef idx="minor">
+            <a:schemeClr val="lt1"/>
+          </a:fontRef>
+        </p:style>
+        <p:txBody>
+          <a:bodyPr rtlCol="0" anchor="ctr"/>
+          <a:lstStyle/>
+          <a:p>
+            <a:pPr algn="ctr"/>
+            <a:endParaRPr lang="en-US"/>
+          </a:p>
+        </p:txBody>
+      </p:sp>
+      <p:sp>
+        <p:nvSpPr>
+          <p:cNvPr id="4" name="Rectangle 3">
+            <a:extLst>
+              <a:ext uri="{FF2B5EF4-FFF2-40B4-BE49-F238E27FC236}">
+                <a16:creationId xmlns:a16="http://schemas.microsoft.com/office/drawing/2014/main" id="{14BB1C62-A8E2-7B42-4801-0CC38BBF6F80}"/>
+              </a:ext>
+            </a:extLst>
+          </p:cNvPr>
+          <p:cNvSpPr/>
+          <p:nvPr/>
+        </p:nvSpPr>
+        <p:spPr>
+          <a:xfrm>
+            <a:off x="7459824" y="914400"/>
+            <a:ext cx="326571" cy="2118049"/>
+          </a:xfrm>
+          <a:prstGeom prst="rect">
+            <a:avLst/>
+          </a:prstGeom>
+        </p:spPr>
+        <p:style>
+          <a:lnRef idx="2">
+            <a:schemeClr val="accent1">
+              <a:shade val="50000"/>
+            </a:schemeClr>
+          </a:lnRef>
+          <a:fillRef idx="1">
+            <a:schemeClr val="accent1"/>
+          </a:fillRef>
+          <a:effectRef idx="0">
+            <a:schemeClr val="accent1"/>
+          </a:effectRef>
+          <a:fontRef idx="minor">
+            <a:schemeClr val="lt1"/>
+          </a:fontRef>
+        </p:style>
+        <p:txBody>
+          <a:bodyPr rtlCol="0" anchor="ctr"/>
+          <a:lstStyle/>
+          <a:p>
+            <a:pPr algn="ctr"/>
+            <a:endParaRPr lang="en-US"/>
+          </a:p>
+        </p:txBody>
+      </p:sp>
+      <p:sp>
+        <p:nvSpPr>
+          <p:cNvPr id="5" name="TextBox 4">
+            <a:extLst>
+              <a:ext uri="{FF2B5EF4-FFF2-40B4-BE49-F238E27FC236}">
+                <a16:creationId xmlns:a16="http://schemas.microsoft.com/office/drawing/2014/main" id="{E7E16D87-EC12-54B3-A53B-3D6D053D9BB1}"/>
+              </a:ext>
+            </a:extLst>
+          </p:cNvPr>
+          <p:cNvSpPr txBox="1"/>
+          <p:nvPr/>
+        </p:nvSpPr>
+        <p:spPr>
+          <a:xfrm>
+            <a:off x="3334140" y="973493"/>
+            <a:ext cx="4125684" cy="923330"/>
+          </a:xfrm>
+          <a:prstGeom prst="rect">
+            <a:avLst/>
+          </a:prstGeom>
+          <a:noFill/>
+        </p:spPr>
+        <p:txBody>
+          <a:bodyPr wrap="square" rtlCol="0">
+            <a:spAutoFit/>
+          </a:bodyPr>
+          <a:lstStyle/>
+          <a:p>
+            <a:r>
+              <a:rPr lang="en-IN" dirty="0"/>
+              <a:t>Body: Used in POST and PUT Request to Pass data to the server to create a new Record or Update existing record </a:t>
+            </a:r>
+            <a:endParaRPr lang="en-US" dirty="0"/>
+          </a:p>
+        </p:txBody>
+      </p:sp>
+      <p:sp>
+        <p:nvSpPr>
+          <p:cNvPr id="6" name="TextBox 5">
+            <a:extLst>
+              <a:ext uri="{FF2B5EF4-FFF2-40B4-BE49-F238E27FC236}">
+                <a16:creationId xmlns:a16="http://schemas.microsoft.com/office/drawing/2014/main" id="{D0190DBD-1F04-B021-8D8E-C3529F13E8ED}"/>
+              </a:ext>
+            </a:extLst>
+          </p:cNvPr>
+          <p:cNvSpPr txBox="1"/>
+          <p:nvPr/>
+        </p:nvSpPr>
+        <p:spPr>
+          <a:xfrm>
+            <a:off x="450980" y="1188098"/>
+            <a:ext cx="2491273" cy="369332"/>
+          </a:xfrm>
+          <a:prstGeom prst="rect">
+            <a:avLst/>
+          </a:prstGeom>
+          <a:noFill/>
+        </p:spPr>
+        <p:txBody>
+          <a:bodyPr wrap="square" rtlCol="0">
+            <a:spAutoFit/>
+          </a:bodyPr>
+          <a:lstStyle/>
+          <a:p>
+            <a:r>
+              <a:rPr lang="en-IN" dirty="0"/>
+              <a:t>Headers</a:t>
+            </a:r>
+            <a:endParaRPr lang="en-US" dirty="0"/>
+          </a:p>
+        </p:txBody>
+      </p:sp>
+      <p:sp>
+        <p:nvSpPr>
+          <p:cNvPr id="7" name="TextBox 6">
+            <a:extLst>
+              <a:ext uri="{FF2B5EF4-FFF2-40B4-BE49-F238E27FC236}">
+                <a16:creationId xmlns:a16="http://schemas.microsoft.com/office/drawing/2014/main" id="{278CC925-EDF7-0DEC-BFF7-25E1130C75F5}"/>
+              </a:ext>
+            </a:extLst>
+          </p:cNvPr>
+          <p:cNvSpPr txBox="1"/>
+          <p:nvPr/>
+        </p:nvSpPr>
+        <p:spPr>
+          <a:xfrm>
+            <a:off x="7786395" y="1003432"/>
+            <a:ext cx="2491273" cy="369332"/>
+          </a:xfrm>
+          <a:prstGeom prst="rect">
+            <a:avLst/>
+          </a:prstGeom>
+          <a:noFill/>
+        </p:spPr>
+        <p:txBody>
+          <a:bodyPr wrap="square" rtlCol="0">
+            <a:spAutoFit/>
+          </a:bodyPr>
+          <a:lstStyle/>
+          <a:p>
+            <a:r>
+              <a:rPr lang="en-IN" dirty="0"/>
+              <a:t>Error</a:t>
+            </a:r>
+            <a:endParaRPr lang="en-US" dirty="0"/>
+          </a:p>
+        </p:txBody>
+      </p:sp>
+      <p:sp>
+        <p:nvSpPr>
+          <p:cNvPr id="8" name="Rectangle 7">
+            <a:extLst>
+              <a:ext uri="{FF2B5EF4-FFF2-40B4-BE49-F238E27FC236}">
+                <a16:creationId xmlns:a16="http://schemas.microsoft.com/office/drawing/2014/main" id="{2E24730E-3EC7-17B2-CF57-D135805C94C5}"/>
+              </a:ext>
+            </a:extLst>
+          </p:cNvPr>
+          <p:cNvSpPr/>
+          <p:nvPr/>
+        </p:nvSpPr>
+        <p:spPr>
+          <a:xfrm>
+            <a:off x="177281" y="4646645"/>
+            <a:ext cx="11837438" cy="2118049"/>
+          </a:xfrm>
+          <a:prstGeom prst="rect">
+            <a:avLst/>
+          </a:prstGeom>
+        </p:spPr>
+        <p:style>
+          <a:lnRef idx="1">
+            <a:schemeClr val="accent2"/>
+          </a:lnRef>
+          <a:fillRef idx="2">
+            <a:schemeClr val="accent2"/>
+          </a:fillRef>
+          <a:effectRef idx="1">
+            <a:schemeClr val="accent2"/>
+          </a:effectRef>
+          <a:fontRef idx="minor">
+            <a:schemeClr val="dk1"/>
+          </a:fontRef>
+        </p:style>
+        <p:txBody>
+          <a:bodyPr rtlCol="0" anchor="ctr"/>
+          <a:lstStyle/>
+          <a:p>
+            <a:pPr algn="ctr"/>
+            <a:endParaRPr lang="en-US"/>
+          </a:p>
+        </p:txBody>
+      </p:sp>
+      <p:sp>
+        <p:nvSpPr>
+          <p:cNvPr id="9" name="TextBox 8">
+            <a:extLst>
+              <a:ext uri="{FF2B5EF4-FFF2-40B4-BE49-F238E27FC236}">
+                <a16:creationId xmlns:a16="http://schemas.microsoft.com/office/drawing/2014/main" id="{5F050ECA-D505-A3A2-EB44-8269B4A70690}"/>
+              </a:ext>
+            </a:extLst>
+          </p:cNvPr>
+          <p:cNvSpPr txBox="1"/>
+          <p:nvPr/>
+        </p:nvSpPr>
+        <p:spPr>
+          <a:xfrm>
+            <a:off x="3862873" y="3825551"/>
+            <a:ext cx="3498980" cy="369332"/>
+          </a:xfrm>
+          <a:prstGeom prst="rect">
+            <a:avLst/>
+          </a:prstGeom>
+          <a:noFill/>
+        </p:spPr>
+        <p:txBody>
+          <a:bodyPr wrap="square" rtlCol="0">
+            <a:spAutoFit/>
+          </a:bodyPr>
+          <a:lstStyle/>
+          <a:p>
+            <a:pPr algn="ctr"/>
+            <a:r>
+              <a:rPr lang="en-IN" b="1" dirty="0"/>
+              <a:t>HTTP Header</a:t>
+            </a:r>
+            <a:endParaRPr lang="en-US" b="1" dirty="0"/>
+          </a:p>
+        </p:txBody>
+      </p:sp>
+      <p:cxnSp>
+        <p:nvCxnSpPr>
+          <p:cNvPr id="11" name="Connector: Elbow 10">
+            <a:extLst>
+              <a:ext uri="{FF2B5EF4-FFF2-40B4-BE49-F238E27FC236}">
+                <a16:creationId xmlns:a16="http://schemas.microsoft.com/office/drawing/2014/main" id="{A5D58BFF-A1B8-5E97-CBAF-0D86C6FBCC11}"/>
+              </a:ext>
+            </a:extLst>
+          </p:cNvPr>
+          <p:cNvCxnSpPr>
+            <a:cxnSpLocks/>
+            <a:stCxn id="6" idx="2"/>
+            <a:endCxn id="8" idx="0"/>
+          </p:cNvCxnSpPr>
+          <p:nvPr/>
+        </p:nvCxnSpPr>
+        <p:spPr>
+          <a:xfrm rot="16200000" flipH="1">
+            <a:off x="2351701" y="902345"/>
+            <a:ext cx="3089215" cy="4399383"/>
+          </a:xfrm>
+          <a:prstGeom prst="bentConnector3">
+            <a:avLst/>
+          </a:prstGeom>
+          <a:ln>
+            <a:tailEnd type="triangle"/>
+          </a:ln>
+        </p:spPr>
+        <p:style>
+          <a:lnRef idx="1">
+            <a:schemeClr val="accent1"/>
+          </a:lnRef>
+          <a:fillRef idx="0">
+            <a:schemeClr val="accent1"/>
+          </a:fillRef>
+          <a:effectRef idx="0">
+            <a:schemeClr val="accent1"/>
+          </a:effectRef>
+          <a:fontRef idx="minor">
+            <a:schemeClr val="tx1"/>
+          </a:fontRef>
+        </p:style>
+      </p:cxnSp>
+      <p:sp>
+        <p:nvSpPr>
+          <p:cNvPr id="12" name="Rectangle 11">
+            <a:extLst>
+              <a:ext uri="{FF2B5EF4-FFF2-40B4-BE49-F238E27FC236}">
+                <a16:creationId xmlns:a16="http://schemas.microsoft.com/office/drawing/2014/main" id="{7EB76A9A-8A72-3A6D-BE4B-8BF97658B6CD}"/>
+              </a:ext>
+            </a:extLst>
+          </p:cNvPr>
+          <p:cNvSpPr/>
+          <p:nvPr/>
+        </p:nvSpPr>
+        <p:spPr>
+          <a:xfrm>
+            <a:off x="2184917" y="4646645"/>
+            <a:ext cx="443668" cy="2118049"/>
+          </a:xfrm>
+          <a:prstGeom prst="rect">
+            <a:avLst/>
+          </a:prstGeom>
+        </p:spPr>
+        <p:style>
+          <a:lnRef idx="2">
+            <a:schemeClr val="accent1">
+              <a:shade val="50000"/>
+            </a:schemeClr>
+          </a:lnRef>
+          <a:fillRef idx="1">
+            <a:schemeClr val="accent1"/>
+          </a:fillRef>
+          <a:effectRef idx="0">
+            <a:schemeClr val="accent1"/>
+          </a:effectRef>
+          <a:fontRef idx="minor">
+            <a:schemeClr val="lt1"/>
+          </a:fontRef>
+        </p:style>
+        <p:txBody>
+          <a:bodyPr rtlCol="0" anchor="ctr"/>
+          <a:lstStyle/>
+          <a:p>
+            <a:pPr algn="ctr"/>
+            <a:endParaRPr lang="en-US"/>
+          </a:p>
+        </p:txBody>
+      </p:sp>
+      <p:sp>
+        <p:nvSpPr>
+          <p:cNvPr id="13" name="TextBox 12">
+            <a:extLst>
+              <a:ext uri="{FF2B5EF4-FFF2-40B4-BE49-F238E27FC236}">
+                <a16:creationId xmlns:a16="http://schemas.microsoft.com/office/drawing/2014/main" id="{BB4B7495-3877-340E-CE17-6367D0E2ED7D}"/>
+              </a:ext>
+            </a:extLst>
+          </p:cNvPr>
+          <p:cNvSpPr txBox="1"/>
+          <p:nvPr/>
+        </p:nvSpPr>
+        <p:spPr>
+          <a:xfrm>
+            <a:off x="314131" y="4777273"/>
+            <a:ext cx="1775926" cy="1600438"/>
+          </a:xfrm>
+          <a:prstGeom prst="rect">
+            <a:avLst/>
+          </a:prstGeom>
+          <a:noFill/>
+        </p:spPr>
+        <p:txBody>
+          <a:bodyPr wrap="square" rtlCol="0">
+            <a:spAutoFit/>
+          </a:bodyPr>
+          <a:lstStyle/>
+          <a:p>
+            <a:r>
+              <a:rPr lang="en-IN" sz="1400" dirty="0"/>
+              <a:t>Target URL aka URL of REST API</a:t>
+            </a:r>
+          </a:p>
+          <a:p>
+            <a:endParaRPr lang="en-IN" sz="1400" dirty="0"/>
+          </a:p>
+          <a:p>
+            <a:r>
+              <a:rPr lang="en-IN" sz="1400" dirty="0"/>
+              <a:t>Contains URL Parameters in QueryString or Route Parameters </a:t>
+            </a:r>
+            <a:endParaRPr lang="en-US" sz="1400" dirty="0"/>
+          </a:p>
+        </p:txBody>
+      </p:sp>
+      <p:sp>
+        <p:nvSpPr>
+          <p:cNvPr id="14" name="Rectangle 13">
+            <a:extLst>
+              <a:ext uri="{FF2B5EF4-FFF2-40B4-BE49-F238E27FC236}">
+                <a16:creationId xmlns:a16="http://schemas.microsoft.com/office/drawing/2014/main" id="{A715886A-074A-BFB0-2FE5-3AA5563D019F}"/>
+              </a:ext>
+            </a:extLst>
+          </p:cNvPr>
+          <p:cNvSpPr/>
+          <p:nvPr/>
+        </p:nvSpPr>
+        <p:spPr>
+          <a:xfrm>
+            <a:off x="6497994" y="4646645"/>
+            <a:ext cx="443668" cy="2118049"/>
+          </a:xfrm>
+          <a:prstGeom prst="rect">
+            <a:avLst/>
+          </a:prstGeom>
+        </p:spPr>
+        <p:style>
+          <a:lnRef idx="2">
+            <a:schemeClr val="accent1">
+              <a:shade val="50000"/>
+            </a:schemeClr>
+          </a:lnRef>
+          <a:fillRef idx="1">
+            <a:schemeClr val="accent1"/>
+          </a:fillRef>
+          <a:effectRef idx="0">
+            <a:schemeClr val="accent1"/>
+          </a:effectRef>
+          <a:fontRef idx="minor">
+            <a:schemeClr val="lt1"/>
+          </a:fontRef>
+        </p:style>
+        <p:txBody>
+          <a:bodyPr rtlCol="0" anchor="ctr"/>
+          <a:lstStyle/>
+          <a:p>
+            <a:pPr algn="ctr"/>
+            <a:endParaRPr lang="en-US"/>
+          </a:p>
+        </p:txBody>
+      </p:sp>
+      <p:sp>
+        <p:nvSpPr>
+          <p:cNvPr id="15" name="TextBox 14">
+            <a:extLst>
+              <a:ext uri="{FF2B5EF4-FFF2-40B4-BE49-F238E27FC236}">
+                <a16:creationId xmlns:a16="http://schemas.microsoft.com/office/drawing/2014/main" id="{DF6F44B8-8E9B-3CDF-97A3-97072D76DD42}"/>
+              </a:ext>
+            </a:extLst>
+          </p:cNvPr>
+          <p:cNvSpPr txBox="1"/>
+          <p:nvPr/>
+        </p:nvSpPr>
+        <p:spPr>
+          <a:xfrm>
+            <a:off x="2623456" y="4669199"/>
+            <a:ext cx="3842658" cy="2031325"/>
+          </a:xfrm>
+          <a:prstGeom prst="rect">
+            <a:avLst/>
+          </a:prstGeom>
+          <a:noFill/>
+        </p:spPr>
+        <p:txBody>
+          <a:bodyPr wrap="square" rtlCol="0">
+            <a:spAutoFit/>
+          </a:bodyPr>
+          <a:lstStyle/>
+          <a:p>
+            <a:r>
+              <a:rPr lang="en-IN" dirty="0"/>
+              <a:t>Header Values</a:t>
+            </a:r>
+          </a:p>
+          <a:p>
+            <a:pPr marL="342900" indent="-342900">
+              <a:buAutoNum type="arabicPeriod"/>
+            </a:pPr>
+            <a:r>
+              <a:rPr lang="en-IN" dirty="0"/>
+              <a:t>Method: GET/POST/PUT/DELETE</a:t>
+            </a:r>
+          </a:p>
+          <a:p>
+            <a:pPr marL="342900" indent="-342900">
+              <a:buAutoNum type="arabicPeriod"/>
+            </a:pPr>
+            <a:r>
+              <a:rPr lang="en-IN" dirty="0"/>
+              <a:t>MIME-TYPE aka Message Format used in POST and PUT Request</a:t>
+            </a:r>
+          </a:p>
+          <a:p>
+            <a:pPr marL="800100" lvl="1" indent="-342900">
+              <a:buAutoNum type="arabicPeriod"/>
+            </a:pPr>
+            <a:r>
+              <a:rPr lang="en-IN" dirty="0"/>
+              <a:t>E.g. </a:t>
+            </a:r>
+            <a:r>
+              <a:rPr lang="en-IN" dirty="0" err="1"/>
+              <a:t>Content-Type:application</a:t>
+            </a:r>
+            <a:r>
+              <a:rPr lang="en-IN" dirty="0"/>
+              <a:t>/json</a:t>
+            </a:r>
+          </a:p>
+          <a:p>
+            <a:pPr marL="800100" lvl="1" indent="-342900">
+              <a:buAutoNum type="arabicPeriod"/>
+            </a:pPr>
+            <a:r>
+              <a:rPr lang="en-IN" dirty="0"/>
+              <a:t>AUTHORIZATION value</a:t>
+            </a:r>
+            <a:endParaRPr lang="en-US" dirty="0"/>
+          </a:p>
+        </p:txBody>
+      </p:sp>
+      <p:sp>
+        <p:nvSpPr>
+          <p:cNvPr id="17" name="TextBox 16">
+            <a:extLst>
+              <a:ext uri="{FF2B5EF4-FFF2-40B4-BE49-F238E27FC236}">
+                <a16:creationId xmlns:a16="http://schemas.microsoft.com/office/drawing/2014/main" id="{2BFA047D-694B-4350-49D4-943FC88A130A}"/>
+              </a:ext>
+            </a:extLst>
+          </p:cNvPr>
+          <p:cNvSpPr txBox="1"/>
+          <p:nvPr/>
+        </p:nvSpPr>
+        <p:spPr>
+          <a:xfrm>
+            <a:off x="7044612" y="4733369"/>
+            <a:ext cx="4767943" cy="923330"/>
+          </a:xfrm>
+          <a:prstGeom prst="rect">
+            <a:avLst/>
+          </a:prstGeom>
+          <a:noFill/>
+        </p:spPr>
+        <p:txBody>
+          <a:bodyPr wrap="square" rtlCol="0">
+            <a:spAutoFit/>
+          </a:bodyPr>
+          <a:lstStyle/>
+          <a:p>
+            <a:r>
+              <a:rPr lang="en-IN" dirty="0"/>
+              <a:t>Custom Headers</a:t>
+            </a:r>
+          </a:p>
+          <a:p>
+            <a:r>
+              <a:rPr lang="en-IN" dirty="0"/>
+              <a:t>e.g. API Version</a:t>
+            </a:r>
+          </a:p>
+          <a:p>
+            <a:r>
+              <a:rPr lang="en-IN" dirty="0"/>
+              <a:t>Any other  custom value</a:t>
+            </a:r>
+            <a:endParaRPr lang="en-US" dirty="0"/>
+          </a:p>
+        </p:txBody>
+      </p:sp>
+    </p:spTree>
+    <p:extLst>
+      <p:ext uri="{BB962C8B-B14F-4D97-AF65-F5344CB8AC3E}">
+        <p14:creationId xmlns:p14="http://schemas.microsoft.com/office/powerpoint/2010/main" val="1355795206"/>
       </p:ext>
     </p:extLst>
   </p:cSld>

--- a/Training_Images.pptx
+++ b/Training_Images.pptx
@@ -39,6 +39,7 @@
     <p:sldId id="287" r:id="rId33"/>
     <p:sldId id="288" r:id="rId34"/>
     <p:sldId id="289" r:id="rId35"/>
+    <p:sldId id="290" r:id="rId36"/>
   </p:sldIdLst>
   <p:sldSz cx="12192000" cy="6858000"/>
   <p:notesSz cx="6858000" cy="9144000"/>
@@ -292,7 +293,7 @@
           <a:p>
             <a:fld id="{F4B84776-BAA1-48A5-B83E-3E40081DB21F}" type="datetimeFigureOut">
               <a:rPr lang="en-US" smtClean="0"/>
-              <a:t>10/7/2022</a:t>
+              <a:t>10/8/2022</a:t>
             </a:fld>
             <a:endParaRPr lang="en-US"/>
           </a:p>
@@ -490,7 +491,7 @@
           <a:p>
             <a:fld id="{F4B84776-BAA1-48A5-B83E-3E40081DB21F}" type="datetimeFigureOut">
               <a:rPr lang="en-US" smtClean="0"/>
-              <a:t>10/7/2022</a:t>
+              <a:t>10/8/2022</a:t>
             </a:fld>
             <a:endParaRPr lang="en-US"/>
           </a:p>
@@ -698,7 +699,7 @@
           <a:p>
             <a:fld id="{F4B84776-BAA1-48A5-B83E-3E40081DB21F}" type="datetimeFigureOut">
               <a:rPr lang="en-US" smtClean="0"/>
-              <a:t>10/7/2022</a:t>
+              <a:t>10/8/2022</a:t>
             </a:fld>
             <a:endParaRPr lang="en-US"/>
           </a:p>
@@ -896,7 +897,7 @@
           <a:p>
             <a:fld id="{F4B84776-BAA1-48A5-B83E-3E40081DB21F}" type="datetimeFigureOut">
               <a:rPr lang="en-US" smtClean="0"/>
-              <a:t>10/7/2022</a:t>
+              <a:t>10/8/2022</a:t>
             </a:fld>
             <a:endParaRPr lang="en-US"/>
           </a:p>
@@ -1171,7 +1172,7 @@
           <a:p>
             <a:fld id="{F4B84776-BAA1-48A5-B83E-3E40081DB21F}" type="datetimeFigureOut">
               <a:rPr lang="en-US" smtClean="0"/>
-              <a:t>10/7/2022</a:t>
+              <a:t>10/8/2022</a:t>
             </a:fld>
             <a:endParaRPr lang="en-US"/>
           </a:p>
@@ -1436,7 +1437,7 @@
           <a:p>
             <a:fld id="{F4B84776-BAA1-48A5-B83E-3E40081DB21F}" type="datetimeFigureOut">
               <a:rPr lang="en-US" smtClean="0"/>
-              <a:t>10/7/2022</a:t>
+              <a:t>10/8/2022</a:t>
             </a:fld>
             <a:endParaRPr lang="en-US"/>
           </a:p>
@@ -1848,7 +1849,7 @@
           <a:p>
             <a:fld id="{F4B84776-BAA1-48A5-B83E-3E40081DB21F}" type="datetimeFigureOut">
               <a:rPr lang="en-US" smtClean="0"/>
-              <a:t>10/7/2022</a:t>
+              <a:t>10/8/2022</a:t>
             </a:fld>
             <a:endParaRPr lang="en-US"/>
           </a:p>
@@ -1989,7 +1990,7 @@
           <a:p>
             <a:fld id="{F4B84776-BAA1-48A5-B83E-3E40081DB21F}" type="datetimeFigureOut">
               <a:rPr lang="en-US" smtClean="0"/>
-              <a:t>10/7/2022</a:t>
+              <a:t>10/8/2022</a:t>
             </a:fld>
             <a:endParaRPr lang="en-US"/>
           </a:p>
@@ -2102,7 +2103,7 @@
           <a:p>
             <a:fld id="{F4B84776-BAA1-48A5-B83E-3E40081DB21F}" type="datetimeFigureOut">
               <a:rPr lang="en-US" smtClean="0"/>
-              <a:t>10/7/2022</a:t>
+              <a:t>10/8/2022</a:t>
             </a:fld>
             <a:endParaRPr lang="en-US"/>
           </a:p>
@@ -2413,7 +2414,7 @@
           <a:p>
             <a:fld id="{F4B84776-BAA1-48A5-B83E-3E40081DB21F}" type="datetimeFigureOut">
               <a:rPr lang="en-US" smtClean="0"/>
-              <a:t>10/7/2022</a:t>
+              <a:t>10/8/2022</a:t>
             </a:fld>
             <a:endParaRPr lang="en-US"/>
           </a:p>
@@ -2701,7 +2702,7 @@
           <a:p>
             <a:fld id="{F4B84776-BAA1-48A5-B83E-3E40081DB21F}" type="datetimeFigureOut">
               <a:rPr lang="en-US" smtClean="0"/>
-              <a:t>10/7/2022</a:t>
+              <a:t>10/8/2022</a:t>
             </a:fld>
             <a:endParaRPr lang="en-US"/>
           </a:p>
@@ -2942,7 +2943,7 @@
           <a:p>
             <a:fld id="{F4B84776-BAA1-48A5-B83E-3E40081DB21F}" type="datetimeFigureOut">
               <a:rPr lang="en-US" smtClean="0"/>
-              <a:t>10/7/2022</a:t>
+              <a:t>10/8/2022</a:t>
             </a:fld>
             <a:endParaRPr lang="en-US"/>
           </a:p>
@@ -28089,6 +28090,374 @@
 </p:sld>
 </file>
 
+<file path=ppt/slides/slide35.xml><?xml version="1.0" encoding="utf-8"?>
+<p:sld xmlns:a="http://schemas.openxmlformats.org/drawingml/2006/main" xmlns:r="http://schemas.openxmlformats.org/officeDocument/2006/relationships" xmlns:p="http://schemas.openxmlformats.org/presentationml/2006/main">
+  <p:cSld>
+    <p:spTree>
+      <p:nvGrpSpPr>
+        <p:cNvPr id="1" name=""/>
+        <p:cNvGrpSpPr/>
+        <p:nvPr/>
+      </p:nvGrpSpPr>
+      <p:grpSpPr>
+        <a:xfrm>
+          <a:off x="0" y="0"/>
+          <a:ext cx="0" cy="0"/>
+          <a:chOff x="0" y="0"/>
+          <a:chExt cx="0" cy="0"/>
+        </a:xfrm>
+      </p:grpSpPr>
+      <p:sp>
+        <p:nvSpPr>
+          <p:cNvPr id="2" name="Rectangle 1">
+            <a:extLst>
+              <a:ext uri="{FF2B5EF4-FFF2-40B4-BE49-F238E27FC236}">
+                <a16:creationId xmlns:a16="http://schemas.microsoft.com/office/drawing/2014/main" id="{E7337466-6042-7DF4-5998-EF620422936C}"/>
+              </a:ext>
+            </a:extLst>
+          </p:cNvPr>
+          <p:cNvSpPr/>
+          <p:nvPr/>
+        </p:nvSpPr>
+        <p:spPr>
+          <a:xfrm>
+            <a:off x="5831632" y="587829"/>
+            <a:ext cx="3377682" cy="2687216"/>
+          </a:xfrm>
+          <a:prstGeom prst="rect">
+            <a:avLst/>
+          </a:prstGeom>
+        </p:spPr>
+        <p:style>
+          <a:lnRef idx="2">
+            <a:schemeClr val="accent1">
+              <a:shade val="50000"/>
+            </a:schemeClr>
+          </a:lnRef>
+          <a:fillRef idx="1">
+            <a:schemeClr val="accent1"/>
+          </a:fillRef>
+          <a:effectRef idx="0">
+            <a:schemeClr val="accent1"/>
+          </a:effectRef>
+          <a:fontRef idx="minor">
+            <a:schemeClr val="lt1"/>
+          </a:fontRef>
+        </p:style>
+        <p:txBody>
+          <a:bodyPr rtlCol="0" anchor="ctr"/>
+          <a:lstStyle/>
+          <a:p>
+            <a:pPr algn="ctr"/>
+            <a:r>
+              <a:rPr lang="en-IN" b="1" dirty="0"/>
+              <a:t>MVC App with MVC Views and jQuery in it</a:t>
+            </a:r>
+            <a:endParaRPr lang="en-US" b="1" dirty="0"/>
+          </a:p>
+        </p:txBody>
+      </p:sp>
+      <p:sp>
+        <p:nvSpPr>
+          <p:cNvPr id="3" name="Arrow: Right 2">
+            <a:extLst>
+              <a:ext uri="{FF2B5EF4-FFF2-40B4-BE49-F238E27FC236}">
+                <a16:creationId xmlns:a16="http://schemas.microsoft.com/office/drawing/2014/main" id="{E5B46D91-9AC2-1FA9-D9C1-55FAECD72C8B}"/>
+              </a:ext>
+            </a:extLst>
+          </p:cNvPr>
+          <p:cNvSpPr/>
+          <p:nvPr/>
+        </p:nvSpPr>
+        <p:spPr>
+          <a:xfrm>
+            <a:off x="1772814" y="849086"/>
+            <a:ext cx="4058817" cy="634482"/>
+          </a:xfrm>
+          <a:prstGeom prst="rightArrow">
+            <a:avLst/>
+          </a:prstGeom>
+        </p:spPr>
+        <p:style>
+          <a:lnRef idx="2">
+            <a:schemeClr val="accent1">
+              <a:shade val="50000"/>
+            </a:schemeClr>
+          </a:lnRef>
+          <a:fillRef idx="1">
+            <a:schemeClr val="accent1"/>
+          </a:fillRef>
+          <a:effectRef idx="0">
+            <a:schemeClr val="accent1"/>
+          </a:effectRef>
+          <a:fontRef idx="minor">
+            <a:schemeClr val="lt1"/>
+          </a:fontRef>
+        </p:style>
+        <p:txBody>
+          <a:bodyPr rtlCol="0" anchor="ctr"/>
+          <a:lstStyle/>
+          <a:p>
+            <a:pPr algn="ctr"/>
+            <a:r>
+              <a:rPr lang="en-IN" dirty="0"/>
+              <a:t>http://localhost:port/ctrl/action</a:t>
+            </a:r>
+            <a:endParaRPr lang="en-US" dirty="0"/>
+          </a:p>
+        </p:txBody>
+      </p:sp>
+      <p:sp>
+        <p:nvSpPr>
+          <p:cNvPr id="4" name="Rectangle 3">
+            <a:extLst>
+              <a:ext uri="{FF2B5EF4-FFF2-40B4-BE49-F238E27FC236}">
+                <a16:creationId xmlns:a16="http://schemas.microsoft.com/office/drawing/2014/main" id="{9F3C4D7A-2409-4A5D-BE1E-3AA19298D352}"/>
+              </a:ext>
+            </a:extLst>
+          </p:cNvPr>
+          <p:cNvSpPr/>
+          <p:nvPr/>
+        </p:nvSpPr>
+        <p:spPr>
+          <a:xfrm>
+            <a:off x="121298" y="587828"/>
+            <a:ext cx="1660849" cy="2841171"/>
+          </a:xfrm>
+          <a:prstGeom prst="rect">
+            <a:avLst/>
+          </a:prstGeom>
+        </p:spPr>
+        <p:style>
+          <a:lnRef idx="2">
+            <a:schemeClr val="accent6"/>
+          </a:lnRef>
+          <a:fillRef idx="1">
+            <a:schemeClr val="lt1"/>
+          </a:fillRef>
+          <a:effectRef idx="0">
+            <a:schemeClr val="accent6"/>
+          </a:effectRef>
+          <a:fontRef idx="minor">
+            <a:schemeClr val="dk1"/>
+          </a:fontRef>
+        </p:style>
+        <p:txBody>
+          <a:bodyPr rtlCol="0" anchor="ctr"/>
+          <a:lstStyle/>
+          <a:p>
+            <a:pPr algn="ctr"/>
+            <a:r>
+              <a:rPr lang="en-IN" dirty="0"/>
+              <a:t>Browser</a:t>
+            </a:r>
+          </a:p>
+          <a:p>
+            <a:pPr algn="ctr"/>
+            <a:r>
+              <a:rPr lang="en-IN" dirty="0"/>
+              <a:t>MVC View + jQuery</a:t>
+            </a:r>
+            <a:endParaRPr lang="en-US" dirty="0"/>
+          </a:p>
+        </p:txBody>
+      </p:sp>
+      <p:sp>
+        <p:nvSpPr>
+          <p:cNvPr id="5" name="Arrow: Left 4">
+            <a:extLst>
+              <a:ext uri="{FF2B5EF4-FFF2-40B4-BE49-F238E27FC236}">
+                <a16:creationId xmlns:a16="http://schemas.microsoft.com/office/drawing/2014/main" id="{1E403119-1104-4ACB-0AA9-A7E1038CBC8C}"/>
+              </a:ext>
+            </a:extLst>
+          </p:cNvPr>
+          <p:cNvSpPr/>
+          <p:nvPr/>
+        </p:nvSpPr>
+        <p:spPr>
+          <a:xfrm>
+            <a:off x="1772814" y="1884784"/>
+            <a:ext cx="4058817" cy="634482"/>
+          </a:xfrm>
+          <a:prstGeom prst="leftArrow">
+            <a:avLst/>
+          </a:prstGeom>
+        </p:spPr>
+        <p:style>
+          <a:lnRef idx="2">
+            <a:schemeClr val="accent1">
+              <a:shade val="50000"/>
+            </a:schemeClr>
+          </a:lnRef>
+          <a:fillRef idx="1">
+            <a:schemeClr val="accent1"/>
+          </a:fillRef>
+          <a:effectRef idx="0">
+            <a:schemeClr val="accent1"/>
+          </a:effectRef>
+          <a:fontRef idx="minor">
+            <a:schemeClr val="lt1"/>
+          </a:fontRef>
+        </p:style>
+        <p:txBody>
+          <a:bodyPr rtlCol="0" anchor="ctr"/>
+          <a:lstStyle/>
+          <a:p>
+            <a:pPr algn="ctr"/>
+            <a:r>
+              <a:rPr lang="en-IN" dirty="0"/>
+              <a:t>Respond the View + jQuery in it</a:t>
+            </a:r>
+            <a:endParaRPr lang="en-US" dirty="0"/>
+          </a:p>
+        </p:txBody>
+      </p:sp>
+      <p:sp>
+        <p:nvSpPr>
+          <p:cNvPr id="6" name="Rectangle 5">
+            <a:extLst>
+              <a:ext uri="{FF2B5EF4-FFF2-40B4-BE49-F238E27FC236}">
+                <a16:creationId xmlns:a16="http://schemas.microsoft.com/office/drawing/2014/main" id="{927611E7-7EDC-03CB-E6C0-68435D98E5D4}"/>
+              </a:ext>
+            </a:extLst>
+          </p:cNvPr>
+          <p:cNvSpPr/>
+          <p:nvPr/>
+        </p:nvSpPr>
+        <p:spPr>
+          <a:xfrm>
+            <a:off x="7355632" y="3791340"/>
+            <a:ext cx="3377682" cy="2687216"/>
+          </a:xfrm>
+          <a:prstGeom prst="rect">
+            <a:avLst/>
+          </a:prstGeom>
+        </p:spPr>
+        <p:style>
+          <a:lnRef idx="2">
+            <a:schemeClr val="accent1">
+              <a:shade val="50000"/>
+            </a:schemeClr>
+          </a:lnRef>
+          <a:fillRef idx="1">
+            <a:schemeClr val="accent1"/>
+          </a:fillRef>
+          <a:effectRef idx="0">
+            <a:schemeClr val="accent1"/>
+          </a:effectRef>
+          <a:fontRef idx="minor">
+            <a:schemeClr val="lt1"/>
+          </a:fontRef>
+        </p:style>
+        <p:txBody>
+          <a:bodyPr rtlCol="0" anchor="ctr"/>
+          <a:lstStyle/>
+          <a:p>
+            <a:pPr algn="ctr"/>
+            <a:r>
+              <a:rPr lang="en-IN" b="1" dirty="0"/>
+              <a:t>ASP.NET WEB API App that will contain APIs which will be invoked using jQuery</a:t>
+            </a:r>
+            <a:endParaRPr lang="en-US" b="1" dirty="0"/>
+          </a:p>
+        </p:txBody>
+      </p:sp>
+      <p:cxnSp>
+        <p:nvCxnSpPr>
+          <p:cNvPr id="8" name="Connector: Elbow 7">
+            <a:extLst>
+              <a:ext uri="{FF2B5EF4-FFF2-40B4-BE49-F238E27FC236}">
+                <a16:creationId xmlns:a16="http://schemas.microsoft.com/office/drawing/2014/main" id="{E4BA5BB4-D1FB-D2AE-41D9-9777A351FF2B}"/>
+              </a:ext>
+            </a:extLst>
+          </p:cNvPr>
+          <p:cNvCxnSpPr>
+            <a:stCxn id="4" idx="2"/>
+            <a:endCxn id="6" idx="1"/>
+          </p:cNvCxnSpPr>
+          <p:nvPr/>
+        </p:nvCxnSpPr>
+        <p:spPr>
+          <a:xfrm rot="16200000" flipH="1">
+            <a:off x="3300703" y="1080018"/>
+            <a:ext cx="1705949" cy="6403909"/>
+          </a:xfrm>
+          <a:prstGeom prst="bentConnector2">
+            <a:avLst/>
+          </a:prstGeom>
+          <a:ln w="76200">
+            <a:solidFill>
+              <a:srgbClr val="FF0000"/>
+            </a:solidFill>
+            <a:headEnd type="triangle"/>
+            <a:tailEnd type="triangle"/>
+          </a:ln>
+        </p:spPr>
+        <p:style>
+          <a:lnRef idx="1">
+            <a:schemeClr val="accent1"/>
+          </a:lnRef>
+          <a:fillRef idx="0">
+            <a:schemeClr val="accent1"/>
+          </a:fillRef>
+          <a:effectRef idx="0">
+            <a:schemeClr val="accent1"/>
+          </a:effectRef>
+          <a:fontRef idx="minor">
+            <a:schemeClr val="tx1"/>
+          </a:fontRef>
+        </p:style>
+      </p:cxnSp>
+      <p:sp>
+        <p:nvSpPr>
+          <p:cNvPr id="9" name="TextBox 8">
+            <a:extLst>
+              <a:ext uri="{FF2B5EF4-FFF2-40B4-BE49-F238E27FC236}">
+                <a16:creationId xmlns:a16="http://schemas.microsoft.com/office/drawing/2014/main" id="{46072B70-0E64-2A5C-89B1-6F5499CF5AF5}"/>
+              </a:ext>
+            </a:extLst>
+          </p:cNvPr>
+          <p:cNvSpPr txBox="1"/>
+          <p:nvPr/>
+        </p:nvSpPr>
+        <p:spPr>
+          <a:xfrm>
+            <a:off x="2034073" y="4450702"/>
+            <a:ext cx="3498980" cy="369332"/>
+          </a:xfrm>
+          <a:prstGeom prst="rect">
+            <a:avLst/>
+          </a:prstGeom>
+          <a:noFill/>
+        </p:spPr>
+        <p:txBody>
+          <a:bodyPr wrap="square" rtlCol="0">
+            <a:spAutoFit/>
+          </a:bodyPr>
+          <a:lstStyle/>
+          <a:p>
+            <a:pPr algn="ctr"/>
+            <a:r>
+              <a:rPr lang="en-IN" b="1" dirty="0"/>
+              <a:t>Call API using jQuery</a:t>
+            </a:r>
+            <a:endParaRPr lang="en-US" b="1" dirty="0"/>
+          </a:p>
+        </p:txBody>
+      </p:sp>
+    </p:spTree>
+    <p:extLst>
+      <p:ext uri="{BB962C8B-B14F-4D97-AF65-F5344CB8AC3E}">
+        <p14:creationId xmlns:p14="http://schemas.microsoft.com/office/powerpoint/2010/main" val="4190899261"/>
+      </p:ext>
+    </p:extLst>
+  </p:cSld>
+  <p:clrMapOvr>
+    <a:masterClrMapping/>
+  </p:clrMapOvr>
+</p:sld>
+</file>
+
 <file path=ppt/slides/slide4.xml><?xml version="1.0" encoding="utf-8"?>
 <p:sld xmlns:a="http://schemas.openxmlformats.org/drawingml/2006/main" xmlns:r="http://schemas.openxmlformats.org/officeDocument/2006/relationships" xmlns:p="http://schemas.openxmlformats.org/presentationml/2006/main">
   <p:cSld>
